--- a/ProjetTof’Box.pptx
+++ b/ProjetTof’Box.pptx
@@ -206,6 +206,41 @@
     </p:ext>
   </p:extLst>
 </p:presentation>
+</file>
+
+<file path=ppt/commentAuthors.xml><?xml version="1.0" encoding="utf-8"?>
+<p:cmAuthorLst xmlns:a="http://schemas.openxmlformats.org/drawingml/2006/main" xmlns:r="http://schemas.openxmlformats.org/officeDocument/2006/relationships" xmlns:p="http://schemas.openxmlformats.org/presentationml/2006/main">
+  <p:cmAuthor id="1" name="S2 LF" initials="SL" lastIdx="6" clrIdx="0">
+    <p:extLst>
+      <p:ext uri="{19B8F6BF-5375-455C-9EA6-DF929625EA0E}">
+        <p15:presenceInfo xmlns:p15="http://schemas.microsoft.com/office/powerpoint/2012/main" userId="2fbaeacd0ddf9de3" providerId="Windows Live"/>
+      </p:ext>
+    </p:extLst>
+  </p:cmAuthor>
+</p:cmAuthorLst>
+</file>
+
+<file path=ppt/comments/comment1.xml><?xml version="1.0" encoding="utf-8"?>
+<p:cmLst xmlns:a="http://schemas.openxmlformats.org/drawingml/2006/main" xmlns:r="http://schemas.openxmlformats.org/officeDocument/2006/relationships" xmlns:p="http://schemas.openxmlformats.org/presentationml/2006/main">
+  <p:cm authorId="1" dt="2020-06-03T17:02:02.317" idx="4">
+    <p:pos x="10" y="10"/>
+    <p:text>1 Requête envoyé suite à action de l'utilisateur</p:text>
+    <p:extLst>
+      <p:ext uri="{C676402C-5697-4E1C-873F-D02D1690AC5C}">
+        <p15:threadingInfo xmlns:p15="http://schemas.microsoft.com/office/powerpoint/2012/main" timeZoneBias="-120"/>
+      </p:ext>
+    </p:extLst>
+  </p:cm>
+  <p:cm authorId="1" dt="2020-06-03T17:02:22.250" idx="5">
+    <p:pos x="146" y="146"/>
+    <p:text>2</p:text>
+    <p:extLst>
+      <p:ext uri="{C676402C-5697-4E1C-873F-D02D1690AC5C}">
+        <p15:threadingInfo xmlns:p15="http://schemas.microsoft.com/office/powerpoint/2012/main" timeZoneBias="-120"/>
+      </p:ext>
+    </p:extLst>
+  </p:cm>
+</p:cmLst>
 </file>
 
 <file path=ppt/diagrams/colors1.xml><?xml version="1.0" encoding="utf-8"?>
@@ -11032,6 +11067,357 @@
     </a:lvl9pPr>
   </p:notesStyle>
 </p:notesMaster>
+</file>
+
+<file path=ppt/notesSlides/notesSlide1.xml><?xml version="1.0" encoding="utf-8"?>
+<p:notes xmlns:a="http://schemas.openxmlformats.org/drawingml/2006/main" xmlns:r="http://schemas.openxmlformats.org/officeDocument/2006/relationships" xmlns:p="http://schemas.openxmlformats.org/presentationml/2006/main">
+  <p:cSld>
+    <p:spTree>
+      <p:nvGrpSpPr>
+        <p:cNvPr id="1" name=""/>
+        <p:cNvGrpSpPr/>
+        <p:nvPr/>
+      </p:nvGrpSpPr>
+      <p:grpSpPr>
+        <a:xfrm>
+          <a:off x="0" y="0"/>
+          <a:ext cx="0" cy="0"/>
+          <a:chOff x="0" y="0"/>
+          <a:chExt cx="0" cy="0"/>
+        </a:xfrm>
+      </p:grpSpPr>
+      <p:sp>
+        <p:nvSpPr>
+          <p:cNvPr id="2" name="Espace réservé de l'image des diapositives 1"/>
+          <p:cNvSpPr>
+            <a:spLocks noGrp="1" noRot="1" noChangeAspect="1"/>
+          </p:cNvSpPr>
+          <p:nvPr>
+            <p:ph type="sldImg"/>
+          </p:nvPr>
+        </p:nvSpPr>
+        <p:spPr/>
+      </p:sp>
+      <p:sp>
+        <p:nvSpPr>
+          <p:cNvPr id="3" name="Espace réservé des notes 2"/>
+          <p:cNvSpPr>
+            <a:spLocks noGrp="1"/>
+          </p:cNvSpPr>
+          <p:nvPr>
+            <p:ph type="body" idx="1"/>
+          </p:nvPr>
+        </p:nvSpPr>
+        <p:spPr/>
+        <p:txBody>
+          <a:bodyPr/>
+          <a:lstStyle/>
+          <a:p>
+            <a:r>
+              <a:rPr lang="fr-FR" dirty="0" err="1"/>
+              <a:t>Tkt</a:t>
+            </a:r>
+            <a:r>
+              <a:rPr lang="fr-FR" dirty="0"/>
+              <a:t> ça va bien se passer !</a:t>
+            </a:r>
+          </a:p>
+        </p:txBody>
+      </p:sp>
+      <p:sp>
+        <p:nvSpPr>
+          <p:cNvPr id="4" name="Espace réservé du pied de page 3"/>
+          <p:cNvSpPr>
+            <a:spLocks noGrp="1"/>
+          </p:cNvSpPr>
+          <p:nvPr>
+            <p:ph type="ftr" sz="quarter" idx="4"/>
+          </p:nvPr>
+        </p:nvSpPr>
+        <p:spPr/>
+        <p:txBody>
+          <a:bodyPr/>
+          <a:lstStyle/>
+          <a:p>
+            <a:endParaRPr lang="fr-FR"/>
+          </a:p>
+        </p:txBody>
+      </p:sp>
+      <p:sp>
+        <p:nvSpPr>
+          <p:cNvPr id="5" name="Espace réservé du numéro de diapositive 4"/>
+          <p:cNvSpPr>
+            <a:spLocks noGrp="1"/>
+          </p:cNvSpPr>
+          <p:nvPr>
+            <p:ph type="sldNum" sz="quarter" idx="5"/>
+          </p:nvPr>
+        </p:nvSpPr>
+        <p:spPr/>
+        <p:txBody>
+          <a:bodyPr/>
+          <a:lstStyle/>
+          <a:p>
+            <a:fld id="{29CE9D0A-0D4D-4103-A069-496353309B8D}" type="slidenum">
+              <a:rPr lang="fr-FR" smtClean="0"/>
+              <a:t>1</a:t>
+            </a:fld>
+            <a:endParaRPr lang="fr-FR"/>
+          </a:p>
+        </p:txBody>
+      </p:sp>
+    </p:spTree>
+    <p:extLst>
+      <p:ext uri="{BB962C8B-B14F-4D97-AF65-F5344CB8AC3E}">
+        <p14:creationId xmlns:p14="http://schemas.microsoft.com/office/powerpoint/2010/main" val="980632302"/>
+      </p:ext>
+    </p:extLst>
+  </p:cSld>
+  <p:clrMapOvr>
+    <a:masterClrMapping/>
+  </p:clrMapOvr>
+</p:notes>
+</file>
+
+<file path=ppt/notesSlides/notesSlide2.xml><?xml version="1.0" encoding="utf-8"?>
+<p:notes xmlns:a="http://schemas.openxmlformats.org/drawingml/2006/main" xmlns:r="http://schemas.openxmlformats.org/officeDocument/2006/relationships" xmlns:p="http://schemas.openxmlformats.org/presentationml/2006/main">
+  <p:cSld>
+    <p:spTree>
+      <p:nvGrpSpPr>
+        <p:cNvPr id="1" name=""/>
+        <p:cNvGrpSpPr/>
+        <p:nvPr/>
+      </p:nvGrpSpPr>
+      <p:grpSpPr>
+        <a:xfrm>
+          <a:off x="0" y="0"/>
+          <a:ext cx="0" cy="0"/>
+          <a:chOff x="0" y="0"/>
+          <a:chExt cx="0" cy="0"/>
+        </a:xfrm>
+      </p:grpSpPr>
+      <p:sp>
+        <p:nvSpPr>
+          <p:cNvPr id="2" name="Espace réservé de l'image des diapositives 1"/>
+          <p:cNvSpPr>
+            <a:spLocks noGrp="1" noRot="1" noChangeAspect="1"/>
+          </p:cNvSpPr>
+          <p:nvPr>
+            <p:ph type="sldImg"/>
+          </p:nvPr>
+        </p:nvSpPr>
+        <p:spPr/>
+      </p:sp>
+      <p:sp>
+        <p:nvSpPr>
+          <p:cNvPr id="3" name="Espace réservé des notes 2"/>
+          <p:cNvSpPr>
+            <a:spLocks noGrp="1"/>
+          </p:cNvSpPr>
+          <p:nvPr>
+            <p:ph type="body" idx="1"/>
+          </p:nvPr>
+        </p:nvSpPr>
+        <p:spPr/>
+        <p:txBody>
+          <a:bodyPr/>
+          <a:lstStyle/>
+          <a:p>
+            <a:endParaRPr lang="fr-FR" dirty="0"/>
+          </a:p>
+        </p:txBody>
+      </p:sp>
+      <p:sp>
+        <p:nvSpPr>
+          <p:cNvPr id="4" name="Espace réservé du pied de page 3"/>
+          <p:cNvSpPr>
+            <a:spLocks noGrp="1"/>
+          </p:cNvSpPr>
+          <p:nvPr>
+            <p:ph type="ftr" sz="quarter" idx="4"/>
+          </p:nvPr>
+        </p:nvSpPr>
+        <p:spPr/>
+        <p:txBody>
+          <a:bodyPr/>
+          <a:lstStyle/>
+          <a:p>
+            <a:endParaRPr lang="fr-FR"/>
+          </a:p>
+        </p:txBody>
+      </p:sp>
+      <p:sp>
+        <p:nvSpPr>
+          <p:cNvPr id="5" name="Espace réservé du numéro de diapositive 4"/>
+          <p:cNvSpPr>
+            <a:spLocks noGrp="1"/>
+          </p:cNvSpPr>
+          <p:nvPr>
+            <p:ph type="sldNum" sz="quarter" idx="5"/>
+          </p:nvPr>
+        </p:nvSpPr>
+        <p:spPr/>
+        <p:txBody>
+          <a:bodyPr/>
+          <a:lstStyle/>
+          <a:p>
+            <a:fld id="{29CE9D0A-0D4D-4103-A069-496353309B8D}" type="slidenum">
+              <a:rPr lang="fr-FR" smtClean="0"/>
+              <a:t>8</a:t>
+            </a:fld>
+            <a:endParaRPr lang="fr-FR"/>
+          </a:p>
+        </p:txBody>
+      </p:sp>
+    </p:spTree>
+    <p:extLst>
+      <p:ext uri="{BB962C8B-B14F-4D97-AF65-F5344CB8AC3E}">
+        <p14:creationId xmlns:p14="http://schemas.microsoft.com/office/powerpoint/2010/main" val="278954750"/>
+      </p:ext>
+    </p:extLst>
+  </p:cSld>
+  <p:clrMapOvr>
+    <a:masterClrMapping/>
+  </p:clrMapOvr>
+</p:notes>
+</file>
+
+<file path=ppt/notesSlides/notesSlide3.xml><?xml version="1.0" encoding="utf-8"?>
+<p:notes xmlns:a="http://schemas.openxmlformats.org/drawingml/2006/main" xmlns:r="http://schemas.openxmlformats.org/officeDocument/2006/relationships" xmlns:p="http://schemas.openxmlformats.org/presentationml/2006/main">
+  <p:cSld>
+    <p:spTree>
+      <p:nvGrpSpPr>
+        <p:cNvPr id="1" name=""/>
+        <p:cNvGrpSpPr/>
+        <p:nvPr/>
+      </p:nvGrpSpPr>
+      <p:grpSpPr>
+        <a:xfrm>
+          <a:off x="0" y="0"/>
+          <a:ext cx="0" cy="0"/>
+          <a:chOff x="0" y="0"/>
+          <a:chExt cx="0" cy="0"/>
+        </a:xfrm>
+      </p:grpSpPr>
+      <p:sp>
+        <p:nvSpPr>
+          <p:cNvPr id="2" name="Espace réservé de l'image des diapositives 1"/>
+          <p:cNvSpPr>
+            <a:spLocks noGrp="1" noRot="1" noChangeAspect="1"/>
+          </p:cNvSpPr>
+          <p:nvPr>
+            <p:ph type="sldImg"/>
+          </p:nvPr>
+        </p:nvSpPr>
+        <p:spPr/>
+      </p:sp>
+      <p:sp>
+        <p:nvSpPr>
+          <p:cNvPr id="3" name="Espace réservé des notes 2"/>
+          <p:cNvSpPr>
+            <a:spLocks noGrp="1"/>
+          </p:cNvSpPr>
+          <p:nvPr>
+            <p:ph type="body" idx="1"/>
+          </p:nvPr>
+        </p:nvSpPr>
+        <p:spPr/>
+        <p:txBody>
+          <a:bodyPr/>
+          <a:lstStyle/>
+          <a:p>
+            <a:r>
+              <a:rPr lang="fr-FR" dirty="0"/>
+              <a:t>1 = Requête envoyé par utilisateur. Envoyé vers contrôleur</a:t>
+            </a:r>
+          </a:p>
+          <a:p>
+            <a:r>
+              <a:rPr lang="fr-FR" dirty="0"/>
+              <a:t>2 = Le contrôleur fait une demande de données au Modèle</a:t>
+            </a:r>
+          </a:p>
+          <a:p>
+            <a:r>
+              <a:rPr lang="fr-FR" dirty="0"/>
+              <a:t>3 = Le Modèle envoie sa requête à la base de données. Il est le seul à avoir accès à la BDD</a:t>
+            </a:r>
+          </a:p>
+          <a:p>
+            <a:r>
+              <a:rPr lang="fr-FR" dirty="0"/>
+              <a:t>4 = Le Contrôleur récupère ces données, les organise si besoin et appel la vue avec les données</a:t>
+            </a:r>
+          </a:p>
+          <a:p>
+            <a:r>
+              <a:rPr lang="fr-FR" dirty="0"/>
+              <a:t>5 = La vue organiser la réponse et </a:t>
+            </a:r>
+            <a:r>
+              <a:rPr lang="fr-FR" dirty="0" err="1"/>
+              <a:t>retourn</a:t>
+            </a:r>
+            <a:r>
+              <a:rPr lang="fr-FR" dirty="0"/>
+              <a:t> le HTML qui sera affiché à l’utilisateur.</a:t>
+            </a:r>
+          </a:p>
+        </p:txBody>
+      </p:sp>
+      <p:sp>
+        <p:nvSpPr>
+          <p:cNvPr id="4" name="Espace réservé du pied de page 3"/>
+          <p:cNvSpPr>
+            <a:spLocks noGrp="1"/>
+          </p:cNvSpPr>
+          <p:nvPr>
+            <p:ph type="ftr" sz="quarter" idx="4"/>
+          </p:nvPr>
+        </p:nvSpPr>
+        <p:spPr/>
+        <p:txBody>
+          <a:bodyPr/>
+          <a:lstStyle/>
+          <a:p>
+            <a:endParaRPr lang="fr-FR"/>
+          </a:p>
+        </p:txBody>
+      </p:sp>
+      <p:sp>
+        <p:nvSpPr>
+          <p:cNvPr id="5" name="Espace réservé du numéro de diapositive 4"/>
+          <p:cNvSpPr>
+            <a:spLocks noGrp="1"/>
+          </p:cNvSpPr>
+          <p:nvPr>
+            <p:ph type="sldNum" sz="quarter" idx="5"/>
+          </p:nvPr>
+        </p:nvSpPr>
+        <p:spPr/>
+        <p:txBody>
+          <a:bodyPr/>
+          <a:lstStyle/>
+          <a:p>
+            <a:fld id="{29CE9D0A-0D4D-4103-A069-496353309B8D}" type="slidenum">
+              <a:rPr lang="fr-FR" smtClean="0"/>
+              <a:t>18</a:t>
+            </a:fld>
+            <a:endParaRPr lang="fr-FR"/>
+          </a:p>
+        </p:txBody>
+      </p:sp>
+    </p:spTree>
+    <p:extLst>
+      <p:ext uri="{BB962C8B-B14F-4D97-AF65-F5344CB8AC3E}">
+        <p14:creationId xmlns:p14="http://schemas.microsoft.com/office/powerpoint/2010/main" val="2586272995"/>
+      </p:ext>
+    </p:extLst>
+  </p:cSld>
+  <p:clrMapOvr>
+    <a:masterClrMapping/>
+  </p:clrMapOvr>
+</p:notes>
 </file>
 
 <file path=ppt/slideLayouts/slideLayout1.xml><?xml version="1.0" encoding="utf-8"?>
@@ -19323,7 +19709,7 @@
           <p:nvPr/>
         </p:nvPicPr>
         <p:blipFill>
-          <a:blip r:embed="rId2">
+          <a:blip r:embed="rId3">
             <a:extLst>
               <a:ext uri="{28A0092B-C50C-407E-A947-70E740481C1C}">
                 <a14:useLocalDpi xmlns:a14="http://schemas.microsoft.com/office/drawing/2010/main" val="0"/>
@@ -33129,7 +33515,7 @@
           </p:nvPr>
         </p:nvPicPr>
         <p:blipFill>
-          <a:blip r:embed="rId2">
+          <a:blip r:embed="rId3">
             <a:extLst>
               <a:ext uri="{28A0092B-C50C-407E-A947-70E740481C1C}">
                 <a14:useLocalDpi xmlns:a14="http://schemas.microsoft.com/office/drawing/2010/main" val="0"/>

--- a/ProjetTof’Box.pptx
+++ b/ProjetTof’Box.pptx
@@ -5,10 +5,10 @@
     <p:sldMasterId id="2147484363" r:id="rId1"/>
   </p:sldMasterIdLst>
   <p:notesMasterIdLst>
-    <p:notesMasterId r:id="rId32"/>
+    <p:notesMasterId r:id="rId31"/>
   </p:notesMasterIdLst>
   <p:handoutMasterIdLst>
-    <p:handoutMasterId r:id="rId33"/>
+    <p:handoutMasterId r:id="rId32"/>
   </p:handoutMasterIdLst>
   <p:sldIdLst>
     <p:sldId id="256" r:id="rId2"/>
@@ -22,25 +22,24 @@
     <p:sldId id="272" r:id="rId10"/>
     <p:sldId id="261" r:id="rId11"/>
     <p:sldId id="277" r:id="rId12"/>
-    <p:sldId id="273" r:id="rId13"/>
-    <p:sldId id="278" r:id="rId14"/>
-    <p:sldId id="274" r:id="rId15"/>
-    <p:sldId id="275" r:id="rId16"/>
-    <p:sldId id="276" r:id="rId17"/>
-    <p:sldId id="263" r:id="rId18"/>
-    <p:sldId id="265" r:id="rId19"/>
-    <p:sldId id="266" r:id="rId20"/>
-    <p:sldId id="279" r:id="rId21"/>
-    <p:sldId id="280" r:id="rId22"/>
-    <p:sldId id="282" r:id="rId23"/>
-    <p:sldId id="283" r:id="rId24"/>
-    <p:sldId id="285" r:id="rId25"/>
-    <p:sldId id="286" r:id="rId26"/>
-    <p:sldId id="288" r:id="rId27"/>
-    <p:sldId id="289" r:id="rId28"/>
-    <p:sldId id="291" r:id="rId29"/>
-    <p:sldId id="270" r:id="rId30"/>
-    <p:sldId id="271" r:id="rId31"/>
+    <p:sldId id="274" r:id="rId13"/>
+    <p:sldId id="275" r:id="rId14"/>
+    <p:sldId id="276" r:id="rId15"/>
+    <p:sldId id="263" r:id="rId16"/>
+    <p:sldId id="265" r:id="rId17"/>
+    <p:sldId id="273" r:id="rId18"/>
+    <p:sldId id="278" r:id="rId19"/>
+    <p:sldId id="279" r:id="rId20"/>
+    <p:sldId id="280" r:id="rId21"/>
+    <p:sldId id="282" r:id="rId22"/>
+    <p:sldId id="283" r:id="rId23"/>
+    <p:sldId id="285" r:id="rId24"/>
+    <p:sldId id="286" r:id="rId25"/>
+    <p:sldId id="288" r:id="rId26"/>
+    <p:sldId id="289" r:id="rId27"/>
+    <p:sldId id="291" r:id="rId28"/>
+    <p:sldId id="270" r:id="rId29"/>
+    <p:sldId id="271" r:id="rId30"/>
   </p:sldIdLst>
   <p:sldSz cx="12192000" cy="6858000"/>
   <p:notesSz cx="6858000" cy="9144000"/>
@@ -167,8 +166,6 @@
           <p14:sldIdLst>
             <p14:sldId id="261"/>
             <p14:sldId id="277"/>
-            <p14:sldId id="273"/>
-            <p14:sldId id="278"/>
             <p14:sldId id="274"/>
             <p14:sldId id="275"/>
             <p14:sldId id="276"/>
@@ -178,7 +175,8 @@
           <p14:sldIdLst>
             <p14:sldId id="263"/>
             <p14:sldId id="265"/>
-            <p14:sldId id="266"/>
+            <p14:sldId id="273"/>
+            <p14:sldId id="278"/>
             <p14:sldId id="279"/>
             <p14:sldId id="280"/>
             <p14:sldId id="282"/>
@@ -218,29 +216,6 @@
     </p:extLst>
   </p:cmAuthor>
 </p:cmAuthorLst>
-</file>
-
-<file path=ppt/comments/comment1.xml><?xml version="1.0" encoding="utf-8"?>
-<p:cmLst xmlns:a="http://schemas.openxmlformats.org/drawingml/2006/main" xmlns:r="http://schemas.openxmlformats.org/officeDocument/2006/relationships" xmlns:p="http://schemas.openxmlformats.org/presentationml/2006/main">
-  <p:cm authorId="1" dt="2020-06-03T17:02:02.317" idx="4">
-    <p:pos x="10" y="10"/>
-    <p:text>1 Requête envoyé suite à action de l'utilisateur</p:text>
-    <p:extLst>
-      <p:ext uri="{C676402C-5697-4E1C-873F-D02D1690AC5C}">
-        <p15:threadingInfo xmlns:p15="http://schemas.microsoft.com/office/powerpoint/2012/main" timeZoneBias="-120"/>
-      </p:ext>
-    </p:extLst>
-  </p:cm>
-  <p:cm authorId="1" dt="2020-06-03T17:02:22.250" idx="5">
-    <p:pos x="146" y="146"/>
-    <p:text>2</p:text>
-    <p:extLst>
-      <p:ext uri="{C676402C-5697-4E1C-873F-D02D1690AC5C}">
-        <p15:threadingInfo xmlns:p15="http://schemas.microsoft.com/office/powerpoint/2012/main" timeZoneBias="-120"/>
-      </p:ext>
-    </p:extLst>
-  </p:cm>
-</p:cmLst>
 </file>
 
 <file path=ppt/diagrams/colors1.xml><?xml version="1.0" encoding="utf-8"?>
@@ -3804,7 +3779,7 @@
 <dgm:dataModel xmlns:dgm="http://schemas.openxmlformats.org/drawingml/2006/diagram" xmlns:a="http://schemas.openxmlformats.org/drawingml/2006/main">
   <dgm:ptLst>
     <dgm:pt modelId="{9A632F31-ECAB-4472-ADAF-27B6EEC36E03}" type="doc">
-      <dgm:prSet loTypeId="urn:microsoft.com/office/officeart/2005/8/layout/vList2" loCatId="list" qsTypeId="urn:microsoft.com/office/officeart/2005/8/quickstyle/simple1" qsCatId="simple" csTypeId="urn:microsoft.com/office/officeart/2005/8/colors/accent1_2" csCatId="accent1" phldr="1"/>
+      <dgm:prSet loTypeId="urn:microsoft.com/office/officeart/2005/8/layout/vList2" loCatId="list" qsTypeId="urn:microsoft.com/office/officeart/2005/8/quickstyle/simple3" qsCatId="simple" csTypeId="urn:microsoft.com/office/officeart/2005/8/colors/accent1_2" csCatId="accent1" phldr="1"/>
       <dgm:spPr/>
       <dgm:t>
         <a:bodyPr/>
@@ -3815,7 +3790,22 @@
       </dgm:t>
     </dgm:pt>
     <dgm:pt modelId="{250EB95E-A47D-4235-96DD-26D75C98A82A}">
-      <dgm:prSet phldrT="[Texte]" custT="1"/>
+      <dgm:prSet phldrT="[Texte]" custT="1">
+        <dgm:style>
+          <a:lnRef idx="2">
+            <a:schemeClr val="accent2"/>
+          </a:lnRef>
+          <a:fillRef idx="1">
+            <a:schemeClr val="lt1"/>
+          </a:fillRef>
+          <a:effectRef idx="0">
+            <a:schemeClr val="accent2"/>
+          </a:effectRef>
+          <a:fontRef idx="minor">
+            <a:schemeClr val="dk1"/>
+          </a:fontRef>
+        </dgm:style>
+      </dgm:prSet>
       <dgm:spPr/>
       <dgm:t>
         <a:bodyPr/>
@@ -3823,14 +3813,13 @@
         <a:p>
           <a:r>
             <a:rPr lang="fr-FR" sz="2800" dirty="0"/>
-            <a:t>La requête est l’action de l’utilisateur, qui va taper un URL ou cliquer sur un bouton.</a:t>
+            <a:t>Cette action va orienter la requête vers une méthode dans un Controller.</a:t>
           </a:r>
-          <a:br>
-            <a:rPr lang="fr-FR" sz="2800" dirty="0"/>
-          </a:br>
+        </a:p>
+        <a:p>
           <a:r>
             <a:rPr lang="fr-FR" sz="2800" dirty="0"/>
-            <a:t>Cette action va orienter la requête vers une méthode dans un Controller.</a:t>
+            <a:t>Symfony reconnaît cette méthode grâce au système de Route</a:t>
           </a:r>
         </a:p>
       </dgm:t>
@@ -3858,7 +3847,22 @@
       </dgm:t>
     </dgm:pt>
     <dgm:pt modelId="{A2578B13-C562-4F3E-897A-97702726DAE4}">
-      <dgm:prSet phldrT="[Texte]" custT="1"/>
+      <dgm:prSet phldrT="[Texte]" custT="1">
+        <dgm:style>
+          <a:lnRef idx="2">
+            <a:schemeClr val="accent2"/>
+          </a:lnRef>
+          <a:fillRef idx="1">
+            <a:schemeClr val="lt1"/>
+          </a:fillRef>
+          <a:effectRef idx="0">
+            <a:schemeClr val="accent2"/>
+          </a:effectRef>
+          <a:fontRef idx="minor">
+            <a:schemeClr val="dk1"/>
+          </a:fontRef>
+        </dgm:style>
+      </dgm:prSet>
       <dgm:spPr/>
       <dgm:t>
         <a:bodyPr/>
@@ -3909,7 +3913,7 @@
       <dgm:spPr/>
     </dgm:pt>
     <dgm:pt modelId="{BD6C242A-97DF-47C8-8339-DE1AC2CCCDE1}" type="pres">
-      <dgm:prSet presAssocID="{250EB95E-A47D-4235-96DD-26D75C98A82A}" presName="parentText" presStyleLbl="node1" presStyleIdx="0" presStyleCnt="2">
+      <dgm:prSet presAssocID="{250EB95E-A47D-4235-96DD-26D75C98A82A}" presName="parentText" presStyleLbl="node1" presStyleIdx="0" presStyleCnt="2" custLinFactY="-9625" custLinFactNeighborY="-100000">
         <dgm:presLayoutVars>
           <dgm:chMax val="0"/>
           <dgm:bulletEnabled val="1"/>
@@ -3966,7 +3970,22 @@
       </dgm:t>
     </dgm:pt>
     <dgm:pt modelId="{817C1738-91D5-439E-92BF-56CFC6879F26}">
-      <dgm:prSet/>
+      <dgm:prSet>
+        <dgm:style>
+          <a:lnRef idx="2">
+            <a:schemeClr val="accent2"/>
+          </a:lnRef>
+          <a:fillRef idx="1">
+            <a:schemeClr val="lt1"/>
+          </a:fillRef>
+          <a:effectRef idx="0">
+            <a:schemeClr val="accent2"/>
+          </a:effectRef>
+          <a:fontRef idx="minor">
+            <a:schemeClr val="dk1"/>
+          </a:fontRef>
+        </dgm:style>
+      </dgm:prSet>
       <dgm:spPr/>
       <dgm:t>
         <a:bodyPr/>
@@ -4010,7 +4029,22 @@
       </dgm:t>
     </dgm:pt>
     <dgm:pt modelId="{B473EA7B-BBA2-43F5-BC46-C3FE711C98D3}">
-      <dgm:prSet/>
+      <dgm:prSet>
+        <dgm:style>
+          <a:lnRef idx="2">
+            <a:schemeClr val="accent2"/>
+          </a:lnRef>
+          <a:fillRef idx="1">
+            <a:schemeClr val="lt1"/>
+          </a:fillRef>
+          <a:effectRef idx="0">
+            <a:schemeClr val="accent2"/>
+          </a:effectRef>
+          <a:fontRef idx="minor">
+            <a:schemeClr val="dk1"/>
+          </a:fontRef>
+        </dgm:style>
+      </dgm:prSet>
       <dgm:spPr/>
       <dgm:t>
         <a:bodyPr/>
@@ -4068,7 +4102,7 @@
       <dgm:spPr/>
     </dgm:pt>
     <dgm:pt modelId="{DD4F2317-82B1-4AEF-8408-855C145452CD}" type="pres">
-      <dgm:prSet presAssocID="{B473EA7B-BBA2-43F5-BC46-C3FE711C98D3}" presName="parentText" presStyleLbl="node1" presStyleIdx="1" presStyleCnt="2" custLinFactNeighborX="62" custLinFactNeighborY="-49999">
+      <dgm:prSet presAssocID="{B473EA7B-BBA2-43F5-BC46-C3FE711C98D3}" presName="parentText" presStyleLbl="node1" presStyleIdx="1" presStyleCnt="2" custLinFactNeighborY="-38990">
         <dgm:presLayoutVars>
           <dgm:chMax val="0"/>
           <dgm:bulletEnabled val="1"/>
@@ -4715,45 +4749,40 @@
       </dsp:nvSpPr>
       <dsp:spPr>
         <a:xfrm>
-          <a:off x="0" y="249076"/>
-          <a:ext cx="6413500" cy="2448559"/>
+          <a:off x="0" y="0"/>
+          <a:ext cx="6413500" cy="2449513"/>
         </a:xfrm>
         <a:prstGeom prst="roundRect">
           <a:avLst/>
         </a:prstGeom>
         <a:solidFill>
-          <a:schemeClr val="accent1">
-            <a:hueOff val="0"/>
-            <a:satOff val="0"/>
-            <a:lumOff val="0"/>
-            <a:alphaOff val="0"/>
-          </a:schemeClr>
+          <a:schemeClr val="lt1"/>
         </a:solidFill>
         <a:ln w="15875" cap="flat" cmpd="sng" algn="ctr">
           <a:solidFill>
-            <a:schemeClr val="lt1">
-              <a:hueOff val="0"/>
-              <a:satOff val="0"/>
-              <a:lumOff val="0"/>
-              <a:alphaOff val="0"/>
-            </a:schemeClr>
+            <a:schemeClr val="accent2"/>
           </a:solidFill>
           <a:prstDash val="solid"/>
         </a:ln>
         <a:effectLst/>
+        <a:scene3d>
+          <a:camera prst="orthographicFront"/>
+          <a:lightRig rig="flat" dir="t"/>
+        </a:scene3d>
+        <a:sp3d/>
       </dsp:spPr>
       <dsp:style>
         <a:lnRef idx="2">
-          <a:scrgbClr r="0" g="0" b="0"/>
+          <a:schemeClr val="accent2"/>
         </a:lnRef>
         <a:fillRef idx="1">
-          <a:scrgbClr r="0" g="0" b="0"/>
+          <a:schemeClr val="lt1"/>
         </a:fillRef>
         <a:effectRef idx="0">
-          <a:scrgbClr r="0" g="0" b="0"/>
+          <a:schemeClr val="accent2"/>
         </a:effectRef>
         <a:fontRef idx="minor">
-          <a:schemeClr val="lt1"/>
+          <a:schemeClr val="dk1"/>
         </a:fontRef>
       </dsp:style>
       <dsp:txBody>
@@ -4776,20 +4805,31 @@
           </a:pPr>
           <a:r>
             <a:rPr lang="fr-FR" sz="2800" kern="1200" dirty="0"/>
-            <a:t>La requête est l’action de l’utilisateur, qui va taper un URL ou cliquer sur un bouton.</a:t>
+            <a:t>Cette action va orienter la requête vers une méthode dans un Controller.</a:t>
           </a:r>
-          <a:br>
-            <a:rPr lang="fr-FR" sz="2800" kern="1200" dirty="0"/>
-          </a:br>
+        </a:p>
+        <a:p>
+          <a:pPr marL="0" lvl="0" indent="0" algn="l" defTabSz="1244600">
+            <a:lnSpc>
+              <a:spcPct val="90000"/>
+            </a:lnSpc>
+            <a:spcBef>
+              <a:spcPct val="0"/>
+            </a:spcBef>
+            <a:spcAft>
+              <a:spcPct val="35000"/>
+            </a:spcAft>
+            <a:buNone/>
+          </a:pPr>
           <a:r>
             <a:rPr lang="fr-FR" sz="2800" kern="1200" dirty="0"/>
-            <a:t>Cette action va orienter la requête vers une méthode dans un Controller.</a:t>
+            <a:t>Symfony reconnaît cette méthode grâce au système de Route</a:t>
           </a:r>
         </a:p>
       </dsp:txBody>
       <dsp:txXfrm>
-        <a:off x="119529" y="368605"/>
-        <a:ext cx="6174442" cy="2209501"/>
+        <a:off x="119575" y="119575"/>
+        <a:ext cx="6174350" cy="2210363"/>
       </dsp:txXfrm>
     </dsp:sp>
     <dsp:sp modelId="{2C8BDE9D-3836-48CC-A9DB-59054019079D}">
@@ -4799,45 +4839,40 @@
       </dsp:nvSpPr>
       <dsp:spPr>
         <a:xfrm>
-          <a:off x="0" y="2711374"/>
-          <a:ext cx="6413500" cy="2684698"/>
+          <a:off x="0" y="2711645"/>
+          <a:ext cx="6413500" cy="2685744"/>
         </a:xfrm>
         <a:prstGeom prst="roundRect">
           <a:avLst/>
         </a:prstGeom>
         <a:solidFill>
-          <a:schemeClr val="accent1">
-            <a:hueOff val="0"/>
-            <a:satOff val="0"/>
-            <a:lumOff val="0"/>
-            <a:alphaOff val="0"/>
-          </a:schemeClr>
+          <a:schemeClr val="lt1"/>
         </a:solidFill>
         <a:ln w="15875" cap="flat" cmpd="sng" algn="ctr">
           <a:solidFill>
-            <a:schemeClr val="lt1">
-              <a:hueOff val="0"/>
-              <a:satOff val="0"/>
-              <a:lumOff val="0"/>
-              <a:alphaOff val="0"/>
-            </a:schemeClr>
+            <a:schemeClr val="accent2"/>
           </a:solidFill>
           <a:prstDash val="solid"/>
         </a:ln>
         <a:effectLst/>
+        <a:scene3d>
+          <a:camera prst="orthographicFront"/>
+          <a:lightRig rig="flat" dir="t"/>
+        </a:scene3d>
+        <a:sp3d/>
       </dsp:spPr>
       <dsp:style>
         <a:lnRef idx="2">
-          <a:scrgbClr r="0" g="0" b="0"/>
+          <a:schemeClr val="accent2"/>
         </a:lnRef>
         <a:fillRef idx="1">
-          <a:scrgbClr r="0" g="0" b="0"/>
+          <a:schemeClr val="lt1"/>
         </a:fillRef>
         <a:effectRef idx="0">
-          <a:scrgbClr r="0" g="0" b="0"/>
+          <a:schemeClr val="accent2"/>
         </a:effectRef>
         <a:fontRef idx="minor">
-          <a:schemeClr val="lt1"/>
+          <a:schemeClr val="dk1"/>
         </a:fontRef>
       </dsp:style>
       <dsp:txBody>
@@ -4895,8 +4930,8 @@
         </a:p>
       </dsp:txBody>
       <dsp:txXfrm>
-        <a:off x="131056" y="2842430"/>
-        <a:ext cx="6151388" cy="2422586"/>
+        <a:off x="131107" y="2842752"/>
+        <a:ext cx="6151286" cy="2423530"/>
       </dsp:txXfrm>
     </dsp:sp>
   </dsp:spTree>
@@ -4925,21 +4960,11 @@
           <a:avLst/>
         </a:prstGeom>
         <a:solidFill>
-          <a:schemeClr val="accent1">
-            <a:hueOff val="0"/>
-            <a:satOff val="0"/>
-            <a:lumOff val="0"/>
-            <a:alphaOff val="0"/>
-          </a:schemeClr>
+          <a:schemeClr val="lt1"/>
         </a:solidFill>
         <a:ln w="15875" cap="flat" cmpd="sng" algn="ctr">
           <a:solidFill>
-            <a:schemeClr val="lt1">
-              <a:hueOff val="0"/>
-              <a:satOff val="0"/>
-              <a:lumOff val="0"/>
-              <a:alphaOff val="0"/>
-            </a:schemeClr>
+            <a:schemeClr val="accent2"/>
           </a:solidFill>
           <a:prstDash val="solid"/>
         </a:ln>
@@ -4947,16 +4972,16 @@
       </dsp:spPr>
       <dsp:style>
         <a:lnRef idx="2">
-          <a:scrgbClr r="0" g="0" b="0"/>
+          <a:schemeClr val="accent2"/>
         </a:lnRef>
         <a:fillRef idx="1">
-          <a:scrgbClr r="0" g="0" b="0"/>
+          <a:schemeClr val="lt1"/>
         </a:fillRef>
         <a:effectRef idx="0">
-          <a:scrgbClr r="0" g="0" b="0"/>
+          <a:schemeClr val="accent2"/>
         </a:effectRef>
         <a:fontRef idx="minor">
-          <a:schemeClr val="lt1"/>
+          <a:schemeClr val="dk1"/>
         </a:fontRef>
       </dsp:style>
       <dsp:txBody>
@@ -5003,28 +5028,18 @@
       </dsp:nvSpPr>
       <dsp:spPr>
         <a:xfrm>
-          <a:off x="0" y="2823104"/>
+          <a:off x="0" y="2831982"/>
           <a:ext cx="6413663" cy="2405812"/>
         </a:xfrm>
         <a:prstGeom prst="roundRect">
           <a:avLst/>
         </a:prstGeom>
         <a:solidFill>
-          <a:schemeClr val="accent1">
-            <a:hueOff val="0"/>
-            <a:satOff val="0"/>
-            <a:lumOff val="0"/>
-            <a:alphaOff val="0"/>
-          </a:schemeClr>
+          <a:schemeClr val="lt1"/>
         </a:solidFill>
         <a:ln w="15875" cap="flat" cmpd="sng" algn="ctr">
           <a:solidFill>
-            <a:schemeClr val="lt1">
-              <a:hueOff val="0"/>
-              <a:satOff val="0"/>
-              <a:lumOff val="0"/>
-              <a:alphaOff val="0"/>
-            </a:schemeClr>
+            <a:schemeClr val="accent2"/>
           </a:solidFill>
           <a:prstDash val="solid"/>
         </a:ln>
@@ -5032,16 +5047,16 @@
       </dsp:spPr>
       <dsp:style>
         <a:lnRef idx="2">
-          <a:scrgbClr r="0" g="0" b="0"/>
+          <a:schemeClr val="accent2"/>
         </a:lnRef>
         <a:fillRef idx="1">
-          <a:scrgbClr r="0" g="0" b="0"/>
+          <a:schemeClr val="lt1"/>
         </a:fillRef>
         <a:effectRef idx="0">
-          <a:scrgbClr r="0" g="0" b="0"/>
+          <a:schemeClr val="accent2"/>
         </a:effectRef>
         <a:fontRef idx="minor">
-          <a:schemeClr val="lt1"/>
+          <a:schemeClr val="dk1"/>
         </a:fontRef>
       </dsp:style>
       <dsp:txBody>
@@ -5069,7 +5084,7 @@
         </a:p>
       </dsp:txBody>
       <dsp:txXfrm>
-        <a:off x="117442" y="2940546"/>
+        <a:off x="117442" y="2949424"/>
         <a:ext cx="6178779" cy="2170928"/>
       </dsp:txXfrm>
     </dsp:sp>
@@ -8462,11 +8477,11 @@
 </file>
 
 <file path=ppt/diagrams/quickStyle3.xml><?xml version="1.0" encoding="utf-8"?>
-<dgm:styleDef xmlns:dgm="http://schemas.openxmlformats.org/drawingml/2006/diagram" xmlns:a="http://schemas.openxmlformats.org/drawingml/2006/main" uniqueId="urn:microsoft.com/office/officeart/2005/8/quickstyle/simple1">
+<dgm:styleDef xmlns:dgm="http://schemas.openxmlformats.org/drawingml/2006/diagram" xmlns:a="http://schemas.openxmlformats.org/drawingml/2006/main" uniqueId="urn:microsoft.com/office/officeart/2005/8/quickstyle/simple3">
   <dgm:title val=""/>
   <dgm:desc val=""/>
   <dgm:catLst>
-    <dgm:cat type="simple" pri="10100"/>
+    <dgm:cat type="simple" pri="10300"/>
   </dgm:catLst>
   <dgm:scene3d>
     <a:camera prst="orthographicFront"/>
@@ -8475,59 +8490,65 @@
   <dgm:styleLbl name="node0">
     <dgm:scene3d>
       <a:camera prst="orthographicFront"/>
-      <a:lightRig rig="threePt" dir="t"/>
+      <a:lightRig rig="flat" dir="t"/>
     </dgm:scene3d>
-    <dgm:sp3d/>
+    <dgm:sp3d prstMaterial="dkEdge">
+      <a:bevelT w="8200" h="38100"/>
+    </dgm:sp3d>
     <dgm:txPr/>
     <dgm:style>
-      <a:lnRef idx="2">
+      <a:lnRef idx="0">
         <a:scrgbClr r="0" g="0" b="0"/>
       </a:lnRef>
-      <a:fillRef idx="1">
+      <a:fillRef idx="2">
         <a:scrgbClr r="0" g="0" b="0"/>
       </a:fillRef>
-      <a:effectRef idx="0">
+      <a:effectRef idx="1">
         <a:scrgbClr r="0" g="0" b="0"/>
       </a:effectRef>
       <a:fontRef idx="minor">
-        <a:schemeClr val="lt1"/>
+        <a:schemeClr val="dk1"/>
       </a:fontRef>
     </dgm:style>
   </dgm:styleLbl>
   <dgm:styleLbl name="lnNode1">
     <dgm:scene3d>
       <a:camera prst="orthographicFront"/>
-      <a:lightRig rig="threePt" dir="t"/>
+      <a:lightRig rig="flat" dir="t"/>
     </dgm:scene3d>
-    <dgm:sp3d/>
+    <dgm:sp3d prstMaterial="dkEdge">
+      <a:bevelT w="8200" h="38100"/>
+    </dgm:sp3d>
     <dgm:txPr/>
     <dgm:style>
-      <a:lnRef idx="2">
+      <a:lnRef idx="1">
         <a:scrgbClr r="0" g="0" b="0"/>
       </a:lnRef>
-      <a:fillRef idx="1">
+      <a:fillRef idx="2">
         <a:scrgbClr r="0" g="0" b="0"/>
       </a:fillRef>
       <a:effectRef idx="0">
         <a:scrgbClr r="0" g="0" b="0"/>
       </a:effectRef>
       <a:fontRef idx="minor">
-        <a:schemeClr val="lt1"/>
+        <a:schemeClr val="dk1"/>
       </a:fontRef>
     </dgm:style>
   </dgm:styleLbl>
   <dgm:styleLbl name="vennNode1">
     <dgm:scene3d>
       <a:camera prst="orthographicFront"/>
-      <a:lightRig rig="threePt" dir="t"/>
+      <a:lightRig rig="flat" dir="t"/>
     </dgm:scene3d>
-    <dgm:sp3d/>
+    <dgm:sp3d prstMaterial="dkEdge">
+      <a:bevelT w="8200" h="38100"/>
+    </dgm:sp3d>
     <dgm:txPr/>
     <dgm:style>
-      <a:lnRef idx="2">
+      <a:lnRef idx="0">
         <a:scrgbClr r="0" g="0" b="0"/>
       </a:lnRef>
-      <a:fillRef idx="1">
+      <a:fillRef idx="2">
         <a:scrgbClr r="0" g="0" b="0"/>
       </a:fillRef>
       <a:effectRef idx="0">
@@ -8546,105 +8567,113 @@
     <dgm:sp3d/>
     <dgm:txPr/>
     <dgm:style>
-      <a:lnRef idx="2">
+      <a:lnRef idx="1">
         <a:scrgbClr r="0" g="0" b="0"/>
       </a:lnRef>
-      <a:fillRef idx="1">
+      <a:fillRef idx="2">
         <a:scrgbClr r="0" g="0" b="0"/>
       </a:fillRef>
-      <a:effectRef idx="0">
+      <a:effectRef idx="1">
         <a:scrgbClr r="0" g="0" b="0"/>
       </a:effectRef>
       <a:fontRef idx="minor">
-        <a:schemeClr val="lt1"/>
+        <a:schemeClr val="dk1"/>
       </a:fontRef>
     </dgm:style>
   </dgm:styleLbl>
   <dgm:styleLbl name="node1">
     <dgm:scene3d>
       <a:camera prst="orthographicFront"/>
-      <a:lightRig rig="threePt" dir="t"/>
+      <a:lightRig rig="flat" dir="t"/>
     </dgm:scene3d>
-    <dgm:sp3d/>
+    <dgm:sp3d prstMaterial="dkEdge">
+      <a:bevelT w="8200" h="38100"/>
+    </dgm:sp3d>
     <dgm:txPr/>
     <dgm:style>
-      <a:lnRef idx="2">
+      <a:lnRef idx="0">
         <a:scrgbClr r="0" g="0" b="0"/>
       </a:lnRef>
-      <a:fillRef idx="1">
+      <a:fillRef idx="2">
         <a:scrgbClr r="0" g="0" b="0"/>
       </a:fillRef>
-      <a:effectRef idx="0">
+      <a:effectRef idx="1">
         <a:scrgbClr r="0" g="0" b="0"/>
       </a:effectRef>
       <a:fontRef idx="minor">
-        <a:schemeClr val="lt1"/>
+        <a:schemeClr val="dk1"/>
       </a:fontRef>
     </dgm:style>
   </dgm:styleLbl>
   <dgm:styleLbl name="node2">
     <dgm:scene3d>
       <a:camera prst="orthographicFront"/>
-      <a:lightRig rig="threePt" dir="t"/>
+      <a:lightRig rig="flat" dir="t"/>
     </dgm:scene3d>
-    <dgm:sp3d/>
+    <dgm:sp3d prstMaterial="dkEdge">
+      <a:bevelT w="8200" h="38100"/>
+    </dgm:sp3d>
     <dgm:txPr/>
     <dgm:style>
-      <a:lnRef idx="2">
+      <a:lnRef idx="0">
         <a:scrgbClr r="0" g="0" b="0"/>
       </a:lnRef>
-      <a:fillRef idx="1">
+      <a:fillRef idx="2">
         <a:scrgbClr r="0" g="0" b="0"/>
       </a:fillRef>
-      <a:effectRef idx="0">
+      <a:effectRef idx="1">
         <a:scrgbClr r="0" g="0" b="0"/>
       </a:effectRef>
       <a:fontRef idx="minor">
-        <a:schemeClr val="lt1"/>
+        <a:schemeClr val="dk1"/>
       </a:fontRef>
     </dgm:style>
   </dgm:styleLbl>
   <dgm:styleLbl name="node3">
     <dgm:scene3d>
       <a:camera prst="orthographicFront"/>
-      <a:lightRig rig="threePt" dir="t"/>
+      <a:lightRig rig="flat" dir="t"/>
     </dgm:scene3d>
-    <dgm:sp3d/>
+    <dgm:sp3d prstMaterial="dkEdge">
+      <a:bevelT w="8200" h="38100"/>
+    </dgm:sp3d>
     <dgm:txPr/>
     <dgm:style>
-      <a:lnRef idx="2">
+      <a:lnRef idx="0">
         <a:scrgbClr r="0" g="0" b="0"/>
       </a:lnRef>
-      <a:fillRef idx="1">
+      <a:fillRef idx="2">
         <a:scrgbClr r="0" g="0" b="0"/>
       </a:fillRef>
-      <a:effectRef idx="0">
+      <a:effectRef idx="1">
         <a:scrgbClr r="0" g="0" b="0"/>
       </a:effectRef>
       <a:fontRef idx="minor">
-        <a:schemeClr val="lt1"/>
+        <a:schemeClr val="dk1"/>
       </a:fontRef>
     </dgm:style>
   </dgm:styleLbl>
   <dgm:styleLbl name="node4">
     <dgm:scene3d>
       <a:camera prst="orthographicFront"/>
-      <a:lightRig rig="threePt" dir="t"/>
+      <a:lightRig rig="flat" dir="t"/>
     </dgm:scene3d>
-    <dgm:sp3d/>
+    <dgm:sp3d prstMaterial="dkEdge">
+      <a:bevelT w="8200" h="38100"/>
+    </dgm:sp3d>
     <dgm:txPr/>
     <dgm:style>
-      <a:lnRef idx="2">
+      <a:lnRef idx="0">
         <a:scrgbClr r="0" g="0" b="0"/>
       </a:lnRef>
-      <a:fillRef idx="1">
+      <a:fillRef idx="2">
         <a:scrgbClr r="0" g="0" b="0"/>
       </a:fillRef>
-      <a:effectRef idx="0">
+      <a:effectRef idx="1">
         <a:scrgbClr r="0" g="0" b="0"/>
       </a:effectRef>
       <a:fontRef idx="minor">
-        <a:schemeClr val="lt1"/>
+        <a:schemeClr val="dk1"/>
       </a:fontRef>
     </dgm:style>
   </dgm:styleLbl>
@@ -8656,13 +8685,13 @@
     <dgm:sp3d/>
     <dgm:txPr/>
     <dgm:style>
-      <a:lnRef idx="2">
+      <a:lnRef idx="1">
         <a:scrgbClr r="0" g="0" b="0"/>
       </a:lnRef>
       <a:fillRef idx="1">
         <a:scrgbClr r="0" g="0" b="0"/>
       </a:fillRef>
-      <a:effectRef idx="0">
+      <a:effectRef idx="1">
         <a:scrgbClr r="0" g="0" b="0"/>
       </a:effectRef>
       <a:fontRef idx="minor"/>
@@ -8676,13 +8705,13 @@
     <dgm:sp3d/>
     <dgm:txPr/>
     <dgm:style>
-      <a:lnRef idx="2">
+      <a:lnRef idx="1">
         <a:scrgbClr r="0" g="0" b="0"/>
       </a:lnRef>
       <a:fillRef idx="1">
         <a:scrgbClr r="0" g="0" b="0"/>
       </a:fillRef>
-      <a:effectRef idx="0">
+      <a:effectRef idx="1">
         <a:scrgbClr r="0" g="0" b="0"/>
       </a:effectRef>
       <a:fontRef idx="minor"/>
@@ -8696,13 +8725,13 @@
     <dgm:sp3d/>
     <dgm:txPr/>
     <dgm:style>
-      <a:lnRef idx="2">
+      <a:lnRef idx="1">
         <a:scrgbClr r="0" g="0" b="0"/>
       </a:lnRef>
       <a:fillRef idx="1">
         <a:scrgbClr r="0" g="0" b="0"/>
       </a:fillRef>
-      <a:effectRef idx="0">
+      <a:effectRef idx="1">
         <a:scrgbClr r="0" g="0" b="0"/>
       </a:effectRef>
       <a:fontRef idx="minor"/>
@@ -8719,14 +8748,14 @@
       <a:lnRef idx="0">
         <a:scrgbClr r="0" g="0" b="0"/>
       </a:lnRef>
-      <a:fillRef idx="1">
+      <a:fillRef idx="2">
         <a:scrgbClr r="0" g="0" b="0"/>
       </a:fillRef>
-      <a:effectRef idx="0">
+      <a:effectRef idx="1">
         <a:scrgbClr r="0" g="0" b="0"/>
       </a:effectRef>
       <a:fontRef idx="minor">
-        <a:schemeClr val="lt1"/>
+        <a:schemeClr val="dk1"/>
       </a:fontRef>
     </dgm:style>
   </dgm:styleLbl>
@@ -8741,14 +8770,14 @@
       <a:lnRef idx="0">
         <a:scrgbClr r="0" g="0" b="0"/>
       </a:lnRef>
-      <a:fillRef idx="1">
+      <a:fillRef idx="2">
         <a:scrgbClr r="0" g="0" b="0"/>
       </a:fillRef>
-      <a:effectRef idx="0">
+      <a:effectRef idx="1">
         <a:scrgbClr r="0" g="0" b="0"/>
       </a:effectRef>
       <a:fontRef idx="minor">
-        <a:schemeClr val="lt1"/>
+        <a:schemeClr val="dk1"/>
       </a:fontRef>
     </dgm:style>
   </dgm:styleLbl>
@@ -8763,14 +8792,14 @@
       <a:lnRef idx="0">
         <a:scrgbClr r="0" g="0" b="0"/>
       </a:lnRef>
-      <a:fillRef idx="1">
+      <a:fillRef idx="2">
         <a:scrgbClr r="0" g="0" b="0"/>
       </a:fillRef>
-      <a:effectRef idx="0">
+      <a:effectRef idx="1">
         <a:scrgbClr r="0" g="0" b="0"/>
       </a:effectRef>
       <a:fontRef idx="minor">
-        <a:schemeClr val="lt1"/>
+        <a:schemeClr val="dk1"/>
       </a:fontRef>
     </dgm:style>
   </dgm:styleLbl>
@@ -8802,13 +8831,13 @@
     <dgm:sp3d/>
     <dgm:txPr/>
     <dgm:style>
-      <a:lnRef idx="2">
+      <a:lnRef idx="1">
         <a:scrgbClr r="0" g="0" b="0"/>
       </a:lnRef>
-      <a:fillRef idx="1">
+      <a:fillRef idx="2">
         <a:scrgbClr r="0" g="0" b="0"/>
       </a:fillRef>
-      <a:effectRef idx="0">
+      <a:effectRef idx="1">
         <a:scrgbClr r="0" g="0" b="0"/>
       </a:effectRef>
       <a:fontRef idx="minor"/>
@@ -8817,110 +8846,120 @@
   <dgm:styleLbl name="asst0">
     <dgm:scene3d>
       <a:camera prst="orthographicFront"/>
-      <a:lightRig rig="threePt" dir="t"/>
+      <a:lightRig rig="flat" dir="t"/>
     </dgm:scene3d>
-    <dgm:sp3d/>
+    <dgm:sp3d prstMaterial="dkEdge">
+      <a:bevelT w="8200" h="38100"/>
+    </dgm:sp3d>
     <dgm:txPr/>
     <dgm:style>
-      <a:lnRef idx="2">
+      <a:lnRef idx="0">
         <a:scrgbClr r="0" g="0" b="0"/>
       </a:lnRef>
-      <a:fillRef idx="1">
+      <a:fillRef idx="2">
         <a:scrgbClr r="0" g="0" b="0"/>
       </a:fillRef>
-      <a:effectRef idx="0">
+      <a:effectRef idx="1">
         <a:scrgbClr r="0" g="0" b="0"/>
       </a:effectRef>
       <a:fontRef idx="minor">
-        <a:schemeClr val="lt1"/>
+        <a:schemeClr val="dk1"/>
       </a:fontRef>
     </dgm:style>
   </dgm:styleLbl>
   <dgm:styleLbl name="asst1">
     <dgm:scene3d>
       <a:camera prst="orthographicFront"/>
-      <a:lightRig rig="threePt" dir="t"/>
+      <a:lightRig rig="flat" dir="t"/>
     </dgm:scene3d>
-    <dgm:sp3d/>
+    <dgm:sp3d prstMaterial="dkEdge">
+      <a:bevelT w="8200" h="38100"/>
+    </dgm:sp3d>
     <dgm:txPr/>
     <dgm:style>
-      <a:lnRef idx="2">
+      <a:lnRef idx="0">
         <a:scrgbClr r="0" g="0" b="0"/>
       </a:lnRef>
-      <a:fillRef idx="1">
+      <a:fillRef idx="2">
         <a:scrgbClr r="0" g="0" b="0"/>
       </a:fillRef>
-      <a:effectRef idx="0">
+      <a:effectRef idx="1">
         <a:scrgbClr r="0" g="0" b="0"/>
       </a:effectRef>
       <a:fontRef idx="minor">
-        <a:schemeClr val="lt1"/>
+        <a:schemeClr val="dk1"/>
       </a:fontRef>
     </dgm:style>
   </dgm:styleLbl>
   <dgm:styleLbl name="asst2">
     <dgm:scene3d>
       <a:camera prst="orthographicFront"/>
-      <a:lightRig rig="threePt" dir="t"/>
+      <a:lightRig rig="flat" dir="t"/>
     </dgm:scene3d>
-    <dgm:sp3d/>
+    <dgm:sp3d prstMaterial="dkEdge">
+      <a:bevelT w="8200" h="38100"/>
+    </dgm:sp3d>
     <dgm:txPr/>
     <dgm:style>
-      <a:lnRef idx="2">
+      <a:lnRef idx="0">
         <a:scrgbClr r="0" g="0" b="0"/>
       </a:lnRef>
-      <a:fillRef idx="1">
+      <a:fillRef idx="2">
         <a:scrgbClr r="0" g="0" b="0"/>
       </a:fillRef>
-      <a:effectRef idx="0">
+      <a:effectRef idx="1">
         <a:scrgbClr r="0" g="0" b="0"/>
       </a:effectRef>
       <a:fontRef idx="minor">
-        <a:schemeClr val="lt1"/>
+        <a:schemeClr val="dk1"/>
       </a:fontRef>
     </dgm:style>
   </dgm:styleLbl>
   <dgm:styleLbl name="asst3">
     <dgm:scene3d>
       <a:camera prst="orthographicFront"/>
-      <a:lightRig rig="threePt" dir="t"/>
+      <a:lightRig rig="flat" dir="t"/>
     </dgm:scene3d>
-    <dgm:sp3d/>
+    <dgm:sp3d prstMaterial="dkEdge">
+      <a:bevelT w="8200" h="38100"/>
+    </dgm:sp3d>
     <dgm:txPr/>
     <dgm:style>
-      <a:lnRef idx="2">
+      <a:lnRef idx="0">
         <a:scrgbClr r="0" g="0" b="0"/>
       </a:lnRef>
-      <a:fillRef idx="1">
+      <a:fillRef idx="2">
         <a:scrgbClr r="0" g="0" b="0"/>
       </a:fillRef>
-      <a:effectRef idx="0">
+      <a:effectRef idx="1">
         <a:scrgbClr r="0" g="0" b="0"/>
       </a:effectRef>
       <a:fontRef idx="minor">
-        <a:schemeClr val="lt1"/>
+        <a:schemeClr val="dk1"/>
       </a:fontRef>
     </dgm:style>
   </dgm:styleLbl>
   <dgm:styleLbl name="asst4">
     <dgm:scene3d>
       <a:camera prst="orthographicFront"/>
-      <a:lightRig rig="threePt" dir="t"/>
+      <a:lightRig rig="flat" dir="t"/>
     </dgm:scene3d>
-    <dgm:sp3d/>
+    <dgm:sp3d prstMaterial="dkEdge">
+      <a:bevelT w="8200" h="38100"/>
+    </dgm:sp3d>
     <dgm:txPr/>
     <dgm:style>
-      <a:lnRef idx="2">
+      <a:lnRef idx="0">
         <a:scrgbClr r="0" g="0" b="0"/>
       </a:lnRef>
-      <a:fillRef idx="1">
+      <a:fillRef idx="2">
         <a:scrgbClr r="0" g="0" b="0"/>
       </a:fillRef>
-      <a:effectRef idx="0">
+      <a:effectRef idx="1">
         <a:scrgbClr r="0" g="0" b="0"/>
       </a:effectRef>
       <a:fontRef idx="minor">
-        <a:schemeClr val="lt1"/>
+        <a:schemeClr val="dk1"/>
       </a:fontRef>
     </dgm:style>
   </dgm:styleLbl>
@@ -8932,17 +8971,17 @@
     <dgm:sp3d/>
     <dgm:txPr/>
     <dgm:style>
-      <a:lnRef idx="2">
+      <a:lnRef idx="1">
         <a:scrgbClr r="0" g="0" b="0"/>
       </a:lnRef>
-      <a:fillRef idx="1">
+      <a:fillRef idx="2">
         <a:scrgbClr r="0" g="0" b="0"/>
       </a:fillRef>
-      <a:effectRef idx="0">
+      <a:effectRef idx="1">
         <a:scrgbClr r="0" g="0" b="0"/>
       </a:effectRef>
       <a:fontRef idx="minor">
-        <a:schemeClr val="lt1"/>
+        <a:schemeClr val="dk1"/>
       </a:fontRef>
     </dgm:style>
   </dgm:styleLbl>
@@ -8954,17 +8993,17 @@
     <dgm:sp3d/>
     <dgm:txPr/>
     <dgm:style>
-      <a:lnRef idx="2">
+      <a:lnRef idx="1">
         <a:scrgbClr r="0" g="0" b="0"/>
       </a:lnRef>
-      <a:fillRef idx="1">
+      <a:fillRef idx="2">
         <a:scrgbClr r="0" g="0" b="0"/>
       </a:fillRef>
-      <a:effectRef idx="0">
+      <a:effectRef idx="1">
         <a:scrgbClr r="0" g="0" b="0"/>
       </a:effectRef>
       <a:fontRef idx="minor">
-        <a:schemeClr val="lt1"/>
+        <a:schemeClr val="dk1"/>
       </a:fontRef>
     </dgm:style>
   </dgm:styleLbl>
@@ -8976,17 +9015,17 @@
     <dgm:sp3d/>
     <dgm:txPr/>
     <dgm:style>
-      <a:lnRef idx="2">
+      <a:lnRef idx="1">
         <a:scrgbClr r="0" g="0" b="0"/>
       </a:lnRef>
-      <a:fillRef idx="1">
+      <a:fillRef idx="2">
         <a:scrgbClr r="0" g="0" b="0"/>
       </a:fillRef>
-      <a:effectRef idx="0">
+      <a:effectRef idx="1">
         <a:scrgbClr r="0" g="0" b="0"/>
       </a:effectRef>
       <a:fontRef idx="minor">
-        <a:schemeClr val="lt1"/>
+        <a:schemeClr val="dk1"/>
       </a:fontRef>
     </dgm:style>
   </dgm:styleLbl>
@@ -8998,17 +9037,17 @@
     <dgm:sp3d/>
     <dgm:txPr/>
     <dgm:style>
-      <a:lnRef idx="2">
+      <a:lnRef idx="1">
         <a:scrgbClr r="0" g="0" b="0"/>
       </a:lnRef>
-      <a:fillRef idx="1">
+      <a:fillRef idx="2">
         <a:scrgbClr r="0" g="0" b="0"/>
       </a:fillRef>
-      <a:effectRef idx="0">
+      <a:effectRef idx="1">
         <a:scrgbClr r="0" g="0" b="0"/>
       </a:effectRef>
       <a:fontRef idx="minor">
-        <a:schemeClr val="lt1"/>
+        <a:schemeClr val="dk1"/>
       </a:fontRef>
     </dgm:style>
   </dgm:styleLbl>
@@ -9100,7 +9139,7 @@
     <dgm:sp3d/>
     <dgm:txPr/>
     <dgm:style>
-      <a:lnRef idx="2">
+      <a:lnRef idx="1">
         <a:scrgbClr r="0" g="0" b="0"/>
       </a:lnRef>
       <a:fillRef idx="1">
@@ -9120,7 +9159,7 @@
     <dgm:sp3d/>
     <dgm:txPr/>
     <dgm:style>
-      <a:lnRef idx="2">
+      <a:lnRef idx="1">
         <a:scrgbClr r="0" g="0" b="0"/>
       </a:lnRef>
       <a:fillRef idx="1">
@@ -9140,7 +9179,7 @@
     <dgm:sp3d/>
     <dgm:txPr/>
     <dgm:style>
-      <a:lnRef idx="2">
+      <a:lnRef idx="1">
         <a:scrgbClr r="0" g="0" b="0"/>
       </a:lnRef>
       <a:fillRef idx="1">
@@ -9180,7 +9219,7 @@
     <dgm:sp3d/>
     <dgm:txPr/>
     <dgm:style>
-      <a:lnRef idx="2">
+      <a:lnRef idx="1">
         <a:scrgbClr r="0" g="0" b="0"/>
       </a:lnRef>
       <a:fillRef idx="1">
@@ -9200,10 +9239,10 @@
     <dgm:sp3d/>
     <dgm:txPr/>
     <dgm:style>
-      <a:lnRef idx="2">
+      <a:lnRef idx="1">
         <a:scrgbClr r="0" g="0" b="0"/>
       </a:lnRef>
-      <a:fillRef idx="1">
+      <a:fillRef idx="2">
         <a:scrgbClr r="0" g="0" b="0"/>
       </a:fillRef>
       <a:effectRef idx="0">
@@ -9220,7 +9259,7 @@
     <dgm:sp3d/>
     <dgm:txPr/>
     <dgm:style>
-      <a:lnRef idx="2">
+      <a:lnRef idx="1">
         <a:scrgbClr r="0" g="0" b="0"/>
       </a:lnRef>
       <a:fillRef idx="1">
@@ -9240,7 +9279,7 @@
     <dgm:sp3d/>
     <dgm:txPr/>
     <dgm:style>
-      <a:lnRef idx="2">
+      <a:lnRef idx="1">
         <a:scrgbClr r="0" g="0" b="0"/>
       </a:lnRef>
       <a:fillRef idx="1">
@@ -9260,7 +9299,7 @@
     <dgm:sp3d/>
     <dgm:txPr/>
     <dgm:style>
-      <a:lnRef idx="2">
+      <a:lnRef idx="1">
         <a:scrgbClr r="0" g="0" b="0"/>
       </a:lnRef>
       <a:fillRef idx="1">
@@ -9280,7 +9319,7 @@
     <dgm:sp3d/>
     <dgm:txPr/>
     <dgm:style>
-      <a:lnRef idx="2">
+      <a:lnRef idx="1">
         <a:scrgbClr r="0" g="0" b="0"/>
       </a:lnRef>
       <a:fillRef idx="1">
@@ -9300,7 +9339,7 @@
     <dgm:sp3d/>
     <dgm:txPr/>
     <dgm:style>
-      <a:lnRef idx="2">
+      <a:lnRef idx="1">
         <a:scrgbClr r="0" g="0" b="0"/>
       </a:lnRef>
       <a:fillRef idx="1">
@@ -9320,7 +9359,7 @@
     <dgm:sp3d/>
     <dgm:txPr/>
     <dgm:style>
-      <a:lnRef idx="2">
+      <a:lnRef idx="1">
         <a:scrgbClr r="0" g="0" b="0"/>
       </a:lnRef>
       <a:fillRef idx="1">
@@ -9340,7 +9379,7 @@
     <dgm:sp3d/>
     <dgm:txPr/>
     <dgm:style>
-      <a:lnRef idx="2">
+      <a:lnRef idx="1">
         <a:scrgbClr r="0" g="0" b="0"/>
       </a:lnRef>
       <a:fillRef idx="1">
@@ -9360,7 +9399,7 @@
     <dgm:sp3d/>
     <dgm:txPr/>
     <dgm:style>
-      <a:lnRef idx="2">
+      <a:lnRef idx="1">
         <a:scrgbClr r="0" g="0" b="0"/>
       </a:lnRef>
       <a:fillRef idx="1">
@@ -9380,7 +9419,7 @@
     <dgm:sp3d/>
     <dgm:txPr/>
     <dgm:style>
-      <a:lnRef idx="2">
+      <a:lnRef idx="1">
         <a:scrgbClr r="0" g="0" b="0"/>
       </a:lnRef>
       <a:fillRef idx="1">
@@ -9406,7 +9445,7 @@
       <a:fillRef idx="1">
         <a:scrgbClr r="0" g="0" b="0"/>
       </a:fillRef>
-      <a:effectRef idx="0">
+      <a:effectRef idx="1">
         <a:scrgbClr r="0" g="0" b="0"/>
       </a:effectRef>
       <a:fontRef idx="minor"/>
@@ -9426,7 +9465,7 @@
       <a:fillRef idx="1">
         <a:scrgbClr r="0" g="0" b="0"/>
       </a:fillRef>
-      <a:effectRef idx="0">
+      <a:effectRef idx="1">
         <a:scrgbClr r="0" g="0" b="0"/>
       </a:effectRef>
       <a:fontRef idx="minor"/>
@@ -9455,18 +9494,20 @@
   <dgm:styleLbl name="fgShp">
     <dgm:scene3d>
       <a:camera prst="orthographicFront"/>
-      <a:lightRig rig="threePt" dir="t"/>
+      <a:lightRig rig="flat" dir="t"/>
     </dgm:scene3d>
-    <dgm:sp3d/>
+    <dgm:sp3d prstMaterial="dkEdge">
+      <a:bevelT w="8200" h="38100"/>
+    </dgm:sp3d>
     <dgm:txPr/>
     <dgm:style>
-      <a:lnRef idx="2">
+      <a:lnRef idx="1">
         <a:scrgbClr r="0" g="0" b="0"/>
       </a:lnRef>
-      <a:fillRef idx="1">
+      <a:fillRef idx="2">
         <a:scrgbClr r="0" g="0" b="0"/>
       </a:fillRef>
-      <a:effectRef idx="0">
+      <a:effectRef idx="1">
         <a:scrgbClr r="0" g="0" b="0"/>
       </a:effectRef>
       <a:fontRef idx="minor"/>
@@ -10623,7 +10664,7 @@
           <a:p>
             <a:fld id="{A92484F3-E9B1-4147-BA48-FC09D99FF563}" type="datetimeFigureOut">
               <a:rPr lang="fr-FR" smtClean="0"/>
-              <a:t>03/06/2020</a:t>
+              <a:t>04/06/2020</a:t>
             </a:fld>
             <a:endParaRPr lang="fr-FR"/>
           </a:p>
@@ -10801,7 +10842,7 @@
           <a:p>
             <a:fld id="{04B58477-CB09-4F23-A236-9E87FF4CBDB9}" type="datetimeFigureOut">
               <a:rPr lang="fr-FR" smtClean="0"/>
-              <a:t>03/06/2020</a:t>
+              <a:t>04/06/2020</a:t>
             </a:fld>
             <a:endParaRPr lang="fr-FR"/>
           </a:p>
@@ -11401,7 +11442,7 @@
           <a:p>
             <a:fld id="{29CE9D0A-0D4D-4103-A069-496353309B8D}" type="slidenum">
               <a:rPr lang="fr-FR" smtClean="0"/>
-              <a:t>18</a:t>
+              <a:t>16</a:t>
             </a:fld>
             <a:endParaRPr lang="fr-FR"/>
           </a:p>
@@ -11646,7 +11687,7 @@
           <a:p>
             <a:fld id="{09181184-F05B-400A-8A17-582BFB35CEC7}" type="datetime1">
               <a:rPr lang="fr-FR" smtClean="0"/>
-              <a:t>03/06/2020</a:t>
+              <a:t>04/06/2020</a:t>
             </a:fld>
             <a:endParaRPr lang="fr-FR"/>
           </a:p>
@@ -11857,7 +11898,7 @@
           <a:p>
             <a:fld id="{17B14172-D5F5-4BFB-89B6-FE98C0A91CE9}" type="datetime1">
               <a:rPr lang="fr-FR" smtClean="0"/>
-              <a:t>03/06/2020</a:t>
+              <a:t>04/06/2020</a:t>
             </a:fld>
             <a:endParaRPr lang="fr-FR"/>
           </a:p>
@@ -12117,7 +12158,7 @@
           <a:p>
             <a:fld id="{17B14172-D5F5-4BFB-89B6-FE98C0A91CE9}" type="datetime1">
               <a:rPr lang="fr-FR" smtClean="0"/>
-              <a:t>03/06/2020</a:t>
+              <a:t>04/06/2020</a:t>
             </a:fld>
             <a:endParaRPr lang="fr-FR"/>
           </a:p>
@@ -12291,7 +12332,7 @@
           <a:p>
             <a:fld id="{17B14172-D5F5-4BFB-89B6-FE98C0A91CE9}" type="datetime1">
               <a:rPr lang="fr-FR" smtClean="0"/>
-              <a:t>03/06/2020</a:t>
+              <a:t>04/06/2020</a:t>
             </a:fld>
             <a:endParaRPr lang="fr-FR"/>
           </a:p>
@@ -12638,7 +12679,7 @@
           <a:p>
             <a:fld id="{EE75921B-C4F6-4949-BEE6-7B8822AEE9B3}" type="datetime1">
               <a:rPr lang="fr-FR" smtClean="0"/>
-              <a:t>03/06/2020</a:t>
+              <a:t>04/06/2020</a:t>
             </a:fld>
             <a:endParaRPr lang="fr-FR"/>
           </a:p>
@@ -12916,7 +12957,7 @@
           <a:p>
             <a:fld id="{17B14172-D5F5-4BFB-89B6-FE98C0A91CE9}" type="datetime1">
               <a:rPr lang="fr-FR" smtClean="0"/>
-              <a:t>03/06/2020</a:t>
+              <a:t>04/06/2020</a:t>
             </a:fld>
             <a:endParaRPr lang="fr-FR"/>
           </a:p>
@@ -13299,7 +13340,7 @@
           <a:p>
             <a:fld id="{17B14172-D5F5-4BFB-89B6-FE98C0A91CE9}" type="datetime1">
               <a:rPr lang="fr-FR" smtClean="0"/>
-              <a:t>03/06/2020</a:t>
+              <a:t>04/06/2020</a:t>
             </a:fld>
             <a:endParaRPr lang="fr-FR"/>
           </a:p>
@@ -13421,7 +13462,7 @@
           <a:p>
             <a:fld id="{919D7D2C-C368-49AA-ABB9-59757E9049E2}" type="datetime1">
               <a:rPr lang="fr-FR" smtClean="0"/>
-              <a:t>03/06/2020</a:t>
+              <a:t>04/06/2020</a:t>
             </a:fld>
             <a:endParaRPr lang="fr-FR"/>
           </a:p>
@@ -13595,7 +13636,7 @@
           <a:p>
             <a:fld id="{772202B7-1C66-4DE8-B9AF-37C9BE30BA80}" type="datetime1">
               <a:rPr lang="fr-FR" smtClean="0"/>
-              <a:t>03/06/2020</a:t>
+              <a:t>04/06/2020</a:t>
             </a:fld>
             <a:endParaRPr lang="fr-FR"/>
           </a:p>
@@ -13952,7 +13993,7 @@
           <a:p>
             <a:fld id="{17B14172-D5F5-4BFB-89B6-FE98C0A91CE9}" type="datetime1">
               <a:rPr lang="fr-FR" smtClean="0"/>
-              <a:t>03/06/2020</a:t>
+              <a:t>04/06/2020</a:t>
             </a:fld>
             <a:endParaRPr lang="fr-FR"/>
           </a:p>
@@ -14333,7 +14374,7 @@
           <a:p>
             <a:fld id="{14BC84F3-64A9-4428-BDB0-8FB8732EE96B}" type="datetime1">
               <a:rPr lang="fr-FR" smtClean="0"/>
-              <a:t>03/06/2020</a:t>
+              <a:t>04/06/2020</a:t>
             </a:fld>
             <a:endParaRPr lang="fr-FR"/>
           </a:p>
@@ -14623,7 +14664,7 @@
           <a:p>
             <a:fld id="{17B14172-D5F5-4BFB-89B6-FE98C0A91CE9}" type="datetime1">
               <a:rPr lang="fr-FR" smtClean="0"/>
-              <a:t>03/06/2020</a:t>
+              <a:t>04/06/2020</a:t>
             </a:fld>
             <a:endParaRPr lang="fr-FR"/>
           </a:p>
@@ -15515,7 +15556,7 @@
                   <a:spcPts val="600"/>
                 </a:spcAft>
               </a:pPr>
-              <a:t>03/06/2020</a:t>
+              <a:t>04/06/2020</a:t>
             </a:fld>
             <a:endParaRPr lang="fr-FR"/>
           </a:p>
@@ -16181,7 +16222,7 @@
                   <a:spcPts val="600"/>
                 </a:spcAft>
               </a:pPr>
-              <a:t>6/3/2020</a:t>
+              <a:t>6/4/2020</a:t>
             </a:fld>
             <a:endParaRPr lang="en-US"/>
           </a:p>
@@ -16572,7 +16613,7 @@
           <a:lstStyle/>
           <a:p>
             <a:r>
-              <a:rPr lang="en-US">
+              <a:rPr lang="en-US" dirty="0">
                 <a:solidFill>
                   <a:schemeClr val="tx2"/>
                 </a:solidFill>
@@ -16666,12 +16707,56 @@
           <a:lstStyle/>
           <a:p>
             <a:r>
-              <a:rPr lang="en-US">
+              <a:rPr lang="en-US" dirty="0" err="1">
                 <a:solidFill>
                   <a:srgbClr val="FFFFFF"/>
                 </a:solidFill>
               </a:rPr>
-              <a:t>MCD et maquettage</a:t>
+              <a:t>Maquettage</a:t>
+            </a:r>
+            <a:r>
+              <a:rPr lang="en-US" dirty="0">
+                <a:solidFill>
+                  <a:srgbClr val="FFFFFF"/>
+                </a:solidFill>
+              </a:rPr>
+              <a:t>,</a:t>
+            </a:r>
+          </a:p>
+          <a:p>
+            <a:r>
+              <a:rPr lang="en-US" dirty="0">
+                <a:solidFill>
+                  <a:srgbClr val="FFFFFF"/>
+                </a:solidFill>
+              </a:rPr>
+              <a:t>Design </a:t>
+            </a:r>
+            <a:r>
+              <a:rPr lang="en-US" dirty="0" err="1">
+                <a:solidFill>
+                  <a:srgbClr val="FFFFFF"/>
+                </a:solidFill>
+              </a:rPr>
+              <a:t>PATtern</a:t>
+            </a:r>
+            <a:r>
+              <a:rPr lang="en-US" dirty="0">
+                <a:solidFill>
+                  <a:srgbClr val="FFFFFF"/>
+                </a:solidFill>
+              </a:rPr>
+              <a:t> &amp;</a:t>
+            </a:r>
+          </a:p>
+          <a:p>
+            <a:r>
+              <a:rPr lang="en-US" dirty="0">
+                <a:solidFill>
+                  <a:srgbClr val="FFFFFF"/>
+                </a:solidFill>
+              </a:rPr>
+              <a:t>MCD</a:t>
             </a:r>
           </a:p>
         </p:txBody>
@@ -16716,7 +16801,7 @@
                   <a:spcPts val="600"/>
                 </a:spcAft>
               </a:pPr>
-              <a:t>6/3/2020</a:t>
+              <a:t>6/4/2020</a:t>
             </a:fld>
             <a:endParaRPr lang="en-US"/>
           </a:p>
@@ -16910,1401 +16995,6 @@
       </p:grpSpPr>
       <p:sp>
         <p:nvSpPr>
-          <p:cNvPr id="7" name="Titre 6">
-            <a:extLst>
-              <a:ext uri="{FF2B5EF4-FFF2-40B4-BE49-F238E27FC236}">
-                <a16:creationId xmlns:a16="http://schemas.microsoft.com/office/drawing/2014/main" id="{FF95CD83-B5B9-46E7-828A-5CAF8C14DE18}"/>
-              </a:ext>
-            </a:extLst>
-          </p:cNvPr>
-          <p:cNvSpPr>
-            <a:spLocks noGrp="1"/>
-          </p:cNvSpPr>
-          <p:nvPr>
-            <p:ph type="title"/>
-          </p:nvPr>
-        </p:nvSpPr>
-        <p:spPr/>
-        <p:txBody>
-          <a:bodyPr/>
-          <a:lstStyle/>
-          <a:p>
-            <a:pPr algn="ctr"/>
-            <a:r>
-              <a:rPr lang="fr-FR" dirty="0"/>
-              <a:t>MCD</a:t>
-            </a:r>
-          </a:p>
-        </p:txBody>
-      </p:sp>
-      <p:sp>
-        <p:nvSpPr>
-          <p:cNvPr id="4" name="Espace réservé de la date 3">
-            <a:extLst>
-              <a:ext uri="{FF2B5EF4-FFF2-40B4-BE49-F238E27FC236}">
-                <a16:creationId xmlns:a16="http://schemas.microsoft.com/office/drawing/2014/main" id="{B9F433C4-D0F9-462B-A1C9-E53F60C04362}"/>
-              </a:ext>
-            </a:extLst>
-          </p:cNvPr>
-          <p:cNvSpPr>
-            <a:spLocks noGrp="1"/>
-          </p:cNvSpPr>
-          <p:nvPr>
-            <p:ph type="dt" sz="half" idx="10"/>
-          </p:nvPr>
-        </p:nvSpPr>
-        <p:spPr/>
-        <p:txBody>
-          <a:bodyPr/>
-          <a:lstStyle/>
-          <a:p>
-            <a:fld id="{EE75921B-C4F6-4949-BEE6-7B8822AEE9B3}" type="datetime1">
-              <a:rPr lang="fr-FR" smtClean="0"/>
-              <a:t>03/06/2020</a:t>
-            </a:fld>
-            <a:endParaRPr lang="fr-FR"/>
-          </a:p>
-        </p:txBody>
-      </p:sp>
-      <p:sp>
-        <p:nvSpPr>
-          <p:cNvPr id="5" name="Espace réservé du pied de page 4">
-            <a:extLst>
-              <a:ext uri="{FF2B5EF4-FFF2-40B4-BE49-F238E27FC236}">
-                <a16:creationId xmlns:a16="http://schemas.microsoft.com/office/drawing/2014/main" id="{FBCE2677-DDF4-4DED-B224-AF36222BC135}"/>
-              </a:ext>
-            </a:extLst>
-          </p:cNvPr>
-          <p:cNvSpPr>
-            <a:spLocks noGrp="1"/>
-          </p:cNvSpPr>
-          <p:nvPr>
-            <p:ph type="ftr" sz="quarter" idx="11"/>
-          </p:nvPr>
-        </p:nvSpPr>
-        <p:spPr/>
-        <p:txBody>
-          <a:bodyPr/>
-          <a:lstStyle/>
-          <a:p>
-            <a:r>
-              <a:rPr lang="fr-FR"/>
-              <a:t>Sylvain ALLAIN</a:t>
-            </a:r>
-          </a:p>
-        </p:txBody>
-      </p:sp>
-      <p:sp>
-        <p:nvSpPr>
-          <p:cNvPr id="6" name="Espace réservé du numéro de diapositive 5">
-            <a:extLst>
-              <a:ext uri="{FF2B5EF4-FFF2-40B4-BE49-F238E27FC236}">
-                <a16:creationId xmlns:a16="http://schemas.microsoft.com/office/drawing/2014/main" id="{78923D95-6E95-483F-97E6-CA39E4415CF2}"/>
-              </a:ext>
-            </a:extLst>
-          </p:cNvPr>
-          <p:cNvSpPr>
-            <a:spLocks noGrp="1"/>
-          </p:cNvSpPr>
-          <p:nvPr>
-            <p:ph type="sldNum" sz="quarter" idx="12"/>
-          </p:nvPr>
-        </p:nvSpPr>
-        <p:spPr/>
-        <p:txBody>
-          <a:bodyPr/>
-          <a:lstStyle/>
-          <a:p>
-            <a:fld id="{7386E8C7-F2FE-4BD9-8CCD-17179851D3F5}" type="slidenum">
-              <a:rPr lang="fr-FR" smtClean="0"/>
-              <a:t>12</a:t>
-            </a:fld>
-            <a:endParaRPr lang="fr-FR"/>
-          </a:p>
-        </p:txBody>
-      </p:sp>
-      <p:pic>
-        <p:nvPicPr>
-          <p:cNvPr id="8" name="Image 7">
-            <a:extLst>
-              <a:ext uri="{FF2B5EF4-FFF2-40B4-BE49-F238E27FC236}">
-                <a16:creationId xmlns:a16="http://schemas.microsoft.com/office/drawing/2014/main" id="{B7E7BA6C-F276-4C89-86F2-1397E51D5DA7}"/>
-              </a:ext>
-            </a:extLst>
-          </p:cNvPr>
-          <p:cNvPicPr>
-            <a:picLocks noChangeAspect="1"/>
-          </p:cNvPicPr>
-          <p:nvPr/>
-        </p:nvPicPr>
-        <p:blipFill>
-          <a:blip r:embed="rId2">
-            <a:extLst>
-              <a:ext uri="{28A0092B-C50C-407E-A947-70E740481C1C}">
-                <a14:useLocalDpi xmlns:a14="http://schemas.microsoft.com/office/drawing/2010/main" val="0"/>
-              </a:ext>
-            </a:extLst>
-          </a:blip>
-          <a:stretch>
-            <a:fillRect/>
-          </a:stretch>
-        </p:blipFill>
-        <p:spPr>
-          <a:xfrm>
-            <a:off x="2212476" y="1903893"/>
-            <a:ext cx="8613145" cy="4316280"/>
-          </a:xfrm>
-          <a:prstGeom prst="rect">
-            <a:avLst/>
-          </a:prstGeom>
-        </p:spPr>
-      </p:pic>
-    </p:spTree>
-    <p:extLst>
-      <p:ext uri="{BB962C8B-B14F-4D97-AF65-F5344CB8AC3E}">
-        <p14:creationId xmlns:p14="http://schemas.microsoft.com/office/powerpoint/2010/main" val="810301190"/>
-      </p:ext>
-    </p:extLst>
-  </p:cSld>
-  <p:clrMapOvr>
-    <a:masterClrMapping/>
-  </p:clrMapOvr>
-</p:sld>
-</file>
-
-<file path=ppt/slides/slide13.xml><?xml version="1.0" encoding="utf-8"?>
-<p:sld xmlns:a="http://schemas.openxmlformats.org/drawingml/2006/main" xmlns:r="http://schemas.openxmlformats.org/officeDocument/2006/relationships" xmlns:p="http://schemas.openxmlformats.org/presentationml/2006/main">
-  <p:cSld>
-    <p:spTree>
-      <p:nvGrpSpPr>
-        <p:cNvPr id="1" name=""/>
-        <p:cNvGrpSpPr/>
-        <p:nvPr/>
-      </p:nvGrpSpPr>
-      <p:grpSpPr>
-        <a:xfrm>
-          <a:off x="0" y="0"/>
-          <a:ext cx="0" cy="0"/>
-          <a:chOff x="0" y="0"/>
-          <a:chExt cx="0" cy="0"/>
-        </a:xfrm>
-      </p:grpSpPr>
-      <p:pic>
-        <p:nvPicPr>
-          <p:cNvPr id="50" name="Image 49">
-            <a:extLst>
-              <a:ext uri="{FF2B5EF4-FFF2-40B4-BE49-F238E27FC236}">
-                <a16:creationId xmlns:a16="http://schemas.microsoft.com/office/drawing/2014/main" id="{CBF45E90-380A-4559-A955-32CF9ACA68A7}"/>
-              </a:ext>
-            </a:extLst>
-          </p:cNvPr>
-          <p:cNvPicPr>
-            <a:picLocks noChangeAspect="1"/>
-          </p:cNvPicPr>
-          <p:nvPr/>
-        </p:nvPicPr>
-        <p:blipFill>
-          <a:blip r:embed="rId2">
-            <a:extLst>
-              <a:ext uri="{28A0092B-C50C-407E-A947-70E740481C1C}">
-                <a14:useLocalDpi xmlns:a14="http://schemas.microsoft.com/office/drawing/2010/main" val="0"/>
-              </a:ext>
-            </a:extLst>
-          </a:blip>
-          <a:stretch>
-            <a:fillRect/>
-          </a:stretch>
-        </p:blipFill>
-        <p:spPr>
-          <a:xfrm>
-            <a:off x="2212476" y="1903893"/>
-            <a:ext cx="8613145" cy="4316280"/>
-          </a:xfrm>
-          <a:prstGeom prst="rect">
-            <a:avLst/>
-          </a:prstGeom>
-        </p:spPr>
-      </p:pic>
-      <p:sp>
-        <p:nvSpPr>
-          <p:cNvPr id="7" name="Titre 6">
-            <a:extLst>
-              <a:ext uri="{FF2B5EF4-FFF2-40B4-BE49-F238E27FC236}">
-                <a16:creationId xmlns:a16="http://schemas.microsoft.com/office/drawing/2014/main" id="{FF95CD83-B5B9-46E7-828A-5CAF8C14DE18}"/>
-              </a:ext>
-            </a:extLst>
-          </p:cNvPr>
-          <p:cNvSpPr>
-            <a:spLocks noGrp="1"/>
-          </p:cNvSpPr>
-          <p:nvPr>
-            <p:ph type="title"/>
-          </p:nvPr>
-        </p:nvSpPr>
-        <p:spPr/>
-        <p:txBody>
-          <a:bodyPr/>
-          <a:lstStyle/>
-          <a:p>
-            <a:pPr algn="ctr"/>
-            <a:r>
-              <a:rPr lang="fr-FR" dirty="0"/>
-              <a:t>MCD</a:t>
-            </a:r>
-          </a:p>
-        </p:txBody>
-      </p:sp>
-      <p:sp>
-        <p:nvSpPr>
-          <p:cNvPr id="4" name="Espace réservé de la date 3">
-            <a:extLst>
-              <a:ext uri="{FF2B5EF4-FFF2-40B4-BE49-F238E27FC236}">
-                <a16:creationId xmlns:a16="http://schemas.microsoft.com/office/drawing/2014/main" id="{B9F433C4-D0F9-462B-A1C9-E53F60C04362}"/>
-              </a:ext>
-            </a:extLst>
-          </p:cNvPr>
-          <p:cNvSpPr>
-            <a:spLocks noGrp="1"/>
-          </p:cNvSpPr>
-          <p:nvPr>
-            <p:ph type="dt" sz="half" idx="10"/>
-          </p:nvPr>
-        </p:nvSpPr>
-        <p:spPr/>
-        <p:txBody>
-          <a:bodyPr/>
-          <a:lstStyle/>
-          <a:p>
-            <a:fld id="{EE75921B-C4F6-4949-BEE6-7B8822AEE9B3}" type="datetime1">
-              <a:rPr lang="fr-FR" smtClean="0"/>
-              <a:t>03/06/2020</a:t>
-            </a:fld>
-            <a:endParaRPr lang="fr-FR"/>
-          </a:p>
-        </p:txBody>
-      </p:sp>
-      <p:sp>
-        <p:nvSpPr>
-          <p:cNvPr id="5" name="Espace réservé du pied de page 4">
-            <a:extLst>
-              <a:ext uri="{FF2B5EF4-FFF2-40B4-BE49-F238E27FC236}">
-                <a16:creationId xmlns:a16="http://schemas.microsoft.com/office/drawing/2014/main" id="{FBCE2677-DDF4-4DED-B224-AF36222BC135}"/>
-              </a:ext>
-            </a:extLst>
-          </p:cNvPr>
-          <p:cNvSpPr>
-            <a:spLocks noGrp="1"/>
-          </p:cNvSpPr>
-          <p:nvPr>
-            <p:ph type="ftr" sz="quarter" idx="11"/>
-          </p:nvPr>
-        </p:nvSpPr>
-        <p:spPr/>
-        <p:txBody>
-          <a:bodyPr/>
-          <a:lstStyle/>
-          <a:p>
-            <a:r>
-              <a:rPr lang="fr-FR"/>
-              <a:t>Sylvain ALLAIN</a:t>
-            </a:r>
-          </a:p>
-        </p:txBody>
-      </p:sp>
-      <p:sp>
-        <p:nvSpPr>
-          <p:cNvPr id="6" name="Espace réservé du numéro de diapositive 5">
-            <a:extLst>
-              <a:ext uri="{FF2B5EF4-FFF2-40B4-BE49-F238E27FC236}">
-                <a16:creationId xmlns:a16="http://schemas.microsoft.com/office/drawing/2014/main" id="{78923D95-6E95-483F-97E6-CA39E4415CF2}"/>
-              </a:ext>
-            </a:extLst>
-          </p:cNvPr>
-          <p:cNvSpPr>
-            <a:spLocks noGrp="1"/>
-          </p:cNvSpPr>
-          <p:nvPr>
-            <p:ph type="sldNum" sz="quarter" idx="12"/>
-          </p:nvPr>
-        </p:nvSpPr>
-        <p:spPr/>
-        <p:txBody>
-          <a:bodyPr/>
-          <a:lstStyle/>
-          <a:p>
-            <a:fld id="{7386E8C7-F2FE-4BD9-8CCD-17179851D3F5}" type="slidenum">
-              <a:rPr lang="fr-FR" smtClean="0"/>
-              <a:t>13</a:t>
-            </a:fld>
-            <a:endParaRPr lang="fr-FR"/>
-          </a:p>
-        </p:txBody>
-      </p:sp>
-      <p:sp>
-        <p:nvSpPr>
-          <p:cNvPr id="33" name="Flèche : droite 32">
-            <a:extLst>
-              <a:ext uri="{FF2B5EF4-FFF2-40B4-BE49-F238E27FC236}">
-                <a16:creationId xmlns:a16="http://schemas.microsoft.com/office/drawing/2014/main" id="{719F59C0-BD4C-4B9E-9EDA-7A484A7A377D}"/>
-              </a:ext>
-            </a:extLst>
-          </p:cNvPr>
-          <p:cNvSpPr/>
-          <p:nvPr/>
-        </p:nvSpPr>
-        <p:spPr>
-          <a:xfrm>
-            <a:off x="4104459" y="3364375"/>
-            <a:ext cx="2022021" cy="354513"/>
-          </a:xfrm>
-          <a:prstGeom prst="rightArrow">
-            <a:avLst>
-              <a:gd name="adj1" fmla="val 68424"/>
-              <a:gd name="adj2" fmla="val 50000"/>
-            </a:avLst>
-          </a:prstGeom>
-          <a:solidFill>
-            <a:srgbClr val="FFC000"/>
-          </a:solidFill>
-        </p:spPr>
-        <p:style>
-          <a:lnRef idx="2">
-            <a:schemeClr val="accent1">
-              <a:shade val="50000"/>
-            </a:schemeClr>
-          </a:lnRef>
-          <a:fillRef idx="1">
-            <a:schemeClr val="accent1"/>
-          </a:fillRef>
-          <a:effectRef idx="0">
-            <a:schemeClr val="accent1"/>
-          </a:effectRef>
-          <a:fontRef idx="minor">
-            <a:schemeClr val="lt1"/>
-          </a:fontRef>
-        </p:style>
-        <p:txBody>
-          <a:bodyPr rtlCol="0" anchor="ctr"/>
-          <a:lstStyle/>
-          <a:p>
-            <a:pPr algn="ctr"/>
-            <a:r>
-              <a:rPr lang="fr-FR" b="1" dirty="0">
-                <a:solidFill>
-                  <a:schemeClr val="tx1">
-                    <a:lumMod val="95000"/>
-                    <a:lumOff val="5000"/>
-                  </a:schemeClr>
-                </a:solidFill>
-              </a:rPr>
-              <a:t>One To </a:t>
-            </a:r>
-            <a:r>
-              <a:rPr lang="fr-FR" b="1" dirty="0" err="1">
-                <a:solidFill>
-                  <a:schemeClr val="tx1">
-                    <a:lumMod val="95000"/>
-                    <a:lumOff val="5000"/>
-                  </a:schemeClr>
-                </a:solidFill>
-              </a:rPr>
-              <a:t>Many</a:t>
-            </a:r>
-            <a:endParaRPr lang="fr-FR" b="1" dirty="0">
-              <a:solidFill>
-                <a:schemeClr val="tx1">
-                  <a:lumMod val="95000"/>
-                  <a:lumOff val="5000"/>
-                </a:schemeClr>
-              </a:solidFill>
-            </a:endParaRPr>
-          </a:p>
-        </p:txBody>
-      </p:sp>
-      <p:sp>
-        <p:nvSpPr>
-          <p:cNvPr id="37" name="Flèche : droite 36">
-            <a:extLst>
-              <a:ext uri="{FF2B5EF4-FFF2-40B4-BE49-F238E27FC236}">
-                <a16:creationId xmlns:a16="http://schemas.microsoft.com/office/drawing/2014/main" id="{63B028C2-BA6C-47D5-89D0-CE0B0B75F473}"/>
-              </a:ext>
-            </a:extLst>
-          </p:cNvPr>
-          <p:cNvSpPr/>
-          <p:nvPr/>
-        </p:nvSpPr>
-        <p:spPr>
-          <a:xfrm rot="5400000">
-            <a:off x="1296366" y="4476573"/>
-            <a:ext cx="1324124" cy="506706"/>
-          </a:xfrm>
-          <a:prstGeom prst="rightArrow">
-            <a:avLst>
-              <a:gd name="adj1" fmla="val 68424"/>
-              <a:gd name="adj2" fmla="val 50000"/>
-            </a:avLst>
-          </a:prstGeom>
-          <a:solidFill>
-            <a:srgbClr val="FFC000"/>
-          </a:solidFill>
-        </p:spPr>
-        <p:style>
-          <a:lnRef idx="2">
-            <a:schemeClr val="accent1">
-              <a:shade val="50000"/>
-            </a:schemeClr>
-          </a:lnRef>
-          <a:fillRef idx="1">
-            <a:schemeClr val="accent1"/>
-          </a:fillRef>
-          <a:effectRef idx="0">
-            <a:schemeClr val="accent1"/>
-          </a:effectRef>
-          <a:fontRef idx="minor">
-            <a:schemeClr val="lt1"/>
-          </a:fontRef>
-        </p:style>
-        <p:txBody>
-          <a:bodyPr vert="vert270" wrap="none" rtlCol="0" anchor="ctr" anchorCtr="0">
-            <a:noAutofit/>
-          </a:bodyPr>
-          <a:lstStyle/>
-          <a:p>
-            <a:pPr algn="ctr"/>
-            <a:r>
-              <a:rPr lang="fr-FR" b="1" dirty="0">
-                <a:solidFill>
-                  <a:schemeClr val="tx1">
-                    <a:lumMod val="95000"/>
-                    <a:lumOff val="5000"/>
-                  </a:schemeClr>
-                </a:solidFill>
-              </a:rPr>
-              <a:t>One To </a:t>
-            </a:r>
-            <a:r>
-              <a:rPr lang="fr-FR" b="1" dirty="0" err="1">
-                <a:solidFill>
-                  <a:schemeClr val="tx1">
-                    <a:lumMod val="95000"/>
-                    <a:lumOff val="5000"/>
-                  </a:schemeClr>
-                </a:solidFill>
-              </a:rPr>
-              <a:t>Many</a:t>
-            </a:r>
-            <a:endParaRPr lang="fr-FR" b="1" dirty="0">
-              <a:solidFill>
-                <a:schemeClr val="tx1">
-                  <a:lumMod val="95000"/>
-                  <a:lumOff val="5000"/>
-                </a:schemeClr>
-              </a:solidFill>
-            </a:endParaRPr>
-          </a:p>
-        </p:txBody>
-      </p:sp>
-      <p:grpSp>
-        <p:nvGrpSpPr>
-          <p:cNvPr id="39" name="Groupe 38">
-            <a:extLst>
-              <a:ext uri="{FF2B5EF4-FFF2-40B4-BE49-F238E27FC236}">
-                <a16:creationId xmlns:a16="http://schemas.microsoft.com/office/drawing/2014/main" id="{1966FC7B-5E8C-4ADD-B624-4DF7C93B51E0}"/>
-              </a:ext>
-            </a:extLst>
-          </p:cNvPr>
-          <p:cNvGrpSpPr/>
-          <p:nvPr/>
-        </p:nvGrpSpPr>
-        <p:grpSpPr>
-          <a:xfrm>
-            <a:off x="2764718" y="1903893"/>
-            <a:ext cx="4388630" cy="1016130"/>
-            <a:chOff x="3022933" y="1881075"/>
-            <a:chExt cx="4388630" cy="1016130"/>
-          </a:xfrm>
-        </p:grpSpPr>
-        <p:sp>
-          <p:nvSpPr>
-            <p:cNvPr id="20" name="Flèche : virage 19">
-              <a:extLst>
-                <a:ext uri="{FF2B5EF4-FFF2-40B4-BE49-F238E27FC236}">
-                  <a16:creationId xmlns:a16="http://schemas.microsoft.com/office/drawing/2014/main" id="{D549C1AE-8B5C-4684-9629-9712881CA1E9}"/>
-                </a:ext>
-              </a:extLst>
-            </p:cNvPr>
-            <p:cNvSpPr/>
-            <p:nvPr/>
-          </p:nvSpPr>
-          <p:spPr>
-            <a:xfrm>
-              <a:off x="3338994" y="2220687"/>
-              <a:ext cx="1055429" cy="676518"/>
-            </a:xfrm>
-            <a:prstGeom prst="bentArrow">
-              <a:avLst>
-                <a:gd name="adj1" fmla="val 20171"/>
-                <a:gd name="adj2" fmla="val 25000"/>
-                <a:gd name="adj3" fmla="val 25000"/>
-                <a:gd name="adj4" fmla="val 36509"/>
-              </a:avLst>
-            </a:prstGeom>
-          </p:spPr>
-          <p:style>
-            <a:lnRef idx="2">
-              <a:schemeClr val="accent1">
-                <a:shade val="50000"/>
-              </a:schemeClr>
-            </a:lnRef>
-            <a:fillRef idx="1">
-              <a:schemeClr val="accent1"/>
-            </a:fillRef>
-            <a:effectRef idx="0">
-              <a:schemeClr val="accent1"/>
-            </a:effectRef>
-            <a:fontRef idx="minor">
-              <a:schemeClr val="lt1"/>
-            </a:fontRef>
-          </p:style>
-          <p:txBody>
-            <a:bodyPr rtlCol="0" anchor="ctr"/>
-            <a:lstStyle/>
-            <a:p>
-              <a:pPr algn="ctr"/>
-              <a:endParaRPr lang="fr-FR">
-                <a:solidFill>
-                  <a:schemeClr val="tx1"/>
-                </a:solidFill>
-              </a:endParaRPr>
-            </a:p>
-          </p:txBody>
-        </p:sp>
-        <p:sp>
-          <p:nvSpPr>
-            <p:cNvPr id="25" name="Flèche : virage 24">
-              <a:extLst>
-                <a:ext uri="{FF2B5EF4-FFF2-40B4-BE49-F238E27FC236}">
-                  <a16:creationId xmlns:a16="http://schemas.microsoft.com/office/drawing/2014/main" id="{B6FEB293-E385-4CA1-9E9E-1BA64EE4DA4F}"/>
-                </a:ext>
-              </a:extLst>
-            </p:cNvPr>
-            <p:cNvSpPr/>
-            <p:nvPr/>
-          </p:nvSpPr>
-          <p:spPr>
-            <a:xfrm flipH="1">
-              <a:off x="6082980" y="2227589"/>
-              <a:ext cx="906235" cy="493638"/>
-            </a:xfrm>
-            <a:prstGeom prst="bentArrow">
-              <a:avLst/>
-            </a:prstGeom>
-          </p:spPr>
-          <p:style>
-            <a:lnRef idx="2">
-              <a:schemeClr val="accent1">
-                <a:shade val="50000"/>
-              </a:schemeClr>
-            </a:lnRef>
-            <a:fillRef idx="1">
-              <a:schemeClr val="accent1"/>
-            </a:fillRef>
-            <a:effectRef idx="0">
-              <a:schemeClr val="accent1"/>
-            </a:effectRef>
-            <a:fontRef idx="minor">
-              <a:schemeClr val="lt1"/>
-            </a:fontRef>
-          </p:style>
-          <p:txBody>
-            <a:bodyPr rtlCol="0" anchor="ctr"/>
-            <a:lstStyle/>
-            <a:p>
-              <a:pPr algn="ctr"/>
-              <a:endParaRPr lang="fr-FR">
-                <a:solidFill>
-                  <a:schemeClr val="tx1"/>
-                </a:solidFill>
-              </a:endParaRPr>
-            </a:p>
-          </p:txBody>
-        </p:sp>
-        <p:sp>
-          <p:nvSpPr>
-            <p:cNvPr id="38" name="ZoneTexte 37">
-              <a:extLst>
-                <a:ext uri="{FF2B5EF4-FFF2-40B4-BE49-F238E27FC236}">
-                  <a16:creationId xmlns:a16="http://schemas.microsoft.com/office/drawing/2014/main" id="{A360391F-5D9F-412A-82FC-3D10FEDAD64E}"/>
-                </a:ext>
-              </a:extLst>
-            </p:cNvPr>
-            <p:cNvSpPr txBox="1"/>
-            <p:nvPr/>
-          </p:nvSpPr>
-          <p:spPr>
-            <a:xfrm>
-              <a:off x="3022933" y="1935334"/>
-              <a:ext cx="1423018" cy="369332"/>
-            </a:xfrm>
-            <a:prstGeom prst="rect">
-              <a:avLst/>
-            </a:prstGeom>
-            <a:noFill/>
-          </p:spPr>
-          <p:txBody>
-            <a:bodyPr wrap="none" rtlCol="0">
-              <a:spAutoFit/>
-            </a:bodyPr>
-            <a:lstStyle/>
-            <a:p>
-              <a:r>
-                <a:rPr lang="fr-FR" dirty="0" err="1"/>
-                <a:t>Many</a:t>
-              </a:r>
-              <a:r>
-                <a:rPr lang="fr-FR" dirty="0"/>
-                <a:t> To One</a:t>
-              </a:r>
-            </a:p>
-          </p:txBody>
-        </p:sp>
-        <p:sp>
-          <p:nvSpPr>
-            <p:cNvPr id="42" name="ZoneTexte 41">
-              <a:extLst>
-                <a:ext uri="{FF2B5EF4-FFF2-40B4-BE49-F238E27FC236}">
-                  <a16:creationId xmlns:a16="http://schemas.microsoft.com/office/drawing/2014/main" id="{B1B8F600-1C0E-45B3-B346-CD31131E3F22}"/>
-                </a:ext>
-              </a:extLst>
-            </p:cNvPr>
-            <p:cNvSpPr txBox="1"/>
-            <p:nvPr/>
-          </p:nvSpPr>
-          <p:spPr>
-            <a:xfrm>
-              <a:off x="5988545" y="1881075"/>
-              <a:ext cx="1423018" cy="369332"/>
-            </a:xfrm>
-            <a:prstGeom prst="rect">
-              <a:avLst/>
-            </a:prstGeom>
-            <a:noFill/>
-          </p:spPr>
-          <p:txBody>
-            <a:bodyPr wrap="none" rtlCol="0">
-              <a:spAutoFit/>
-            </a:bodyPr>
-            <a:lstStyle/>
-            <a:p>
-              <a:r>
-                <a:rPr lang="fr-FR" dirty="0" err="1"/>
-                <a:t>Many</a:t>
-              </a:r>
-              <a:r>
-                <a:rPr lang="fr-FR" dirty="0"/>
-                <a:t> To One</a:t>
-              </a:r>
-            </a:p>
-          </p:txBody>
-        </p:sp>
-      </p:grpSp>
-      <p:grpSp>
-        <p:nvGrpSpPr>
-          <p:cNvPr id="47" name="Groupe 46">
-            <a:extLst>
-              <a:ext uri="{FF2B5EF4-FFF2-40B4-BE49-F238E27FC236}">
-                <a16:creationId xmlns:a16="http://schemas.microsoft.com/office/drawing/2014/main" id="{A6AADF7C-CEA8-4184-8A76-A93741536BAE}"/>
-              </a:ext>
-            </a:extLst>
-          </p:cNvPr>
-          <p:cNvGrpSpPr/>
-          <p:nvPr/>
-        </p:nvGrpSpPr>
-        <p:grpSpPr>
-          <a:xfrm>
-            <a:off x="7437663" y="1908503"/>
-            <a:ext cx="2566968" cy="2995384"/>
-            <a:chOff x="7437663" y="1908503"/>
-            <a:chExt cx="2566968" cy="2995384"/>
-          </a:xfrm>
-        </p:grpSpPr>
-        <p:sp>
-          <p:nvSpPr>
-            <p:cNvPr id="28" name="Flèche : virage 27">
-              <a:extLst>
-                <a:ext uri="{FF2B5EF4-FFF2-40B4-BE49-F238E27FC236}">
-                  <a16:creationId xmlns:a16="http://schemas.microsoft.com/office/drawing/2014/main" id="{409E7DF5-1924-49DD-8DD1-BEE46C18FC1C}"/>
-                </a:ext>
-              </a:extLst>
-            </p:cNvPr>
-            <p:cNvSpPr/>
-            <p:nvPr/>
-          </p:nvSpPr>
-          <p:spPr>
-            <a:xfrm rot="16200000" flipV="1">
-              <a:off x="8624994" y="3134611"/>
-              <a:ext cx="564717" cy="2194557"/>
-            </a:xfrm>
-            <a:prstGeom prst="bentArrow">
-              <a:avLst>
-                <a:gd name="adj1" fmla="val 25273"/>
-                <a:gd name="adj2" fmla="val 26986"/>
-                <a:gd name="adj3" fmla="val 34863"/>
-                <a:gd name="adj4" fmla="val 12857"/>
-              </a:avLst>
-            </a:prstGeom>
-          </p:spPr>
-          <p:style>
-            <a:lnRef idx="2">
-              <a:schemeClr val="accent6">
-                <a:shade val="50000"/>
-              </a:schemeClr>
-            </a:lnRef>
-            <a:fillRef idx="1">
-              <a:schemeClr val="accent6"/>
-            </a:fillRef>
-            <a:effectRef idx="0">
-              <a:schemeClr val="accent6"/>
-            </a:effectRef>
-            <a:fontRef idx="minor">
-              <a:schemeClr val="lt1"/>
-            </a:fontRef>
-          </p:style>
-          <p:txBody>
-            <a:bodyPr rtlCol="0" anchor="ctr"/>
-            <a:lstStyle/>
-            <a:p>
-              <a:pPr algn="ctr"/>
-              <a:endParaRPr lang="fr-FR">
-                <a:solidFill>
-                  <a:schemeClr val="tx1"/>
-                </a:solidFill>
-              </a:endParaRPr>
-            </a:p>
-          </p:txBody>
-        </p:sp>
-        <p:sp>
-          <p:nvSpPr>
-            <p:cNvPr id="32" name="Flèche : demi-tour 31">
-              <a:extLst>
-                <a:ext uri="{FF2B5EF4-FFF2-40B4-BE49-F238E27FC236}">
-                  <a16:creationId xmlns:a16="http://schemas.microsoft.com/office/drawing/2014/main" id="{5B2A88C2-66E4-402F-BA6C-6C1F8E70B010}"/>
-                </a:ext>
-              </a:extLst>
-            </p:cNvPr>
-            <p:cNvSpPr/>
-            <p:nvPr/>
-          </p:nvSpPr>
-          <p:spPr>
-            <a:xfrm flipH="1">
-              <a:off x="7437663" y="2277835"/>
-              <a:ext cx="2392134" cy="930727"/>
-            </a:xfrm>
-            <a:prstGeom prst="uturnArrow">
-              <a:avLst>
-                <a:gd name="adj1" fmla="val 18101"/>
-                <a:gd name="adj2" fmla="val 18403"/>
-                <a:gd name="adj3" fmla="val 21064"/>
-                <a:gd name="adj4" fmla="val 43750"/>
-                <a:gd name="adj5" fmla="val 46544"/>
-              </a:avLst>
-            </a:prstGeom>
-          </p:spPr>
-          <p:style>
-            <a:lnRef idx="2">
-              <a:schemeClr val="accent6">
-                <a:shade val="50000"/>
-              </a:schemeClr>
-            </a:lnRef>
-            <a:fillRef idx="1">
-              <a:schemeClr val="accent6"/>
-            </a:fillRef>
-            <a:effectRef idx="0">
-              <a:schemeClr val="accent6"/>
-            </a:effectRef>
-            <a:fontRef idx="minor">
-              <a:schemeClr val="lt1"/>
-            </a:fontRef>
-          </p:style>
-          <p:txBody>
-            <a:bodyPr rtlCol="0" anchor="ctr"/>
-            <a:lstStyle/>
-            <a:p>
-              <a:pPr algn="ctr"/>
-              <a:endParaRPr lang="fr-FR">
-                <a:solidFill>
-                  <a:schemeClr val="tx1"/>
-                </a:solidFill>
-              </a:endParaRPr>
-            </a:p>
-          </p:txBody>
-        </p:sp>
-        <p:sp>
-          <p:nvSpPr>
-            <p:cNvPr id="43" name="ZoneTexte 42">
-              <a:extLst>
-                <a:ext uri="{FF2B5EF4-FFF2-40B4-BE49-F238E27FC236}">
-                  <a16:creationId xmlns:a16="http://schemas.microsoft.com/office/drawing/2014/main" id="{F0AEBC23-7067-4842-9A39-49671FF5DF7C}"/>
-                </a:ext>
-              </a:extLst>
-            </p:cNvPr>
-            <p:cNvSpPr txBox="1"/>
-            <p:nvPr/>
-          </p:nvSpPr>
-          <p:spPr>
-            <a:xfrm>
-              <a:off x="7926058" y="1908503"/>
-              <a:ext cx="1423018" cy="369332"/>
-            </a:xfrm>
-            <a:prstGeom prst="rect">
-              <a:avLst/>
-            </a:prstGeom>
-            <a:noFill/>
-          </p:spPr>
-          <p:txBody>
-            <a:bodyPr wrap="none" rtlCol="0">
-              <a:spAutoFit/>
-            </a:bodyPr>
-            <a:lstStyle/>
-            <a:p>
-              <a:r>
-                <a:rPr lang="fr-FR" dirty="0"/>
-                <a:t>One To </a:t>
-              </a:r>
-              <a:r>
-                <a:rPr lang="fr-FR" dirty="0" err="1"/>
-                <a:t>Many</a:t>
-              </a:r>
-              <a:endParaRPr lang="fr-FR" dirty="0"/>
-            </a:p>
-          </p:txBody>
-        </p:sp>
-        <p:sp>
-          <p:nvSpPr>
-            <p:cNvPr id="44" name="ZoneTexte 43">
-              <a:extLst>
-                <a:ext uri="{FF2B5EF4-FFF2-40B4-BE49-F238E27FC236}">
-                  <a16:creationId xmlns:a16="http://schemas.microsoft.com/office/drawing/2014/main" id="{40CE3515-F627-4A24-BF8D-288C4BADEA79}"/>
-                </a:ext>
-              </a:extLst>
-            </p:cNvPr>
-            <p:cNvSpPr txBox="1"/>
-            <p:nvPr/>
-          </p:nvSpPr>
-          <p:spPr>
-            <a:xfrm>
-              <a:off x="7922221" y="4534555"/>
-              <a:ext cx="1423018" cy="369332"/>
-            </a:xfrm>
-            <a:prstGeom prst="rect">
-              <a:avLst/>
-            </a:prstGeom>
-            <a:noFill/>
-          </p:spPr>
-          <p:txBody>
-            <a:bodyPr wrap="none" rtlCol="0">
-              <a:spAutoFit/>
-            </a:bodyPr>
-            <a:lstStyle/>
-            <a:p>
-              <a:r>
-                <a:rPr lang="fr-FR" dirty="0" err="1"/>
-                <a:t>Many</a:t>
-              </a:r>
-              <a:r>
-                <a:rPr lang="fr-FR" dirty="0"/>
-                <a:t> To One</a:t>
-              </a:r>
-            </a:p>
-          </p:txBody>
-        </p:sp>
-      </p:grpSp>
-      <p:grpSp>
-        <p:nvGrpSpPr>
-          <p:cNvPr id="48" name="Groupe 47">
-            <a:extLst>
-              <a:ext uri="{FF2B5EF4-FFF2-40B4-BE49-F238E27FC236}">
-                <a16:creationId xmlns:a16="http://schemas.microsoft.com/office/drawing/2014/main" id="{142D15B0-383F-4C9C-B2A1-6E0D24790B8A}"/>
-              </a:ext>
-            </a:extLst>
-          </p:cNvPr>
-          <p:cNvGrpSpPr/>
-          <p:nvPr/>
-        </p:nvGrpSpPr>
-        <p:grpSpPr>
-          <a:xfrm>
-            <a:off x="3586220" y="4227369"/>
-            <a:ext cx="3567128" cy="1239295"/>
-            <a:chOff x="3586220" y="4227369"/>
-            <a:chExt cx="3567128" cy="1239295"/>
-          </a:xfrm>
-        </p:grpSpPr>
-        <p:sp>
-          <p:nvSpPr>
-            <p:cNvPr id="35" name="Flèche : virage 34">
-              <a:extLst>
-                <a:ext uri="{FF2B5EF4-FFF2-40B4-BE49-F238E27FC236}">
-                  <a16:creationId xmlns:a16="http://schemas.microsoft.com/office/drawing/2014/main" id="{5224F2DE-0E96-4B8F-8483-D096E417A2EE}"/>
-                </a:ext>
-              </a:extLst>
-            </p:cNvPr>
-            <p:cNvSpPr/>
-            <p:nvPr/>
-          </p:nvSpPr>
-          <p:spPr>
-            <a:xfrm flipV="1">
-              <a:off x="3586220" y="4227369"/>
-              <a:ext cx="708238" cy="676518"/>
-            </a:xfrm>
-            <a:prstGeom prst="bentArrow">
-              <a:avLst>
-                <a:gd name="adj1" fmla="val 20171"/>
-                <a:gd name="adj2" fmla="val 25000"/>
-                <a:gd name="adj3" fmla="val 25000"/>
-                <a:gd name="adj4" fmla="val 36509"/>
-              </a:avLst>
-            </a:prstGeom>
-          </p:spPr>
-          <p:style>
-            <a:lnRef idx="2">
-              <a:schemeClr val="accent1">
-                <a:shade val="50000"/>
-              </a:schemeClr>
-            </a:lnRef>
-            <a:fillRef idx="1">
-              <a:schemeClr val="accent1"/>
-            </a:fillRef>
-            <a:effectRef idx="0">
-              <a:schemeClr val="accent1"/>
-            </a:effectRef>
-            <a:fontRef idx="minor">
-              <a:schemeClr val="lt1"/>
-            </a:fontRef>
-          </p:style>
-          <p:txBody>
-            <a:bodyPr rtlCol="0" anchor="ctr"/>
-            <a:lstStyle/>
-            <a:p>
-              <a:pPr algn="ctr"/>
-              <a:endParaRPr lang="fr-FR">
-                <a:solidFill>
-                  <a:schemeClr val="tx1"/>
-                </a:solidFill>
-              </a:endParaRPr>
-            </a:p>
-          </p:txBody>
-        </p:sp>
-        <p:sp>
-          <p:nvSpPr>
-            <p:cNvPr id="36" name="Flèche : virage 35">
-              <a:extLst>
-                <a:ext uri="{FF2B5EF4-FFF2-40B4-BE49-F238E27FC236}">
-                  <a16:creationId xmlns:a16="http://schemas.microsoft.com/office/drawing/2014/main" id="{08F7C415-B562-4A8B-B1DF-8DEA7FCD278E}"/>
-                </a:ext>
-              </a:extLst>
-            </p:cNvPr>
-            <p:cNvSpPr/>
-            <p:nvPr/>
-          </p:nvSpPr>
-          <p:spPr>
-            <a:xfrm flipH="1" flipV="1">
-              <a:off x="5774840" y="4655599"/>
-              <a:ext cx="906235" cy="354514"/>
-            </a:xfrm>
-            <a:prstGeom prst="bentArrow">
-              <a:avLst>
-                <a:gd name="adj1" fmla="val 34212"/>
-                <a:gd name="adj2" fmla="val 34212"/>
-                <a:gd name="adj3" fmla="val 41121"/>
-                <a:gd name="adj4" fmla="val 34538"/>
-              </a:avLst>
-            </a:prstGeom>
-          </p:spPr>
-          <p:style>
-            <a:lnRef idx="2">
-              <a:schemeClr val="accent1">
-                <a:shade val="50000"/>
-              </a:schemeClr>
-            </a:lnRef>
-            <a:fillRef idx="1">
-              <a:schemeClr val="accent1"/>
-            </a:fillRef>
-            <a:effectRef idx="0">
-              <a:schemeClr val="accent1"/>
-            </a:effectRef>
-            <a:fontRef idx="minor">
-              <a:schemeClr val="lt1"/>
-            </a:fontRef>
-          </p:style>
-          <p:txBody>
-            <a:bodyPr rtlCol="0" anchor="ctr"/>
-            <a:lstStyle/>
-            <a:p>
-              <a:pPr algn="ctr"/>
-              <a:endParaRPr lang="fr-FR">
-                <a:solidFill>
-                  <a:schemeClr val="tx1"/>
-                </a:solidFill>
-              </a:endParaRPr>
-            </a:p>
-          </p:txBody>
-        </p:sp>
-        <p:sp>
-          <p:nvSpPr>
-            <p:cNvPr id="45" name="ZoneTexte 44">
-              <a:extLst>
-                <a:ext uri="{FF2B5EF4-FFF2-40B4-BE49-F238E27FC236}">
-                  <a16:creationId xmlns:a16="http://schemas.microsoft.com/office/drawing/2014/main" id="{335735BD-6E44-4581-BFBE-D1C87F853F9C}"/>
-                </a:ext>
-              </a:extLst>
-            </p:cNvPr>
-            <p:cNvSpPr txBox="1"/>
-            <p:nvPr/>
-          </p:nvSpPr>
-          <p:spPr>
-            <a:xfrm>
-              <a:off x="3668018" y="4820333"/>
-              <a:ext cx="906235" cy="646331"/>
-            </a:xfrm>
-            <a:prstGeom prst="rect">
-              <a:avLst/>
-            </a:prstGeom>
-            <a:noFill/>
-          </p:spPr>
-          <p:txBody>
-            <a:bodyPr wrap="square" rtlCol="0">
-              <a:spAutoFit/>
-            </a:bodyPr>
-            <a:lstStyle/>
-            <a:p>
-              <a:r>
-                <a:rPr lang="fr-FR" dirty="0" err="1"/>
-                <a:t>Many</a:t>
-              </a:r>
-              <a:r>
-                <a:rPr lang="fr-FR" dirty="0"/>
-                <a:t> To One</a:t>
-              </a:r>
-            </a:p>
-          </p:txBody>
-        </p:sp>
-        <p:sp>
-          <p:nvSpPr>
-            <p:cNvPr id="46" name="ZoneTexte 45">
-              <a:extLst>
-                <a:ext uri="{FF2B5EF4-FFF2-40B4-BE49-F238E27FC236}">
-                  <a16:creationId xmlns:a16="http://schemas.microsoft.com/office/drawing/2014/main" id="{B738D502-095A-4A10-8B7A-E3C4BE8B674E}"/>
-                </a:ext>
-              </a:extLst>
-            </p:cNvPr>
-            <p:cNvSpPr txBox="1"/>
-            <p:nvPr/>
-          </p:nvSpPr>
-          <p:spPr>
-            <a:xfrm>
-              <a:off x="5730330" y="4994704"/>
-              <a:ext cx="1423018" cy="369332"/>
-            </a:xfrm>
-            <a:prstGeom prst="rect">
-              <a:avLst/>
-            </a:prstGeom>
-            <a:noFill/>
-          </p:spPr>
-          <p:txBody>
-            <a:bodyPr wrap="square" rtlCol="0">
-              <a:spAutoFit/>
-            </a:bodyPr>
-            <a:lstStyle/>
-            <a:p>
-              <a:r>
-                <a:rPr lang="fr-FR" dirty="0" err="1"/>
-                <a:t>Many</a:t>
-              </a:r>
-              <a:r>
-                <a:rPr lang="fr-FR" dirty="0"/>
-                <a:t> To One</a:t>
-              </a:r>
-            </a:p>
-          </p:txBody>
-        </p:sp>
-      </p:grpSp>
-    </p:spTree>
-    <p:extLst>
-      <p:ext uri="{BB962C8B-B14F-4D97-AF65-F5344CB8AC3E}">
-        <p14:creationId xmlns:p14="http://schemas.microsoft.com/office/powerpoint/2010/main" val="4134561580"/>
-      </p:ext>
-    </p:extLst>
-  </p:cSld>
-  <p:clrMapOvr>
-    <a:masterClrMapping/>
-  </p:clrMapOvr>
-  <p:timing>
-    <p:tnLst>
-      <p:par>
-        <p:cTn id="1" dur="indefinite" restart="never" nodeType="tmRoot">
-          <p:childTnLst>
-            <p:seq concurrent="1" nextAc="seek">
-              <p:cTn id="2" dur="indefinite" nodeType="mainSeq">
-                <p:childTnLst>
-                  <p:par>
-                    <p:cTn id="3" fill="hold">
-                      <p:stCondLst>
-                        <p:cond delay="indefinite"/>
-                      </p:stCondLst>
-                      <p:childTnLst>
-                        <p:par>
-                          <p:cTn id="4" fill="hold">
-                            <p:stCondLst>
-                              <p:cond delay="0"/>
-                            </p:stCondLst>
-                            <p:childTnLst>
-                              <p:par>
-                                <p:cTn id="5" presetID="10" presetClass="entr" presetSubtype="0" fill="hold" nodeType="clickEffect">
-                                  <p:stCondLst>
-                                    <p:cond delay="0"/>
-                                  </p:stCondLst>
-                                  <p:childTnLst>
-                                    <p:set>
-                                      <p:cBhvr>
-                                        <p:cTn id="6" dur="1" fill="hold">
-                                          <p:stCondLst>
-                                            <p:cond delay="0"/>
-                                          </p:stCondLst>
-                                        </p:cTn>
-                                        <p:tgtEl>
-                                          <p:spTgt spid="47"/>
-                                        </p:tgtEl>
-                                        <p:attrNameLst>
-                                          <p:attrName>style.visibility</p:attrName>
-                                        </p:attrNameLst>
-                                      </p:cBhvr>
-                                      <p:to>
-                                        <p:strVal val="visible"/>
-                                      </p:to>
-                                    </p:set>
-                                    <p:animEffect transition="in" filter="fade">
-                                      <p:cBhvr>
-                                        <p:cTn id="7" dur="500"/>
-                                        <p:tgtEl>
-                                          <p:spTgt spid="47"/>
-                                        </p:tgtEl>
-                                      </p:cBhvr>
-                                    </p:animEffect>
-                                  </p:childTnLst>
-                                </p:cTn>
-                              </p:par>
-                            </p:childTnLst>
-                          </p:cTn>
-                        </p:par>
-                      </p:childTnLst>
-                    </p:cTn>
-                  </p:par>
-                  <p:par>
-                    <p:cTn id="8" fill="hold">
-                      <p:stCondLst>
-                        <p:cond delay="indefinite"/>
-                      </p:stCondLst>
-                      <p:childTnLst>
-                        <p:par>
-                          <p:cTn id="9" fill="hold">
-                            <p:stCondLst>
-                              <p:cond delay="0"/>
-                            </p:stCondLst>
-                            <p:childTnLst>
-                              <p:par>
-                                <p:cTn id="10" presetID="10" presetClass="entr" presetSubtype="0" fill="hold" grpId="0" nodeType="clickEffect">
-                                  <p:stCondLst>
-                                    <p:cond delay="0"/>
-                                  </p:stCondLst>
-                                  <p:childTnLst>
-                                    <p:set>
-                                      <p:cBhvr>
-                                        <p:cTn id="11" dur="1" fill="hold">
-                                          <p:stCondLst>
-                                            <p:cond delay="0"/>
-                                          </p:stCondLst>
-                                        </p:cTn>
-                                        <p:tgtEl>
-                                          <p:spTgt spid="37"/>
-                                        </p:tgtEl>
-                                        <p:attrNameLst>
-                                          <p:attrName>style.visibility</p:attrName>
-                                        </p:attrNameLst>
-                                      </p:cBhvr>
-                                      <p:to>
-                                        <p:strVal val="visible"/>
-                                      </p:to>
-                                    </p:set>
-                                    <p:animEffect transition="in" filter="fade">
-                                      <p:cBhvr>
-                                        <p:cTn id="12" dur="500"/>
-                                        <p:tgtEl>
-                                          <p:spTgt spid="37"/>
-                                        </p:tgtEl>
-                                      </p:cBhvr>
-                                    </p:animEffect>
-                                  </p:childTnLst>
-                                </p:cTn>
-                              </p:par>
-                            </p:childTnLst>
-                          </p:cTn>
-                        </p:par>
-                      </p:childTnLst>
-                    </p:cTn>
-                  </p:par>
-                  <p:par>
-                    <p:cTn id="13" fill="hold">
-                      <p:stCondLst>
-                        <p:cond delay="indefinite"/>
-                      </p:stCondLst>
-                      <p:childTnLst>
-                        <p:par>
-                          <p:cTn id="14" fill="hold">
-                            <p:stCondLst>
-                              <p:cond delay="0"/>
-                            </p:stCondLst>
-                            <p:childTnLst>
-                              <p:par>
-                                <p:cTn id="15" presetID="10" presetClass="entr" presetSubtype="0" fill="hold" nodeType="clickEffect">
-                                  <p:stCondLst>
-                                    <p:cond delay="0"/>
-                                  </p:stCondLst>
-                                  <p:childTnLst>
-                                    <p:set>
-                                      <p:cBhvr>
-                                        <p:cTn id="16" dur="1" fill="hold">
-                                          <p:stCondLst>
-                                            <p:cond delay="0"/>
-                                          </p:stCondLst>
-                                        </p:cTn>
-                                        <p:tgtEl>
-                                          <p:spTgt spid="39"/>
-                                        </p:tgtEl>
-                                        <p:attrNameLst>
-                                          <p:attrName>style.visibility</p:attrName>
-                                        </p:attrNameLst>
-                                      </p:cBhvr>
-                                      <p:to>
-                                        <p:strVal val="visible"/>
-                                      </p:to>
-                                    </p:set>
-                                    <p:animEffect transition="in" filter="fade">
-                                      <p:cBhvr>
-                                        <p:cTn id="17" dur="500"/>
-                                        <p:tgtEl>
-                                          <p:spTgt spid="39"/>
-                                        </p:tgtEl>
-                                      </p:cBhvr>
-                                    </p:animEffect>
-                                  </p:childTnLst>
-                                </p:cTn>
-                              </p:par>
-                            </p:childTnLst>
-                          </p:cTn>
-                        </p:par>
-                      </p:childTnLst>
-                    </p:cTn>
-                  </p:par>
-                  <p:par>
-                    <p:cTn id="18" fill="hold">
-                      <p:stCondLst>
-                        <p:cond delay="indefinite"/>
-                      </p:stCondLst>
-                      <p:childTnLst>
-                        <p:par>
-                          <p:cTn id="19" fill="hold">
-                            <p:stCondLst>
-                              <p:cond delay="0"/>
-                            </p:stCondLst>
-                            <p:childTnLst>
-                              <p:par>
-                                <p:cTn id="20" presetID="10" presetClass="entr" presetSubtype="0" fill="hold" nodeType="clickEffect">
-                                  <p:stCondLst>
-                                    <p:cond delay="0"/>
-                                  </p:stCondLst>
-                                  <p:childTnLst>
-                                    <p:set>
-                                      <p:cBhvr>
-                                        <p:cTn id="21" dur="1" fill="hold">
-                                          <p:stCondLst>
-                                            <p:cond delay="0"/>
-                                          </p:stCondLst>
-                                        </p:cTn>
-                                        <p:tgtEl>
-                                          <p:spTgt spid="48"/>
-                                        </p:tgtEl>
-                                        <p:attrNameLst>
-                                          <p:attrName>style.visibility</p:attrName>
-                                        </p:attrNameLst>
-                                      </p:cBhvr>
-                                      <p:to>
-                                        <p:strVal val="visible"/>
-                                      </p:to>
-                                    </p:set>
-                                    <p:animEffect transition="in" filter="fade">
-                                      <p:cBhvr>
-                                        <p:cTn id="22" dur="500"/>
-                                        <p:tgtEl>
-                                          <p:spTgt spid="48"/>
-                                        </p:tgtEl>
-                                      </p:cBhvr>
-                                    </p:animEffect>
-                                  </p:childTnLst>
-                                </p:cTn>
-                              </p:par>
-                            </p:childTnLst>
-                          </p:cTn>
-                        </p:par>
-                      </p:childTnLst>
-                    </p:cTn>
-                  </p:par>
-                </p:childTnLst>
-              </p:cTn>
-              <p:prevCondLst>
-                <p:cond evt="onPrev" delay="0">
-                  <p:tgtEl>
-                    <p:sldTgt/>
-                  </p:tgtEl>
-                </p:cond>
-              </p:prevCondLst>
-              <p:nextCondLst>
-                <p:cond evt="onNext" delay="0">
-                  <p:tgtEl>
-                    <p:sldTgt/>
-                  </p:tgtEl>
-                </p:cond>
-              </p:nextCondLst>
-            </p:seq>
-          </p:childTnLst>
-        </p:cTn>
-      </p:par>
-    </p:tnLst>
-    <p:bldLst>
-      <p:bldP spid="37" grpId="0" animBg="1"/>
-    </p:bldLst>
-  </p:timing>
-</p:sld>
-</file>
-
-<file path=ppt/slides/slide14.xml><?xml version="1.0" encoding="utf-8"?>
-<p:sld xmlns:a="http://schemas.openxmlformats.org/drawingml/2006/main" xmlns:r="http://schemas.openxmlformats.org/officeDocument/2006/relationships" xmlns:p="http://schemas.openxmlformats.org/presentationml/2006/main">
-  <p:cSld>
-    <p:spTree>
-      <p:nvGrpSpPr>
-        <p:cNvPr id="1" name=""/>
-        <p:cNvGrpSpPr/>
-        <p:nvPr/>
-      </p:nvGrpSpPr>
-      <p:grpSpPr>
-        <a:xfrm>
-          <a:off x="0" y="0"/>
-          <a:ext cx="0" cy="0"/>
-          <a:chOff x="0" y="0"/>
-          <a:chExt cx="0" cy="0"/>
-        </a:xfrm>
-      </p:grpSpPr>
-      <p:sp>
-        <p:nvSpPr>
           <p:cNvPr id="2" name="Titre 1">
             <a:extLst>
               <a:ext uri="{FF2B5EF4-FFF2-40B4-BE49-F238E27FC236}">
@@ -18356,7 +17046,7 @@
           <a:p>
             <a:fld id="{17B14172-D5F5-4BFB-89B6-FE98C0A91CE9}" type="datetime1">
               <a:rPr lang="fr-FR" smtClean="0"/>
-              <a:t>03/06/2020</a:t>
+              <a:t>04/06/2020</a:t>
             </a:fld>
             <a:endParaRPr lang="fr-FR"/>
           </a:p>
@@ -18413,7 +17103,7 @@
           <a:p>
             <a:fld id="{7386E8C7-F2FE-4BD9-8CCD-17179851D3F5}" type="slidenum">
               <a:rPr lang="fr-FR" smtClean="0"/>
-              <a:t>14</a:t>
+              <a:t>12</a:t>
             </a:fld>
             <a:endParaRPr lang="fr-FR"/>
           </a:p>
@@ -18487,7 +17177,7 @@
 </p:sld>
 </file>
 
-<file path=ppt/slides/slide15.xml><?xml version="1.0" encoding="utf-8"?>
+<file path=ppt/slides/slide13.xml><?xml version="1.0" encoding="utf-8"?>
 <p:sld xmlns:a="http://schemas.openxmlformats.org/drawingml/2006/main" xmlns:r="http://schemas.openxmlformats.org/officeDocument/2006/relationships" xmlns:p="http://schemas.openxmlformats.org/presentationml/2006/main">
   <p:cSld>
     <p:spTree>
@@ -18557,7 +17247,7 @@
           <a:p>
             <a:fld id="{17B14172-D5F5-4BFB-89B6-FE98C0A91CE9}" type="datetime1">
               <a:rPr lang="fr-FR" smtClean="0"/>
-              <a:t>03/06/2020</a:t>
+              <a:t>04/06/2020</a:t>
             </a:fld>
             <a:endParaRPr lang="fr-FR"/>
           </a:p>
@@ -18614,7 +17304,7 @@
           <a:p>
             <a:fld id="{7386E8C7-F2FE-4BD9-8CCD-17179851D3F5}" type="slidenum">
               <a:rPr lang="fr-FR" smtClean="0"/>
-              <a:t>15</a:t>
+              <a:t>13</a:t>
             </a:fld>
             <a:endParaRPr lang="fr-FR"/>
           </a:p>
@@ -18688,7 +17378,7 @@
 </p:sld>
 </file>
 
-<file path=ppt/slides/slide16.xml><?xml version="1.0" encoding="utf-8"?>
+<file path=ppt/slides/slide14.xml><?xml version="1.0" encoding="utf-8"?>
 <p:sld xmlns:a="http://schemas.openxmlformats.org/drawingml/2006/main" xmlns:r="http://schemas.openxmlformats.org/officeDocument/2006/relationships" xmlns:p="http://schemas.openxmlformats.org/presentationml/2006/main">
   <p:cSld>
     <p:spTree>
@@ -18793,7 +17483,7 @@
           <a:p>
             <a:fld id="{17B14172-D5F5-4BFB-89B6-FE98C0A91CE9}" type="datetime1">
               <a:rPr lang="fr-FR" smtClean="0"/>
-              <a:t>03/06/2020</a:t>
+              <a:t>04/06/2020</a:t>
             </a:fld>
             <a:endParaRPr lang="fr-FR"/>
           </a:p>
@@ -18850,7 +17540,7 @@
           <a:p>
             <a:fld id="{7386E8C7-F2FE-4BD9-8CCD-17179851D3F5}" type="slidenum">
               <a:rPr lang="fr-FR" smtClean="0"/>
-              <a:t>16</a:t>
+              <a:t>14</a:t>
             </a:fld>
             <a:endParaRPr lang="fr-FR"/>
           </a:p>
@@ -18869,7 +17559,7 @@
 </p:sld>
 </file>
 
-<file path=ppt/slides/slide17.xml><?xml version="1.0" encoding="utf-8"?>
+<file path=ppt/slides/slide15.xml><?xml version="1.0" encoding="utf-8"?>
 <p:sld xmlns:a="http://schemas.openxmlformats.org/drawingml/2006/main" xmlns:r="http://schemas.openxmlformats.org/officeDocument/2006/relationships" xmlns:p="http://schemas.openxmlformats.org/presentationml/2006/main">
   <p:cSld>
     <p:bg>
@@ -19149,7 +17839,7 @@
           <a:p>
             <a:pPr algn="r"/>
             <a:r>
-              <a:rPr lang="en-US"/>
+              <a:rPr lang="en-US" dirty="0"/>
               <a:t>Design pattern</a:t>
             </a:r>
           </a:p>
@@ -19189,25 +17879,13 @@
             </a:r>
             <a:r>
               <a:rPr lang="en-US" dirty="0"/>
-              <a:t> du MVC </a:t>
+              <a:t> du MVP </a:t>
             </a:r>
           </a:p>
           <a:p>
             <a:r>
-              <a:rPr lang="en-US" dirty="0" err="1"/>
-              <a:t>représentation</a:t>
-            </a:r>
-            <a:r>
               <a:rPr lang="en-US" dirty="0"/>
-              <a:t> DU </a:t>
-            </a:r>
-            <a:r>
-              <a:rPr lang="en-US" dirty="0" err="1"/>
-              <a:t>mvC</a:t>
-            </a:r>
-            <a:r>
-              <a:rPr lang="en-US" dirty="0"/>
-              <a:t> dans Symfony</a:t>
+              <a:t>MCD</a:t>
             </a:r>
           </a:p>
           <a:p>
@@ -19437,7 +18115,7 @@
                   <a:spcPts val="600"/>
                 </a:spcAft>
               </a:pPr>
-              <a:t>6/3/2020</a:t>
+              <a:t>6/4/2020</a:t>
             </a:fld>
             <a:endParaRPr lang="en-US"/>
           </a:p>
@@ -19530,7 +18208,7 @@
                   <a:spcPts val="600"/>
                 </a:spcAft>
               </a:pPr>
-              <a:t>17</a:t>
+              <a:t>15</a:t>
             </a:fld>
             <a:endParaRPr lang="en-US"/>
           </a:p>
@@ -19549,7 +18227,7 @@
 </p:sld>
 </file>
 
-<file path=ppt/slides/slide18.xml><?xml version="1.0" encoding="utf-8"?>
+<file path=ppt/slides/slide16.xml><?xml version="1.0" encoding="utf-8"?>
 <p:sld xmlns:a="http://schemas.openxmlformats.org/drawingml/2006/main" xmlns:r="http://schemas.openxmlformats.org/officeDocument/2006/relationships" xmlns:p="http://schemas.openxmlformats.org/presentationml/2006/main">
   <p:cSld>
     <p:spTree>
@@ -19589,7 +18267,7 @@
           <a:p>
             <a:fld id="{EE75921B-C4F6-4949-BEE6-7B8822AEE9B3}" type="datetime1">
               <a:rPr lang="fr-FR" smtClean="0"/>
-              <a:t>03/06/2020</a:t>
+              <a:t>04/06/2020</a:t>
             </a:fld>
             <a:endParaRPr lang="fr-FR"/>
           </a:p>
@@ -19646,7 +18324,7 @@
           <a:p>
             <a:fld id="{7386E8C7-F2FE-4BD9-8CCD-17179851D3F5}" type="slidenum">
               <a:rPr lang="fr-FR" smtClean="0"/>
-              <a:t>18</a:t>
+              <a:t>16</a:t>
             </a:fld>
             <a:endParaRPr lang="fr-FR"/>
           </a:p>
@@ -19689,8 +18367,13 @@
             </a:r>
             <a:r>
               <a:rPr lang="fr-FR" dirty="0"/>
-              <a:t> – Controller</a:t>
+              <a:t> – </a:t>
             </a:r>
+            <a:r>
+              <a:rPr lang="fr-FR" dirty="0" err="1"/>
+              <a:t>Presenter</a:t>
+            </a:r>
+            <a:endParaRPr lang="fr-FR" dirty="0"/>
           </a:p>
         </p:txBody>
       </p:sp>
@@ -20329,6 +19012,78 @@
           </p:txBody>
         </p:sp>
       </p:grpSp>
+      <p:pic>
+        <p:nvPicPr>
+          <p:cNvPr id="27" name="Image 26">
+            <a:extLst>
+              <a:ext uri="{FF2B5EF4-FFF2-40B4-BE49-F238E27FC236}">
+                <a16:creationId xmlns:a16="http://schemas.microsoft.com/office/drawing/2014/main" id="{939437AF-AA59-4F04-AF4E-369FD077F214}"/>
+              </a:ext>
+            </a:extLst>
+          </p:cNvPr>
+          <p:cNvPicPr>
+            <a:picLocks noChangeAspect="1"/>
+          </p:cNvPicPr>
+          <p:nvPr/>
+        </p:nvPicPr>
+        <p:blipFill>
+          <a:blip r:embed="rId4">
+            <a:extLst>
+              <a:ext uri="{28A0092B-C50C-407E-A947-70E740481C1C}">
+                <a14:useLocalDpi xmlns:a14="http://schemas.microsoft.com/office/drawing/2010/main" val="0"/>
+              </a:ext>
+            </a:extLst>
+          </a:blip>
+          <a:stretch>
+            <a:fillRect/>
+          </a:stretch>
+        </p:blipFill>
+        <p:spPr>
+          <a:xfrm>
+            <a:off x="8468632" y="4727116"/>
+            <a:ext cx="1582748" cy="985113"/>
+          </a:xfrm>
+          <a:prstGeom prst="rect">
+            <a:avLst/>
+          </a:prstGeom>
+        </p:spPr>
+      </p:pic>
+      <p:pic>
+        <p:nvPicPr>
+          <p:cNvPr id="28" name="Image 27">
+            <a:extLst>
+              <a:ext uri="{FF2B5EF4-FFF2-40B4-BE49-F238E27FC236}">
+                <a16:creationId xmlns:a16="http://schemas.microsoft.com/office/drawing/2014/main" id="{EC7B5115-9EED-478B-96C5-0D6FA80C70D1}"/>
+              </a:ext>
+            </a:extLst>
+          </p:cNvPr>
+          <p:cNvPicPr>
+            <a:picLocks noChangeAspect="1"/>
+          </p:cNvPicPr>
+          <p:nvPr/>
+        </p:nvPicPr>
+        <p:blipFill>
+          <a:blip r:embed="rId5">
+            <a:extLst>
+              <a:ext uri="{28A0092B-C50C-407E-A947-70E740481C1C}">
+                <a14:useLocalDpi xmlns:a14="http://schemas.microsoft.com/office/drawing/2010/main" val="0"/>
+              </a:ext>
+            </a:extLst>
+          </a:blip>
+          <a:stretch>
+            <a:fillRect/>
+          </a:stretch>
+        </p:blipFill>
+        <p:spPr>
+          <a:xfrm>
+            <a:off x="8011791" y="2542429"/>
+            <a:ext cx="1582748" cy="1038678"/>
+          </a:xfrm>
+          <a:prstGeom prst="rect">
+            <a:avLst/>
+          </a:prstGeom>
+        </p:spPr>
+      </p:pic>
     </p:spTree>
     <p:extLst>
       <p:ext uri="{BB962C8B-B14F-4D97-AF65-F5344CB8AC3E}">
@@ -20637,7 +19392,7 @@
 </p:sld>
 </file>
 
-<file path=ppt/slides/slide19.xml><?xml version="1.0" encoding="utf-8"?>
+<file path=ppt/slides/slide17.xml><?xml version="1.0" encoding="utf-8"?>
 <p:sld xmlns:a="http://schemas.openxmlformats.org/drawingml/2006/main" xmlns:r="http://schemas.openxmlformats.org/officeDocument/2006/relationships" xmlns:p="http://schemas.openxmlformats.org/presentationml/2006/main">
   <p:cSld>
     <p:spTree>
@@ -20656,10 +19411,39 @@
       </p:grpSpPr>
       <p:sp>
         <p:nvSpPr>
+          <p:cNvPr id="7" name="Titre 6">
+            <a:extLst>
+              <a:ext uri="{FF2B5EF4-FFF2-40B4-BE49-F238E27FC236}">
+                <a16:creationId xmlns:a16="http://schemas.microsoft.com/office/drawing/2014/main" id="{FF95CD83-B5B9-46E7-828A-5CAF8C14DE18}"/>
+              </a:ext>
+            </a:extLst>
+          </p:cNvPr>
+          <p:cNvSpPr>
+            <a:spLocks noGrp="1"/>
+          </p:cNvSpPr>
+          <p:nvPr>
+            <p:ph type="title"/>
+          </p:nvPr>
+        </p:nvSpPr>
+        <p:spPr/>
+        <p:txBody>
+          <a:bodyPr/>
+          <a:lstStyle/>
+          <a:p>
+            <a:pPr algn="ctr"/>
+            <a:r>
+              <a:rPr lang="fr-FR" dirty="0"/>
+              <a:t>MCD</a:t>
+            </a:r>
+          </a:p>
+        </p:txBody>
+      </p:sp>
+      <p:sp>
+        <p:nvSpPr>
           <p:cNvPr id="4" name="Espace réservé de la date 3">
             <a:extLst>
               <a:ext uri="{FF2B5EF4-FFF2-40B4-BE49-F238E27FC236}">
-                <a16:creationId xmlns:a16="http://schemas.microsoft.com/office/drawing/2014/main" id="{C96C93D7-1E7C-4064-A2A0-2955C3586770}"/>
+                <a16:creationId xmlns:a16="http://schemas.microsoft.com/office/drawing/2014/main" id="{B9F433C4-D0F9-462B-A1C9-E53F60C04362}"/>
               </a:ext>
             </a:extLst>
           </p:cNvPr>
@@ -20677,7 +19461,7 @@
           <a:p>
             <a:fld id="{EE75921B-C4F6-4949-BEE6-7B8822AEE9B3}" type="datetime1">
               <a:rPr lang="fr-FR" smtClean="0"/>
-              <a:t>03/06/2020</a:t>
+              <a:t>04/06/2020</a:t>
             </a:fld>
             <a:endParaRPr lang="fr-FR"/>
           </a:p>
@@ -20688,7 +19472,7 @@
           <p:cNvPr id="5" name="Espace réservé du pied de page 4">
             <a:extLst>
               <a:ext uri="{FF2B5EF4-FFF2-40B4-BE49-F238E27FC236}">
-                <a16:creationId xmlns:a16="http://schemas.microsoft.com/office/drawing/2014/main" id="{FE0B5B9F-6FB2-4FBC-9FE6-30E779A30AED}"/>
+                <a16:creationId xmlns:a16="http://schemas.microsoft.com/office/drawing/2014/main" id="{FBCE2677-DDF4-4DED-B224-AF36222BC135}"/>
               </a:ext>
             </a:extLst>
           </p:cNvPr>
@@ -20716,7 +19500,7 @@
           <p:cNvPr id="6" name="Espace réservé du numéro de diapositive 5">
             <a:extLst>
               <a:ext uri="{FF2B5EF4-FFF2-40B4-BE49-F238E27FC236}">
-                <a16:creationId xmlns:a16="http://schemas.microsoft.com/office/drawing/2014/main" id="{E0912303-FDCB-4F1A-9371-78E7EB39DC60}"/>
+                <a16:creationId xmlns:a16="http://schemas.microsoft.com/office/drawing/2014/main" id="{78923D95-6E95-483F-97E6-CA39E4415CF2}"/>
               </a:ext>
             </a:extLst>
           </p:cNvPr>
@@ -20734,57 +19518,23 @@
           <a:p>
             <a:fld id="{7386E8C7-F2FE-4BD9-8CCD-17179851D3F5}" type="slidenum">
               <a:rPr lang="fr-FR" smtClean="0"/>
-              <a:t>19</a:t>
+              <a:t>17</a:t>
             </a:fld>
             <a:endParaRPr lang="fr-FR"/>
           </a:p>
         </p:txBody>
       </p:sp>
-      <p:sp>
-        <p:nvSpPr>
-          <p:cNvPr id="7" name="Titre 6">
+      <p:pic>
+        <p:nvPicPr>
+          <p:cNvPr id="8" name="Image 7">
             <a:extLst>
               <a:ext uri="{FF2B5EF4-FFF2-40B4-BE49-F238E27FC236}">
-                <a16:creationId xmlns:a16="http://schemas.microsoft.com/office/drawing/2014/main" id="{3786BC7C-B76E-4ED9-BE23-27FDE6B7EAF7}"/>
-              </a:ext>
-            </a:extLst>
-          </p:cNvPr>
-          <p:cNvSpPr>
-            <a:spLocks noGrp="1"/>
-          </p:cNvSpPr>
-          <p:nvPr>
-            <p:ph type="title" idx="4294967295"/>
-          </p:nvPr>
-        </p:nvSpPr>
-        <p:spPr>
-          <a:xfrm>
-            <a:off x="268448" y="286952"/>
-            <a:ext cx="11593356" cy="1046898"/>
-          </a:xfrm>
-        </p:spPr>
-        <p:txBody>
-          <a:bodyPr/>
-          <a:lstStyle/>
-          <a:p>
-            <a:pPr algn="ctr"/>
-            <a:r>
-              <a:rPr lang="fr-FR" dirty="0"/>
-              <a:t>MVC adapté à Symfony</a:t>
-            </a:r>
-          </a:p>
-        </p:txBody>
-      </p:sp>
-      <p:pic>
-        <p:nvPicPr>
-          <p:cNvPr id="5122" name="Picture 2">
-            <a:extLst>
-              <a:ext uri="{FF2B5EF4-FFF2-40B4-BE49-F238E27FC236}">
-                <a16:creationId xmlns:a16="http://schemas.microsoft.com/office/drawing/2014/main" id="{0769986D-3102-4C6F-8F76-D6F7AD931AA0}"/>
+                <a16:creationId xmlns:a16="http://schemas.microsoft.com/office/drawing/2014/main" id="{B7E7BA6C-F276-4C89-86F2-1397E51D5DA7}"/>
               </a:ext>
             </a:extLst>
           </p:cNvPr>
           <p:cNvPicPr>
-            <a:picLocks noChangeAspect="1" noChangeArrowheads="1"/>
+            <a:picLocks noChangeAspect="1"/>
           </p:cNvPicPr>
           <p:nvPr/>
         </p:nvPicPr>
@@ -20796,43 +19546,24 @@
               </a:ext>
             </a:extLst>
           </a:blip>
-          <a:srcRect/>
           <a:stretch>
             <a:fillRect/>
           </a:stretch>
         </p:blipFill>
-        <p:spPr bwMode="auto">
+        <p:spPr>
           <a:xfrm>
-            <a:off x="1574814" y="1481226"/>
-            <a:ext cx="8325644" cy="4575432"/>
+            <a:off x="2212476" y="1903893"/>
+            <a:ext cx="8613145" cy="4316280"/>
           </a:xfrm>
           <a:prstGeom prst="rect">
             <a:avLst/>
           </a:prstGeom>
-          <a:solidFill>
-            <a:srgbClr val="FFFFFF"/>
-          </a:solidFill>
-          <a:ln>
-            <a:noFill/>
-          </a:ln>
-          <a:extLst>
-            <a:ext uri="{91240B29-F687-4F45-9708-019B960494DF}">
-              <a14:hiddenLine xmlns:a14="http://schemas.microsoft.com/office/drawing/2010/main" w="9525">
-                <a:solidFill>
-                  <a:srgbClr val="000000"/>
-                </a:solidFill>
-                <a:miter lim="800000"/>
-                <a:headEnd/>
-                <a:tailEnd/>
-              </a14:hiddenLine>
-            </a:ext>
-          </a:extLst>
         </p:spPr>
       </p:pic>
     </p:spTree>
     <p:extLst>
       <p:ext uri="{BB962C8B-B14F-4D97-AF65-F5344CB8AC3E}">
-        <p14:creationId xmlns:p14="http://schemas.microsoft.com/office/powerpoint/2010/main" val="1541434228"/>
+        <p14:creationId xmlns:p14="http://schemas.microsoft.com/office/powerpoint/2010/main" val="810301190"/>
       </p:ext>
     </p:extLst>
   </p:cSld>
@@ -20842,17 +19573,9 @@
 </p:sld>
 </file>
 
-<file path=ppt/slides/slide2.xml><?xml version="1.0" encoding="utf-8"?>
+<file path=ppt/slides/slide18.xml><?xml version="1.0" encoding="utf-8"?>
 <p:sld xmlns:a="http://schemas.openxmlformats.org/drawingml/2006/main" xmlns:r="http://schemas.openxmlformats.org/officeDocument/2006/relationships" xmlns:p="http://schemas.openxmlformats.org/presentationml/2006/main">
   <p:cSld>
-    <p:bg>
-      <p:bgPr>
-        <a:solidFill>
-          <a:schemeClr val="bg1"/>
-        </a:solidFill>
-        <a:effectLst/>
-      </p:bgPr>
-    </p:bg>
     <p:spTree>
       <p:nvGrpSpPr>
         <p:cNvPr id="1" name=""/>
@@ -20867,205 +19590,185 @@
           <a:chExt cx="0" cy="0"/>
         </a:xfrm>
       </p:grpSpPr>
-      <p:sp>
-        <p:nvSpPr>
-          <p:cNvPr id="50" name="Rectangle 49">
+      <p:pic>
+        <p:nvPicPr>
+          <p:cNvPr id="50" name="Image 49">
             <a:extLst>
               <a:ext uri="{FF2B5EF4-FFF2-40B4-BE49-F238E27FC236}">
-                <a16:creationId xmlns:a16="http://schemas.microsoft.com/office/drawing/2014/main" id="{1DFE635C-C432-47DA-AEAB-A593345CBA70}"/>
-              </a:ext>
-              <a:ext uri="{C183D7F6-B498-43B3-948B-1728B52AA6E4}">
-                <adec:decorative xmlns:adec="http://schemas.microsoft.com/office/drawing/2017/decorative" val="1"/>
+                <a16:creationId xmlns:a16="http://schemas.microsoft.com/office/drawing/2014/main" id="{CBF45E90-380A-4559-A955-32CF9ACA68A7}"/>
               </a:ext>
             </a:extLst>
           </p:cNvPr>
-          <p:cNvSpPr>
-            <a:spLocks noGrp="1" noRot="1" noChangeAspect="1" noMove="1" noResize="1" noEditPoints="1" noAdjustHandles="1" noChangeArrowheads="1" noChangeShapeType="1" noTextEdit="1"/>
-          </p:cNvSpPr>
-          <p:nvPr>
-            <p:extLst>
-              <p:ext uri="{386F3935-93C4-4BCD-93E2-E3B085C9AB24}">
-                <p16:designElem xmlns:p16="http://schemas.microsoft.com/office/powerpoint/2015/main" val="1"/>
-              </p:ext>
-            </p:extLst>
-          </p:nvPr>
-        </p:nvSpPr>
+          <p:cNvPicPr>
+            <a:picLocks noChangeAspect="1"/>
+          </p:cNvPicPr>
+          <p:nvPr/>
+        </p:nvPicPr>
+        <p:blipFill>
+          <a:blip r:embed="rId2">
+            <a:extLst>
+              <a:ext uri="{28A0092B-C50C-407E-A947-70E740481C1C}">
+                <a14:useLocalDpi xmlns:a14="http://schemas.microsoft.com/office/drawing/2010/main" val="0"/>
+              </a:ext>
+            </a:extLst>
+          </a:blip>
+          <a:stretch>
+            <a:fillRect/>
+          </a:stretch>
+        </p:blipFill>
         <p:spPr>
           <a:xfrm>
-            <a:off x="3175" y="6400800"/>
-            <a:ext cx="12188825" cy="457200"/>
+            <a:off x="2212476" y="1903893"/>
+            <a:ext cx="8613145" cy="4316280"/>
           </a:xfrm>
           <a:prstGeom prst="rect">
             <a:avLst/>
           </a:prstGeom>
-          <a:solidFill>
-            <a:schemeClr val="accent2"/>
-          </a:solidFill>
-          <a:ln>
-            <a:noFill/>
-          </a:ln>
         </p:spPr>
-        <p:style>
-          <a:lnRef idx="2">
-            <a:schemeClr val="accent1">
-              <a:shade val="50000"/>
-            </a:schemeClr>
-          </a:lnRef>
-          <a:fillRef idx="1">
-            <a:schemeClr val="accent1"/>
-          </a:fillRef>
-          <a:effectRef idx="0">
-            <a:schemeClr val="accent1"/>
-          </a:effectRef>
-          <a:fontRef idx="minor">
-            <a:schemeClr val="lt1"/>
-          </a:fontRef>
-        </p:style>
+      </p:pic>
+      <p:sp>
+        <p:nvSpPr>
+          <p:cNvPr id="7" name="Titre 6">
+            <a:extLst>
+              <a:ext uri="{FF2B5EF4-FFF2-40B4-BE49-F238E27FC236}">
+                <a16:creationId xmlns:a16="http://schemas.microsoft.com/office/drawing/2014/main" id="{FF95CD83-B5B9-46E7-828A-5CAF8C14DE18}"/>
+              </a:ext>
+            </a:extLst>
+          </p:cNvPr>
+          <p:cNvSpPr>
+            <a:spLocks noGrp="1"/>
+          </p:cNvSpPr>
+          <p:nvPr>
+            <p:ph type="title"/>
+          </p:nvPr>
+        </p:nvSpPr>
+        <p:spPr/>
+        <p:txBody>
+          <a:bodyPr/>
+          <a:lstStyle/>
+          <a:p>
+            <a:r>
+              <a:rPr lang="fr-FR"/>
+              <a:t>MCD</a:t>
+            </a:r>
+            <a:endParaRPr lang="fr-FR" dirty="0"/>
+          </a:p>
+        </p:txBody>
       </p:sp>
       <p:sp>
         <p:nvSpPr>
-          <p:cNvPr id="52" name="Rectangle 51">
+          <p:cNvPr id="4" name="Espace réservé de la date 3">
             <a:extLst>
               <a:ext uri="{FF2B5EF4-FFF2-40B4-BE49-F238E27FC236}">
-                <a16:creationId xmlns:a16="http://schemas.microsoft.com/office/drawing/2014/main" id="{79FBF3D3-2448-4FF3-B57B-852CB3B8517E}"/>
-              </a:ext>
-              <a:ext uri="{C183D7F6-B498-43B3-948B-1728B52AA6E4}">
-                <adec:decorative xmlns:adec="http://schemas.microsoft.com/office/drawing/2017/decorative" val="1"/>
+                <a16:creationId xmlns:a16="http://schemas.microsoft.com/office/drawing/2014/main" id="{B9F433C4-D0F9-462B-A1C9-E53F60C04362}"/>
               </a:ext>
             </a:extLst>
           </p:cNvPr>
           <p:cNvSpPr>
-            <a:spLocks noGrp="1" noRot="1" noChangeAspect="1" noMove="1" noResize="1" noEditPoints="1" noAdjustHandles="1" noChangeArrowheads="1" noChangeShapeType="1" noTextEdit="1"/>
+            <a:spLocks noGrp="1"/>
           </p:cNvSpPr>
           <p:nvPr>
-            <p:extLst>
-              <p:ext uri="{386F3935-93C4-4BCD-93E2-E3B085C9AB24}">
-                <p16:designElem xmlns:p16="http://schemas.microsoft.com/office/powerpoint/2015/main" val="1"/>
-              </p:ext>
-            </p:extLst>
+            <p:ph type="dt" sz="half" idx="10"/>
           </p:nvPr>
+        </p:nvSpPr>
+        <p:spPr/>
+        <p:txBody>
+          <a:bodyPr/>
+          <a:lstStyle/>
+          <a:p>
+            <a:fld id="{EE75921B-C4F6-4949-BEE6-7B8822AEE9B3}" type="datetime1">
+              <a:rPr lang="fr-FR" smtClean="0"/>
+              <a:pPr/>
+              <a:t>04/06/2020</a:t>
+            </a:fld>
+            <a:endParaRPr lang="fr-FR"/>
+          </a:p>
+        </p:txBody>
+      </p:sp>
+      <p:sp>
+        <p:nvSpPr>
+          <p:cNvPr id="5" name="Espace réservé du pied de page 4">
+            <a:extLst>
+              <a:ext uri="{FF2B5EF4-FFF2-40B4-BE49-F238E27FC236}">
+                <a16:creationId xmlns:a16="http://schemas.microsoft.com/office/drawing/2014/main" id="{FBCE2677-DDF4-4DED-B224-AF36222BC135}"/>
+              </a:ext>
+            </a:extLst>
+          </p:cNvPr>
+          <p:cNvSpPr>
+            <a:spLocks noGrp="1"/>
+          </p:cNvSpPr>
+          <p:nvPr>
+            <p:ph type="ftr" sz="quarter" idx="11"/>
+          </p:nvPr>
+        </p:nvSpPr>
+        <p:spPr/>
+        <p:txBody>
+          <a:bodyPr/>
+          <a:lstStyle/>
+          <a:p>
+            <a:r>
+              <a:rPr lang="fr-FR"/>
+              <a:t>Sylvain ALLAIN</a:t>
+            </a:r>
+          </a:p>
+        </p:txBody>
+      </p:sp>
+      <p:sp>
+        <p:nvSpPr>
+          <p:cNvPr id="6" name="Espace réservé du numéro de diapositive 5">
+            <a:extLst>
+              <a:ext uri="{FF2B5EF4-FFF2-40B4-BE49-F238E27FC236}">
+                <a16:creationId xmlns:a16="http://schemas.microsoft.com/office/drawing/2014/main" id="{78923D95-6E95-483F-97E6-CA39E4415CF2}"/>
+              </a:ext>
+            </a:extLst>
+          </p:cNvPr>
+          <p:cNvSpPr>
+            <a:spLocks noGrp="1"/>
+          </p:cNvSpPr>
+          <p:nvPr>
+            <p:ph type="sldNum" sz="quarter" idx="12"/>
+          </p:nvPr>
+        </p:nvSpPr>
+        <p:spPr/>
+        <p:txBody>
+          <a:bodyPr/>
+          <a:lstStyle/>
+          <a:p>
+            <a:fld id="{7386E8C7-F2FE-4BD9-8CCD-17179851D3F5}" type="slidenum">
+              <a:rPr lang="fr-FR" smtClean="0"/>
+              <a:pPr/>
+              <a:t>18</a:t>
+            </a:fld>
+            <a:endParaRPr lang="fr-FR"/>
+          </a:p>
+        </p:txBody>
+      </p:sp>
+      <p:sp>
+        <p:nvSpPr>
+          <p:cNvPr id="33" name="Flèche : droite 32">
+            <a:extLst>
+              <a:ext uri="{FF2B5EF4-FFF2-40B4-BE49-F238E27FC236}">
+                <a16:creationId xmlns:a16="http://schemas.microsoft.com/office/drawing/2014/main" id="{719F59C0-BD4C-4B9E-9EDA-7A484A7A377D}"/>
+              </a:ext>
+            </a:extLst>
+          </p:cNvPr>
+          <p:cNvSpPr/>
+          <p:nvPr/>
         </p:nvSpPr>
         <p:spPr>
           <a:xfrm>
-            <a:off x="15" y="6334316"/>
-            <a:ext cx="12188825" cy="64008"/>
+            <a:off x="4104459" y="3364375"/>
+            <a:ext cx="2022021" cy="354513"/>
           </a:xfrm>
-          <a:prstGeom prst="rect">
-            <a:avLst/>
+          <a:prstGeom prst="rightArrow">
+            <a:avLst>
+              <a:gd name="adj1" fmla="val 68424"/>
+              <a:gd name="adj2" fmla="val 50000"/>
+            </a:avLst>
           </a:prstGeom>
           <a:solidFill>
-            <a:schemeClr val="accent1"/>
+            <a:srgbClr val="FFC000"/>
           </a:solidFill>
-          <a:ln>
-            <a:noFill/>
-          </a:ln>
-        </p:spPr>
-        <p:style>
-          <a:lnRef idx="2">
-            <a:schemeClr val="accent1">
-              <a:shade val="50000"/>
-            </a:schemeClr>
-          </a:lnRef>
-          <a:fillRef idx="1">
-            <a:schemeClr val="accent1"/>
-          </a:fillRef>
-          <a:effectRef idx="0">
-            <a:schemeClr val="accent1"/>
-          </a:effectRef>
-          <a:fontRef idx="minor">
-            <a:schemeClr val="lt1"/>
-          </a:fontRef>
-        </p:style>
-      </p:sp>
-      <p:cxnSp>
-        <p:nvCxnSpPr>
-          <p:cNvPr id="54" name="Straight Connector 53">
-            <a:extLst>
-              <a:ext uri="{FF2B5EF4-FFF2-40B4-BE49-F238E27FC236}">
-                <a16:creationId xmlns:a16="http://schemas.microsoft.com/office/drawing/2014/main" id="{E040C66D-4F1C-4AC9-9214-C9E6DA54AAA7}"/>
-              </a:ext>
-              <a:ext uri="{C183D7F6-B498-43B3-948B-1728B52AA6E4}">
-                <adec:decorative xmlns:adec="http://schemas.microsoft.com/office/drawing/2017/decorative" val="1"/>
-              </a:ext>
-            </a:extLst>
-          </p:cNvPr>
-          <p:cNvCxnSpPr>
-            <a:cxnSpLocks noGrp="1" noRot="1" noChangeAspect="1" noMove="1" noResize="1" noEditPoints="1" noAdjustHandles="1" noChangeArrowheads="1" noChangeShapeType="1"/>
-          </p:cNvCxnSpPr>
-          <p:nvPr>
-            <p:extLst>
-              <p:ext uri="{386F3935-93C4-4BCD-93E2-E3B085C9AB24}">
-                <p16:designElem xmlns:p16="http://schemas.microsoft.com/office/powerpoint/2015/main" val="1"/>
-              </p:ext>
-            </p:extLst>
-          </p:nvPr>
-        </p:nvCxnSpPr>
-        <p:spPr>
-          <a:xfrm>
-            <a:off x="1207658" y="4343400"/>
-            <a:ext cx="9875520" cy="0"/>
-          </a:xfrm>
-          <a:prstGeom prst="line">
-            <a:avLst/>
-          </a:prstGeom>
-          <a:ln w="6350">
-            <a:solidFill>
-              <a:schemeClr val="tx1">
-                <a:lumMod val="50000"/>
-                <a:lumOff val="50000"/>
-              </a:schemeClr>
-            </a:solidFill>
-          </a:ln>
-        </p:spPr>
-        <p:style>
-          <a:lnRef idx="1">
-            <a:schemeClr val="accent1"/>
-          </a:lnRef>
-          <a:fillRef idx="0">
-            <a:schemeClr val="accent1"/>
-          </a:fillRef>
-          <a:effectRef idx="0">
-            <a:schemeClr val="accent1"/>
-          </a:effectRef>
-          <a:fontRef idx="minor">
-            <a:schemeClr val="tx1"/>
-          </a:fontRef>
-        </p:style>
-      </p:cxnSp>
-      <p:sp useBgFill="1">
-        <p:nvSpPr>
-          <p:cNvPr id="56" name="Rectangle 55">
-            <a:extLst>
-              <a:ext uri="{FF2B5EF4-FFF2-40B4-BE49-F238E27FC236}">
-                <a16:creationId xmlns:a16="http://schemas.microsoft.com/office/drawing/2014/main" id="{8C6E698C-8155-4B8B-BDC9-B7299772B509}"/>
-              </a:ext>
-              <a:ext uri="{C183D7F6-B498-43B3-948B-1728B52AA6E4}">
-                <adec:decorative xmlns:adec="http://schemas.microsoft.com/office/drawing/2017/decorative" val="1"/>
-              </a:ext>
-            </a:extLst>
-          </p:cNvPr>
-          <p:cNvSpPr>
-            <a:spLocks noGrp="1" noRot="1" noChangeAspect="1" noMove="1" noResize="1" noEditPoints="1" noAdjustHandles="1" noChangeArrowheads="1" noChangeShapeType="1" noTextEdit="1"/>
-          </p:cNvSpPr>
-          <p:nvPr>
-            <p:extLst>
-              <p:ext uri="{386F3935-93C4-4BCD-93E2-E3B085C9AB24}">
-                <p16:designElem xmlns:p16="http://schemas.microsoft.com/office/powerpoint/2015/main" val="1"/>
-              </p:ext>
-            </p:extLst>
-          </p:nvPr>
-        </p:nvSpPr>
-        <p:spPr>
-          <a:xfrm>
-            <a:off x="0" y="0"/>
-            <a:ext cx="12188952" cy="6858000"/>
-          </a:xfrm>
-          <a:prstGeom prst="rect">
-            <a:avLst/>
-          </a:prstGeom>
-          <a:ln>
-            <a:noFill/>
-          </a:ln>
         </p:spPr>
         <p:style>
           <a:lnRef idx="2">
@@ -21088,170 +19791,65 @@
           <a:lstStyle/>
           <a:p>
             <a:pPr algn="ctr"/>
-            <a:endParaRPr lang="en-US"/>
+            <a:r>
+              <a:rPr lang="fr-FR" b="1" dirty="0">
+                <a:solidFill>
+                  <a:schemeClr val="tx1">
+                    <a:lumMod val="95000"/>
+                    <a:lumOff val="5000"/>
+                  </a:schemeClr>
+                </a:solidFill>
+              </a:rPr>
+              <a:t>One To </a:t>
+            </a:r>
+            <a:r>
+              <a:rPr lang="fr-FR" b="1" dirty="0" err="1">
+                <a:solidFill>
+                  <a:schemeClr val="tx1">
+                    <a:lumMod val="95000"/>
+                    <a:lumOff val="5000"/>
+                  </a:schemeClr>
+                </a:solidFill>
+              </a:rPr>
+              <a:t>Many</a:t>
+            </a:r>
+            <a:endParaRPr lang="fr-FR" b="1" dirty="0">
+              <a:solidFill>
+                <a:schemeClr val="tx1">
+                  <a:lumMod val="95000"/>
+                  <a:lumOff val="5000"/>
+                </a:schemeClr>
+              </a:solidFill>
+            </a:endParaRPr>
           </a:p>
         </p:txBody>
       </p:sp>
       <p:sp>
         <p:nvSpPr>
-          <p:cNvPr id="11" name="Titre 10">
+          <p:cNvPr id="37" name="Flèche : droite 36">
             <a:extLst>
               <a:ext uri="{FF2B5EF4-FFF2-40B4-BE49-F238E27FC236}">
-                <a16:creationId xmlns:a16="http://schemas.microsoft.com/office/drawing/2014/main" id="{E134DA37-23B1-4309-BF34-86CB409574AB}"/>
+                <a16:creationId xmlns:a16="http://schemas.microsoft.com/office/drawing/2014/main" id="{63B028C2-BA6C-47D5-89D0-CE0B0B75F473}"/>
               </a:ext>
             </a:extLst>
           </p:cNvPr>
-          <p:cNvSpPr>
-            <a:spLocks noGrp="1"/>
-          </p:cNvSpPr>
-          <p:nvPr>
-            <p:ph type="title"/>
-          </p:nvPr>
+          <p:cNvSpPr/>
+          <p:nvPr/>
         </p:nvSpPr>
         <p:spPr>
-          <a:xfrm>
-            <a:off x="965201" y="643467"/>
-            <a:ext cx="6255026" cy="5054008"/>
+          <a:xfrm rot="5400000">
+            <a:off x="1296366" y="4476573"/>
+            <a:ext cx="1324124" cy="506706"/>
           </a:xfrm>
-        </p:spPr>
-        <p:txBody>
-          <a:bodyPr vert="horz" lIns="91440" tIns="45720" rIns="91440" bIns="45720" rtlCol="0" anchor="ctr">
-            <a:normAutofit/>
-          </a:bodyPr>
-          <a:lstStyle/>
-          <a:p>
-            <a:pPr algn="r"/>
-            <a:r>
-              <a:rPr lang="en-US"/>
-              <a:t>Présentation du projet</a:t>
-            </a:r>
-          </a:p>
-        </p:txBody>
-      </p:sp>
-      <p:sp>
-        <p:nvSpPr>
-          <p:cNvPr id="12" name="Espace réservé du texte 11">
-            <a:extLst>
-              <a:ext uri="{FF2B5EF4-FFF2-40B4-BE49-F238E27FC236}">
-                <a16:creationId xmlns:a16="http://schemas.microsoft.com/office/drawing/2014/main" id="{F1B2DE85-5EA5-4F17-A1DB-052E09C60D40}"/>
-              </a:ext>
-            </a:extLst>
-          </p:cNvPr>
-          <p:cNvSpPr>
-            <a:spLocks noGrp="1"/>
-          </p:cNvSpPr>
-          <p:nvPr>
-            <p:ph type="body" idx="1"/>
-          </p:nvPr>
-        </p:nvSpPr>
-        <p:spPr>
-          <a:xfrm>
-            <a:off x="7870995" y="643467"/>
-            <a:ext cx="3341488" cy="5054008"/>
-          </a:xfrm>
-        </p:spPr>
-        <p:txBody>
-          <a:bodyPr vert="horz" lIns="91440" tIns="45720" rIns="91440" bIns="45720" rtlCol="0" anchor="ctr">
-            <a:normAutofit/>
-          </a:bodyPr>
-          <a:lstStyle/>
-          <a:p>
-            <a:r>
-              <a:rPr lang="en-US"/>
-              <a:t>Contexte, fonctionnalité et technologies de développement</a:t>
-            </a:r>
-          </a:p>
-        </p:txBody>
-      </p:sp>
-      <p:cxnSp>
-        <p:nvCxnSpPr>
-          <p:cNvPr id="58" name="Straight Connector 57">
-            <a:extLst>
-              <a:ext uri="{FF2B5EF4-FFF2-40B4-BE49-F238E27FC236}">
-                <a16:creationId xmlns:a16="http://schemas.microsoft.com/office/drawing/2014/main" id="{09525C9A-1972-4836-BA7A-706C946EF4DA}"/>
-              </a:ext>
-              <a:ext uri="{C183D7F6-B498-43B3-948B-1728B52AA6E4}">
-                <adec:decorative xmlns:adec="http://schemas.microsoft.com/office/drawing/2017/decorative" val="1"/>
-              </a:ext>
-            </a:extLst>
-          </p:cNvPr>
-          <p:cNvCxnSpPr>
-            <a:cxnSpLocks noGrp="1" noRot="1" noChangeAspect="1" noMove="1" noResize="1" noEditPoints="1" noAdjustHandles="1" noChangeArrowheads="1" noChangeShapeType="1"/>
-          </p:cNvCxnSpPr>
-          <p:nvPr>
-            <p:extLst>
-              <p:ext uri="{386F3935-93C4-4BCD-93E2-E3B085C9AB24}">
-                <p16:designElem xmlns:p16="http://schemas.microsoft.com/office/powerpoint/2015/main" val="1"/>
-              </p:ext>
-            </p:extLst>
-          </p:nvPr>
-        </p:nvCxnSpPr>
-        <p:spPr>
-          <a:xfrm>
-            <a:off x="7534656" y="1391367"/>
-            <a:ext cx="0" cy="3558208"/>
-          </a:xfrm>
-          <a:prstGeom prst="line">
-            <a:avLst/>
-          </a:prstGeom>
-          <a:ln>
-            <a:solidFill>
-              <a:schemeClr val="tx2"/>
-            </a:solidFill>
-          </a:ln>
-        </p:spPr>
-        <p:style>
-          <a:lnRef idx="1">
-            <a:schemeClr val="accent1"/>
-          </a:lnRef>
-          <a:fillRef idx="0">
-            <a:schemeClr val="accent1"/>
-          </a:fillRef>
-          <a:effectRef idx="0">
-            <a:schemeClr val="accent1"/>
-          </a:effectRef>
-          <a:fontRef idx="minor">
-            <a:schemeClr val="tx1"/>
-          </a:fontRef>
-        </p:style>
-      </p:cxnSp>
-      <p:sp>
-        <p:nvSpPr>
-          <p:cNvPr id="60" name="Rectangle 59">
-            <a:extLst>
-              <a:ext uri="{FF2B5EF4-FFF2-40B4-BE49-F238E27FC236}">
-                <a16:creationId xmlns:a16="http://schemas.microsoft.com/office/drawing/2014/main" id="{C22D9B36-9BE7-472B-8808-7E0D6810738F}"/>
-              </a:ext>
-              <a:ext uri="{C183D7F6-B498-43B3-948B-1728B52AA6E4}">
-                <adec:decorative xmlns:adec="http://schemas.microsoft.com/office/drawing/2017/decorative" val="1"/>
-              </a:ext>
-            </a:extLst>
-          </p:cNvPr>
-          <p:cNvSpPr>
-            <a:spLocks noGrp="1" noRot="1" noChangeAspect="1" noMove="1" noResize="1" noEditPoints="1" noAdjustHandles="1" noChangeArrowheads="1" noChangeShapeType="1" noTextEdit="1"/>
-          </p:cNvSpPr>
-          <p:nvPr>
-            <p:extLst>
-              <p:ext uri="{386F3935-93C4-4BCD-93E2-E3B085C9AB24}">
-                <p16:designElem xmlns:p16="http://schemas.microsoft.com/office/powerpoint/2015/main" val="1"/>
-              </p:ext>
-            </p:extLst>
-          </p:nvPr>
-        </p:nvSpPr>
-        <p:spPr>
-          <a:xfrm>
-            <a:off x="15" y="6340942"/>
-            <a:ext cx="12188825" cy="64008"/>
-          </a:xfrm>
-          <a:prstGeom prst="rect">
-            <a:avLst/>
+          <a:prstGeom prst="rightArrow">
+            <a:avLst>
+              <a:gd name="adj1" fmla="val 68424"/>
+              <a:gd name="adj2" fmla="val 50000"/>
+            </a:avLst>
           </a:prstGeom>
           <a:solidFill>
-            <a:schemeClr val="accent1"/>
+            <a:srgbClr val="FFC000"/>
           </a:solidFill>
-          <a:ln>
-            <a:noFill/>
-          </a:ln>
         </p:spPr>
         <p:style>
           <a:lnRef idx="2">
@@ -21269,226 +19867,913 @@
             <a:schemeClr val="lt1"/>
           </a:fontRef>
         </p:style>
-      </p:sp>
-      <p:sp>
-        <p:nvSpPr>
-          <p:cNvPr id="62" name="Rectangle 61">
-            <a:extLst>
-              <a:ext uri="{FF2B5EF4-FFF2-40B4-BE49-F238E27FC236}">
-                <a16:creationId xmlns:a16="http://schemas.microsoft.com/office/drawing/2014/main" id="{8A549DE7-671D-4575-AF43-858FD99981CF}"/>
-              </a:ext>
-              <a:ext uri="{C183D7F6-B498-43B3-948B-1728B52AA6E4}">
-                <adec:decorative xmlns:adec="http://schemas.microsoft.com/office/drawing/2017/decorative" val="1"/>
-              </a:ext>
-            </a:extLst>
-          </p:cNvPr>
-          <p:cNvSpPr>
-            <a:spLocks noGrp="1" noRot="1" noChangeAspect="1" noMove="1" noResize="1" noEditPoints="1" noAdjustHandles="1" noChangeArrowheads="1" noChangeShapeType="1" noTextEdit="1"/>
-          </p:cNvSpPr>
-          <p:nvPr>
-            <p:extLst>
-              <p:ext uri="{386F3935-93C4-4BCD-93E2-E3B085C9AB24}">
-                <p16:designElem xmlns:p16="http://schemas.microsoft.com/office/powerpoint/2015/main" val="1"/>
-              </p:ext>
-            </p:extLst>
-          </p:nvPr>
-        </p:nvSpPr>
-        <p:spPr>
-          <a:xfrm>
-            <a:off x="3175" y="6400800"/>
-            <a:ext cx="12188825" cy="457200"/>
-          </a:xfrm>
-          <a:prstGeom prst="rect">
-            <a:avLst/>
-          </a:prstGeom>
-          <a:solidFill>
-            <a:schemeClr val="accent2"/>
-          </a:solidFill>
-          <a:ln>
-            <a:noFill/>
-          </a:ln>
-        </p:spPr>
-        <p:style>
-          <a:lnRef idx="2">
-            <a:schemeClr val="accent1">
-              <a:shade val="50000"/>
-            </a:schemeClr>
-          </a:lnRef>
-          <a:fillRef idx="1">
-            <a:schemeClr val="accent1"/>
-          </a:fillRef>
-          <a:effectRef idx="0">
-            <a:schemeClr val="accent1"/>
-          </a:effectRef>
-          <a:fontRef idx="minor">
-            <a:schemeClr val="lt1"/>
-          </a:fontRef>
-        </p:style>
-      </p:sp>
-      <p:sp>
-        <p:nvSpPr>
-          <p:cNvPr id="13" name="Espace réservé de la date 12">
-            <a:extLst>
-              <a:ext uri="{FF2B5EF4-FFF2-40B4-BE49-F238E27FC236}">
-                <a16:creationId xmlns:a16="http://schemas.microsoft.com/office/drawing/2014/main" id="{3FAFA562-151E-4BF8-A42A-AA25D9DA2E81}"/>
-              </a:ext>
-            </a:extLst>
-          </p:cNvPr>
-          <p:cNvSpPr>
-            <a:spLocks noGrp="1"/>
-          </p:cNvSpPr>
-          <p:nvPr>
-            <p:ph type="dt" sz="half" idx="10"/>
-          </p:nvPr>
-        </p:nvSpPr>
-        <p:spPr>
-          <a:xfrm>
-            <a:off x="1097280" y="6459785"/>
-            <a:ext cx="2472271" cy="365125"/>
-          </a:xfrm>
-        </p:spPr>
         <p:txBody>
-          <a:bodyPr vert="horz" lIns="91440" tIns="45720" rIns="91440" bIns="45720" rtlCol="0" anchor="ctr">
-            <a:normAutofit/>
+          <a:bodyPr vert="vert270" wrap="none" rtlCol="0" anchor="ctr" anchorCtr="0">
+            <a:noAutofit/>
           </a:bodyPr>
           <a:lstStyle/>
           <a:p>
-            <a:pPr>
-              <a:spcAft>
-                <a:spcPts val="600"/>
-              </a:spcAft>
-            </a:pPr>
-            <a:fld id="{1F2B1A4C-2841-4F4E-8F6D-B6FF22F006E0}" type="datetime1">
-              <a:rPr lang="en-US" smtClean="0"/>
-              <a:pPr>
-                <a:spcAft>
-                  <a:spcPts val="600"/>
-                </a:spcAft>
-              </a:pPr>
-              <a:t>6/3/2020</a:t>
-            </a:fld>
-            <a:endParaRPr lang="en-US"/>
+            <a:pPr algn="ctr"/>
+            <a:r>
+              <a:rPr lang="fr-FR" b="1" dirty="0" err="1">
+                <a:solidFill>
+                  <a:schemeClr val="tx1">
+                    <a:lumMod val="95000"/>
+                    <a:lumOff val="5000"/>
+                  </a:schemeClr>
+                </a:solidFill>
+              </a:rPr>
+              <a:t>Many</a:t>
+            </a:r>
+            <a:r>
+              <a:rPr lang="fr-FR" b="1" dirty="0">
+                <a:solidFill>
+                  <a:schemeClr val="tx1">
+                    <a:lumMod val="95000"/>
+                    <a:lumOff val="5000"/>
+                  </a:schemeClr>
+                </a:solidFill>
+              </a:rPr>
+              <a:t> To </a:t>
+            </a:r>
+            <a:r>
+              <a:rPr lang="fr-FR" b="1" dirty="0" err="1">
+                <a:solidFill>
+                  <a:schemeClr val="tx1">
+                    <a:lumMod val="95000"/>
+                    <a:lumOff val="5000"/>
+                  </a:schemeClr>
+                </a:solidFill>
+              </a:rPr>
+              <a:t>Many</a:t>
+            </a:r>
+            <a:endParaRPr lang="fr-FR" b="1" dirty="0">
+              <a:solidFill>
+                <a:schemeClr val="tx1">
+                  <a:lumMod val="95000"/>
+                  <a:lumOff val="5000"/>
+                </a:schemeClr>
+              </a:solidFill>
+            </a:endParaRPr>
           </a:p>
         </p:txBody>
       </p:sp>
-      <p:sp>
-        <p:nvSpPr>
-          <p:cNvPr id="14" name="Espace réservé du pied de page 13">
+      <p:grpSp>
+        <p:nvGrpSpPr>
+          <p:cNvPr id="47" name="Groupe 46">
             <a:extLst>
               <a:ext uri="{FF2B5EF4-FFF2-40B4-BE49-F238E27FC236}">
-                <a16:creationId xmlns:a16="http://schemas.microsoft.com/office/drawing/2014/main" id="{90B0E18F-3AB9-4C17-9C81-D6D7A9C7E6F5}"/>
+                <a16:creationId xmlns:a16="http://schemas.microsoft.com/office/drawing/2014/main" id="{A6AADF7C-CEA8-4184-8A76-A93741536BAE}"/>
               </a:ext>
             </a:extLst>
           </p:cNvPr>
-          <p:cNvSpPr>
-            <a:spLocks noGrp="1"/>
-          </p:cNvSpPr>
-          <p:nvPr>
-            <p:ph type="ftr" sz="quarter" idx="11"/>
-          </p:nvPr>
-        </p:nvSpPr>
-        <p:spPr>
+          <p:cNvGrpSpPr/>
+          <p:nvPr/>
+        </p:nvGrpSpPr>
+        <p:grpSpPr>
           <a:xfrm>
-            <a:off x="3686185" y="6459785"/>
-            <a:ext cx="4822804" cy="365125"/>
+            <a:off x="7437663" y="1908503"/>
+            <a:ext cx="2566968" cy="2995384"/>
+            <a:chOff x="7437663" y="1908503"/>
+            <a:chExt cx="2566968" cy="2995384"/>
           </a:xfrm>
-        </p:spPr>
-        <p:txBody>
-          <a:bodyPr vert="horz" lIns="91440" tIns="45720" rIns="91440" bIns="45720" rtlCol="0" anchor="ctr">
-            <a:normAutofit/>
-          </a:bodyPr>
-          <a:lstStyle/>
-          <a:p>
-            <a:pPr>
-              <a:spcAft>
-                <a:spcPts val="600"/>
-              </a:spcAft>
-            </a:pPr>
-            <a:r>
-              <a:rPr lang="en-US" kern="1200" cap="all" baseline="0">
+        </p:grpSpPr>
+        <p:sp>
+          <p:nvSpPr>
+            <p:cNvPr id="28" name="Flèche : virage 27">
+              <a:extLst>
+                <a:ext uri="{FF2B5EF4-FFF2-40B4-BE49-F238E27FC236}">
+                  <a16:creationId xmlns:a16="http://schemas.microsoft.com/office/drawing/2014/main" id="{409E7DF5-1924-49DD-8DD1-BEE46C18FC1C}"/>
+                </a:ext>
+              </a:extLst>
+            </p:cNvPr>
+            <p:cNvSpPr/>
+            <p:nvPr/>
+          </p:nvSpPr>
+          <p:spPr>
+            <a:xfrm rot="16200000" flipV="1">
+              <a:off x="8624994" y="3134611"/>
+              <a:ext cx="564717" cy="2194557"/>
+            </a:xfrm>
+            <a:prstGeom prst="bentArrow">
+              <a:avLst>
+                <a:gd name="adj1" fmla="val 25273"/>
+                <a:gd name="adj2" fmla="val 26986"/>
+                <a:gd name="adj3" fmla="val 34863"/>
+                <a:gd name="adj4" fmla="val 12857"/>
+              </a:avLst>
+            </a:prstGeom>
+          </p:spPr>
+          <p:style>
+            <a:lnRef idx="2">
+              <a:schemeClr val="accent6">
+                <a:shade val="50000"/>
+              </a:schemeClr>
+            </a:lnRef>
+            <a:fillRef idx="1">
+              <a:schemeClr val="accent6"/>
+            </a:fillRef>
+            <a:effectRef idx="0">
+              <a:schemeClr val="accent6"/>
+            </a:effectRef>
+            <a:fontRef idx="minor">
+              <a:schemeClr val="lt1"/>
+            </a:fontRef>
+          </p:style>
+          <p:txBody>
+            <a:bodyPr rtlCol="0" anchor="ctr"/>
+            <a:lstStyle/>
+            <a:p>
+              <a:pPr algn="ctr"/>
+              <a:endParaRPr lang="fr-FR">
                 <a:solidFill>
-                  <a:srgbClr val="FFFFFF"/>
+                  <a:schemeClr val="tx1"/>
                 </a:solidFill>
-                <a:latin typeface="+mn-lt"/>
-                <a:ea typeface="+mn-ea"/>
-                <a:cs typeface="+mn-cs"/>
-              </a:rPr>
-              <a:t>Sylvain</a:t>
-            </a:r>
-            <a:r>
-              <a:rPr lang="en-US" b="1" kern="1200" cap="all" baseline="0">
+              </a:endParaRPr>
+            </a:p>
+          </p:txBody>
+        </p:sp>
+        <p:sp>
+          <p:nvSpPr>
+            <p:cNvPr id="32" name="Flèche : demi-tour 31">
+              <a:extLst>
+                <a:ext uri="{FF2B5EF4-FFF2-40B4-BE49-F238E27FC236}">
+                  <a16:creationId xmlns:a16="http://schemas.microsoft.com/office/drawing/2014/main" id="{5B2A88C2-66E4-402F-BA6C-6C1F8E70B010}"/>
+                </a:ext>
+              </a:extLst>
+            </p:cNvPr>
+            <p:cNvSpPr/>
+            <p:nvPr/>
+          </p:nvSpPr>
+          <p:spPr>
+            <a:xfrm flipH="1">
+              <a:off x="7437663" y="2277835"/>
+              <a:ext cx="2392134" cy="930727"/>
+            </a:xfrm>
+            <a:prstGeom prst="uturnArrow">
+              <a:avLst>
+                <a:gd name="adj1" fmla="val 18101"/>
+                <a:gd name="adj2" fmla="val 18403"/>
+                <a:gd name="adj3" fmla="val 21064"/>
+                <a:gd name="adj4" fmla="val 43750"/>
+                <a:gd name="adj5" fmla="val 46544"/>
+              </a:avLst>
+            </a:prstGeom>
+          </p:spPr>
+          <p:style>
+            <a:lnRef idx="2">
+              <a:schemeClr val="accent6">
+                <a:shade val="50000"/>
+              </a:schemeClr>
+            </a:lnRef>
+            <a:fillRef idx="1">
+              <a:schemeClr val="accent6"/>
+            </a:fillRef>
+            <a:effectRef idx="0">
+              <a:schemeClr val="accent6"/>
+            </a:effectRef>
+            <a:fontRef idx="minor">
+              <a:schemeClr val="lt1"/>
+            </a:fontRef>
+          </p:style>
+          <p:txBody>
+            <a:bodyPr rtlCol="0" anchor="ctr"/>
+            <a:lstStyle/>
+            <a:p>
+              <a:pPr algn="ctr"/>
+              <a:endParaRPr lang="fr-FR">
                 <a:solidFill>
-                  <a:srgbClr val="FFFFFF"/>
+                  <a:schemeClr val="tx1"/>
                 </a:solidFill>
-                <a:latin typeface="+mn-lt"/>
-                <a:ea typeface="+mn-ea"/>
-                <a:cs typeface="+mn-cs"/>
-              </a:rPr>
-              <a:t> ALLAIN</a:t>
-            </a:r>
-          </a:p>
-        </p:txBody>
-      </p:sp>
-      <p:sp>
-        <p:nvSpPr>
-          <p:cNvPr id="15" name="Espace réservé du numéro de diapositive 14">
+              </a:endParaRPr>
+            </a:p>
+          </p:txBody>
+        </p:sp>
+        <p:sp>
+          <p:nvSpPr>
+            <p:cNvPr id="43" name="ZoneTexte 42">
+              <a:extLst>
+                <a:ext uri="{FF2B5EF4-FFF2-40B4-BE49-F238E27FC236}">
+                  <a16:creationId xmlns:a16="http://schemas.microsoft.com/office/drawing/2014/main" id="{F0AEBC23-7067-4842-9A39-49671FF5DF7C}"/>
+                </a:ext>
+              </a:extLst>
+            </p:cNvPr>
+            <p:cNvSpPr txBox="1"/>
+            <p:nvPr/>
+          </p:nvSpPr>
+          <p:spPr>
+            <a:xfrm>
+              <a:off x="7926058" y="1908503"/>
+              <a:ext cx="1423018" cy="369332"/>
+            </a:xfrm>
+            <a:prstGeom prst="rect">
+              <a:avLst/>
+            </a:prstGeom>
+            <a:noFill/>
+          </p:spPr>
+          <p:txBody>
+            <a:bodyPr wrap="none" rtlCol="0">
+              <a:spAutoFit/>
+            </a:bodyPr>
+            <a:lstStyle/>
+            <a:p>
+              <a:r>
+                <a:rPr lang="fr-FR" dirty="0"/>
+                <a:t>One To </a:t>
+              </a:r>
+              <a:r>
+                <a:rPr lang="fr-FR" dirty="0" err="1"/>
+                <a:t>Many</a:t>
+              </a:r>
+              <a:endParaRPr lang="fr-FR" dirty="0"/>
+            </a:p>
+          </p:txBody>
+        </p:sp>
+        <p:sp>
+          <p:nvSpPr>
+            <p:cNvPr id="44" name="ZoneTexte 43">
+              <a:extLst>
+                <a:ext uri="{FF2B5EF4-FFF2-40B4-BE49-F238E27FC236}">
+                  <a16:creationId xmlns:a16="http://schemas.microsoft.com/office/drawing/2014/main" id="{40CE3515-F627-4A24-BF8D-288C4BADEA79}"/>
+                </a:ext>
+              </a:extLst>
+            </p:cNvPr>
+            <p:cNvSpPr txBox="1"/>
+            <p:nvPr/>
+          </p:nvSpPr>
+          <p:spPr>
+            <a:xfrm>
+              <a:off x="7922221" y="4534555"/>
+              <a:ext cx="1423018" cy="369332"/>
+            </a:xfrm>
+            <a:prstGeom prst="rect">
+              <a:avLst/>
+            </a:prstGeom>
+            <a:noFill/>
+          </p:spPr>
+          <p:txBody>
+            <a:bodyPr wrap="none" rtlCol="0">
+              <a:spAutoFit/>
+            </a:bodyPr>
+            <a:lstStyle/>
+            <a:p>
+              <a:r>
+                <a:rPr lang="fr-FR" dirty="0" err="1"/>
+                <a:t>Many</a:t>
+              </a:r>
+              <a:r>
+                <a:rPr lang="fr-FR" dirty="0"/>
+                <a:t> To One</a:t>
+              </a:r>
+            </a:p>
+          </p:txBody>
+        </p:sp>
+      </p:grpSp>
+      <p:grpSp>
+        <p:nvGrpSpPr>
+          <p:cNvPr id="34" name="Groupe 33">
             <a:extLst>
               <a:ext uri="{FF2B5EF4-FFF2-40B4-BE49-F238E27FC236}">
-                <a16:creationId xmlns:a16="http://schemas.microsoft.com/office/drawing/2014/main" id="{EE3A52EB-947D-4831-96CB-141960A67172}"/>
+                <a16:creationId xmlns:a16="http://schemas.microsoft.com/office/drawing/2014/main" id="{E82EB3CE-6304-4CAE-9B49-2511889D1961}"/>
               </a:ext>
             </a:extLst>
           </p:cNvPr>
-          <p:cNvSpPr>
-            <a:spLocks noGrp="1"/>
-          </p:cNvSpPr>
-          <p:nvPr>
-            <p:ph type="sldNum" sz="quarter" idx="12"/>
-          </p:nvPr>
-        </p:nvSpPr>
-        <p:spPr>
+          <p:cNvGrpSpPr/>
+          <p:nvPr/>
+        </p:nvGrpSpPr>
+        <p:grpSpPr>
           <a:xfrm>
-            <a:off x="9900458" y="6459785"/>
-            <a:ext cx="1312025" cy="365125"/>
+            <a:off x="2764718" y="1903893"/>
+            <a:ext cx="4388630" cy="3583271"/>
+            <a:chOff x="2764718" y="1903893"/>
+            <a:chExt cx="4388630" cy="3583271"/>
           </a:xfrm>
-        </p:spPr>
-        <p:txBody>
-          <a:bodyPr vert="horz" lIns="91440" tIns="45720" rIns="91440" bIns="45720" rtlCol="0" anchor="ctr">
-            <a:normAutofit/>
-          </a:bodyPr>
-          <a:lstStyle/>
-          <a:p>
-            <a:pPr>
-              <a:spcAft>
-                <a:spcPts val="600"/>
-              </a:spcAft>
-            </a:pPr>
-            <a:fld id="{7386E8C7-F2FE-4BD9-8CCD-17179851D3F5}" type="slidenum">
-              <a:rPr lang="en-US" b="1"/>
-              <a:pPr>
-                <a:spcAft>
-                  <a:spcPts val="600"/>
-                </a:spcAft>
-              </a:pPr>
-              <a:t>2</a:t>
-            </a:fld>
-            <a:endParaRPr lang="en-US" b="1"/>
-          </a:p>
-        </p:txBody>
-      </p:sp>
+        </p:grpSpPr>
+        <p:grpSp>
+          <p:nvGrpSpPr>
+            <p:cNvPr id="48" name="Groupe 47">
+              <a:extLst>
+                <a:ext uri="{FF2B5EF4-FFF2-40B4-BE49-F238E27FC236}">
+                  <a16:creationId xmlns:a16="http://schemas.microsoft.com/office/drawing/2014/main" id="{142D15B0-383F-4C9C-B2A1-6E0D24790B8A}"/>
+                </a:ext>
+              </a:extLst>
+            </p:cNvPr>
+            <p:cNvGrpSpPr/>
+            <p:nvPr/>
+          </p:nvGrpSpPr>
+          <p:grpSpPr>
+            <a:xfrm>
+              <a:off x="3437288" y="4231889"/>
+              <a:ext cx="3716060" cy="1255275"/>
+              <a:chOff x="3437288" y="4211389"/>
+              <a:chExt cx="3716060" cy="1255275"/>
+            </a:xfrm>
+          </p:grpSpPr>
+          <p:sp>
+            <p:nvSpPr>
+              <p:cNvPr id="35" name="Flèche : virage 34">
+                <a:extLst>
+                  <a:ext uri="{FF2B5EF4-FFF2-40B4-BE49-F238E27FC236}">
+                    <a16:creationId xmlns:a16="http://schemas.microsoft.com/office/drawing/2014/main" id="{5224F2DE-0E96-4B8F-8483-D096E417A2EE}"/>
+                  </a:ext>
+                </a:extLst>
+              </p:cNvPr>
+              <p:cNvSpPr/>
+              <p:nvPr/>
+            </p:nvSpPr>
+            <p:spPr>
+              <a:xfrm rot="16200000" flipV="1">
+                <a:off x="6128260" y="4256276"/>
+                <a:ext cx="469977" cy="1126977"/>
+              </a:xfrm>
+              <a:prstGeom prst="bentArrow">
+                <a:avLst>
+                  <a:gd name="adj1" fmla="val 27801"/>
+                  <a:gd name="adj2" fmla="val 25000"/>
+                  <a:gd name="adj3" fmla="val 25000"/>
+                  <a:gd name="adj4" fmla="val 36509"/>
+                </a:avLst>
+              </a:prstGeom>
+            </p:spPr>
+            <p:style>
+              <a:lnRef idx="2">
+                <a:schemeClr val="accent1">
+                  <a:shade val="50000"/>
+                </a:schemeClr>
+              </a:lnRef>
+              <a:fillRef idx="1">
+                <a:schemeClr val="accent1"/>
+              </a:fillRef>
+              <a:effectRef idx="0">
+                <a:schemeClr val="accent1"/>
+              </a:effectRef>
+              <a:fontRef idx="minor">
+                <a:schemeClr val="lt1"/>
+              </a:fontRef>
+            </p:style>
+            <p:txBody>
+              <a:bodyPr rtlCol="0" anchor="ctr"/>
+              <a:lstStyle/>
+              <a:p>
+                <a:pPr algn="ctr"/>
+                <a:endParaRPr lang="fr-FR">
+                  <a:solidFill>
+                    <a:schemeClr val="tx1"/>
+                  </a:solidFill>
+                </a:endParaRPr>
+              </a:p>
+            </p:txBody>
+          </p:sp>
+          <p:sp>
+            <p:nvSpPr>
+              <p:cNvPr id="36" name="Flèche : virage 35">
+                <a:extLst>
+                  <a:ext uri="{FF2B5EF4-FFF2-40B4-BE49-F238E27FC236}">
+                    <a16:creationId xmlns:a16="http://schemas.microsoft.com/office/drawing/2014/main" id="{08F7C415-B562-4A8B-B1DF-8DEA7FCD278E}"/>
+                  </a:ext>
+                </a:extLst>
+              </p:cNvPr>
+              <p:cNvSpPr/>
+              <p:nvPr/>
+            </p:nvSpPr>
+            <p:spPr>
+              <a:xfrm rot="5400000" flipH="1" flipV="1">
+                <a:off x="3546999" y="4101678"/>
+                <a:ext cx="646332" cy="865753"/>
+              </a:xfrm>
+              <a:prstGeom prst="bentArrow">
+                <a:avLst>
+                  <a:gd name="adj1" fmla="val 24503"/>
+                  <a:gd name="adj2" fmla="val 28664"/>
+                  <a:gd name="adj3" fmla="val 41121"/>
+                  <a:gd name="adj4" fmla="val 28990"/>
+                </a:avLst>
+              </a:prstGeom>
+            </p:spPr>
+            <p:style>
+              <a:lnRef idx="2">
+                <a:schemeClr val="accent1">
+                  <a:shade val="50000"/>
+                </a:schemeClr>
+              </a:lnRef>
+              <a:fillRef idx="1">
+                <a:schemeClr val="accent1"/>
+              </a:fillRef>
+              <a:effectRef idx="0">
+                <a:schemeClr val="accent1"/>
+              </a:effectRef>
+              <a:fontRef idx="minor">
+                <a:schemeClr val="lt1"/>
+              </a:fontRef>
+            </p:style>
+            <p:txBody>
+              <a:bodyPr rtlCol="0" anchor="ctr"/>
+              <a:lstStyle/>
+              <a:p>
+                <a:pPr algn="ctr"/>
+                <a:endParaRPr lang="fr-FR">
+                  <a:solidFill>
+                    <a:schemeClr val="tx1"/>
+                  </a:solidFill>
+                </a:endParaRPr>
+              </a:p>
+            </p:txBody>
+          </p:sp>
+          <p:sp>
+            <p:nvSpPr>
+              <p:cNvPr id="45" name="ZoneTexte 44">
+                <a:extLst>
+                  <a:ext uri="{FF2B5EF4-FFF2-40B4-BE49-F238E27FC236}">
+                    <a16:creationId xmlns:a16="http://schemas.microsoft.com/office/drawing/2014/main" id="{335735BD-6E44-4581-BFBE-D1C87F853F9C}"/>
+                  </a:ext>
+                </a:extLst>
+              </p:cNvPr>
+              <p:cNvSpPr txBox="1"/>
+              <p:nvPr/>
+            </p:nvSpPr>
+            <p:spPr>
+              <a:xfrm>
+                <a:off x="3668018" y="4820333"/>
+                <a:ext cx="906235" cy="646331"/>
+              </a:xfrm>
+              <a:prstGeom prst="rect">
+                <a:avLst/>
+              </a:prstGeom>
+              <a:noFill/>
+            </p:spPr>
+            <p:txBody>
+              <a:bodyPr wrap="square" rtlCol="0">
+                <a:spAutoFit/>
+              </a:bodyPr>
+              <a:lstStyle/>
+              <a:p>
+                <a:r>
+                  <a:rPr lang="fr-FR" dirty="0" err="1"/>
+                  <a:t>Many</a:t>
+                </a:r>
+                <a:r>
+                  <a:rPr lang="fr-FR" dirty="0"/>
+                  <a:t> To One</a:t>
+                </a:r>
+              </a:p>
+            </p:txBody>
+          </p:sp>
+          <p:sp>
+            <p:nvSpPr>
+              <p:cNvPr id="46" name="ZoneTexte 45">
+                <a:extLst>
+                  <a:ext uri="{FF2B5EF4-FFF2-40B4-BE49-F238E27FC236}">
+                    <a16:creationId xmlns:a16="http://schemas.microsoft.com/office/drawing/2014/main" id="{B738D502-095A-4A10-8B7A-E3C4BE8B674E}"/>
+                  </a:ext>
+                </a:extLst>
+              </p:cNvPr>
+              <p:cNvSpPr txBox="1"/>
+              <p:nvPr/>
+            </p:nvSpPr>
+            <p:spPr>
+              <a:xfrm>
+                <a:off x="5730330" y="4994704"/>
+                <a:ext cx="1423018" cy="369332"/>
+              </a:xfrm>
+              <a:prstGeom prst="rect">
+                <a:avLst/>
+              </a:prstGeom>
+              <a:noFill/>
+            </p:spPr>
+            <p:txBody>
+              <a:bodyPr wrap="square" rtlCol="0">
+                <a:spAutoFit/>
+              </a:bodyPr>
+              <a:lstStyle/>
+              <a:p>
+                <a:r>
+                  <a:rPr lang="fr-FR" dirty="0" err="1"/>
+                  <a:t>Many</a:t>
+                </a:r>
+                <a:r>
+                  <a:rPr lang="fr-FR" dirty="0"/>
+                  <a:t> To One</a:t>
+                </a:r>
+              </a:p>
+            </p:txBody>
+          </p:sp>
+        </p:grpSp>
+        <p:grpSp>
+          <p:nvGrpSpPr>
+            <p:cNvPr id="31" name="Groupe 30">
+              <a:extLst>
+                <a:ext uri="{FF2B5EF4-FFF2-40B4-BE49-F238E27FC236}">
+                  <a16:creationId xmlns:a16="http://schemas.microsoft.com/office/drawing/2014/main" id="{16077DA1-2F95-48A9-A6F1-D05A9C38EC9C}"/>
+                </a:ext>
+              </a:extLst>
+            </p:cNvPr>
+            <p:cNvGrpSpPr/>
+            <p:nvPr/>
+          </p:nvGrpSpPr>
+          <p:grpSpPr>
+            <a:xfrm>
+              <a:off x="2764718" y="1903893"/>
+              <a:ext cx="4388630" cy="1064238"/>
+              <a:chOff x="2764718" y="1903893"/>
+              <a:chExt cx="4388630" cy="1064238"/>
+            </a:xfrm>
+          </p:grpSpPr>
+          <p:sp>
+            <p:nvSpPr>
+              <p:cNvPr id="38" name="ZoneTexte 37">
+                <a:extLst>
+                  <a:ext uri="{FF2B5EF4-FFF2-40B4-BE49-F238E27FC236}">
+                    <a16:creationId xmlns:a16="http://schemas.microsoft.com/office/drawing/2014/main" id="{A360391F-5D9F-412A-82FC-3D10FEDAD64E}"/>
+                  </a:ext>
+                </a:extLst>
+              </p:cNvPr>
+              <p:cNvSpPr txBox="1"/>
+              <p:nvPr/>
+            </p:nvSpPr>
+            <p:spPr>
+              <a:xfrm>
+                <a:off x="2764718" y="1958152"/>
+                <a:ext cx="1423018" cy="369332"/>
+              </a:xfrm>
+              <a:prstGeom prst="rect">
+                <a:avLst/>
+              </a:prstGeom>
+              <a:noFill/>
+            </p:spPr>
+            <p:txBody>
+              <a:bodyPr wrap="none" rtlCol="0">
+                <a:spAutoFit/>
+              </a:bodyPr>
+              <a:lstStyle/>
+              <a:p>
+                <a:r>
+                  <a:rPr lang="fr-FR" dirty="0" err="1"/>
+                  <a:t>Many</a:t>
+                </a:r>
+                <a:r>
+                  <a:rPr lang="fr-FR" dirty="0"/>
+                  <a:t> To One</a:t>
+                </a:r>
+              </a:p>
+            </p:txBody>
+          </p:sp>
+          <p:sp>
+            <p:nvSpPr>
+              <p:cNvPr id="42" name="ZoneTexte 41">
+                <a:extLst>
+                  <a:ext uri="{FF2B5EF4-FFF2-40B4-BE49-F238E27FC236}">
+                    <a16:creationId xmlns:a16="http://schemas.microsoft.com/office/drawing/2014/main" id="{B1B8F600-1C0E-45B3-B346-CD31131E3F22}"/>
+                  </a:ext>
+                </a:extLst>
+              </p:cNvPr>
+              <p:cNvSpPr txBox="1"/>
+              <p:nvPr/>
+            </p:nvSpPr>
+            <p:spPr>
+              <a:xfrm>
+                <a:off x="5730330" y="1903893"/>
+                <a:ext cx="1423018" cy="369332"/>
+              </a:xfrm>
+              <a:prstGeom prst="rect">
+                <a:avLst/>
+              </a:prstGeom>
+              <a:noFill/>
+            </p:spPr>
+            <p:txBody>
+              <a:bodyPr wrap="none" rtlCol="0">
+                <a:spAutoFit/>
+              </a:bodyPr>
+              <a:lstStyle/>
+              <a:p>
+                <a:r>
+                  <a:rPr lang="fr-FR" dirty="0" err="1"/>
+                  <a:t>Many</a:t>
+                </a:r>
+                <a:r>
+                  <a:rPr lang="fr-FR" dirty="0"/>
+                  <a:t> To One</a:t>
+                </a:r>
+              </a:p>
+            </p:txBody>
+          </p:sp>
+          <p:sp>
+            <p:nvSpPr>
+              <p:cNvPr id="49" name="Flèche : virage 48">
+                <a:extLst>
+                  <a:ext uri="{FF2B5EF4-FFF2-40B4-BE49-F238E27FC236}">
+                    <a16:creationId xmlns:a16="http://schemas.microsoft.com/office/drawing/2014/main" id="{A3A11D55-0479-4253-A02C-74FC3DD73A36}"/>
+                  </a:ext>
+                </a:extLst>
+              </p:cNvPr>
+              <p:cNvSpPr/>
+              <p:nvPr/>
+            </p:nvSpPr>
+            <p:spPr>
+              <a:xfrm rot="16200000" flipH="1" flipV="1">
+                <a:off x="6013210" y="2075337"/>
+                <a:ext cx="469975" cy="865754"/>
+              </a:xfrm>
+              <a:prstGeom prst="bentArrow">
+                <a:avLst>
+                  <a:gd name="adj1" fmla="val 25326"/>
+                  <a:gd name="adj2" fmla="val 25825"/>
+                  <a:gd name="adj3" fmla="val 37250"/>
+                  <a:gd name="adj4" fmla="val 34538"/>
+                </a:avLst>
+              </a:prstGeom>
+            </p:spPr>
+            <p:style>
+              <a:lnRef idx="2">
+                <a:schemeClr val="accent1">
+                  <a:shade val="50000"/>
+                </a:schemeClr>
+              </a:lnRef>
+              <a:fillRef idx="1">
+                <a:schemeClr val="accent1"/>
+              </a:fillRef>
+              <a:effectRef idx="0">
+                <a:schemeClr val="accent1"/>
+              </a:effectRef>
+              <a:fontRef idx="minor">
+                <a:schemeClr val="lt1"/>
+              </a:fontRef>
+            </p:style>
+            <p:txBody>
+              <a:bodyPr rtlCol="0" anchor="ctr"/>
+              <a:lstStyle/>
+              <a:p>
+                <a:pPr algn="ctr"/>
+                <a:endParaRPr lang="fr-FR">
+                  <a:solidFill>
+                    <a:schemeClr val="tx1"/>
+                  </a:solidFill>
+                </a:endParaRPr>
+              </a:p>
+            </p:txBody>
+          </p:sp>
+          <p:sp>
+            <p:nvSpPr>
+              <p:cNvPr id="51" name="Flèche : virage 50">
+                <a:extLst>
+                  <a:ext uri="{FF2B5EF4-FFF2-40B4-BE49-F238E27FC236}">
+                    <a16:creationId xmlns:a16="http://schemas.microsoft.com/office/drawing/2014/main" id="{ED7AF6C6-C715-4CD8-AA51-CFEA1A3E668D}"/>
+                  </a:ext>
+                </a:extLst>
+              </p:cNvPr>
+              <p:cNvSpPr/>
+              <p:nvPr/>
+            </p:nvSpPr>
+            <p:spPr>
+              <a:xfrm rot="5400000" flipV="1">
+                <a:off x="3439621" y="2196994"/>
+                <a:ext cx="676519" cy="865755"/>
+              </a:xfrm>
+              <a:prstGeom prst="bentArrow">
+                <a:avLst>
+                  <a:gd name="adj1" fmla="val 20171"/>
+                  <a:gd name="adj2" fmla="val 25000"/>
+                  <a:gd name="adj3" fmla="val 25000"/>
+                  <a:gd name="adj4" fmla="val 36509"/>
+                </a:avLst>
+              </a:prstGeom>
+            </p:spPr>
+            <p:style>
+              <a:lnRef idx="2">
+                <a:schemeClr val="accent1">
+                  <a:shade val="50000"/>
+                </a:schemeClr>
+              </a:lnRef>
+              <a:fillRef idx="1">
+                <a:schemeClr val="accent1"/>
+              </a:fillRef>
+              <a:effectRef idx="0">
+                <a:schemeClr val="accent1"/>
+              </a:effectRef>
+              <a:fontRef idx="minor">
+                <a:schemeClr val="lt1"/>
+              </a:fontRef>
+            </p:style>
+            <p:txBody>
+              <a:bodyPr rtlCol="0" anchor="ctr"/>
+              <a:lstStyle/>
+              <a:p>
+                <a:pPr algn="ctr"/>
+                <a:endParaRPr lang="fr-FR">
+                  <a:solidFill>
+                    <a:schemeClr val="tx1"/>
+                  </a:solidFill>
+                </a:endParaRPr>
+              </a:p>
+            </p:txBody>
+          </p:sp>
+        </p:grpSp>
+      </p:grpSp>
     </p:spTree>
     <p:extLst>
       <p:ext uri="{BB962C8B-B14F-4D97-AF65-F5344CB8AC3E}">
-        <p14:creationId xmlns:p14="http://schemas.microsoft.com/office/powerpoint/2010/main" val="3959932171"/>
+        <p14:creationId xmlns:p14="http://schemas.microsoft.com/office/powerpoint/2010/main" val="4134561580"/>
       </p:ext>
     </p:extLst>
   </p:cSld>
   <p:clrMapOvr>
     <a:masterClrMapping/>
   </p:clrMapOvr>
+  <p:timing>
+    <p:tnLst>
+      <p:par>
+        <p:cTn id="1" dur="indefinite" restart="never" nodeType="tmRoot">
+          <p:childTnLst>
+            <p:seq concurrent="1" nextAc="seek">
+              <p:cTn id="2" dur="indefinite" nodeType="mainSeq">
+                <p:childTnLst>
+                  <p:par>
+                    <p:cTn id="3" fill="hold">
+                      <p:stCondLst>
+                        <p:cond delay="indefinite"/>
+                      </p:stCondLst>
+                      <p:childTnLst>
+                        <p:par>
+                          <p:cTn id="4" fill="hold">
+                            <p:stCondLst>
+                              <p:cond delay="0"/>
+                            </p:stCondLst>
+                            <p:childTnLst>
+                              <p:par>
+                                <p:cTn id="5" presetID="10" presetClass="entr" presetSubtype="0" fill="hold" nodeType="clickEffect">
+                                  <p:stCondLst>
+                                    <p:cond delay="0"/>
+                                  </p:stCondLst>
+                                  <p:childTnLst>
+                                    <p:set>
+                                      <p:cBhvr>
+                                        <p:cTn id="6" dur="1" fill="hold">
+                                          <p:stCondLst>
+                                            <p:cond delay="0"/>
+                                          </p:stCondLst>
+                                        </p:cTn>
+                                        <p:tgtEl>
+                                          <p:spTgt spid="47"/>
+                                        </p:tgtEl>
+                                        <p:attrNameLst>
+                                          <p:attrName>style.visibility</p:attrName>
+                                        </p:attrNameLst>
+                                      </p:cBhvr>
+                                      <p:to>
+                                        <p:strVal val="visible"/>
+                                      </p:to>
+                                    </p:set>
+                                    <p:animEffect transition="in" filter="fade">
+                                      <p:cBhvr>
+                                        <p:cTn id="7" dur="500"/>
+                                        <p:tgtEl>
+                                          <p:spTgt spid="47"/>
+                                        </p:tgtEl>
+                                      </p:cBhvr>
+                                    </p:animEffect>
+                                  </p:childTnLst>
+                                </p:cTn>
+                              </p:par>
+                            </p:childTnLst>
+                          </p:cTn>
+                        </p:par>
+                      </p:childTnLst>
+                    </p:cTn>
+                  </p:par>
+                  <p:par>
+                    <p:cTn id="8" fill="hold">
+                      <p:stCondLst>
+                        <p:cond delay="indefinite"/>
+                      </p:stCondLst>
+                      <p:childTnLst>
+                        <p:par>
+                          <p:cTn id="9" fill="hold">
+                            <p:stCondLst>
+                              <p:cond delay="0"/>
+                            </p:stCondLst>
+                            <p:childTnLst>
+                              <p:par>
+                                <p:cTn id="10" presetID="10" presetClass="entr" presetSubtype="0" fill="hold" grpId="0" nodeType="clickEffect">
+                                  <p:stCondLst>
+                                    <p:cond delay="0"/>
+                                  </p:stCondLst>
+                                  <p:childTnLst>
+                                    <p:set>
+                                      <p:cBhvr>
+                                        <p:cTn id="11" dur="1" fill="hold">
+                                          <p:stCondLst>
+                                            <p:cond delay="0"/>
+                                          </p:stCondLst>
+                                        </p:cTn>
+                                        <p:tgtEl>
+                                          <p:spTgt spid="37"/>
+                                        </p:tgtEl>
+                                        <p:attrNameLst>
+                                          <p:attrName>style.visibility</p:attrName>
+                                        </p:attrNameLst>
+                                      </p:cBhvr>
+                                      <p:to>
+                                        <p:strVal val="visible"/>
+                                      </p:to>
+                                    </p:set>
+                                    <p:animEffect transition="in" filter="fade">
+                                      <p:cBhvr>
+                                        <p:cTn id="12" dur="500"/>
+                                        <p:tgtEl>
+                                          <p:spTgt spid="37"/>
+                                        </p:tgtEl>
+                                      </p:cBhvr>
+                                    </p:animEffect>
+                                  </p:childTnLst>
+                                </p:cTn>
+                              </p:par>
+                            </p:childTnLst>
+                          </p:cTn>
+                        </p:par>
+                      </p:childTnLst>
+                    </p:cTn>
+                  </p:par>
+                  <p:par>
+                    <p:cTn id="13" fill="hold">
+                      <p:stCondLst>
+                        <p:cond delay="indefinite"/>
+                      </p:stCondLst>
+                      <p:childTnLst>
+                        <p:par>
+                          <p:cTn id="14" fill="hold">
+                            <p:stCondLst>
+                              <p:cond delay="0"/>
+                            </p:stCondLst>
+                            <p:childTnLst>
+                              <p:par>
+                                <p:cTn id="15" presetID="10" presetClass="entr" presetSubtype="0" fill="hold" nodeType="clickEffect">
+                                  <p:stCondLst>
+                                    <p:cond delay="0"/>
+                                  </p:stCondLst>
+                                  <p:childTnLst>
+                                    <p:set>
+                                      <p:cBhvr>
+                                        <p:cTn id="16" dur="1" fill="hold">
+                                          <p:stCondLst>
+                                            <p:cond delay="0"/>
+                                          </p:stCondLst>
+                                        </p:cTn>
+                                        <p:tgtEl>
+                                          <p:spTgt spid="34"/>
+                                        </p:tgtEl>
+                                        <p:attrNameLst>
+                                          <p:attrName>style.visibility</p:attrName>
+                                        </p:attrNameLst>
+                                      </p:cBhvr>
+                                      <p:to>
+                                        <p:strVal val="visible"/>
+                                      </p:to>
+                                    </p:set>
+                                    <p:animEffect transition="in" filter="fade">
+                                      <p:cBhvr>
+                                        <p:cTn id="17" dur="500"/>
+                                        <p:tgtEl>
+                                          <p:spTgt spid="34"/>
+                                        </p:tgtEl>
+                                      </p:cBhvr>
+                                    </p:animEffect>
+                                  </p:childTnLst>
+                                </p:cTn>
+                              </p:par>
+                            </p:childTnLst>
+                          </p:cTn>
+                        </p:par>
+                      </p:childTnLst>
+                    </p:cTn>
+                  </p:par>
+                </p:childTnLst>
+              </p:cTn>
+              <p:prevCondLst>
+                <p:cond evt="onPrev" delay="0">
+                  <p:tgtEl>
+                    <p:sldTgt/>
+                  </p:tgtEl>
+                </p:cond>
+              </p:prevCondLst>
+              <p:nextCondLst>
+                <p:cond evt="onNext" delay="0">
+                  <p:tgtEl>
+                    <p:sldTgt/>
+                  </p:tgtEl>
+                </p:cond>
+              </p:nextCondLst>
+            </p:seq>
+          </p:childTnLst>
+        </p:cTn>
+      </p:par>
+    </p:tnLst>
+    <p:bldLst>
+      <p:bldP spid="37" grpId="0" animBg="1"/>
+    </p:bldLst>
+  </p:timing>
 </p:sld>
 </file>
 
-<file path=ppt/slides/slide20.xml><?xml version="1.0" encoding="utf-8"?>
+<file path=ppt/slides/slide19.xml><?xml version="1.0" encoding="utf-8"?>
 <p:sld xmlns:a="http://schemas.openxmlformats.org/drawingml/2006/main" xmlns:r="http://schemas.openxmlformats.org/officeDocument/2006/relationships" xmlns:p="http://schemas.openxmlformats.org/presentationml/2006/main">
   <p:cSld>
     <p:bg>
@@ -22154,7 +21439,7 @@
                   <a:spcPts val="600"/>
                 </a:spcAft>
               </a:pPr>
-              <a:t>6/3/2020</a:t>
+              <a:t>6/4/2020</a:t>
             </a:fld>
             <a:endParaRPr lang="en-US"/>
           </a:p>
@@ -22247,7 +21532,7 @@
                   <a:spcPts val="600"/>
                 </a:spcAft>
               </a:pPr>
-              <a:t>20</a:t>
+              <a:t>19</a:t>
             </a:fld>
             <a:endParaRPr lang="en-US"/>
           </a:p>
@@ -22266,7 +21551,670 @@
 </p:sld>
 </file>
 
-<file path=ppt/slides/slide21.xml><?xml version="1.0" encoding="utf-8"?>
+<file path=ppt/slides/slide2.xml><?xml version="1.0" encoding="utf-8"?>
+<p:sld xmlns:a="http://schemas.openxmlformats.org/drawingml/2006/main" xmlns:r="http://schemas.openxmlformats.org/officeDocument/2006/relationships" xmlns:p="http://schemas.openxmlformats.org/presentationml/2006/main">
+  <p:cSld>
+    <p:bg>
+      <p:bgPr>
+        <a:solidFill>
+          <a:schemeClr val="bg1"/>
+        </a:solidFill>
+        <a:effectLst/>
+      </p:bgPr>
+    </p:bg>
+    <p:spTree>
+      <p:nvGrpSpPr>
+        <p:cNvPr id="1" name=""/>
+        <p:cNvGrpSpPr/>
+        <p:nvPr/>
+      </p:nvGrpSpPr>
+      <p:grpSpPr>
+        <a:xfrm>
+          <a:off x="0" y="0"/>
+          <a:ext cx="0" cy="0"/>
+          <a:chOff x="0" y="0"/>
+          <a:chExt cx="0" cy="0"/>
+        </a:xfrm>
+      </p:grpSpPr>
+      <p:sp>
+        <p:nvSpPr>
+          <p:cNvPr id="50" name="Rectangle 49">
+            <a:extLst>
+              <a:ext uri="{FF2B5EF4-FFF2-40B4-BE49-F238E27FC236}">
+                <a16:creationId xmlns:a16="http://schemas.microsoft.com/office/drawing/2014/main" id="{1DFE635C-C432-47DA-AEAB-A593345CBA70}"/>
+              </a:ext>
+              <a:ext uri="{C183D7F6-B498-43B3-948B-1728B52AA6E4}">
+                <adec:decorative xmlns:adec="http://schemas.microsoft.com/office/drawing/2017/decorative" val="1"/>
+              </a:ext>
+            </a:extLst>
+          </p:cNvPr>
+          <p:cNvSpPr>
+            <a:spLocks noGrp="1" noRot="1" noChangeAspect="1" noMove="1" noResize="1" noEditPoints="1" noAdjustHandles="1" noChangeArrowheads="1" noChangeShapeType="1" noTextEdit="1"/>
+          </p:cNvSpPr>
+          <p:nvPr>
+            <p:extLst>
+              <p:ext uri="{386F3935-93C4-4BCD-93E2-E3B085C9AB24}">
+                <p16:designElem xmlns:p16="http://schemas.microsoft.com/office/powerpoint/2015/main" val="1"/>
+              </p:ext>
+            </p:extLst>
+          </p:nvPr>
+        </p:nvSpPr>
+        <p:spPr>
+          <a:xfrm>
+            <a:off x="3175" y="6400800"/>
+            <a:ext cx="12188825" cy="457200"/>
+          </a:xfrm>
+          <a:prstGeom prst="rect">
+            <a:avLst/>
+          </a:prstGeom>
+          <a:solidFill>
+            <a:schemeClr val="accent2"/>
+          </a:solidFill>
+          <a:ln>
+            <a:noFill/>
+          </a:ln>
+        </p:spPr>
+        <p:style>
+          <a:lnRef idx="2">
+            <a:schemeClr val="accent1">
+              <a:shade val="50000"/>
+            </a:schemeClr>
+          </a:lnRef>
+          <a:fillRef idx="1">
+            <a:schemeClr val="accent1"/>
+          </a:fillRef>
+          <a:effectRef idx="0">
+            <a:schemeClr val="accent1"/>
+          </a:effectRef>
+          <a:fontRef idx="minor">
+            <a:schemeClr val="lt1"/>
+          </a:fontRef>
+        </p:style>
+      </p:sp>
+      <p:sp>
+        <p:nvSpPr>
+          <p:cNvPr id="52" name="Rectangle 51">
+            <a:extLst>
+              <a:ext uri="{FF2B5EF4-FFF2-40B4-BE49-F238E27FC236}">
+                <a16:creationId xmlns:a16="http://schemas.microsoft.com/office/drawing/2014/main" id="{79FBF3D3-2448-4FF3-B57B-852CB3B8517E}"/>
+              </a:ext>
+              <a:ext uri="{C183D7F6-B498-43B3-948B-1728B52AA6E4}">
+                <adec:decorative xmlns:adec="http://schemas.microsoft.com/office/drawing/2017/decorative" val="1"/>
+              </a:ext>
+            </a:extLst>
+          </p:cNvPr>
+          <p:cNvSpPr>
+            <a:spLocks noGrp="1" noRot="1" noChangeAspect="1" noMove="1" noResize="1" noEditPoints="1" noAdjustHandles="1" noChangeArrowheads="1" noChangeShapeType="1" noTextEdit="1"/>
+          </p:cNvSpPr>
+          <p:nvPr>
+            <p:extLst>
+              <p:ext uri="{386F3935-93C4-4BCD-93E2-E3B085C9AB24}">
+                <p16:designElem xmlns:p16="http://schemas.microsoft.com/office/powerpoint/2015/main" val="1"/>
+              </p:ext>
+            </p:extLst>
+          </p:nvPr>
+        </p:nvSpPr>
+        <p:spPr>
+          <a:xfrm>
+            <a:off x="15" y="6334316"/>
+            <a:ext cx="12188825" cy="64008"/>
+          </a:xfrm>
+          <a:prstGeom prst="rect">
+            <a:avLst/>
+          </a:prstGeom>
+          <a:solidFill>
+            <a:schemeClr val="accent1"/>
+          </a:solidFill>
+          <a:ln>
+            <a:noFill/>
+          </a:ln>
+        </p:spPr>
+        <p:style>
+          <a:lnRef idx="2">
+            <a:schemeClr val="accent1">
+              <a:shade val="50000"/>
+            </a:schemeClr>
+          </a:lnRef>
+          <a:fillRef idx="1">
+            <a:schemeClr val="accent1"/>
+          </a:fillRef>
+          <a:effectRef idx="0">
+            <a:schemeClr val="accent1"/>
+          </a:effectRef>
+          <a:fontRef idx="minor">
+            <a:schemeClr val="lt1"/>
+          </a:fontRef>
+        </p:style>
+      </p:sp>
+      <p:cxnSp>
+        <p:nvCxnSpPr>
+          <p:cNvPr id="54" name="Straight Connector 53">
+            <a:extLst>
+              <a:ext uri="{FF2B5EF4-FFF2-40B4-BE49-F238E27FC236}">
+                <a16:creationId xmlns:a16="http://schemas.microsoft.com/office/drawing/2014/main" id="{E040C66D-4F1C-4AC9-9214-C9E6DA54AAA7}"/>
+              </a:ext>
+              <a:ext uri="{C183D7F6-B498-43B3-948B-1728B52AA6E4}">
+                <adec:decorative xmlns:adec="http://schemas.microsoft.com/office/drawing/2017/decorative" val="1"/>
+              </a:ext>
+            </a:extLst>
+          </p:cNvPr>
+          <p:cNvCxnSpPr>
+            <a:cxnSpLocks noGrp="1" noRot="1" noChangeAspect="1" noMove="1" noResize="1" noEditPoints="1" noAdjustHandles="1" noChangeArrowheads="1" noChangeShapeType="1"/>
+          </p:cNvCxnSpPr>
+          <p:nvPr>
+            <p:extLst>
+              <p:ext uri="{386F3935-93C4-4BCD-93E2-E3B085C9AB24}">
+                <p16:designElem xmlns:p16="http://schemas.microsoft.com/office/powerpoint/2015/main" val="1"/>
+              </p:ext>
+            </p:extLst>
+          </p:nvPr>
+        </p:nvCxnSpPr>
+        <p:spPr>
+          <a:xfrm>
+            <a:off x="1207658" y="4343400"/>
+            <a:ext cx="9875520" cy="0"/>
+          </a:xfrm>
+          <a:prstGeom prst="line">
+            <a:avLst/>
+          </a:prstGeom>
+          <a:ln w="6350">
+            <a:solidFill>
+              <a:schemeClr val="tx1">
+                <a:lumMod val="50000"/>
+                <a:lumOff val="50000"/>
+              </a:schemeClr>
+            </a:solidFill>
+          </a:ln>
+        </p:spPr>
+        <p:style>
+          <a:lnRef idx="1">
+            <a:schemeClr val="accent1"/>
+          </a:lnRef>
+          <a:fillRef idx="0">
+            <a:schemeClr val="accent1"/>
+          </a:fillRef>
+          <a:effectRef idx="0">
+            <a:schemeClr val="accent1"/>
+          </a:effectRef>
+          <a:fontRef idx="minor">
+            <a:schemeClr val="tx1"/>
+          </a:fontRef>
+        </p:style>
+      </p:cxnSp>
+      <p:sp useBgFill="1">
+        <p:nvSpPr>
+          <p:cNvPr id="56" name="Rectangle 55">
+            <a:extLst>
+              <a:ext uri="{FF2B5EF4-FFF2-40B4-BE49-F238E27FC236}">
+                <a16:creationId xmlns:a16="http://schemas.microsoft.com/office/drawing/2014/main" id="{8C6E698C-8155-4B8B-BDC9-B7299772B509}"/>
+              </a:ext>
+              <a:ext uri="{C183D7F6-B498-43B3-948B-1728B52AA6E4}">
+                <adec:decorative xmlns:adec="http://schemas.microsoft.com/office/drawing/2017/decorative" val="1"/>
+              </a:ext>
+            </a:extLst>
+          </p:cNvPr>
+          <p:cNvSpPr>
+            <a:spLocks noGrp="1" noRot="1" noChangeAspect="1" noMove="1" noResize="1" noEditPoints="1" noAdjustHandles="1" noChangeArrowheads="1" noChangeShapeType="1" noTextEdit="1"/>
+          </p:cNvSpPr>
+          <p:nvPr>
+            <p:extLst>
+              <p:ext uri="{386F3935-93C4-4BCD-93E2-E3B085C9AB24}">
+                <p16:designElem xmlns:p16="http://schemas.microsoft.com/office/powerpoint/2015/main" val="1"/>
+              </p:ext>
+            </p:extLst>
+          </p:nvPr>
+        </p:nvSpPr>
+        <p:spPr>
+          <a:xfrm>
+            <a:off x="0" y="0"/>
+            <a:ext cx="12188952" cy="6858000"/>
+          </a:xfrm>
+          <a:prstGeom prst="rect">
+            <a:avLst/>
+          </a:prstGeom>
+          <a:ln>
+            <a:noFill/>
+          </a:ln>
+        </p:spPr>
+        <p:style>
+          <a:lnRef idx="2">
+            <a:schemeClr val="accent1">
+              <a:shade val="50000"/>
+            </a:schemeClr>
+          </a:lnRef>
+          <a:fillRef idx="1">
+            <a:schemeClr val="accent1"/>
+          </a:fillRef>
+          <a:effectRef idx="0">
+            <a:schemeClr val="accent1"/>
+          </a:effectRef>
+          <a:fontRef idx="minor">
+            <a:schemeClr val="lt1"/>
+          </a:fontRef>
+        </p:style>
+        <p:txBody>
+          <a:bodyPr rtlCol="0" anchor="ctr"/>
+          <a:lstStyle/>
+          <a:p>
+            <a:pPr algn="ctr"/>
+            <a:endParaRPr lang="en-US"/>
+          </a:p>
+        </p:txBody>
+      </p:sp>
+      <p:sp>
+        <p:nvSpPr>
+          <p:cNvPr id="11" name="Titre 10">
+            <a:extLst>
+              <a:ext uri="{FF2B5EF4-FFF2-40B4-BE49-F238E27FC236}">
+                <a16:creationId xmlns:a16="http://schemas.microsoft.com/office/drawing/2014/main" id="{E134DA37-23B1-4309-BF34-86CB409574AB}"/>
+              </a:ext>
+            </a:extLst>
+          </p:cNvPr>
+          <p:cNvSpPr>
+            <a:spLocks noGrp="1"/>
+          </p:cNvSpPr>
+          <p:nvPr>
+            <p:ph type="title"/>
+          </p:nvPr>
+        </p:nvSpPr>
+        <p:spPr>
+          <a:xfrm>
+            <a:off x="965201" y="643467"/>
+            <a:ext cx="6255026" cy="5054008"/>
+          </a:xfrm>
+        </p:spPr>
+        <p:txBody>
+          <a:bodyPr vert="horz" lIns="91440" tIns="45720" rIns="91440" bIns="45720" rtlCol="0" anchor="ctr">
+            <a:normAutofit/>
+          </a:bodyPr>
+          <a:lstStyle/>
+          <a:p>
+            <a:pPr algn="r"/>
+            <a:r>
+              <a:rPr lang="en-US"/>
+              <a:t>Présentation du projet</a:t>
+            </a:r>
+          </a:p>
+        </p:txBody>
+      </p:sp>
+      <p:sp>
+        <p:nvSpPr>
+          <p:cNvPr id="12" name="Espace réservé du texte 11">
+            <a:extLst>
+              <a:ext uri="{FF2B5EF4-FFF2-40B4-BE49-F238E27FC236}">
+                <a16:creationId xmlns:a16="http://schemas.microsoft.com/office/drawing/2014/main" id="{F1B2DE85-5EA5-4F17-A1DB-052E09C60D40}"/>
+              </a:ext>
+            </a:extLst>
+          </p:cNvPr>
+          <p:cNvSpPr>
+            <a:spLocks noGrp="1"/>
+          </p:cNvSpPr>
+          <p:nvPr>
+            <p:ph type="body" idx="1"/>
+          </p:nvPr>
+        </p:nvSpPr>
+        <p:spPr>
+          <a:xfrm>
+            <a:off x="7870995" y="643467"/>
+            <a:ext cx="3341488" cy="5054008"/>
+          </a:xfrm>
+        </p:spPr>
+        <p:txBody>
+          <a:bodyPr vert="horz" lIns="91440" tIns="45720" rIns="91440" bIns="45720" rtlCol="0" anchor="ctr">
+            <a:normAutofit/>
+          </a:bodyPr>
+          <a:lstStyle/>
+          <a:p>
+            <a:r>
+              <a:rPr lang="en-US" dirty="0" err="1"/>
+              <a:t>Contexte</a:t>
+            </a:r>
+            <a:r>
+              <a:rPr lang="en-US" dirty="0"/>
+              <a:t>, </a:t>
+            </a:r>
+            <a:r>
+              <a:rPr lang="en-US" dirty="0" err="1"/>
+              <a:t>fonctionnalité</a:t>
+            </a:r>
+            <a:r>
+              <a:rPr lang="en-US" dirty="0"/>
+              <a:t> et technologies de </a:t>
+            </a:r>
+            <a:r>
+              <a:rPr lang="en-US" dirty="0" err="1"/>
+              <a:t>développement</a:t>
+            </a:r>
+            <a:endParaRPr lang="en-US" dirty="0"/>
+          </a:p>
+        </p:txBody>
+      </p:sp>
+      <p:cxnSp>
+        <p:nvCxnSpPr>
+          <p:cNvPr id="58" name="Straight Connector 57">
+            <a:extLst>
+              <a:ext uri="{FF2B5EF4-FFF2-40B4-BE49-F238E27FC236}">
+                <a16:creationId xmlns:a16="http://schemas.microsoft.com/office/drawing/2014/main" id="{09525C9A-1972-4836-BA7A-706C946EF4DA}"/>
+              </a:ext>
+              <a:ext uri="{C183D7F6-B498-43B3-948B-1728B52AA6E4}">
+                <adec:decorative xmlns:adec="http://schemas.microsoft.com/office/drawing/2017/decorative" val="1"/>
+              </a:ext>
+            </a:extLst>
+          </p:cNvPr>
+          <p:cNvCxnSpPr>
+            <a:cxnSpLocks noGrp="1" noRot="1" noChangeAspect="1" noMove="1" noResize="1" noEditPoints="1" noAdjustHandles="1" noChangeArrowheads="1" noChangeShapeType="1"/>
+          </p:cNvCxnSpPr>
+          <p:nvPr>
+            <p:extLst>
+              <p:ext uri="{386F3935-93C4-4BCD-93E2-E3B085C9AB24}">
+                <p16:designElem xmlns:p16="http://schemas.microsoft.com/office/powerpoint/2015/main" val="1"/>
+              </p:ext>
+            </p:extLst>
+          </p:nvPr>
+        </p:nvCxnSpPr>
+        <p:spPr>
+          <a:xfrm>
+            <a:off x="7534656" y="1391367"/>
+            <a:ext cx="0" cy="3558208"/>
+          </a:xfrm>
+          <a:prstGeom prst="line">
+            <a:avLst/>
+          </a:prstGeom>
+          <a:ln>
+            <a:solidFill>
+              <a:schemeClr val="tx2"/>
+            </a:solidFill>
+          </a:ln>
+        </p:spPr>
+        <p:style>
+          <a:lnRef idx="1">
+            <a:schemeClr val="accent1"/>
+          </a:lnRef>
+          <a:fillRef idx="0">
+            <a:schemeClr val="accent1"/>
+          </a:fillRef>
+          <a:effectRef idx="0">
+            <a:schemeClr val="accent1"/>
+          </a:effectRef>
+          <a:fontRef idx="minor">
+            <a:schemeClr val="tx1"/>
+          </a:fontRef>
+        </p:style>
+      </p:cxnSp>
+      <p:sp>
+        <p:nvSpPr>
+          <p:cNvPr id="60" name="Rectangle 59">
+            <a:extLst>
+              <a:ext uri="{FF2B5EF4-FFF2-40B4-BE49-F238E27FC236}">
+                <a16:creationId xmlns:a16="http://schemas.microsoft.com/office/drawing/2014/main" id="{C22D9B36-9BE7-472B-8808-7E0D6810738F}"/>
+              </a:ext>
+              <a:ext uri="{C183D7F6-B498-43B3-948B-1728B52AA6E4}">
+                <adec:decorative xmlns:adec="http://schemas.microsoft.com/office/drawing/2017/decorative" val="1"/>
+              </a:ext>
+            </a:extLst>
+          </p:cNvPr>
+          <p:cNvSpPr>
+            <a:spLocks noGrp="1" noRot="1" noChangeAspect="1" noMove="1" noResize="1" noEditPoints="1" noAdjustHandles="1" noChangeArrowheads="1" noChangeShapeType="1" noTextEdit="1"/>
+          </p:cNvSpPr>
+          <p:nvPr>
+            <p:extLst>
+              <p:ext uri="{386F3935-93C4-4BCD-93E2-E3B085C9AB24}">
+                <p16:designElem xmlns:p16="http://schemas.microsoft.com/office/powerpoint/2015/main" val="1"/>
+              </p:ext>
+            </p:extLst>
+          </p:nvPr>
+        </p:nvSpPr>
+        <p:spPr>
+          <a:xfrm>
+            <a:off x="15" y="6340942"/>
+            <a:ext cx="12188825" cy="64008"/>
+          </a:xfrm>
+          <a:prstGeom prst="rect">
+            <a:avLst/>
+          </a:prstGeom>
+          <a:solidFill>
+            <a:schemeClr val="accent1"/>
+          </a:solidFill>
+          <a:ln>
+            <a:noFill/>
+          </a:ln>
+        </p:spPr>
+        <p:style>
+          <a:lnRef idx="2">
+            <a:schemeClr val="accent1">
+              <a:shade val="50000"/>
+            </a:schemeClr>
+          </a:lnRef>
+          <a:fillRef idx="1">
+            <a:schemeClr val="accent1"/>
+          </a:fillRef>
+          <a:effectRef idx="0">
+            <a:schemeClr val="accent1"/>
+          </a:effectRef>
+          <a:fontRef idx="minor">
+            <a:schemeClr val="lt1"/>
+          </a:fontRef>
+        </p:style>
+      </p:sp>
+      <p:sp>
+        <p:nvSpPr>
+          <p:cNvPr id="62" name="Rectangle 61">
+            <a:extLst>
+              <a:ext uri="{FF2B5EF4-FFF2-40B4-BE49-F238E27FC236}">
+                <a16:creationId xmlns:a16="http://schemas.microsoft.com/office/drawing/2014/main" id="{8A549DE7-671D-4575-AF43-858FD99981CF}"/>
+              </a:ext>
+              <a:ext uri="{C183D7F6-B498-43B3-948B-1728B52AA6E4}">
+                <adec:decorative xmlns:adec="http://schemas.microsoft.com/office/drawing/2017/decorative" val="1"/>
+              </a:ext>
+            </a:extLst>
+          </p:cNvPr>
+          <p:cNvSpPr>
+            <a:spLocks noGrp="1" noRot="1" noChangeAspect="1" noMove="1" noResize="1" noEditPoints="1" noAdjustHandles="1" noChangeArrowheads="1" noChangeShapeType="1" noTextEdit="1"/>
+          </p:cNvSpPr>
+          <p:nvPr>
+            <p:extLst>
+              <p:ext uri="{386F3935-93C4-4BCD-93E2-E3B085C9AB24}">
+                <p16:designElem xmlns:p16="http://schemas.microsoft.com/office/powerpoint/2015/main" val="1"/>
+              </p:ext>
+            </p:extLst>
+          </p:nvPr>
+        </p:nvSpPr>
+        <p:spPr>
+          <a:xfrm>
+            <a:off x="3175" y="6400800"/>
+            <a:ext cx="12188825" cy="457200"/>
+          </a:xfrm>
+          <a:prstGeom prst="rect">
+            <a:avLst/>
+          </a:prstGeom>
+          <a:solidFill>
+            <a:schemeClr val="accent2"/>
+          </a:solidFill>
+          <a:ln>
+            <a:noFill/>
+          </a:ln>
+        </p:spPr>
+        <p:style>
+          <a:lnRef idx="2">
+            <a:schemeClr val="accent1">
+              <a:shade val="50000"/>
+            </a:schemeClr>
+          </a:lnRef>
+          <a:fillRef idx="1">
+            <a:schemeClr val="accent1"/>
+          </a:fillRef>
+          <a:effectRef idx="0">
+            <a:schemeClr val="accent1"/>
+          </a:effectRef>
+          <a:fontRef idx="minor">
+            <a:schemeClr val="lt1"/>
+          </a:fontRef>
+        </p:style>
+      </p:sp>
+      <p:sp>
+        <p:nvSpPr>
+          <p:cNvPr id="13" name="Espace réservé de la date 12">
+            <a:extLst>
+              <a:ext uri="{FF2B5EF4-FFF2-40B4-BE49-F238E27FC236}">
+                <a16:creationId xmlns:a16="http://schemas.microsoft.com/office/drawing/2014/main" id="{3FAFA562-151E-4BF8-A42A-AA25D9DA2E81}"/>
+              </a:ext>
+            </a:extLst>
+          </p:cNvPr>
+          <p:cNvSpPr>
+            <a:spLocks noGrp="1"/>
+          </p:cNvSpPr>
+          <p:nvPr>
+            <p:ph type="dt" sz="half" idx="10"/>
+          </p:nvPr>
+        </p:nvSpPr>
+        <p:spPr>
+          <a:xfrm>
+            <a:off x="1097280" y="6459785"/>
+            <a:ext cx="2472271" cy="365125"/>
+          </a:xfrm>
+        </p:spPr>
+        <p:txBody>
+          <a:bodyPr vert="horz" lIns="91440" tIns="45720" rIns="91440" bIns="45720" rtlCol="0" anchor="ctr">
+            <a:normAutofit/>
+          </a:bodyPr>
+          <a:lstStyle/>
+          <a:p>
+            <a:pPr>
+              <a:spcAft>
+                <a:spcPts val="600"/>
+              </a:spcAft>
+            </a:pPr>
+            <a:fld id="{1F2B1A4C-2841-4F4E-8F6D-B6FF22F006E0}" type="datetime1">
+              <a:rPr lang="en-US" smtClean="0"/>
+              <a:pPr>
+                <a:spcAft>
+                  <a:spcPts val="600"/>
+                </a:spcAft>
+              </a:pPr>
+              <a:t>6/4/2020</a:t>
+            </a:fld>
+            <a:endParaRPr lang="en-US"/>
+          </a:p>
+        </p:txBody>
+      </p:sp>
+      <p:sp>
+        <p:nvSpPr>
+          <p:cNvPr id="14" name="Espace réservé du pied de page 13">
+            <a:extLst>
+              <a:ext uri="{FF2B5EF4-FFF2-40B4-BE49-F238E27FC236}">
+                <a16:creationId xmlns:a16="http://schemas.microsoft.com/office/drawing/2014/main" id="{90B0E18F-3AB9-4C17-9C81-D6D7A9C7E6F5}"/>
+              </a:ext>
+            </a:extLst>
+          </p:cNvPr>
+          <p:cNvSpPr>
+            <a:spLocks noGrp="1"/>
+          </p:cNvSpPr>
+          <p:nvPr>
+            <p:ph type="ftr" sz="quarter" idx="11"/>
+          </p:nvPr>
+        </p:nvSpPr>
+        <p:spPr>
+          <a:xfrm>
+            <a:off x="3686185" y="6459785"/>
+            <a:ext cx="4822804" cy="365125"/>
+          </a:xfrm>
+        </p:spPr>
+        <p:txBody>
+          <a:bodyPr vert="horz" lIns="91440" tIns="45720" rIns="91440" bIns="45720" rtlCol="0" anchor="ctr">
+            <a:normAutofit/>
+          </a:bodyPr>
+          <a:lstStyle/>
+          <a:p>
+            <a:pPr>
+              <a:spcAft>
+                <a:spcPts val="600"/>
+              </a:spcAft>
+            </a:pPr>
+            <a:r>
+              <a:rPr lang="en-US" kern="1200" cap="all" baseline="0">
+                <a:solidFill>
+                  <a:srgbClr val="FFFFFF"/>
+                </a:solidFill>
+                <a:latin typeface="+mn-lt"/>
+                <a:ea typeface="+mn-ea"/>
+                <a:cs typeface="+mn-cs"/>
+              </a:rPr>
+              <a:t>Sylvain</a:t>
+            </a:r>
+            <a:r>
+              <a:rPr lang="en-US" b="1" kern="1200" cap="all" baseline="0">
+                <a:solidFill>
+                  <a:srgbClr val="FFFFFF"/>
+                </a:solidFill>
+                <a:latin typeface="+mn-lt"/>
+                <a:ea typeface="+mn-ea"/>
+                <a:cs typeface="+mn-cs"/>
+              </a:rPr>
+              <a:t> ALLAIN</a:t>
+            </a:r>
+          </a:p>
+        </p:txBody>
+      </p:sp>
+      <p:sp>
+        <p:nvSpPr>
+          <p:cNvPr id="15" name="Espace réservé du numéro de diapositive 14">
+            <a:extLst>
+              <a:ext uri="{FF2B5EF4-FFF2-40B4-BE49-F238E27FC236}">
+                <a16:creationId xmlns:a16="http://schemas.microsoft.com/office/drawing/2014/main" id="{EE3A52EB-947D-4831-96CB-141960A67172}"/>
+              </a:ext>
+            </a:extLst>
+          </p:cNvPr>
+          <p:cNvSpPr>
+            <a:spLocks noGrp="1"/>
+          </p:cNvSpPr>
+          <p:nvPr>
+            <p:ph type="sldNum" sz="quarter" idx="12"/>
+          </p:nvPr>
+        </p:nvSpPr>
+        <p:spPr>
+          <a:xfrm>
+            <a:off x="9900458" y="6459785"/>
+            <a:ext cx="1312025" cy="365125"/>
+          </a:xfrm>
+        </p:spPr>
+        <p:txBody>
+          <a:bodyPr vert="horz" lIns="91440" tIns="45720" rIns="91440" bIns="45720" rtlCol="0" anchor="ctr">
+            <a:normAutofit/>
+          </a:bodyPr>
+          <a:lstStyle/>
+          <a:p>
+            <a:pPr>
+              <a:spcAft>
+                <a:spcPts val="600"/>
+              </a:spcAft>
+            </a:pPr>
+            <a:fld id="{7386E8C7-F2FE-4BD9-8CCD-17179851D3F5}" type="slidenum">
+              <a:rPr lang="en-US" b="1"/>
+              <a:pPr>
+                <a:spcAft>
+                  <a:spcPts val="600"/>
+                </a:spcAft>
+              </a:pPr>
+              <a:t>2</a:t>
+            </a:fld>
+            <a:endParaRPr lang="en-US" b="1"/>
+          </a:p>
+        </p:txBody>
+      </p:sp>
+    </p:spTree>
+    <p:extLst>
+      <p:ext uri="{BB962C8B-B14F-4D97-AF65-F5344CB8AC3E}">
+        <p14:creationId xmlns:p14="http://schemas.microsoft.com/office/powerpoint/2010/main" val="3959932171"/>
+      </p:ext>
+    </p:extLst>
+  </p:cSld>
+  <p:clrMapOvr>
+    <a:masterClrMapping/>
+  </p:clrMapOvr>
+</p:sld>
+</file>
+
+<file path=ppt/slides/slide20.xml><?xml version="1.0" encoding="utf-8"?>
 <p:sld xmlns:a="http://schemas.openxmlformats.org/drawingml/2006/main" xmlns:r="http://schemas.openxmlformats.org/officeDocument/2006/relationships" xmlns:p="http://schemas.openxmlformats.org/presentationml/2006/main">
   <p:cSld>
     <p:bg>
@@ -22516,7 +22464,7 @@
             <p:ph idx="1"/>
             <p:extLst>
               <p:ext uri="{D42A27DB-BD31-4B8C-83A1-F6EECF244321}">
-                <p14:modId xmlns:p14="http://schemas.microsoft.com/office/powerpoint/2010/main" val="3023722954"/>
+                <p14:modId xmlns:p14="http://schemas.microsoft.com/office/powerpoint/2010/main" val="3738912555"/>
               </p:ext>
             </p:extLst>
           </p:nvPr>
@@ -22571,7 +22519,7 @@
                   <a:spcPts val="600"/>
                 </a:spcAft>
               </a:pPr>
-              <a:t>03/06/2020</a:t>
+              <a:t>04/06/2020</a:t>
             </a:fld>
             <a:endParaRPr lang="fr-FR"/>
           </a:p>
@@ -22665,7 +22613,7 @@
                   <a:spcPts val="600"/>
                 </a:spcAft>
               </a:pPr>
-              <a:t>21</a:t>
+              <a:t>20</a:t>
             </a:fld>
             <a:endParaRPr lang="fr-FR">
               <a:solidFill>
@@ -22709,6 +22657,36 @@
           <a:prstGeom prst="rect">
             <a:avLst/>
           </a:prstGeom>
+          <a:solidFill>
+            <a:srgbClr val="FFFFFF">
+              <a:shade val="85000"/>
+            </a:srgbClr>
+          </a:solidFill>
+          <a:ln w="88900" cap="sq">
+            <a:solidFill>
+              <a:srgbClr val="FFFFFF"/>
+            </a:solidFill>
+            <a:miter lim="800000"/>
+          </a:ln>
+          <a:effectLst>
+            <a:outerShdw blurRad="55000" dist="18000" dir="5400000" algn="tl" rotWithShape="0">
+              <a:srgbClr val="000000">
+                <a:alpha val="40000"/>
+              </a:srgbClr>
+            </a:outerShdw>
+          </a:effectLst>
+          <a:scene3d>
+            <a:camera prst="orthographicFront"/>
+            <a:lightRig rig="twoPt" dir="t">
+              <a:rot lat="0" lon="0" rev="7200000"/>
+            </a:lightRig>
+          </a:scene3d>
+          <a:sp3d>
+            <a:bevelT w="25400" h="19050"/>
+            <a:contourClr>
+              <a:srgbClr val="FFFFFF"/>
+            </a:contourClr>
+          </a:sp3d>
         </p:spPr>
       </p:pic>
     </p:spTree>
@@ -22724,7 +22702,7 @@
 </p:sld>
 </file>
 
-<file path=ppt/slides/slide22.xml><?xml version="1.0" encoding="utf-8"?>
+<file path=ppt/slides/slide21.xml><?xml version="1.0" encoding="utf-8"?>
 <p:sld xmlns:a="http://schemas.openxmlformats.org/drawingml/2006/main" xmlns:r="http://schemas.openxmlformats.org/officeDocument/2006/relationships" xmlns:p="http://schemas.openxmlformats.org/presentationml/2006/main">
   <p:cSld>
     <p:bg>
@@ -22974,7 +22952,7 @@
             <p:ph idx="1"/>
             <p:extLst>
               <p:ext uri="{D42A27DB-BD31-4B8C-83A1-F6EECF244321}">
-                <p14:modId xmlns:p14="http://schemas.microsoft.com/office/powerpoint/2010/main" val="2124663889"/>
+                <p14:modId xmlns:p14="http://schemas.microsoft.com/office/powerpoint/2010/main" val="1158038731"/>
               </p:ext>
             </p:extLst>
           </p:nvPr>
@@ -23029,7 +23007,7 @@
                   <a:spcPts val="600"/>
                 </a:spcAft>
               </a:pPr>
-              <a:t>03/06/2020</a:t>
+              <a:t>04/06/2020</a:t>
             </a:fld>
             <a:endParaRPr lang="fr-FR"/>
           </a:p>
@@ -23123,7 +23101,7 @@
                   <a:spcPts val="600"/>
                 </a:spcAft>
               </a:pPr>
-              <a:t>22</a:t>
+              <a:t>21</a:t>
             </a:fld>
             <a:endParaRPr lang="fr-FR">
               <a:solidFill>
@@ -23146,7 +23124,7 @@
 </p:sld>
 </file>
 
-<file path=ppt/slides/slide23.xml><?xml version="1.0" encoding="utf-8"?>
+<file path=ppt/slides/slide22.xml><?xml version="1.0" encoding="utf-8"?>
 <p:sld xmlns:a="http://schemas.openxmlformats.org/drawingml/2006/main" xmlns:r="http://schemas.openxmlformats.org/officeDocument/2006/relationships" xmlns:p="http://schemas.openxmlformats.org/presentationml/2006/main">
   <p:cSld>
     <p:bg>
@@ -23239,7 +23217,7 @@
                 <a:tabLst/>
                 <a:defRPr/>
               </a:pPr>
-              <a:t>03/06/2020</a:t>
+              <a:t>04/06/2020</a:t>
             </a:fld>
             <a:endParaRPr kumimoji="0" lang="fr-FR" b="0" i="0" u="none" strike="noStrike" kern="1200" cap="none" spc="0" normalizeH="0" baseline="0" noProof="0">
               <a:ln>
@@ -23382,7 +23360,7 @@
                 <a:tabLst/>
                 <a:defRPr/>
               </a:pPr>
-              <a:t>23</a:t>
+              <a:t>22</a:t>
             </a:fld>
             <a:endParaRPr kumimoji="0" lang="fr-FR" b="0" i="0" u="none" strike="noStrike" kern="1200" cap="none" spc="0" normalizeH="0" baseline="0" noProof="0">
               <a:ln>
@@ -23483,10 +23461,10 @@
       </p:sp>
       <p:grpSp>
         <p:nvGrpSpPr>
-          <p:cNvPr id="42" name="Groupe 41">
+          <p:cNvPr id="2" name="Groupe 1">
             <a:extLst>
               <a:ext uri="{FF2B5EF4-FFF2-40B4-BE49-F238E27FC236}">
-                <a16:creationId xmlns:a16="http://schemas.microsoft.com/office/drawing/2014/main" id="{9917C890-77C1-47AF-93C4-4BB9F50BDF45}"/>
+                <a16:creationId xmlns:a16="http://schemas.microsoft.com/office/drawing/2014/main" id="{3475FC9E-6D17-4E21-B14A-689283A9ACD1}"/>
               </a:ext>
             </a:extLst>
           </p:cNvPr>
@@ -23497,137 +23475,158 @@
           <a:xfrm>
             <a:off x="4085152" y="3340655"/>
             <a:ext cx="6555920" cy="1412421"/>
-            <a:chOff x="2881994" y="3331030"/>
+            <a:chOff x="4085152" y="3340655"/>
             <a:chExt cx="6555920" cy="1412421"/>
           </a:xfrm>
         </p:grpSpPr>
-        <p:sp>
-          <p:nvSpPr>
-            <p:cNvPr id="32" name="Légende : encadrée à une bordure 31">
+        <p:grpSp>
+          <p:nvGrpSpPr>
+            <p:cNvPr id="42" name="Groupe 41">
               <a:extLst>
                 <a:ext uri="{FF2B5EF4-FFF2-40B4-BE49-F238E27FC236}">
-                  <a16:creationId xmlns:a16="http://schemas.microsoft.com/office/drawing/2014/main" id="{1E9E1A04-6918-4860-A6D3-A35E8762F91E}"/>
+                  <a16:creationId xmlns:a16="http://schemas.microsoft.com/office/drawing/2014/main" id="{9917C890-77C1-47AF-93C4-4BB9F50BDF45}"/>
                 </a:ext>
               </a:extLst>
             </p:cNvPr>
-            <p:cNvSpPr/>
+            <p:cNvGrpSpPr/>
             <p:nvPr/>
-          </p:nvSpPr>
-          <p:spPr>
+          </p:nvGrpSpPr>
+          <p:grpSpPr>
             <a:xfrm>
-              <a:off x="5030546" y="3331030"/>
-              <a:ext cx="4407368" cy="1412421"/>
+              <a:off x="4085152" y="3340655"/>
+              <a:ext cx="6555920" cy="1412421"/>
+              <a:chOff x="2881994" y="3331030"/>
+              <a:chExt cx="6555920" cy="1412421"/>
             </a:xfrm>
-            <a:prstGeom prst="accentBorderCallout1">
-              <a:avLst>
-                <a:gd name="adj1" fmla="val -78"/>
-                <a:gd name="adj2" fmla="val -143"/>
-                <a:gd name="adj3" fmla="val 24679"/>
-                <a:gd name="adj4" fmla="val -48911"/>
-              </a:avLst>
-            </a:prstGeom>
-            <a:noFill/>
-          </p:spPr>
-          <p:style>
-            <a:lnRef idx="2">
-              <a:schemeClr val="accent2">
-                <a:shade val="50000"/>
-              </a:schemeClr>
-            </a:lnRef>
-            <a:fillRef idx="1">
-              <a:schemeClr val="accent2"/>
-            </a:fillRef>
-            <a:effectRef idx="0">
-              <a:schemeClr val="accent2"/>
-            </a:effectRef>
-            <a:fontRef idx="minor">
-              <a:schemeClr val="lt1"/>
-            </a:fontRef>
-          </p:style>
-          <p:txBody>
-            <a:bodyPr rtlCol="0" anchor="ctr"/>
-            <a:lstStyle/>
-            <a:p>
-              <a:pPr algn="ctr"/>
-              <a:endParaRPr lang="fr-FR"/>
-            </a:p>
-          </p:txBody>
-        </p:sp>
-        <p:cxnSp>
-          <p:nvCxnSpPr>
-            <p:cNvPr id="34" name="Connecteur droit 33">
+          </p:grpSpPr>
+          <p:sp>
+            <p:nvSpPr>
+              <p:cNvPr id="32" name="Légende : encadrée à une bordure 31">
+                <a:extLst>
+                  <a:ext uri="{FF2B5EF4-FFF2-40B4-BE49-F238E27FC236}">
+                    <a16:creationId xmlns:a16="http://schemas.microsoft.com/office/drawing/2014/main" id="{1E9E1A04-6918-4860-A6D3-A35E8762F91E}"/>
+                  </a:ext>
+                </a:extLst>
+              </p:cNvPr>
+              <p:cNvSpPr/>
+              <p:nvPr/>
+            </p:nvSpPr>
+            <p:spPr>
+              <a:xfrm>
+                <a:off x="5030546" y="3331030"/>
+                <a:ext cx="4407368" cy="1412421"/>
+              </a:xfrm>
+              <a:prstGeom prst="accentBorderCallout1">
+                <a:avLst>
+                  <a:gd name="adj1" fmla="val -78"/>
+                  <a:gd name="adj2" fmla="val -143"/>
+                  <a:gd name="adj3" fmla="val 24679"/>
+                  <a:gd name="adj4" fmla="val -48911"/>
+                </a:avLst>
+              </a:prstGeom>
+              <a:noFill/>
+            </p:spPr>
+            <p:style>
+              <a:lnRef idx="2">
+                <a:schemeClr val="accent2">
+                  <a:shade val="50000"/>
+                </a:schemeClr>
+              </a:lnRef>
+              <a:fillRef idx="1">
+                <a:schemeClr val="accent2"/>
+              </a:fillRef>
+              <a:effectRef idx="0">
+                <a:schemeClr val="accent2"/>
+              </a:effectRef>
+              <a:fontRef idx="minor">
+                <a:schemeClr val="lt1"/>
+              </a:fontRef>
+            </p:style>
+            <p:txBody>
+              <a:bodyPr rtlCol="0" anchor="ctr"/>
+              <a:lstStyle/>
+              <a:p>
+                <a:pPr algn="ctr"/>
+                <a:endParaRPr lang="fr-FR"/>
+              </a:p>
+            </p:txBody>
+          </p:sp>
+          <p:cxnSp>
+            <p:nvCxnSpPr>
+              <p:cNvPr id="34" name="Connecteur droit 33">
+                <a:extLst>
+                  <a:ext uri="{FF2B5EF4-FFF2-40B4-BE49-F238E27FC236}">
+                    <a16:creationId xmlns:a16="http://schemas.microsoft.com/office/drawing/2014/main" id="{CFEC29D6-539B-4FB4-861A-AA1F911CF891}"/>
+                  </a:ext>
+                </a:extLst>
+              </p:cNvPr>
+              <p:cNvCxnSpPr>
+                <a:cxnSpLocks/>
+              </p:cNvCxnSpPr>
+              <p:nvPr/>
+            </p:nvCxnSpPr>
+            <p:spPr>
+              <a:xfrm>
+                <a:off x="2881994" y="4269921"/>
+                <a:ext cx="2148552" cy="473530"/>
+              </a:xfrm>
+              <a:prstGeom prst="line">
+                <a:avLst/>
+              </a:prstGeom>
+            </p:spPr>
+            <p:style>
+              <a:lnRef idx="1">
+                <a:schemeClr val="accent2"/>
+              </a:lnRef>
+              <a:fillRef idx="0">
+                <a:schemeClr val="accent2"/>
+              </a:fillRef>
+              <a:effectRef idx="0">
+                <a:schemeClr val="accent2"/>
+              </a:effectRef>
+              <a:fontRef idx="minor">
+                <a:schemeClr val="tx1"/>
+              </a:fontRef>
+            </p:style>
+          </p:cxnSp>
+        </p:grpSp>
+        <p:pic>
+          <p:nvPicPr>
+            <p:cNvPr id="37" name="Image 36" descr="Une image contenant tenant, pièce, homme&#10;&#10;Description générée automatiquement">
               <a:extLst>
                 <a:ext uri="{FF2B5EF4-FFF2-40B4-BE49-F238E27FC236}">
-                  <a16:creationId xmlns:a16="http://schemas.microsoft.com/office/drawing/2014/main" id="{CFEC29D6-539B-4FB4-861A-AA1F911CF891}"/>
+                  <a16:creationId xmlns:a16="http://schemas.microsoft.com/office/drawing/2014/main" id="{A432174B-EA1C-41D3-8228-E6EE54E8DD62}"/>
                 </a:ext>
               </a:extLst>
             </p:cNvPr>
-            <p:cNvCxnSpPr>
-              <a:cxnSpLocks/>
-            </p:cNvCxnSpPr>
+            <p:cNvPicPr>
+              <a:picLocks noChangeAspect="1"/>
+            </p:cNvPicPr>
             <p:nvPr/>
-          </p:nvCxnSpPr>
+          </p:nvPicPr>
+          <p:blipFill>
+            <a:blip r:embed="rId3">
+              <a:extLst>
+                <a:ext uri="{28A0092B-C50C-407E-A947-70E740481C1C}">
+                  <a14:useLocalDpi xmlns:a14="http://schemas.microsoft.com/office/drawing/2010/main" val="0"/>
+                </a:ext>
+              </a:extLst>
+            </a:blip>
+            <a:stretch>
+              <a:fillRect/>
+            </a:stretch>
+          </p:blipFill>
           <p:spPr>
             <a:xfrm>
-              <a:off x="2881994" y="4269921"/>
-              <a:ext cx="2148552" cy="473530"/>
+              <a:off x="6322166" y="3407941"/>
+              <a:ext cx="4264445" cy="1277847"/>
             </a:xfrm>
-            <a:prstGeom prst="line">
+            <a:prstGeom prst="rect">
               <a:avLst/>
             </a:prstGeom>
           </p:spPr>
-          <p:style>
-            <a:lnRef idx="1">
-              <a:schemeClr val="accent2"/>
-            </a:lnRef>
-            <a:fillRef idx="0">
-              <a:schemeClr val="accent2"/>
-            </a:fillRef>
-            <a:effectRef idx="0">
-              <a:schemeClr val="accent2"/>
-            </a:effectRef>
-            <a:fontRef idx="minor">
-              <a:schemeClr val="tx1"/>
-            </a:fontRef>
-          </p:style>
-        </p:cxnSp>
+        </p:pic>
       </p:grpSp>
-      <p:pic>
-        <p:nvPicPr>
-          <p:cNvPr id="37" name="Image 36" descr="Une image contenant tenant, pièce, homme&#10;&#10;Description générée automatiquement">
-            <a:extLst>
-              <a:ext uri="{FF2B5EF4-FFF2-40B4-BE49-F238E27FC236}">
-                <a16:creationId xmlns:a16="http://schemas.microsoft.com/office/drawing/2014/main" id="{A432174B-EA1C-41D3-8228-E6EE54E8DD62}"/>
-              </a:ext>
-            </a:extLst>
-          </p:cNvPr>
-          <p:cNvPicPr>
-            <a:picLocks noChangeAspect="1"/>
-          </p:cNvPicPr>
-          <p:nvPr/>
-        </p:nvPicPr>
-        <p:blipFill>
-          <a:blip r:embed="rId3">
-            <a:extLst>
-              <a:ext uri="{28A0092B-C50C-407E-A947-70E740481C1C}">
-                <a14:useLocalDpi xmlns:a14="http://schemas.microsoft.com/office/drawing/2010/main" val="0"/>
-              </a:ext>
-            </a:extLst>
-          </a:blip>
-          <a:stretch>
-            <a:fillRect/>
-          </a:stretch>
-        </p:blipFill>
-        <p:spPr>
-          <a:xfrm>
-            <a:off x="6322166" y="3407941"/>
-            <a:ext cx="4264445" cy="1277847"/>
-          </a:xfrm>
-          <a:prstGeom prst="rect">
-            <a:avLst/>
-          </a:prstGeom>
-        </p:spPr>
-      </p:pic>
     </p:spTree>
     <p:extLst>
       <p:ext uri="{BB962C8B-B14F-4D97-AF65-F5344CB8AC3E}">
@@ -23725,7 +23724,7 @@
                                           </p:stCondLst>
                                         </p:cTn>
                                         <p:tgtEl>
-                                          <p:spTgt spid="42"/>
+                                          <p:spTgt spid="2"/>
                                         </p:tgtEl>
                                         <p:attrNameLst>
                                           <p:attrName>style.visibility</p:attrName>
@@ -23739,106 +23738,7 @@
                                       <p:cBhvr>
                                         <p:cTn id="12" dur="500"/>
                                         <p:tgtEl>
-                                          <p:spTgt spid="42"/>
-                                        </p:tgtEl>
-                                      </p:cBhvr>
-                                    </p:animEffect>
-                                  </p:childTnLst>
-                                </p:cTn>
-                              </p:par>
-                            </p:childTnLst>
-                          </p:cTn>
-                        </p:par>
-                      </p:childTnLst>
-                    </p:cTn>
-                  </p:par>
-                  <p:par>
-                    <p:cTn id="13" fill="hold">
-                      <p:stCondLst>
-                        <p:cond delay="indefinite"/>
-                      </p:stCondLst>
-                      <p:childTnLst>
-                        <p:par>
-                          <p:cTn id="14" fill="hold">
-                            <p:stCondLst>
-                              <p:cond delay="0"/>
-                            </p:stCondLst>
-                            <p:childTnLst>
-                              <p:par>
-                                <p:cTn id="15" presetID="53" presetClass="entr" presetSubtype="16" fill="hold" nodeType="clickEffect">
-                                  <p:stCondLst>
-                                    <p:cond delay="0"/>
-                                  </p:stCondLst>
-                                  <p:childTnLst>
-                                    <p:set>
-                                      <p:cBhvr>
-                                        <p:cTn id="16" dur="1" fill="hold">
-                                          <p:stCondLst>
-                                            <p:cond delay="0"/>
-                                          </p:stCondLst>
-                                        </p:cTn>
-                                        <p:tgtEl>
-                                          <p:spTgt spid="37"/>
-                                        </p:tgtEl>
-                                        <p:attrNameLst>
-                                          <p:attrName>style.visibility</p:attrName>
-                                        </p:attrNameLst>
-                                      </p:cBhvr>
-                                      <p:to>
-                                        <p:strVal val="visible"/>
-                                      </p:to>
-                                    </p:set>
-                                    <p:anim calcmode="lin" valueType="num">
-                                      <p:cBhvr>
-                                        <p:cTn id="17" dur="1000" fill="hold"/>
-                                        <p:tgtEl>
-                                          <p:spTgt spid="37"/>
-                                        </p:tgtEl>
-                                        <p:attrNameLst>
-                                          <p:attrName>ppt_w</p:attrName>
-                                        </p:attrNameLst>
-                                      </p:cBhvr>
-                                      <p:tavLst>
-                                        <p:tav tm="0">
-                                          <p:val>
-                                            <p:fltVal val="0"/>
-                                          </p:val>
-                                        </p:tav>
-                                        <p:tav tm="100000">
-                                          <p:val>
-                                            <p:strVal val="#ppt_w"/>
-                                          </p:val>
-                                        </p:tav>
-                                      </p:tavLst>
-                                    </p:anim>
-                                    <p:anim calcmode="lin" valueType="num">
-                                      <p:cBhvr>
-                                        <p:cTn id="18" dur="1000" fill="hold"/>
-                                        <p:tgtEl>
-                                          <p:spTgt spid="37"/>
-                                        </p:tgtEl>
-                                        <p:attrNameLst>
-                                          <p:attrName>ppt_h</p:attrName>
-                                        </p:attrNameLst>
-                                      </p:cBhvr>
-                                      <p:tavLst>
-                                        <p:tav tm="0">
-                                          <p:val>
-                                            <p:fltVal val="0"/>
-                                          </p:val>
-                                        </p:tav>
-                                        <p:tav tm="100000">
-                                          <p:val>
-                                            <p:strVal val="#ppt_h"/>
-                                          </p:val>
-                                        </p:tav>
-                                      </p:tavLst>
-                                    </p:anim>
-                                    <p:animEffect transition="in" filter="fade">
-                                      <p:cBhvr>
-                                        <p:cTn id="19" dur="1000"/>
-                                        <p:tgtEl>
-                                          <p:spTgt spid="37"/>
+                                          <p:spTgt spid="2"/>
                                         </p:tgtEl>
                                       </p:cBhvr>
                                     </p:animEffect>
@@ -23879,7 +23779,7 @@
 </p:sld>
 </file>
 
-<file path=ppt/slides/slide24.xml><?xml version="1.0" encoding="utf-8"?>
+<file path=ppt/slides/slide23.xml><?xml version="1.0" encoding="utf-8"?>
 <p:sld xmlns:a="http://schemas.openxmlformats.org/drawingml/2006/main" xmlns:r="http://schemas.openxmlformats.org/officeDocument/2006/relationships" xmlns:p="http://schemas.openxmlformats.org/presentationml/2006/main">
   <p:cSld>
     <p:bg>
@@ -24153,7 +24053,7 @@
                   <a:spcPts val="600"/>
                 </a:spcAft>
               </a:pPr>
-              <a:t>03/06/2020</a:t>
+              <a:t>04/06/2020</a:t>
             </a:fld>
             <a:endParaRPr lang="fr-FR"/>
           </a:p>
@@ -24247,7 +24147,7 @@
                   <a:spcPts val="600"/>
                 </a:spcAft>
               </a:pPr>
-              <a:t>24</a:t>
+              <a:t>23</a:t>
             </a:fld>
             <a:endParaRPr lang="fr-FR">
               <a:solidFill>
@@ -24418,14 +24318,7 @@
               </a:pPr>
               <a:r>
                 <a:rPr lang="fr-FR" sz="2800" kern="1200" dirty="0"/>
-                <a:t>Dans le Repository, on retrouve des méthodes qui permettent de construire une requête DQL, que Doctrine va interpréter.</a:t>
-              </a:r>
-              <a:br>
-                <a:rPr lang="fr-FR" sz="2800" kern="1200" dirty="0"/>
-              </a:br>
-              <a:r>
-                <a:rPr lang="fr-FR" sz="2800" kern="1200" dirty="0"/>
-                <a:t>Il pourra ainsi solliciter la base de données grâce à une requête SQL</a:t>
+                <a:t>Dans le Repository, on retrouve des méthodes qui permettent de construire une requête DQL, que Doctrine va interpréter en SQL et solliciter la BDD.</a:t>
               </a:r>
             </a:p>
           </p:txBody>
@@ -24444,7 +24337,7 @@
 </p:sld>
 </file>
 
-<file path=ppt/slides/slide25.xml><?xml version="1.0" encoding="utf-8"?>
+<file path=ppt/slides/slide24.xml><?xml version="1.0" encoding="utf-8"?>
 <p:sld xmlns:a="http://schemas.openxmlformats.org/drawingml/2006/main" xmlns:r="http://schemas.openxmlformats.org/officeDocument/2006/relationships" xmlns:p="http://schemas.openxmlformats.org/presentationml/2006/main">
   <p:cSld>
     <p:spTree>
@@ -24529,7 +24422,7 @@
                 <a:tabLst/>
                 <a:defRPr/>
               </a:pPr>
-              <a:t>03/06/2020</a:t>
+              <a:t>04/06/2020</a:t>
             </a:fld>
             <a:endParaRPr kumimoji="0" lang="fr-FR" b="0" i="0" u="none" strike="noStrike" kern="1200" cap="none" spc="0" normalizeH="0" baseline="0" noProof="0">
               <a:ln>
@@ -24672,7 +24565,7 @@
                 <a:tabLst/>
                 <a:defRPr/>
               </a:pPr>
-              <a:t>25</a:t>
+              <a:t>24</a:t>
             </a:fld>
             <a:endParaRPr kumimoji="0" lang="fr-FR" b="0" i="0" u="none" strike="noStrike" kern="1200" cap="none" spc="0" normalizeH="0" baseline="0" noProof="0">
               <a:ln>
@@ -24773,10 +24666,10 @@
       </p:sp>
       <p:grpSp>
         <p:nvGrpSpPr>
-          <p:cNvPr id="42" name="Groupe 41">
+          <p:cNvPr id="2" name="Groupe 1">
             <a:extLst>
               <a:ext uri="{FF2B5EF4-FFF2-40B4-BE49-F238E27FC236}">
-                <a16:creationId xmlns:a16="http://schemas.microsoft.com/office/drawing/2014/main" id="{9917C890-77C1-47AF-93C4-4BB9F50BDF45}"/>
+                <a16:creationId xmlns:a16="http://schemas.microsoft.com/office/drawing/2014/main" id="{E539C92D-2E40-4ACD-AC78-142CAE7B68F7}"/>
               </a:ext>
             </a:extLst>
           </p:cNvPr>
@@ -24787,137 +24680,158 @@
           <a:xfrm>
             <a:off x="4515852" y="2899497"/>
             <a:ext cx="6705998" cy="3152702"/>
-            <a:chOff x="2731916" y="3331031"/>
+            <a:chOff x="4515852" y="2899497"/>
             <a:chExt cx="6705998" cy="3152702"/>
           </a:xfrm>
         </p:grpSpPr>
-        <p:sp>
-          <p:nvSpPr>
-            <p:cNvPr id="32" name="Légende : encadrée à une bordure 31">
+        <p:grpSp>
+          <p:nvGrpSpPr>
+            <p:cNvPr id="42" name="Groupe 41">
               <a:extLst>
                 <a:ext uri="{FF2B5EF4-FFF2-40B4-BE49-F238E27FC236}">
-                  <a16:creationId xmlns:a16="http://schemas.microsoft.com/office/drawing/2014/main" id="{1E9E1A04-6918-4860-A6D3-A35E8762F91E}"/>
+                  <a16:creationId xmlns:a16="http://schemas.microsoft.com/office/drawing/2014/main" id="{9917C890-77C1-47AF-93C4-4BB9F50BDF45}"/>
                 </a:ext>
               </a:extLst>
             </p:cNvPr>
-            <p:cNvSpPr/>
+            <p:cNvGrpSpPr/>
             <p:nvPr/>
-          </p:nvSpPr>
-          <p:spPr>
+          </p:nvGrpSpPr>
+          <p:grpSpPr>
             <a:xfrm>
-              <a:off x="5030546" y="3331031"/>
-              <a:ext cx="4407368" cy="1094988"/>
+              <a:off x="4515852" y="2899497"/>
+              <a:ext cx="6705998" cy="3152702"/>
+              <a:chOff x="2731916" y="3331031"/>
+              <a:chExt cx="6705998" cy="3152702"/>
             </a:xfrm>
-            <a:prstGeom prst="accentBorderCallout1">
-              <a:avLst>
-                <a:gd name="adj1" fmla="val -78"/>
-                <a:gd name="adj2" fmla="val -143"/>
-                <a:gd name="adj3" fmla="val 233188"/>
-                <a:gd name="adj4" fmla="val -52005"/>
-              </a:avLst>
-            </a:prstGeom>
-            <a:noFill/>
-          </p:spPr>
-          <p:style>
-            <a:lnRef idx="2">
-              <a:schemeClr val="accent2">
-                <a:shade val="50000"/>
-              </a:schemeClr>
-            </a:lnRef>
-            <a:fillRef idx="1">
-              <a:schemeClr val="accent2"/>
-            </a:fillRef>
-            <a:effectRef idx="0">
-              <a:schemeClr val="accent2"/>
-            </a:effectRef>
-            <a:fontRef idx="minor">
-              <a:schemeClr val="lt1"/>
-            </a:fontRef>
-          </p:style>
-          <p:txBody>
-            <a:bodyPr rtlCol="0" anchor="ctr"/>
-            <a:lstStyle/>
-            <a:p>
-              <a:pPr algn="ctr"/>
-              <a:endParaRPr lang="fr-FR"/>
-            </a:p>
-          </p:txBody>
-        </p:sp>
-        <p:cxnSp>
-          <p:nvCxnSpPr>
-            <p:cNvPr id="34" name="Connecteur droit 33">
+          </p:grpSpPr>
+          <p:sp>
+            <p:nvSpPr>
+              <p:cNvPr id="32" name="Légende : encadrée à une bordure 31">
+                <a:extLst>
+                  <a:ext uri="{FF2B5EF4-FFF2-40B4-BE49-F238E27FC236}">
+                    <a16:creationId xmlns:a16="http://schemas.microsoft.com/office/drawing/2014/main" id="{1E9E1A04-6918-4860-A6D3-A35E8762F91E}"/>
+                  </a:ext>
+                </a:extLst>
+              </p:cNvPr>
+              <p:cNvSpPr/>
+              <p:nvPr/>
+            </p:nvSpPr>
+            <p:spPr>
+              <a:xfrm>
+                <a:off x="5030546" y="3331031"/>
+                <a:ext cx="4407368" cy="1094988"/>
+              </a:xfrm>
+              <a:prstGeom prst="accentBorderCallout1">
+                <a:avLst>
+                  <a:gd name="adj1" fmla="val -78"/>
+                  <a:gd name="adj2" fmla="val -143"/>
+                  <a:gd name="adj3" fmla="val 233188"/>
+                  <a:gd name="adj4" fmla="val -52005"/>
+                </a:avLst>
+              </a:prstGeom>
+              <a:noFill/>
+            </p:spPr>
+            <p:style>
+              <a:lnRef idx="2">
+                <a:schemeClr val="accent2">
+                  <a:shade val="50000"/>
+                </a:schemeClr>
+              </a:lnRef>
+              <a:fillRef idx="1">
+                <a:schemeClr val="accent2"/>
+              </a:fillRef>
+              <a:effectRef idx="0">
+                <a:schemeClr val="accent2"/>
+              </a:effectRef>
+              <a:fontRef idx="minor">
+                <a:schemeClr val="lt1"/>
+              </a:fontRef>
+            </p:style>
+            <p:txBody>
+              <a:bodyPr rtlCol="0" anchor="ctr"/>
+              <a:lstStyle/>
+              <a:p>
+                <a:pPr algn="ctr"/>
+                <a:endParaRPr lang="fr-FR"/>
+              </a:p>
+            </p:txBody>
+          </p:sp>
+          <p:cxnSp>
+            <p:nvCxnSpPr>
+              <p:cNvPr id="34" name="Connecteur droit 33">
+                <a:extLst>
+                  <a:ext uri="{FF2B5EF4-FFF2-40B4-BE49-F238E27FC236}">
+                    <a16:creationId xmlns:a16="http://schemas.microsoft.com/office/drawing/2014/main" id="{CFEC29D6-539B-4FB4-861A-AA1F911CF891}"/>
+                  </a:ext>
+                </a:extLst>
+              </p:cNvPr>
+              <p:cNvCxnSpPr>
+                <a:cxnSpLocks/>
+              </p:cNvCxnSpPr>
+              <p:nvPr/>
+            </p:nvCxnSpPr>
+            <p:spPr>
+              <a:xfrm flipV="1">
+                <a:off x="2731916" y="4426019"/>
+                <a:ext cx="2298630" cy="2057714"/>
+              </a:xfrm>
+              <a:prstGeom prst="line">
+                <a:avLst/>
+              </a:prstGeom>
+            </p:spPr>
+            <p:style>
+              <a:lnRef idx="1">
+                <a:schemeClr val="accent2"/>
+              </a:lnRef>
+              <a:fillRef idx="0">
+                <a:schemeClr val="accent2"/>
+              </a:fillRef>
+              <a:effectRef idx="0">
+                <a:schemeClr val="accent2"/>
+              </a:effectRef>
+              <a:fontRef idx="minor">
+                <a:schemeClr val="tx1"/>
+              </a:fontRef>
+            </p:style>
+          </p:cxnSp>
+        </p:grpSp>
+        <p:pic>
+          <p:nvPicPr>
+            <p:cNvPr id="7" name="Image 6" descr="Une image contenant oiseau&#10;&#10;Description générée automatiquement">
               <a:extLst>
                 <a:ext uri="{FF2B5EF4-FFF2-40B4-BE49-F238E27FC236}">
-                  <a16:creationId xmlns:a16="http://schemas.microsoft.com/office/drawing/2014/main" id="{CFEC29D6-539B-4FB4-861A-AA1F911CF891}"/>
+                  <a16:creationId xmlns:a16="http://schemas.microsoft.com/office/drawing/2014/main" id="{453A69DF-6F3D-402F-83FC-AB0D4E9ADBA5}"/>
                 </a:ext>
               </a:extLst>
             </p:cNvPr>
-            <p:cNvCxnSpPr>
-              <a:cxnSpLocks/>
-            </p:cNvCxnSpPr>
+            <p:cNvPicPr>
+              <a:picLocks noChangeAspect="1"/>
+            </p:cNvPicPr>
             <p:nvPr/>
-          </p:nvCxnSpPr>
+          </p:nvPicPr>
+          <p:blipFill>
+            <a:blip r:embed="rId3">
+              <a:extLst>
+                <a:ext uri="{28A0092B-C50C-407E-A947-70E740481C1C}">
+                  <a14:useLocalDpi xmlns:a14="http://schemas.microsoft.com/office/drawing/2010/main" val="0"/>
+                </a:ext>
+              </a:extLst>
+            </a:blip>
+            <a:stretch>
+              <a:fillRect/>
+            </a:stretch>
+          </p:blipFill>
           <p:spPr>
-            <a:xfrm flipV="1">
-              <a:off x="2731916" y="4426019"/>
-              <a:ext cx="2298630" cy="2057714"/>
+            <a:xfrm>
+              <a:off x="6875036" y="2950215"/>
+              <a:ext cx="4286260" cy="957569"/>
             </a:xfrm>
-            <a:prstGeom prst="line">
+            <a:prstGeom prst="rect">
               <a:avLst/>
             </a:prstGeom>
           </p:spPr>
-          <p:style>
-            <a:lnRef idx="1">
-              <a:schemeClr val="accent2"/>
-            </a:lnRef>
-            <a:fillRef idx="0">
-              <a:schemeClr val="accent2"/>
-            </a:fillRef>
-            <a:effectRef idx="0">
-              <a:schemeClr val="accent2"/>
-            </a:effectRef>
-            <a:fontRef idx="minor">
-              <a:schemeClr val="tx1"/>
-            </a:fontRef>
-          </p:style>
-        </p:cxnSp>
+        </p:pic>
       </p:grpSp>
-      <p:pic>
-        <p:nvPicPr>
-          <p:cNvPr id="7" name="Image 6" descr="Une image contenant oiseau&#10;&#10;Description générée automatiquement">
-            <a:extLst>
-              <a:ext uri="{FF2B5EF4-FFF2-40B4-BE49-F238E27FC236}">
-                <a16:creationId xmlns:a16="http://schemas.microsoft.com/office/drawing/2014/main" id="{453A69DF-6F3D-402F-83FC-AB0D4E9ADBA5}"/>
-              </a:ext>
-            </a:extLst>
-          </p:cNvPr>
-          <p:cNvPicPr>
-            <a:picLocks noChangeAspect="1"/>
-          </p:cNvPicPr>
-          <p:nvPr/>
-        </p:nvPicPr>
-        <p:blipFill>
-          <a:blip r:embed="rId3">
-            <a:extLst>
-              <a:ext uri="{28A0092B-C50C-407E-A947-70E740481C1C}">
-                <a14:useLocalDpi xmlns:a14="http://schemas.microsoft.com/office/drawing/2010/main" val="0"/>
-              </a:ext>
-            </a:extLst>
-          </a:blip>
-          <a:stretch>
-            <a:fillRect/>
-          </a:stretch>
-        </p:blipFill>
-        <p:spPr>
-          <a:xfrm>
-            <a:off x="6875036" y="2950215"/>
-            <a:ext cx="4286260" cy="957569"/>
-          </a:xfrm>
-          <a:prstGeom prst="rect">
-            <a:avLst/>
-          </a:prstGeom>
-        </p:spPr>
-      </p:pic>
     </p:spTree>
     <p:extLst>
       <p:ext uri="{BB962C8B-B14F-4D97-AF65-F5344CB8AC3E}">
@@ -25015,7 +24929,7 @@
                                           </p:stCondLst>
                                         </p:cTn>
                                         <p:tgtEl>
-                                          <p:spTgt spid="42"/>
+                                          <p:spTgt spid="2"/>
                                         </p:tgtEl>
                                         <p:attrNameLst>
                                           <p:attrName>style.visibility</p:attrName>
@@ -25029,7 +24943,7 @@
                                       <p:cBhvr>
                                         <p:cTn id="12" dur="500"/>
                                         <p:tgtEl>
-                                          <p:spTgt spid="42"/>
+                                          <p:spTgt spid="2"/>
                                         </p:tgtEl>
                                       </p:cBhvr>
                                     </p:animEffect>
@@ -25070,7 +24984,7 @@
 </p:sld>
 </file>
 
-<file path=ppt/slides/slide26.xml><?xml version="1.0" encoding="utf-8"?>
+<file path=ppt/slides/slide25.xml><?xml version="1.0" encoding="utf-8"?>
 <p:sld xmlns:a="http://schemas.openxmlformats.org/drawingml/2006/main" xmlns:r="http://schemas.openxmlformats.org/officeDocument/2006/relationships" xmlns:p="http://schemas.openxmlformats.org/presentationml/2006/main">
   <p:cSld>
     <p:bg>
@@ -25349,7 +25263,7 @@
                   <a:spcPts val="600"/>
                 </a:spcAft>
               </a:pPr>
-              <a:t>03/06/2020</a:t>
+              <a:t>04/06/2020</a:t>
             </a:fld>
             <a:endParaRPr lang="fr-FR"/>
           </a:p>
@@ -25443,7 +25357,7 @@
                   <a:spcPts val="600"/>
                 </a:spcAft>
               </a:pPr>
-              <a:t>26</a:t>
+              <a:t>25</a:t>
             </a:fld>
             <a:endParaRPr lang="fr-FR">
               <a:solidFill>
@@ -25577,37 +25491,24 @@
                 </a:spcAft>
               </a:pPr>
               <a:r>
-                <a:rPr lang="fr-FR" sz="2800" kern="1200" dirty="0"/>
-                <a:t>La Vue dans Symfony est gérée par </a:t>
+                <a:rPr lang="fr-FR" sz="2800" dirty="0"/>
+                <a:t>La Vue, géré par </a:t>
               </a:r>
               <a:r>
-                <a:rPr lang="fr-FR" sz="2800" kern="1200" dirty="0" err="1"/>
+                <a:rPr lang="fr-FR" sz="2800" dirty="0" err="1"/>
                 <a:t>Twig</a:t>
               </a:r>
               <a:r>
-                <a:rPr lang="fr-FR" sz="2800" kern="1200" dirty="0"/>
-                <a:t>, un générateur de Template.</a:t>
+                <a:rPr lang="fr-FR" sz="2800" dirty="0"/>
+                <a:t>, </a:t>
+              </a:r>
+              <a:r>
+                <a:rPr lang="fr-FR" sz="2800"/>
+                <a:t>permet d’organiser, </a:t>
               </a:r>
               <a:r>
                 <a:rPr lang="fr-FR" sz="2800" dirty="0"/>
-                <a:t> </a:t>
-              </a:r>
-            </a:p>
-            <a:p>
-              <a:pPr defTabSz="1244600">
-                <a:lnSpc>
-                  <a:spcPct val="90000"/>
-                </a:lnSpc>
-                <a:spcBef>
-                  <a:spcPct val="0"/>
-                </a:spcBef>
-                <a:spcAft>
-                  <a:spcPct val="35000"/>
-                </a:spcAft>
-              </a:pPr>
-              <a:r>
-                <a:rPr lang="fr-FR" sz="2800" dirty="0"/>
-                <a:t>Il permet d’organiser, de conditionner le rendue de la page HTML que nous allons ensuite renvoyé à l’utilisateur.</a:t>
+                <a:t>de conditionner le rendue de la page HTML que nous allons ensuite renvoyé à l’utilisateur.</a:t>
               </a:r>
             </a:p>
           </p:txBody>
@@ -25626,7 +25527,7 @@
 </p:sld>
 </file>
 
-<file path=ppt/slides/slide27.xml><?xml version="1.0" encoding="utf-8"?>
+<file path=ppt/slides/slide26.xml><?xml version="1.0" encoding="utf-8"?>
 <p:sld xmlns:a="http://schemas.openxmlformats.org/drawingml/2006/main" xmlns:r="http://schemas.openxmlformats.org/officeDocument/2006/relationships" xmlns:p="http://schemas.openxmlformats.org/presentationml/2006/main">
   <p:cSld>
     <p:spTree>
@@ -25666,7 +25567,7 @@
           <a:p>
             <a:fld id="{17B14172-D5F5-4BFB-89B6-FE98C0A91CE9}" type="datetime1">
               <a:rPr lang="fr-FR" smtClean="0"/>
-              <a:t>03/06/2020</a:t>
+              <a:t>04/06/2020</a:t>
             </a:fld>
             <a:endParaRPr lang="fr-FR"/>
           </a:p>
@@ -25723,7 +25624,7 @@
           <a:p>
             <a:fld id="{7386E8C7-F2FE-4BD9-8CCD-17179851D3F5}" type="slidenum">
               <a:rPr lang="fr-FR" smtClean="0"/>
-              <a:t>27</a:t>
+              <a:t>26</a:t>
             </a:fld>
             <a:endParaRPr lang="fr-FR"/>
           </a:p>
@@ -25765,6 +25666,941 @@
           </a:prstGeom>
         </p:spPr>
       </p:pic>
+      <p:sp>
+        <p:nvSpPr>
+          <p:cNvPr id="3" name="Rectangle : coins arrondis 2">
+            <a:extLst>
+              <a:ext uri="{FF2B5EF4-FFF2-40B4-BE49-F238E27FC236}">
+                <a16:creationId xmlns:a16="http://schemas.microsoft.com/office/drawing/2014/main" id="{029537C9-8485-4E03-B272-0E2092A84CE7}"/>
+              </a:ext>
+            </a:extLst>
+          </p:cNvPr>
+          <p:cNvSpPr/>
+          <p:nvPr/>
+        </p:nvSpPr>
+        <p:spPr>
+          <a:xfrm>
+            <a:off x="2528047" y="869576"/>
+            <a:ext cx="2214282" cy="358589"/>
+          </a:xfrm>
+          <a:prstGeom prst="roundRect">
+            <a:avLst/>
+          </a:prstGeom>
+          <a:noFill/>
+          <a:ln>
+            <a:solidFill>
+              <a:schemeClr val="accent2">
+                <a:lumMod val="50000"/>
+              </a:schemeClr>
+            </a:solidFill>
+          </a:ln>
+        </p:spPr>
+        <p:style>
+          <a:lnRef idx="2">
+            <a:schemeClr val="accent1">
+              <a:shade val="50000"/>
+            </a:schemeClr>
+          </a:lnRef>
+          <a:fillRef idx="1">
+            <a:schemeClr val="accent1"/>
+          </a:fillRef>
+          <a:effectRef idx="0">
+            <a:schemeClr val="accent1"/>
+          </a:effectRef>
+          <a:fontRef idx="minor">
+            <a:schemeClr val="lt1"/>
+          </a:fontRef>
+        </p:style>
+        <p:txBody>
+          <a:bodyPr rtlCol="0" anchor="ctr"/>
+          <a:lstStyle/>
+          <a:p>
+            <a:pPr algn="ctr"/>
+            <a:endParaRPr lang="fr-FR"/>
+          </a:p>
+        </p:txBody>
+      </p:sp>
+      <p:sp>
+        <p:nvSpPr>
+          <p:cNvPr id="7" name="Rectangle : coins arrondis 6">
+            <a:extLst>
+              <a:ext uri="{FF2B5EF4-FFF2-40B4-BE49-F238E27FC236}">
+                <a16:creationId xmlns:a16="http://schemas.microsoft.com/office/drawing/2014/main" id="{B91A6B3A-4671-40E8-9CC2-2AF16F013CB0}"/>
+              </a:ext>
+            </a:extLst>
+          </p:cNvPr>
+          <p:cNvSpPr/>
+          <p:nvPr/>
+        </p:nvSpPr>
+        <p:spPr>
+          <a:xfrm>
+            <a:off x="2528047" y="2034988"/>
+            <a:ext cx="1407459" cy="170330"/>
+          </a:xfrm>
+          <a:prstGeom prst="roundRect">
+            <a:avLst/>
+          </a:prstGeom>
+          <a:noFill/>
+          <a:ln>
+            <a:solidFill>
+              <a:schemeClr val="accent2">
+                <a:lumMod val="50000"/>
+              </a:schemeClr>
+            </a:solidFill>
+          </a:ln>
+        </p:spPr>
+        <p:style>
+          <a:lnRef idx="2">
+            <a:schemeClr val="accent1">
+              <a:shade val="50000"/>
+            </a:schemeClr>
+          </a:lnRef>
+          <a:fillRef idx="1">
+            <a:schemeClr val="accent1"/>
+          </a:fillRef>
+          <a:effectRef idx="0">
+            <a:schemeClr val="accent1"/>
+          </a:effectRef>
+          <a:fontRef idx="minor">
+            <a:schemeClr val="lt1"/>
+          </a:fontRef>
+        </p:style>
+        <p:txBody>
+          <a:bodyPr rtlCol="0" anchor="ctr"/>
+          <a:lstStyle/>
+          <a:p>
+            <a:pPr algn="ctr"/>
+            <a:endParaRPr lang="fr-FR"/>
+          </a:p>
+        </p:txBody>
+      </p:sp>
+      <p:sp>
+        <p:nvSpPr>
+          <p:cNvPr id="9" name="Rectangle : coins arrondis 8">
+            <a:extLst>
+              <a:ext uri="{FF2B5EF4-FFF2-40B4-BE49-F238E27FC236}">
+                <a16:creationId xmlns:a16="http://schemas.microsoft.com/office/drawing/2014/main" id="{12A42F44-3605-49C3-BECF-450615CDB330}"/>
+              </a:ext>
+            </a:extLst>
+          </p:cNvPr>
+          <p:cNvSpPr/>
+          <p:nvPr/>
+        </p:nvSpPr>
+        <p:spPr>
+          <a:xfrm>
+            <a:off x="2348753" y="396962"/>
+            <a:ext cx="2057399" cy="170330"/>
+          </a:xfrm>
+          <a:prstGeom prst="roundRect">
+            <a:avLst/>
+          </a:prstGeom>
+          <a:noFill/>
+          <a:ln>
+            <a:solidFill>
+              <a:schemeClr val="accent2">
+                <a:lumMod val="50000"/>
+              </a:schemeClr>
+            </a:solidFill>
+          </a:ln>
+        </p:spPr>
+        <p:style>
+          <a:lnRef idx="2">
+            <a:schemeClr val="accent1">
+              <a:shade val="50000"/>
+            </a:schemeClr>
+          </a:lnRef>
+          <a:fillRef idx="1">
+            <a:schemeClr val="accent1"/>
+          </a:fillRef>
+          <a:effectRef idx="0">
+            <a:schemeClr val="accent1"/>
+          </a:effectRef>
+          <a:fontRef idx="minor">
+            <a:schemeClr val="lt1"/>
+          </a:fontRef>
+        </p:style>
+        <p:txBody>
+          <a:bodyPr rtlCol="0" anchor="ctr"/>
+          <a:lstStyle/>
+          <a:p>
+            <a:pPr algn="ctr"/>
+            <a:endParaRPr lang="fr-FR"/>
+          </a:p>
+        </p:txBody>
+      </p:sp>
+      <p:cxnSp>
+        <p:nvCxnSpPr>
+          <p:cNvPr id="16" name="Connecteur droit 15">
+            <a:extLst>
+              <a:ext uri="{FF2B5EF4-FFF2-40B4-BE49-F238E27FC236}">
+                <a16:creationId xmlns:a16="http://schemas.microsoft.com/office/drawing/2014/main" id="{5B5C1ED0-8D39-4EE8-9217-F3D631D2525D}"/>
+              </a:ext>
+            </a:extLst>
+          </p:cNvPr>
+          <p:cNvCxnSpPr>
+            <a:cxnSpLocks/>
+            <a:stCxn id="9" idx="3"/>
+          </p:cNvCxnSpPr>
+          <p:nvPr/>
+        </p:nvCxnSpPr>
+        <p:spPr>
+          <a:xfrm>
+            <a:off x="4406152" y="482127"/>
+            <a:ext cx="1872728" cy="335759"/>
+          </a:xfrm>
+          <a:prstGeom prst="line">
+            <a:avLst/>
+          </a:prstGeom>
+          <a:ln>
+            <a:solidFill>
+              <a:schemeClr val="accent2">
+                <a:lumMod val="50000"/>
+              </a:schemeClr>
+            </a:solidFill>
+          </a:ln>
+        </p:spPr>
+        <p:style>
+          <a:lnRef idx="3">
+            <a:schemeClr val="accent2"/>
+          </a:lnRef>
+          <a:fillRef idx="0">
+            <a:schemeClr val="accent2"/>
+          </a:fillRef>
+          <a:effectRef idx="2">
+            <a:schemeClr val="accent2"/>
+          </a:effectRef>
+          <a:fontRef idx="minor">
+            <a:schemeClr val="tx1"/>
+          </a:fontRef>
+        </p:style>
+      </p:cxnSp>
+      <p:pic>
+        <p:nvPicPr>
+          <p:cNvPr id="17" name="Image 16">
+            <a:extLst>
+              <a:ext uri="{FF2B5EF4-FFF2-40B4-BE49-F238E27FC236}">
+                <a16:creationId xmlns:a16="http://schemas.microsoft.com/office/drawing/2014/main" id="{4B96F314-4844-4306-BB08-6C8ACFCC3BD6}"/>
+              </a:ext>
+            </a:extLst>
+          </p:cNvPr>
+          <p:cNvPicPr>
+            <a:picLocks noChangeAspect="1"/>
+          </p:cNvPicPr>
+          <p:nvPr/>
+        </p:nvPicPr>
+        <p:blipFill>
+          <a:blip r:embed="rId3"/>
+          <a:stretch>
+            <a:fillRect/>
+          </a:stretch>
+        </p:blipFill>
+        <p:spPr>
+          <a:xfrm>
+            <a:off x="6387715" y="787761"/>
+            <a:ext cx="5445231" cy="358589"/>
+          </a:xfrm>
+          <a:prstGeom prst="rect">
+            <a:avLst/>
+          </a:prstGeom>
+        </p:spPr>
+      </p:pic>
+      <p:pic>
+        <p:nvPicPr>
+          <p:cNvPr id="19" name="Image 18">
+            <a:extLst>
+              <a:ext uri="{FF2B5EF4-FFF2-40B4-BE49-F238E27FC236}">
+                <a16:creationId xmlns:a16="http://schemas.microsoft.com/office/drawing/2014/main" id="{C9A27D16-F765-47AF-A786-791C09BC5D33}"/>
+              </a:ext>
+            </a:extLst>
+          </p:cNvPr>
+          <p:cNvPicPr>
+            <a:picLocks noChangeAspect="1"/>
+          </p:cNvPicPr>
+          <p:nvPr/>
+        </p:nvPicPr>
+        <p:blipFill>
+          <a:blip r:embed="rId4"/>
+          <a:stretch>
+            <a:fillRect/>
+          </a:stretch>
+        </p:blipFill>
+        <p:spPr>
+          <a:xfrm>
+            <a:off x="6350416" y="1358659"/>
+            <a:ext cx="5072468" cy="676329"/>
+          </a:xfrm>
+          <a:prstGeom prst="rect">
+            <a:avLst/>
+          </a:prstGeom>
+        </p:spPr>
+      </p:pic>
+      <p:pic>
+        <p:nvPicPr>
+          <p:cNvPr id="20" name="Image 19">
+            <a:extLst>
+              <a:ext uri="{FF2B5EF4-FFF2-40B4-BE49-F238E27FC236}">
+                <a16:creationId xmlns:a16="http://schemas.microsoft.com/office/drawing/2014/main" id="{7DB998F5-9ED3-44A8-802E-3512BE8B1063}"/>
+              </a:ext>
+            </a:extLst>
+          </p:cNvPr>
+          <p:cNvPicPr>
+            <a:picLocks noChangeAspect="1"/>
+          </p:cNvPicPr>
+          <p:nvPr/>
+        </p:nvPicPr>
+        <p:blipFill>
+          <a:blip r:embed="rId5"/>
+          <a:stretch>
+            <a:fillRect/>
+          </a:stretch>
+        </p:blipFill>
+        <p:spPr>
+          <a:xfrm>
+            <a:off x="6350416" y="2248894"/>
+            <a:ext cx="2957465" cy="287895"/>
+          </a:xfrm>
+          <a:prstGeom prst="rect">
+            <a:avLst/>
+          </a:prstGeom>
+        </p:spPr>
+      </p:pic>
+      <p:grpSp>
+        <p:nvGrpSpPr>
+          <p:cNvPr id="34" name="Groupe 33">
+            <a:extLst>
+              <a:ext uri="{FF2B5EF4-FFF2-40B4-BE49-F238E27FC236}">
+                <a16:creationId xmlns:a16="http://schemas.microsoft.com/office/drawing/2014/main" id="{04853427-866E-4F45-A8EB-586D14CF59D3}"/>
+              </a:ext>
+            </a:extLst>
+          </p:cNvPr>
+          <p:cNvGrpSpPr/>
+          <p:nvPr/>
+        </p:nvGrpSpPr>
+        <p:grpSpPr>
+          <a:xfrm>
+            <a:off x="2348753" y="131975"/>
+            <a:ext cx="9233647" cy="510803"/>
+            <a:chOff x="2348753" y="131975"/>
+            <a:chExt cx="9233647" cy="510803"/>
+          </a:xfrm>
+        </p:grpSpPr>
+        <p:sp>
+          <p:nvSpPr>
+            <p:cNvPr id="2" name="Rectangle : coins arrondis 1">
+              <a:extLst>
+                <a:ext uri="{FF2B5EF4-FFF2-40B4-BE49-F238E27FC236}">
+                  <a16:creationId xmlns:a16="http://schemas.microsoft.com/office/drawing/2014/main" id="{203047EA-A1A0-49E6-A21A-612E0281D257}"/>
+                </a:ext>
+              </a:extLst>
+            </p:cNvPr>
+            <p:cNvSpPr/>
+            <p:nvPr/>
+          </p:nvSpPr>
+          <p:spPr>
+            <a:xfrm>
+              <a:off x="2348753" y="131975"/>
+              <a:ext cx="1586753" cy="190754"/>
+            </a:xfrm>
+            <a:prstGeom prst="roundRect">
+              <a:avLst/>
+            </a:prstGeom>
+            <a:noFill/>
+            <a:ln>
+              <a:solidFill>
+                <a:schemeClr val="accent2">
+                  <a:lumMod val="50000"/>
+                </a:schemeClr>
+              </a:solidFill>
+            </a:ln>
+          </p:spPr>
+          <p:style>
+            <a:lnRef idx="2">
+              <a:schemeClr val="accent1">
+                <a:shade val="50000"/>
+              </a:schemeClr>
+            </a:lnRef>
+            <a:fillRef idx="1">
+              <a:schemeClr val="accent1"/>
+            </a:fillRef>
+            <a:effectRef idx="0">
+              <a:schemeClr val="accent1"/>
+            </a:effectRef>
+            <a:fontRef idx="minor">
+              <a:schemeClr val="lt1"/>
+            </a:fontRef>
+          </p:style>
+          <p:txBody>
+            <a:bodyPr rtlCol="0" anchor="ctr"/>
+            <a:lstStyle/>
+            <a:p>
+              <a:pPr algn="ctr"/>
+              <a:endParaRPr lang="fr-FR"/>
+            </a:p>
+          </p:txBody>
+        </p:sp>
+        <p:cxnSp>
+          <p:nvCxnSpPr>
+            <p:cNvPr id="11" name="Connecteur droit 10">
+              <a:extLst>
+                <a:ext uri="{FF2B5EF4-FFF2-40B4-BE49-F238E27FC236}">
+                  <a16:creationId xmlns:a16="http://schemas.microsoft.com/office/drawing/2014/main" id="{376C7E39-5129-4720-BEA6-A53CA46869F5}"/>
+                </a:ext>
+              </a:extLst>
+            </p:cNvPr>
+            <p:cNvCxnSpPr/>
+            <p:nvPr/>
+          </p:nvCxnSpPr>
+          <p:spPr>
+            <a:xfrm>
+              <a:off x="3935506" y="233082"/>
+              <a:ext cx="3765176" cy="163880"/>
+            </a:xfrm>
+            <a:prstGeom prst="line">
+              <a:avLst/>
+            </a:prstGeom>
+            <a:ln>
+              <a:solidFill>
+                <a:schemeClr val="accent2">
+                  <a:lumMod val="50000"/>
+                </a:schemeClr>
+              </a:solidFill>
+            </a:ln>
+          </p:spPr>
+          <p:style>
+            <a:lnRef idx="3">
+              <a:schemeClr val="accent2"/>
+            </a:lnRef>
+            <a:fillRef idx="0">
+              <a:schemeClr val="accent2"/>
+            </a:fillRef>
+            <a:effectRef idx="2">
+              <a:schemeClr val="accent2"/>
+            </a:effectRef>
+            <a:fontRef idx="minor">
+              <a:schemeClr val="tx1"/>
+            </a:fontRef>
+          </p:style>
+        </p:cxnSp>
+        <p:pic>
+          <p:nvPicPr>
+            <p:cNvPr id="14" name="Image 13">
+              <a:extLst>
+                <a:ext uri="{FF2B5EF4-FFF2-40B4-BE49-F238E27FC236}">
+                  <a16:creationId xmlns:a16="http://schemas.microsoft.com/office/drawing/2014/main" id="{54816306-021B-48C1-9471-C85A74D9FB6D}"/>
+                </a:ext>
+              </a:extLst>
+            </p:cNvPr>
+            <p:cNvPicPr>
+              <a:picLocks noChangeAspect="1"/>
+            </p:cNvPicPr>
+            <p:nvPr/>
+          </p:nvPicPr>
+          <p:blipFill>
+            <a:blip r:embed="rId6"/>
+            <a:stretch>
+              <a:fillRect/>
+            </a:stretch>
+          </p:blipFill>
+          <p:spPr>
+            <a:xfrm>
+              <a:off x="7700682" y="245820"/>
+              <a:ext cx="3765176" cy="378061"/>
+            </a:xfrm>
+            <a:prstGeom prst="rect">
+              <a:avLst/>
+            </a:prstGeom>
+          </p:spPr>
+        </p:pic>
+        <p:sp>
+          <p:nvSpPr>
+            <p:cNvPr id="23" name="Rectangle : coins arrondis 22">
+              <a:extLst>
+                <a:ext uri="{FF2B5EF4-FFF2-40B4-BE49-F238E27FC236}">
+                  <a16:creationId xmlns:a16="http://schemas.microsoft.com/office/drawing/2014/main" id="{F44EB08C-602C-457A-89F6-055B4C5B02B9}"/>
+                </a:ext>
+              </a:extLst>
+            </p:cNvPr>
+            <p:cNvSpPr/>
+            <p:nvPr/>
+          </p:nvSpPr>
+          <p:spPr>
+            <a:xfrm>
+              <a:off x="7700682" y="233082"/>
+              <a:ext cx="3881718" cy="409696"/>
+            </a:xfrm>
+            <a:prstGeom prst="roundRect">
+              <a:avLst/>
+            </a:prstGeom>
+            <a:noFill/>
+            <a:ln w="28575">
+              <a:solidFill>
+                <a:schemeClr val="accent2">
+                  <a:lumMod val="50000"/>
+                </a:schemeClr>
+              </a:solidFill>
+            </a:ln>
+          </p:spPr>
+          <p:style>
+            <a:lnRef idx="2">
+              <a:schemeClr val="accent1">
+                <a:shade val="50000"/>
+              </a:schemeClr>
+            </a:lnRef>
+            <a:fillRef idx="1">
+              <a:schemeClr val="accent1"/>
+            </a:fillRef>
+            <a:effectRef idx="0">
+              <a:schemeClr val="accent1"/>
+            </a:effectRef>
+            <a:fontRef idx="minor">
+              <a:schemeClr val="lt1"/>
+            </a:fontRef>
+          </p:style>
+          <p:txBody>
+            <a:bodyPr rtlCol="0" anchor="ctr"/>
+            <a:lstStyle/>
+            <a:p>
+              <a:pPr algn="ctr"/>
+              <a:endParaRPr lang="fr-FR"/>
+            </a:p>
+          </p:txBody>
+        </p:sp>
+      </p:grpSp>
+      <p:sp>
+        <p:nvSpPr>
+          <p:cNvPr id="25" name="Rectangle : coins arrondis 24">
+            <a:extLst>
+              <a:ext uri="{FF2B5EF4-FFF2-40B4-BE49-F238E27FC236}">
+                <a16:creationId xmlns:a16="http://schemas.microsoft.com/office/drawing/2014/main" id="{AE361BF1-EA5C-4471-89CB-F1DE55D922BC}"/>
+              </a:ext>
+            </a:extLst>
+          </p:cNvPr>
+          <p:cNvSpPr/>
+          <p:nvPr/>
+        </p:nvSpPr>
+        <p:spPr>
+          <a:xfrm>
+            <a:off x="6280068" y="743885"/>
+            <a:ext cx="5629992" cy="409696"/>
+          </a:xfrm>
+          <a:prstGeom prst="roundRect">
+            <a:avLst/>
+          </a:prstGeom>
+          <a:noFill/>
+          <a:ln w="28575">
+            <a:solidFill>
+              <a:schemeClr val="accent2">
+                <a:lumMod val="50000"/>
+              </a:schemeClr>
+            </a:solidFill>
+          </a:ln>
+        </p:spPr>
+        <p:style>
+          <a:lnRef idx="2">
+            <a:schemeClr val="accent1">
+              <a:shade val="50000"/>
+            </a:schemeClr>
+          </a:lnRef>
+          <a:fillRef idx="1">
+            <a:schemeClr val="accent1"/>
+          </a:fillRef>
+          <a:effectRef idx="0">
+            <a:schemeClr val="accent1"/>
+          </a:effectRef>
+          <a:fontRef idx="minor">
+            <a:schemeClr val="lt1"/>
+          </a:fontRef>
+        </p:style>
+        <p:txBody>
+          <a:bodyPr rtlCol="0" anchor="ctr"/>
+          <a:lstStyle/>
+          <a:p>
+            <a:pPr algn="ctr"/>
+            <a:endParaRPr lang="fr-FR"/>
+          </a:p>
+        </p:txBody>
+      </p:sp>
+      <p:sp>
+        <p:nvSpPr>
+          <p:cNvPr id="27" name="Rectangle : coins arrondis 26">
+            <a:extLst>
+              <a:ext uri="{FF2B5EF4-FFF2-40B4-BE49-F238E27FC236}">
+                <a16:creationId xmlns:a16="http://schemas.microsoft.com/office/drawing/2014/main" id="{2366FD35-BFD1-480E-AEB0-963B0D206953}"/>
+              </a:ext>
+            </a:extLst>
+          </p:cNvPr>
+          <p:cNvSpPr/>
+          <p:nvPr/>
+        </p:nvSpPr>
+        <p:spPr>
+          <a:xfrm>
+            <a:off x="6280068" y="1351428"/>
+            <a:ext cx="5185790" cy="683560"/>
+          </a:xfrm>
+          <a:prstGeom prst="roundRect">
+            <a:avLst/>
+          </a:prstGeom>
+          <a:noFill/>
+          <a:ln w="28575">
+            <a:solidFill>
+              <a:schemeClr val="accent2">
+                <a:lumMod val="50000"/>
+              </a:schemeClr>
+            </a:solidFill>
+          </a:ln>
+        </p:spPr>
+        <p:style>
+          <a:lnRef idx="2">
+            <a:schemeClr val="accent1">
+              <a:shade val="50000"/>
+            </a:schemeClr>
+          </a:lnRef>
+          <a:fillRef idx="1">
+            <a:schemeClr val="accent1"/>
+          </a:fillRef>
+          <a:effectRef idx="0">
+            <a:schemeClr val="accent1"/>
+          </a:effectRef>
+          <a:fontRef idx="minor">
+            <a:schemeClr val="lt1"/>
+          </a:fontRef>
+        </p:style>
+        <p:txBody>
+          <a:bodyPr rtlCol="0" anchor="ctr"/>
+          <a:lstStyle/>
+          <a:p>
+            <a:pPr algn="ctr"/>
+            <a:endParaRPr lang="fr-FR"/>
+          </a:p>
+        </p:txBody>
+      </p:sp>
+      <p:sp>
+        <p:nvSpPr>
+          <p:cNvPr id="29" name="Rectangle : coins arrondis 28">
+            <a:extLst>
+              <a:ext uri="{FF2B5EF4-FFF2-40B4-BE49-F238E27FC236}">
+                <a16:creationId xmlns:a16="http://schemas.microsoft.com/office/drawing/2014/main" id="{B4CC0BCF-51FD-4DC8-B608-AB552CB42F23}"/>
+              </a:ext>
+            </a:extLst>
+          </p:cNvPr>
+          <p:cNvSpPr/>
+          <p:nvPr/>
+        </p:nvSpPr>
+        <p:spPr>
+          <a:xfrm>
+            <a:off x="6391441" y="2175344"/>
+            <a:ext cx="2916440" cy="409696"/>
+          </a:xfrm>
+          <a:prstGeom prst="roundRect">
+            <a:avLst/>
+          </a:prstGeom>
+          <a:noFill/>
+          <a:ln w="28575">
+            <a:solidFill>
+              <a:schemeClr val="accent2">
+                <a:lumMod val="50000"/>
+              </a:schemeClr>
+            </a:solidFill>
+          </a:ln>
+        </p:spPr>
+        <p:style>
+          <a:lnRef idx="2">
+            <a:schemeClr val="accent1">
+              <a:shade val="50000"/>
+            </a:schemeClr>
+          </a:lnRef>
+          <a:fillRef idx="1">
+            <a:schemeClr val="accent1"/>
+          </a:fillRef>
+          <a:effectRef idx="0">
+            <a:schemeClr val="accent1"/>
+          </a:effectRef>
+          <a:fontRef idx="minor">
+            <a:schemeClr val="lt1"/>
+          </a:fontRef>
+        </p:style>
+        <p:txBody>
+          <a:bodyPr rtlCol="0" anchor="ctr"/>
+          <a:lstStyle/>
+          <a:p>
+            <a:pPr algn="ctr"/>
+            <a:endParaRPr lang="fr-FR" dirty="0"/>
+          </a:p>
+        </p:txBody>
+      </p:sp>
+      <p:cxnSp>
+        <p:nvCxnSpPr>
+          <p:cNvPr id="31" name="Connecteur droit 30">
+            <a:extLst>
+              <a:ext uri="{FF2B5EF4-FFF2-40B4-BE49-F238E27FC236}">
+                <a16:creationId xmlns:a16="http://schemas.microsoft.com/office/drawing/2014/main" id="{ACAF0760-ACEC-414D-8770-D3F3BABA09F2}"/>
+              </a:ext>
+            </a:extLst>
+          </p:cNvPr>
+          <p:cNvCxnSpPr>
+            <a:stCxn id="3" idx="3"/>
+          </p:cNvCxnSpPr>
+          <p:nvPr/>
+        </p:nvCxnSpPr>
+        <p:spPr>
+          <a:xfrm>
+            <a:off x="4742329" y="1048871"/>
+            <a:ext cx="1536551" cy="376069"/>
+          </a:xfrm>
+          <a:prstGeom prst="line">
+            <a:avLst/>
+          </a:prstGeom>
+          <a:ln>
+            <a:solidFill>
+              <a:schemeClr val="accent2">
+                <a:lumMod val="50000"/>
+              </a:schemeClr>
+            </a:solidFill>
+          </a:ln>
+        </p:spPr>
+        <p:style>
+          <a:lnRef idx="3">
+            <a:schemeClr val="accent2"/>
+          </a:lnRef>
+          <a:fillRef idx="0">
+            <a:schemeClr val="accent2"/>
+          </a:fillRef>
+          <a:effectRef idx="2">
+            <a:schemeClr val="accent2"/>
+          </a:effectRef>
+          <a:fontRef idx="minor">
+            <a:schemeClr val="tx1"/>
+          </a:fontRef>
+        </p:style>
+      </p:cxnSp>
+      <p:cxnSp>
+        <p:nvCxnSpPr>
+          <p:cNvPr id="33" name="Connecteur droit 32">
+            <a:extLst>
+              <a:ext uri="{FF2B5EF4-FFF2-40B4-BE49-F238E27FC236}">
+                <a16:creationId xmlns:a16="http://schemas.microsoft.com/office/drawing/2014/main" id="{37F8E966-7D5B-4A1B-A8D5-2015DD812749}"/>
+              </a:ext>
+            </a:extLst>
+          </p:cNvPr>
+          <p:cNvCxnSpPr>
+            <a:endCxn id="29" idx="1"/>
+          </p:cNvCxnSpPr>
+          <p:nvPr/>
+        </p:nvCxnSpPr>
+        <p:spPr>
+          <a:xfrm>
+            <a:off x="3935506" y="2095500"/>
+            <a:ext cx="2455935" cy="284692"/>
+          </a:xfrm>
+          <a:prstGeom prst="line">
+            <a:avLst/>
+          </a:prstGeom>
+          <a:ln>
+            <a:solidFill>
+              <a:schemeClr val="accent2">
+                <a:lumMod val="50000"/>
+              </a:schemeClr>
+            </a:solidFill>
+          </a:ln>
+        </p:spPr>
+        <p:style>
+          <a:lnRef idx="3">
+            <a:schemeClr val="accent2"/>
+          </a:lnRef>
+          <a:fillRef idx="0">
+            <a:schemeClr val="accent2"/>
+          </a:fillRef>
+          <a:effectRef idx="2">
+            <a:schemeClr val="accent2"/>
+          </a:effectRef>
+          <a:fontRef idx="minor">
+            <a:schemeClr val="tx1"/>
+          </a:fontRef>
+        </p:style>
+      </p:cxnSp>
+      <p:pic>
+        <p:nvPicPr>
+          <p:cNvPr id="35" name="Image 34">
+            <a:extLst>
+              <a:ext uri="{FF2B5EF4-FFF2-40B4-BE49-F238E27FC236}">
+                <a16:creationId xmlns:a16="http://schemas.microsoft.com/office/drawing/2014/main" id="{F4F8F31E-C7BC-4404-9935-6A901446F212}"/>
+              </a:ext>
+            </a:extLst>
+          </p:cNvPr>
+          <p:cNvPicPr>
+            <a:picLocks noChangeAspect="1"/>
+          </p:cNvPicPr>
+          <p:nvPr/>
+        </p:nvPicPr>
+        <p:blipFill>
+          <a:blip r:embed="rId7"/>
+          <a:stretch>
+            <a:fillRect/>
+          </a:stretch>
+        </p:blipFill>
+        <p:spPr>
+          <a:xfrm>
+            <a:off x="9594192" y="2873182"/>
+            <a:ext cx="1988208" cy="300416"/>
+          </a:xfrm>
+          <a:prstGeom prst="rect">
+            <a:avLst/>
+          </a:prstGeom>
+        </p:spPr>
+      </p:pic>
+      <p:sp>
+        <p:nvSpPr>
+          <p:cNvPr id="37" name="Rectangle : coins arrondis 36">
+            <a:extLst>
+              <a:ext uri="{FF2B5EF4-FFF2-40B4-BE49-F238E27FC236}">
+                <a16:creationId xmlns:a16="http://schemas.microsoft.com/office/drawing/2014/main" id="{1B6C5A9C-4FC9-44B0-B161-8DC7E5EDC421}"/>
+              </a:ext>
+            </a:extLst>
+          </p:cNvPr>
+          <p:cNvSpPr/>
+          <p:nvPr/>
+        </p:nvSpPr>
+        <p:spPr>
+          <a:xfrm>
+            <a:off x="8119161" y="2907632"/>
+            <a:ext cx="929590" cy="170330"/>
+          </a:xfrm>
+          <a:prstGeom prst="roundRect">
+            <a:avLst/>
+          </a:prstGeom>
+          <a:noFill/>
+          <a:ln>
+            <a:solidFill>
+              <a:schemeClr val="accent2">
+                <a:lumMod val="50000"/>
+              </a:schemeClr>
+            </a:solidFill>
+          </a:ln>
+        </p:spPr>
+        <p:style>
+          <a:lnRef idx="2">
+            <a:schemeClr val="accent1">
+              <a:shade val="50000"/>
+            </a:schemeClr>
+          </a:lnRef>
+          <a:fillRef idx="1">
+            <a:schemeClr val="accent1"/>
+          </a:fillRef>
+          <a:effectRef idx="0">
+            <a:schemeClr val="accent1"/>
+          </a:effectRef>
+          <a:fontRef idx="minor">
+            <a:schemeClr val="lt1"/>
+          </a:fontRef>
+        </p:style>
+        <p:txBody>
+          <a:bodyPr rtlCol="0" anchor="ctr"/>
+          <a:lstStyle/>
+          <a:p>
+            <a:pPr algn="ctr"/>
+            <a:endParaRPr lang="fr-FR"/>
+          </a:p>
+        </p:txBody>
+      </p:sp>
+      <p:cxnSp>
+        <p:nvCxnSpPr>
+          <p:cNvPr id="38" name="Connecteur droit 37">
+            <a:extLst>
+              <a:ext uri="{FF2B5EF4-FFF2-40B4-BE49-F238E27FC236}">
+                <a16:creationId xmlns:a16="http://schemas.microsoft.com/office/drawing/2014/main" id="{EB844CA3-8238-4C8F-9B1D-834838235B82}"/>
+              </a:ext>
+            </a:extLst>
+          </p:cNvPr>
+          <p:cNvCxnSpPr>
+            <a:cxnSpLocks/>
+          </p:cNvCxnSpPr>
+          <p:nvPr/>
+        </p:nvCxnSpPr>
+        <p:spPr>
+          <a:xfrm>
+            <a:off x="9048751" y="3035304"/>
+            <a:ext cx="488949" cy="0"/>
+          </a:xfrm>
+          <a:prstGeom prst="line">
+            <a:avLst/>
+          </a:prstGeom>
+          <a:ln>
+            <a:solidFill>
+              <a:schemeClr val="accent2">
+                <a:lumMod val="50000"/>
+              </a:schemeClr>
+            </a:solidFill>
+          </a:ln>
+        </p:spPr>
+        <p:style>
+          <a:lnRef idx="3">
+            <a:schemeClr val="accent2"/>
+          </a:lnRef>
+          <a:fillRef idx="0">
+            <a:schemeClr val="accent2"/>
+          </a:fillRef>
+          <a:effectRef idx="2">
+            <a:schemeClr val="accent2"/>
+          </a:effectRef>
+          <a:fontRef idx="minor">
+            <a:schemeClr val="tx1"/>
+          </a:fontRef>
+        </p:style>
+      </p:cxnSp>
+      <p:sp>
+        <p:nvSpPr>
+          <p:cNvPr id="42" name="Rectangle : coins arrondis 41">
+            <a:extLst>
+              <a:ext uri="{FF2B5EF4-FFF2-40B4-BE49-F238E27FC236}">
+                <a16:creationId xmlns:a16="http://schemas.microsoft.com/office/drawing/2014/main" id="{DF2668DC-6DAD-4E0E-8E29-2A48F0F72143}"/>
+              </a:ext>
+            </a:extLst>
+          </p:cNvPr>
+          <p:cNvSpPr/>
+          <p:nvPr/>
+        </p:nvSpPr>
+        <p:spPr>
+          <a:xfrm>
+            <a:off x="9537700" y="2834002"/>
+            <a:ext cx="2095500" cy="409696"/>
+          </a:xfrm>
+          <a:prstGeom prst="roundRect">
+            <a:avLst/>
+          </a:prstGeom>
+          <a:noFill/>
+          <a:ln w="28575">
+            <a:solidFill>
+              <a:schemeClr val="accent2">
+                <a:lumMod val="50000"/>
+              </a:schemeClr>
+            </a:solidFill>
+          </a:ln>
+        </p:spPr>
+        <p:style>
+          <a:lnRef idx="2">
+            <a:schemeClr val="accent1">
+              <a:shade val="50000"/>
+            </a:schemeClr>
+          </a:lnRef>
+          <a:fillRef idx="1">
+            <a:schemeClr val="accent1"/>
+          </a:fillRef>
+          <a:effectRef idx="0">
+            <a:schemeClr val="accent1"/>
+          </a:effectRef>
+          <a:fontRef idx="minor">
+            <a:schemeClr val="lt1"/>
+          </a:fontRef>
+        </p:style>
+        <p:txBody>
+          <a:bodyPr rtlCol="0" anchor="ctr"/>
+          <a:lstStyle/>
+          <a:p>
+            <a:pPr algn="ctr"/>
+            <a:endParaRPr lang="fr-FR" dirty="0"/>
+          </a:p>
+        </p:txBody>
+      </p:sp>
     </p:spTree>
     <p:extLst>
       <p:ext uri="{BB962C8B-B14F-4D97-AF65-F5344CB8AC3E}">
@@ -25775,10 +26611,735 @@
   <p:clrMapOvr>
     <a:masterClrMapping/>
   </p:clrMapOvr>
+  <p:timing>
+    <p:tnLst>
+      <p:par>
+        <p:cTn id="1" dur="indefinite" restart="never" nodeType="tmRoot">
+          <p:childTnLst>
+            <p:seq concurrent="1" nextAc="seek">
+              <p:cTn id="2" dur="indefinite" nodeType="mainSeq">
+                <p:childTnLst>
+                  <p:par>
+                    <p:cTn id="3" fill="hold">
+                      <p:stCondLst>
+                        <p:cond delay="indefinite"/>
+                      </p:stCondLst>
+                      <p:childTnLst>
+                        <p:par>
+                          <p:cTn id="4" fill="hold">
+                            <p:stCondLst>
+                              <p:cond delay="0"/>
+                            </p:stCondLst>
+                            <p:childTnLst>
+                              <p:par>
+                                <p:cTn id="5" presetID="10" presetClass="entr" presetSubtype="0" fill="hold" nodeType="clickEffect">
+                                  <p:stCondLst>
+                                    <p:cond delay="0"/>
+                                  </p:stCondLst>
+                                  <p:childTnLst>
+                                    <p:set>
+                                      <p:cBhvr>
+                                        <p:cTn id="6" dur="1" fill="hold">
+                                          <p:stCondLst>
+                                            <p:cond delay="0"/>
+                                          </p:stCondLst>
+                                        </p:cTn>
+                                        <p:tgtEl>
+                                          <p:spTgt spid="34"/>
+                                        </p:tgtEl>
+                                        <p:attrNameLst>
+                                          <p:attrName>style.visibility</p:attrName>
+                                        </p:attrNameLst>
+                                      </p:cBhvr>
+                                      <p:to>
+                                        <p:strVal val="visible"/>
+                                      </p:to>
+                                    </p:set>
+                                    <p:animEffect transition="in" filter="fade">
+                                      <p:cBhvr>
+                                        <p:cTn id="7" dur="500"/>
+                                        <p:tgtEl>
+                                          <p:spTgt spid="34"/>
+                                        </p:tgtEl>
+                                      </p:cBhvr>
+                                    </p:animEffect>
+                                  </p:childTnLst>
+                                </p:cTn>
+                              </p:par>
+                            </p:childTnLst>
+                          </p:cTn>
+                        </p:par>
+                      </p:childTnLst>
+                    </p:cTn>
+                  </p:par>
+                  <p:par>
+                    <p:cTn id="8" fill="hold">
+                      <p:stCondLst>
+                        <p:cond delay="indefinite"/>
+                      </p:stCondLst>
+                      <p:childTnLst>
+                        <p:par>
+                          <p:cTn id="9" fill="hold">
+                            <p:stCondLst>
+                              <p:cond delay="0"/>
+                            </p:stCondLst>
+                            <p:childTnLst>
+                              <p:par>
+                                <p:cTn id="10" presetID="10" presetClass="entr" presetSubtype="0" fill="hold" grpId="0" nodeType="clickEffect">
+                                  <p:stCondLst>
+                                    <p:cond delay="0"/>
+                                  </p:stCondLst>
+                                  <p:childTnLst>
+                                    <p:set>
+                                      <p:cBhvr>
+                                        <p:cTn id="11" dur="1" fill="hold">
+                                          <p:stCondLst>
+                                            <p:cond delay="0"/>
+                                          </p:stCondLst>
+                                        </p:cTn>
+                                        <p:tgtEl>
+                                          <p:spTgt spid="9"/>
+                                        </p:tgtEl>
+                                        <p:attrNameLst>
+                                          <p:attrName>style.visibility</p:attrName>
+                                        </p:attrNameLst>
+                                      </p:cBhvr>
+                                      <p:to>
+                                        <p:strVal val="visible"/>
+                                      </p:to>
+                                    </p:set>
+                                    <p:animEffect transition="in" filter="fade">
+                                      <p:cBhvr>
+                                        <p:cTn id="12" dur="500"/>
+                                        <p:tgtEl>
+                                          <p:spTgt spid="9"/>
+                                        </p:tgtEl>
+                                      </p:cBhvr>
+                                    </p:animEffect>
+                                  </p:childTnLst>
+                                </p:cTn>
+                              </p:par>
+                              <p:par>
+                                <p:cTn id="13" presetID="10" presetClass="entr" presetSubtype="0" fill="hold" nodeType="withEffect">
+                                  <p:stCondLst>
+                                    <p:cond delay="0"/>
+                                  </p:stCondLst>
+                                  <p:childTnLst>
+                                    <p:set>
+                                      <p:cBhvr>
+                                        <p:cTn id="14" dur="1" fill="hold">
+                                          <p:stCondLst>
+                                            <p:cond delay="0"/>
+                                          </p:stCondLst>
+                                        </p:cTn>
+                                        <p:tgtEl>
+                                          <p:spTgt spid="16"/>
+                                        </p:tgtEl>
+                                        <p:attrNameLst>
+                                          <p:attrName>style.visibility</p:attrName>
+                                        </p:attrNameLst>
+                                      </p:cBhvr>
+                                      <p:to>
+                                        <p:strVal val="visible"/>
+                                      </p:to>
+                                    </p:set>
+                                    <p:animEffect transition="in" filter="fade">
+                                      <p:cBhvr>
+                                        <p:cTn id="15" dur="500"/>
+                                        <p:tgtEl>
+                                          <p:spTgt spid="16"/>
+                                        </p:tgtEl>
+                                      </p:cBhvr>
+                                    </p:animEffect>
+                                  </p:childTnLst>
+                                </p:cTn>
+                              </p:par>
+                              <p:par>
+                                <p:cTn id="16" presetID="10" presetClass="entr" presetSubtype="0" fill="hold" grpId="0" nodeType="withEffect">
+                                  <p:stCondLst>
+                                    <p:cond delay="0"/>
+                                  </p:stCondLst>
+                                  <p:childTnLst>
+                                    <p:set>
+                                      <p:cBhvr>
+                                        <p:cTn id="17" dur="1" fill="hold">
+                                          <p:stCondLst>
+                                            <p:cond delay="0"/>
+                                          </p:stCondLst>
+                                        </p:cTn>
+                                        <p:tgtEl>
+                                          <p:spTgt spid="25"/>
+                                        </p:tgtEl>
+                                        <p:attrNameLst>
+                                          <p:attrName>style.visibility</p:attrName>
+                                        </p:attrNameLst>
+                                      </p:cBhvr>
+                                      <p:to>
+                                        <p:strVal val="visible"/>
+                                      </p:to>
+                                    </p:set>
+                                    <p:animEffect transition="in" filter="fade">
+                                      <p:cBhvr>
+                                        <p:cTn id="18" dur="500"/>
+                                        <p:tgtEl>
+                                          <p:spTgt spid="25"/>
+                                        </p:tgtEl>
+                                      </p:cBhvr>
+                                    </p:animEffect>
+                                  </p:childTnLst>
+                                </p:cTn>
+                              </p:par>
+                              <p:par>
+                                <p:cTn id="19" presetID="10" presetClass="entr" presetSubtype="0" fill="hold" nodeType="withEffect">
+                                  <p:stCondLst>
+                                    <p:cond delay="0"/>
+                                  </p:stCondLst>
+                                  <p:childTnLst>
+                                    <p:set>
+                                      <p:cBhvr>
+                                        <p:cTn id="20" dur="1" fill="hold">
+                                          <p:stCondLst>
+                                            <p:cond delay="0"/>
+                                          </p:stCondLst>
+                                        </p:cTn>
+                                        <p:tgtEl>
+                                          <p:spTgt spid="17"/>
+                                        </p:tgtEl>
+                                        <p:attrNameLst>
+                                          <p:attrName>style.visibility</p:attrName>
+                                        </p:attrNameLst>
+                                      </p:cBhvr>
+                                      <p:to>
+                                        <p:strVal val="visible"/>
+                                      </p:to>
+                                    </p:set>
+                                    <p:animEffect transition="in" filter="fade">
+                                      <p:cBhvr>
+                                        <p:cTn id="21" dur="500"/>
+                                        <p:tgtEl>
+                                          <p:spTgt spid="17"/>
+                                        </p:tgtEl>
+                                      </p:cBhvr>
+                                    </p:animEffect>
+                                  </p:childTnLst>
+                                </p:cTn>
+                              </p:par>
+                            </p:childTnLst>
+                          </p:cTn>
+                        </p:par>
+                      </p:childTnLst>
+                    </p:cTn>
+                  </p:par>
+                  <p:par>
+                    <p:cTn id="22" fill="hold">
+                      <p:stCondLst>
+                        <p:cond delay="indefinite"/>
+                      </p:stCondLst>
+                      <p:childTnLst>
+                        <p:par>
+                          <p:cTn id="23" fill="hold">
+                            <p:stCondLst>
+                              <p:cond delay="0"/>
+                            </p:stCondLst>
+                            <p:childTnLst>
+                              <p:par>
+                                <p:cTn id="24" presetID="10" presetClass="entr" presetSubtype="0" fill="hold" grpId="0" nodeType="clickEffect">
+                                  <p:stCondLst>
+                                    <p:cond delay="0"/>
+                                  </p:stCondLst>
+                                  <p:childTnLst>
+                                    <p:set>
+                                      <p:cBhvr>
+                                        <p:cTn id="25" dur="1" fill="hold">
+                                          <p:stCondLst>
+                                            <p:cond delay="0"/>
+                                          </p:stCondLst>
+                                        </p:cTn>
+                                        <p:tgtEl>
+                                          <p:spTgt spid="3"/>
+                                        </p:tgtEl>
+                                        <p:attrNameLst>
+                                          <p:attrName>style.visibility</p:attrName>
+                                        </p:attrNameLst>
+                                      </p:cBhvr>
+                                      <p:to>
+                                        <p:strVal val="visible"/>
+                                      </p:to>
+                                    </p:set>
+                                    <p:animEffect transition="in" filter="fade">
+                                      <p:cBhvr>
+                                        <p:cTn id="26" dur="500"/>
+                                        <p:tgtEl>
+                                          <p:spTgt spid="3"/>
+                                        </p:tgtEl>
+                                      </p:cBhvr>
+                                    </p:animEffect>
+                                  </p:childTnLst>
+                                </p:cTn>
+                              </p:par>
+                              <p:par>
+                                <p:cTn id="27" presetID="10" presetClass="entr" presetSubtype="0" fill="hold" nodeType="withEffect">
+                                  <p:stCondLst>
+                                    <p:cond delay="0"/>
+                                  </p:stCondLst>
+                                  <p:childTnLst>
+                                    <p:set>
+                                      <p:cBhvr>
+                                        <p:cTn id="28" dur="1" fill="hold">
+                                          <p:stCondLst>
+                                            <p:cond delay="0"/>
+                                          </p:stCondLst>
+                                        </p:cTn>
+                                        <p:tgtEl>
+                                          <p:spTgt spid="31"/>
+                                        </p:tgtEl>
+                                        <p:attrNameLst>
+                                          <p:attrName>style.visibility</p:attrName>
+                                        </p:attrNameLst>
+                                      </p:cBhvr>
+                                      <p:to>
+                                        <p:strVal val="visible"/>
+                                      </p:to>
+                                    </p:set>
+                                    <p:animEffect transition="in" filter="fade">
+                                      <p:cBhvr>
+                                        <p:cTn id="29" dur="500"/>
+                                        <p:tgtEl>
+                                          <p:spTgt spid="31"/>
+                                        </p:tgtEl>
+                                      </p:cBhvr>
+                                    </p:animEffect>
+                                  </p:childTnLst>
+                                </p:cTn>
+                              </p:par>
+                              <p:par>
+                                <p:cTn id="30" presetID="10" presetClass="entr" presetSubtype="0" fill="hold" grpId="0" nodeType="withEffect">
+                                  <p:stCondLst>
+                                    <p:cond delay="0"/>
+                                  </p:stCondLst>
+                                  <p:childTnLst>
+                                    <p:set>
+                                      <p:cBhvr>
+                                        <p:cTn id="31" dur="1" fill="hold">
+                                          <p:stCondLst>
+                                            <p:cond delay="0"/>
+                                          </p:stCondLst>
+                                        </p:cTn>
+                                        <p:tgtEl>
+                                          <p:spTgt spid="27"/>
+                                        </p:tgtEl>
+                                        <p:attrNameLst>
+                                          <p:attrName>style.visibility</p:attrName>
+                                        </p:attrNameLst>
+                                      </p:cBhvr>
+                                      <p:to>
+                                        <p:strVal val="visible"/>
+                                      </p:to>
+                                    </p:set>
+                                    <p:animEffect transition="in" filter="fade">
+                                      <p:cBhvr>
+                                        <p:cTn id="32" dur="500"/>
+                                        <p:tgtEl>
+                                          <p:spTgt spid="27"/>
+                                        </p:tgtEl>
+                                      </p:cBhvr>
+                                    </p:animEffect>
+                                  </p:childTnLst>
+                                </p:cTn>
+                              </p:par>
+                              <p:par>
+                                <p:cTn id="33" presetID="10" presetClass="entr" presetSubtype="0" fill="hold" nodeType="withEffect">
+                                  <p:stCondLst>
+                                    <p:cond delay="0"/>
+                                  </p:stCondLst>
+                                  <p:childTnLst>
+                                    <p:set>
+                                      <p:cBhvr>
+                                        <p:cTn id="34" dur="1" fill="hold">
+                                          <p:stCondLst>
+                                            <p:cond delay="0"/>
+                                          </p:stCondLst>
+                                        </p:cTn>
+                                        <p:tgtEl>
+                                          <p:spTgt spid="19"/>
+                                        </p:tgtEl>
+                                        <p:attrNameLst>
+                                          <p:attrName>style.visibility</p:attrName>
+                                        </p:attrNameLst>
+                                      </p:cBhvr>
+                                      <p:to>
+                                        <p:strVal val="visible"/>
+                                      </p:to>
+                                    </p:set>
+                                    <p:animEffect transition="in" filter="fade">
+                                      <p:cBhvr>
+                                        <p:cTn id="35" dur="500"/>
+                                        <p:tgtEl>
+                                          <p:spTgt spid="19"/>
+                                        </p:tgtEl>
+                                      </p:cBhvr>
+                                    </p:animEffect>
+                                  </p:childTnLst>
+                                </p:cTn>
+                              </p:par>
+                            </p:childTnLst>
+                          </p:cTn>
+                        </p:par>
+                      </p:childTnLst>
+                    </p:cTn>
+                  </p:par>
+                  <p:par>
+                    <p:cTn id="36" fill="hold">
+                      <p:stCondLst>
+                        <p:cond delay="indefinite"/>
+                      </p:stCondLst>
+                      <p:childTnLst>
+                        <p:par>
+                          <p:cTn id="37" fill="hold">
+                            <p:stCondLst>
+                              <p:cond delay="0"/>
+                            </p:stCondLst>
+                            <p:childTnLst>
+                              <p:par>
+                                <p:cTn id="38" presetID="10" presetClass="entr" presetSubtype="0" fill="hold" grpId="0" nodeType="clickEffect">
+                                  <p:stCondLst>
+                                    <p:cond delay="0"/>
+                                  </p:stCondLst>
+                                  <p:childTnLst>
+                                    <p:set>
+                                      <p:cBhvr>
+                                        <p:cTn id="39" dur="1" fill="hold">
+                                          <p:stCondLst>
+                                            <p:cond delay="0"/>
+                                          </p:stCondLst>
+                                        </p:cTn>
+                                        <p:tgtEl>
+                                          <p:spTgt spid="7"/>
+                                        </p:tgtEl>
+                                        <p:attrNameLst>
+                                          <p:attrName>style.visibility</p:attrName>
+                                        </p:attrNameLst>
+                                      </p:cBhvr>
+                                      <p:to>
+                                        <p:strVal val="visible"/>
+                                      </p:to>
+                                    </p:set>
+                                    <p:animEffect transition="in" filter="fade">
+                                      <p:cBhvr>
+                                        <p:cTn id="40" dur="500"/>
+                                        <p:tgtEl>
+                                          <p:spTgt spid="7"/>
+                                        </p:tgtEl>
+                                      </p:cBhvr>
+                                    </p:animEffect>
+                                  </p:childTnLst>
+                                </p:cTn>
+                              </p:par>
+                              <p:par>
+                                <p:cTn id="41" presetID="10" presetClass="entr" presetSubtype="0" fill="hold" nodeType="withEffect">
+                                  <p:stCondLst>
+                                    <p:cond delay="0"/>
+                                  </p:stCondLst>
+                                  <p:childTnLst>
+                                    <p:set>
+                                      <p:cBhvr>
+                                        <p:cTn id="42" dur="1" fill="hold">
+                                          <p:stCondLst>
+                                            <p:cond delay="0"/>
+                                          </p:stCondLst>
+                                        </p:cTn>
+                                        <p:tgtEl>
+                                          <p:spTgt spid="33"/>
+                                        </p:tgtEl>
+                                        <p:attrNameLst>
+                                          <p:attrName>style.visibility</p:attrName>
+                                        </p:attrNameLst>
+                                      </p:cBhvr>
+                                      <p:to>
+                                        <p:strVal val="visible"/>
+                                      </p:to>
+                                    </p:set>
+                                    <p:animEffect transition="in" filter="fade">
+                                      <p:cBhvr>
+                                        <p:cTn id="43" dur="500"/>
+                                        <p:tgtEl>
+                                          <p:spTgt spid="33"/>
+                                        </p:tgtEl>
+                                      </p:cBhvr>
+                                    </p:animEffect>
+                                  </p:childTnLst>
+                                </p:cTn>
+                              </p:par>
+                              <p:par>
+                                <p:cTn id="44" presetID="10" presetClass="entr" presetSubtype="0" fill="hold" grpId="0" nodeType="withEffect">
+                                  <p:stCondLst>
+                                    <p:cond delay="0"/>
+                                  </p:stCondLst>
+                                  <p:childTnLst>
+                                    <p:set>
+                                      <p:cBhvr>
+                                        <p:cTn id="45" dur="1" fill="hold">
+                                          <p:stCondLst>
+                                            <p:cond delay="0"/>
+                                          </p:stCondLst>
+                                        </p:cTn>
+                                        <p:tgtEl>
+                                          <p:spTgt spid="29"/>
+                                        </p:tgtEl>
+                                        <p:attrNameLst>
+                                          <p:attrName>style.visibility</p:attrName>
+                                        </p:attrNameLst>
+                                      </p:cBhvr>
+                                      <p:to>
+                                        <p:strVal val="visible"/>
+                                      </p:to>
+                                    </p:set>
+                                    <p:animEffect transition="in" filter="fade">
+                                      <p:cBhvr>
+                                        <p:cTn id="46" dur="500"/>
+                                        <p:tgtEl>
+                                          <p:spTgt spid="29"/>
+                                        </p:tgtEl>
+                                      </p:cBhvr>
+                                    </p:animEffect>
+                                  </p:childTnLst>
+                                </p:cTn>
+                              </p:par>
+                              <p:par>
+                                <p:cTn id="47" presetID="10" presetClass="entr" presetSubtype="0" fill="hold" nodeType="withEffect">
+                                  <p:stCondLst>
+                                    <p:cond delay="0"/>
+                                  </p:stCondLst>
+                                  <p:childTnLst>
+                                    <p:set>
+                                      <p:cBhvr>
+                                        <p:cTn id="48" dur="1" fill="hold">
+                                          <p:stCondLst>
+                                            <p:cond delay="0"/>
+                                          </p:stCondLst>
+                                        </p:cTn>
+                                        <p:tgtEl>
+                                          <p:spTgt spid="20"/>
+                                        </p:tgtEl>
+                                        <p:attrNameLst>
+                                          <p:attrName>style.visibility</p:attrName>
+                                        </p:attrNameLst>
+                                      </p:cBhvr>
+                                      <p:to>
+                                        <p:strVal val="visible"/>
+                                      </p:to>
+                                    </p:set>
+                                    <p:animEffect transition="in" filter="fade">
+                                      <p:cBhvr>
+                                        <p:cTn id="49" dur="500"/>
+                                        <p:tgtEl>
+                                          <p:spTgt spid="20"/>
+                                        </p:tgtEl>
+                                      </p:cBhvr>
+                                    </p:animEffect>
+                                  </p:childTnLst>
+                                </p:cTn>
+                              </p:par>
+                            </p:childTnLst>
+                          </p:cTn>
+                        </p:par>
+                      </p:childTnLst>
+                    </p:cTn>
+                  </p:par>
+                  <p:par>
+                    <p:cTn id="50" fill="hold">
+                      <p:stCondLst>
+                        <p:cond delay="indefinite"/>
+                      </p:stCondLst>
+                      <p:childTnLst>
+                        <p:par>
+                          <p:cTn id="51" fill="hold">
+                            <p:stCondLst>
+                              <p:cond delay="0"/>
+                            </p:stCondLst>
+                            <p:childTnLst>
+                              <p:par>
+                                <p:cTn id="52" presetID="10" presetClass="entr" presetSubtype="0" fill="hold" nodeType="clickEffect">
+                                  <p:stCondLst>
+                                    <p:cond delay="0"/>
+                                  </p:stCondLst>
+                                  <p:childTnLst>
+                                    <p:set>
+                                      <p:cBhvr>
+                                        <p:cTn id="53" dur="1" fill="hold">
+                                          <p:stCondLst>
+                                            <p:cond delay="0"/>
+                                          </p:stCondLst>
+                                        </p:cTn>
+                                        <p:tgtEl>
+                                          <p:spTgt spid="35"/>
+                                        </p:tgtEl>
+                                        <p:attrNameLst>
+                                          <p:attrName>style.visibility</p:attrName>
+                                        </p:attrNameLst>
+                                      </p:cBhvr>
+                                      <p:to>
+                                        <p:strVal val="visible"/>
+                                      </p:to>
+                                    </p:set>
+                                    <p:animEffect transition="in" filter="fade">
+                                      <p:cBhvr>
+                                        <p:cTn id="54" dur="500"/>
+                                        <p:tgtEl>
+                                          <p:spTgt spid="35"/>
+                                        </p:tgtEl>
+                                      </p:cBhvr>
+                                    </p:animEffect>
+                                  </p:childTnLst>
+                                </p:cTn>
+                              </p:par>
+                              <p:par>
+                                <p:cTn id="55" presetID="10" presetClass="entr" presetSubtype="0" fill="hold" grpId="0" nodeType="withEffect">
+                                  <p:stCondLst>
+                                    <p:cond delay="0"/>
+                                  </p:stCondLst>
+                                  <p:childTnLst>
+                                    <p:set>
+                                      <p:cBhvr>
+                                        <p:cTn id="56" dur="1" fill="hold">
+                                          <p:stCondLst>
+                                            <p:cond delay="0"/>
+                                          </p:stCondLst>
+                                        </p:cTn>
+                                        <p:tgtEl>
+                                          <p:spTgt spid="37"/>
+                                        </p:tgtEl>
+                                        <p:attrNameLst>
+                                          <p:attrName>style.visibility</p:attrName>
+                                        </p:attrNameLst>
+                                      </p:cBhvr>
+                                      <p:to>
+                                        <p:strVal val="visible"/>
+                                      </p:to>
+                                    </p:set>
+                                    <p:animEffect transition="in" filter="fade">
+                                      <p:cBhvr>
+                                        <p:cTn id="57" dur="500"/>
+                                        <p:tgtEl>
+                                          <p:spTgt spid="37"/>
+                                        </p:tgtEl>
+                                      </p:cBhvr>
+                                    </p:animEffect>
+                                  </p:childTnLst>
+                                </p:cTn>
+                              </p:par>
+                              <p:par>
+                                <p:cTn id="58" presetID="10" presetClass="entr" presetSubtype="0" fill="hold" nodeType="withEffect">
+                                  <p:stCondLst>
+                                    <p:cond delay="0"/>
+                                  </p:stCondLst>
+                                  <p:childTnLst>
+                                    <p:set>
+                                      <p:cBhvr>
+                                        <p:cTn id="59" dur="1" fill="hold">
+                                          <p:stCondLst>
+                                            <p:cond delay="0"/>
+                                          </p:stCondLst>
+                                        </p:cTn>
+                                        <p:tgtEl>
+                                          <p:spTgt spid="38"/>
+                                        </p:tgtEl>
+                                        <p:attrNameLst>
+                                          <p:attrName>style.visibility</p:attrName>
+                                        </p:attrNameLst>
+                                      </p:cBhvr>
+                                      <p:to>
+                                        <p:strVal val="visible"/>
+                                      </p:to>
+                                    </p:set>
+                                    <p:animEffect transition="in" filter="fade">
+                                      <p:cBhvr>
+                                        <p:cTn id="60" dur="500"/>
+                                        <p:tgtEl>
+                                          <p:spTgt spid="38"/>
+                                        </p:tgtEl>
+                                      </p:cBhvr>
+                                    </p:animEffect>
+                                  </p:childTnLst>
+                                </p:cTn>
+                              </p:par>
+                              <p:par>
+                                <p:cTn id="61" presetID="10" presetClass="entr" presetSubtype="0" fill="hold" grpId="0" nodeType="withEffect">
+                                  <p:stCondLst>
+                                    <p:cond delay="0"/>
+                                  </p:stCondLst>
+                                  <p:childTnLst>
+                                    <p:set>
+                                      <p:cBhvr>
+                                        <p:cTn id="62" dur="1" fill="hold">
+                                          <p:stCondLst>
+                                            <p:cond delay="0"/>
+                                          </p:stCondLst>
+                                        </p:cTn>
+                                        <p:tgtEl>
+                                          <p:spTgt spid="42"/>
+                                        </p:tgtEl>
+                                        <p:attrNameLst>
+                                          <p:attrName>style.visibility</p:attrName>
+                                        </p:attrNameLst>
+                                      </p:cBhvr>
+                                      <p:to>
+                                        <p:strVal val="visible"/>
+                                      </p:to>
+                                    </p:set>
+                                    <p:animEffect transition="in" filter="fade">
+                                      <p:cBhvr>
+                                        <p:cTn id="63" dur="500"/>
+                                        <p:tgtEl>
+                                          <p:spTgt spid="42"/>
+                                        </p:tgtEl>
+                                      </p:cBhvr>
+                                    </p:animEffect>
+                                  </p:childTnLst>
+                                </p:cTn>
+                              </p:par>
+                            </p:childTnLst>
+                          </p:cTn>
+                        </p:par>
+                      </p:childTnLst>
+                    </p:cTn>
+                  </p:par>
+                </p:childTnLst>
+              </p:cTn>
+              <p:prevCondLst>
+                <p:cond evt="onPrev" delay="0">
+                  <p:tgtEl>
+                    <p:sldTgt/>
+                  </p:tgtEl>
+                </p:cond>
+              </p:prevCondLst>
+              <p:nextCondLst>
+                <p:cond evt="onNext" delay="0">
+                  <p:tgtEl>
+                    <p:sldTgt/>
+                  </p:tgtEl>
+                </p:cond>
+              </p:nextCondLst>
+            </p:seq>
+          </p:childTnLst>
+        </p:cTn>
+      </p:par>
+    </p:tnLst>
+    <p:bldLst>
+      <p:bldP spid="3" grpId="0" animBg="1"/>
+      <p:bldP spid="7" grpId="0" animBg="1"/>
+      <p:bldP spid="9" grpId="0" animBg="1"/>
+      <p:bldP spid="25" grpId="0" animBg="1"/>
+      <p:bldP spid="27" grpId="0" animBg="1"/>
+      <p:bldP spid="29" grpId="0" animBg="1"/>
+      <p:bldP spid="37" grpId="0" animBg="1"/>
+      <p:bldP spid="42" grpId="0" animBg="1"/>
+    </p:bldLst>
+  </p:timing>
 </p:sld>
 </file>
 
-<file path=ppt/slides/slide28.xml><?xml version="1.0" encoding="utf-8"?>
+<file path=ppt/slides/slide27.xml><?xml version="1.0" encoding="utf-8"?>
 <p:sld xmlns:a="http://schemas.openxmlformats.org/drawingml/2006/main" xmlns:r="http://schemas.openxmlformats.org/officeDocument/2006/relationships" xmlns:p="http://schemas.openxmlformats.org/presentationml/2006/main">
   <p:cSld>
     <p:bg>
@@ -26057,7 +27618,7 @@
                   <a:spcPts val="600"/>
                 </a:spcAft>
               </a:pPr>
-              <a:t>03/06/2020</a:t>
+              <a:t>04/06/2020</a:t>
             </a:fld>
             <a:endParaRPr lang="fr-FR"/>
           </a:p>
@@ -26151,7 +27712,7 @@
                   <a:spcPts val="600"/>
                 </a:spcAft>
               </a:pPr>
-              <a:t>28</a:t>
+              <a:t>27</a:t>
             </a:fld>
             <a:endParaRPr lang="fr-FR">
               <a:solidFill>
@@ -26310,7 +27871,7 @@
 </p:sld>
 </file>
 
-<file path=ppt/slides/slide29.xml><?xml version="1.0" encoding="utf-8"?>
+<file path=ppt/slides/slide28.xml><?xml version="1.0" encoding="utf-8"?>
 <p:sld xmlns:a="http://schemas.openxmlformats.org/drawingml/2006/main" xmlns:r="http://schemas.openxmlformats.org/officeDocument/2006/relationships" xmlns:p="http://schemas.openxmlformats.org/presentationml/2006/main">
   <p:cSld>
     <p:bg>
@@ -26870,7 +28431,7 @@
                   <a:spcPts val="600"/>
                 </a:spcAft>
               </a:pPr>
-              <a:t>6/3/2020</a:t>
+              <a:t>6/4/2020</a:t>
             </a:fld>
             <a:endParaRPr lang="en-US"/>
           </a:p>
@@ -26963,7 +28524,7 @@
                   <a:spcPts val="600"/>
                 </a:spcAft>
               </a:pPr>
-              <a:t>29</a:t>
+              <a:t>28</a:t>
             </a:fld>
             <a:endParaRPr lang="en-US"/>
           </a:p>
@@ -27023,429 +28584,7 @@
 </p:sld>
 </file>
 
-<file path=ppt/slides/slide3.xml><?xml version="1.0" encoding="utf-8"?>
-<p:sld xmlns:a="http://schemas.openxmlformats.org/drawingml/2006/main" xmlns:r="http://schemas.openxmlformats.org/officeDocument/2006/relationships" xmlns:p="http://schemas.openxmlformats.org/presentationml/2006/main">
-  <p:cSld>
-    <p:bg>
-      <p:bgPr>
-        <a:solidFill>
-          <a:schemeClr val="bg1"/>
-        </a:solidFill>
-        <a:effectLst/>
-      </p:bgPr>
-    </p:bg>
-    <p:spTree>
-      <p:nvGrpSpPr>
-        <p:cNvPr id="1" name=""/>
-        <p:cNvGrpSpPr/>
-        <p:nvPr/>
-      </p:nvGrpSpPr>
-      <p:grpSpPr>
-        <a:xfrm>
-          <a:off x="0" y="0"/>
-          <a:ext cx="0" cy="0"/>
-          <a:chOff x="0" y="0"/>
-          <a:chExt cx="0" cy="0"/>
-        </a:xfrm>
-      </p:grpSpPr>
-      <p:sp useBgFill="1">
-        <p:nvSpPr>
-          <p:cNvPr id="32" name="Rectangle 31">
-            <a:extLst>
-              <a:ext uri="{FF2B5EF4-FFF2-40B4-BE49-F238E27FC236}">
-                <a16:creationId xmlns:a16="http://schemas.microsoft.com/office/drawing/2014/main" id="{9F5E263C-FB7E-4A3E-AD04-5140CD3D1D97}"/>
-              </a:ext>
-              <a:ext uri="{C183D7F6-B498-43B3-948B-1728B52AA6E4}">
-                <adec:decorative xmlns:adec="http://schemas.microsoft.com/office/drawing/2017/decorative" val="1"/>
-              </a:ext>
-            </a:extLst>
-          </p:cNvPr>
-          <p:cNvSpPr>
-            <a:spLocks noGrp="1" noRot="1" noChangeAspect="1" noMove="1" noResize="1" noEditPoints="1" noAdjustHandles="1" noChangeArrowheads="1" noChangeShapeType="1" noTextEdit="1"/>
-          </p:cNvSpPr>
-          <p:nvPr>
-            <p:extLst>
-              <p:ext uri="{386F3935-93C4-4BCD-93E2-E3B085C9AB24}">
-                <p16:designElem xmlns:p16="http://schemas.microsoft.com/office/powerpoint/2015/main" val="1"/>
-              </p:ext>
-            </p:extLst>
-          </p:nvPr>
-        </p:nvSpPr>
-        <p:spPr>
-          <a:xfrm>
-            <a:off x="0" y="0"/>
-            <a:ext cx="12186315" cy="6858000"/>
-          </a:xfrm>
-          <a:prstGeom prst="rect">
-            <a:avLst/>
-          </a:prstGeom>
-          <a:ln>
-            <a:noFill/>
-          </a:ln>
-        </p:spPr>
-        <p:style>
-          <a:lnRef idx="2">
-            <a:schemeClr val="accent6">
-              <a:shade val="50000"/>
-            </a:schemeClr>
-          </a:lnRef>
-          <a:fillRef idx="1001">
-            <a:schemeClr val="lt1"/>
-          </a:fillRef>
-          <a:effectRef idx="0">
-            <a:schemeClr val="accent6"/>
-          </a:effectRef>
-          <a:fontRef idx="minor">
-            <a:schemeClr val="lt1"/>
-          </a:fontRef>
-        </p:style>
-        <p:txBody>
-          <a:bodyPr rtlCol="0" anchor="ctr"/>
-          <a:lstStyle/>
-          <a:p>
-            <a:pPr algn="ctr"/>
-            <a:endParaRPr lang="en-US"/>
-          </a:p>
-        </p:txBody>
-      </p:sp>
-      <p:sp>
-        <p:nvSpPr>
-          <p:cNvPr id="34" name="Rectangle 33">
-            <a:extLst>
-              <a:ext uri="{FF2B5EF4-FFF2-40B4-BE49-F238E27FC236}">
-                <a16:creationId xmlns:a16="http://schemas.microsoft.com/office/drawing/2014/main" id="{9E65ED8C-90F7-4EB0-ACCB-64AEF411E8B9}"/>
-              </a:ext>
-              <a:ext uri="{C183D7F6-B498-43B3-948B-1728B52AA6E4}">
-                <adec:decorative xmlns:adec="http://schemas.microsoft.com/office/drawing/2017/decorative" val="1"/>
-              </a:ext>
-            </a:extLst>
-          </p:cNvPr>
-          <p:cNvSpPr>
-            <a:spLocks noGrp="1" noRot="1" noChangeAspect="1" noMove="1" noResize="1" noEditPoints="1" noAdjustHandles="1" noChangeArrowheads="1" noChangeShapeType="1" noTextEdit="1"/>
-          </p:cNvSpPr>
-          <p:nvPr>
-            <p:extLst>
-              <p:ext uri="{386F3935-93C4-4BCD-93E2-E3B085C9AB24}">
-                <p16:designElem xmlns:p16="http://schemas.microsoft.com/office/powerpoint/2015/main" val="1"/>
-              </p:ext>
-            </p:extLst>
-          </p:nvPr>
-        </p:nvSpPr>
-        <p:spPr>
-          <a:xfrm>
-            <a:off x="16" y="0"/>
-            <a:ext cx="4050791" cy="6858000"/>
-          </a:xfrm>
-          <a:prstGeom prst="rect">
-            <a:avLst/>
-          </a:prstGeom>
-          <a:solidFill>
-            <a:schemeClr val="accent2"/>
-          </a:solidFill>
-          <a:ln>
-            <a:noFill/>
-          </a:ln>
-        </p:spPr>
-        <p:style>
-          <a:lnRef idx="2">
-            <a:schemeClr val="accent1">
-              <a:shade val="50000"/>
-            </a:schemeClr>
-          </a:lnRef>
-          <a:fillRef idx="1">
-            <a:schemeClr val="accent1"/>
-          </a:fillRef>
-          <a:effectRef idx="0">
-            <a:schemeClr val="accent1"/>
-          </a:effectRef>
-          <a:fontRef idx="minor">
-            <a:schemeClr val="lt1"/>
-          </a:fontRef>
-        </p:style>
-      </p:sp>
-      <p:sp>
-        <p:nvSpPr>
-          <p:cNvPr id="7" name="Titre 6">
-            <a:extLst>
-              <a:ext uri="{FF2B5EF4-FFF2-40B4-BE49-F238E27FC236}">
-                <a16:creationId xmlns:a16="http://schemas.microsoft.com/office/drawing/2014/main" id="{8B098FDD-3C78-425B-AFEC-EE9C45D42833}"/>
-              </a:ext>
-            </a:extLst>
-          </p:cNvPr>
-          <p:cNvSpPr>
-            <a:spLocks noGrp="1"/>
-          </p:cNvSpPr>
-          <p:nvPr>
-            <p:ph type="title"/>
-          </p:nvPr>
-        </p:nvSpPr>
-        <p:spPr>
-          <a:xfrm>
-            <a:off x="492370" y="516835"/>
-            <a:ext cx="3084844" cy="5772840"/>
-          </a:xfrm>
-        </p:spPr>
-        <p:txBody>
-          <a:bodyPr anchor="ctr">
-            <a:normAutofit/>
-          </a:bodyPr>
-          <a:lstStyle/>
-          <a:p>
-            <a:r>
-              <a:rPr lang="fr-FR" sz="3600">
-                <a:solidFill>
-                  <a:srgbClr val="FFFFFF"/>
-                </a:solidFill>
-              </a:rPr>
-              <a:t>Contexte</a:t>
-            </a:r>
-          </a:p>
-        </p:txBody>
-      </p:sp>
-      <p:sp>
-        <p:nvSpPr>
-          <p:cNvPr id="36" name="Rectangle 35">
-            <a:extLst>
-              <a:ext uri="{FF2B5EF4-FFF2-40B4-BE49-F238E27FC236}">
-                <a16:creationId xmlns:a16="http://schemas.microsoft.com/office/drawing/2014/main" id="{6604E3BF-88F7-4D19-BEC9-8486966EA467}"/>
-              </a:ext>
-              <a:ext uri="{C183D7F6-B498-43B3-948B-1728B52AA6E4}">
-                <adec:decorative xmlns:adec="http://schemas.microsoft.com/office/drawing/2017/decorative" val="1"/>
-              </a:ext>
-            </a:extLst>
-          </p:cNvPr>
-          <p:cNvSpPr>
-            <a:spLocks noGrp="1" noRot="1" noChangeAspect="1" noMove="1" noResize="1" noEditPoints="1" noAdjustHandles="1" noChangeArrowheads="1" noChangeShapeType="1" noTextEdit="1"/>
-          </p:cNvSpPr>
-          <p:nvPr>
-            <p:extLst>
-              <p:ext uri="{386F3935-93C4-4BCD-93E2-E3B085C9AB24}">
-                <p16:designElem xmlns:p16="http://schemas.microsoft.com/office/powerpoint/2015/main" val="1"/>
-              </p:ext>
-            </p:extLst>
-          </p:nvPr>
-        </p:nvSpPr>
-        <p:spPr>
-          <a:xfrm>
-            <a:off x="4040071" y="0"/>
-            <a:ext cx="64008" cy="6858000"/>
-          </a:xfrm>
-          <a:prstGeom prst="rect">
-            <a:avLst/>
-          </a:prstGeom>
-          <a:solidFill>
-            <a:schemeClr val="accent1"/>
-          </a:solidFill>
-          <a:ln>
-            <a:noFill/>
-          </a:ln>
-        </p:spPr>
-        <p:style>
-          <a:lnRef idx="2">
-            <a:schemeClr val="accent1">
-              <a:shade val="50000"/>
-            </a:schemeClr>
-          </a:lnRef>
-          <a:fillRef idx="1">
-            <a:schemeClr val="accent1"/>
-          </a:fillRef>
-          <a:effectRef idx="0">
-            <a:schemeClr val="accent1"/>
-          </a:effectRef>
-          <a:fontRef idx="minor">
-            <a:schemeClr val="lt1"/>
-          </a:fontRef>
-        </p:style>
-      </p:sp>
-      <p:sp>
-        <p:nvSpPr>
-          <p:cNvPr id="4" name="Espace réservé de la date 3">
-            <a:extLst>
-              <a:ext uri="{FF2B5EF4-FFF2-40B4-BE49-F238E27FC236}">
-                <a16:creationId xmlns:a16="http://schemas.microsoft.com/office/drawing/2014/main" id="{093EFC05-08DC-4096-986B-A28CD7D52088}"/>
-              </a:ext>
-            </a:extLst>
-          </p:cNvPr>
-          <p:cNvSpPr>
-            <a:spLocks noGrp="1"/>
-          </p:cNvSpPr>
-          <p:nvPr>
-            <p:ph type="dt" sz="half" idx="10"/>
-          </p:nvPr>
-        </p:nvSpPr>
-        <p:spPr>
-          <a:xfrm>
-            <a:off x="492370" y="6459785"/>
-            <a:ext cx="1735371" cy="365125"/>
-          </a:xfrm>
-        </p:spPr>
-        <p:txBody>
-          <a:bodyPr>
-            <a:normAutofit/>
-          </a:bodyPr>
-          <a:lstStyle/>
-          <a:p>
-            <a:pPr>
-              <a:spcAft>
-                <a:spcPts val="600"/>
-              </a:spcAft>
-            </a:pPr>
-            <a:fld id="{EE75921B-C4F6-4949-BEE6-7B8822AEE9B3}" type="datetime1">
-              <a:rPr lang="fr-FR" smtClean="0"/>
-              <a:pPr>
-                <a:spcAft>
-                  <a:spcPts val="600"/>
-                </a:spcAft>
-              </a:pPr>
-              <a:t>03/06/2020</a:t>
-            </a:fld>
-            <a:endParaRPr lang="fr-FR"/>
-          </a:p>
-        </p:txBody>
-      </p:sp>
-      <p:sp>
-        <p:nvSpPr>
-          <p:cNvPr id="5" name="Espace réservé du pied de page 4">
-            <a:extLst>
-              <a:ext uri="{FF2B5EF4-FFF2-40B4-BE49-F238E27FC236}">
-                <a16:creationId xmlns:a16="http://schemas.microsoft.com/office/drawing/2014/main" id="{DCFF5CD2-805F-4C3A-BB99-2A1794D98820}"/>
-              </a:ext>
-            </a:extLst>
-          </p:cNvPr>
-          <p:cNvSpPr>
-            <a:spLocks noGrp="1"/>
-          </p:cNvSpPr>
-          <p:nvPr>
-            <p:ph type="ftr" sz="quarter" idx="11"/>
-          </p:nvPr>
-        </p:nvSpPr>
-        <p:spPr>
-          <a:xfrm>
-            <a:off x="4742017" y="6459785"/>
-            <a:ext cx="5105169" cy="365125"/>
-          </a:xfrm>
-        </p:spPr>
-        <p:txBody>
-          <a:bodyPr>
-            <a:normAutofit/>
-          </a:bodyPr>
-          <a:lstStyle/>
-          <a:p>
-            <a:pPr algn="l">
-              <a:spcAft>
-                <a:spcPts val="600"/>
-              </a:spcAft>
-            </a:pPr>
-            <a:r>
-              <a:rPr lang="fr-FR">
-                <a:solidFill>
-                  <a:schemeClr val="tx2"/>
-                </a:solidFill>
-              </a:rPr>
-              <a:t>Sylvain ALLAIN</a:t>
-            </a:r>
-          </a:p>
-        </p:txBody>
-      </p:sp>
-      <p:sp>
-        <p:nvSpPr>
-          <p:cNvPr id="6" name="Espace réservé du numéro de diapositive 5">
-            <a:extLst>
-              <a:ext uri="{FF2B5EF4-FFF2-40B4-BE49-F238E27FC236}">
-                <a16:creationId xmlns:a16="http://schemas.microsoft.com/office/drawing/2014/main" id="{6D09E641-676B-428D-82B8-AED15902C3A9}"/>
-              </a:ext>
-            </a:extLst>
-          </p:cNvPr>
-          <p:cNvSpPr>
-            <a:spLocks noGrp="1"/>
-          </p:cNvSpPr>
-          <p:nvPr>
-            <p:ph type="sldNum" sz="quarter" idx="12"/>
-          </p:nvPr>
-        </p:nvSpPr>
-        <p:spPr>
-          <a:xfrm>
-            <a:off x="10123055" y="6459785"/>
-            <a:ext cx="1089428" cy="365125"/>
-          </a:xfrm>
-        </p:spPr>
-        <p:txBody>
-          <a:bodyPr>
-            <a:normAutofit/>
-          </a:bodyPr>
-          <a:lstStyle/>
-          <a:p>
-            <a:pPr>
-              <a:spcAft>
-                <a:spcPts val="600"/>
-              </a:spcAft>
-            </a:pPr>
-            <a:fld id="{7386E8C7-F2FE-4BD9-8CCD-17179851D3F5}" type="slidenum">
-              <a:rPr lang="fr-FR" smtClean="0">
-                <a:solidFill>
-                  <a:schemeClr val="tx2"/>
-                </a:solidFill>
-              </a:rPr>
-              <a:pPr>
-                <a:spcAft>
-                  <a:spcPts val="600"/>
-                </a:spcAft>
-              </a:pPr>
-              <a:t>3</a:t>
-            </a:fld>
-            <a:endParaRPr lang="fr-FR">
-              <a:solidFill>
-                <a:schemeClr val="tx2"/>
-              </a:solidFill>
-            </a:endParaRPr>
-          </a:p>
-        </p:txBody>
-      </p:sp>
-      <p:graphicFrame>
-        <p:nvGraphicFramePr>
-          <p:cNvPr id="10" name="Espace réservé du contenu 7">
-            <a:extLst>
-              <a:ext uri="{FF2B5EF4-FFF2-40B4-BE49-F238E27FC236}">
-                <a16:creationId xmlns:a16="http://schemas.microsoft.com/office/drawing/2014/main" id="{D1256D0D-B8D8-4FAE-9F89-227CA1027549}"/>
-              </a:ext>
-            </a:extLst>
-          </p:cNvPr>
-          <p:cNvGraphicFramePr>
-            <a:graphicFrameLocks noGrp="1"/>
-          </p:cNvGraphicFramePr>
-          <p:nvPr>
-            <p:ph idx="1"/>
-            <p:extLst>
-              <p:ext uri="{D42A27DB-BD31-4B8C-83A1-F6EECF244321}">
-                <p14:modId xmlns:p14="http://schemas.microsoft.com/office/powerpoint/2010/main" val="366841446"/>
-              </p:ext>
-            </p:extLst>
-          </p:nvPr>
-        </p:nvGraphicFramePr>
-        <p:xfrm>
-          <a:off x="4741863" y="639763"/>
-          <a:ext cx="6797675" cy="5649912"/>
-        </p:xfrm>
-        <a:graphic>
-          <a:graphicData uri="http://schemas.openxmlformats.org/drawingml/2006/diagram">
-            <dgm:relIds xmlns:dgm="http://schemas.openxmlformats.org/drawingml/2006/diagram" xmlns:r="http://schemas.openxmlformats.org/officeDocument/2006/relationships" r:dm="rId2" r:lo="rId3" r:qs="rId4" r:cs="rId5"/>
-          </a:graphicData>
-        </a:graphic>
-      </p:graphicFrame>
-    </p:spTree>
-    <p:extLst>
-      <p:ext uri="{BB962C8B-B14F-4D97-AF65-F5344CB8AC3E}">
-        <p14:creationId xmlns:p14="http://schemas.microsoft.com/office/powerpoint/2010/main" val="4227053855"/>
-      </p:ext>
-    </p:extLst>
-  </p:cSld>
-  <p:clrMapOvr>
-    <a:masterClrMapping/>
-  </p:clrMapOvr>
-</p:sld>
-</file>
-
-<file path=ppt/slides/slide30.xml><?xml version="1.0" encoding="utf-8"?>
+<file path=ppt/slides/slide29.xml><?xml version="1.0" encoding="utf-8"?>
 <p:sld xmlns:a="http://schemas.openxmlformats.org/drawingml/2006/main" xmlns:r="http://schemas.openxmlformats.org/officeDocument/2006/relationships" xmlns:p="http://schemas.openxmlformats.org/presentationml/2006/main">
   <p:cSld>
     <p:bg>
@@ -27942,7 +29081,7 @@
                   <a:spcPts val="600"/>
                 </a:spcAft>
               </a:pPr>
-              <a:t>6/3/2020</a:t>
+              <a:t>6/4/2020</a:t>
             </a:fld>
             <a:endParaRPr lang="en-US"/>
           </a:p>
@@ -28035,7 +29174,7 @@
                   <a:spcPts val="600"/>
                 </a:spcAft>
               </a:pPr>
-              <a:t>30</a:t>
+              <a:t>29</a:t>
             </a:fld>
             <a:endParaRPr lang="en-US"/>
           </a:p>
@@ -28093,6 +29232,428 @@
 </p:sld>
 </file>
 
+<file path=ppt/slides/slide3.xml><?xml version="1.0" encoding="utf-8"?>
+<p:sld xmlns:a="http://schemas.openxmlformats.org/drawingml/2006/main" xmlns:r="http://schemas.openxmlformats.org/officeDocument/2006/relationships" xmlns:p="http://schemas.openxmlformats.org/presentationml/2006/main">
+  <p:cSld>
+    <p:bg>
+      <p:bgPr>
+        <a:solidFill>
+          <a:schemeClr val="bg1"/>
+        </a:solidFill>
+        <a:effectLst/>
+      </p:bgPr>
+    </p:bg>
+    <p:spTree>
+      <p:nvGrpSpPr>
+        <p:cNvPr id="1" name=""/>
+        <p:cNvGrpSpPr/>
+        <p:nvPr/>
+      </p:nvGrpSpPr>
+      <p:grpSpPr>
+        <a:xfrm>
+          <a:off x="0" y="0"/>
+          <a:ext cx="0" cy="0"/>
+          <a:chOff x="0" y="0"/>
+          <a:chExt cx="0" cy="0"/>
+        </a:xfrm>
+      </p:grpSpPr>
+      <p:sp useBgFill="1">
+        <p:nvSpPr>
+          <p:cNvPr id="32" name="Rectangle 31">
+            <a:extLst>
+              <a:ext uri="{FF2B5EF4-FFF2-40B4-BE49-F238E27FC236}">
+                <a16:creationId xmlns:a16="http://schemas.microsoft.com/office/drawing/2014/main" id="{9F5E263C-FB7E-4A3E-AD04-5140CD3D1D97}"/>
+              </a:ext>
+              <a:ext uri="{C183D7F6-B498-43B3-948B-1728B52AA6E4}">
+                <adec:decorative xmlns:adec="http://schemas.microsoft.com/office/drawing/2017/decorative" val="1"/>
+              </a:ext>
+            </a:extLst>
+          </p:cNvPr>
+          <p:cNvSpPr>
+            <a:spLocks noGrp="1" noRot="1" noChangeAspect="1" noMove="1" noResize="1" noEditPoints="1" noAdjustHandles="1" noChangeArrowheads="1" noChangeShapeType="1" noTextEdit="1"/>
+          </p:cNvSpPr>
+          <p:nvPr>
+            <p:extLst>
+              <p:ext uri="{386F3935-93C4-4BCD-93E2-E3B085C9AB24}">
+                <p16:designElem xmlns:p16="http://schemas.microsoft.com/office/powerpoint/2015/main" val="1"/>
+              </p:ext>
+            </p:extLst>
+          </p:nvPr>
+        </p:nvSpPr>
+        <p:spPr>
+          <a:xfrm>
+            <a:off x="0" y="0"/>
+            <a:ext cx="12186315" cy="6858000"/>
+          </a:xfrm>
+          <a:prstGeom prst="rect">
+            <a:avLst/>
+          </a:prstGeom>
+          <a:ln>
+            <a:noFill/>
+          </a:ln>
+        </p:spPr>
+        <p:style>
+          <a:lnRef idx="2">
+            <a:schemeClr val="accent6">
+              <a:shade val="50000"/>
+            </a:schemeClr>
+          </a:lnRef>
+          <a:fillRef idx="1001">
+            <a:schemeClr val="lt1"/>
+          </a:fillRef>
+          <a:effectRef idx="0">
+            <a:schemeClr val="accent6"/>
+          </a:effectRef>
+          <a:fontRef idx="minor">
+            <a:schemeClr val="lt1"/>
+          </a:fontRef>
+        </p:style>
+        <p:txBody>
+          <a:bodyPr rtlCol="0" anchor="ctr"/>
+          <a:lstStyle/>
+          <a:p>
+            <a:pPr algn="ctr"/>
+            <a:endParaRPr lang="en-US"/>
+          </a:p>
+        </p:txBody>
+      </p:sp>
+      <p:sp>
+        <p:nvSpPr>
+          <p:cNvPr id="34" name="Rectangle 33">
+            <a:extLst>
+              <a:ext uri="{FF2B5EF4-FFF2-40B4-BE49-F238E27FC236}">
+                <a16:creationId xmlns:a16="http://schemas.microsoft.com/office/drawing/2014/main" id="{9E65ED8C-90F7-4EB0-ACCB-64AEF411E8B9}"/>
+              </a:ext>
+              <a:ext uri="{C183D7F6-B498-43B3-948B-1728B52AA6E4}">
+                <adec:decorative xmlns:adec="http://schemas.microsoft.com/office/drawing/2017/decorative" val="1"/>
+              </a:ext>
+            </a:extLst>
+          </p:cNvPr>
+          <p:cNvSpPr>
+            <a:spLocks noGrp="1" noRot="1" noChangeAspect="1" noMove="1" noResize="1" noEditPoints="1" noAdjustHandles="1" noChangeArrowheads="1" noChangeShapeType="1" noTextEdit="1"/>
+          </p:cNvSpPr>
+          <p:nvPr>
+            <p:extLst>
+              <p:ext uri="{386F3935-93C4-4BCD-93E2-E3B085C9AB24}">
+                <p16:designElem xmlns:p16="http://schemas.microsoft.com/office/powerpoint/2015/main" val="1"/>
+              </p:ext>
+            </p:extLst>
+          </p:nvPr>
+        </p:nvSpPr>
+        <p:spPr>
+          <a:xfrm>
+            <a:off x="16" y="0"/>
+            <a:ext cx="4050791" cy="6858000"/>
+          </a:xfrm>
+          <a:prstGeom prst="rect">
+            <a:avLst/>
+          </a:prstGeom>
+          <a:solidFill>
+            <a:schemeClr val="accent2"/>
+          </a:solidFill>
+          <a:ln>
+            <a:noFill/>
+          </a:ln>
+        </p:spPr>
+        <p:style>
+          <a:lnRef idx="2">
+            <a:schemeClr val="accent1">
+              <a:shade val="50000"/>
+            </a:schemeClr>
+          </a:lnRef>
+          <a:fillRef idx="1">
+            <a:schemeClr val="accent1"/>
+          </a:fillRef>
+          <a:effectRef idx="0">
+            <a:schemeClr val="accent1"/>
+          </a:effectRef>
+          <a:fontRef idx="minor">
+            <a:schemeClr val="lt1"/>
+          </a:fontRef>
+        </p:style>
+      </p:sp>
+      <p:sp>
+        <p:nvSpPr>
+          <p:cNvPr id="7" name="Titre 6">
+            <a:extLst>
+              <a:ext uri="{FF2B5EF4-FFF2-40B4-BE49-F238E27FC236}">
+                <a16:creationId xmlns:a16="http://schemas.microsoft.com/office/drawing/2014/main" id="{8B098FDD-3C78-425B-AFEC-EE9C45D42833}"/>
+              </a:ext>
+            </a:extLst>
+          </p:cNvPr>
+          <p:cNvSpPr>
+            <a:spLocks noGrp="1"/>
+          </p:cNvSpPr>
+          <p:nvPr>
+            <p:ph type="title"/>
+          </p:nvPr>
+        </p:nvSpPr>
+        <p:spPr>
+          <a:xfrm>
+            <a:off x="492370" y="516835"/>
+            <a:ext cx="3084844" cy="5772840"/>
+          </a:xfrm>
+        </p:spPr>
+        <p:txBody>
+          <a:bodyPr anchor="ctr">
+            <a:normAutofit/>
+          </a:bodyPr>
+          <a:lstStyle/>
+          <a:p>
+            <a:r>
+              <a:rPr lang="fr-FR" sz="3600">
+                <a:solidFill>
+                  <a:srgbClr val="FFFFFF"/>
+                </a:solidFill>
+              </a:rPr>
+              <a:t>Contexte</a:t>
+            </a:r>
+          </a:p>
+        </p:txBody>
+      </p:sp>
+      <p:sp>
+        <p:nvSpPr>
+          <p:cNvPr id="36" name="Rectangle 35">
+            <a:extLst>
+              <a:ext uri="{FF2B5EF4-FFF2-40B4-BE49-F238E27FC236}">
+                <a16:creationId xmlns:a16="http://schemas.microsoft.com/office/drawing/2014/main" id="{6604E3BF-88F7-4D19-BEC9-8486966EA467}"/>
+              </a:ext>
+              <a:ext uri="{C183D7F6-B498-43B3-948B-1728B52AA6E4}">
+                <adec:decorative xmlns:adec="http://schemas.microsoft.com/office/drawing/2017/decorative" val="1"/>
+              </a:ext>
+            </a:extLst>
+          </p:cNvPr>
+          <p:cNvSpPr>
+            <a:spLocks noGrp="1" noRot="1" noChangeAspect="1" noMove="1" noResize="1" noEditPoints="1" noAdjustHandles="1" noChangeArrowheads="1" noChangeShapeType="1" noTextEdit="1"/>
+          </p:cNvSpPr>
+          <p:nvPr>
+            <p:extLst>
+              <p:ext uri="{386F3935-93C4-4BCD-93E2-E3B085C9AB24}">
+                <p16:designElem xmlns:p16="http://schemas.microsoft.com/office/powerpoint/2015/main" val="1"/>
+              </p:ext>
+            </p:extLst>
+          </p:nvPr>
+        </p:nvSpPr>
+        <p:spPr>
+          <a:xfrm>
+            <a:off x="4040071" y="0"/>
+            <a:ext cx="64008" cy="6858000"/>
+          </a:xfrm>
+          <a:prstGeom prst="rect">
+            <a:avLst/>
+          </a:prstGeom>
+          <a:solidFill>
+            <a:schemeClr val="accent1"/>
+          </a:solidFill>
+          <a:ln>
+            <a:noFill/>
+          </a:ln>
+        </p:spPr>
+        <p:style>
+          <a:lnRef idx="2">
+            <a:schemeClr val="accent1">
+              <a:shade val="50000"/>
+            </a:schemeClr>
+          </a:lnRef>
+          <a:fillRef idx="1">
+            <a:schemeClr val="accent1"/>
+          </a:fillRef>
+          <a:effectRef idx="0">
+            <a:schemeClr val="accent1"/>
+          </a:effectRef>
+          <a:fontRef idx="minor">
+            <a:schemeClr val="lt1"/>
+          </a:fontRef>
+        </p:style>
+      </p:sp>
+      <p:sp>
+        <p:nvSpPr>
+          <p:cNvPr id="4" name="Espace réservé de la date 3">
+            <a:extLst>
+              <a:ext uri="{FF2B5EF4-FFF2-40B4-BE49-F238E27FC236}">
+                <a16:creationId xmlns:a16="http://schemas.microsoft.com/office/drawing/2014/main" id="{093EFC05-08DC-4096-986B-A28CD7D52088}"/>
+              </a:ext>
+            </a:extLst>
+          </p:cNvPr>
+          <p:cNvSpPr>
+            <a:spLocks noGrp="1"/>
+          </p:cNvSpPr>
+          <p:nvPr>
+            <p:ph type="dt" sz="half" idx="10"/>
+          </p:nvPr>
+        </p:nvSpPr>
+        <p:spPr>
+          <a:xfrm>
+            <a:off x="492370" y="6459785"/>
+            <a:ext cx="1735371" cy="365125"/>
+          </a:xfrm>
+        </p:spPr>
+        <p:txBody>
+          <a:bodyPr>
+            <a:normAutofit/>
+          </a:bodyPr>
+          <a:lstStyle/>
+          <a:p>
+            <a:pPr>
+              <a:spcAft>
+                <a:spcPts val="600"/>
+              </a:spcAft>
+            </a:pPr>
+            <a:fld id="{EE75921B-C4F6-4949-BEE6-7B8822AEE9B3}" type="datetime1">
+              <a:rPr lang="fr-FR" smtClean="0"/>
+              <a:pPr>
+                <a:spcAft>
+                  <a:spcPts val="600"/>
+                </a:spcAft>
+              </a:pPr>
+              <a:t>04/06/2020</a:t>
+            </a:fld>
+            <a:endParaRPr lang="fr-FR"/>
+          </a:p>
+        </p:txBody>
+      </p:sp>
+      <p:sp>
+        <p:nvSpPr>
+          <p:cNvPr id="5" name="Espace réservé du pied de page 4">
+            <a:extLst>
+              <a:ext uri="{FF2B5EF4-FFF2-40B4-BE49-F238E27FC236}">
+                <a16:creationId xmlns:a16="http://schemas.microsoft.com/office/drawing/2014/main" id="{DCFF5CD2-805F-4C3A-BB99-2A1794D98820}"/>
+              </a:ext>
+            </a:extLst>
+          </p:cNvPr>
+          <p:cNvSpPr>
+            <a:spLocks noGrp="1"/>
+          </p:cNvSpPr>
+          <p:nvPr>
+            <p:ph type="ftr" sz="quarter" idx="11"/>
+          </p:nvPr>
+        </p:nvSpPr>
+        <p:spPr>
+          <a:xfrm>
+            <a:off x="4742017" y="6459785"/>
+            <a:ext cx="5105169" cy="365125"/>
+          </a:xfrm>
+        </p:spPr>
+        <p:txBody>
+          <a:bodyPr>
+            <a:normAutofit/>
+          </a:bodyPr>
+          <a:lstStyle/>
+          <a:p>
+            <a:pPr algn="l">
+              <a:spcAft>
+                <a:spcPts val="600"/>
+              </a:spcAft>
+            </a:pPr>
+            <a:r>
+              <a:rPr lang="fr-FR">
+                <a:solidFill>
+                  <a:schemeClr val="tx2"/>
+                </a:solidFill>
+              </a:rPr>
+              <a:t>Sylvain ALLAIN</a:t>
+            </a:r>
+          </a:p>
+        </p:txBody>
+      </p:sp>
+      <p:sp>
+        <p:nvSpPr>
+          <p:cNvPr id="6" name="Espace réservé du numéro de diapositive 5">
+            <a:extLst>
+              <a:ext uri="{FF2B5EF4-FFF2-40B4-BE49-F238E27FC236}">
+                <a16:creationId xmlns:a16="http://schemas.microsoft.com/office/drawing/2014/main" id="{6D09E641-676B-428D-82B8-AED15902C3A9}"/>
+              </a:ext>
+            </a:extLst>
+          </p:cNvPr>
+          <p:cNvSpPr>
+            <a:spLocks noGrp="1"/>
+          </p:cNvSpPr>
+          <p:nvPr>
+            <p:ph type="sldNum" sz="quarter" idx="12"/>
+          </p:nvPr>
+        </p:nvSpPr>
+        <p:spPr>
+          <a:xfrm>
+            <a:off x="10123055" y="6459785"/>
+            <a:ext cx="1089428" cy="365125"/>
+          </a:xfrm>
+        </p:spPr>
+        <p:txBody>
+          <a:bodyPr>
+            <a:normAutofit/>
+          </a:bodyPr>
+          <a:lstStyle/>
+          <a:p>
+            <a:pPr>
+              <a:spcAft>
+                <a:spcPts val="600"/>
+              </a:spcAft>
+            </a:pPr>
+            <a:fld id="{7386E8C7-F2FE-4BD9-8CCD-17179851D3F5}" type="slidenum">
+              <a:rPr lang="fr-FR" smtClean="0">
+                <a:solidFill>
+                  <a:schemeClr val="tx2"/>
+                </a:solidFill>
+              </a:rPr>
+              <a:pPr>
+                <a:spcAft>
+                  <a:spcPts val="600"/>
+                </a:spcAft>
+              </a:pPr>
+              <a:t>3</a:t>
+            </a:fld>
+            <a:endParaRPr lang="fr-FR">
+              <a:solidFill>
+                <a:schemeClr val="tx2"/>
+              </a:solidFill>
+            </a:endParaRPr>
+          </a:p>
+        </p:txBody>
+      </p:sp>
+      <p:graphicFrame>
+        <p:nvGraphicFramePr>
+          <p:cNvPr id="10" name="Espace réservé du contenu 7">
+            <a:extLst>
+              <a:ext uri="{FF2B5EF4-FFF2-40B4-BE49-F238E27FC236}">
+                <a16:creationId xmlns:a16="http://schemas.microsoft.com/office/drawing/2014/main" id="{D1256D0D-B8D8-4FAE-9F89-227CA1027549}"/>
+              </a:ext>
+            </a:extLst>
+          </p:cNvPr>
+          <p:cNvGraphicFramePr>
+            <a:graphicFrameLocks noGrp="1"/>
+          </p:cNvGraphicFramePr>
+          <p:nvPr>
+            <p:ph idx="1"/>
+            <p:extLst>
+              <p:ext uri="{D42A27DB-BD31-4B8C-83A1-F6EECF244321}">
+                <p14:modId xmlns:p14="http://schemas.microsoft.com/office/powerpoint/2010/main" val="366841446"/>
+              </p:ext>
+            </p:extLst>
+          </p:nvPr>
+        </p:nvGraphicFramePr>
+        <p:xfrm>
+          <a:off x="4741863" y="639763"/>
+          <a:ext cx="6797675" cy="5649912"/>
+        </p:xfrm>
+        <a:graphic>
+          <a:graphicData uri="http://schemas.openxmlformats.org/drawingml/2006/diagram">
+            <dgm:relIds xmlns:dgm="http://schemas.openxmlformats.org/drawingml/2006/diagram" xmlns:r="http://schemas.openxmlformats.org/officeDocument/2006/relationships" r:dm="rId2" r:lo="rId3" r:qs="rId4" r:cs="rId5"/>
+          </a:graphicData>
+        </a:graphic>
+      </p:graphicFrame>
+    </p:spTree>
+    <p:extLst>
+      <p:ext uri="{BB962C8B-B14F-4D97-AF65-F5344CB8AC3E}">
+        <p14:creationId xmlns:p14="http://schemas.microsoft.com/office/powerpoint/2010/main" val="4227053855"/>
+      </p:ext>
+    </p:extLst>
+  </p:cSld>
+  <p:clrMapOvr>
+    <a:masterClrMapping/>
+  </p:clrMapOvr>
+</p:sld>
+</file>
+
 <file path=ppt/slides/slide4.xml><?xml version="1.0" encoding="utf-8"?>
 <p:sld xmlns:a="http://schemas.openxmlformats.org/drawingml/2006/main" xmlns:r="http://schemas.openxmlformats.org/officeDocument/2006/relationships" xmlns:p="http://schemas.openxmlformats.org/presentationml/2006/main">
   <p:cSld>
@@ -28133,7 +29694,7 @@
           <a:p>
             <a:fld id="{17B14172-D5F5-4BFB-89B6-FE98C0A91CE9}" type="datetime1">
               <a:rPr lang="fr-FR" smtClean="0"/>
-              <a:t>03/06/2020</a:t>
+              <a:t>04/06/2020</a:t>
             </a:fld>
             <a:endParaRPr lang="fr-FR"/>
           </a:p>
@@ -29660,7 +31221,7 @@
           <a:p>
             <a:fld id="{17B14172-D5F5-4BFB-89B6-FE98C0A91CE9}" type="datetime1">
               <a:rPr lang="fr-FR" smtClean="0"/>
-              <a:t>03/06/2020</a:t>
+              <a:t>04/06/2020</a:t>
             </a:fld>
             <a:endParaRPr lang="fr-FR"/>
           </a:p>
@@ -31072,7 +32633,7 @@
         </p:nvSpPr>
         <p:spPr>
           <a:xfrm>
-            <a:off x="5847127" y="1887524"/>
+            <a:off x="6545205" y="1916661"/>
             <a:ext cx="5308553" cy="2508308"/>
           </a:xfrm>
         </p:spPr>
@@ -31114,7 +32675,7 @@
           <a:p>
             <a:fld id="{17B14172-D5F5-4BFB-89B6-FE98C0A91CE9}" type="datetime1">
               <a:rPr lang="fr-FR" smtClean="0"/>
-              <a:t>03/06/2020</a:t>
+              <a:t>04/06/2020</a:t>
             </a:fld>
             <a:endParaRPr lang="fr-FR"/>
           </a:p>
@@ -31371,7 +32932,7 @@
         </p:blipFill>
         <p:spPr bwMode="auto">
           <a:xfrm>
-            <a:off x="4729873" y="3436612"/>
+            <a:off x="5454212" y="3320122"/>
             <a:ext cx="1425707" cy="710021"/>
           </a:xfrm>
           <a:prstGeom prst="rect">
@@ -31426,7 +32987,7 @@
         </p:blipFill>
         <p:spPr bwMode="auto">
           <a:xfrm>
-            <a:off x="3437026" y="5239997"/>
+            <a:off x="3834386" y="5072285"/>
             <a:ext cx="1676793" cy="407569"/>
           </a:xfrm>
           <a:prstGeom prst="rect">
@@ -31481,7 +33042,7 @@
         </p:blipFill>
         <p:spPr bwMode="auto">
           <a:xfrm>
-            <a:off x="1559624" y="5148901"/>
+            <a:off x="1956984" y="4981189"/>
             <a:ext cx="1286043" cy="501516"/>
           </a:xfrm>
           <a:prstGeom prst="rect">
@@ -31523,7 +33084,7 @@
         </p:nvSpPr>
         <p:spPr>
           <a:xfrm>
-            <a:off x="1097280" y="4566718"/>
+            <a:off x="1172601" y="4297476"/>
             <a:ext cx="9459775" cy="1200776"/>
           </a:xfrm>
           <a:prstGeom prst="rect">
@@ -31826,7 +33387,7 @@
         </p:blipFill>
         <p:spPr bwMode="auto">
           <a:xfrm>
-            <a:off x="6464034" y="2538612"/>
+            <a:off x="8021338" y="2598029"/>
             <a:ext cx="1766835" cy="952838"/>
           </a:xfrm>
           <a:prstGeom prst="rect">
@@ -31881,7 +33442,7 @@
         </p:blipFill>
         <p:spPr bwMode="auto">
           <a:xfrm>
-            <a:off x="7981517" y="4655508"/>
+            <a:off x="7115721" y="4642229"/>
             <a:ext cx="2444183" cy="1302202"/>
           </a:xfrm>
           <a:prstGeom prst="rect">
@@ -31935,7 +33496,7 @@
         </p:blipFill>
         <p:spPr>
           <a:xfrm>
-            <a:off x="9765096" y="4300581"/>
+            <a:off x="8899300" y="4287302"/>
             <a:ext cx="1582748" cy="985113"/>
           </a:xfrm>
           <a:prstGeom prst="rect">
@@ -31971,7 +33532,7 @@
         </p:blipFill>
         <p:spPr>
           <a:xfrm>
-            <a:off x="9765096" y="5148901"/>
+            <a:off x="8899300" y="5135622"/>
             <a:ext cx="1582748" cy="1038678"/>
           </a:xfrm>
           <a:prstGeom prst="rect">
@@ -33093,7 +34654,7 @@
                   <a:spcPts val="600"/>
                 </a:spcAft>
               </a:pPr>
-              <a:t>6/3/2020</a:t>
+              <a:t>6/4/2020</a:t>
             </a:fld>
             <a:endParaRPr lang="en-US"/>
           </a:p>
@@ -33740,7 +35301,7 @@
                   <a:spcPts val="600"/>
                 </a:spcAft>
               </a:pPr>
-              <a:t>6/3/2020</a:t>
+              <a:t>6/4/2020</a:t>
             </a:fld>
             <a:endParaRPr lang="en-US"/>
           </a:p>
@@ -34387,7 +35948,7 @@
                   <a:spcPts val="600"/>
                 </a:spcAft>
               </a:pPr>
-              <a:t>6/3/2020</a:t>
+              <a:t>6/4/2020</a:t>
             </a:fld>
             <a:endParaRPr lang="en-US"/>
           </a:p>

--- a/ProjetTof’Box.pptx
+++ b/ProjetTof’Box.pptx
@@ -3238,15 +3238,7 @@
           </a:r>
           <a:r>
             <a:rPr lang="fr-FR" dirty="0"/>
-            <a:t> est un réseau social de photographie permettant de voir, de partager des photos et d’</a:t>
-          </a:r>
-          <a:r>
-            <a:rPr lang="fr-FR" dirty="0" err="1"/>
-            <a:t>intéragir</a:t>
-          </a:r>
-          <a:r>
-            <a:rPr lang="fr-FR" dirty="0"/>
-            <a:t> autour de celles-ci.</a:t>
+            <a:t> est un réseau social de photographie permettant de voir, de partager des photos et d’interagir autour de celles-ci.</a:t>
           </a:r>
         </a:p>
       </dgm:t>
@@ -3286,10 +3278,10 @@
             </a:lnSpc>
           </a:pPr>
           <a:r>
-            <a:rPr lang="fr-FR"/>
-            <a:t>Selon le cadre dans lequel il est mis en place ce projet peut s’adresser a un public large ou a une association de photographes par exemple</a:t>
+            <a:rPr lang="fr-FR" dirty="0"/>
+            <a:t>Selon le cadre dans lequel il est mis en place ce projet peut s’adresser à un public large ou à une association de photographes, par exemple</a:t>
           </a:r>
-          <a:endParaRPr lang="en-US"/>
+          <a:endParaRPr lang="en-US" dirty="0"/>
         </a:p>
       </dgm:t>
     </dgm:pt>
@@ -3633,7 +3625,7 @@
         <a:p>
           <a:r>
             <a:rPr lang="fr-FR" b="1" dirty="0"/>
-            <a:t>Anonyme</a:t>
+            <a:t>Non connecté</a:t>
           </a:r>
         </a:p>
       </dgm:t>
@@ -3819,7 +3811,7 @@
         <a:p>
           <a:r>
             <a:rPr lang="fr-FR" sz="2800" dirty="0"/>
-            <a:t>Symfony reconnaît cette méthode grâce au système de Route</a:t>
+            <a:t>Symfony reconnaît cette méthode grâce au système de Route.</a:t>
           </a:r>
         </a:p>
       </dgm:t>
@@ -4052,7 +4044,13 @@
         <a:p>
           <a:r>
             <a:rPr lang="fr-FR" dirty="0"/>
-            <a:t>Il va donc récupérer la requête, exécuter un ensemble de sous-requête pour récupérer les informations dont il a besoin pour afficher la page demandée. Pour cela, il va faire appel au Repository.</a:t>
+            <a:t>Il va donc récupérer la requête, exécuter un ensemble de sous-requête pour récupérer les informations dont il a besoin pour afficher la page demandée.</a:t>
+          </a:r>
+        </a:p>
+        <a:p>
+          <a:r>
+            <a:rPr lang="fr-FR" dirty="0"/>
+            <a:t>Pour cela, il va faire appel au Repository.</a:t>
           </a:r>
         </a:p>
       </dgm:t>
@@ -4292,15 +4290,7 @@
           </a:r>
           <a:r>
             <a:rPr lang="fr-FR" sz="2100" kern="1200" dirty="0"/>
-            <a:t> est un réseau social de photographie permettant de voir, de partager des photos et d’</a:t>
-          </a:r>
-          <a:r>
-            <a:rPr lang="fr-FR" sz="2100" kern="1200" dirty="0" err="1"/>
-            <a:t>intéragir</a:t>
-          </a:r>
-          <a:r>
-            <a:rPr lang="fr-FR" sz="2100" kern="1200" dirty="0"/>
-            <a:t> autour de celles-ci.</a:t>
+            <a:t> est un réseau social de photographie permettant de voir, de partager des photos et d’interagir autour de celles-ci.</a:t>
           </a:r>
         </a:p>
       </dsp:txBody>
@@ -4458,10 +4448,10 @@
             <a:buNone/>
           </a:pPr>
           <a:r>
-            <a:rPr lang="fr-FR" sz="2100" kern="1200"/>
-            <a:t>Selon le cadre dans lequel il est mis en place ce projet peut s’adresser a un public large ou a une association de photographes par exemple</a:t>
+            <a:rPr lang="fr-FR" sz="2100" kern="1200" dirty="0"/>
+            <a:t>Selon le cadre dans lequel il est mis en place ce projet peut s’adresser à un public large ou à une association de photographes, par exemple</a:t>
           </a:r>
-          <a:endParaRPr lang="en-US" sz="2100" kern="1200"/>
+          <a:endParaRPr lang="en-US" sz="2100" kern="1200" dirty="0"/>
         </a:p>
       </dsp:txBody>
       <dsp:txXfrm>
@@ -4721,7 +4711,7 @@
           </a:pPr>
           <a:r>
             <a:rPr lang="fr-FR" sz="1400" b="1" kern="1200" dirty="0"/>
-            <a:t>Anonyme</a:t>
+            <a:t>Non connecté</a:t>
           </a:r>
         </a:p>
       </dsp:txBody>
@@ -4750,7 +4740,7 @@
       <dsp:spPr>
         <a:xfrm>
           <a:off x="0" y="0"/>
-          <a:ext cx="6413500" cy="2449513"/>
+          <a:ext cx="6413500" cy="2449333"/>
         </a:xfrm>
         <a:prstGeom prst="roundRect">
           <a:avLst/>
@@ -4823,13 +4813,13 @@
           </a:pPr>
           <a:r>
             <a:rPr lang="fr-FR" sz="2800" kern="1200" dirty="0"/>
-            <a:t>Symfony reconnaît cette méthode grâce au système de Route</a:t>
+            <a:t>Symfony reconnaît cette méthode grâce au système de Route.</a:t>
           </a:r>
         </a:p>
       </dsp:txBody>
       <dsp:txXfrm>
-        <a:off x="119575" y="119575"/>
-        <a:ext cx="6174350" cy="2210363"/>
+        <a:off x="119567" y="119567"/>
+        <a:ext cx="6174366" cy="2210199"/>
       </dsp:txXfrm>
     </dsp:sp>
     <dsp:sp modelId="{2C8BDE9D-3836-48CC-A9DB-59054019079D}">
@@ -4839,8 +4829,8 @@
       </dsp:nvSpPr>
       <dsp:spPr>
         <a:xfrm>
-          <a:off x="0" y="2711645"/>
-          <a:ext cx="6413500" cy="2685744"/>
+          <a:off x="0" y="2711478"/>
+          <a:ext cx="6413500" cy="2685547"/>
         </a:xfrm>
         <a:prstGeom prst="roundRect">
           <a:avLst/>
@@ -4930,8 +4920,8 @@
         </a:p>
       </dsp:txBody>
       <dsp:txXfrm>
-        <a:off x="131107" y="2842752"/>
-        <a:ext cx="6151286" cy="2423530"/>
+        <a:off x="131098" y="2842576"/>
+        <a:ext cx="6151304" cy="2423351"/>
       </dsp:txXfrm>
     </dsp:sp>
   </dsp:spTree>
@@ -4953,8 +4943,8 @@
       </dsp:nvSpPr>
       <dsp:spPr>
         <a:xfrm>
-          <a:off x="0" y="34049"/>
-          <a:ext cx="6413663" cy="2405812"/>
+          <a:off x="0" y="0"/>
+          <a:ext cx="6413663" cy="2598277"/>
         </a:xfrm>
         <a:prstGeom prst="roundRect">
           <a:avLst/>
@@ -5017,8 +5007,8 @@
         </a:p>
       </dsp:txBody>
       <dsp:txXfrm>
-        <a:off x="117442" y="151491"/>
-        <a:ext cx="6178779" cy="2170928"/>
+        <a:off x="126837" y="126837"/>
+        <a:ext cx="6159989" cy="2344603"/>
       </dsp:txXfrm>
     </dsp:sp>
     <dsp:sp modelId="{DD4F2317-82B1-4AEF-8408-855C145452CD}">
@@ -5029,7 +5019,7 @@
       <dsp:spPr>
         <a:xfrm>
           <a:off x="0" y="2831982"/>
-          <a:ext cx="6413663" cy="2405812"/>
+          <a:ext cx="6413663" cy="2598277"/>
         </a:xfrm>
         <a:prstGeom prst="roundRect">
           <a:avLst/>
@@ -5079,13 +5069,31 @@
           </a:pPr>
           <a:r>
             <a:rPr lang="fr-FR" sz="2800" kern="1200" dirty="0"/>
-            <a:t>Il va donc récupérer la requête, exécuter un ensemble de sous-requête pour récupérer les informations dont il a besoin pour afficher la page demandée. Pour cela, il va faire appel au Repository.</a:t>
+            <a:t>Il va donc récupérer la requête, exécuter un ensemble de sous-requête pour récupérer les informations dont il a besoin pour afficher la page demandée.</a:t>
+          </a:r>
+        </a:p>
+        <a:p>
+          <a:pPr marL="0" lvl="0" indent="0" algn="l" defTabSz="1244600">
+            <a:lnSpc>
+              <a:spcPct val="90000"/>
+            </a:lnSpc>
+            <a:spcBef>
+              <a:spcPct val="0"/>
+            </a:spcBef>
+            <a:spcAft>
+              <a:spcPct val="35000"/>
+            </a:spcAft>
+            <a:buNone/>
+          </a:pPr>
+          <a:r>
+            <a:rPr lang="fr-FR" sz="2800" kern="1200" dirty="0"/>
+            <a:t>Pour cela, il va faire appel au Repository.</a:t>
           </a:r>
         </a:p>
       </dsp:txBody>
       <dsp:txXfrm>
-        <a:off x="117442" y="2949424"/>
-        <a:ext cx="6178779" cy="2170928"/>
+        <a:off x="126837" y="2958819"/>
+        <a:ext cx="6159989" cy="2344603"/>
       </dsp:txXfrm>
     </dsp:sp>
   </dsp:spTree>
@@ -10664,7 +10672,7 @@
           <a:p>
             <a:fld id="{A92484F3-E9B1-4147-BA48-FC09D99FF563}" type="datetimeFigureOut">
               <a:rPr lang="fr-FR" smtClean="0"/>
-              <a:t>04/06/2020</a:t>
+              <a:t>07/06/2020</a:t>
             </a:fld>
             <a:endParaRPr lang="fr-FR"/>
           </a:p>
@@ -10842,7 +10850,7 @@
           <a:p>
             <a:fld id="{04B58477-CB09-4F23-A236-9E87FF4CBDB9}" type="datetimeFigureOut">
               <a:rPr lang="fr-FR" smtClean="0"/>
-              <a:t>04/06/2020</a:t>
+              <a:t>07/06/2020</a:t>
             </a:fld>
             <a:endParaRPr lang="fr-FR"/>
           </a:p>
@@ -11687,7 +11695,7 @@
           <a:p>
             <a:fld id="{09181184-F05B-400A-8A17-582BFB35CEC7}" type="datetime1">
               <a:rPr lang="fr-FR" smtClean="0"/>
-              <a:t>04/06/2020</a:t>
+              <a:t>07/06/2020</a:t>
             </a:fld>
             <a:endParaRPr lang="fr-FR"/>
           </a:p>
@@ -11898,7 +11906,7 @@
           <a:p>
             <a:fld id="{17B14172-D5F5-4BFB-89B6-FE98C0A91CE9}" type="datetime1">
               <a:rPr lang="fr-FR" smtClean="0"/>
-              <a:t>04/06/2020</a:t>
+              <a:t>07/06/2020</a:t>
             </a:fld>
             <a:endParaRPr lang="fr-FR"/>
           </a:p>
@@ -12158,7 +12166,7 @@
           <a:p>
             <a:fld id="{17B14172-D5F5-4BFB-89B6-FE98C0A91CE9}" type="datetime1">
               <a:rPr lang="fr-FR" smtClean="0"/>
-              <a:t>04/06/2020</a:t>
+              <a:t>07/06/2020</a:t>
             </a:fld>
             <a:endParaRPr lang="fr-FR"/>
           </a:p>
@@ -12332,7 +12340,7 @@
           <a:p>
             <a:fld id="{17B14172-D5F5-4BFB-89B6-FE98C0A91CE9}" type="datetime1">
               <a:rPr lang="fr-FR" smtClean="0"/>
-              <a:t>04/06/2020</a:t>
+              <a:t>07/06/2020</a:t>
             </a:fld>
             <a:endParaRPr lang="fr-FR"/>
           </a:p>
@@ -12679,7 +12687,7 @@
           <a:p>
             <a:fld id="{EE75921B-C4F6-4949-BEE6-7B8822AEE9B3}" type="datetime1">
               <a:rPr lang="fr-FR" smtClean="0"/>
-              <a:t>04/06/2020</a:t>
+              <a:t>07/06/2020</a:t>
             </a:fld>
             <a:endParaRPr lang="fr-FR"/>
           </a:p>
@@ -12957,7 +12965,7 @@
           <a:p>
             <a:fld id="{17B14172-D5F5-4BFB-89B6-FE98C0A91CE9}" type="datetime1">
               <a:rPr lang="fr-FR" smtClean="0"/>
-              <a:t>04/06/2020</a:t>
+              <a:t>07/06/2020</a:t>
             </a:fld>
             <a:endParaRPr lang="fr-FR"/>
           </a:p>
@@ -13340,7 +13348,7 @@
           <a:p>
             <a:fld id="{17B14172-D5F5-4BFB-89B6-FE98C0A91CE9}" type="datetime1">
               <a:rPr lang="fr-FR" smtClean="0"/>
-              <a:t>04/06/2020</a:t>
+              <a:t>07/06/2020</a:t>
             </a:fld>
             <a:endParaRPr lang="fr-FR"/>
           </a:p>
@@ -13462,7 +13470,7 @@
           <a:p>
             <a:fld id="{919D7D2C-C368-49AA-ABB9-59757E9049E2}" type="datetime1">
               <a:rPr lang="fr-FR" smtClean="0"/>
-              <a:t>04/06/2020</a:t>
+              <a:t>07/06/2020</a:t>
             </a:fld>
             <a:endParaRPr lang="fr-FR"/>
           </a:p>
@@ -13636,7 +13644,7 @@
           <a:p>
             <a:fld id="{772202B7-1C66-4DE8-B9AF-37C9BE30BA80}" type="datetime1">
               <a:rPr lang="fr-FR" smtClean="0"/>
-              <a:t>04/06/2020</a:t>
+              <a:t>07/06/2020</a:t>
             </a:fld>
             <a:endParaRPr lang="fr-FR"/>
           </a:p>
@@ -13993,7 +14001,7 @@
           <a:p>
             <a:fld id="{17B14172-D5F5-4BFB-89B6-FE98C0A91CE9}" type="datetime1">
               <a:rPr lang="fr-FR" smtClean="0"/>
-              <a:t>04/06/2020</a:t>
+              <a:t>07/06/2020</a:t>
             </a:fld>
             <a:endParaRPr lang="fr-FR"/>
           </a:p>
@@ -14374,7 +14382,7 @@
           <a:p>
             <a:fld id="{14BC84F3-64A9-4428-BDB0-8FB8732EE96B}" type="datetime1">
               <a:rPr lang="fr-FR" smtClean="0"/>
-              <a:t>04/06/2020</a:t>
+              <a:t>07/06/2020</a:t>
             </a:fld>
             <a:endParaRPr lang="fr-FR"/>
           </a:p>
@@ -14664,7 +14672,7 @@
           <a:p>
             <a:fld id="{17B14172-D5F5-4BFB-89B6-FE98C0A91CE9}" type="datetime1">
               <a:rPr lang="fr-FR" smtClean="0"/>
-              <a:t>04/06/2020</a:t>
+              <a:t>07/06/2020</a:t>
             </a:fld>
             <a:endParaRPr lang="fr-FR"/>
           </a:p>
@@ -15556,7 +15564,7 @@
                   <a:spcPts val="600"/>
                 </a:spcAft>
               </a:pPr>
-              <a:t>04/06/2020</a:t>
+              <a:t>07/06/2020</a:t>
             </a:fld>
             <a:endParaRPr lang="fr-FR"/>
           </a:p>
@@ -16222,7 +16230,7 @@
                   <a:spcPts val="600"/>
                 </a:spcAft>
               </a:pPr>
-              <a:t>6/4/2020</a:t>
+              <a:t>6/7/2020</a:t>
             </a:fld>
             <a:endParaRPr lang="en-US"/>
           </a:p>
@@ -16801,7 +16809,7 @@
                   <a:spcPts val="600"/>
                 </a:spcAft>
               </a:pPr>
-              <a:t>6/4/2020</a:t>
+              <a:t>6/7/2020</a:t>
             </a:fld>
             <a:endParaRPr lang="en-US"/>
           </a:p>
@@ -17046,7 +17054,7 @@
           <a:p>
             <a:fld id="{17B14172-D5F5-4BFB-89B6-FE98C0A91CE9}" type="datetime1">
               <a:rPr lang="fr-FR" smtClean="0"/>
-              <a:t>04/06/2020</a:t>
+              <a:t>07/06/2020</a:t>
             </a:fld>
             <a:endParaRPr lang="fr-FR"/>
           </a:p>
@@ -17247,7 +17255,7 @@
           <a:p>
             <a:fld id="{17B14172-D5F5-4BFB-89B6-FE98C0A91CE9}" type="datetime1">
               <a:rPr lang="fr-FR" smtClean="0"/>
-              <a:t>04/06/2020</a:t>
+              <a:t>07/06/2020</a:t>
             </a:fld>
             <a:endParaRPr lang="fr-FR"/>
           </a:p>
@@ -17483,7 +17491,7 @@
           <a:p>
             <a:fld id="{17B14172-D5F5-4BFB-89B6-FE98C0A91CE9}" type="datetime1">
               <a:rPr lang="fr-FR" smtClean="0"/>
-              <a:t>04/06/2020</a:t>
+              <a:t>07/06/2020</a:t>
             </a:fld>
             <a:endParaRPr lang="fr-FR"/>
           </a:p>
@@ -18115,7 +18123,7 @@
                   <a:spcPts val="600"/>
                 </a:spcAft>
               </a:pPr>
-              <a:t>6/4/2020</a:t>
+              <a:t>6/7/2020</a:t>
             </a:fld>
             <a:endParaRPr lang="en-US"/>
           </a:p>
@@ -18267,7 +18275,7 @@
           <a:p>
             <a:fld id="{EE75921B-C4F6-4949-BEE6-7B8822AEE9B3}" type="datetime1">
               <a:rPr lang="fr-FR" smtClean="0"/>
-              <a:t>04/06/2020</a:t>
+              <a:t>07/06/2020</a:t>
             </a:fld>
             <a:endParaRPr lang="fr-FR"/>
           </a:p>
@@ -18446,7 +18454,7 @@
         </p:nvGrpSpPr>
         <p:grpSpPr>
           <a:xfrm>
-            <a:off x="2868717" y="2689327"/>
+            <a:off x="3569551" y="2212206"/>
             <a:ext cx="520117" cy="501242"/>
             <a:chOff x="2868717" y="2689327"/>
             <a:chExt cx="520117" cy="501242"/>
@@ -18562,7 +18570,7 @@
         </p:nvGrpSpPr>
         <p:grpSpPr>
           <a:xfrm>
-            <a:off x="5760440" y="1536061"/>
+            <a:off x="6364207" y="1478315"/>
             <a:ext cx="520117" cy="501242"/>
             <a:chOff x="5760440" y="1536061"/>
             <a:chExt cx="520117" cy="501242"/>
@@ -18794,7 +18802,7 @@
         </p:nvGrpSpPr>
         <p:grpSpPr>
           <a:xfrm>
-            <a:off x="5835941" y="3178379"/>
+            <a:off x="5717407" y="3130372"/>
             <a:ext cx="520117" cy="501242"/>
             <a:chOff x="5835941" y="3178379"/>
             <a:chExt cx="520117" cy="501242"/>
@@ -18910,7 +18918,7 @@
         </p:nvGrpSpPr>
         <p:grpSpPr>
           <a:xfrm>
-            <a:off x="4630405" y="5097930"/>
+            <a:off x="6254991" y="4627823"/>
             <a:ext cx="520117" cy="501242"/>
             <a:chOff x="4630405" y="5097930"/>
             <a:chExt cx="520117" cy="501242"/>
@@ -19084,6 +19092,55 @@
           </a:prstGeom>
         </p:spPr>
       </p:pic>
+      <p:sp>
+        <p:nvSpPr>
+          <p:cNvPr id="2" name="ZoneTexte 1">
+            <a:extLst>
+              <a:ext uri="{FF2B5EF4-FFF2-40B4-BE49-F238E27FC236}">
+                <a16:creationId xmlns:a16="http://schemas.microsoft.com/office/drawing/2014/main" id="{23CCBC4F-54CC-4722-B249-0861DC0369DA}"/>
+              </a:ext>
+            </a:extLst>
+          </p:cNvPr>
+          <p:cNvSpPr txBox="1"/>
+          <p:nvPr/>
+        </p:nvSpPr>
+        <p:spPr>
+          <a:xfrm>
+            <a:off x="6884324" y="3033290"/>
+            <a:ext cx="1734817" cy="646331"/>
+          </a:xfrm>
+          <a:prstGeom prst="rect">
+            <a:avLst/>
+          </a:prstGeom>
+          <a:noFill/>
+        </p:spPr>
+        <p:txBody>
+          <a:bodyPr wrap="square" rtlCol="0">
+            <a:spAutoFit/>
+          </a:bodyPr>
+          <a:lstStyle/>
+          <a:p>
+            <a:pPr marL="285750" indent="-285750">
+              <a:buFont typeface="Wingdings" panose="05000000000000000000" pitchFamily="2" charset="2"/>
+              <a:buChar char="Ø"/>
+            </a:pPr>
+            <a:r>
+              <a:rPr lang="fr-FR" dirty="0"/>
+              <a:t>Entité</a:t>
+            </a:r>
+          </a:p>
+          <a:p>
+            <a:pPr marL="285750" indent="-285750">
+              <a:buFont typeface="Wingdings" panose="05000000000000000000" pitchFamily="2" charset="2"/>
+              <a:buChar char="Ø"/>
+            </a:pPr>
+            <a:r>
+              <a:rPr lang="fr-FR" dirty="0"/>
+              <a:t>Repository</a:t>
+            </a:r>
+          </a:p>
+        </p:txBody>
+      </p:sp>
     </p:spTree>
     <p:extLst>
       <p:ext uri="{BB962C8B-B14F-4D97-AF65-F5344CB8AC3E}">
@@ -19461,7 +19518,7 @@
           <a:p>
             <a:fld id="{EE75921B-C4F6-4949-BEE6-7B8822AEE9B3}" type="datetime1">
               <a:rPr lang="fr-FR" smtClean="0"/>
-              <a:t>04/06/2020</a:t>
+              <a:t>07/06/2020</a:t>
             </a:fld>
             <a:endParaRPr lang="fr-FR"/>
           </a:p>
@@ -19647,11 +19704,11 @@
           <a:bodyPr/>
           <a:lstStyle/>
           <a:p>
+            <a:pPr algn="ctr"/>
             <a:r>
-              <a:rPr lang="fr-FR"/>
+              <a:rPr lang="fr-FR" dirty="0"/>
               <a:t>MCD</a:t>
             </a:r>
-            <a:endParaRPr lang="fr-FR" dirty="0"/>
           </a:p>
         </p:txBody>
       </p:sp>
@@ -19679,7 +19736,7 @@
             <a:fld id="{EE75921B-C4F6-4949-BEE6-7B8822AEE9B3}" type="datetime1">
               <a:rPr lang="fr-FR" smtClean="0"/>
               <a:pPr/>
-              <a:t>04/06/2020</a:t>
+              <a:t>07/06/2020</a:t>
             </a:fld>
             <a:endParaRPr lang="fr-FR"/>
           </a:p>
@@ -21439,7 +21496,7 @@
                   <a:spcPts val="600"/>
                 </a:spcAft>
               </a:pPr>
-              <a:t>6/4/2020</a:t>
+              <a:t>6/7/2020</a:t>
             </a:fld>
             <a:endParaRPr lang="en-US"/>
           </a:p>
@@ -22091,7 +22148,7 @@
                   <a:spcPts val="600"/>
                 </a:spcAft>
               </a:pPr>
-              <a:t>6/4/2020</a:t>
+              <a:t>6/7/2020</a:t>
             </a:fld>
             <a:endParaRPr lang="en-US"/>
           </a:p>
@@ -22383,13 +22440,18 @@
           <a:lstStyle/>
           <a:p>
             <a:r>
-              <a:rPr lang="fr-FR" sz="3600">
+              <a:rPr lang="fr-FR" sz="3600" dirty="0" err="1">
                 <a:solidFill>
                   <a:srgbClr val="FFFFFF"/>
                 </a:solidFill>
               </a:rPr>
-              <a:t>Requête</a:t>
+              <a:t>Request</a:t>
             </a:r>
+            <a:endParaRPr lang="fr-FR" sz="3600" dirty="0">
+              <a:solidFill>
+                <a:srgbClr val="FFFFFF"/>
+              </a:solidFill>
+            </a:endParaRPr>
           </a:p>
         </p:txBody>
       </p:sp>
@@ -22464,7 +22526,7 @@
             <p:ph idx="1"/>
             <p:extLst>
               <p:ext uri="{D42A27DB-BD31-4B8C-83A1-F6EECF244321}">
-                <p14:modId xmlns:p14="http://schemas.microsoft.com/office/powerpoint/2010/main" val="3738912555"/>
+                <p14:modId xmlns:p14="http://schemas.microsoft.com/office/powerpoint/2010/main" val="3797433353"/>
               </p:ext>
             </p:extLst>
           </p:nvPr>
@@ -22519,7 +22581,7 @@
                   <a:spcPts val="600"/>
                 </a:spcAft>
               </a:pPr>
-              <a:t>04/06/2020</a:t>
+              <a:t>07/06/2020</a:t>
             </a:fld>
             <a:endParaRPr lang="fr-FR"/>
           </a:p>
@@ -22952,7 +23014,7 @@
             <p:ph idx="1"/>
             <p:extLst>
               <p:ext uri="{D42A27DB-BD31-4B8C-83A1-F6EECF244321}">
-                <p14:modId xmlns:p14="http://schemas.microsoft.com/office/powerpoint/2010/main" val="1158038731"/>
+                <p14:modId xmlns:p14="http://schemas.microsoft.com/office/powerpoint/2010/main" val="715809293"/>
               </p:ext>
             </p:extLst>
           </p:nvPr>
@@ -23007,7 +23069,7 @@
                   <a:spcPts val="600"/>
                 </a:spcAft>
               </a:pPr>
-              <a:t>04/06/2020</a:t>
+              <a:t>07/06/2020</a:t>
             </a:fld>
             <a:endParaRPr lang="fr-FR"/>
           </a:p>
@@ -23217,7 +23279,7 @@
                 <a:tabLst/>
                 <a:defRPr/>
               </a:pPr>
-              <a:t>04/06/2020</a:t>
+              <a:t>07/06/2020</a:t>
             </a:fld>
             <a:endParaRPr kumimoji="0" lang="fr-FR" b="0" i="0" u="none" strike="noStrike" kern="1200" cap="none" spc="0" normalizeH="0" baseline="0" noProof="0">
               <a:ln>
@@ -24053,7 +24115,7 @@
                   <a:spcPts val="600"/>
                 </a:spcAft>
               </a:pPr>
-              <a:t>04/06/2020</a:t>
+              <a:t>07/06/2020</a:t>
             </a:fld>
             <a:endParaRPr lang="fr-FR"/>
           </a:p>
@@ -24422,7 +24484,7 @@
                 <a:tabLst/>
                 <a:defRPr/>
               </a:pPr>
-              <a:t>04/06/2020</a:t>
+              <a:t>07/06/2020</a:t>
             </a:fld>
             <a:endParaRPr kumimoji="0" lang="fr-FR" b="0" i="0" u="none" strike="noStrike" kern="1200" cap="none" spc="0" normalizeH="0" baseline="0" noProof="0">
               <a:ln>
@@ -25263,7 +25325,7 @@
                   <a:spcPts val="600"/>
                 </a:spcAft>
               </a:pPr>
-              <a:t>04/06/2020</a:t>
+              <a:t>07/06/2020</a:t>
             </a:fld>
             <a:endParaRPr lang="fr-FR"/>
           </a:p>
@@ -25492,7 +25554,7 @@
               </a:pPr>
               <a:r>
                 <a:rPr lang="fr-FR" sz="2800" dirty="0"/>
-                <a:t>La Vue, géré par </a:t>
+                <a:t>La Vue, gérée par </a:t>
               </a:r>
               <a:r>
                 <a:rPr lang="fr-FR" sz="2800" dirty="0" err="1"/>
@@ -25500,15 +25562,7 @@
               </a:r>
               <a:r>
                 <a:rPr lang="fr-FR" sz="2800" dirty="0"/>
-                <a:t>, </a:t>
-              </a:r>
-              <a:r>
-                <a:rPr lang="fr-FR" sz="2800"/>
-                <a:t>permet d’organiser, </a:t>
-              </a:r>
-              <a:r>
-                <a:rPr lang="fr-FR" sz="2800" dirty="0"/>
-                <a:t>de conditionner le rendue de la page HTML que nous allons ensuite renvoyé à l’utilisateur.</a:t>
+                <a:t>, permet d’organiser, de conditionner le rendu de la page HTML que nous allons ensuite renvoyer à l’utilisateur.</a:t>
               </a:r>
             </a:p>
           </p:txBody>
@@ -25567,7 +25621,7 @@
           <a:p>
             <a:fld id="{17B14172-D5F5-4BFB-89B6-FE98C0A91CE9}" type="datetime1">
               <a:rPr lang="fr-FR" smtClean="0"/>
-              <a:t>04/06/2020</a:t>
+              <a:t>07/06/2020</a:t>
             </a:fld>
             <a:endParaRPr lang="fr-FR"/>
           </a:p>
@@ -27618,7 +27672,7 @@
                   <a:spcPts val="600"/>
                 </a:spcAft>
               </a:pPr>
-              <a:t>04/06/2020</a:t>
+              <a:t>07/06/2020</a:t>
             </a:fld>
             <a:endParaRPr lang="fr-FR"/>
           </a:p>
@@ -28431,7 +28485,7 @@
                   <a:spcPts val="600"/>
                 </a:spcAft>
               </a:pPr>
-              <a:t>6/4/2020</a:t>
+              <a:t>6/7/2020</a:t>
             </a:fld>
             <a:endParaRPr lang="en-US"/>
           </a:p>
@@ -28544,7 +28598,7 @@
         </p:nvSpPr>
         <p:spPr>
           <a:xfrm>
-            <a:off x="4306721" y="5364673"/>
+            <a:off x="4306721" y="5291566"/>
             <a:ext cx="3575412" cy="738664"/>
           </a:xfrm>
           <a:prstGeom prst="rect">
@@ -28558,11 +28612,12 @@
           </a:bodyPr>
           <a:lstStyle/>
           <a:p>
+            <a:pPr algn="ctr"/>
             <a:r>
               <a:rPr lang="en-US" sz="2400" dirty="0">
                 <a:hlinkClick r:id="rId2"/>
               </a:rPr>
-              <a:t>www.tofbox.sylvainallain.fr</a:t>
+              <a:t>tofbox.sylvainallain.fr</a:t>
             </a:r>
             <a:endParaRPr lang="en-US" sz="2400" dirty="0"/>
           </a:p>
@@ -29081,7 +29136,7 @@
                   <a:spcPts val="600"/>
                 </a:spcAft>
               </a:pPr>
-              <a:t>6/4/2020</a:t>
+              <a:t>6/7/2020</a:t>
             </a:fld>
             <a:endParaRPr lang="en-US"/>
           </a:p>
@@ -29506,7 +29561,7 @@
                   <a:spcPts val="600"/>
                 </a:spcAft>
               </a:pPr>
-              <a:t>04/06/2020</a:t>
+              <a:t>07/06/2020</a:t>
             </a:fld>
             <a:endParaRPr lang="fr-FR"/>
           </a:p>
@@ -29626,7 +29681,7 @@
             <p:ph idx="1"/>
             <p:extLst>
               <p:ext uri="{D42A27DB-BD31-4B8C-83A1-F6EECF244321}">
-                <p14:modId xmlns:p14="http://schemas.microsoft.com/office/powerpoint/2010/main" val="366841446"/>
+                <p14:modId xmlns:p14="http://schemas.microsoft.com/office/powerpoint/2010/main" val="1531640933"/>
               </p:ext>
             </p:extLst>
           </p:nvPr>
@@ -29694,7 +29749,7 @@
           <a:p>
             <a:fld id="{17B14172-D5F5-4BFB-89B6-FE98C0A91CE9}" type="datetime1">
               <a:rPr lang="fr-FR" smtClean="0"/>
-              <a:t>04/06/2020</a:t>
+              <a:t>07/06/2020</a:t>
             </a:fld>
             <a:endParaRPr lang="fr-FR"/>
           </a:p>
@@ -29807,7 +29862,7 @@
             <p:ph idx="4294967295"/>
             <p:extLst>
               <p:ext uri="{D42A27DB-BD31-4B8C-83A1-F6EECF244321}">
-                <p14:modId xmlns:p14="http://schemas.microsoft.com/office/powerpoint/2010/main" val="1598238921"/>
+                <p14:modId xmlns:p14="http://schemas.microsoft.com/office/powerpoint/2010/main" val="409866499"/>
               </p:ext>
             </p:extLst>
           </p:nvPr>
@@ -29856,7 +29911,7 @@
             </a:pPr>
             <a:r>
               <a:rPr lang="fr-FR" b="1" dirty="0"/>
-              <a:t>Anonyme</a:t>
+              <a:t>Non connecté</a:t>
             </a:r>
           </a:p>
           <a:p>
@@ -30006,7 +30061,7 @@
             </a:pPr>
             <a:r>
               <a:rPr lang="fr-FR" sz="1600" dirty="0"/>
-              <a:t>A accès a toutes les fonctionnalités d’un utilisateur connecté. Sauf changement d’adresse e-mail et mot de passe</a:t>
+              <a:t>A accès à toutes les fonctionnalités d’un utilisateur connecté. Sauf changement d’adresse e-mail et mot de passe</a:t>
             </a:r>
             <a:endParaRPr lang="fr-FR" sz="1600" b="1" dirty="0"/>
           </a:p>
@@ -30017,7 +30072,7 @@
             </a:pPr>
             <a:r>
               <a:rPr lang="fr-FR" sz="1600" dirty="0"/>
-              <a:t>Accès a un espace d’administration</a:t>
+              <a:t>Accès à un espace d’administration</a:t>
             </a:r>
           </a:p>
         </p:txBody>
@@ -31193,7 +31248,7 @@
             </a:pPr>
             <a:r>
               <a:rPr lang="fr-FR" dirty="0"/>
-              <a:t> Outils lié au développement</a:t>
+              <a:t> Outils liés au développement</a:t>
             </a:r>
           </a:p>
         </p:txBody>
@@ -31221,7 +31276,7 @@
           <a:p>
             <a:fld id="{17B14172-D5F5-4BFB-89B6-FE98C0A91CE9}" type="datetime1">
               <a:rPr lang="fr-FR" smtClean="0"/>
-              <a:t>04/06/2020</a:t>
+              <a:t>07/06/2020</a:t>
             </a:fld>
             <a:endParaRPr lang="fr-FR"/>
           </a:p>
@@ -32570,7 +32625,7 @@
             <a:pPr algn="ctr"/>
             <a:r>
               <a:rPr lang="fr-FR" dirty="0"/>
-              <a:t>Langages, bibliothèque et environnement de développement</a:t>
+              <a:t>Langages, bibliothèques et environnement de développement</a:t>
             </a:r>
           </a:p>
         </p:txBody>
@@ -32675,7 +32730,7 @@
           <a:p>
             <a:fld id="{17B14172-D5F5-4BFB-89B6-FE98C0A91CE9}" type="datetime1">
               <a:rPr lang="fr-FR" smtClean="0"/>
-              <a:t>04/06/2020</a:t>
+              <a:t>07/06/2020</a:t>
             </a:fld>
             <a:endParaRPr lang="fr-FR"/>
           </a:p>
@@ -34654,7 +34709,7 @@
                   <a:spcPts val="600"/>
                 </a:spcAft>
               </a:pPr>
-              <a:t>6/4/2020</a:t>
+              <a:t>6/7/2020</a:t>
             </a:fld>
             <a:endParaRPr lang="en-US"/>
           </a:p>
@@ -35301,7 +35356,7 @@
                   <a:spcPts val="600"/>
                 </a:spcAft>
               </a:pPr>
-              <a:t>6/4/2020</a:t>
+              <a:t>6/7/2020</a:t>
             </a:fld>
             <a:endParaRPr lang="en-US"/>
           </a:p>
@@ -35948,7 +36003,7 @@
                   <a:spcPts val="600"/>
                 </a:spcAft>
               </a:pPr>
-              <a:t>6/4/2020</a:t>
+              <a:t>6/7/2020</a:t>
             </a:fld>
             <a:endParaRPr lang="en-US"/>
           </a:p>

--- a/ProjetTof’Box.pptx
+++ b/ProjetTof’Box.pptx
@@ -10672,7 +10672,7 @@
           <a:p>
             <a:fld id="{A92484F3-E9B1-4147-BA48-FC09D99FF563}" type="datetimeFigureOut">
               <a:rPr lang="fr-FR" smtClean="0"/>
-              <a:t>07/06/2020</a:t>
+              <a:t>08/06/2020</a:t>
             </a:fld>
             <a:endParaRPr lang="fr-FR"/>
           </a:p>
@@ -10850,7 +10850,7 @@
           <a:p>
             <a:fld id="{04B58477-CB09-4F23-A236-9E87FF4CBDB9}" type="datetimeFigureOut">
               <a:rPr lang="fr-FR" smtClean="0"/>
-              <a:t>07/06/2020</a:t>
+              <a:t>08/06/2020</a:t>
             </a:fld>
             <a:endParaRPr lang="fr-FR"/>
           </a:p>
@@ -11401,15 +11401,7 @@
           <a:p>
             <a:r>
               <a:rPr lang="fr-FR" dirty="0"/>
-              <a:t>5 = La vue organiser la réponse et </a:t>
-            </a:r>
-            <a:r>
-              <a:rPr lang="fr-FR" dirty="0" err="1"/>
-              <a:t>retourn</a:t>
-            </a:r>
-            <a:r>
-              <a:rPr lang="fr-FR" dirty="0"/>
-              <a:t> le HTML qui sera affiché à l’utilisateur.</a:t>
+              <a:t>5 = La vue organiser la réponse et retourne le HTML qui sera affiché à l’utilisateur.</a:t>
             </a:r>
           </a:p>
         </p:txBody>
@@ -11695,7 +11687,7 @@
           <a:p>
             <a:fld id="{09181184-F05B-400A-8A17-582BFB35CEC7}" type="datetime1">
               <a:rPr lang="fr-FR" smtClean="0"/>
-              <a:t>07/06/2020</a:t>
+              <a:t>08/06/2020</a:t>
             </a:fld>
             <a:endParaRPr lang="fr-FR"/>
           </a:p>
@@ -11906,7 +11898,7 @@
           <a:p>
             <a:fld id="{17B14172-D5F5-4BFB-89B6-FE98C0A91CE9}" type="datetime1">
               <a:rPr lang="fr-FR" smtClean="0"/>
-              <a:t>07/06/2020</a:t>
+              <a:t>08/06/2020</a:t>
             </a:fld>
             <a:endParaRPr lang="fr-FR"/>
           </a:p>
@@ -12166,7 +12158,7 @@
           <a:p>
             <a:fld id="{17B14172-D5F5-4BFB-89B6-FE98C0A91CE9}" type="datetime1">
               <a:rPr lang="fr-FR" smtClean="0"/>
-              <a:t>07/06/2020</a:t>
+              <a:t>08/06/2020</a:t>
             </a:fld>
             <a:endParaRPr lang="fr-FR"/>
           </a:p>
@@ -12340,7 +12332,7 @@
           <a:p>
             <a:fld id="{17B14172-D5F5-4BFB-89B6-FE98C0A91CE9}" type="datetime1">
               <a:rPr lang="fr-FR" smtClean="0"/>
-              <a:t>07/06/2020</a:t>
+              <a:t>08/06/2020</a:t>
             </a:fld>
             <a:endParaRPr lang="fr-FR"/>
           </a:p>
@@ -12687,7 +12679,7 @@
           <a:p>
             <a:fld id="{EE75921B-C4F6-4949-BEE6-7B8822AEE9B3}" type="datetime1">
               <a:rPr lang="fr-FR" smtClean="0"/>
-              <a:t>07/06/2020</a:t>
+              <a:t>08/06/2020</a:t>
             </a:fld>
             <a:endParaRPr lang="fr-FR"/>
           </a:p>
@@ -12965,7 +12957,7 @@
           <a:p>
             <a:fld id="{17B14172-D5F5-4BFB-89B6-FE98C0A91CE9}" type="datetime1">
               <a:rPr lang="fr-FR" smtClean="0"/>
-              <a:t>07/06/2020</a:t>
+              <a:t>08/06/2020</a:t>
             </a:fld>
             <a:endParaRPr lang="fr-FR"/>
           </a:p>
@@ -13348,7 +13340,7 @@
           <a:p>
             <a:fld id="{17B14172-D5F5-4BFB-89B6-FE98C0A91CE9}" type="datetime1">
               <a:rPr lang="fr-FR" smtClean="0"/>
-              <a:t>07/06/2020</a:t>
+              <a:t>08/06/2020</a:t>
             </a:fld>
             <a:endParaRPr lang="fr-FR"/>
           </a:p>
@@ -13470,7 +13462,7 @@
           <a:p>
             <a:fld id="{919D7D2C-C368-49AA-ABB9-59757E9049E2}" type="datetime1">
               <a:rPr lang="fr-FR" smtClean="0"/>
-              <a:t>07/06/2020</a:t>
+              <a:t>08/06/2020</a:t>
             </a:fld>
             <a:endParaRPr lang="fr-FR"/>
           </a:p>
@@ -13644,7 +13636,7 @@
           <a:p>
             <a:fld id="{772202B7-1C66-4DE8-B9AF-37C9BE30BA80}" type="datetime1">
               <a:rPr lang="fr-FR" smtClean="0"/>
-              <a:t>07/06/2020</a:t>
+              <a:t>08/06/2020</a:t>
             </a:fld>
             <a:endParaRPr lang="fr-FR"/>
           </a:p>
@@ -14001,7 +13993,7 @@
           <a:p>
             <a:fld id="{17B14172-D5F5-4BFB-89B6-FE98C0A91CE9}" type="datetime1">
               <a:rPr lang="fr-FR" smtClean="0"/>
-              <a:t>07/06/2020</a:t>
+              <a:t>08/06/2020</a:t>
             </a:fld>
             <a:endParaRPr lang="fr-FR"/>
           </a:p>
@@ -14382,7 +14374,7 @@
           <a:p>
             <a:fld id="{14BC84F3-64A9-4428-BDB0-8FB8732EE96B}" type="datetime1">
               <a:rPr lang="fr-FR" smtClean="0"/>
-              <a:t>07/06/2020</a:t>
+              <a:t>08/06/2020</a:t>
             </a:fld>
             <a:endParaRPr lang="fr-FR"/>
           </a:p>
@@ -14672,7 +14664,7 @@
           <a:p>
             <a:fld id="{17B14172-D5F5-4BFB-89B6-FE98C0A91CE9}" type="datetime1">
               <a:rPr lang="fr-FR" smtClean="0"/>
-              <a:t>07/06/2020</a:t>
+              <a:t>08/06/2020</a:t>
             </a:fld>
             <a:endParaRPr lang="fr-FR"/>
           </a:p>
@@ -15564,7 +15556,7 @@
                   <a:spcPts val="600"/>
                 </a:spcAft>
               </a:pPr>
-              <a:t>07/06/2020</a:t>
+              <a:t>08/06/2020</a:t>
             </a:fld>
             <a:endParaRPr lang="fr-FR"/>
           </a:p>
@@ -16230,7 +16222,7 @@
                   <a:spcPts val="600"/>
                 </a:spcAft>
               </a:pPr>
-              <a:t>6/7/2020</a:t>
+              <a:t>6/8/2020</a:t>
             </a:fld>
             <a:endParaRPr lang="en-US"/>
           </a:p>
@@ -16809,7 +16801,7 @@
                   <a:spcPts val="600"/>
                 </a:spcAft>
               </a:pPr>
-              <a:t>6/7/2020</a:t>
+              <a:t>6/8/2020</a:t>
             </a:fld>
             <a:endParaRPr lang="en-US"/>
           </a:p>
@@ -17054,7 +17046,7 @@
           <a:p>
             <a:fld id="{17B14172-D5F5-4BFB-89B6-FE98C0A91CE9}" type="datetime1">
               <a:rPr lang="fr-FR" smtClean="0"/>
-              <a:t>07/06/2020</a:t>
+              <a:t>08/06/2020</a:t>
             </a:fld>
             <a:endParaRPr lang="fr-FR"/>
           </a:p>
@@ -17255,7 +17247,7 @@
           <a:p>
             <a:fld id="{17B14172-D5F5-4BFB-89B6-FE98C0A91CE9}" type="datetime1">
               <a:rPr lang="fr-FR" smtClean="0"/>
-              <a:t>07/06/2020</a:t>
+              <a:t>08/06/2020</a:t>
             </a:fld>
             <a:endParaRPr lang="fr-FR"/>
           </a:p>
@@ -17491,7 +17483,7 @@
           <a:p>
             <a:fld id="{17B14172-D5F5-4BFB-89B6-FE98C0A91CE9}" type="datetime1">
               <a:rPr lang="fr-FR" smtClean="0"/>
-              <a:t>07/06/2020</a:t>
+              <a:t>08/06/2020</a:t>
             </a:fld>
             <a:endParaRPr lang="fr-FR"/>
           </a:p>
@@ -18123,7 +18115,7 @@
                   <a:spcPts val="600"/>
                 </a:spcAft>
               </a:pPr>
-              <a:t>6/7/2020</a:t>
+              <a:t>6/8/2020</a:t>
             </a:fld>
             <a:endParaRPr lang="en-US"/>
           </a:p>
@@ -18275,7 +18267,7 @@
           <a:p>
             <a:fld id="{EE75921B-C4F6-4949-BEE6-7B8822AEE9B3}" type="datetime1">
               <a:rPr lang="fr-FR" smtClean="0"/>
-              <a:t>07/06/2020</a:t>
+              <a:t>08/06/2020</a:t>
             </a:fld>
             <a:endParaRPr lang="fr-FR"/>
           </a:p>
@@ -19518,7 +19510,7 @@
           <a:p>
             <a:fld id="{EE75921B-C4F6-4949-BEE6-7B8822AEE9B3}" type="datetime1">
               <a:rPr lang="fr-FR" smtClean="0"/>
-              <a:t>07/06/2020</a:t>
+              <a:t>08/06/2020</a:t>
             </a:fld>
             <a:endParaRPr lang="fr-FR"/>
           </a:p>
@@ -19736,7 +19728,7 @@
             <a:fld id="{EE75921B-C4F6-4949-BEE6-7B8822AEE9B3}" type="datetime1">
               <a:rPr lang="fr-FR" smtClean="0"/>
               <a:pPr/>
-              <a:t>07/06/2020</a:t>
+              <a:t>08/06/2020</a:t>
             </a:fld>
             <a:endParaRPr lang="fr-FR"/>
           </a:p>
@@ -21496,7 +21488,7 @@
                   <a:spcPts val="600"/>
                 </a:spcAft>
               </a:pPr>
-              <a:t>6/7/2020</a:t>
+              <a:t>6/8/2020</a:t>
             </a:fld>
             <a:endParaRPr lang="en-US"/>
           </a:p>
@@ -22148,7 +22140,7 @@
                   <a:spcPts val="600"/>
                 </a:spcAft>
               </a:pPr>
-              <a:t>6/7/2020</a:t>
+              <a:t>6/8/2020</a:t>
             </a:fld>
             <a:endParaRPr lang="en-US"/>
           </a:p>
@@ -22581,7 +22573,7 @@
                   <a:spcPts val="600"/>
                 </a:spcAft>
               </a:pPr>
-              <a:t>07/06/2020</a:t>
+              <a:t>08/06/2020</a:t>
             </a:fld>
             <a:endParaRPr lang="fr-FR"/>
           </a:p>
@@ -23069,7 +23061,7 @@
                   <a:spcPts val="600"/>
                 </a:spcAft>
               </a:pPr>
-              <a:t>07/06/2020</a:t>
+              <a:t>08/06/2020</a:t>
             </a:fld>
             <a:endParaRPr lang="fr-FR"/>
           </a:p>
@@ -23279,7 +23271,7 @@
                 <a:tabLst/>
                 <a:defRPr/>
               </a:pPr>
-              <a:t>07/06/2020</a:t>
+              <a:t>08/06/2020</a:t>
             </a:fld>
             <a:endParaRPr kumimoji="0" lang="fr-FR" b="0" i="0" u="none" strike="noStrike" kern="1200" cap="none" spc="0" normalizeH="0" baseline="0" noProof="0">
               <a:ln>
@@ -24115,7 +24107,7 @@
                   <a:spcPts val="600"/>
                 </a:spcAft>
               </a:pPr>
-              <a:t>07/06/2020</a:t>
+              <a:t>08/06/2020</a:t>
             </a:fld>
             <a:endParaRPr lang="fr-FR"/>
           </a:p>
@@ -24484,7 +24476,7 @@
                 <a:tabLst/>
                 <a:defRPr/>
               </a:pPr>
-              <a:t>07/06/2020</a:t>
+              <a:t>08/06/2020</a:t>
             </a:fld>
             <a:endParaRPr kumimoji="0" lang="fr-FR" b="0" i="0" u="none" strike="noStrike" kern="1200" cap="none" spc="0" normalizeH="0" baseline="0" noProof="0">
               <a:ln>
@@ -25325,7 +25317,7 @@
                   <a:spcPts val="600"/>
                 </a:spcAft>
               </a:pPr>
-              <a:t>07/06/2020</a:t>
+              <a:t>08/06/2020</a:t>
             </a:fld>
             <a:endParaRPr lang="fr-FR"/>
           </a:p>
@@ -25621,7 +25613,7 @@
           <a:p>
             <a:fld id="{17B14172-D5F5-4BFB-89B6-FE98C0A91CE9}" type="datetime1">
               <a:rPr lang="fr-FR" smtClean="0"/>
-              <a:t>07/06/2020</a:t>
+              <a:t>08/06/2020</a:t>
             </a:fld>
             <a:endParaRPr lang="fr-FR"/>
           </a:p>
@@ -27672,7 +27664,7 @@
                   <a:spcPts val="600"/>
                 </a:spcAft>
               </a:pPr>
-              <a:t>07/06/2020</a:t>
+              <a:t>08/06/2020</a:t>
             </a:fld>
             <a:endParaRPr lang="fr-FR"/>
           </a:p>
@@ -28485,7 +28477,7 @@
                   <a:spcPts val="600"/>
                 </a:spcAft>
               </a:pPr>
-              <a:t>6/7/2020</a:t>
+              <a:t>6/8/2020</a:t>
             </a:fld>
             <a:endParaRPr lang="en-US"/>
           </a:p>
@@ -29136,7 +29128,7 @@
                   <a:spcPts val="600"/>
                 </a:spcAft>
               </a:pPr>
-              <a:t>6/7/2020</a:t>
+              <a:t>6/8/2020</a:t>
             </a:fld>
             <a:endParaRPr lang="en-US"/>
           </a:p>
@@ -29561,7 +29553,7 @@
                   <a:spcPts val="600"/>
                 </a:spcAft>
               </a:pPr>
-              <a:t>07/06/2020</a:t>
+              <a:t>08/06/2020</a:t>
             </a:fld>
             <a:endParaRPr lang="fr-FR"/>
           </a:p>
@@ -29749,7 +29741,7 @@
           <a:p>
             <a:fld id="{17B14172-D5F5-4BFB-89B6-FE98C0A91CE9}" type="datetime1">
               <a:rPr lang="fr-FR" smtClean="0"/>
-              <a:t>07/06/2020</a:t>
+              <a:t>08/06/2020</a:t>
             </a:fld>
             <a:endParaRPr lang="fr-FR"/>
           </a:p>
@@ -31276,7 +31268,7 @@
           <a:p>
             <a:fld id="{17B14172-D5F5-4BFB-89B6-FE98C0A91CE9}" type="datetime1">
               <a:rPr lang="fr-FR" smtClean="0"/>
-              <a:t>07/06/2020</a:t>
+              <a:t>08/06/2020</a:t>
             </a:fld>
             <a:endParaRPr lang="fr-FR"/>
           </a:p>
@@ -32730,7 +32722,7 @@
           <a:p>
             <a:fld id="{17B14172-D5F5-4BFB-89B6-FE98C0A91CE9}" type="datetime1">
               <a:rPr lang="fr-FR" smtClean="0"/>
-              <a:t>07/06/2020</a:t>
+              <a:t>08/06/2020</a:t>
             </a:fld>
             <a:endParaRPr lang="fr-FR"/>
           </a:p>
@@ -34709,7 +34701,7 @@
                   <a:spcPts val="600"/>
                 </a:spcAft>
               </a:pPr>
-              <a:t>6/7/2020</a:t>
+              <a:t>6/8/2020</a:t>
             </a:fld>
             <a:endParaRPr lang="en-US"/>
           </a:p>
@@ -35356,7 +35348,7 @@
                   <a:spcPts val="600"/>
                 </a:spcAft>
               </a:pPr>
-              <a:t>6/7/2020</a:t>
+              <a:t>6/8/2020</a:t>
             </a:fld>
             <a:endParaRPr lang="en-US"/>
           </a:p>
@@ -36003,7 +35995,7 @@
                   <a:spcPts val="600"/>
                 </a:spcAft>
               </a:pPr>
-              <a:t>6/7/2020</a:t>
+              <a:t>6/8/2020</a:t>
             </a:fld>
             <a:endParaRPr lang="en-US"/>
           </a:p>

--- a/ProjetTof’Box.pptx
+++ b/ProjetTof’Box.pptx
@@ -5,10 +5,10 @@
     <p:sldMasterId id="2147484363" r:id="rId1"/>
   </p:sldMasterIdLst>
   <p:notesMasterIdLst>
-    <p:notesMasterId r:id="rId31"/>
+    <p:notesMasterId r:id="rId32"/>
   </p:notesMasterIdLst>
   <p:handoutMasterIdLst>
-    <p:handoutMasterId r:id="rId32"/>
+    <p:handoutMasterId r:id="rId33"/>
   </p:handoutMasterIdLst>
   <p:sldIdLst>
     <p:sldId id="256" r:id="rId2"/>
@@ -39,7 +39,8 @@
     <p:sldId id="289" r:id="rId27"/>
     <p:sldId id="291" r:id="rId28"/>
     <p:sldId id="270" r:id="rId29"/>
-    <p:sldId id="271" r:id="rId30"/>
+    <p:sldId id="292" r:id="rId30"/>
+    <p:sldId id="271" r:id="rId31"/>
   </p:sldIdLst>
   <p:sldSz cx="12192000" cy="6858000"/>
   <p:notesSz cx="6858000" cy="9144000"/>
@@ -191,6 +192,7 @@
         <p14:section name="Demo" id="{790AA0AA-23A4-4B3D-AD20-F1806A8B0D6A}">
           <p14:sldIdLst>
             <p14:sldId id="270"/>
+            <p14:sldId id="292"/>
             <p14:sldId id="271"/>
           </p14:sldIdLst>
         </p14:section>
@@ -10672,7 +10674,7 @@
           <a:p>
             <a:fld id="{A92484F3-E9B1-4147-BA48-FC09D99FF563}" type="datetimeFigureOut">
               <a:rPr lang="fr-FR" smtClean="0"/>
-              <a:t>08/06/2020</a:t>
+              <a:t>23/06/2020</a:t>
             </a:fld>
             <a:endParaRPr lang="fr-FR"/>
           </a:p>
@@ -10850,7 +10852,7 @@
           <a:p>
             <a:fld id="{04B58477-CB09-4F23-A236-9E87FF4CBDB9}" type="datetimeFigureOut">
               <a:rPr lang="fr-FR" smtClean="0"/>
-              <a:t>08/06/2020</a:t>
+              <a:t>23/06/2020</a:t>
             </a:fld>
             <a:endParaRPr lang="fr-FR"/>
           </a:p>
@@ -11461,6 +11463,212 @@
 </p:notes>
 </file>
 
+<file path=ppt/notesSlides/notesSlide4.xml><?xml version="1.0" encoding="utf-8"?>
+<p:notes xmlns:a="http://schemas.openxmlformats.org/drawingml/2006/main" xmlns:r="http://schemas.openxmlformats.org/officeDocument/2006/relationships" xmlns:p="http://schemas.openxmlformats.org/presentationml/2006/main">
+  <p:cSld>
+    <p:spTree>
+      <p:nvGrpSpPr>
+        <p:cNvPr id="1" name=""/>
+        <p:cNvGrpSpPr/>
+        <p:nvPr/>
+      </p:nvGrpSpPr>
+      <p:grpSpPr>
+        <a:xfrm>
+          <a:off x="0" y="0"/>
+          <a:ext cx="0" cy="0"/>
+          <a:chOff x="0" y="0"/>
+          <a:chExt cx="0" cy="0"/>
+        </a:xfrm>
+      </p:grpSpPr>
+      <p:sp>
+        <p:nvSpPr>
+          <p:cNvPr id="2" name="Espace réservé de l'image des diapositives 1"/>
+          <p:cNvSpPr>
+            <a:spLocks noGrp="1" noRot="1" noChangeAspect="1"/>
+          </p:cNvSpPr>
+          <p:nvPr>
+            <p:ph type="sldImg"/>
+          </p:nvPr>
+        </p:nvSpPr>
+        <p:spPr/>
+      </p:sp>
+      <p:sp>
+        <p:nvSpPr>
+          <p:cNvPr id="3" name="Espace réservé des notes 2"/>
+          <p:cNvSpPr>
+            <a:spLocks noGrp="1"/>
+          </p:cNvSpPr>
+          <p:nvPr>
+            <p:ph type="body" idx="1"/>
+          </p:nvPr>
+        </p:nvSpPr>
+        <p:spPr/>
+        <p:txBody>
+          <a:bodyPr/>
+          <a:lstStyle/>
+          <a:p>
+            <a:endParaRPr lang="fr-FR" dirty="0"/>
+          </a:p>
+        </p:txBody>
+      </p:sp>
+      <p:sp>
+        <p:nvSpPr>
+          <p:cNvPr id="4" name="Espace réservé du pied de page 3"/>
+          <p:cNvSpPr>
+            <a:spLocks noGrp="1"/>
+          </p:cNvSpPr>
+          <p:nvPr>
+            <p:ph type="ftr" sz="quarter" idx="4"/>
+          </p:nvPr>
+        </p:nvSpPr>
+        <p:spPr/>
+        <p:txBody>
+          <a:bodyPr/>
+          <a:lstStyle/>
+          <a:p>
+            <a:endParaRPr lang="fr-FR"/>
+          </a:p>
+        </p:txBody>
+      </p:sp>
+      <p:sp>
+        <p:nvSpPr>
+          <p:cNvPr id="5" name="Espace réservé du numéro de diapositive 4"/>
+          <p:cNvSpPr>
+            <a:spLocks noGrp="1"/>
+          </p:cNvSpPr>
+          <p:nvPr>
+            <p:ph type="sldNum" sz="quarter" idx="5"/>
+          </p:nvPr>
+        </p:nvSpPr>
+        <p:spPr/>
+        <p:txBody>
+          <a:bodyPr/>
+          <a:lstStyle/>
+          <a:p>
+            <a:fld id="{29CE9D0A-0D4D-4103-A069-496353309B8D}" type="slidenum">
+              <a:rPr lang="fr-FR" smtClean="0"/>
+              <a:t>18</a:t>
+            </a:fld>
+            <a:endParaRPr lang="fr-FR"/>
+          </a:p>
+        </p:txBody>
+      </p:sp>
+    </p:spTree>
+    <p:extLst>
+      <p:ext uri="{BB962C8B-B14F-4D97-AF65-F5344CB8AC3E}">
+        <p14:creationId xmlns:p14="http://schemas.microsoft.com/office/powerpoint/2010/main" val="1591417627"/>
+      </p:ext>
+    </p:extLst>
+  </p:cSld>
+  <p:clrMapOvr>
+    <a:masterClrMapping/>
+  </p:clrMapOvr>
+</p:notes>
+</file>
+
+<file path=ppt/notesSlides/notesSlide5.xml><?xml version="1.0" encoding="utf-8"?>
+<p:notes xmlns:a="http://schemas.openxmlformats.org/drawingml/2006/main" xmlns:r="http://schemas.openxmlformats.org/officeDocument/2006/relationships" xmlns:p="http://schemas.openxmlformats.org/presentationml/2006/main">
+  <p:cSld>
+    <p:spTree>
+      <p:nvGrpSpPr>
+        <p:cNvPr id="1" name=""/>
+        <p:cNvGrpSpPr/>
+        <p:nvPr/>
+      </p:nvGrpSpPr>
+      <p:grpSpPr>
+        <a:xfrm>
+          <a:off x="0" y="0"/>
+          <a:ext cx="0" cy="0"/>
+          <a:chOff x="0" y="0"/>
+          <a:chExt cx="0" cy="0"/>
+        </a:xfrm>
+      </p:grpSpPr>
+      <p:sp>
+        <p:nvSpPr>
+          <p:cNvPr id="2" name="Espace réservé de l'image des diapositives 1"/>
+          <p:cNvSpPr>
+            <a:spLocks noGrp="1" noRot="1" noChangeAspect="1"/>
+          </p:cNvSpPr>
+          <p:nvPr>
+            <p:ph type="sldImg"/>
+          </p:nvPr>
+        </p:nvSpPr>
+        <p:spPr/>
+      </p:sp>
+      <p:sp>
+        <p:nvSpPr>
+          <p:cNvPr id="3" name="Espace réservé des notes 2"/>
+          <p:cNvSpPr>
+            <a:spLocks noGrp="1"/>
+          </p:cNvSpPr>
+          <p:nvPr>
+            <p:ph type="body" idx="1"/>
+          </p:nvPr>
+        </p:nvSpPr>
+        <p:spPr/>
+        <p:txBody>
+          <a:bodyPr/>
+          <a:lstStyle/>
+          <a:p>
+            <a:endParaRPr lang="fr-FR" dirty="0"/>
+          </a:p>
+        </p:txBody>
+      </p:sp>
+      <p:sp>
+        <p:nvSpPr>
+          <p:cNvPr id="4" name="Espace réservé du pied de page 3"/>
+          <p:cNvSpPr>
+            <a:spLocks noGrp="1"/>
+          </p:cNvSpPr>
+          <p:nvPr>
+            <p:ph type="ftr" sz="quarter" idx="4"/>
+          </p:nvPr>
+        </p:nvSpPr>
+        <p:spPr/>
+        <p:txBody>
+          <a:bodyPr/>
+          <a:lstStyle/>
+          <a:p>
+            <a:endParaRPr lang="fr-FR"/>
+          </a:p>
+        </p:txBody>
+      </p:sp>
+      <p:sp>
+        <p:nvSpPr>
+          <p:cNvPr id="5" name="Espace réservé du numéro de diapositive 4"/>
+          <p:cNvSpPr>
+            <a:spLocks noGrp="1"/>
+          </p:cNvSpPr>
+          <p:nvPr>
+            <p:ph type="sldNum" sz="quarter" idx="5"/>
+          </p:nvPr>
+        </p:nvSpPr>
+        <p:spPr/>
+        <p:txBody>
+          <a:bodyPr/>
+          <a:lstStyle/>
+          <a:p>
+            <a:fld id="{29CE9D0A-0D4D-4103-A069-496353309B8D}" type="slidenum">
+              <a:rPr lang="fr-FR" smtClean="0"/>
+              <a:t>29</a:t>
+            </a:fld>
+            <a:endParaRPr lang="fr-FR"/>
+          </a:p>
+        </p:txBody>
+      </p:sp>
+    </p:spTree>
+    <p:extLst>
+      <p:ext uri="{BB962C8B-B14F-4D97-AF65-F5344CB8AC3E}">
+        <p14:creationId xmlns:p14="http://schemas.microsoft.com/office/powerpoint/2010/main" val="1499277149"/>
+      </p:ext>
+    </p:extLst>
+  </p:cSld>
+  <p:clrMapOvr>
+    <a:masterClrMapping/>
+  </p:clrMapOvr>
+</p:notes>
+</file>
+
 <file path=ppt/slideLayouts/slideLayout1.xml><?xml version="1.0" encoding="utf-8"?>
 <p:sldLayout xmlns:a="http://schemas.openxmlformats.org/drawingml/2006/main" xmlns:r="http://schemas.openxmlformats.org/officeDocument/2006/relationships" xmlns:p="http://schemas.openxmlformats.org/presentationml/2006/main" showMasterSp="0" type="title" preserve="1">
   <p:cSld name="Diapositive de titre">
@@ -11685,9 +11893,9 @@
           <a:bodyPr/>
           <a:lstStyle/>
           <a:p>
-            <a:fld id="{09181184-F05B-400A-8A17-582BFB35CEC7}" type="datetime1">
+            <a:fld id="{388EE2C5-1EF5-4EBC-8C38-16E15A9CDDEF}" type="datetime1">
               <a:rPr lang="fr-FR" smtClean="0"/>
-              <a:t>08/06/2020</a:t>
+              <a:t>23/06/2020</a:t>
             </a:fld>
             <a:endParaRPr lang="fr-FR"/>
           </a:p>
@@ -11896,9 +12104,9 @@
           <a:bodyPr/>
           <a:lstStyle/>
           <a:p>
-            <a:fld id="{17B14172-D5F5-4BFB-89B6-FE98C0A91CE9}" type="datetime1">
+            <a:fld id="{05468D74-146F-4F9E-A1D1-041085B348A0}" type="datetime1">
               <a:rPr lang="fr-FR" smtClean="0"/>
-              <a:t>08/06/2020</a:t>
+              <a:t>23/06/2020</a:t>
             </a:fld>
             <a:endParaRPr lang="fr-FR"/>
           </a:p>
@@ -11959,7 +12167,6 @@
   <p:clrMapOvr>
     <a:masterClrMapping/>
   </p:clrMapOvr>
-  <p:hf hdr="0"/>
 </p:sldLayout>
 </file>
 
@@ -12156,9 +12363,9 @@
           <a:bodyPr/>
           <a:lstStyle/>
           <a:p>
-            <a:fld id="{17B14172-D5F5-4BFB-89B6-FE98C0A91CE9}" type="datetime1">
+            <a:fld id="{566828A3-961A-4499-BD64-169511DFDB1F}" type="datetime1">
               <a:rPr lang="fr-FR" smtClean="0"/>
-              <a:t>08/06/2020</a:t>
+              <a:t>23/06/2020</a:t>
             </a:fld>
             <a:endParaRPr lang="fr-FR"/>
           </a:p>
@@ -12219,7 +12426,6 @@
   <p:clrMapOvr>
     <a:masterClrMapping/>
   </p:clrMapOvr>
-  <p:hf hdr="0"/>
 </p:sldLayout>
 </file>
 
@@ -12330,9 +12536,9 @@
           <a:bodyPr/>
           <a:lstStyle/>
           <a:p>
-            <a:fld id="{17B14172-D5F5-4BFB-89B6-FE98C0A91CE9}" type="datetime1">
+            <a:fld id="{63B7A2F3-D835-4684-A8DA-04E498BA7677}" type="datetime1">
               <a:rPr lang="fr-FR" smtClean="0"/>
-              <a:t>08/06/2020</a:t>
+              <a:t>23/06/2020</a:t>
             </a:fld>
             <a:endParaRPr lang="fr-FR"/>
           </a:p>
@@ -12393,7 +12599,6 @@
   <p:clrMapOvr>
     <a:masterClrMapping/>
   </p:clrMapOvr>
-  <p:hf hdr="0"/>
 </p:sldLayout>
 </file>
 
@@ -12677,9 +12882,9 @@
           <a:bodyPr/>
           <a:lstStyle/>
           <a:p>
-            <a:fld id="{EE75921B-C4F6-4949-BEE6-7B8822AEE9B3}" type="datetime1">
+            <a:fld id="{8DDC2EB0-ABEC-4627-BE38-1A2EC77B0923}" type="datetime1">
               <a:rPr lang="fr-FR" smtClean="0"/>
-              <a:t>08/06/2020</a:t>
+              <a:t>23/06/2020</a:t>
             </a:fld>
             <a:endParaRPr lang="fr-FR"/>
           </a:p>
@@ -12955,9 +13160,9 @@
           <a:bodyPr/>
           <a:lstStyle/>
           <a:p>
-            <a:fld id="{17B14172-D5F5-4BFB-89B6-FE98C0A91CE9}" type="datetime1">
+            <a:fld id="{43A7CB89-7AD0-4CF7-9612-F4AF81211C98}" type="datetime1">
               <a:rPr lang="fr-FR" smtClean="0"/>
-              <a:t>08/06/2020</a:t>
+              <a:t>23/06/2020</a:t>
             </a:fld>
             <a:endParaRPr lang="fr-FR"/>
           </a:p>
@@ -13018,7 +13223,6 @@
   <p:clrMapOvr>
     <a:masterClrMapping/>
   </p:clrMapOvr>
-  <p:hf hdr="0"/>
 </p:sldLayout>
 </file>
 
@@ -13338,9 +13542,9 @@
           <a:bodyPr/>
           <a:lstStyle/>
           <a:p>
-            <a:fld id="{17B14172-D5F5-4BFB-89B6-FE98C0A91CE9}" type="datetime1">
+            <a:fld id="{4374ED64-87F2-4F7F-884B-124C4D752064}" type="datetime1">
               <a:rPr lang="fr-FR" smtClean="0"/>
-              <a:t>08/06/2020</a:t>
+              <a:t>23/06/2020</a:t>
             </a:fld>
             <a:endParaRPr lang="fr-FR"/>
           </a:p>
@@ -13401,7 +13605,6 @@
   <p:clrMapOvr>
     <a:masterClrMapping/>
   </p:clrMapOvr>
-  <p:hf hdr="0"/>
 </p:sldLayout>
 </file>
 
@@ -13460,9 +13663,9 @@
           <a:bodyPr/>
           <a:lstStyle/>
           <a:p>
-            <a:fld id="{919D7D2C-C368-49AA-ABB9-59757E9049E2}" type="datetime1">
+            <a:fld id="{18DDD514-7373-42F0-96D8-10E04C6FFDDE}" type="datetime1">
               <a:rPr lang="fr-FR" smtClean="0"/>
-              <a:t>08/06/2020</a:t>
+              <a:t>23/06/2020</a:t>
             </a:fld>
             <a:endParaRPr lang="fr-FR"/>
           </a:p>
@@ -13634,9 +13837,9 @@
           <a:bodyPr/>
           <a:lstStyle/>
           <a:p>
-            <a:fld id="{772202B7-1C66-4DE8-B9AF-37C9BE30BA80}" type="datetime1">
+            <a:fld id="{0D0E1293-22E0-486A-A697-F308DFD1CBC8}" type="datetime1">
               <a:rPr lang="fr-FR" smtClean="0"/>
-              <a:t>08/06/2020</a:t>
+              <a:t>23/06/2020</a:t>
             </a:fld>
             <a:endParaRPr lang="fr-FR"/>
           </a:p>
@@ -13991,9 +14194,9 @@
             </a:lvl1pPr>
           </a:lstStyle>
           <a:p>
-            <a:fld id="{17B14172-D5F5-4BFB-89B6-FE98C0A91CE9}" type="datetime1">
+            <a:fld id="{8B405442-5C07-4167-AD29-DF1A83DE44AE}" type="datetime1">
               <a:rPr lang="fr-FR" smtClean="0"/>
-              <a:t>08/06/2020</a:t>
+              <a:t>23/06/2020</a:t>
             </a:fld>
             <a:endParaRPr lang="fr-FR"/>
           </a:p>
@@ -14075,7 +14278,6 @@
   <p:clrMapOvr>
     <a:masterClrMapping/>
   </p:clrMapOvr>
-  <p:hf hdr="0"/>
 </p:sldLayout>
 </file>
 
@@ -14372,9 +14574,9 @@
           <a:bodyPr/>
           <a:lstStyle/>
           <a:p>
-            <a:fld id="{14BC84F3-64A9-4428-BDB0-8FB8732EE96B}" type="datetime1">
+            <a:fld id="{D70A3316-EBD9-45AF-A3D9-D5B111736D12}" type="datetime1">
               <a:rPr lang="fr-FR" smtClean="0"/>
-              <a:t>08/06/2020</a:t>
+              <a:t>23/06/2020</a:t>
             </a:fld>
             <a:endParaRPr lang="fr-FR"/>
           </a:p>
@@ -14662,9 +14864,9 @@
             </a:lvl1pPr>
           </a:lstStyle>
           <a:p>
-            <a:fld id="{17B14172-D5F5-4BFB-89B6-FE98C0A91CE9}" type="datetime1">
+            <a:fld id="{CBD41637-5BB7-4881-92C8-7B471F99E0DB}" type="datetime1">
               <a:rPr lang="fr-FR" smtClean="0"/>
-              <a:t>08/06/2020</a:t>
+              <a:t>23/06/2020</a:t>
             </a:fld>
             <a:endParaRPr lang="fr-FR"/>
           </a:p>
@@ -15549,14 +15751,9 @@
                 <a:spcPts val="600"/>
               </a:spcAft>
             </a:pPr>
-            <a:fld id="{FA6C362E-E33C-4E8F-B180-2B873F5382AB}" type="datetime1">
+            <a:fld id="{B7CE3B96-46F1-42D6-9CAB-8FFB4CEC0F22}" type="datetime1">
               <a:rPr lang="fr-FR" smtClean="0"/>
-              <a:pPr>
-                <a:spcAft>
-                  <a:spcPts val="600"/>
-                </a:spcAft>
-              </a:pPr>
-              <a:t>08/06/2020</a:t>
+              <a:t>23/06/2020</a:t>
             </a:fld>
             <a:endParaRPr lang="fr-FR"/>
           </a:p>
@@ -16215,14 +16412,9 @@
                 <a:spcPts val="600"/>
               </a:spcAft>
             </a:pPr>
-            <a:fld id="{17B14172-D5F5-4BFB-89B6-FE98C0A91CE9}" type="datetime1">
-              <a:rPr lang="en-US" smtClean="0"/>
-              <a:pPr>
-                <a:spcAft>
-                  <a:spcPts val="600"/>
-                </a:spcAft>
-              </a:pPr>
-              <a:t>6/8/2020</a:t>
+            <a:fld id="{CCEA16CD-599E-45B0-9329-081EDBCF8323}" type="datetime1">
+              <a:rPr lang="fr-FR" smtClean="0"/>
+              <a:t>23/06/2020</a:t>
             </a:fld>
             <a:endParaRPr lang="en-US"/>
           </a:p>
@@ -16794,14 +16986,9 @@
                 <a:spcPts val="600"/>
               </a:spcAft>
             </a:pPr>
-            <a:fld id="{EE75921B-C4F6-4949-BEE6-7B8822AEE9B3}" type="datetime1">
-              <a:rPr lang="en-US" smtClean="0"/>
-              <a:pPr>
-                <a:spcAft>
-                  <a:spcPts val="600"/>
-                </a:spcAft>
-              </a:pPr>
-              <a:t>6/8/2020</a:t>
+            <a:fld id="{E1909503-4D26-4C68-A0F1-56589D2D8982}" type="datetime1">
+              <a:rPr lang="fr-FR" smtClean="0"/>
+              <a:t>23/06/2020</a:t>
             </a:fld>
             <a:endParaRPr lang="en-US"/>
           </a:p>
@@ -17044,9 +17231,9 @@
           <a:bodyPr/>
           <a:lstStyle/>
           <a:p>
-            <a:fld id="{17B14172-D5F5-4BFB-89B6-FE98C0A91CE9}" type="datetime1">
+            <a:fld id="{63B75C4A-4464-4517-8619-69F42A06A740}" type="datetime1">
               <a:rPr lang="fr-FR" smtClean="0"/>
-              <a:t>08/06/2020</a:t>
+              <a:t>23/06/2020</a:t>
             </a:fld>
             <a:endParaRPr lang="fr-FR"/>
           </a:p>
@@ -17245,9 +17432,9 @@
           <a:bodyPr/>
           <a:lstStyle/>
           <a:p>
-            <a:fld id="{17B14172-D5F5-4BFB-89B6-FE98C0A91CE9}" type="datetime1">
+            <a:fld id="{608D7940-FA54-4D4F-8B6C-83BEE8F6EFED}" type="datetime1">
               <a:rPr lang="fr-FR" smtClean="0"/>
-              <a:t>08/06/2020</a:t>
+              <a:t>23/06/2020</a:t>
             </a:fld>
             <a:endParaRPr lang="fr-FR"/>
           </a:p>
@@ -17481,9 +17668,9 @@
           <a:bodyPr/>
           <a:lstStyle/>
           <a:p>
-            <a:fld id="{17B14172-D5F5-4BFB-89B6-FE98C0A91CE9}" type="datetime1">
+            <a:fld id="{8BD6FF75-D525-427E-8D15-EC2B54F3345E}" type="datetime1">
               <a:rPr lang="fr-FR" smtClean="0"/>
-              <a:t>08/06/2020</a:t>
+              <a:t>23/06/2020</a:t>
             </a:fld>
             <a:endParaRPr lang="fr-FR"/>
           </a:p>
@@ -18108,14 +18295,9 @@
                 <a:spcPts val="600"/>
               </a:spcAft>
             </a:pPr>
-            <a:fld id="{17B14172-D5F5-4BFB-89B6-FE98C0A91CE9}" type="datetime1">
-              <a:rPr lang="en-US" smtClean="0"/>
-              <a:pPr>
-                <a:spcAft>
-                  <a:spcPts val="600"/>
-                </a:spcAft>
-              </a:pPr>
-              <a:t>6/8/2020</a:t>
+            <a:fld id="{982897A1-D05D-4B7F-A85C-88311E9C06FE}" type="datetime1">
+              <a:rPr lang="fr-FR" smtClean="0"/>
+              <a:t>23/06/2020</a:t>
             </a:fld>
             <a:endParaRPr lang="en-US"/>
           </a:p>
@@ -18265,9 +18447,9 @@
           <a:bodyPr/>
           <a:lstStyle/>
           <a:p>
-            <a:fld id="{EE75921B-C4F6-4949-BEE6-7B8822AEE9B3}" type="datetime1">
+            <a:fld id="{F648853C-1A27-40F6-B79C-1B3E3ED4C064}" type="datetime1">
               <a:rPr lang="fr-FR" smtClean="0"/>
-              <a:t>08/06/2020</a:t>
+              <a:t>23/06/2020</a:t>
             </a:fld>
             <a:endParaRPr lang="fr-FR"/>
           </a:p>
@@ -19508,9 +19690,9 @@
           <a:bodyPr/>
           <a:lstStyle/>
           <a:p>
-            <a:fld id="{EE75921B-C4F6-4949-BEE6-7B8822AEE9B3}" type="datetime1">
+            <a:fld id="{A0B49C85-14EF-4F3F-9C1F-53173D06BF36}" type="datetime1">
               <a:rPr lang="fr-FR" smtClean="0"/>
-              <a:t>08/06/2020</a:t>
+              <a:t>23/06/2020</a:t>
             </a:fld>
             <a:endParaRPr lang="fr-FR"/>
           </a:p>
@@ -19654,7 +19836,7 @@
           <p:nvPr/>
         </p:nvPicPr>
         <p:blipFill>
-          <a:blip r:embed="rId2">
+          <a:blip r:embed="rId3">
             <a:extLst>
               <a:ext uri="{28A0092B-C50C-407E-A947-70E740481C1C}">
                 <a14:useLocalDpi xmlns:a14="http://schemas.microsoft.com/office/drawing/2010/main" val="0"/>
@@ -19725,10 +19907,9 @@
           <a:bodyPr/>
           <a:lstStyle/>
           <a:p>
-            <a:fld id="{EE75921B-C4F6-4949-BEE6-7B8822AEE9B3}" type="datetime1">
+            <a:fld id="{A4EB7FCC-E158-4069-B78E-5FEDC5E78F5E}" type="datetime1">
               <a:rPr lang="fr-FR" smtClean="0"/>
-              <a:pPr/>
-              <a:t>08/06/2020</a:t>
+              <a:t>23/06/2020</a:t>
             </a:fld>
             <a:endParaRPr lang="fr-FR"/>
           </a:p>
@@ -19897,7 +20078,7 @@
             </a:avLst>
           </a:prstGeom>
           <a:solidFill>
-            <a:srgbClr val="FFC000"/>
+            <a:srgbClr val="92D050"/>
           </a:solidFill>
         </p:spPr>
         <p:style>
@@ -21481,14 +21662,9 @@
                 <a:spcPts val="600"/>
               </a:spcAft>
             </a:pPr>
-            <a:fld id="{772202B7-1C66-4DE8-B9AF-37C9BE30BA80}" type="datetime1">
-              <a:rPr lang="en-US" smtClean="0"/>
-              <a:pPr>
-                <a:spcAft>
-                  <a:spcPts val="600"/>
-                </a:spcAft>
-              </a:pPr>
-              <a:t>6/8/2020</a:t>
+            <a:fld id="{958838AE-94D6-47DC-9257-91358474C5F9}" type="datetime1">
+              <a:rPr lang="fr-FR" smtClean="0"/>
+              <a:t>23/06/2020</a:t>
             </a:fld>
             <a:endParaRPr lang="en-US"/>
           </a:p>
@@ -22133,14 +22309,9 @@
                 <a:spcPts val="600"/>
               </a:spcAft>
             </a:pPr>
-            <a:fld id="{1F2B1A4C-2841-4F4E-8F6D-B6FF22F006E0}" type="datetime1">
-              <a:rPr lang="en-US" smtClean="0"/>
-              <a:pPr>
-                <a:spcAft>
-                  <a:spcPts val="600"/>
-                </a:spcAft>
-              </a:pPr>
-              <a:t>6/8/2020</a:t>
+            <a:fld id="{E196F71B-D8F0-4CB6-BF93-5DF5F863AB8E}" type="datetime1">
+              <a:rPr lang="fr-FR" smtClean="0"/>
+              <a:t>23/06/2020</a:t>
             </a:fld>
             <a:endParaRPr lang="en-US"/>
           </a:p>
@@ -22566,14 +22737,9 @@
                 <a:spcPts val="600"/>
               </a:spcAft>
             </a:pPr>
-            <a:fld id="{17B14172-D5F5-4BFB-89B6-FE98C0A91CE9}" type="datetime1">
+            <a:fld id="{70F04ED7-75A1-4412-91E9-08382A689435}" type="datetime1">
               <a:rPr lang="fr-FR" smtClean="0"/>
-              <a:pPr>
-                <a:spcAft>
-                  <a:spcPts val="600"/>
-                </a:spcAft>
-              </a:pPr>
-              <a:t>08/06/2020</a:t>
+              <a:t>23/06/2020</a:t>
             </a:fld>
             <a:endParaRPr lang="fr-FR"/>
           </a:p>
@@ -23054,14 +23220,9 @@
                 <a:spcPts val="600"/>
               </a:spcAft>
             </a:pPr>
-            <a:fld id="{17B14172-D5F5-4BFB-89B6-FE98C0A91CE9}" type="datetime1">
+            <a:fld id="{0F3D448F-6DBB-44A1-8FB7-7835B9908758}" type="datetime1">
               <a:rPr lang="fr-FR" smtClean="0"/>
-              <a:pPr>
-                <a:spcAft>
-                  <a:spcPts val="600"/>
-                </a:spcAft>
-              </a:pPr>
-              <a:t>08/06/2020</a:t>
+              <a:t>23/06/2020</a:t>
             </a:fld>
             <a:endParaRPr lang="fr-FR"/>
           </a:p>
@@ -23245,7 +23406,7 @@
               <a:tabLst/>
               <a:defRPr/>
             </a:pPr>
-            <a:fld id="{17B14172-D5F5-4BFB-89B6-FE98C0A91CE9}" type="datetime1">
+            <a:fld id="{5BFAD8FA-A5C7-4410-89C6-96C8A41E1084}" type="datetime1">
               <a:rPr kumimoji="0" lang="fr-FR" b="0" i="0" u="none" strike="noStrike" kern="1200" cap="none" spc="0" normalizeH="0" baseline="0" noProof="0" smtClean="0">
                 <a:ln>
                   <a:noFill/>
@@ -23257,21 +23418,7 @@
                 <a:ea typeface="+mn-ea"/>
                 <a:cs typeface="+mn-cs"/>
               </a:rPr>
-              <a:pPr marL="0" marR="0" lvl="0" indent="0" defTabSz="457200" rtl="0" eaLnBrk="1" fontAlgn="auto" latinLnBrk="0" hangingPunct="1">
-                <a:spcBef>
-                  <a:spcPts val="0"/>
-                </a:spcBef>
-                <a:spcAft>
-                  <a:spcPts val="600"/>
-                </a:spcAft>
-                <a:buClrTx/>
-                <a:buSzTx/>
-                <a:buFontTx/>
-                <a:buNone/>
-                <a:tabLst/>
-                <a:defRPr/>
-              </a:pPr>
-              <a:t>08/06/2020</a:t>
+              <a:t>23/06/2020</a:t>
             </a:fld>
             <a:endParaRPr kumimoji="0" lang="fr-FR" b="0" i="0" u="none" strike="noStrike" kern="1200" cap="none" spc="0" normalizeH="0" baseline="0" noProof="0">
               <a:ln>
@@ -24100,14 +24247,9 @@
                 <a:spcPts val="600"/>
               </a:spcAft>
             </a:pPr>
-            <a:fld id="{17B14172-D5F5-4BFB-89B6-FE98C0A91CE9}" type="datetime1">
+            <a:fld id="{0AEA5EF3-AADD-4F17-A917-F36ECDC2BD75}" type="datetime1">
               <a:rPr lang="fr-FR" smtClean="0"/>
-              <a:pPr>
-                <a:spcAft>
-                  <a:spcPts val="600"/>
-                </a:spcAft>
-              </a:pPr>
-              <a:t>08/06/2020</a:t>
+              <a:t>23/06/2020</a:t>
             </a:fld>
             <a:endParaRPr lang="fr-FR"/>
           </a:p>
@@ -24289,33 +24431,25 @@
           </p:spPr>
           <p:style>
             <a:lnRef idx="2">
-              <a:schemeClr val="lt1">
-                <a:hueOff val="0"/>
-                <a:satOff val="0"/>
-                <a:lumOff val="0"/>
-                <a:alphaOff val="0"/>
-              </a:schemeClr>
+              <a:schemeClr val="accent2"/>
             </a:lnRef>
             <a:fillRef idx="1">
-              <a:schemeClr val="accent1">
-                <a:hueOff val="0"/>
-                <a:satOff val="0"/>
-                <a:lumOff val="0"/>
-                <a:alphaOff val="0"/>
-              </a:schemeClr>
+              <a:schemeClr val="lt1"/>
             </a:fillRef>
             <a:effectRef idx="0">
-              <a:schemeClr val="accent1">
-                <a:hueOff val="0"/>
-                <a:satOff val="0"/>
-                <a:lumOff val="0"/>
-                <a:alphaOff val="0"/>
-              </a:schemeClr>
+              <a:schemeClr val="accent2"/>
             </a:effectRef>
             <a:fontRef idx="minor">
-              <a:schemeClr val="lt1"/>
+              <a:schemeClr val="dk1"/>
             </a:fontRef>
           </p:style>
+          <p:txBody>
+            <a:bodyPr/>
+            <a:lstStyle/>
+            <a:p>
+              <a:endParaRPr lang="fr-FR" dirty="0"/>
+            </a:p>
+          </p:txBody>
         </p:sp>
         <p:sp>
           <p:nvSpPr>
@@ -24331,7 +24465,7 @@
           </p:nvSpPr>
           <p:spPr>
             <a:xfrm>
-              <a:off x="117442" y="151491"/>
+              <a:off x="234884" y="91081"/>
               <a:ext cx="6178779" cy="2170928"/>
             </a:xfrm>
             <a:prstGeom prst="rect">
@@ -24371,13 +24505,53 @@
                 <a:buNone/>
               </a:pPr>
               <a:r>
-                <a:rPr lang="fr-FR" sz="2800" kern="1200" dirty="0"/>
+                <a:rPr lang="fr-FR" sz="2800" kern="1200" dirty="0">
+                  <a:solidFill>
+                    <a:schemeClr val="tx1"/>
+                  </a:solidFill>
+                </a:rPr>
                 <a:t>Dans le Repository, on retrouve des méthodes qui permettent de construire une requête DQL, que Doctrine va interpréter en SQL et solliciter la BDD.</a:t>
               </a:r>
             </a:p>
           </p:txBody>
         </p:sp>
       </p:grpSp>
+      <p:pic>
+        <p:nvPicPr>
+          <p:cNvPr id="18" name="Image 17">
+            <a:extLst>
+              <a:ext uri="{FF2B5EF4-FFF2-40B4-BE49-F238E27FC236}">
+                <a16:creationId xmlns:a16="http://schemas.microsoft.com/office/drawing/2014/main" id="{39FD9DF2-F64D-406B-A1E2-E53D050E60A6}"/>
+              </a:ext>
+            </a:extLst>
+          </p:cNvPr>
+          <p:cNvPicPr>
+            <a:picLocks noChangeAspect="1"/>
+          </p:cNvPicPr>
+          <p:nvPr/>
+        </p:nvPicPr>
+        <p:blipFill>
+          <a:blip r:embed="rId3">
+            <a:extLst>
+              <a:ext uri="{28A0092B-C50C-407E-A947-70E740481C1C}">
+                <a14:useLocalDpi xmlns:a14="http://schemas.microsoft.com/office/drawing/2010/main" val="0"/>
+              </a:ext>
+            </a:extLst>
+          </a:blip>
+          <a:stretch>
+            <a:fillRect/>
+          </a:stretch>
+        </p:blipFill>
+        <p:spPr>
+          <a:xfrm>
+            <a:off x="7880778" y="2143494"/>
+            <a:ext cx="2242277" cy="1471494"/>
+          </a:xfrm>
+          <a:prstGeom prst="rect">
+            <a:avLst/>
+          </a:prstGeom>
+        </p:spPr>
+      </p:pic>
     </p:spTree>
     <p:extLst>
       <p:ext uri="{BB962C8B-B14F-4D97-AF65-F5344CB8AC3E}">
@@ -24450,7 +24624,7 @@
               <a:tabLst/>
               <a:defRPr/>
             </a:pPr>
-            <a:fld id="{17B14172-D5F5-4BFB-89B6-FE98C0A91CE9}" type="datetime1">
+            <a:fld id="{53D2B490-03A2-4150-B32F-B5B580B7BD54}" type="datetime1">
               <a:rPr kumimoji="0" lang="fr-FR" b="0" i="0" u="none" strike="noStrike" kern="1200" cap="none" spc="0" normalizeH="0" baseline="0" noProof="0" smtClean="0">
                 <a:ln>
                   <a:noFill/>
@@ -24462,21 +24636,7 @@
                 <a:ea typeface="+mn-ea"/>
                 <a:cs typeface="+mn-cs"/>
               </a:rPr>
-              <a:pPr marL="0" marR="0" lvl="0" indent="0" defTabSz="457200" rtl="0" eaLnBrk="1" fontAlgn="auto" latinLnBrk="0" hangingPunct="1">
-                <a:spcBef>
-                  <a:spcPts val="0"/>
-                </a:spcBef>
-                <a:spcAft>
-                  <a:spcPts val="600"/>
-                </a:spcAft>
-                <a:buClrTx/>
-                <a:buSzTx/>
-                <a:buFontTx/>
-                <a:buNone/>
-                <a:tabLst/>
-                <a:defRPr/>
-              </a:pPr>
-              <a:t>08/06/2020</a:t>
+              <a:t>23/06/2020</a:t>
             </a:fld>
             <a:endParaRPr kumimoji="0" lang="fr-FR" b="0" i="0" u="none" strike="noStrike" kern="1200" cap="none" spc="0" normalizeH="0" baseline="0" noProof="0">
               <a:ln>
@@ -25310,14 +25470,9 @@
                 <a:spcPts val="600"/>
               </a:spcAft>
             </a:pPr>
-            <a:fld id="{17B14172-D5F5-4BFB-89B6-FE98C0A91CE9}" type="datetime1">
+            <a:fld id="{DCC95B5A-00F5-4032-9D11-659C3CDE3DD2}" type="datetime1">
               <a:rPr lang="fr-FR" smtClean="0"/>
-              <a:pPr>
-                <a:spcAft>
-                  <a:spcPts val="600"/>
-                </a:spcAft>
-              </a:pPr>
-              <a:t>08/06/2020</a:t>
+              <a:t>23/06/2020</a:t>
             </a:fld>
             <a:endParaRPr lang="fr-FR"/>
           </a:p>
@@ -25464,31 +25619,16 @@
           </p:spPr>
           <p:style>
             <a:lnRef idx="2">
-              <a:schemeClr val="lt1">
-                <a:hueOff val="0"/>
-                <a:satOff val="0"/>
-                <a:lumOff val="0"/>
-                <a:alphaOff val="0"/>
-              </a:schemeClr>
+              <a:schemeClr val="accent2"/>
             </a:lnRef>
             <a:fillRef idx="1">
-              <a:schemeClr val="accent1">
-                <a:hueOff val="0"/>
-                <a:satOff val="0"/>
-                <a:lumOff val="0"/>
-                <a:alphaOff val="0"/>
-              </a:schemeClr>
+              <a:schemeClr val="lt1"/>
             </a:fillRef>
             <a:effectRef idx="0">
-              <a:schemeClr val="accent1">
-                <a:hueOff val="0"/>
-                <a:satOff val="0"/>
-                <a:lumOff val="0"/>
-                <a:alphaOff val="0"/>
-              </a:schemeClr>
+              <a:schemeClr val="accent2"/>
             </a:effectRef>
             <a:fontRef idx="minor">
-              <a:schemeClr val="lt1"/>
+              <a:schemeClr val="dk1"/>
             </a:fontRef>
           </p:style>
         </p:sp>
@@ -25545,21 +25685,69 @@
                 </a:spcAft>
               </a:pPr>
               <a:r>
-                <a:rPr lang="fr-FR" sz="2800" dirty="0"/>
+                <a:rPr lang="fr-FR" sz="2800" dirty="0">
+                  <a:solidFill>
+                    <a:schemeClr val="tx1"/>
+                  </a:solidFill>
+                </a:rPr>
                 <a:t>La Vue, gérée par </a:t>
               </a:r>
               <a:r>
-                <a:rPr lang="fr-FR" sz="2800" dirty="0" err="1"/>
+                <a:rPr lang="fr-FR" sz="2800" dirty="0" err="1">
+                  <a:solidFill>
+                    <a:schemeClr val="tx1"/>
+                  </a:solidFill>
+                </a:rPr>
                 <a:t>Twig</a:t>
               </a:r>
               <a:r>
-                <a:rPr lang="fr-FR" sz="2800" dirty="0"/>
+                <a:rPr lang="fr-FR" sz="2800" dirty="0">
+                  <a:solidFill>
+                    <a:schemeClr val="tx1"/>
+                  </a:solidFill>
+                </a:rPr>
                 <a:t>, permet d’organiser, de conditionner le rendu de la page HTML que nous allons ensuite renvoyer à l’utilisateur.</a:t>
               </a:r>
             </a:p>
           </p:txBody>
         </p:sp>
       </p:grpSp>
+      <p:pic>
+        <p:nvPicPr>
+          <p:cNvPr id="12" name="Image 11">
+            <a:extLst>
+              <a:ext uri="{FF2B5EF4-FFF2-40B4-BE49-F238E27FC236}">
+                <a16:creationId xmlns:a16="http://schemas.microsoft.com/office/drawing/2014/main" id="{F925B326-8EBB-4272-977A-83AA462E447F}"/>
+              </a:ext>
+            </a:extLst>
+          </p:cNvPr>
+          <p:cNvPicPr>
+            <a:picLocks noChangeAspect="1"/>
+          </p:cNvPicPr>
+          <p:nvPr/>
+        </p:nvPicPr>
+        <p:blipFill>
+          <a:blip r:embed="rId2">
+            <a:extLst>
+              <a:ext uri="{28A0092B-C50C-407E-A947-70E740481C1C}">
+                <a14:useLocalDpi xmlns:a14="http://schemas.microsoft.com/office/drawing/2010/main" val="0"/>
+              </a:ext>
+            </a:extLst>
+          </a:blip>
+          <a:stretch>
+            <a:fillRect/>
+          </a:stretch>
+        </p:blipFill>
+        <p:spPr>
+          <a:xfrm>
+            <a:off x="7030271" y="563532"/>
+            <a:ext cx="2227725" cy="1386551"/>
+          </a:xfrm>
+          <a:prstGeom prst="rect">
+            <a:avLst/>
+          </a:prstGeom>
+        </p:spPr>
+      </p:pic>
     </p:spTree>
     <p:extLst>
       <p:ext uri="{BB962C8B-B14F-4D97-AF65-F5344CB8AC3E}">
@@ -25570,6 +25758,89 @@
   <p:clrMapOvr>
     <a:masterClrMapping/>
   </p:clrMapOvr>
+  <p:timing>
+    <p:tnLst>
+      <p:par>
+        <p:cTn id="1" dur="indefinite" restart="never" nodeType="tmRoot">
+          <p:childTnLst>
+            <p:seq concurrent="1" nextAc="seek">
+              <p:cTn id="2" dur="indefinite" nodeType="mainSeq">
+                <p:childTnLst>
+                  <p:par>
+                    <p:cTn id="3" fill="hold">
+                      <p:stCondLst>
+                        <p:cond delay="indefinite"/>
+                      </p:stCondLst>
+                      <p:childTnLst>
+                        <p:par>
+                          <p:cTn id="4" fill="hold">
+                            <p:stCondLst>
+                              <p:cond delay="0"/>
+                            </p:stCondLst>
+                            <p:childTnLst>
+                              <p:par>
+                                <p:cTn id="5" presetID="10" presetClass="entr" presetSubtype="0" fill="hold" nodeType="clickEffect">
+                                  <p:stCondLst>
+                                    <p:cond delay="0"/>
+                                  </p:stCondLst>
+                                  <p:childTnLst>
+                                    <p:set>
+                                      <p:cBhvr>
+                                        <p:cTn id="6" dur="1" fill="hold">
+                                          <p:stCondLst>
+                                            <p:cond delay="0"/>
+                                          </p:stCondLst>
+                                        </p:cTn>
+                                        <p:tgtEl>
+                                          <p:spTgt spid="12"/>
+                                        </p:tgtEl>
+                                        <p:attrNameLst>
+                                          <p:attrName>style.visibility</p:attrName>
+                                        </p:attrNameLst>
+                                      </p:cBhvr>
+                                      <p:to>
+                                        <p:strVal val="visible"/>
+                                      </p:to>
+                                    </p:set>
+                                    <p:animEffect transition="in" filter="fade">
+                                      <p:cBhvr>
+                                        <p:cTn id="7" dur="500"/>
+                                        <p:tgtEl>
+                                          <p:spTgt spid="12"/>
+                                        </p:tgtEl>
+                                      </p:cBhvr>
+                                    </p:animEffect>
+                                  </p:childTnLst>
+                                </p:cTn>
+                              </p:par>
+                            </p:childTnLst>
+                          </p:cTn>
+                        </p:par>
+                      </p:childTnLst>
+                    </p:cTn>
+                  </p:par>
+                </p:childTnLst>
+              </p:cTn>
+              <p:prevCondLst>
+                <p:cond evt="onPrev" delay="0">
+                  <p:tgtEl>
+                    <p:sldTgt/>
+                  </p:tgtEl>
+                </p:cond>
+              </p:prevCondLst>
+              <p:nextCondLst>
+                <p:cond evt="onNext" delay="0">
+                  <p:tgtEl>
+                    <p:sldTgt/>
+                  </p:tgtEl>
+                </p:cond>
+              </p:nextCondLst>
+            </p:seq>
+          </p:childTnLst>
+        </p:cTn>
+      </p:par>
+    </p:tnLst>
+  </p:timing>
 </p:sld>
 </file>
 
@@ -25611,9 +25882,9 @@
           <a:bodyPr/>
           <a:lstStyle/>
           <a:p>
-            <a:fld id="{17B14172-D5F5-4BFB-89B6-FE98C0A91CE9}" type="datetime1">
+            <a:fld id="{8FCE93CB-AC50-44DA-BCED-55F111109E31}" type="datetime1">
               <a:rPr lang="fr-FR" smtClean="0"/>
-              <a:t>08/06/2020</a:t>
+              <a:t>23/06/2020</a:t>
             </a:fld>
             <a:endParaRPr lang="fr-FR"/>
           </a:p>
@@ -27657,14 +27928,9 @@
                 <a:spcPts val="600"/>
               </a:spcAft>
             </a:pPr>
-            <a:fld id="{17B14172-D5F5-4BFB-89B6-FE98C0A91CE9}" type="datetime1">
+            <a:fld id="{61FAE38A-F13F-4DB6-BF52-762D68C15B48}" type="datetime1">
               <a:rPr lang="fr-FR" smtClean="0"/>
-              <a:pPr>
-                <a:spcAft>
-                  <a:spcPts val="600"/>
-                </a:spcAft>
-              </a:pPr>
-              <a:t>08/06/2020</a:t>
+              <a:t>23/06/2020</a:t>
             </a:fld>
             <a:endParaRPr lang="fr-FR"/>
           </a:p>
@@ -27914,6 +28180,216 @@
   <p:clrMapOvr>
     <a:masterClrMapping/>
   </p:clrMapOvr>
+  <p:timing>
+    <p:tnLst>
+      <p:par>
+        <p:cTn id="1" dur="indefinite" restart="never" nodeType="tmRoot">
+          <p:childTnLst>
+            <p:seq concurrent="1" nextAc="seek">
+              <p:cTn id="2" dur="indefinite" nodeType="mainSeq">
+                <p:childTnLst>
+                  <p:par>
+                    <p:cTn id="3" fill="hold">
+                      <p:stCondLst>
+                        <p:cond delay="indefinite"/>
+                      </p:stCondLst>
+                      <p:childTnLst>
+                        <p:par>
+                          <p:cTn id="4" fill="hold">
+                            <p:stCondLst>
+                              <p:cond delay="0"/>
+                            </p:stCondLst>
+                            <p:childTnLst>
+                              <p:par>
+                                <p:cTn id="5" presetID="10" presetClass="entr" presetSubtype="0" fill="hold" nodeType="clickEffect">
+                                  <p:stCondLst>
+                                    <p:cond delay="0"/>
+                                  </p:stCondLst>
+                                  <p:childTnLst>
+                                    <p:set>
+                                      <p:cBhvr>
+                                        <p:cTn id="6" dur="1" fill="hold">
+                                          <p:stCondLst>
+                                            <p:cond delay="0"/>
+                                          </p:stCondLst>
+                                        </p:cTn>
+                                        <p:tgtEl>
+                                          <p:spTgt spid="7"/>
+                                        </p:tgtEl>
+                                        <p:attrNameLst>
+                                          <p:attrName>style.visibility</p:attrName>
+                                        </p:attrNameLst>
+                                      </p:cBhvr>
+                                      <p:to>
+                                        <p:strVal val="visible"/>
+                                      </p:to>
+                                    </p:set>
+                                    <p:animEffect transition="in" filter="fade">
+                                      <p:cBhvr>
+                                        <p:cTn id="7" dur="500"/>
+                                        <p:tgtEl>
+                                          <p:spTgt spid="7"/>
+                                        </p:tgtEl>
+                                      </p:cBhvr>
+                                    </p:animEffect>
+                                  </p:childTnLst>
+                                </p:cTn>
+                              </p:par>
+                              <p:par>
+                                <p:cTn id="8" presetID="10" presetClass="entr" presetSubtype="0" fill="hold" grpId="0" nodeType="withEffect">
+                                  <p:stCondLst>
+                                    <p:cond delay="0"/>
+                                  </p:stCondLst>
+                                  <p:childTnLst>
+                                    <p:set>
+                                      <p:cBhvr>
+                                        <p:cTn id="9" dur="1" fill="hold">
+                                          <p:stCondLst>
+                                            <p:cond delay="0"/>
+                                          </p:stCondLst>
+                                        </p:cTn>
+                                        <p:tgtEl>
+                                          <p:spTgt spid="9"/>
+                                        </p:tgtEl>
+                                        <p:attrNameLst>
+                                          <p:attrName>style.visibility</p:attrName>
+                                        </p:attrNameLst>
+                                      </p:cBhvr>
+                                      <p:to>
+                                        <p:strVal val="visible"/>
+                                      </p:to>
+                                    </p:set>
+                                    <p:animEffect transition="in" filter="fade">
+                                      <p:cBhvr>
+                                        <p:cTn id="10" dur="500"/>
+                                        <p:tgtEl>
+                                          <p:spTgt spid="9"/>
+                                        </p:tgtEl>
+                                      </p:cBhvr>
+                                    </p:animEffect>
+                                  </p:childTnLst>
+                                </p:cTn>
+                              </p:par>
+                            </p:childTnLst>
+                          </p:cTn>
+                        </p:par>
+                      </p:childTnLst>
+                    </p:cTn>
+                  </p:par>
+                  <p:par>
+                    <p:cTn id="11" fill="hold">
+                      <p:stCondLst>
+                        <p:cond delay="indefinite"/>
+                      </p:stCondLst>
+                      <p:childTnLst>
+                        <p:par>
+                          <p:cTn id="12" fill="hold">
+                            <p:stCondLst>
+                              <p:cond delay="0"/>
+                            </p:stCondLst>
+                            <p:childTnLst>
+                              <p:par>
+                                <p:cTn id="13" presetID="10" presetClass="entr" presetSubtype="0" fill="hold" nodeType="clickEffect">
+                                  <p:stCondLst>
+                                    <p:cond delay="0"/>
+                                  </p:stCondLst>
+                                  <p:childTnLst>
+                                    <p:set>
+                                      <p:cBhvr>
+                                        <p:cTn id="14" dur="1" fill="hold">
+                                          <p:stCondLst>
+                                            <p:cond delay="0"/>
+                                          </p:stCondLst>
+                                        </p:cTn>
+                                        <p:tgtEl>
+                                          <p:spTgt spid="8"/>
+                                        </p:tgtEl>
+                                        <p:attrNameLst>
+                                          <p:attrName>style.visibility</p:attrName>
+                                        </p:attrNameLst>
+                                      </p:cBhvr>
+                                      <p:to>
+                                        <p:strVal val="visible"/>
+                                      </p:to>
+                                    </p:set>
+                                    <p:animEffect transition="in" filter="fade">
+                                      <p:cBhvr>
+                                        <p:cTn id="15" dur="500"/>
+                                        <p:tgtEl>
+                                          <p:spTgt spid="8"/>
+                                        </p:tgtEl>
+                                      </p:cBhvr>
+                                    </p:animEffect>
+                                  </p:childTnLst>
+                                </p:cTn>
+                              </p:par>
+                              <p:par>
+                                <p:cTn id="16" presetID="10" presetClass="entr" presetSubtype="0" fill="hold" grpId="0" nodeType="withEffect">
+                                  <p:stCondLst>
+                                    <p:cond delay="0"/>
+                                  </p:stCondLst>
+                                  <p:childTnLst>
+                                    <p:set>
+                                      <p:cBhvr>
+                                        <p:cTn id="17" dur="1" fill="hold">
+                                          <p:stCondLst>
+                                            <p:cond delay="0"/>
+                                          </p:stCondLst>
+                                        </p:cTn>
+                                        <p:tgtEl>
+                                          <p:spTgt spid="10"/>
+                                        </p:tgtEl>
+                                        <p:attrNameLst>
+                                          <p:attrName>style.visibility</p:attrName>
+                                        </p:attrNameLst>
+                                      </p:cBhvr>
+                                      <p:to>
+                                        <p:strVal val="visible"/>
+                                      </p:to>
+                                    </p:set>
+                                    <p:animEffect transition="in" filter="fade">
+                                      <p:cBhvr>
+                                        <p:cTn id="18" dur="500"/>
+                                        <p:tgtEl>
+                                          <p:spTgt spid="10"/>
+                                        </p:tgtEl>
+                                      </p:cBhvr>
+                                    </p:animEffect>
+                                  </p:childTnLst>
+                                </p:cTn>
+                              </p:par>
+                            </p:childTnLst>
+                          </p:cTn>
+                        </p:par>
+                      </p:childTnLst>
+                    </p:cTn>
+                  </p:par>
+                </p:childTnLst>
+              </p:cTn>
+              <p:prevCondLst>
+                <p:cond evt="onPrev" delay="0">
+                  <p:tgtEl>
+                    <p:sldTgt/>
+                  </p:tgtEl>
+                </p:cond>
+              </p:prevCondLst>
+              <p:nextCondLst>
+                <p:cond evt="onNext" delay="0">
+                  <p:tgtEl>
+                    <p:sldTgt/>
+                  </p:tgtEl>
+                </p:cond>
+              </p:nextCondLst>
+            </p:seq>
+          </p:childTnLst>
+        </p:cTn>
+      </p:par>
+    </p:tnLst>
+    <p:bldLst>
+      <p:bldP spid="9" grpId="0"/>
+      <p:bldP spid="10" grpId="0"/>
+    </p:bldLst>
+  </p:timing>
 </p:sld>
 </file>
 
@@ -28470,14 +28946,9 @@
                 <a:spcPts val="600"/>
               </a:spcAft>
             </a:pPr>
-            <a:fld id="{17B14172-D5F5-4BFB-89B6-FE98C0A91CE9}" type="datetime1">
-              <a:rPr lang="en-US" smtClean="0"/>
-              <a:pPr>
-                <a:spcAft>
-                  <a:spcPts val="600"/>
-                </a:spcAft>
-              </a:pPr>
-              <a:t>6/8/2020</a:t>
+            <a:fld id="{7E2CD4A2-9907-4C49-A541-9E228F1BC6A8}" type="datetime1">
+              <a:rPr lang="fr-FR" smtClean="0"/>
+              <a:t>23/06/2020</a:t>
             </a:fld>
             <a:endParaRPr lang="en-US"/>
           </a:p>
@@ -28632,6 +29103,1191 @@
 </file>
 
 <file path=ppt/slides/slide29.xml><?xml version="1.0" encoding="utf-8"?>
+<p:sld xmlns:a="http://schemas.openxmlformats.org/drawingml/2006/main" xmlns:r="http://schemas.openxmlformats.org/officeDocument/2006/relationships" xmlns:p="http://schemas.openxmlformats.org/presentationml/2006/main">
+  <p:cSld>
+    <p:bg>
+      <p:bgPr>
+        <a:solidFill>
+          <a:schemeClr val="bg1"/>
+        </a:solidFill>
+        <a:effectLst/>
+      </p:bgPr>
+    </p:bg>
+    <p:spTree>
+      <p:nvGrpSpPr>
+        <p:cNvPr id="1" name=""/>
+        <p:cNvGrpSpPr/>
+        <p:nvPr/>
+      </p:nvGrpSpPr>
+      <p:grpSpPr>
+        <a:xfrm>
+          <a:off x="0" y="0"/>
+          <a:ext cx="0" cy="0"/>
+          <a:chOff x="0" y="0"/>
+          <a:chExt cx="0" cy="0"/>
+        </a:xfrm>
+      </p:grpSpPr>
+      <p:sp useBgFill="1">
+        <p:nvSpPr>
+          <p:cNvPr id="43" name="Rectangle 42">
+            <a:extLst>
+              <a:ext uri="{FF2B5EF4-FFF2-40B4-BE49-F238E27FC236}">
+                <a16:creationId xmlns:a16="http://schemas.microsoft.com/office/drawing/2014/main" id="{3741B58E-3B65-4A01-A276-975AB2CF8A08}"/>
+              </a:ext>
+              <a:ext uri="{C183D7F6-B498-43B3-948B-1728B52AA6E4}">
+                <adec:decorative xmlns:adec="http://schemas.microsoft.com/office/drawing/2017/decorative" val="1"/>
+              </a:ext>
+            </a:extLst>
+          </p:cNvPr>
+          <p:cNvSpPr>
+            <a:spLocks noGrp="1" noRot="1" noChangeAspect="1" noMove="1" noResize="1" noEditPoints="1" noAdjustHandles="1" noChangeArrowheads="1" noChangeShapeType="1" noTextEdit="1"/>
+          </p:cNvSpPr>
+          <p:nvPr>
+            <p:extLst>
+              <p:ext uri="{386F3935-93C4-4BCD-93E2-E3B085C9AB24}">
+                <p16:designElem xmlns:p16="http://schemas.microsoft.com/office/powerpoint/2015/main" val="1"/>
+              </p:ext>
+            </p:extLst>
+          </p:nvPr>
+        </p:nvSpPr>
+        <p:spPr>
+          <a:xfrm>
+            <a:off x="0" y="0"/>
+            <a:ext cx="12186315" cy="6858000"/>
+          </a:xfrm>
+          <a:prstGeom prst="rect">
+            <a:avLst/>
+          </a:prstGeom>
+          <a:ln>
+            <a:noFill/>
+          </a:ln>
+        </p:spPr>
+        <p:style>
+          <a:lnRef idx="2">
+            <a:schemeClr val="accent6">
+              <a:shade val="50000"/>
+            </a:schemeClr>
+          </a:lnRef>
+          <a:fillRef idx="1001">
+            <a:schemeClr val="lt1"/>
+          </a:fillRef>
+          <a:effectRef idx="0">
+            <a:schemeClr val="accent6"/>
+          </a:effectRef>
+          <a:fontRef idx="minor">
+            <a:schemeClr val="lt1"/>
+          </a:fontRef>
+        </p:style>
+        <p:txBody>
+          <a:bodyPr rtlCol="0" anchor="ctr"/>
+          <a:lstStyle/>
+          <a:p>
+            <a:pPr algn="ctr"/>
+            <a:endParaRPr lang="en-US"/>
+          </a:p>
+        </p:txBody>
+      </p:sp>
+      <p:sp>
+        <p:nvSpPr>
+          <p:cNvPr id="45" name="Rectangle 44">
+            <a:extLst>
+              <a:ext uri="{FF2B5EF4-FFF2-40B4-BE49-F238E27FC236}">
+                <a16:creationId xmlns:a16="http://schemas.microsoft.com/office/drawing/2014/main" id="{7AAC67C3-831B-4AB1-A259-DFB839CAFAFC}"/>
+              </a:ext>
+              <a:ext uri="{C183D7F6-B498-43B3-948B-1728B52AA6E4}">
+                <adec:decorative xmlns:adec="http://schemas.microsoft.com/office/drawing/2017/decorative" val="1"/>
+              </a:ext>
+            </a:extLst>
+          </p:cNvPr>
+          <p:cNvSpPr>
+            <a:spLocks noGrp="1" noRot="1" noChangeAspect="1" noMove="1" noResize="1" noEditPoints="1" noAdjustHandles="1" noChangeArrowheads="1" noChangeShapeType="1" noTextEdit="1"/>
+          </p:cNvSpPr>
+          <p:nvPr>
+            <p:extLst>
+              <p:ext uri="{386F3935-93C4-4BCD-93E2-E3B085C9AB24}">
+                <p16:designElem xmlns:p16="http://schemas.microsoft.com/office/powerpoint/2015/main" val="1"/>
+              </p:ext>
+            </p:extLst>
+          </p:nvPr>
+        </p:nvSpPr>
+        <p:spPr>
+          <a:xfrm>
+            <a:off x="16" y="0"/>
+            <a:ext cx="4050791" cy="6858000"/>
+          </a:xfrm>
+          <a:prstGeom prst="rect">
+            <a:avLst/>
+          </a:prstGeom>
+          <a:solidFill>
+            <a:schemeClr val="accent2"/>
+          </a:solidFill>
+          <a:ln>
+            <a:noFill/>
+          </a:ln>
+        </p:spPr>
+        <p:style>
+          <a:lnRef idx="2">
+            <a:schemeClr val="accent1">
+              <a:shade val="50000"/>
+            </a:schemeClr>
+          </a:lnRef>
+          <a:fillRef idx="1">
+            <a:schemeClr val="accent1"/>
+          </a:fillRef>
+          <a:effectRef idx="0">
+            <a:schemeClr val="accent1"/>
+          </a:effectRef>
+          <a:fontRef idx="minor">
+            <a:schemeClr val="lt1"/>
+          </a:fontRef>
+        </p:style>
+      </p:sp>
+      <p:sp>
+        <p:nvSpPr>
+          <p:cNvPr id="36" name="Titre 35">
+            <a:extLst>
+              <a:ext uri="{FF2B5EF4-FFF2-40B4-BE49-F238E27FC236}">
+                <a16:creationId xmlns:a16="http://schemas.microsoft.com/office/drawing/2014/main" id="{2DEA8875-BA15-48EE-A8FA-E66152FEFE9F}"/>
+              </a:ext>
+            </a:extLst>
+          </p:cNvPr>
+          <p:cNvSpPr>
+            <a:spLocks noGrp="1"/>
+          </p:cNvSpPr>
+          <p:nvPr>
+            <p:ph type="title"/>
+          </p:nvPr>
+        </p:nvSpPr>
+        <p:spPr>
+          <a:xfrm>
+            <a:off x="100484" y="605896"/>
+            <a:ext cx="3822306" cy="5646208"/>
+          </a:xfrm>
+        </p:spPr>
+        <p:txBody>
+          <a:bodyPr anchor="ctr">
+            <a:normAutofit/>
+          </a:bodyPr>
+          <a:lstStyle/>
+          <a:p>
+            <a:r>
+              <a:rPr lang="fr-FR" sz="3600" dirty="0">
+                <a:solidFill>
+                  <a:srgbClr val="FFFFFF"/>
+                </a:solidFill>
+              </a:rPr>
+              <a:t>Axes d’améliorations</a:t>
+            </a:r>
+          </a:p>
+        </p:txBody>
+      </p:sp>
+      <p:sp>
+        <p:nvSpPr>
+          <p:cNvPr id="47" name="Rectangle 46">
+            <a:extLst>
+              <a:ext uri="{FF2B5EF4-FFF2-40B4-BE49-F238E27FC236}">
+                <a16:creationId xmlns:a16="http://schemas.microsoft.com/office/drawing/2014/main" id="{054B3F04-9EAC-45C0-B3CE-0387EEA10A0C}"/>
+              </a:ext>
+              <a:ext uri="{C183D7F6-B498-43B3-948B-1728B52AA6E4}">
+                <adec:decorative xmlns:adec="http://schemas.microsoft.com/office/drawing/2017/decorative" val="1"/>
+              </a:ext>
+            </a:extLst>
+          </p:cNvPr>
+          <p:cNvSpPr>
+            <a:spLocks noGrp="1" noRot="1" noChangeAspect="1" noMove="1" noResize="1" noEditPoints="1" noAdjustHandles="1" noChangeArrowheads="1" noChangeShapeType="1" noTextEdit="1"/>
+          </p:cNvSpPr>
+          <p:nvPr>
+            <p:extLst>
+              <p:ext uri="{386F3935-93C4-4BCD-93E2-E3B085C9AB24}">
+                <p16:designElem xmlns:p16="http://schemas.microsoft.com/office/powerpoint/2015/main" val="1"/>
+              </p:ext>
+            </p:extLst>
+          </p:nvPr>
+        </p:nvSpPr>
+        <p:spPr>
+          <a:xfrm>
+            <a:off x="4040071" y="0"/>
+            <a:ext cx="64008" cy="6858000"/>
+          </a:xfrm>
+          <a:prstGeom prst="rect">
+            <a:avLst/>
+          </a:prstGeom>
+          <a:solidFill>
+            <a:schemeClr val="accent1"/>
+          </a:solidFill>
+          <a:ln>
+            <a:noFill/>
+          </a:ln>
+        </p:spPr>
+        <p:style>
+          <a:lnRef idx="2">
+            <a:schemeClr val="accent1">
+              <a:shade val="50000"/>
+            </a:schemeClr>
+          </a:lnRef>
+          <a:fillRef idx="1">
+            <a:schemeClr val="accent1"/>
+          </a:fillRef>
+          <a:effectRef idx="0">
+            <a:schemeClr val="accent1"/>
+          </a:effectRef>
+          <a:fontRef idx="minor">
+            <a:schemeClr val="lt1"/>
+          </a:fontRef>
+        </p:style>
+      </p:sp>
+      <p:sp>
+        <p:nvSpPr>
+          <p:cNvPr id="38" name="Espace réservé du contenu 37">
+            <a:extLst>
+              <a:ext uri="{FF2B5EF4-FFF2-40B4-BE49-F238E27FC236}">
+                <a16:creationId xmlns:a16="http://schemas.microsoft.com/office/drawing/2014/main" id="{9BDF66D2-5521-4850-95BC-6A1E10D9CD18}"/>
+              </a:ext>
+            </a:extLst>
+          </p:cNvPr>
+          <p:cNvSpPr>
+            <a:spLocks noGrp="1"/>
+          </p:cNvSpPr>
+          <p:nvPr>
+            <p:ph idx="1"/>
+          </p:nvPr>
+        </p:nvSpPr>
+        <p:spPr>
+          <a:xfrm>
+            <a:off x="4742016" y="605896"/>
+            <a:ext cx="6413663" cy="5646208"/>
+          </a:xfrm>
+        </p:spPr>
+        <p:txBody>
+          <a:bodyPr anchor="ctr">
+            <a:normAutofit/>
+          </a:bodyPr>
+          <a:lstStyle/>
+          <a:p>
+            <a:pPr>
+              <a:buFont typeface="Wingdings" panose="05000000000000000000" pitchFamily="2" charset="2"/>
+              <a:buChar char="Ø"/>
+            </a:pPr>
+            <a:r>
+              <a:rPr lang="fr-FR" dirty="0"/>
+              <a:t> </a:t>
+            </a:r>
+            <a:r>
+              <a:rPr lang="fr-FR" strike="sngStrike" dirty="0"/>
+              <a:t>Plus d’interactions avec le principe des « Suivre » et des « J’aime »</a:t>
+            </a:r>
+          </a:p>
+          <a:p>
+            <a:pPr marL="0" indent="0">
+              <a:buNone/>
+            </a:pPr>
+            <a:endParaRPr lang="fr-FR" dirty="0"/>
+          </a:p>
+          <a:p>
+            <a:pPr>
+              <a:buFont typeface="Wingdings" panose="05000000000000000000" pitchFamily="2" charset="2"/>
+              <a:buChar char="Ø"/>
+            </a:pPr>
+            <a:r>
+              <a:rPr lang="fr-FR" dirty="0"/>
+              <a:t> Créer des albums photos</a:t>
+            </a:r>
+          </a:p>
+          <a:p>
+            <a:pPr marL="0" indent="0">
+              <a:buNone/>
+            </a:pPr>
+            <a:endParaRPr lang="fr-FR" dirty="0"/>
+          </a:p>
+          <a:p>
+            <a:pPr>
+              <a:buFont typeface="Wingdings" panose="05000000000000000000" pitchFamily="2" charset="2"/>
+              <a:buChar char="Ø"/>
+            </a:pPr>
+            <a:r>
+              <a:rPr lang="fr-FR" dirty="0"/>
+              <a:t> Créer un chat en temps réel</a:t>
+            </a:r>
+          </a:p>
+          <a:p>
+            <a:pPr marL="0" indent="0">
+              <a:buNone/>
+            </a:pPr>
+            <a:endParaRPr lang="fr-FR" dirty="0"/>
+          </a:p>
+          <a:p>
+            <a:pPr>
+              <a:buFont typeface="Wingdings" panose="05000000000000000000" pitchFamily="2" charset="2"/>
+              <a:buChar char="Ø"/>
+            </a:pPr>
+            <a:r>
+              <a:rPr lang="fr-FR" dirty="0"/>
+              <a:t> Repenser l’application avec un </a:t>
+            </a:r>
+            <a:r>
+              <a:rPr lang="fr-FR" dirty="0" err="1"/>
+              <a:t>framework</a:t>
+            </a:r>
+            <a:r>
+              <a:rPr lang="fr-FR" dirty="0"/>
+              <a:t> JS</a:t>
+            </a:r>
+          </a:p>
+          <a:p>
+            <a:pPr marL="0" indent="0">
+              <a:buNone/>
+            </a:pPr>
+            <a:endParaRPr lang="fr-FR" dirty="0"/>
+          </a:p>
+        </p:txBody>
+      </p:sp>
+      <p:sp>
+        <p:nvSpPr>
+          <p:cNvPr id="4" name="Espace réservé de la date 3">
+            <a:extLst>
+              <a:ext uri="{FF2B5EF4-FFF2-40B4-BE49-F238E27FC236}">
+                <a16:creationId xmlns:a16="http://schemas.microsoft.com/office/drawing/2014/main" id="{BD02E174-AA71-4B86-ADC1-36A9CBF0C3DE}"/>
+              </a:ext>
+            </a:extLst>
+          </p:cNvPr>
+          <p:cNvSpPr>
+            <a:spLocks noGrp="1"/>
+          </p:cNvSpPr>
+          <p:nvPr>
+            <p:ph type="dt" sz="half" idx="10"/>
+          </p:nvPr>
+        </p:nvSpPr>
+        <p:spPr>
+          <a:xfrm>
+            <a:off x="492370" y="6459785"/>
+            <a:ext cx="1735371" cy="365125"/>
+          </a:xfrm>
+        </p:spPr>
+        <p:txBody>
+          <a:bodyPr vert="horz" lIns="91440" tIns="45720" rIns="91440" bIns="45720" rtlCol="0">
+            <a:normAutofit/>
+          </a:bodyPr>
+          <a:lstStyle/>
+          <a:p>
+            <a:pPr defTabSz="914400">
+              <a:spcAft>
+                <a:spcPts val="600"/>
+              </a:spcAft>
+            </a:pPr>
+            <a:fld id="{BE2B0635-2F10-4392-9910-9200623560C3}" type="datetime1">
+              <a:rPr lang="fr-FR" smtClean="0"/>
+              <a:t>23/06/2020</a:t>
+            </a:fld>
+            <a:endParaRPr lang="en-US" dirty="0"/>
+          </a:p>
+        </p:txBody>
+      </p:sp>
+      <p:sp>
+        <p:nvSpPr>
+          <p:cNvPr id="5" name="Espace réservé du pied de page 4">
+            <a:extLst>
+              <a:ext uri="{FF2B5EF4-FFF2-40B4-BE49-F238E27FC236}">
+                <a16:creationId xmlns:a16="http://schemas.microsoft.com/office/drawing/2014/main" id="{EDB3DF03-1EAA-4274-9C36-167C5512A7F9}"/>
+              </a:ext>
+            </a:extLst>
+          </p:cNvPr>
+          <p:cNvSpPr>
+            <a:spLocks noGrp="1"/>
+          </p:cNvSpPr>
+          <p:nvPr>
+            <p:ph type="ftr" sz="quarter" idx="11"/>
+          </p:nvPr>
+        </p:nvSpPr>
+        <p:spPr>
+          <a:xfrm>
+            <a:off x="4742017" y="6459785"/>
+            <a:ext cx="5105169" cy="365125"/>
+          </a:xfrm>
+        </p:spPr>
+        <p:txBody>
+          <a:bodyPr vert="horz" lIns="91440" tIns="45720" rIns="91440" bIns="45720" rtlCol="0">
+            <a:normAutofit/>
+          </a:bodyPr>
+          <a:lstStyle/>
+          <a:p>
+            <a:pPr algn="l" defTabSz="914400">
+              <a:spcAft>
+                <a:spcPts val="600"/>
+              </a:spcAft>
+            </a:pPr>
+            <a:r>
+              <a:rPr lang="en-US" kern="1200" cap="all" baseline="0" dirty="0">
+                <a:solidFill>
+                  <a:schemeClr val="tx2"/>
+                </a:solidFill>
+                <a:latin typeface="+mn-lt"/>
+                <a:ea typeface="+mn-ea"/>
+                <a:cs typeface="+mn-cs"/>
+              </a:rPr>
+              <a:t>Sylvain ALLAIN</a:t>
+            </a:r>
+          </a:p>
+        </p:txBody>
+      </p:sp>
+      <p:sp>
+        <p:nvSpPr>
+          <p:cNvPr id="6" name="Espace réservé du numéro de diapositive 5">
+            <a:extLst>
+              <a:ext uri="{FF2B5EF4-FFF2-40B4-BE49-F238E27FC236}">
+                <a16:creationId xmlns:a16="http://schemas.microsoft.com/office/drawing/2014/main" id="{7C6D9CEF-3163-4A6B-AD56-64D157637798}"/>
+              </a:ext>
+            </a:extLst>
+          </p:cNvPr>
+          <p:cNvSpPr>
+            <a:spLocks noGrp="1"/>
+          </p:cNvSpPr>
+          <p:nvPr>
+            <p:ph type="sldNum" sz="quarter" idx="12"/>
+          </p:nvPr>
+        </p:nvSpPr>
+        <p:spPr>
+          <a:xfrm>
+            <a:off x="10123055" y="6459785"/>
+            <a:ext cx="1089428" cy="365125"/>
+          </a:xfrm>
+        </p:spPr>
+        <p:txBody>
+          <a:bodyPr vert="horz" lIns="91440" tIns="45720" rIns="91440" bIns="45720" rtlCol="0">
+            <a:normAutofit/>
+          </a:bodyPr>
+          <a:lstStyle/>
+          <a:p>
+            <a:pPr defTabSz="914400">
+              <a:spcAft>
+                <a:spcPts val="600"/>
+              </a:spcAft>
+            </a:pPr>
+            <a:fld id="{7386E8C7-F2FE-4BD9-8CCD-17179851D3F5}" type="slidenum">
+              <a:rPr lang="en-US">
+                <a:solidFill>
+                  <a:schemeClr val="tx2"/>
+                </a:solidFill>
+              </a:rPr>
+              <a:pPr defTabSz="914400">
+                <a:spcAft>
+                  <a:spcPts val="600"/>
+                </a:spcAft>
+              </a:pPr>
+              <a:t>29</a:t>
+            </a:fld>
+            <a:endParaRPr lang="en-US" dirty="0">
+              <a:solidFill>
+                <a:schemeClr val="tx2"/>
+              </a:solidFill>
+            </a:endParaRPr>
+          </a:p>
+        </p:txBody>
+      </p:sp>
+    </p:spTree>
+    <p:extLst>
+      <p:ext uri="{BB962C8B-B14F-4D97-AF65-F5344CB8AC3E}">
+        <p14:creationId xmlns:p14="http://schemas.microsoft.com/office/powerpoint/2010/main" val="2252160992"/>
+      </p:ext>
+    </p:extLst>
+  </p:cSld>
+  <p:clrMapOvr>
+    <a:masterClrMapping/>
+  </p:clrMapOvr>
+  <p:timing>
+    <p:tnLst>
+      <p:par>
+        <p:cTn id="1" dur="indefinite" restart="never" nodeType="tmRoot">
+          <p:childTnLst>
+            <p:seq concurrent="1" nextAc="seek">
+              <p:cTn id="2" dur="indefinite" nodeType="mainSeq">
+                <p:childTnLst>
+                  <p:par>
+                    <p:cTn id="3" fill="hold">
+                      <p:stCondLst>
+                        <p:cond delay="indefinite"/>
+                      </p:stCondLst>
+                      <p:childTnLst>
+                        <p:par>
+                          <p:cTn id="4" fill="hold">
+                            <p:stCondLst>
+                              <p:cond delay="0"/>
+                            </p:stCondLst>
+                            <p:childTnLst>
+                              <p:par>
+                                <p:cTn id="5" presetID="10" presetClass="entr" presetSubtype="0" fill="hold" nodeType="clickEffect">
+                                  <p:stCondLst>
+                                    <p:cond delay="0"/>
+                                  </p:stCondLst>
+                                  <p:childTnLst>
+                                    <p:set>
+                                      <p:cBhvr>
+                                        <p:cTn id="6" dur="1" fill="hold">
+                                          <p:stCondLst>
+                                            <p:cond delay="0"/>
+                                          </p:stCondLst>
+                                        </p:cTn>
+                                        <p:tgtEl>
+                                          <p:spTgt spid="38">
+                                            <p:txEl>
+                                              <p:pRg st="0" end="0"/>
+                                            </p:txEl>
+                                          </p:spTgt>
+                                        </p:tgtEl>
+                                        <p:attrNameLst>
+                                          <p:attrName>style.visibility</p:attrName>
+                                        </p:attrNameLst>
+                                      </p:cBhvr>
+                                      <p:to>
+                                        <p:strVal val="visible"/>
+                                      </p:to>
+                                    </p:set>
+                                    <p:animEffect transition="in" filter="fade">
+                                      <p:cBhvr>
+                                        <p:cTn id="7" dur="500"/>
+                                        <p:tgtEl>
+                                          <p:spTgt spid="38">
+                                            <p:txEl>
+                                              <p:pRg st="0" end="0"/>
+                                            </p:txEl>
+                                          </p:spTgt>
+                                        </p:tgtEl>
+                                      </p:cBhvr>
+                                    </p:animEffect>
+                                  </p:childTnLst>
+                                </p:cTn>
+                              </p:par>
+                            </p:childTnLst>
+                          </p:cTn>
+                        </p:par>
+                      </p:childTnLst>
+                    </p:cTn>
+                  </p:par>
+                  <p:par>
+                    <p:cTn id="8" fill="hold">
+                      <p:stCondLst>
+                        <p:cond delay="indefinite"/>
+                      </p:stCondLst>
+                      <p:childTnLst>
+                        <p:par>
+                          <p:cTn id="9" fill="hold">
+                            <p:stCondLst>
+                              <p:cond delay="0"/>
+                            </p:stCondLst>
+                            <p:childTnLst>
+                              <p:par>
+                                <p:cTn id="10" presetID="10" presetClass="entr" presetSubtype="0" fill="hold" nodeType="clickEffect">
+                                  <p:stCondLst>
+                                    <p:cond delay="0"/>
+                                  </p:stCondLst>
+                                  <p:childTnLst>
+                                    <p:set>
+                                      <p:cBhvr>
+                                        <p:cTn id="11" dur="1" fill="hold">
+                                          <p:stCondLst>
+                                            <p:cond delay="0"/>
+                                          </p:stCondLst>
+                                        </p:cTn>
+                                        <p:tgtEl>
+                                          <p:spTgt spid="38">
+                                            <p:txEl>
+                                              <p:pRg st="2" end="2"/>
+                                            </p:txEl>
+                                          </p:spTgt>
+                                        </p:tgtEl>
+                                        <p:attrNameLst>
+                                          <p:attrName>style.visibility</p:attrName>
+                                        </p:attrNameLst>
+                                      </p:cBhvr>
+                                      <p:to>
+                                        <p:strVal val="visible"/>
+                                      </p:to>
+                                    </p:set>
+                                    <p:animEffect transition="in" filter="fade">
+                                      <p:cBhvr>
+                                        <p:cTn id="12" dur="500"/>
+                                        <p:tgtEl>
+                                          <p:spTgt spid="38">
+                                            <p:txEl>
+                                              <p:pRg st="2" end="2"/>
+                                            </p:txEl>
+                                          </p:spTgt>
+                                        </p:tgtEl>
+                                      </p:cBhvr>
+                                    </p:animEffect>
+                                  </p:childTnLst>
+                                </p:cTn>
+                              </p:par>
+                            </p:childTnLst>
+                          </p:cTn>
+                        </p:par>
+                      </p:childTnLst>
+                    </p:cTn>
+                  </p:par>
+                  <p:par>
+                    <p:cTn id="13" fill="hold">
+                      <p:stCondLst>
+                        <p:cond delay="indefinite"/>
+                      </p:stCondLst>
+                      <p:childTnLst>
+                        <p:par>
+                          <p:cTn id="14" fill="hold">
+                            <p:stCondLst>
+                              <p:cond delay="0"/>
+                            </p:stCondLst>
+                            <p:childTnLst>
+                              <p:par>
+                                <p:cTn id="15" presetID="10" presetClass="entr" presetSubtype="0" fill="hold" nodeType="clickEffect">
+                                  <p:stCondLst>
+                                    <p:cond delay="0"/>
+                                  </p:stCondLst>
+                                  <p:childTnLst>
+                                    <p:set>
+                                      <p:cBhvr>
+                                        <p:cTn id="16" dur="1" fill="hold">
+                                          <p:stCondLst>
+                                            <p:cond delay="0"/>
+                                          </p:stCondLst>
+                                        </p:cTn>
+                                        <p:tgtEl>
+                                          <p:spTgt spid="38">
+                                            <p:txEl>
+                                              <p:pRg st="4" end="4"/>
+                                            </p:txEl>
+                                          </p:spTgt>
+                                        </p:tgtEl>
+                                        <p:attrNameLst>
+                                          <p:attrName>style.visibility</p:attrName>
+                                        </p:attrNameLst>
+                                      </p:cBhvr>
+                                      <p:to>
+                                        <p:strVal val="visible"/>
+                                      </p:to>
+                                    </p:set>
+                                    <p:animEffect transition="in" filter="fade">
+                                      <p:cBhvr>
+                                        <p:cTn id="17" dur="500"/>
+                                        <p:tgtEl>
+                                          <p:spTgt spid="38">
+                                            <p:txEl>
+                                              <p:pRg st="4" end="4"/>
+                                            </p:txEl>
+                                          </p:spTgt>
+                                        </p:tgtEl>
+                                      </p:cBhvr>
+                                    </p:animEffect>
+                                  </p:childTnLst>
+                                </p:cTn>
+                              </p:par>
+                            </p:childTnLst>
+                          </p:cTn>
+                        </p:par>
+                      </p:childTnLst>
+                    </p:cTn>
+                  </p:par>
+                  <p:par>
+                    <p:cTn id="18" fill="hold">
+                      <p:stCondLst>
+                        <p:cond delay="indefinite"/>
+                      </p:stCondLst>
+                      <p:childTnLst>
+                        <p:par>
+                          <p:cTn id="19" fill="hold">
+                            <p:stCondLst>
+                              <p:cond delay="0"/>
+                            </p:stCondLst>
+                            <p:childTnLst>
+                              <p:par>
+                                <p:cTn id="20" presetID="10" presetClass="entr" presetSubtype="0" fill="hold" nodeType="clickEffect">
+                                  <p:stCondLst>
+                                    <p:cond delay="0"/>
+                                  </p:stCondLst>
+                                  <p:childTnLst>
+                                    <p:set>
+                                      <p:cBhvr>
+                                        <p:cTn id="21" dur="1" fill="hold">
+                                          <p:stCondLst>
+                                            <p:cond delay="0"/>
+                                          </p:stCondLst>
+                                        </p:cTn>
+                                        <p:tgtEl>
+                                          <p:spTgt spid="38">
+                                            <p:txEl>
+                                              <p:pRg st="6" end="6"/>
+                                            </p:txEl>
+                                          </p:spTgt>
+                                        </p:tgtEl>
+                                        <p:attrNameLst>
+                                          <p:attrName>style.visibility</p:attrName>
+                                        </p:attrNameLst>
+                                      </p:cBhvr>
+                                      <p:to>
+                                        <p:strVal val="visible"/>
+                                      </p:to>
+                                    </p:set>
+                                    <p:animEffect transition="in" filter="fade">
+                                      <p:cBhvr>
+                                        <p:cTn id="22" dur="500"/>
+                                        <p:tgtEl>
+                                          <p:spTgt spid="38">
+                                            <p:txEl>
+                                              <p:pRg st="6" end="6"/>
+                                            </p:txEl>
+                                          </p:spTgt>
+                                        </p:tgtEl>
+                                      </p:cBhvr>
+                                    </p:animEffect>
+                                  </p:childTnLst>
+                                </p:cTn>
+                              </p:par>
+                            </p:childTnLst>
+                          </p:cTn>
+                        </p:par>
+                      </p:childTnLst>
+                    </p:cTn>
+                  </p:par>
+                </p:childTnLst>
+              </p:cTn>
+              <p:prevCondLst>
+                <p:cond evt="onPrev" delay="0">
+                  <p:tgtEl>
+                    <p:sldTgt/>
+                  </p:tgtEl>
+                </p:cond>
+              </p:prevCondLst>
+              <p:nextCondLst>
+                <p:cond evt="onNext" delay="0">
+                  <p:tgtEl>
+                    <p:sldTgt/>
+                  </p:tgtEl>
+                </p:cond>
+              </p:nextCondLst>
+            </p:seq>
+          </p:childTnLst>
+        </p:cTn>
+      </p:par>
+    </p:tnLst>
+  </p:timing>
+</p:sld>
+</file>
+
+<file path=ppt/slides/slide3.xml><?xml version="1.0" encoding="utf-8"?>
+<p:sld xmlns:a="http://schemas.openxmlformats.org/drawingml/2006/main" xmlns:r="http://schemas.openxmlformats.org/officeDocument/2006/relationships" xmlns:p="http://schemas.openxmlformats.org/presentationml/2006/main">
+  <p:cSld>
+    <p:bg>
+      <p:bgPr>
+        <a:solidFill>
+          <a:schemeClr val="bg1"/>
+        </a:solidFill>
+        <a:effectLst/>
+      </p:bgPr>
+    </p:bg>
+    <p:spTree>
+      <p:nvGrpSpPr>
+        <p:cNvPr id="1" name=""/>
+        <p:cNvGrpSpPr/>
+        <p:nvPr/>
+      </p:nvGrpSpPr>
+      <p:grpSpPr>
+        <a:xfrm>
+          <a:off x="0" y="0"/>
+          <a:ext cx="0" cy="0"/>
+          <a:chOff x="0" y="0"/>
+          <a:chExt cx="0" cy="0"/>
+        </a:xfrm>
+      </p:grpSpPr>
+      <p:sp useBgFill="1">
+        <p:nvSpPr>
+          <p:cNvPr id="32" name="Rectangle 31">
+            <a:extLst>
+              <a:ext uri="{FF2B5EF4-FFF2-40B4-BE49-F238E27FC236}">
+                <a16:creationId xmlns:a16="http://schemas.microsoft.com/office/drawing/2014/main" id="{9F5E263C-FB7E-4A3E-AD04-5140CD3D1D97}"/>
+              </a:ext>
+              <a:ext uri="{C183D7F6-B498-43B3-948B-1728B52AA6E4}">
+                <adec:decorative xmlns:adec="http://schemas.microsoft.com/office/drawing/2017/decorative" val="1"/>
+              </a:ext>
+            </a:extLst>
+          </p:cNvPr>
+          <p:cNvSpPr>
+            <a:spLocks noGrp="1" noRot="1" noChangeAspect="1" noMove="1" noResize="1" noEditPoints="1" noAdjustHandles="1" noChangeArrowheads="1" noChangeShapeType="1" noTextEdit="1"/>
+          </p:cNvSpPr>
+          <p:nvPr>
+            <p:extLst>
+              <p:ext uri="{386F3935-93C4-4BCD-93E2-E3B085C9AB24}">
+                <p16:designElem xmlns:p16="http://schemas.microsoft.com/office/powerpoint/2015/main" val="1"/>
+              </p:ext>
+            </p:extLst>
+          </p:nvPr>
+        </p:nvSpPr>
+        <p:spPr>
+          <a:xfrm>
+            <a:off x="0" y="0"/>
+            <a:ext cx="12186315" cy="6858000"/>
+          </a:xfrm>
+          <a:prstGeom prst="rect">
+            <a:avLst/>
+          </a:prstGeom>
+          <a:ln>
+            <a:noFill/>
+          </a:ln>
+        </p:spPr>
+        <p:style>
+          <a:lnRef idx="2">
+            <a:schemeClr val="accent6">
+              <a:shade val="50000"/>
+            </a:schemeClr>
+          </a:lnRef>
+          <a:fillRef idx="1001">
+            <a:schemeClr val="lt1"/>
+          </a:fillRef>
+          <a:effectRef idx="0">
+            <a:schemeClr val="accent6"/>
+          </a:effectRef>
+          <a:fontRef idx="minor">
+            <a:schemeClr val="lt1"/>
+          </a:fontRef>
+        </p:style>
+        <p:txBody>
+          <a:bodyPr rtlCol="0" anchor="ctr"/>
+          <a:lstStyle/>
+          <a:p>
+            <a:pPr algn="ctr"/>
+            <a:endParaRPr lang="en-US"/>
+          </a:p>
+        </p:txBody>
+      </p:sp>
+      <p:sp>
+        <p:nvSpPr>
+          <p:cNvPr id="34" name="Rectangle 33">
+            <a:extLst>
+              <a:ext uri="{FF2B5EF4-FFF2-40B4-BE49-F238E27FC236}">
+                <a16:creationId xmlns:a16="http://schemas.microsoft.com/office/drawing/2014/main" id="{9E65ED8C-90F7-4EB0-ACCB-64AEF411E8B9}"/>
+              </a:ext>
+              <a:ext uri="{C183D7F6-B498-43B3-948B-1728B52AA6E4}">
+                <adec:decorative xmlns:adec="http://schemas.microsoft.com/office/drawing/2017/decorative" val="1"/>
+              </a:ext>
+            </a:extLst>
+          </p:cNvPr>
+          <p:cNvSpPr>
+            <a:spLocks noGrp="1" noRot="1" noChangeAspect="1" noMove="1" noResize="1" noEditPoints="1" noAdjustHandles="1" noChangeArrowheads="1" noChangeShapeType="1" noTextEdit="1"/>
+          </p:cNvSpPr>
+          <p:nvPr>
+            <p:extLst>
+              <p:ext uri="{386F3935-93C4-4BCD-93E2-E3B085C9AB24}">
+                <p16:designElem xmlns:p16="http://schemas.microsoft.com/office/powerpoint/2015/main" val="1"/>
+              </p:ext>
+            </p:extLst>
+          </p:nvPr>
+        </p:nvSpPr>
+        <p:spPr>
+          <a:xfrm>
+            <a:off x="16" y="0"/>
+            <a:ext cx="4050791" cy="6858000"/>
+          </a:xfrm>
+          <a:prstGeom prst="rect">
+            <a:avLst/>
+          </a:prstGeom>
+          <a:solidFill>
+            <a:schemeClr val="accent2"/>
+          </a:solidFill>
+          <a:ln>
+            <a:noFill/>
+          </a:ln>
+        </p:spPr>
+        <p:style>
+          <a:lnRef idx="2">
+            <a:schemeClr val="accent1">
+              <a:shade val="50000"/>
+            </a:schemeClr>
+          </a:lnRef>
+          <a:fillRef idx="1">
+            <a:schemeClr val="accent1"/>
+          </a:fillRef>
+          <a:effectRef idx="0">
+            <a:schemeClr val="accent1"/>
+          </a:effectRef>
+          <a:fontRef idx="minor">
+            <a:schemeClr val="lt1"/>
+          </a:fontRef>
+        </p:style>
+      </p:sp>
+      <p:sp>
+        <p:nvSpPr>
+          <p:cNvPr id="7" name="Titre 6">
+            <a:extLst>
+              <a:ext uri="{FF2B5EF4-FFF2-40B4-BE49-F238E27FC236}">
+                <a16:creationId xmlns:a16="http://schemas.microsoft.com/office/drawing/2014/main" id="{8B098FDD-3C78-425B-AFEC-EE9C45D42833}"/>
+              </a:ext>
+            </a:extLst>
+          </p:cNvPr>
+          <p:cNvSpPr>
+            <a:spLocks noGrp="1"/>
+          </p:cNvSpPr>
+          <p:nvPr>
+            <p:ph type="title"/>
+          </p:nvPr>
+        </p:nvSpPr>
+        <p:spPr>
+          <a:xfrm>
+            <a:off x="492370" y="516835"/>
+            <a:ext cx="3084844" cy="5772840"/>
+          </a:xfrm>
+        </p:spPr>
+        <p:txBody>
+          <a:bodyPr anchor="ctr">
+            <a:normAutofit/>
+          </a:bodyPr>
+          <a:lstStyle/>
+          <a:p>
+            <a:r>
+              <a:rPr lang="fr-FR" sz="3600">
+                <a:solidFill>
+                  <a:srgbClr val="FFFFFF"/>
+                </a:solidFill>
+              </a:rPr>
+              <a:t>Contexte</a:t>
+            </a:r>
+          </a:p>
+        </p:txBody>
+      </p:sp>
+      <p:sp>
+        <p:nvSpPr>
+          <p:cNvPr id="36" name="Rectangle 35">
+            <a:extLst>
+              <a:ext uri="{FF2B5EF4-FFF2-40B4-BE49-F238E27FC236}">
+                <a16:creationId xmlns:a16="http://schemas.microsoft.com/office/drawing/2014/main" id="{6604E3BF-88F7-4D19-BEC9-8486966EA467}"/>
+              </a:ext>
+              <a:ext uri="{C183D7F6-B498-43B3-948B-1728B52AA6E4}">
+                <adec:decorative xmlns:adec="http://schemas.microsoft.com/office/drawing/2017/decorative" val="1"/>
+              </a:ext>
+            </a:extLst>
+          </p:cNvPr>
+          <p:cNvSpPr>
+            <a:spLocks noGrp="1" noRot="1" noChangeAspect="1" noMove="1" noResize="1" noEditPoints="1" noAdjustHandles="1" noChangeArrowheads="1" noChangeShapeType="1" noTextEdit="1"/>
+          </p:cNvSpPr>
+          <p:nvPr>
+            <p:extLst>
+              <p:ext uri="{386F3935-93C4-4BCD-93E2-E3B085C9AB24}">
+                <p16:designElem xmlns:p16="http://schemas.microsoft.com/office/powerpoint/2015/main" val="1"/>
+              </p:ext>
+            </p:extLst>
+          </p:nvPr>
+        </p:nvSpPr>
+        <p:spPr>
+          <a:xfrm>
+            <a:off x="4040071" y="0"/>
+            <a:ext cx="64008" cy="6858000"/>
+          </a:xfrm>
+          <a:prstGeom prst="rect">
+            <a:avLst/>
+          </a:prstGeom>
+          <a:solidFill>
+            <a:schemeClr val="accent1"/>
+          </a:solidFill>
+          <a:ln>
+            <a:noFill/>
+          </a:ln>
+        </p:spPr>
+        <p:style>
+          <a:lnRef idx="2">
+            <a:schemeClr val="accent1">
+              <a:shade val="50000"/>
+            </a:schemeClr>
+          </a:lnRef>
+          <a:fillRef idx="1">
+            <a:schemeClr val="accent1"/>
+          </a:fillRef>
+          <a:effectRef idx="0">
+            <a:schemeClr val="accent1"/>
+          </a:effectRef>
+          <a:fontRef idx="minor">
+            <a:schemeClr val="lt1"/>
+          </a:fontRef>
+        </p:style>
+      </p:sp>
+      <p:sp>
+        <p:nvSpPr>
+          <p:cNvPr id="4" name="Espace réservé de la date 3">
+            <a:extLst>
+              <a:ext uri="{FF2B5EF4-FFF2-40B4-BE49-F238E27FC236}">
+                <a16:creationId xmlns:a16="http://schemas.microsoft.com/office/drawing/2014/main" id="{093EFC05-08DC-4096-986B-A28CD7D52088}"/>
+              </a:ext>
+            </a:extLst>
+          </p:cNvPr>
+          <p:cNvSpPr>
+            <a:spLocks noGrp="1"/>
+          </p:cNvSpPr>
+          <p:nvPr>
+            <p:ph type="dt" sz="half" idx="10"/>
+          </p:nvPr>
+        </p:nvSpPr>
+        <p:spPr>
+          <a:xfrm>
+            <a:off x="492370" y="6459785"/>
+            <a:ext cx="1735371" cy="365125"/>
+          </a:xfrm>
+        </p:spPr>
+        <p:txBody>
+          <a:bodyPr>
+            <a:normAutofit/>
+          </a:bodyPr>
+          <a:lstStyle/>
+          <a:p>
+            <a:pPr>
+              <a:spcAft>
+                <a:spcPts val="600"/>
+              </a:spcAft>
+            </a:pPr>
+            <a:fld id="{A2803A18-E7CC-486E-9F20-93A95992AA11}" type="datetime1">
+              <a:rPr lang="fr-FR" smtClean="0"/>
+              <a:t>23/06/2020</a:t>
+            </a:fld>
+            <a:endParaRPr lang="fr-FR"/>
+          </a:p>
+        </p:txBody>
+      </p:sp>
+      <p:sp>
+        <p:nvSpPr>
+          <p:cNvPr id="5" name="Espace réservé du pied de page 4">
+            <a:extLst>
+              <a:ext uri="{FF2B5EF4-FFF2-40B4-BE49-F238E27FC236}">
+                <a16:creationId xmlns:a16="http://schemas.microsoft.com/office/drawing/2014/main" id="{DCFF5CD2-805F-4C3A-BB99-2A1794D98820}"/>
+              </a:ext>
+            </a:extLst>
+          </p:cNvPr>
+          <p:cNvSpPr>
+            <a:spLocks noGrp="1"/>
+          </p:cNvSpPr>
+          <p:nvPr>
+            <p:ph type="ftr" sz="quarter" idx="11"/>
+          </p:nvPr>
+        </p:nvSpPr>
+        <p:spPr>
+          <a:xfrm>
+            <a:off x="4742017" y="6459785"/>
+            <a:ext cx="5105169" cy="365125"/>
+          </a:xfrm>
+        </p:spPr>
+        <p:txBody>
+          <a:bodyPr>
+            <a:normAutofit/>
+          </a:bodyPr>
+          <a:lstStyle/>
+          <a:p>
+            <a:pPr algn="l">
+              <a:spcAft>
+                <a:spcPts val="600"/>
+              </a:spcAft>
+            </a:pPr>
+            <a:r>
+              <a:rPr lang="fr-FR">
+                <a:solidFill>
+                  <a:schemeClr val="tx2"/>
+                </a:solidFill>
+              </a:rPr>
+              <a:t>Sylvain ALLAIN</a:t>
+            </a:r>
+          </a:p>
+        </p:txBody>
+      </p:sp>
+      <p:sp>
+        <p:nvSpPr>
+          <p:cNvPr id="6" name="Espace réservé du numéro de diapositive 5">
+            <a:extLst>
+              <a:ext uri="{FF2B5EF4-FFF2-40B4-BE49-F238E27FC236}">
+                <a16:creationId xmlns:a16="http://schemas.microsoft.com/office/drawing/2014/main" id="{6D09E641-676B-428D-82B8-AED15902C3A9}"/>
+              </a:ext>
+            </a:extLst>
+          </p:cNvPr>
+          <p:cNvSpPr>
+            <a:spLocks noGrp="1"/>
+          </p:cNvSpPr>
+          <p:nvPr>
+            <p:ph type="sldNum" sz="quarter" idx="12"/>
+          </p:nvPr>
+        </p:nvSpPr>
+        <p:spPr>
+          <a:xfrm>
+            <a:off x="10123055" y="6459785"/>
+            <a:ext cx="1089428" cy="365125"/>
+          </a:xfrm>
+        </p:spPr>
+        <p:txBody>
+          <a:bodyPr>
+            <a:normAutofit/>
+          </a:bodyPr>
+          <a:lstStyle/>
+          <a:p>
+            <a:pPr>
+              <a:spcAft>
+                <a:spcPts val="600"/>
+              </a:spcAft>
+            </a:pPr>
+            <a:fld id="{7386E8C7-F2FE-4BD9-8CCD-17179851D3F5}" type="slidenum">
+              <a:rPr lang="fr-FR" smtClean="0">
+                <a:solidFill>
+                  <a:schemeClr val="tx2"/>
+                </a:solidFill>
+              </a:rPr>
+              <a:pPr>
+                <a:spcAft>
+                  <a:spcPts val="600"/>
+                </a:spcAft>
+              </a:pPr>
+              <a:t>3</a:t>
+            </a:fld>
+            <a:endParaRPr lang="fr-FR">
+              <a:solidFill>
+                <a:schemeClr val="tx2"/>
+              </a:solidFill>
+            </a:endParaRPr>
+          </a:p>
+        </p:txBody>
+      </p:sp>
+      <p:graphicFrame>
+        <p:nvGraphicFramePr>
+          <p:cNvPr id="10" name="Espace réservé du contenu 7">
+            <a:extLst>
+              <a:ext uri="{FF2B5EF4-FFF2-40B4-BE49-F238E27FC236}">
+                <a16:creationId xmlns:a16="http://schemas.microsoft.com/office/drawing/2014/main" id="{D1256D0D-B8D8-4FAE-9F89-227CA1027549}"/>
+              </a:ext>
+            </a:extLst>
+          </p:cNvPr>
+          <p:cNvGraphicFramePr>
+            <a:graphicFrameLocks noGrp="1"/>
+          </p:cNvGraphicFramePr>
+          <p:nvPr>
+            <p:ph idx="1"/>
+            <p:extLst>
+              <p:ext uri="{D42A27DB-BD31-4B8C-83A1-F6EECF244321}">
+                <p14:modId xmlns:p14="http://schemas.microsoft.com/office/powerpoint/2010/main" val="1531640933"/>
+              </p:ext>
+            </p:extLst>
+          </p:nvPr>
+        </p:nvGraphicFramePr>
+        <p:xfrm>
+          <a:off x="4741863" y="639763"/>
+          <a:ext cx="6797675" cy="5649912"/>
+        </p:xfrm>
+        <a:graphic>
+          <a:graphicData uri="http://schemas.openxmlformats.org/drawingml/2006/diagram">
+            <dgm:relIds xmlns:dgm="http://schemas.openxmlformats.org/drawingml/2006/diagram" xmlns:r="http://schemas.openxmlformats.org/officeDocument/2006/relationships" r:dm="rId2" r:lo="rId3" r:qs="rId4" r:cs="rId5"/>
+          </a:graphicData>
+        </a:graphic>
+      </p:graphicFrame>
+    </p:spTree>
+    <p:extLst>
+      <p:ext uri="{BB962C8B-B14F-4D97-AF65-F5344CB8AC3E}">
+        <p14:creationId xmlns:p14="http://schemas.microsoft.com/office/powerpoint/2010/main" val="4227053855"/>
+      </p:ext>
+    </p:extLst>
+  </p:cSld>
+  <p:clrMapOvr>
+    <a:masterClrMapping/>
+  </p:clrMapOvr>
+</p:sld>
+</file>
+
+<file path=ppt/slides/slide30.xml><?xml version="1.0" encoding="utf-8"?>
 <p:sld xmlns:a="http://schemas.openxmlformats.org/drawingml/2006/main" xmlns:r="http://schemas.openxmlformats.org/officeDocument/2006/relationships" xmlns:p="http://schemas.openxmlformats.org/presentationml/2006/main">
   <p:cSld>
     <p:bg>
@@ -29121,14 +30777,9 @@
                 <a:spcPts val="600"/>
               </a:spcAft>
             </a:pPr>
-            <a:fld id="{EE75921B-C4F6-4949-BEE6-7B8822AEE9B3}" type="datetime1">
-              <a:rPr lang="en-US" smtClean="0"/>
-              <a:pPr>
-                <a:spcAft>
-                  <a:spcPts val="600"/>
-                </a:spcAft>
-              </a:pPr>
-              <a:t>6/8/2020</a:t>
+            <a:fld id="{511802BA-D284-442D-AE5F-A06E12DB7CA8}" type="datetime1">
+              <a:rPr lang="fr-FR" smtClean="0"/>
+              <a:t>23/06/2020</a:t>
             </a:fld>
             <a:endParaRPr lang="en-US"/>
           </a:p>
@@ -29221,7 +30872,7 @@
                   <a:spcPts val="600"/>
                 </a:spcAft>
               </a:pPr>
-              <a:t>29</a:t>
+              <a:t>30</a:t>
             </a:fld>
             <a:endParaRPr lang="en-US"/>
           </a:p>
@@ -29279,428 +30930,6 @@
 </p:sld>
 </file>
 
-<file path=ppt/slides/slide3.xml><?xml version="1.0" encoding="utf-8"?>
-<p:sld xmlns:a="http://schemas.openxmlformats.org/drawingml/2006/main" xmlns:r="http://schemas.openxmlformats.org/officeDocument/2006/relationships" xmlns:p="http://schemas.openxmlformats.org/presentationml/2006/main">
-  <p:cSld>
-    <p:bg>
-      <p:bgPr>
-        <a:solidFill>
-          <a:schemeClr val="bg1"/>
-        </a:solidFill>
-        <a:effectLst/>
-      </p:bgPr>
-    </p:bg>
-    <p:spTree>
-      <p:nvGrpSpPr>
-        <p:cNvPr id="1" name=""/>
-        <p:cNvGrpSpPr/>
-        <p:nvPr/>
-      </p:nvGrpSpPr>
-      <p:grpSpPr>
-        <a:xfrm>
-          <a:off x="0" y="0"/>
-          <a:ext cx="0" cy="0"/>
-          <a:chOff x="0" y="0"/>
-          <a:chExt cx="0" cy="0"/>
-        </a:xfrm>
-      </p:grpSpPr>
-      <p:sp useBgFill="1">
-        <p:nvSpPr>
-          <p:cNvPr id="32" name="Rectangle 31">
-            <a:extLst>
-              <a:ext uri="{FF2B5EF4-FFF2-40B4-BE49-F238E27FC236}">
-                <a16:creationId xmlns:a16="http://schemas.microsoft.com/office/drawing/2014/main" id="{9F5E263C-FB7E-4A3E-AD04-5140CD3D1D97}"/>
-              </a:ext>
-              <a:ext uri="{C183D7F6-B498-43B3-948B-1728B52AA6E4}">
-                <adec:decorative xmlns:adec="http://schemas.microsoft.com/office/drawing/2017/decorative" val="1"/>
-              </a:ext>
-            </a:extLst>
-          </p:cNvPr>
-          <p:cNvSpPr>
-            <a:spLocks noGrp="1" noRot="1" noChangeAspect="1" noMove="1" noResize="1" noEditPoints="1" noAdjustHandles="1" noChangeArrowheads="1" noChangeShapeType="1" noTextEdit="1"/>
-          </p:cNvSpPr>
-          <p:nvPr>
-            <p:extLst>
-              <p:ext uri="{386F3935-93C4-4BCD-93E2-E3B085C9AB24}">
-                <p16:designElem xmlns:p16="http://schemas.microsoft.com/office/powerpoint/2015/main" val="1"/>
-              </p:ext>
-            </p:extLst>
-          </p:nvPr>
-        </p:nvSpPr>
-        <p:spPr>
-          <a:xfrm>
-            <a:off x="0" y="0"/>
-            <a:ext cx="12186315" cy="6858000"/>
-          </a:xfrm>
-          <a:prstGeom prst="rect">
-            <a:avLst/>
-          </a:prstGeom>
-          <a:ln>
-            <a:noFill/>
-          </a:ln>
-        </p:spPr>
-        <p:style>
-          <a:lnRef idx="2">
-            <a:schemeClr val="accent6">
-              <a:shade val="50000"/>
-            </a:schemeClr>
-          </a:lnRef>
-          <a:fillRef idx="1001">
-            <a:schemeClr val="lt1"/>
-          </a:fillRef>
-          <a:effectRef idx="0">
-            <a:schemeClr val="accent6"/>
-          </a:effectRef>
-          <a:fontRef idx="minor">
-            <a:schemeClr val="lt1"/>
-          </a:fontRef>
-        </p:style>
-        <p:txBody>
-          <a:bodyPr rtlCol="0" anchor="ctr"/>
-          <a:lstStyle/>
-          <a:p>
-            <a:pPr algn="ctr"/>
-            <a:endParaRPr lang="en-US"/>
-          </a:p>
-        </p:txBody>
-      </p:sp>
-      <p:sp>
-        <p:nvSpPr>
-          <p:cNvPr id="34" name="Rectangle 33">
-            <a:extLst>
-              <a:ext uri="{FF2B5EF4-FFF2-40B4-BE49-F238E27FC236}">
-                <a16:creationId xmlns:a16="http://schemas.microsoft.com/office/drawing/2014/main" id="{9E65ED8C-90F7-4EB0-ACCB-64AEF411E8B9}"/>
-              </a:ext>
-              <a:ext uri="{C183D7F6-B498-43B3-948B-1728B52AA6E4}">
-                <adec:decorative xmlns:adec="http://schemas.microsoft.com/office/drawing/2017/decorative" val="1"/>
-              </a:ext>
-            </a:extLst>
-          </p:cNvPr>
-          <p:cNvSpPr>
-            <a:spLocks noGrp="1" noRot="1" noChangeAspect="1" noMove="1" noResize="1" noEditPoints="1" noAdjustHandles="1" noChangeArrowheads="1" noChangeShapeType="1" noTextEdit="1"/>
-          </p:cNvSpPr>
-          <p:nvPr>
-            <p:extLst>
-              <p:ext uri="{386F3935-93C4-4BCD-93E2-E3B085C9AB24}">
-                <p16:designElem xmlns:p16="http://schemas.microsoft.com/office/powerpoint/2015/main" val="1"/>
-              </p:ext>
-            </p:extLst>
-          </p:nvPr>
-        </p:nvSpPr>
-        <p:spPr>
-          <a:xfrm>
-            <a:off x="16" y="0"/>
-            <a:ext cx="4050791" cy="6858000"/>
-          </a:xfrm>
-          <a:prstGeom prst="rect">
-            <a:avLst/>
-          </a:prstGeom>
-          <a:solidFill>
-            <a:schemeClr val="accent2"/>
-          </a:solidFill>
-          <a:ln>
-            <a:noFill/>
-          </a:ln>
-        </p:spPr>
-        <p:style>
-          <a:lnRef idx="2">
-            <a:schemeClr val="accent1">
-              <a:shade val="50000"/>
-            </a:schemeClr>
-          </a:lnRef>
-          <a:fillRef idx="1">
-            <a:schemeClr val="accent1"/>
-          </a:fillRef>
-          <a:effectRef idx="0">
-            <a:schemeClr val="accent1"/>
-          </a:effectRef>
-          <a:fontRef idx="minor">
-            <a:schemeClr val="lt1"/>
-          </a:fontRef>
-        </p:style>
-      </p:sp>
-      <p:sp>
-        <p:nvSpPr>
-          <p:cNvPr id="7" name="Titre 6">
-            <a:extLst>
-              <a:ext uri="{FF2B5EF4-FFF2-40B4-BE49-F238E27FC236}">
-                <a16:creationId xmlns:a16="http://schemas.microsoft.com/office/drawing/2014/main" id="{8B098FDD-3C78-425B-AFEC-EE9C45D42833}"/>
-              </a:ext>
-            </a:extLst>
-          </p:cNvPr>
-          <p:cNvSpPr>
-            <a:spLocks noGrp="1"/>
-          </p:cNvSpPr>
-          <p:nvPr>
-            <p:ph type="title"/>
-          </p:nvPr>
-        </p:nvSpPr>
-        <p:spPr>
-          <a:xfrm>
-            <a:off x="492370" y="516835"/>
-            <a:ext cx="3084844" cy="5772840"/>
-          </a:xfrm>
-        </p:spPr>
-        <p:txBody>
-          <a:bodyPr anchor="ctr">
-            <a:normAutofit/>
-          </a:bodyPr>
-          <a:lstStyle/>
-          <a:p>
-            <a:r>
-              <a:rPr lang="fr-FR" sz="3600">
-                <a:solidFill>
-                  <a:srgbClr val="FFFFFF"/>
-                </a:solidFill>
-              </a:rPr>
-              <a:t>Contexte</a:t>
-            </a:r>
-          </a:p>
-        </p:txBody>
-      </p:sp>
-      <p:sp>
-        <p:nvSpPr>
-          <p:cNvPr id="36" name="Rectangle 35">
-            <a:extLst>
-              <a:ext uri="{FF2B5EF4-FFF2-40B4-BE49-F238E27FC236}">
-                <a16:creationId xmlns:a16="http://schemas.microsoft.com/office/drawing/2014/main" id="{6604E3BF-88F7-4D19-BEC9-8486966EA467}"/>
-              </a:ext>
-              <a:ext uri="{C183D7F6-B498-43B3-948B-1728B52AA6E4}">
-                <adec:decorative xmlns:adec="http://schemas.microsoft.com/office/drawing/2017/decorative" val="1"/>
-              </a:ext>
-            </a:extLst>
-          </p:cNvPr>
-          <p:cNvSpPr>
-            <a:spLocks noGrp="1" noRot="1" noChangeAspect="1" noMove="1" noResize="1" noEditPoints="1" noAdjustHandles="1" noChangeArrowheads="1" noChangeShapeType="1" noTextEdit="1"/>
-          </p:cNvSpPr>
-          <p:nvPr>
-            <p:extLst>
-              <p:ext uri="{386F3935-93C4-4BCD-93E2-E3B085C9AB24}">
-                <p16:designElem xmlns:p16="http://schemas.microsoft.com/office/powerpoint/2015/main" val="1"/>
-              </p:ext>
-            </p:extLst>
-          </p:nvPr>
-        </p:nvSpPr>
-        <p:spPr>
-          <a:xfrm>
-            <a:off x="4040071" y="0"/>
-            <a:ext cx="64008" cy="6858000"/>
-          </a:xfrm>
-          <a:prstGeom prst="rect">
-            <a:avLst/>
-          </a:prstGeom>
-          <a:solidFill>
-            <a:schemeClr val="accent1"/>
-          </a:solidFill>
-          <a:ln>
-            <a:noFill/>
-          </a:ln>
-        </p:spPr>
-        <p:style>
-          <a:lnRef idx="2">
-            <a:schemeClr val="accent1">
-              <a:shade val="50000"/>
-            </a:schemeClr>
-          </a:lnRef>
-          <a:fillRef idx="1">
-            <a:schemeClr val="accent1"/>
-          </a:fillRef>
-          <a:effectRef idx="0">
-            <a:schemeClr val="accent1"/>
-          </a:effectRef>
-          <a:fontRef idx="minor">
-            <a:schemeClr val="lt1"/>
-          </a:fontRef>
-        </p:style>
-      </p:sp>
-      <p:sp>
-        <p:nvSpPr>
-          <p:cNvPr id="4" name="Espace réservé de la date 3">
-            <a:extLst>
-              <a:ext uri="{FF2B5EF4-FFF2-40B4-BE49-F238E27FC236}">
-                <a16:creationId xmlns:a16="http://schemas.microsoft.com/office/drawing/2014/main" id="{093EFC05-08DC-4096-986B-A28CD7D52088}"/>
-              </a:ext>
-            </a:extLst>
-          </p:cNvPr>
-          <p:cNvSpPr>
-            <a:spLocks noGrp="1"/>
-          </p:cNvSpPr>
-          <p:nvPr>
-            <p:ph type="dt" sz="half" idx="10"/>
-          </p:nvPr>
-        </p:nvSpPr>
-        <p:spPr>
-          <a:xfrm>
-            <a:off x="492370" y="6459785"/>
-            <a:ext cx="1735371" cy="365125"/>
-          </a:xfrm>
-        </p:spPr>
-        <p:txBody>
-          <a:bodyPr>
-            <a:normAutofit/>
-          </a:bodyPr>
-          <a:lstStyle/>
-          <a:p>
-            <a:pPr>
-              <a:spcAft>
-                <a:spcPts val="600"/>
-              </a:spcAft>
-            </a:pPr>
-            <a:fld id="{EE75921B-C4F6-4949-BEE6-7B8822AEE9B3}" type="datetime1">
-              <a:rPr lang="fr-FR" smtClean="0"/>
-              <a:pPr>
-                <a:spcAft>
-                  <a:spcPts val="600"/>
-                </a:spcAft>
-              </a:pPr>
-              <a:t>08/06/2020</a:t>
-            </a:fld>
-            <a:endParaRPr lang="fr-FR"/>
-          </a:p>
-        </p:txBody>
-      </p:sp>
-      <p:sp>
-        <p:nvSpPr>
-          <p:cNvPr id="5" name="Espace réservé du pied de page 4">
-            <a:extLst>
-              <a:ext uri="{FF2B5EF4-FFF2-40B4-BE49-F238E27FC236}">
-                <a16:creationId xmlns:a16="http://schemas.microsoft.com/office/drawing/2014/main" id="{DCFF5CD2-805F-4C3A-BB99-2A1794D98820}"/>
-              </a:ext>
-            </a:extLst>
-          </p:cNvPr>
-          <p:cNvSpPr>
-            <a:spLocks noGrp="1"/>
-          </p:cNvSpPr>
-          <p:nvPr>
-            <p:ph type="ftr" sz="quarter" idx="11"/>
-          </p:nvPr>
-        </p:nvSpPr>
-        <p:spPr>
-          <a:xfrm>
-            <a:off x="4742017" y="6459785"/>
-            <a:ext cx="5105169" cy="365125"/>
-          </a:xfrm>
-        </p:spPr>
-        <p:txBody>
-          <a:bodyPr>
-            <a:normAutofit/>
-          </a:bodyPr>
-          <a:lstStyle/>
-          <a:p>
-            <a:pPr algn="l">
-              <a:spcAft>
-                <a:spcPts val="600"/>
-              </a:spcAft>
-            </a:pPr>
-            <a:r>
-              <a:rPr lang="fr-FR">
-                <a:solidFill>
-                  <a:schemeClr val="tx2"/>
-                </a:solidFill>
-              </a:rPr>
-              <a:t>Sylvain ALLAIN</a:t>
-            </a:r>
-          </a:p>
-        </p:txBody>
-      </p:sp>
-      <p:sp>
-        <p:nvSpPr>
-          <p:cNvPr id="6" name="Espace réservé du numéro de diapositive 5">
-            <a:extLst>
-              <a:ext uri="{FF2B5EF4-FFF2-40B4-BE49-F238E27FC236}">
-                <a16:creationId xmlns:a16="http://schemas.microsoft.com/office/drawing/2014/main" id="{6D09E641-676B-428D-82B8-AED15902C3A9}"/>
-              </a:ext>
-            </a:extLst>
-          </p:cNvPr>
-          <p:cNvSpPr>
-            <a:spLocks noGrp="1"/>
-          </p:cNvSpPr>
-          <p:nvPr>
-            <p:ph type="sldNum" sz="quarter" idx="12"/>
-          </p:nvPr>
-        </p:nvSpPr>
-        <p:spPr>
-          <a:xfrm>
-            <a:off x="10123055" y="6459785"/>
-            <a:ext cx="1089428" cy="365125"/>
-          </a:xfrm>
-        </p:spPr>
-        <p:txBody>
-          <a:bodyPr>
-            <a:normAutofit/>
-          </a:bodyPr>
-          <a:lstStyle/>
-          <a:p>
-            <a:pPr>
-              <a:spcAft>
-                <a:spcPts val="600"/>
-              </a:spcAft>
-            </a:pPr>
-            <a:fld id="{7386E8C7-F2FE-4BD9-8CCD-17179851D3F5}" type="slidenum">
-              <a:rPr lang="fr-FR" smtClean="0">
-                <a:solidFill>
-                  <a:schemeClr val="tx2"/>
-                </a:solidFill>
-              </a:rPr>
-              <a:pPr>
-                <a:spcAft>
-                  <a:spcPts val="600"/>
-                </a:spcAft>
-              </a:pPr>
-              <a:t>3</a:t>
-            </a:fld>
-            <a:endParaRPr lang="fr-FR">
-              <a:solidFill>
-                <a:schemeClr val="tx2"/>
-              </a:solidFill>
-            </a:endParaRPr>
-          </a:p>
-        </p:txBody>
-      </p:sp>
-      <p:graphicFrame>
-        <p:nvGraphicFramePr>
-          <p:cNvPr id="10" name="Espace réservé du contenu 7">
-            <a:extLst>
-              <a:ext uri="{FF2B5EF4-FFF2-40B4-BE49-F238E27FC236}">
-                <a16:creationId xmlns:a16="http://schemas.microsoft.com/office/drawing/2014/main" id="{D1256D0D-B8D8-4FAE-9F89-227CA1027549}"/>
-              </a:ext>
-            </a:extLst>
-          </p:cNvPr>
-          <p:cNvGraphicFramePr>
-            <a:graphicFrameLocks noGrp="1"/>
-          </p:cNvGraphicFramePr>
-          <p:nvPr>
-            <p:ph idx="1"/>
-            <p:extLst>
-              <p:ext uri="{D42A27DB-BD31-4B8C-83A1-F6EECF244321}">
-                <p14:modId xmlns:p14="http://schemas.microsoft.com/office/powerpoint/2010/main" val="1531640933"/>
-              </p:ext>
-            </p:extLst>
-          </p:nvPr>
-        </p:nvGraphicFramePr>
-        <p:xfrm>
-          <a:off x="4741863" y="639763"/>
-          <a:ext cx="6797675" cy="5649912"/>
-        </p:xfrm>
-        <a:graphic>
-          <a:graphicData uri="http://schemas.openxmlformats.org/drawingml/2006/diagram">
-            <dgm:relIds xmlns:dgm="http://schemas.openxmlformats.org/drawingml/2006/diagram" xmlns:r="http://schemas.openxmlformats.org/officeDocument/2006/relationships" r:dm="rId2" r:lo="rId3" r:qs="rId4" r:cs="rId5"/>
-          </a:graphicData>
-        </a:graphic>
-      </p:graphicFrame>
-    </p:spTree>
-    <p:extLst>
-      <p:ext uri="{BB962C8B-B14F-4D97-AF65-F5344CB8AC3E}">
-        <p14:creationId xmlns:p14="http://schemas.microsoft.com/office/powerpoint/2010/main" val="4227053855"/>
-      </p:ext>
-    </p:extLst>
-  </p:cSld>
-  <p:clrMapOvr>
-    <a:masterClrMapping/>
-  </p:clrMapOvr>
-</p:sld>
-</file>
-
 <file path=ppt/slides/slide4.xml><?xml version="1.0" encoding="utf-8"?>
 <p:sld xmlns:a="http://schemas.openxmlformats.org/drawingml/2006/main" xmlns:r="http://schemas.openxmlformats.org/officeDocument/2006/relationships" xmlns:p="http://schemas.openxmlformats.org/presentationml/2006/main">
   <p:cSld>
@@ -29739,9 +30968,9 @@
           <a:bodyPr/>
           <a:lstStyle/>
           <a:p>
-            <a:fld id="{17B14172-D5F5-4BFB-89B6-FE98C0A91CE9}" type="datetime1">
+            <a:fld id="{F46F67FB-B6B1-41BB-95F9-7277CA4BE41C}" type="datetime1">
               <a:rPr lang="fr-FR" smtClean="0"/>
-              <a:t>08/06/2020</a:t>
+              <a:t>23/06/2020</a:t>
             </a:fld>
             <a:endParaRPr lang="fr-FR"/>
           </a:p>
@@ -31266,9 +32495,9 @@
           <a:bodyPr/>
           <a:lstStyle/>
           <a:p>
-            <a:fld id="{17B14172-D5F5-4BFB-89B6-FE98C0A91CE9}" type="datetime1">
+            <a:fld id="{41DFC34F-19CB-4FD7-9B53-2089DB3053B5}" type="datetime1">
               <a:rPr lang="fr-FR" smtClean="0"/>
-              <a:t>08/06/2020</a:t>
+              <a:t>23/06/2020</a:t>
             </a:fld>
             <a:endParaRPr lang="fr-FR"/>
           </a:p>
@@ -32720,9 +33949,9 @@
           <a:bodyPr/>
           <a:lstStyle/>
           <a:p>
-            <a:fld id="{17B14172-D5F5-4BFB-89B6-FE98C0A91CE9}" type="datetime1">
+            <a:fld id="{89AEB0CD-A849-4603-A896-48F13E66C61D}" type="datetime1">
               <a:rPr lang="fr-FR" smtClean="0"/>
-              <a:t>08/06/2020</a:t>
+              <a:t>23/06/2020</a:t>
             </a:fld>
             <a:endParaRPr lang="fr-FR"/>
           </a:p>
@@ -34694,14 +35923,9 @@
                 <a:spcPts val="600"/>
               </a:spcAft>
             </a:pPr>
-            <a:fld id="{772202B7-1C66-4DE8-B9AF-37C9BE30BA80}" type="datetime1">
-              <a:rPr lang="en-US" smtClean="0"/>
-              <a:pPr>
-                <a:spcAft>
-                  <a:spcPts val="600"/>
-                </a:spcAft>
-              </a:pPr>
-              <a:t>6/8/2020</a:t>
+            <a:fld id="{CA4C4661-7D37-449A-B4AC-F3C711951146}" type="datetime1">
+              <a:rPr lang="fr-FR" smtClean="0"/>
+              <a:t>23/06/2020</a:t>
             </a:fld>
             <a:endParaRPr lang="en-US"/>
           </a:p>
@@ -35341,14 +36565,9 @@
                 <a:spcPts val="600"/>
               </a:spcAft>
             </a:pPr>
-            <a:fld id="{EE75921B-C4F6-4949-BEE6-7B8822AEE9B3}" type="datetime1">
-              <a:rPr lang="en-US" smtClean="0"/>
-              <a:pPr defTabSz="914400">
-                <a:spcAft>
-                  <a:spcPts val="600"/>
-                </a:spcAft>
-              </a:pPr>
-              <a:t>6/8/2020</a:t>
+            <a:fld id="{7B6C8970-ECC8-4DB3-A9F3-63888E75A85A}" type="datetime1">
+              <a:rPr lang="fr-FR" smtClean="0"/>
+              <a:t>23/06/2020</a:t>
             </a:fld>
             <a:endParaRPr lang="en-US"/>
           </a:p>
@@ -35988,14 +37207,9 @@
                 <a:spcPts val="600"/>
               </a:spcAft>
             </a:pPr>
-            <a:fld id="{17B14172-D5F5-4BFB-89B6-FE98C0A91CE9}" type="datetime1">
-              <a:rPr lang="en-US" smtClean="0"/>
-              <a:pPr defTabSz="914400">
-                <a:spcAft>
-                  <a:spcPts val="600"/>
-                </a:spcAft>
-              </a:pPr>
-              <a:t>6/8/2020</a:t>
+            <a:fld id="{31A3E8C7-2242-4278-B97D-686D79C1DAEF}" type="datetime1">
+              <a:rPr lang="fr-FR" smtClean="0"/>
+              <a:t>23/06/2020</a:t>
             </a:fld>
             <a:endParaRPr lang="en-US"/>
           </a:p>

--- a/ProjetTof’Box.pptx
+++ b/ProjetTof’Box.pptx
@@ -5,10 +5,10 @@
     <p:sldMasterId id="2147484363" r:id="rId1"/>
   </p:sldMasterIdLst>
   <p:notesMasterIdLst>
-    <p:notesMasterId r:id="rId32"/>
+    <p:notesMasterId r:id="rId33"/>
   </p:notesMasterIdLst>
   <p:handoutMasterIdLst>
-    <p:handoutMasterId r:id="rId33"/>
+    <p:handoutMasterId r:id="rId34"/>
   </p:handoutMasterIdLst>
   <p:sldIdLst>
     <p:sldId id="256" r:id="rId2"/>
@@ -21,26 +21,27 @@
     <p:sldId id="269" r:id="rId9"/>
     <p:sldId id="272" r:id="rId10"/>
     <p:sldId id="261" r:id="rId11"/>
-    <p:sldId id="277" r:id="rId12"/>
+    <p:sldId id="293" r:id="rId12"/>
     <p:sldId id="274" r:id="rId13"/>
     <p:sldId id="275" r:id="rId14"/>
     <p:sldId id="276" r:id="rId15"/>
-    <p:sldId id="263" r:id="rId16"/>
-    <p:sldId id="265" r:id="rId17"/>
-    <p:sldId id="273" r:id="rId18"/>
-    <p:sldId id="278" r:id="rId19"/>
-    <p:sldId id="279" r:id="rId20"/>
-    <p:sldId id="280" r:id="rId21"/>
-    <p:sldId id="282" r:id="rId22"/>
-    <p:sldId id="283" r:id="rId23"/>
-    <p:sldId id="285" r:id="rId24"/>
-    <p:sldId id="286" r:id="rId25"/>
-    <p:sldId id="288" r:id="rId26"/>
-    <p:sldId id="289" r:id="rId27"/>
-    <p:sldId id="291" r:id="rId28"/>
-    <p:sldId id="270" r:id="rId29"/>
-    <p:sldId id="292" r:id="rId30"/>
-    <p:sldId id="271" r:id="rId31"/>
+    <p:sldId id="294" r:id="rId16"/>
+    <p:sldId id="273" r:id="rId17"/>
+    <p:sldId id="278" r:id="rId18"/>
+    <p:sldId id="263" r:id="rId19"/>
+    <p:sldId id="265" r:id="rId20"/>
+    <p:sldId id="279" r:id="rId21"/>
+    <p:sldId id="280" r:id="rId22"/>
+    <p:sldId id="282" r:id="rId23"/>
+    <p:sldId id="283" r:id="rId24"/>
+    <p:sldId id="285" r:id="rId25"/>
+    <p:sldId id="286" r:id="rId26"/>
+    <p:sldId id="288" r:id="rId27"/>
+    <p:sldId id="289" r:id="rId28"/>
+    <p:sldId id="291" r:id="rId29"/>
+    <p:sldId id="270" r:id="rId30"/>
+    <p:sldId id="292" r:id="rId31"/>
+    <p:sldId id="271" r:id="rId32"/>
   </p:sldIdLst>
   <p:sldSz cx="12192000" cy="6858000"/>
   <p:notesSz cx="6858000" cy="9144000"/>
@@ -166,18 +167,19 @@
         <p14:section name="Réalisation" id="{D03606ED-84F0-4764-BBA7-23B9C29770FB}">
           <p14:sldIdLst>
             <p14:sldId id="261"/>
-            <p14:sldId id="277"/>
+            <p14:sldId id="293"/>
             <p14:sldId id="274"/>
             <p14:sldId id="275"/>
             <p14:sldId id="276"/>
+            <p14:sldId id="294"/>
+            <p14:sldId id="273"/>
+            <p14:sldId id="278"/>
           </p14:sldIdLst>
         </p14:section>
         <p14:section name="MVC &amp; Symfony" id="{70BC0D6F-D3BA-49B2-9FC6-572DEC3A5C9C}">
           <p14:sldIdLst>
             <p14:sldId id="263"/>
             <p14:sldId id="265"/>
-            <p14:sldId id="273"/>
-            <p14:sldId id="278"/>
             <p14:sldId id="279"/>
             <p14:sldId id="280"/>
             <p14:sldId id="282"/>
@@ -192,12 +194,13 @@
         <p14:section name="Demo" id="{790AA0AA-23A4-4B3D-AD20-F1806A8B0D6A}">
           <p14:sldIdLst>
             <p14:sldId id="270"/>
+          </p14:sldIdLst>
+        </p14:section>
+        <p14:section name="Conclusion" id="{00B36EDF-BB5A-4946-B039-A200D1F4564A}">
+          <p14:sldIdLst>
             <p14:sldId id="292"/>
             <p14:sldId id="271"/>
           </p14:sldIdLst>
-        </p14:section>
-        <p14:section name="Conclusion" id="{00B36EDF-BB5A-4946-B039-A200D1F4564A}">
-          <p14:sldIdLst/>
         </p14:section>
       </p14:sectionLst>
     </p:ext>
@@ -3987,15 +3990,25 @@
         <a:p>
           <a:r>
             <a:rPr lang="fr-FR" dirty="0"/>
-            <a:t>Dans Symfony, le Controller qui gère la page d’accueil par défaut est le </a:t>
+            <a:t>Le Controller va:</a:t>
           </a:r>
-          <a:r>
-            <a:rPr lang="fr-FR" dirty="0" err="1"/>
-            <a:t>HomeController</a:t>
-          </a:r>
+        </a:p>
+        <a:p>
           <a:r>
             <a:rPr lang="fr-FR" dirty="0"/>
-            <a:t>.</a:t>
+            <a:t>- Récupérer la requête</a:t>
+          </a:r>
+        </a:p>
+        <a:p>
+          <a:r>
+            <a:rPr lang="fr-FR" dirty="0"/>
+            <a:t>- Si besoin, faire appel au Repository pour récupérer des données.</a:t>
+          </a:r>
+        </a:p>
+        <a:p>
+          <a:r>
+            <a:rPr lang="fr-FR" dirty="0"/>
+            <a:t>- Envoyer les données vers la vue concernée.</a:t>
           </a:r>
         </a:p>
       </dgm:t>
@@ -4022,7 +4035,7 @@
         </a:p>
       </dgm:t>
     </dgm:pt>
-    <dgm:pt modelId="{B473EA7B-BBA2-43F5-BC46-C3FE711C98D3}">
+    <dgm:pt modelId="{A5497DB5-6F08-4C69-84DE-BA3BEE1C4A4E}">
       <dgm:prSet>
         <dgm:style>
           <a:lnRef idx="2">
@@ -4045,19 +4058,13 @@
         <a:lstStyle/>
         <a:p>
           <a:r>
-            <a:rPr lang="fr-FR" dirty="0"/>
-            <a:t>Il va donc récupérer la requête, exécuter un ensemble de sous-requête pour récupérer les informations dont il a besoin pour afficher la page demandée.</a:t>
-          </a:r>
-        </a:p>
-        <a:p>
-          <a:r>
-            <a:rPr lang="fr-FR" dirty="0"/>
-            <a:t>Pour cela, il va faire appel au Repository.</a:t>
+            <a:rPr lang="fr-FR"/>
+            <a:t>Dans Symfony, le Controller qui gère la page d’accueil par défaut est le HomeController.</a:t>
           </a:r>
         </a:p>
       </dgm:t>
     </dgm:pt>
-    <dgm:pt modelId="{9B11541C-87A7-47D4-9ECA-450FD16782C7}" type="parTrans" cxnId="{A4BA6DFB-BA03-43F6-9652-6012E2D12A85}">
+    <dgm:pt modelId="{D993543D-36A6-46D8-BA55-962D021EAE2F}" type="parTrans" cxnId="{D758C8EE-2863-4956-9F03-B9E9AC70367C}">
       <dgm:prSet/>
       <dgm:spPr/>
       <dgm:t>
@@ -4068,7 +4075,7 @@
         </a:p>
       </dgm:t>
     </dgm:pt>
-    <dgm:pt modelId="{50F17BEB-56F4-405E-8A54-C7FD809F0893}" type="sibTrans" cxnId="{A4BA6DFB-BA03-43F6-9652-6012E2D12A85}">
+    <dgm:pt modelId="{16FE624B-0168-4D5D-8ABE-614554894D1F}" type="sibTrans" cxnId="{D758C8EE-2863-4956-9F03-B9E9AC70367C}">
       <dgm:prSet/>
       <dgm:spPr/>
       <dgm:t>
@@ -4089,7 +4096,7 @@
       <dgm:spPr/>
     </dgm:pt>
     <dgm:pt modelId="{CC65E9A2-0E7B-4B11-B3E0-EA89F8B56ECD}" type="pres">
-      <dgm:prSet presAssocID="{817C1738-91D5-439E-92BF-56CFC6879F26}" presName="parentText" presStyleLbl="node1" presStyleIdx="0" presStyleCnt="2" custLinFactY="-10902" custLinFactNeighborX="893" custLinFactNeighborY="-100000">
+      <dgm:prSet presAssocID="{817C1738-91D5-439E-92BF-56CFC6879F26}" presName="parentText" presStyleLbl="node1" presStyleIdx="0" presStyleCnt="2" custLinFactY="-3104" custLinFactNeighborX="2910" custLinFactNeighborY="-100000">
         <dgm:presLayoutVars>
           <dgm:chMax val="0"/>
           <dgm:bulletEnabled val="1"/>
@@ -4101,8 +4108,8 @@
       <dgm:prSet presAssocID="{11197B0C-1F2B-4208-B0E9-005B5B1EE4F2}" presName="spacer" presStyleCnt="0"/>
       <dgm:spPr/>
     </dgm:pt>
-    <dgm:pt modelId="{DD4F2317-82B1-4AEF-8408-855C145452CD}" type="pres">
-      <dgm:prSet presAssocID="{B473EA7B-BBA2-43F5-BC46-C3FE711C98D3}" presName="parentText" presStyleLbl="node1" presStyleIdx="1" presStyleCnt="2" custLinFactNeighborY="-38990">
+    <dgm:pt modelId="{895D2953-0877-4D65-9A3E-755497590442}" type="pres">
+      <dgm:prSet presAssocID="{A5497DB5-6F08-4C69-84DE-BA3BEE1C4A4E}" presName="parentText" presStyleLbl="node1" presStyleIdx="1" presStyleCnt="2">
         <dgm:presLayoutVars>
           <dgm:chMax val="0"/>
           <dgm:bulletEnabled val="1"/>
@@ -4113,13 +4120,13 @@
   </dgm:ptLst>
   <dgm:cxnLst>
     <dgm:cxn modelId="{27FA9D3E-E991-4E36-A3F9-7835D6D525F3}" type="presOf" srcId="{3E78A0A8-546A-4EF1-BF09-B78638AE1611}" destId="{D44CA3DF-1002-46D4-9B5B-FC6B16AC08E0}" srcOrd="0" destOrd="0" presId="urn:microsoft.com/office/officeart/2005/8/layout/vList2"/>
-    <dgm:cxn modelId="{3869D068-2416-48A5-AF34-170378AA7B86}" type="presOf" srcId="{B473EA7B-BBA2-43F5-BC46-C3FE711C98D3}" destId="{DD4F2317-82B1-4AEF-8408-855C145452CD}" srcOrd="0" destOrd="0" presId="urn:microsoft.com/office/officeart/2005/8/layout/vList2"/>
+    <dgm:cxn modelId="{8ED9AA5A-BA27-4B40-8235-1203005839B3}" type="presOf" srcId="{A5497DB5-6F08-4C69-84DE-BA3BEE1C4A4E}" destId="{895D2953-0877-4D65-9A3E-755497590442}" srcOrd="0" destOrd="0" presId="urn:microsoft.com/office/officeart/2005/8/layout/vList2"/>
     <dgm:cxn modelId="{370AD4C9-C234-4CB7-8B67-09DEFD2A8E14}" type="presOf" srcId="{817C1738-91D5-439E-92BF-56CFC6879F26}" destId="{CC65E9A2-0E7B-4B11-B3E0-EA89F8B56ECD}" srcOrd="0" destOrd="0" presId="urn:microsoft.com/office/officeart/2005/8/layout/vList2"/>
-    <dgm:cxn modelId="{A4BA6DFB-BA03-43F6-9652-6012E2D12A85}" srcId="{3E78A0A8-546A-4EF1-BF09-B78638AE1611}" destId="{B473EA7B-BBA2-43F5-BC46-C3FE711C98D3}" srcOrd="1" destOrd="0" parTransId="{9B11541C-87A7-47D4-9ECA-450FD16782C7}" sibTransId="{50F17BEB-56F4-405E-8A54-C7FD809F0893}"/>
+    <dgm:cxn modelId="{D758C8EE-2863-4956-9F03-B9E9AC70367C}" srcId="{3E78A0A8-546A-4EF1-BF09-B78638AE1611}" destId="{A5497DB5-6F08-4C69-84DE-BA3BEE1C4A4E}" srcOrd="1" destOrd="0" parTransId="{D993543D-36A6-46D8-BA55-962D021EAE2F}" sibTransId="{16FE624B-0168-4D5D-8ABE-614554894D1F}"/>
     <dgm:cxn modelId="{DFE435FF-79FD-404A-A28C-9BDB397EED8F}" srcId="{3E78A0A8-546A-4EF1-BF09-B78638AE1611}" destId="{817C1738-91D5-439E-92BF-56CFC6879F26}" srcOrd="0" destOrd="0" parTransId="{1B50C92F-7015-4249-AE13-FA7EC901CF35}" sibTransId="{11197B0C-1F2B-4208-B0E9-005B5B1EE4F2}"/>
     <dgm:cxn modelId="{E82D5469-8D6C-4786-86FA-7A2FB94F461F}" type="presParOf" srcId="{D44CA3DF-1002-46D4-9B5B-FC6B16AC08E0}" destId="{CC65E9A2-0E7B-4B11-B3E0-EA89F8B56ECD}" srcOrd="0" destOrd="0" presId="urn:microsoft.com/office/officeart/2005/8/layout/vList2"/>
     <dgm:cxn modelId="{32347AF7-4B8C-4CDB-B3DB-4500E64171FD}" type="presParOf" srcId="{D44CA3DF-1002-46D4-9B5B-FC6B16AC08E0}" destId="{514CEB26-C901-4D60-B271-DCB02F121EAE}" srcOrd="1" destOrd="0" presId="urn:microsoft.com/office/officeart/2005/8/layout/vList2"/>
-    <dgm:cxn modelId="{45C570AC-4E83-4BFD-A3E3-85C5391008C3}" type="presParOf" srcId="{D44CA3DF-1002-46D4-9B5B-FC6B16AC08E0}" destId="{DD4F2317-82B1-4AEF-8408-855C145452CD}" srcOrd="2" destOrd="0" presId="urn:microsoft.com/office/officeart/2005/8/layout/vList2"/>
+    <dgm:cxn modelId="{880D3C14-39FA-423C-B522-16CCB53FEB01}" type="presParOf" srcId="{D44CA3DF-1002-46D4-9B5B-FC6B16AC08E0}" destId="{895D2953-0877-4D65-9A3E-755497590442}" srcOrd="2" destOrd="0" presId="urn:microsoft.com/office/officeart/2005/8/layout/vList2"/>
   </dgm:cxnLst>
   <dgm:bg/>
   <dgm:whole/>
@@ -4945,8 +4952,8 @@
       </dsp:nvSpPr>
       <dsp:spPr>
         <a:xfrm>
-          <a:off x="0" y="0"/>
-          <a:ext cx="6413663" cy="2598277"/>
+          <a:off x="0" y="891"/>
+          <a:ext cx="6413663" cy="2632500"/>
         </a:xfrm>
         <a:prstGeom prst="roundRect">
           <a:avLst/>
@@ -4977,12 +4984,12 @@
         </a:fontRef>
       </dsp:style>
       <dsp:txBody>
-        <a:bodyPr spcFirstLastPara="0" vert="horz" wrap="square" lIns="106680" tIns="106680" rIns="106680" bIns="106680" numCol="1" spcCol="1270" anchor="ctr" anchorCtr="0">
+        <a:bodyPr spcFirstLastPara="0" vert="horz" wrap="square" lIns="95250" tIns="95250" rIns="95250" bIns="95250" numCol="1" spcCol="1270" anchor="ctr" anchorCtr="0">
           <a:noAutofit/>
         </a:bodyPr>
         <a:lstStyle/>
         <a:p>
-          <a:pPr marL="0" lvl="0" indent="0" algn="l" defTabSz="1244600">
+          <a:pPr marL="0" lvl="0" indent="0" algn="l" defTabSz="1111250">
             <a:lnSpc>
               <a:spcPct val="90000"/>
             </a:lnSpc>
@@ -4995,33 +5002,79 @@
             <a:buNone/>
           </a:pPr>
           <a:r>
-            <a:rPr lang="fr-FR" sz="2800" kern="1200" dirty="0"/>
-            <a:t>Dans Symfony, le Controller qui gère la page d’accueil par défaut est le </a:t>
+            <a:rPr lang="fr-FR" sz="2500" kern="1200" dirty="0"/>
+            <a:t>Le Controller va:</a:t>
           </a:r>
+        </a:p>
+        <a:p>
+          <a:pPr marL="0" lvl="0" indent="0" algn="l" defTabSz="1111250">
+            <a:lnSpc>
+              <a:spcPct val="90000"/>
+            </a:lnSpc>
+            <a:spcBef>
+              <a:spcPct val="0"/>
+            </a:spcBef>
+            <a:spcAft>
+              <a:spcPct val="35000"/>
+            </a:spcAft>
+            <a:buNone/>
+          </a:pPr>
           <a:r>
-            <a:rPr lang="fr-FR" sz="2800" kern="1200" dirty="0" err="1"/>
-            <a:t>HomeController</a:t>
+            <a:rPr lang="fr-FR" sz="2500" kern="1200" dirty="0"/>
+            <a:t>- Récupérer la requête</a:t>
           </a:r>
+        </a:p>
+        <a:p>
+          <a:pPr marL="0" lvl="0" indent="0" algn="l" defTabSz="1111250">
+            <a:lnSpc>
+              <a:spcPct val="90000"/>
+            </a:lnSpc>
+            <a:spcBef>
+              <a:spcPct val="0"/>
+            </a:spcBef>
+            <a:spcAft>
+              <a:spcPct val="35000"/>
+            </a:spcAft>
+            <a:buNone/>
+          </a:pPr>
           <a:r>
-            <a:rPr lang="fr-FR" sz="2800" kern="1200" dirty="0"/>
-            <a:t>.</a:t>
+            <a:rPr lang="fr-FR" sz="2500" kern="1200" dirty="0"/>
+            <a:t>- Si besoin, faire appel au Repository pour récupérer des données.</a:t>
+          </a:r>
+        </a:p>
+        <a:p>
+          <a:pPr marL="0" lvl="0" indent="0" algn="l" defTabSz="1111250">
+            <a:lnSpc>
+              <a:spcPct val="90000"/>
+            </a:lnSpc>
+            <a:spcBef>
+              <a:spcPct val="0"/>
+            </a:spcBef>
+            <a:spcAft>
+              <a:spcPct val="35000"/>
+            </a:spcAft>
+            <a:buNone/>
+          </a:pPr>
+          <a:r>
+            <a:rPr lang="fr-FR" sz="2500" kern="1200" dirty="0"/>
+            <a:t>- Envoyer les données vers la vue concernée.</a:t>
           </a:r>
         </a:p>
       </dsp:txBody>
       <dsp:txXfrm>
-        <a:off x="126837" y="126837"/>
-        <a:ext cx="6159989" cy="2344603"/>
+        <a:off x="128508" y="129399"/>
+        <a:ext cx="6156647" cy="2375484"/>
       </dsp:txXfrm>
     </dsp:sp>
-    <dsp:sp modelId="{DD4F2317-82B1-4AEF-8408-855C145452CD}">
+    <dsp:sp modelId="{895D2953-0877-4D65-9A3E-755497590442}">
       <dsp:nvSpPr>
         <dsp:cNvPr id="0" name=""/>
         <dsp:cNvSpPr/>
       </dsp:nvSpPr>
       <dsp:spPr>
         <a:xfrm>
-          <a:off x="0" y="2831982"/>
-          <a:ext cx="6413663" cy="2598277"/>
+          <a:off x="0" y="2859104"/>
+          <a:ext cx="6413663" cy="2632500"/>
         </a:xfrm>
         <a:prstGeom prst="roundRect">
           <a:avLst/>
@@ -5052,12 +5105,12 @@
         </a:fontRef>
       </dsp:style>
       <dsp:txBody>
-        <a:bodyPr spcFirstLastPara="0" vert="horz" wrap="square" lIns="106680" tIns="106680" rIns="106680" bIns="106680" numCol="1" spcCol="1270" anchor="ctr" anchorCtr="0">
+        <a:bodyPr spcFirstLastPara="0" vert="horz" wrap="square" lIns="95250" tIns="95250" rIns="95250" bIns="95250" numCol="1" spcCol="1270" anchor="ctr" anchorCtr="0">
           <a:noAutofit/>
         </a:bodyPr>
         <a:lstStyle/>
         <a:p>
-          <a:pPr marL="0" lvl="0" indent="0" algn="l" defTabSz="1244600">
+          <a:pPr marL="0" lvl="0" indent="0" algn="l" defTabSz="1111250">
             <a:lnSpc>
               <a:spcPct val="90000"/>
             </a:lnSpc>
@@ -5070,32 +5123,14 @@
             <a:buNone/>
           </a:pPr>
           <a:r>
-            <a:rPr lang="fr-FR" sz="2800" kern="1200" dirty="0"/>
-            <a:t>Il va donc récupérer la requête, exécuter un ensemble de sous-requête pour récupérer les informations dont il a besoin pour afficher la page demandée.</a:t>
-          </a:r>
-        </a:p>
-        <a:p>
-          <a:pPr marL="0" lvl="0" indent="0" algn="l" defTabSz="1244600">
-            <a:lnSpc>
-              <a:spcPct val="90000"/>
-            </a:lnSpc>
-            <a:spcBef>
-              <a:spcPct val="0"/>
-            </a:spcBef>
-            <a:spcAft>
-              <a:spcPct val="35000"/>
-            </a:spcAft>
-            <a:buNone/>
-          </a:pPr>
-          <a:r>
-            <a:rPr lang="fr-FR" sz="2800" kern="1200" dirty="0"/>
-            <a:t>Pour cela, il va faire appel au Repository.</a:t>
+            <a:rPr lang="fr-FR" sz="2500" kern="1200"/>
+            <a:t>Dans Symfony, le Controller qui gère la page d’accueil par défaut est le HomeController.</a:t>
           </a:r>
         </a:p>
       </dsp:txBody>
       <dsp:txXfrm>
-        <a:off x="126837" y="2958819"/>
-        <a:ext cx="6159989" cy="2344603"/>
+        <a:off x="128508" y="2987612"/>
+        <a:ext cx="6156647" cy="2375484"/>
       </dsp:txXfrm>
     </dsp:sp>
   </dsp:spTree>
@@ -10674,7 +10709,7 @@
           <a:p>
             <a:fld id="{A92484F3-E9B1-4147-BA48-FC09D99FF563}" type="datetimeFigureOut">
               <a:rPr lang="fr-FR" smtClean="0"/>
-              <a:t>23/06/2020</a:t>
+              <a:t>25/06/2020</a:t>
             </a:fld>
             <a:endParaRPr lang="fr-FR"/>
           </a:p>
@@ -10852,7 +10887,7 @@
           <a:p>
             <a:fld id="{04B58477-CB09-4F23-A236-9E87FF4CBDB9}" type="datetimeFigureOut">
               <a:rPr lang="fr-FR" smtClean="0"/>
-              <a:t>23/06/2020</a:t>
+              <a:t>25/06/2020</a:t>
             </a:fld>
             <a:endParaRPr lang="fr-FR"/>
           </a:p>
@@ -11377,6 +11412,109 @@
           <a:bodyPr/>
           <a:lstStyle/>
           <a:p>
+            <a:endParaRPr lang="fr-FR" dirty="0"/>
+          </a:p>
+        </p:txBody>
+      </p:sp>
+      <p:sp>
+        <p:nvSpPr>
+          <p:cNvPr id="4" name="Espace réservé du pied de page 3"/>
+          <p:cNvSpPr>
+            <a:spLocks noGrp="1"/>
+          </p:cNvSpPr>
+          <p:nvPr>
+            <p:ph type="ftr" sz="quarter" idx="4"/>
+          </p:nvPr>
+        </p:nvSpPr>
+        <p:spPr/>
+        <p:txBody>
+          <a:bodyPr/>
+          <a:lstStyle/>
+          <a:p>
+            <a:endParaRPr lang="fr-FR"/>
+          </a:p>
+        </p:txBody>
+      </p:sp>
+      <p:sp>
+        <p:nvSpPr>
+          <p:cNvPr id="5" name="Espace réservé du numéro de diapositive 4"/>
+          <p:cNvSpPr>
+            <a:spLocks noGrp="1"/>
+          </p:cNvSpPr>
+          <p:nvPr>
+            <p:ph type="sldNum" sz="quarter" idx="5"/>
+          </p:nvPr>
+        </p:nvSpPr>
+        <p:spPr/>
+        <p:txBody>
+          <a:bodyPr/>
+          <a:lstStyle/>
+          <a:p>
+            <a:fld id="{29CE9D0A-0D4D-4103-A069-496353309B8D}" type="slidenum">
+              <a:rPr lang="fr-FR" smtClean="0"/>
+              <a:t>17</a:t>
+            </a:fld>
+            <a:endParaRPr lang="fr-FR"/>
+          </a:p>
+        </p:txBody>
+      </p:sp>
+    </p:spTree>
+    <p:extLst>
+      <p:ext uri="{BB962C8B-B14F-4D97-AF65-F5344CB8AC3E}">
+        <p14:creationId xmlns:p14="http://schemas.microsoft.com/office/powerpoint/2010/main" val="1591417627"/>
+      </p:ext>
+    </p:extLst>
+  </p:cSld>
+  <p:clrMapOvr>
+    <a:masterClrMapping/>
+  </p:clrMapOvr>
+</p:notes>
+</file>
+
+<file path=ppt/notesSlides/notesSlide4.xml><?xml version="1.0" encoding="utf-8"?>
+<p:notes xmlns:a="http://schemas.openxmlformats.org/drawingml/2006/main" xmlns:r="http://schemas.openxmlformats.org/officeDocument/2006/relationships" xmlns:p="http://schemas.openxmlformats.org/presentationml/2006/main">
+  <p:cSld>
+    <p:spTree>
+      <p:nvGrpSpPr>
+        <p:cNvPr id="1" name=""/>
+        <p:cNvGrpSpPr/>
+        <p:nvPr/>
+      </p:nvGrpSpPr>
+      <p:grpSpPr>
+        <a:xfrm>
+          <a:off x="0" y="0"/>
+          <a:ext cx="0" cy="0"/>
+          <a:chOff x="0" y="0"/>
+          <a:chExt cx="0" cy="0"/>
+        </a:xfrm>
+      </p:grpSpPr>
+      <p:sp>
+        <p:nvSpPr>
+          <p:cNvPr id="2" name="Espace réservé de l'image des diapositives 1"/>
+          <p:cNvSpPr>
+            <a:spLocks noGrp="1" noRot="1" noChangeAspect="1"/>
+          </p:cNvSpPr>
+          <p:nvPr>
+            <p:ph type="sldImg"/>
+          </p:nvPr>
+        </p:nvSpPr>
+        <p:spPr/>
+      </p:sp>
+      <p:sp>
+        <p:nvSpPr>
+          <p:cNvPr id="3" name="Espace réservé des notes 2"/>
+          <p:cNvSpPr>
+            <a:spLocks noGrp="1"/>
+          </p:cNvSpPr>
+          <p:nvPr>
+            <p:ph type="body" idx="1"/>
+          </p:nvPr>
+        </p:nvSpPr>
+        <p:spPr/>
+        <p:txBody>
+          <a:bodyPr/>
+          <a:lstStyle/>
+          <a:p>
             <a:r>
               <a:rPr lang="fr-FR" dirty="0"/>
               <a:t>1 = Requête envoyé par utilisateur. Envoyé vers contrôleur</a:t>
@@ -11444,7 +11582,7 @@
           <a:p>
             <a:fld id="{29CE9D0A-0D4D-4103-A069-496353309B8D}" type="slidenum">
               <a:rPr lang="fr-FR" smtClean="0"/>
-              <a:t>16</a:t>
+              <a:t>19</a:t>
             </a:fld>
             <a:endParaRPr lang="fr-FR"/>
           </a:p>
@@ -11454,109 +11592,6 @@
     <p:extLst>
       <p:ext uri="{BB962C8B-B14F-4D97-AF65-F5344CB8AC3E}">
         <p14:creationId xmlns:p14="http://schemas.microsoft.com/office/powerpoint/2010/main" val="2586272995"/>
-      </p:ext>
-    </p:extLst>
-  </p:cSld>
-  <p:clrMapOvr>
-    <a:masterClrMapping/>
-  </p:clrMapOvr>
-</p:notes>
-</file>
-
-<file path=ppt/notesSlides/notesSlide4.xml><?xml version="1.0" encoding="utf-8"?>
-<p:notes xmlns:a="http://schemas.openxmlformats.org/drawingml/2006/main" xmlns:r="http://schemas.openxmlformats.org/officeDocument/2006/relationships" xmlns:p="http://schemas.openxmlformats.org/presentationml/2006/main">
-  <p:cSld>
-    <p:spTree>
-      <p:nvGrpSpPr>
-        <p:cNvPr id="1" name=""/>
-        <p:cNvGrpSpPr/>
-        <p:nvPr/>
-      </p:nvGrpSpPr>
-      <p:grpSpPr>
-        <a:xfrm>
-          <a:off x="0" y="0"/>
-          <a:ext cx="0" cy="0"/>
-          <a:chOff x="0" y="0"/>
-          <a:chExt cx="0" cy="0"/>
-        </a:xfrm>
-      </p:grpSpPr>
-      <p:sp>
-        <p:nvSpPr>
-          <p:cNvPr id="2" name="Espace réservé de l'image des diapositives 1"/>
-          <p:cNvSpPr>
-            <a:spLocks noGrp="1" noRot="1" noChangeAspect="1"/>
-          </p:cNvSpPr>
-          <p:nvPr>
-            <p:ph type="sldImg"/>
-          </p:nvPr>
-        </p:nvSpPr>
-        <p:spPr/>
-      </p:sp>
-      <p:sp>
-        <p:nvSpPr>
-          <p:cNvPr id="3" name="Espace réservé des notes 2"/>
-          <p:cNvSpPr>
-            <a:spLocks noGrp="1"/>
-          </p:cNvSpPr>
-          <p:nvPr>
-            <p:ph type="body" idx="1"/>
-          </p:nvPr>
-        </p:nvSpPr>
-        <p:spPr/>
-        <p:txBody>
-          <a:bodyPr/>
-          <a:lstStyle/>
-          <a:p>
-            <a:endParaRPr lang="fr-FR" dirty="0"/>
-          </a:p>
-        </p:txBody>
-      </p:sp>
-      <p:sp>
-        <p:nvSpPr>
-          <p:cNvPr id="4" name="Espace réservé du pied de page 3"/>
-          <p:cNvSpPr>
-            <a:spLocks noGrp="1"/>
-          </p:cNvSpPr>
-          <p:nvPr>
-            <p:ph type="ftr" sz="quarter" idx="4"/>
-          </p:nvPr>
-        </p:nvSpPr>
-        <p:spPr/>
-        <p:txBody>
-          <a:bodyPr/>
-          <a:lstStyle/>
-          <a:p>
-            <a:endParaRPr lang="fr-FR"/>
-          </a:p>
-        </p:txBody>
-      </p:sp>
-      <p:sp>
-        <p:nvSpPr>
-          <p:cNvPr id="5" name="Espace réservé du numéro de diapositive 4"/>
-          <p:cNvSpPr>
-            <a:spLocks noGrp="1"/>
-          </p:cNvSpPr>
-          <p:nvPr>
-            <p:ph type="sldNum" sz="quarter" idx="5"/>
-          </p:nvPr>
-        </p:nvSpPr>
-        <p:spPr/>
-        <p:txBody>
-          <a:bodyPr/>
-          <a:lstStyle/>
-          <a:p>
-            <a:fld id="{29CE9D0A-0D4D-4103-A069-496353309B8D}" type="slidenum">
-              <a:rPr lang="fr-FR" smtClean="0"/>
-              <a:t>18</a:t>
-            </a:fld>
-            <a:endParaRPr lang="fr-FR"/>
-          </a:p>
-        </p:txBody>
-      </p:sp>
-    </p:spTree>
-    <p:extLst>
-      <p:ext uri="{BB962C8B-B14F-4D97-AF65-F5344CB8AC3E}">
-        <p14:creationId xmlns:p14="http://schemas.microsoft.com/office/powerpoint/2010/main" val="1591417627"/>
       </p:ext>
     </p:extLst>
   </p:cSld>
@@ -11650,7 +11685,7 @@
           <a:p>
             <a:fld id="{29CE9D0A-0D4D-4103-A069-496353309B8D}" type="slidenum">
               <a:rPr lang="fr-FR" smtClean="0"/>
-              <a:t>29</a:t>
+              <a:t>30</a:t>
             </a:fld>
             <a:endParaRPr lang="fr-FR"/>
           </a:p>
@@ -11895,7 +11930,7 @@
           <a:p>
             <a:fld id="{388EE2C5-1EF5-4EBC-8C38-16E15A9CDDEF}" type="datetime1">
               <a:rPr lang="fr-FR" smtClean="0"/>
-              <a:t>23/06/2020</a:t>
+              <a:t>25/06/2020</a:t>
             </a:fld>
             <a:endParaRPr lang="fr-FR"/>
           </a:p>
@@ -12106,7 +12141,7 @@
           <a:p>
             <a:fld id="{05468D74-146F-4F9E-A1D1-041085B348A0}" type="datetime1">
               <a:rPr lang="fr-FR" smtClean="0"/>
-              <a:t>23/06/2020</a:t>
+              <a:t>25/06/2020</a:t>
             </a:fld>
             <a:endParaRPr lang="fr-FR"/>
           </a:p>
@@ -12365,7 +12400,7 @@
           <a:p>
             <a:fld id="{566828A3-961A-4499-BD64-169511DFDB1F}" type="datetime1">
               <a:rPr lang="fr-FR" smtClean="0"/>
-              <a:t>23/06/2020</a:t>
+              <a:t>25/06/2020</a:t>
             </a:fld>
             <a:endParaRPr lang="fr-FR"/>
           </a:p>
@@ -12538,7 +12573,7 @@
           <a:p>
             <a:fld id="{63B7A2F3-D835-4684-A8DA-04E498BA7677}" type="datetime1">
               <a:rPr lang="fr-FR" smtClean="0"/>
-              <a:t>23/06/2020</a:t>
+              <a:t>25/06/2020</a:t>
             </a:fld>
             <a:endParaRPr lang="fr-FR"/>
           </a:p>
@@ -12884,7 +12919,7 @@
           <a:p>
             <a:fld id="{8DDC2EB0-ABEC-4627-BE38-1A2EC77B0923}" type="datetime1">
               <a:rPr lang="fr-FR" smtClean="0"/>
-              <a:t>23/06/2020</a:t>
+              <a:t>25/06/2020</a:t>
             </a:fld>
             <a:endParaRPr lang="fr-FR"/>
           </a:p>
@@ -13162,7 +13197,7 @@
           <a:p>
             <a:fld id="{43A7CB89-7AD0-4CF7-9612-F4AF81211C98}" type="datetime1">
               <a:rPr lang="fr-FR" smtClean="0"/>
-              <a:t>23/06/2020</a:t>
+              <a:t>25/06/2020</a:t>
             </a:fld>
             <a:endParaRPr lang="fr-FR"/>
           </a:p>
@@ -13544,7 +13579,7 @@
           <a:p>
             <a:fld id="{4374ED64-87F2-4F7F-884B-124C4D752064}" type="datetime1">
               <a:rPr lang="fr-FR" smtClean="0"/>
-              <a:t>23/06/2020</a:t>
+              <a:t>25/06/2020</a:t>
             </a:fld>
             <a:endParaRPr lang="fr-FR"/>
           </a:p>
@@ -13665,7 +13700,7 @@
           <a:p>
             <a:fld id="{18DDD514-7373-42F0-96D8-10E04C6FFDDE}" type="datetime1">
               <a:rPr lang="fr-FR" smtClean="0"/>
-              <a:t>23/06/2020</a:t>
+              <a:t>25/06/2020</a:t>
             </a:fld>
             <a:endParaRPr lang="fr-FR"/>
           </a:p>
@@ -13839,7 +13874,7 @@
           <a:p>
             <a:fld id="{0D0E1293-22E0-486A-A697-F308DFD1CBC8}" type="datetime1">
               <a:rPr lang="fr-FR" smtClean="0"/>
-              <a:t>23/06/2020</a:t>
+              <a:t>25/06/2020</a:t>
             </a:fld>
             <a:endParaRPr lang="fr-FR"/>
           </a:p>
@@ -14196,7 +14231,7 @@
           <a:p>
             <a:fld id="{8B405442-5C07-4167-AD29-DF1A83DE44AE}" type="datetime1">
               <a:rPr lang="fr-FR" smtClean="0"/>
-              <a:t>23/06/2020</a:t>
+              <a:t>25/06/2020</a:t>
             </a:fld>
             <a:endParaRPr lang="fr-FR"/>
           </a:p>
@@ -14576,7 +14611,7 @@
           <a:p>
             <a:fld id="{D70A3316-EBD9-45AF-A3D9-D5B111736D12}" type="datetime1">
               <a:rPr lang="fr-FR" smtClean="0"/>
-              <a:t>23/06/2020</a:t>
+              <a:t>25/06/2020</a:t>
             </a:fld>
             <a:endParaRPr lang="fr-FR"/>
           </a:p>
@@ -14866,7 +14901,7 @@
           <a:p>
             <a:fld id="{CBD41637-5BB7-4881-92C8-7B471F99E0DB}" type="datetime1">
               <a:rPr lang="fr-FR" smtClean="0"/>
-              <a:t>23/06/2020</a:t>
+              <a:t>25/06/2020</a:t>
             </a:fld>
             <a:endParaRPr lang="fr-FR"/>
           </a:p>
@@ -15753,7 +15788,7 @@
             </a:pPr>
             <a:fld id="{B7CE3B96-46F1-42D6-9CAB-8FFB4CEC0F22}" type="datetime1">
               <a:rPr lang="fr-FR" smtClean="0"/>
-              <a:t>23/06/2020</a:t>
+              <a:t>25/06/2020</a:t>
             </a:fld>
             <a:endParaRPr lang="fr-FR"/>
           </a:p>
@@ -16211,9 +16246,54 @@
           <a:lstStyle/>
           <a:p>
             <a:r>
-              <a:rPr lang="en-US"/>
-              <a:t>Conception et mise en oeuvre</a:t>
+              <a:rPr lang="en-US" dirty="0" err="1">
+                <a:solidFill>
+                  <a:schemeClr val="tx1"/>
+                </a:solidFill>
+              </a:rPr>
+              <a:t>Maquettage</a:t>
             </a:r>
+            <a:r>
+              <a:rPr lang="en-US" dirty="0">
+                <a:solidFill>
+                  <a:schemeClr val="tx1"/>
+                </a:solidFill>
+              </a:rPr>
+              <a:t>,</a:t>
+            </a:r>
+          </a:p>
+          <a:p>
+            <a:r>
+              <a:rPr lang="en-US" dirty="0">
+                <a:solidFill>
+                  <a:schemeClr val="tx1"/>
+                </a:solidFill>
+              </a:rPr>
+              <a:t>MCD &amp;</a:t>
+            </a:r>
+          </a:p>
+          <a:p>
+            <a:r>
+              <a:rPr lang="en-US" dirty="0">
+                <a:solidFill>
+                  <a:schemeClr val="tx1"/>
+                </a:solidFill>
+              </a:rPr>
+              <a:t>Design </a:t>
+            </a:r>
+            <a:r>
+              <a:rPr lang="en-US" dirty="0" err="1">
+                <a:solidFill>
+                  <a:schemeClr val="tx1"/>
+                </a:solidFill>
+              </a:rPr>
+              <a:t>PATtern</a:t>
+            </a:r>
+            <a:endParaRPr lang="en-US" dirty="0">
+              <a:solidFill>
+                <a:schemeClr val="tx1"/>
+              </a:solidFill>
+            </a:endParaRPr>
           </a:p>
         </p:txBody>
       </p:sp>
@@ -16414,7 +16494,7 @@
             </a:pPr>
             <a:fld id="{CCEA16CD-599E-45B0-9329-081EDBCF8323}" type="datetime1">
               <a:rPr lang="fr-FR" smtClean="0"/>
-              <a:t>23/06/2020</a:t>
+              <a:t>25/06/2020</a:t>
             </a:fld>
             <a:endParaRPr lang="en-US"/>
           </a:p>
@@ -16529,14 +16609,6 @@
 <file path=ppt/slides/slide11.xml><?xml version="1.0" encoding="utf-8"?>
 <p:sld xmlns:a="http://schemas.openxmlformats.org/drawingml/2006/main" xmlns:r="http://schemas.openxmlformats.org/officeDocument/2006/relationships" xmlns:p="http://schemas.openxmlformats.org/presentationml/2006/main">
   <p:cSld>
-    <p:bg>
-      <p:bgPr>
-        <a:solidFill>
-          <a:schemeClr val="bg1"/>
-        </a:solidFill>
-        <a:effectLst/>
-      </p:bgPr>
-    </p:bg>
     <p:spTree>
       <p:nvGrpSpPr>
         <p:cNvPr id="1" name=""/>
@@ -16553,235 +16625,10 @@
       </p:grpSpPr>
       <p:sp>
         <p:nvSpPr>
-          <p:cNvPr id="11" name="Rectangle 10">
+          <p:cNvPr id="10" name="Titre 9">
             <a:extLst>
               <a:ext uri="{FF2B5EF4-FFF2-40B4-BE49-F238E27FC236}">
-                <a16:creationId xmlns:a16="http://schemas.microsoft.com/office/drawing/2014/main" id="{1DFE635C-C432-47DA-AEAB-A593345CBA70}"/>
-              </a:ext>
-              <a:ext uri="{C183D7F6-B498-43B3-948B-1728B52AA6E4}">
-                <adec:decorative xmlns:adec="http://schemas.microsoft.com/office/drawing/2017/decorative" val="1"/>
-              </a:ext>
-            </a:extLst>
-          </p:cNvPr>
-          <p:cNvSpPr>
-            <a:spLocks noGrp="1" noRot="1" noChangeAspect="1" noMove="1" noResize="1" noEditPoints="1" noAdjustHandles="1" noChangeArrowheads="1" noChangeShapeType="1" noTextEdit="1"/>
-          </p:cNvSpPr>
-          <p:nvPr>
-            <p:extLst>
-              <p:ext uri="{386F3935-93C4-4BCD-93E2-E3B085C9AB24}">
-                <p16:designElem xmlns:p16="http://schemas.microsoft.com/office/powerpoint/2015/main" val="1"/>
-              </p:ext>
-            </p:extLst>
-          </p:nvPr>
-        </p:nvSpPr>
-        <p:spPr>
-          <a:xfrm>
-            <a:off x="3175" y="6400800"/>
-            <a:ext cx="12188825" cy="457200"/>
-          </a:xfrm>
-          <a:prstGeom prst="rect">
-            <a:avLst/>
-          </a:prstGeom>
-          <a:solidFill>
-            <a:schemeClr val="accent2"/>
-          </a:solidFill>
-          <a:ln>
-            <a:noFill/>
-          </a:ln>
-        </p:spPr>
-        <p:style>
-          <a:lnRef idx="2">
-            <a:schemeClr val="accent1">
-              <a:shade val="50000"/>
-            </a:schemeClr>
-          </a:lnRef>
-          <a:fillRef idx="1">
-            <a:schemeClr val="accent1"/>
-          </a:fillRef>
-          <a:effectRef idx="0">
-            <a:schemeClr val="accent1"/>
-          </a:effectRef>
-          <a:fontRef idx="minor">
-            <a:schemeClr val="lt1"/>
-          </a:fontRef>
-        </p:style>
-      </p:sp>
-      <p:sp>
-        <p:nvSpPr>
-          <p:cNvPr id="13" name="Rectangle 12">
-            <a:extLst>
-              <a:ext uri="{FF2B5EF4-FFF2-40B4-BE49-F238E27FC236}">
-                <a16:creationId xmlns:a16="http://schemas.microsoft.com/office/drawing/2014/main" id="{79FBF3D3-2448-4FF3-B57B-852CB3B8517E}"/>
-              </a:ext>
-              <a:ext uri="{C183D7F6-B498-43B3-948B-1728B52AA6E4}">
-                <adec:decorative xmlns:adec="http://schemas.microsoft.com/office/drawing/2017/decorative" val="1"/>
-              </a:ext>
-            </a:extLst>
-          </p:cNvPr>
-          <p:cNvSpPr>
-            <a:spLocks noGrp="1" noRot="1" noChangeAspect="1" noMove="1" noResize="1" noEditPoints="1" noAdjustHandles="1" noChangeArrowheads="1" noChangeShapeType="1" noTextEdit="1"/>
-          </p:cNvSpPr>
-          <p:nvPr>
-            <p:extLst>
-              <p:ext uri="{386F3935-93C4-4BCD-93E2-E3B085C9AB24}">
-                <p16:designElem xmlns:p16="http://schemas.microsoft.com/office/powerpoint/2015/main" val="1"/>
-              </p:ext>
-            </p:extLst>
-          </p:nvPr>
-        </p:nvSpPr>
-        <p:spPr>
-          <a:xfrm>
-            <a:off x="15" y="6334316"/>
-            <a:ext cx="12188825" cy="64008"/>
-          </a:xfrm>
-          <a:prstGeom prst="rect">
-            <a:avLst/>
-          </a:prstGeom>
-          <a:solidFill>
-            <a:schemeClr val="accent1"/>
-          </a:solidFill>
-          <a:ln>
-            <a:noFill/>
-          </a:ln>
-        </p:spPr>
-        <p:style>
-          <a:lnRef idx="2">
-            <a:schemeClr val="accent1">
-              <a:shade val="50000"/>
-            </a:schemeClr>
-          </a:lnRef>
-          <a:fillRef idx="1">
-            <a:schemeClr val="accent1"/>
-          </a:fillRef>
-          <a:effectRef idx="0">
-            <a:schemeClr val="accent1"/>
-          </a:effectRef>
-          <a:fontRef idx="minor">
-            <a:schemeClr val="lt1"/>
-          </a:fontRef>
-        </p:style>
-      </p:sp>
-      <p:cxnSp>
-        <p:nvCxnSpPr>
-          <p:cNvPr id="15" name="Straight Connector 14">
-            <a:extLst>
-              <a:ext uri="{FF2B5EF4-FFF2-40B4-BE49-F238E27FC236}">
-                <a16:creationId xmlns:a16="http://schemas.microsoft.com/office/drawing/2014/main" id="{E040C66D-4F1C-4AC9-9214-C9E6DA54AAA7}"/>
-              </a:ext>
-              <a:ext uri="{C183D7F6-B498-43B3-948B-1728B52AA6E4}">
-                <adec:decorative xmlns:adec="http://schemas.microsoft.com/office/drawing/2017/decorative" val="1"/>
-              </a:ext>
-            </a:extLst>
-          </p:cNvPr>
-          <p:cNvCxnSpPr>
-            <a:cxnSpLocks noGrp="1" noRot="1" noChangeAspect="1" noMove="1" noResize="1" noEditPoints="1" noAdjustHandles="1" noChangeArrowheads="1" noChangeShapeType="1"/>
-          </p:cNvCxnSpPr>
-          <p:nvPr>
-            <p:extLst>
-              <p:ext uri="{386F3935-93C4-4BCD-93E2-E3B085C9AB24}">
-                <p16:designElem xmlns:p16="http://schemas.microsoft.com/office/powerpoint/2015/main" val="1"/>
-              </p:ext>
-            </p:extLst>
-          </p:nvPr>
-        </p:nvCxnSpPr>
-        <p:spPr>
-          <a:xfrm>
-            <a:off x="1207658" y="4343400"/>
-            <a:ext cx="9875520" cy="0"/>
-          </a:xfrm>
-          <a:prstGeom prst="line">
-            <a:avLst/>
-          </a:prstGeom>
-          <a:ln w="6350">
-            <a:solidFill>
-              <a:schemeClr val="tx1">
-                <a:lumMod val="50000"/>
-                <a:lumOff val="50000"/>
-              </a:schemeClr>
-            </a:solidFill>
-          </a:ln>
-        </p:spPr>
-        <p:style>
-          <a:lnRef idx="1">
-            <a:schemeClr val="accent1"/>
-          </a:lnRef>
-          <a:fillRef idx="0">
-            <a:schemeClr val="accent1"/>
-          </a:fillRef>
-          <a:effectRef idx="0">
-            <a:schemeClr val="accent1"/>
-          </a:effectRef>
-          <a:fontRef idx="minor">
-            <a:schemeClr val="tx1"/>
-          </a:fontRef>
-        </p:style>
-      </p:cxnSp>
-      <p:sp useBgFill="1">
-        <p:nvSpPr>
-          <p:cNvPr id="17" name="Rectangle 16">
-            <a:extLst>
-              <a:ext uri="{FF2B5EF4-FFF2-40B4-BE49-F238E27FC236}">
-                <a16:creationId xmlns:a16="http://schemas.microsoft.com/office/drawing/2014/main" id="{8C6E698C-8155-4B8B-BDC9-B7299772B509}"/>
-              </a:ext>
-              <a:ext uri="{C183D7F6-B498-43B3-948B-1728B52AA6E4}">
-                <adec:decorative xmlns:adec="http://schemas.microsoft.com/office/drawing/2017/decorative" val="1"/>
-              </a:ext>
-            </a:extLst>
-          </p:cNvPr>
-          <p:cNvSpPr>
-            <a:spLocks noGrp="1" noRot="1" noChangeAspect="1" noMove="1" noResize="1" noEditPoints="1" noAdjustHandles="1" noChangeArrowheads="1" noChangeShapeType="1" noTextEdit="1"/>
-          </p:cNvSpPr>
-          <p:nvPr>
-            <p:extLst>
-              <p:ext uri="{386F3935-93C4-4BCD-93E2-E3B085C9AB24}">
-                <p16:designElem xmlns:p16="http://schemas.microsoft.com/office/powerpoint/2015/main" val="1"/>
-              </p:ext>
-            </p:extLst>
-          </p:nvPr>
-        </p:nvSpPr>
-        <p:spPr>
-          <a:xfrm>
-            <a:off x="0" y="0"/>
-            <a:ext cx="12188952" cy="6858000"/>
-          </a:xfrm>
-          <a:prstGeom prst="rect">
-            <a:avLst/>
-          </a:prstGeom>
-          <a:ln>
-            <a:noFill/>
-          </a:ln>
-        </p:spPr>
-        <p:style>
-          <a:lnRef idx="2">
-            <a:schemeClr val="accent1">
-              <a:shade val="50000"/>
-            </a:schemeClr>
-          </a:lnRef>
-          <a:fillRef idx="1">
-            <a:schemeClr val="accent1"/>
-          </a:fillRef>
-          <a:effectRef idx="0">
-            <a:schemeClr val="accent1"/>
-          </a:effectRef>
-          <a:fontRef idx="minor">
-            <a:schemeClr val="lt1"/>
-          </a:fontRef>
-        </p:style>
-        <p:txBody>
-          <a:bodyPr rtlCol="0" anchor="ctr"/>
-          <a:lstStyle/>
-          <a:p>
-            <a:pPr algn="ctr"/>
-            <a:endParaRPr lang="en-US"/>
-          </a:p>
-        </p:txBody>
-      </p:sp>
-      <p:sp>
-        <p:nvSpPr>
-          <p:cNvPr id="2" name="Titre 1">
-            <a:extLst>
-              <a:ext uri="{FF2B5EF4-FFF2-40B4-BE49-F238E27FC236}">
-                <a16:creationId xmlns:a16="http://schemas.microsoft.com/office/drawing/2014/main" id="{8BE56095-2A95-4C5A-BA6B-51F017A89449}"/>
+                <a16:creationId xmlns:a16="http://schemas.microsoft.com/office/drawing/2014/main" id="{8841AB7C-EA34-436F-955B-C6001B79479F}"/>
               </a:ext>
             </a:extLst>
           </p:cNvPr>
@@ -16794,8 +16641,8 @@
         </p:nvSpPr>
         <p:spPr>
           <a:xfrm>
-            <a:off x="5220928" y="965200"/>
-            <a:ext cx="5999002" cy="4927600"/>
+            <a:off x="965201" y="643467"/>
+            <a:ext cx="6255026" cy="5054008"/>
           </a:xfrm>
         </p:spPr>
         <p:txBody>
@@ -16805,160 +16652,19 @@
           <a:lstStyle/>
           <a:p>
             <a:r>
-              <a:rPr lang="en-US" dirty="0">
-                <a:solidFill>
-                  <a:schemeClr val="tx2"/>
-                </a:solidFill>
-              </a:rPr>
-              <a:t>Conception</a:t>
+              <a:rPr lang="en-US" dirty="0" err="1"/>
+              <a:t>Maquettage</a:t>
             </a:r>
+            <a:endParaRPr lang="en-US" dirty="0"/>
           </a:p>
         </p:txBody>
       </p:sp>
       <p:sp>
         <p:nvSpPr>
-          <p:cNvPr id="19" name="Rectangle 18">
+          <p:cNvPr id="7" name="Espace réservé de la date 6">
             <a:extLst>
               <a:ext uri="{FF2B5EF4-FFF2-40B4-BE49-F238E27FC236}">
-                <a16:creationId xmlns:a16="http://schemas.microsoft.com/office/drawing/2014/main" id="{0EEF5601-A8BC-411D-AA64-3E79320BA122}"/>
-              </a:ext>
-              <a:ext uri="{C183D7F6-B498-43B3-948B-1728B52AA6E4}">
-                <adec:decorative xmlns:adec="http://schemas.microsoft.com/office/drawing/2017/decorative" val="1"/>
-              </a:ext>
-            </a:extLst>
-          </p:cNvPr>
-          <p:cNvSpPr>
-            <a:spLocks noGrp="1" noRot="1" noChangeAspect="1" noMove="1" noResize="1" noEditPoints="1" noAdjustHandles="1" noChangeArrowheads="1" noChangeShapeType="1" noTextEdit="1"/>
-          </p:cNvSpPr>
-          <p:nvPr>
-            <p:extLst>
-              <p:ext uri="{386F3935-93C4-4BCD-93E2-E3B085C9AB24}">
-                <p16:designElem xmlns:p16="http://schemas.microsoft.com/office/powerpoint/2015/main" val="1"/>
-              </p:ext>
-            </p:extLst>
-          </p:nvPr>
-        </p:nvSpPr>
-        <p:spPr bwMode="white">
-          <a:xfrm>
-            <a:off x="0" y="0"/>
-            <a:ext cx="4584734" cy="6858000"/>
-          </a:xfrm>
-          <a:prstGeom prst="rect">
-            <a:avLst/>
-          </a:prstGeom>
-          <a:solidFill>
-            <a:schemeClr val="accent2"/>
-          </a:solidFill>
-          <a:ln>
-            <a:noFill/>
-          </a:ln>
-        </p:spPr>
-        <p:style>
-          <a:lnRef idx="2">
-            <a:schemeClr val="accent1">
-              <a:shade val="50000"/>
-            </a:schemeClr>
-          </a:lnRef>
-          <a:fillRef idx="1">
-            <a:schemeClr val="accent1"/>
-          </a:fillRef>
-          <a:effectRef idx="0">
-            <a:schemeClr val="accent1"/>
-          </a:effectRef>
-          <a:fontRef idx="minor">
-            <a:schemeClr val="lt1"/>
-          </a:fontRef>
-        </p:style>
-      </p:sp>
-      <p:sp>
-        <p:nvSpPr>
-          <p:cNvPr id="3" name="Espace réservé du texte 2">
-            <a:extLst>
-              <a:ext uri="{FF2B5EF4-FFF2-40B4-BE49-F238E27FC236}">
-                <a16:creationId xmlns:a16="http://schemas.microsoft.com/office/drawing/2014/main" id="{5EF2EE68-C3DA-4D7B-BE23-55780F95AD5E}"/>
-              </a:ext>
-            </a:extLst>
-          </p:cNvPr>
-          <p:cNvSpPr>
-            <a:spLocks noGrp="1"/>
-          </p:cNvSpPr>
-          <p:nvPr>
-            <p:ph type="body" idx="1"/>
-          </p:nvPr>
-        </p:nvSpPr>
-        <p:spPr>
-          <a:xfrm>
-            <a:off x="823356" y="1159565"/>
-            <a:ext cx="3428550" cy="4439055"/>
-          </a:xfrm>
-        </p:spPr>
-        <p:txBody>
-          <a:bodyPr vert="horz" lIns="91440" tIns="45720" rIns="91440" bIns="45720" rtlCol="0" anchor="ctr">
-            <a:normAutofit/>
-          </a:bodyPr>
-          <a:lstStyle/>
-          <a:p>
-            <a:r>
-              <a:rPr lang="en-US" dirty="0" err="1">
-                <a:solidFill>
-                  <a:srgbClr val="FFFFFF"/>
-                </a:solidFill>
-              </a:rPr>
-              <a:t>Maquettage</a:t>
-            </a:r>
-            <a:r>
-              <a:rPr lang="en-US" dirty="0">
-                <a:solidFill>
-                  <a:srgbClr val="FFFFFF"/>
-                </a:solidFill>
-              </a:rPr>
-              <a:t>,</a:t>
-            </a:r>
-          </a:p>
-          <a:p>
-            <a:r>
-              <a:rPr lang="en-US" dirty="0">
-                <a:solidFill>
-                  <a:srgbClr val="FFFFFF"/>
-                </a:solidFill>
-              </a:rPr>
-              <a:t>Design </a:t>
-            </a:r>
-            <a:r>
-              <a:rPr lang="en-US" dirty="0" err="1">
-                <a:solidFill>
-                  <a:srgbClr val="FFFFFF"/>
-                </a:solidFill>
-              </a:rPr>
-              <a:t>PATtern</a:t>
-            </a:r>
-            <a:r>
-              <a:rPr lang="en-US" dirty="0">
-                <a:solidFill>
-                  <a:srgbClr val="FFFFFF"/>
-                </a:solidFill>
-              </a:rPr>
-              <a:t> &amp;</a:t>
-            </a:r>
-          </a:p>
-          <a:p>
-            <a:r>
-              <a:rPr lang="en-US" dirty="0">
-                <a:solidFill>
-                  <a:srgbClr val="FFFFFF"/>
-                </a:solidFill>
-              </a:rPr>
-              <a:t>MCD</a:t>
-            </a:r>
-          </a:p>
-        </p:txBody>
-      </p:sp>
-      <p:sp>
-        <p:nvSpPr>
-          <p:cNvPr id="4" name="Espace réservé de la date 3">
-            <a:extLst>
-              <a:ext uri="{FF2B5EF4-FFF2-40B4-BE49-F238E27FC236}">
-                <a16:creationId xmlns:a16="http://schemas.microsoft.com/office/drawing/2014/main" id="{A525E5C7-BFC6-44AF-900E-640FF7153884}"/>
+                <a16:creationId xmlns:a16="http://schemas.microsoft.com/office/drawing/2014/main" id="{D4E72084-8563-4910-9444-3BDEBFF5AD34}"/>
               </a:ext>
             </a:extLst>
           </p:cNvPr>
@@ -16986,9 +16692,9 @@
                 <a:spcPts val="600"/>
               </a:spcAft>
             </a:pPr>
-            <a:fld id="{E1909503-4D26-4C68-A0F1-56589D2D8982}" type="datetime1">
+            <a:fld id="{982897A1-D05D-4B7F-A85C-88311E9C06FE}" type="datetime1">
               <a:rPr lang="fr-FR" smtClean="0"/>
-              <a:t>23/06/2020</a:t>
+              <a:t>25/06/2020</a:t>
             </a:fld>
             <a:endParaRPr lang="en-US"/>
           </a:p>
@@ -16996,65 +16702,10 @@
       </p:sp>
       <p:sp>
         <p:nvSpPr>
-          <p:cNvPr id="21" name="Rectangle 20">
+          <p:cNvPr id="8" name="Espace réservé du pied de page 7">
             <a:extLst>
               <a:ext uri="{FF2B5EF4-FFF2-40B4-BE49-F238E27FC236}">
-                <a16:creationId xmlns:a16="http://schemas.microsoft.com/office/drawing/2014/main" id="{33209156-242F-4B26-8D07-CEB2B68A9F9A}"/>
-              </a:ext>
-              <a:ext uri="{C183D7F6-B498-43B3-948B-1728B52AA6E4}">
-                <adec:decorative xmlns:adec="http://schemas.microsoft.com/office/drawing/2017/decorative" val="1"/>
-              </a:ext>
-            </a:extLst>
-          </p:cNvPr>
-          <p:cNvSpPr>
-            <a:spLocks noGrp="1" noRot="1" noChangeAspect="1" noMove="1" noResize="1" noEditPoints="1" noAdjustHandles="1" noChangeArrowheads="1" noChangeShapeType="1" noTextEdit="1"/>
-          </p:cNvSpPr>
-          <p:nvPr>
-            <p:extLst>
-              <p:ext uri="{386F3935-93C4-4BCD-93E2-E3B085C9AB24}">
-                <p16:designElem xmlns:p16="http://schemas.microsoft.com/office/powerpoint/2015/main" val="1"/>
-              </p:ext>
-            </p:extLst>
-          </p:nvPr>
-        </p:nvSpPr>
-        <p:spPr>
-          <a:xfrm>
-            <a:off x="4584734" y="0"/>
-            <a:ext cx="64008" cy="6858000"/>
-          </a:xfrm>
-          <a:prstGeom prst="rect">
-            <a:avLst/>
-          </a:prstGeom>
-          <a:solidFill>
-            <a:schemeClr val="accent1"/>
-          </a:solidFill>
-          <a:ln>
-            <a:noFill/>
-          </a:ln>
-        </p:spPr>
-        <p:style>
-          <a:lnRef idx="2">
-            <a:schemeClr val="accent1">
-              <a:shade val="50000"/>
-            </a:schemeClr>
-          </a:lnRef>
-          <a:fillRef idx="1">
-            <a:schemeClr val="accent1"/>
-          </a:fillRef>
-          <a:effectRef idx="0">
-            <a:schemeClr val="accent1"/>
-          </a:effectRef>
-          <a:fontRef idx="minor">
-            <a:schemeClr val="lt1"/>
-          </a:fontRef>
-        </p:style>
-      </p:sp>
-      <p:sp>
-        <p:nvSpPr>
-          <p:cNvPr id="5" name="Espace réservé du pied de page 4">
-            <a:extLst>
-              <a:ext uri="{FF2B5EF4-FFF2-40B4-BE49-F238E27FC236}">
-                <a16:creationId xmlns:a16="http://schemas.microsoft.com/office/drawing/2014/main" id="{30A8F061-2373-4477-BA80-07722309FD4A}"/>
+                <a16:creationId xmlns:a16="http://schemas.microsoft.com/office/drawing/2014/main" id="{52CE2637-56C1-4F19-87A3-6BA865CDFAE7}"/>
               </a:ext>
             </a:extLst>
           </p:cNvPr>
@@ -17067,8 +16718,8 @@
         </p:nvSpPr>
         <p:spPr>
           <a:xfrm>
-            <a:off x="5220928" y="6459785"/>
-            <a:ext cx="4752426" cy="365125"/>
+            <a:off x="3686185" y="6459785"/>
+            <a:ext cx="4822804" cy="365125"/>
           </a:xfrm>
         </p:spPr>
         <p:txBody>
@@ -17077,7 +16728,7 @@
           </a:bodyPr>
           <a:lstStyle/>
           <a:p>
-            <a:pPr algn="l">
+            <a:pPr>
               <a:spcAft>
                 <a:spcPts val="600"/>
               </a:spcAft>
@@ -17085,7 +16736,7 @@
             <a:r>
               <a:rPr lang="en-US" kern="1200" cap="all" baseline="0">
                 <a:solidFill>
-                  <a:schemeClr val="tx2"/>
+                  <a:srgbClr val="FFFFFF"/>
                 </a:solidFill>
                 <a:latin typeface="+mn-lt"/>
                 <a:ea typeface="+mn-ea"/>
@@ -17098,10 +16749,10 @@
       </p:sp>
       <p:sp>
         <p:nvSpPr>
-          <p:cNvPr id="6" name="Espace réservé du numéro de diapositive 5">
+          <p:cNvPr id="9" name="Espace réservé du numéro de diapositive 8">
             <a:extLst>
               <a:ext uri="{FF2B5EF4-FFF2-40B4-BE49-F238E27FC236}">
-                <a16:creationId xmlns:a16="http://schemas.microsoft.com/office/drawing/2014/main" id="{C8FAB286-3A58-4A20-A249-AD63DE56EC02}"/>
+                <a16:creationId xmlns:a16="http://schemas.microsoft.com/office/drawing/2014/main" id="{38B39919-4C2B-4532-AA50-BF6320DEFEA4}"/>
               </a:ext>
             </a:extLst>
           </p:cNvPr>
@@ -17114,8 +16765,8 @@
         </p:nvSpPr>
         <p:spPr>
           <a:xfrm>
-            <a:off x="10383078" y="6459785"/>
-            <a:ext cx="829405" cy="365125"/>
+            <a:off x="9900458" y="6459785"/>
+            <a:ext cx="1312025" cy="365125"/>
           </a:xfrm>
         </p:spPr>
         <p:txBody>
@@ -17130,11 +16781,7 @@
               </a:spcAft>
             </a:pPr>
             <a:fld id="{7386E8C7-F2FE-4BD9-8CCD-17179851D3F5}" type="slidenum">
-              <a:rPr lang="en-US">
-                <a:solidFill>
-                  <a:schemeClr val="tx2"/>
-                </a:solidFill>
-              </a:rPr>
+              <a:rPr lang="en-US"/>
               <a:pPr>
                 <a:spcAft>
                   <a:spcPts val="600"/>
@@ -17142,18 +16789,14 @@
               </a:pPr>
               <a:t>11</a:t>
             </a:fld>
-            <a:endParaRPr lang="en-US">
-              <a:solidFill>
-                <a:schemeClr val="tx2"/>
-              </a:solidFill>
-            </a:endParaRPr>
+            <a:endParaRPr lang="en-US"/>
           </a:p>
         </p:txBody>
       </p:sp>
     </p:spTree>
     <p:extLst>
       <p:ext uri="{BB962C8B-B14F-4D97-AF65-F5344CB8AC3E}">
-        <p14:creationId xmlns:p14="http://schemas.microsoft.com/office/powerpoint/2010/main" val="3907621170"/>
+        <p14:creationId xmlns:p14="http://schemas.microsoft.com/office/powerpoint/2010/main" val="594588236"/>
       </p:ext>
     </p:extLst>
   </p:cSld>
@@ -17233,7 +16876,7 @@
           <a:p>
             <a:fld id="{63B75C4A-4464-4517-8619-69F42A06A740}" type="datetime1">
               <a:rPr lang="fr-FR" smtClean="0"/>
-              <a:t>23/06/2020</a:t>
+              <a:t>25/06/2020</a:t>
             </a:fld>
             <a:endParaRPr lang="fr-FR"/>
           </a:p>
@@ -17434,7 +17077,7 @@
           <a:p>
             <a:fld id="{608D7940-FA54-4D4F-8B6C-83BEE8F6EFED}" type="datetime1">
               <a:rPr lang="fr-FR" smtClean="0"/>
-              <a:t>23/06/2020</a:t>
+              <a:t>25/06/2020</a:t>
             </a:fld>
             <a:endParaRPr lang="fr-FR"/>
           </a:p>
@@ -17670,7 +17313,7 @@
           <a:p>
             <a:fld id="{8BD6FF75-D525-427E-8D15-EC2B54F3345E}" type="datetime1">
               <a:rPr lang="fr-FR" smtClean="0"/>
-              <a:t>23/06/2020</a:t>
+              <a:t>25/06/2020</a:t>
             </a:fld>
             <a:endParaRPr lang="fr-FR"/>
           </a:p>
@@ -17749,14 +17392,6 @@
 <file path=ppt/slides/slide15.xml><?xml version="1.0" encoding="utf-8"?>
 <p:sld xmlns:a="http://schemas.openxmlformats.org/drawingml/2006/main" xmlns:r="http://schemas.openxmlformats.org/officeDocument/2006/relationships" xmlns:p="http://schemas.openxmlformats.org/presentationml/2006/main">
   <p:cSld>
-    <p:bg>
-      <p:bgPr>
-        <a:solidFill>
-          <a:schemeClr val="bg1"/>
-        </a:solidFill>
-        <a:effectLst/>
-      </p:bgPr>
-    </p:bg>
     <p:spTree>
       <p:nvGrpSpPr>
         <p:cNvPr id="1" name=""/>
@@ -17771,231 +17406,6 @@
           <a:chExt cx="0" cy="0"/>
         </a:xfrm>
       </p:grpSpPr>
-      <p:sp>
-        <p:nvSpPr>
-          <p:cNvPr id="38" name="Rectangle 37">
-            <a:extLst>
-              <a:ext uri="{FF2B5EF4-FFF2-40B4-BE49-F238E27FC236}">
-                <a16:creationId xmlns:a16="http://schemas.microsoft.com/office/drawing/2014/main" id="{1DFE635C-C432-47DA-AEAB-A593345CBA70}"/>
-              </a:ext>
-              <a:ext uri="{C183D7F6-B498-43B3-948B-1728B52AA6E4}">
-                <adec:decorative xmlns:adec="http://schemas.microsoft.com/office/drawing/2017/decorative" val="1"/>
-              </a:ext>
-            </a:extLst>
-          </p:cNvPr>
-          <p:cNvSpPr>
-            <a:spLocks noGrp="1" noRot="1" noChangeAspect="1" noMove="1" noResize="1" noEditPoints="1" noAdjustHandles="1" noChangeArrowheads="1" noChangeShapeType="1" noTextEdit="1"/>
-          </p:cNvSpPr>
-          <p:nvPr>
-            <p:extLst>
-              <p:ext uri="{386F3935-93C4-4BCD-93E2-E3B085C9AB24}">
-                <p16:designElem xmlns:p16="http://schemas.microsoft.com/office/powerpoint/2015/main" val="1"/>
-              </p:ext>
-            </p:extLst>
-          </p:nvPr>
-        </p:nvSpPr>
-        <p:spPr>
-          <a:xfrm>
-            <a:off x="3175" y="6400800"/>
-            <a:ext cx="12188825" cy="457200"/>
-          </a:xfrm>
-          <a:prstGeom prst="rect">
-            <a:avLst/>
-          </a:prstGeom>
-          <a:solidFill>
-            <a:schemeClr val="accent2"/>
-          </a:solidFill>
-          <a:ln>
-            <a:noFill/>
-          </a:ln>
-        </p:spPr>
-        <p:style>
-          <a:lnRef idx="2">
-            <a:schemeClr val="accent1">
-              <a:shade val="50000"/>
-            </a:schemeClr>
-          </a:lnRef>
-          <a:fillRef idx="1">
-            <a:schemeClr val="accent1"/>
-          </a:fillRef>
-          <a:effectRef idx="0">
-            <a:schemeClr val="accent1"/>
-          </a:effectRef>
-          <a:fontRef idx="minor">
-            <a:schemeClr val="lt1"/>
-          </a:fontRef>
-        </p:style>
-      </p:sp>
-      <p:sp>
-        <p:nvSpPr>
-          <p:cNvPr id="40" name="Rectangle 39">
-            <a:extLst>
-              <a:ext uri="{FF2B5EF4-FFF2-40B4-BE49-F238E27FC236}">
-                <a16:creationId xmlns:a16="http://schemas.microsoft.com/office/drawing/2014/main" id="{79FBF3D3-2448-4FF3-B57B-852CB3B8517E}"/>
-              </a:ext>
-              <a:ext uri="{C183D7F6-B498-43B3-948B-1728B52AA6E4}">
-                <adec:decorative xmlns:adec="http://schemas.microsoft.com/office/drawing/2017/decorative" val="1"/>
-              </a:ext>
-            </a:extLst>
-          </p:cNvPr>
-          <p:cNvSpPr>
-            <a:spLocks noGrp="1" noRot="1" noChangeAspect="1" noMove="1" noResize="1" noEditPoints="1" noAdjustHandles="1" noChangeArrowheads="1" noChangeShapeType="1" noTextEdit="1"/>
-          </p:cNvSpPr>
-          <p:nvPr>
-            <p:extLst>
-              <p:ext uri="{386F3935-93C4-4BCD-93E2-E3B085C9AB24}">
-                <p16:designElem xmlns:p16="http://schemas.microsoft.com/office/powerpoint/2015/main" val="1"/>
-              </p:ext>
-            </p:extLst>
-          </p:nvPr>
-        </p:nvSpPr>
-        <p:spPr>
-          <a:xfrm>
-            <a:off x="15" y="6334316"/>
-            <a:ext cx="12188825" cy="64008"/>
-          </a:xfrm>
-          <a:prstGeom prst="rect">
-            <a:avLst/>
-          </a:prstGeom>
-          <a:solidFill>
-            <a:schemeClr val="accent1"/>
-          </a:solidFill>
-          <a:ln>
-            <a:noFill/>
-          </a:ln>
-        </p:spPr>
-        <p:style>
-          <a:lnRef idx="2">
-            <a:schemeClr val="accent1">
-              <a:shade val="50000"/>
-            </a:schemeClr>
-          </a:lnRef>
-          <a:fillRef idx="1">
-            <a:schemeClr val="accent1"/>
-          </a:fillRef>
-          <a:effectRef idx="0">
-            <a:schemeClr val="accent1"/>
-          </a:effectRef>
-          <a:fontRef idx="minor">
-            <a:schemeClr val="lt1"/>
-          </a:fontRef>
-        </p:style>
-      </p:sp>
-      <p:cxnSp>
-        <p:nvCxnSpPr>
-          <p:cNvPr id="42" name="Straight Connector 41">
-            <a:extLst>
-              <a:ext uri="{FF2B5EF4-FFF2-40B4-BE49-F238E27FC236}">
-                <a16:creationId xmlns:a16="http://schemas.microsoft.com/office/drawing/2014/main" id="{E040C66D-4F1C-4AC9-9214-C9E6DA54AAA7}"/>
-              </a:ext>
-              <a:ext uri="{C183D7F6-B498-43B3-948B-1728B52AA6E4}">
-                <adec:decorative xmlns:adec="http://schemas.microsoft.com/office/drawing/2017/decorative" val="1"/>
-              </a:ext>
-            </a:extLst>
-          </p:cNvPr>
-          <p:cNvCxnSpPr>
-            <a:cxnSpLocks noGrp="1" noRot="1" noChangeAspect="1" noMove="1" noResize="1" noEditPoints="1" noAdjustHandles="1" noChangeArrowheads="1" noChangeShapeType="1"/>
-          </p:cNvCxnSpPr>
-          <p:nvPr>
-            <p:extLst>
-              <p:ext uri="{386F3935-93C4-4BCD-93E2-E3B085C9AB24}">
-                <p16:designElem xmlns:p16="http://schemas.microsoft.com/office/powerpoint/2015/main" val="1"/>
-              </p:ext>
-            </p:extLst>
-          </p:nvPr>
-        </p:nvCxnSpPr>
-        <p:spPr>
-          <a:xfrm>
-            <a:off x="1207658" y="4343400"/>
-            <a:ext cx="9875520" cy="0"/>
-          </a:xfrm>
-          <a:prstGeom prst="line">
-            <a:avLst/>
-          </a:prstGeom>
-          <a:ln w="6350">
-            <a:solidFill>
-              <a:schemeClr val="tx1">
-                <a:lumMod val="50000"/>
-                <a:lumOff val="50000"/>
-              </a:schemeClr>
-            </a:solidFill>
-          </a:ln>
-        </p:spPr>
-        <p:style>
-          <a:lnRef idx="1">
-            <a:schemeClr val="accent1"/>
-          </a:lnRef>
-          <a:fillRef idx="0">
-            <a:schemeClr val="accent1"/>
-          </a:fillRef>
-          <a:effectRef idx="0">
-            <a:schemeClr val="accent1"/>
-          </a:effectRef>
-          <a:fontRef idx="minor">
-            <a:schemeClr val="tx1"/>
-          </a:fontRef>
-        </p:style>
-      </p:cxnSp>
-      <p:sp useBgFill="1">
-        <p:nvSpPr>
-          <p:cNvPr id="44" name="Rectangle 43">
-            <a:extLst>
-              <a:ext uri="{FF2B5EF4-FFF2-40B4-BE49-F238E27FC236}">
-                <a16:creationId xmlns:a16="http://schemas.microsoft.com/office/drawing/2014/main" id="{8C6E698C-8155-4B8B-BDC9-B7299772B509}"/>
-              </a:ext>
-              <a:ext uri="{C183D7F6-B498-43B3-948B-1728B52AA6E4}">
-                <adec:decorative xmlns:adec="http://schemas.microsoft.com/office/drawing/2017/decorative" val="1"/>
-              </a:ext>
-            </a:extLst>
-          </p:cNvPr>
-          <p:cNvSpPr>
-            <a:spLocks noGrp="1" noRot="1" noChangeAspect="1" noMove="1" noResize="1" noEditPoints="1" noAdjustHandles="1" noChangeArrowheads="1" noChangeShapeType="1" noTextEdit="1"/>
-          </p:cNvSpPr>
-          <p:nvPr>
-            <p:extLst>
-              <p:ext uri="{386F3935-93C4-4BCD-93E2-E3B085C9AB24}">
-                <p16:designElem xmlns:p16="http://schemas.microsoft.com/office/powerpoint/2015/main" val="1"/>
-              </p:ext>
-            </p:extLst>
-          </p:nvPr>
-        </p:nvSpPr>
-        <p:spPr>
-          <a:xfrm>
-            <a:off x="0" y="0"/>
-            <a:ext cx="12188952" cy="6858000"/>
-          </a:xfrm>
-          <a:prstGeom prst="rect">
-            <a:avLst/>
-          </a:prstGeom>
-          <a:ln>
-            <a:noFill/>
-          </a:ln>
-        </p:spPr>
-        <p:style>
-          <a:lnRef idx="2">
-            <a:schemeClr val="accent1">
-              <a:shade val="50000"/>
-            </a:schemeClr>
-          </a:lnRef>
-          <a:fillRef idx="1">
-            <a:schemeClr val="accent1"/>
-          </a:fillRef>
-          <a:effectRef idx="0">
-            <a:schemeClr val="accent1"/>
-          </a:effectRef>
-          <a:fontRef idx="minor">
-            <a:schemeClr val="lt1"/>
-          </a:fontRef>
-        </p:style>
-        <p:txBody>
-          <a:bodyPr rtlCol="0" anchor="ctr"/>
-          <a:lstStyle/>
-          <a:p>
-            <a:pPr algn="ctr"/>
-            <a:endParaRPr lang="en-US"/>
-          </a:p>
-        </p:txBody>
-      </p:sp>
       <p:sp>
         <p:nvSpPr>
           <p:cNvPr id="10" name="Titre 9">
@@ -18024,243 +17434,12 @@
           </a:bodyPr>
           <a:lstStyle/>
           <a:p>
-            <a:pPr algn="r"/>
-            <a:r>
-              <a:rPr lang="en-US" dirty="0"/>
-              <a:t>Design pattern</a:t>
-            </a:r>
-          </a:p>
-        </p:txBody>
-      </p:sp>
-      <p:sp>
-        <p:nvSpPr>
-          <p:cNvPr id="11" name="Espace réservé du texte 10">
-            <a:extLst>
-              <a:ext uri="{FF2B5EF4-FFF2-40B4-BE49-F238E27FC236}">
-                <a16:creationId xmlns:a16="http://schemas.microsoft.com/office/drawing/2014/main" id="{DB6BF11F-33B3-404F-AFD3-F3787FDFA265}"/>
-              </a:ext>
-            </a:extLst>
-          </p:cNvPr>
-          <p:cNvSpPr>
-            <a:spLocks noGrp="1"/>
-          </p:cNvSpPr>
-          <p:nvPr>
-            <p:ph type="body" idx="1"/>
-          </p:nvPr>
-        </p:nvSpPr>
-        <p:spPr>
-          <a:xfrm>
-            <a:off x="7870994" y="643467"/>
-            <a:ext cx="3526607" cy="5054008"/>
-          </a:xfrm>
-        </p:spPr>
-        <p:txBody>
-          <a:bodyPr vert="horz" lIns="91440" tIns="45720" rIns="91440" bIns="45720" rtlCol="0" anchor="ctr">
-            <a:normAutofit/>
-          </a:bodyPr>
-          <a:lstStyle/>
-          <a:p>
-            <a:r>
-              <a:rPr lang="en-US" dirty="0" err="1"/>
-              <a:t>Présentation</a:t>
-            </a:r>
-            <a:r>
-              <a:rPr lang="en-US" dirty="0"/>
-              <a:t> du MVP </a:t>
-            </a:r>
-          </a:p>
-          <a:p>
             <a:r>
               <a:rPr lang="en-US" dirty="0"/>
               <a:t>MCD</a:t>
             </a:r>
           </a:p>
-          <a:p>
-            <a:r>
-              <a:rPr lang="en-US" dirty="0" err="1"/>
-              <a:t>Cheminement</a:t>
-            </a:r>
-            <a:r>
-              <a:rPr lang="en-US" dirty="0"/>
-              <a:t> </a:t>
-            </a:r>
-            <a:r>
-              <a:rPr lang="en-US" dirty="0" err="1"/>
-              <a:t>d’une</a:t>
-            </a:r>
-            <a:r>
-              <a:rPr lang="en-US" dirty="0"/>
-              <a:t> </a:t>
-            </a:r>
-            <a:r>
-              <a:rPr lang="en-US" dirty="0" err="1"/>
-              <a:t>fonctionnalité</a:t>
-            </a:r>
-            <a:endParaRPr lang="en-US" dirty="0"/>
-          </a:p>
         </p:txBody>
-      </p:sp>
-      <p:cxnSp>
-        <p:nvCxnSpPr>
-          <p:cNvPr id="46" name="Straight Connector 45">
-            <a:extLst>
-              <a:ext uri="{FF2B5EF4-FFF2-40B4-BE49-F238E27FC236}">
-                <a16:creationId xmlns:a16="http://schemas.microsoft.com/office/drawing/2014/main" id="{09525C9A-1972-4836-BA7A-706C946EF4DA}"/>
-              </a:ext>
-              <a:ext uri="{C183D7F6-B498-43B3-948B-1728B52AA6E4}">
-                <adec:decorative xmlns:adec="http://schemas.microsoft.com/office/drawing/2017/decorative" val="1"/>
-              </a:ext>
-            </a:extLst>
-          </p:cNvPr>
-          <p:cNvCxnSpPr>
-            <a:cxnSpLocks noGrp="1" noRot="1" noChangeAspect="1" noMove="1" noResize="1" noEditPoints="1" noAdjustHandles="1" noChangeArrowheads="1" noChangeShapeType="1"/>
-          </p:cNvCxnSpPr>
-          <p:nvPr>
-            <p:extLst>
-              <p:ext uri="{386F3935-93C4-4BCD-93E2-E3B085C9AB24}">
-                <p16:designElem xmlns:p16="http://schemas.microsoft.com/office/powerpoint/2015/main" val="1"/>
-              </p:ext>
-            </p:extLst>
-          </p:nvPr>
-        </p:nvCxnSpPr>
-        <p:spPr>
-          <a:xfrm>
-            <a:off x="7534656" y="1391367"/>
-            <a:ext cx="0" cy="3558208"/>
-          </a:xfrm>
-          <a:prstGeom prst="line">
-            <a:avLst/>
-          </a:prstGeom>
-          <a:ln>
-            <a:solidFill>
-              <a:schemeClr val="tx2"/>
-            </a:solidFill>
-          </a:ln>
-        </p:spPr>
-        <p:style>
-          <a:lnRef idx="1">
-            <a:schemeClr val="accent1"/>
-          </a:lnRef>
-          <a:fillRef idx="0">
-            <a:schemeClr val="accent1"/>
-          </a:fillRef>
-          <a:effectRef idx="0">
-            <a:schemeClr val="accent1"/>
-          </a:effectRef>
-          <a:fontRef idx="minor">
-            <a:schemeClr val="tx1"/>
-          </a:fontRef>
-        </p:style>
-      </p:cxnSp>
-      <p:sp>
-        <p:nvSpPr>
-          <p:cNvPr id="48" name="Rectangle 47">
-            <a:extLst>
-              <a:ext uri="{FF2B5EF4-FFF2-40B4-BE49-F238E27FC236}">
-                <a16:creationId xmlns:a16="http://schemas.microsoft.com/office/drawing/2014/main" id="{C22D9B36-9BE7-472B-8808-7E0D6810738F}"/>
-              </a:ext>
-              <a:ext uri="{C183D7F6-B498-43B3-948B-1728B52AA6E4}">
-                <adec:decorative xmlns:adec="http://schemas.microsoft.com/office/drawing/2017/decorative" val="1"/>
-              </a:ext>
-            </a:extLst>
-          </p:cNvPr>
-          <p:cNvSpPr>
-            <a:spLocks noGrp="1" noRot="1" noChangeAspect="1" noMove="1" noResize="1" noEditPoints="1" noAdjustHandles="1" noChangeArrowheads="1" noChangeShapeType="1" noTextEdit="1"/>
-          </p:cNvSpPr>
-          <p:nvPr>
-            <p:extLst>
-              <p:ext uri="{386F3935-93C4-4BCD-93E2-E3B085C9AB24}">
-                <p16:designElem xmlns:p16="http://schemas.microsoft.com/office/powerpoint/2015/main" val="1"/>
-              </p:ext>
-            </p:extLst>
-          </p:nvPr>
-        </p:nvSpPr>
-        <p:spPr>
-          <a:xfrm>
-            <a:off x="15" y="6340942"/>
-            <a:ext cx="12188825" cy="64008"/>
-          </a:xfrm>
-          <a:prstGeom prst="rect">
-            <a:avLst/>
-          </a:prstGeom>
-          <a:solidFill>
-            <a:schemeClr val="accent1"/>
-          </a:solidFill>
-          <a:ln>
-            <a:noFill/>
-          </a:ln>
-        </p:spPr>
-        <p:style>
-          <a:lnRef idx="2">
-            <a:schemeClr val="accent1">
-              <a:shade val="50000"/>
-            </a:schemeClr>
-          </a:lnRef>
-          <a:fillRef idx="1">
-            <a:schemeClr val="accent1"/>
-          </a:fillRef>
-          <a:effectRef idx="0">
-            <a:schemeClr val="accent1"/>
-          </a:effectRef>
-          <a:fontRef idx="minor">
-            <a:schemeClr val="lt1"/>
-          </a:fontRef>
-        </p:style>
-      </p:sp>
-      <p:sp>
-        <p:nvSpPr>
-          <p:cNvPr id="50" name="Rectangle 49">
-            <a:extLst>
-              <a:ext uri="{FF2B5EF4-FFF2-40B4-BE49-F238E27FC236}">
-                <a16:creationId xmlns:a16="http://schemas.microsoft.com/office/drawing/2014/main" id="{8A549DE7-671D-4575-AF43-858FD99981CF}"/>
-              </a:ext>
-              <a:ext uri="{C183D7F6-B498-43B3-948B-1728B52AA6E4}">
-                <adec:decorative xmlns:adec="http://schemas.microsoft.com/office/drawing/2017/decorative" val="1"/>
-              </a:ext>
-            </a:extLst>
-          </p:cNvPr>
-          <p:cNvSpPr>
-            <a:spLocks noGrp="1" noRot="1" noChangeAspect="1" noMove="1" noResize="1" noEditPoints="1" noAdjustHandles="1" noChangeArrowheads="1" noChangeShapeType="1" noTextEdit="1"/>
-          </p:cNvSpPr>
-          <p:nvPr>
-            <p:extLst>
-              <p:ext uri="{386F3935-93C4-4BCD-93E2-E3B085C9AB24}">
-                <p16:designElem xmlns:p16="http://schemas.microsoft.com/office/powerpoint/2015/main" val="1"/>
-              </p:ext>
-            </p:extLst>
-          </p:nvPr>
-        </p:nvSpPr>
-        <p:spPr>
-          <a:xfrm>
-            <a:off x="3175" y="6400800"/>
-            <a:ext cx="12188825" cy="457200"/>
-          </a:xfrm>
-          <a:prstGeom prst="rect">
-            <a:avLst/>
-          </a:prstGeom>
-          <a:solidFill>
-            <a:schemeClr val="accent2"/>
-          </a:solidFill>
-          <a:ln>
-            <a:noFill/>
-          </a:ln>
-        </p:spPr>
-        <p:style>
-          <a:lnRef idx="2">
-            <a:schemeClr val="accent1">
-              <a:shade val="50000"/>
-            </a:schemeClr>
-          </a:lnRef>
-          <a:fillRef idx="1">
-            <a:schemeClr val="accent1"/>
-          </a:fillRef>
-          <a:effectRef idx="0">
-            <a:schemeClr val="accent1"/>
-          </a:effectRef>
-          <a:fontRef idx="minor">
-            <a:schemeClr val="lt1"/>
-          </a:fontRef>
-        </p:style>
       </p:sp>
       <p:sp>
         <p:nvSpPr>
@@ -18297,7 +17476,7 @@
             </a:pPr>
             <a:fld id="{982897A1-D05D-4B7F-A85C-88311E9C06FE}" type="datetime1">
               <a:rPr lang="fr-FR" smtClean="0"/>
-              <a:t>23/06/2020</a:t>
+              <a:t>25/06/2020</a:t>
             </a:fld>
             <a:endParaRPr lang="en-US"/>
           </a:p>
@@ -18399,7 +17578,7 @@
     </p:spTree>
     <p:extLst>
       <p:ext uri="{BB962C8B-B14F-4D97-AF65-F5344CB8AC3E}">
-        <p14:creationId xmlns:p14="http://schemas.microsoft.com/office/powerpoint/2010/main" val="1766888798"/>
+        <p14:creationId xmlns:p14="http://schemas.microsoft.com/office/powerpoint/2010/main" val="797489509"/>
       </p:ext>
     </p:extLst>
   </p:cSld>
@@ -18428,1220 +17607,6 @@
       </p:grpSpPr>
       <p:sp>
         <p:nvSpPr>
-          <p:cNvPr id="4" name="Espace réservé de la date 3">
-            <a:extLst>
-              <a:ext uri="{FF2B5EF4-FFF2-40B4-BE49-F238E27FC236}">
-                <a16:creationId xmlns:a16="http://schemas.microsoft.com/office/drawing/2014/main" id="{C96C93D7-1E7C-4064-A2A0-2955C3586770}"/>
-              </a:ext>
-            </a:extLst>
-          </p:cNvPr>
-          <p:cNvSpPr>
-            <a:spLocks noGrp="1"/>
-          </p:cNvSpPr>
-          <p:nvPr>
-            <p:ph type="dt" sz="half" idx="10"/>
-          </p:nvPr>
-        </p:nvSpPr>
-        <p:spPr/>
-        <p:txBody>
-          <a:bodyPr/>
-          <a:lstStyle/>
-          <a:p>
-            <a:fld id="{F648853C-1A27-40F6-B79C-1B3E3ED4C064}" type="datetime1">
-              <a:rPr lang="fr-FR" smtClean="0"/>
-              <a:t>23/06/2020</a:t>
-            </a:fld>
-            <a:endParaRPr lang="fr-FR"/>
-          </a:p>
-        </p:txBody>
-      </p:sp>
-      <p:sp>
-        <p:nvSpPr>
-          <p:cNvPr id="5" name="Espace réservé du pied de page 4">
-            <a:extLst>
-              <a:ext uri="{FF2B5EF4-FFF2-40B4-BE49-F238E27FC236}">
-                <a16:creationId xmlns:a16="http://schemas.microsoft.com/office/drawing/2014/main" id="{FE0B5B9F-6FB2-4FBC-9FE6-30E779A30AED}"/>
-              </a:ext>
-            </a:extLst>
-          </p:cNvPr>
-          <p:cNvSpPr>
-            <a:spLocks noGrp="1"/>
-          </p:cNvSpPr>
-          <p:nvPr>
-            <p:ph type="ftr" sz="quarter" idx="11"/>
-          </p:nvPr>
-        </p:nvSpPr>
-        <p:spPr/>
-        <p:txBody>
-          <a:bodyPr/>
-          <a:lstStyle/>
-          <a:p>
-            <a:r>
-              <a:rPr lang="fr-FR"/>
-              <a:t>Sylvain ALLAIN</a:t>
-            </a:r>
-          </a:p>
-        </p:txBody>
-      </p:sp>
-      <p:sp>
-        <p:nvSpPr>
-          <p:cNvPr id="6" name="Espace réservé du numéro de diapositive 5">
-            <a:extLst>
-              <a:ext uri="{FF2B5EF4-FFF2-40B4-BE49-F238E27FC236}">
-                <a16:creationId xmlns:a16="http://schemas.microsoft.com/office/drawing/2014/main" id="{E0912303-FDCB-4F1A-9371-78E7EB39DC60}"/>
-              </a:ext>
-            </a:extLst>
-          </p:cNvPr>
-          <p:cNvSpPr>
-            <a:spLocks noGrp="1"/>
-          </p:cNvSpPr>
-          <p:nvPr>
-            <p:ph type="sldNum" sz="quarter" idx="12"/>
-          </p:nvPr>
-        </p:nvSpPr>
-        <p:spPr/>
-        <p:txBody>
-          <a:bodyPr/>
-          <a:lstStyle/>
-          <a:p>
-            <a:fld id="{7386E8C7-F2FE-4BD9-8CCD-17179851D3F5}" type="slidenum">
-              <a:rPr lang="fr-FR" smtClean="0"/>
-              <a:t>16</a:t>
-            </a:fld>
-            <a:endParaRPr lang="fr-FR"/>
-          </a:p>
-        </p:txBody>
-      </p:sp>
-      <p:sp>
-        <p:nvSpPr>
-          <p:cNvPr id="7" name="Titre 6">
-            <a:extLst>
-              <a:ext uri="{FF2B5EF4-FFF2-40B4-BE49-F238E27FC236}">
-                <a16:creationId xmlns:a16="http://schemas.microsoft.com/office/drawing/2014/main" id="{3786BC7C-B76E-4ED9-BE23-27FDE6B7EAF7}"/>
-              </a:ext>
-            </a:extLst>
-          </p:cNvPr>
-          <p:cNvSpPr>
-            <a:spLocks noGrp="1"/>
-          </p:cNvSpPr>
-          <p:nvPr>
-            <p:ph type="title" idx="4294967295"/>
-          </p:nvPr>
-        </p:nvSpPr>
-        <p:spPr>
-          <a:xfrm>
-            <a:off x="268448" y="286952"/>
-            <a:ext cx="11593356" cy="1046898"/>
-          </a:xfrm>
-        </p:spPr>
-        <p:txBody>
-          <a:bodyPr/>
-          <a:lstStyle/>
-          <a:p>
-            <a:pPr algn="ctr"/>
-            <a:r>
-              <a:rPr lang="fr-FR" dirty="0"/>
-              <a:t>Model – </a:t>
-            </a:r>
-            <a:r>
-              <a:rPr lang="fr-FR" dirty="0" err="1"/>
-              <a:t>View</a:t>
-            </a:r>
-            <a:r>
-              <a:rPr lang="fr-FR" dirty="0"/>
-              <a:t> – </a:t>
-            </a:r>
-            <a:r>
-              <a:rPr lang="fr-FR" dirty="0" err="1"/>
-              <a:t>Presenter</a:t>
-            </a:r>
-            <a:endParaRPr lang="fr-FR" dirty="0"/>
-          </a:p>
-        </p:txBody>
-      </p:sp>
-      <p:pic>
-        <p:nvPicPr>
-          <p:cNvPr id="4098" name="Picture 2">
-            <a:extLst>
-              <a:ext uri="{FF2B5EF4-FFF2-40B4-BE49-F238E27FC236}">
-                <a16:creationId xmlns:a16="http://schemas.microsoft.com/office/drawing/2014/main" id="{186DD380-0704-4886-8E85-EE2D749C50AE}"/>
-              </a:ext>
-            </a:extLst>
-          </p:cNvPr>
-          <p:cNvPicPr>
-            <a:picLocks noChangeAspect="1" noChangeArrowheads="1"/>
-          </p:cNvPicPr>
-          <p:nvPr/>
-        </p:nvPicPr>
-        <p:blipFill>
-          <a:blip r:embed="rId3">
-            <a:extLst>
-              <a:ext uri="{28A0092B-C50C-407E-A947-70E740481C1C}">
-                <a14:useLocalDpi xmlns:a14="http://schemas.microsoft.com/office/drawing/2010/main" val="0"/>
-              </a:ext>
-            </a:extLst>
-          </a:blip>
-          <a:srcRect/>
-          <a:stretch>
-            <a:fillRect/>
-          </a:stretch>
-        </p:blipFill>
-        <p:spPr bwMode="auto">
-          <a:xfrm>
-            <a:off x="1296442" y="1509449"/>
-            <a:ext cx="8679517" cy="4657477"/>
-          </a:xfrm>
-          <a:prstGeom prst="rect">
-            <a:avLst/>
-          </a:prstGeom>
-          <a:solidFill>
-            <a:srgbClr val="FFFFFF"/>
-          </a:solidFill>
-          <a:ln>
-            <a:noFill/>
-          </a:ln>
-          <a:extLst>
-            <a:ext uri="{91240B29-F687-4F45-9708-019B960494DF}">
-              <a14:hiddenLine xmlns:a14="http://schemas.microsoft.com/office/drawing/2010/main" w="9525">
-                <a:solidFill>
-                  <a:srgbClr val="000000"/>
-                </a:solidFill>
-                <a:miter lim="800000"/>
-                <a:headEnd/>
-                <a:tailEnd/>
-              </a14:hiddenLine>
-            </a:ext>
-          </a:extLst>
-        </p:spPr>
-      </p:pic>
-      <p:grpSp>
-        <p:nvGrpSpPr>
-          <p:cNvPr id="22" name="Groupe 21">
-            <a:extLst>
-              <a:ext uri="{FF2B5EF4-FFF2-40B4-BE49-F238E27FC236}">
-                <a16:creationId xmlns:a16="http://schemas.microsoft.com/office/drawing/2014/main" id="{CAF1124C-C55C-482A-9202-10EDDD2E0B28}"/>
-              </a:ext>
-            </a:extLst>
-          </p:cNvPr>
-          <p:cNvGrpSpPr/>
-          <p:nvPr/>
-        </p:nvGrpSpPr>
-        <p:grpSpPr>
-          <a:xfrm>
-            <a:off x="3569551" y="2212206"/>
-            <a:ext cx="520117" cy="501242"/>
-            <a:chOff x="2868717" y="2689327"/>
-            <a:chExt cx="520117" cy="501242"/>
-          </a:xfrm>
-        </p:grpSpPr>
-        <p:sp>
-          <p:nvSpPr>
-            <p:cNvPr id="9" name="ZoneTexte 8">
-              <a:extLst>
-                <a:ext uri="{FF2B5EF4-FFF2-40B4-BE49-F238E27FC236}">
-                  <a16:creationId xmlns:a16="http://schemas.microsoft.com/office/drawing/2014/main" id="{0256FDDB-C5FA-468E-A618-770C434C42A5}"/>
-                </a:ext>
-              </a:extLst>
-            </p:cNvPr>
-            <p:cNvSpPr txBox="1"/>
-            <p:nvPr/>
-          </p:nvSpPr>
-          <p:spPr>
-            <a:xfrm>
-              <a:off x="2977932" y="2745519"/>
-              <a:ext cx="301686" cy="369332"/>
-            </a:xfrm>
-            <a:prstGeom prst="rect">
-              <a:avLst/>
-            </a:prstGeom>
-            <a:noFill/>
-          </p:spPr>
-          <p:txBody>
-            <a:bodyPr wrap="none" rtlCol="0">
-              <a:spAutoFit/>
-            </a:bodyPr>
-            <a:lstStyle/>
-            <a:p>
-              <a:r>
-                <a:rPr lang="fr-FR" b="1" dirty="0">
-                  <a:solidFill>
-                    <a:schemeClr val="accent2"/>
-                  </a:solidFill>
-                </a:rPr>
-                <a:t>1</a:t>
-              </a:r>
-            </a:p>
-          </p:txBody>
-        </p:sp>
-        <p:sp>
-          <p:nvSpPr>
-            <p:cNvPr id="10" name="Ellipse 9">
-              <a:extLst>
-                <a:ext uri="{FF2B5EF4-FFF2-40B4-BE49-F238E27FC236}">
-                  <a16:creationId xmlns:a16="http://schemas.microsoft.com/office/drawing/2014/main" id="{524390BE-F2CD-4268-AC71-8A85503997AB}"/>
-                </a:ext>
-              </a:extLst>
-            </p:cNvPr>
-            <p:cNvSpPr/>
-            <p:nvPr/>
-          </p:nvSpPr>
-          <p:spPr>
-            <a:xfrm>
-              <a:off x="2868717" y="2689327"/>
-              <a:ext cx="520117" cy="501242"/>
-            </a:xfrm>
-            <a:prstGeom prst="ellipse">
-              <a:avLst/>
-            </a:prstGeom>
-            <a:noFill/>
-            <a:ln w="38100">
-              <a:solidFill>
-                <a:srgbClr val="92D050"/>
-              </a:solidFill>
-            </a:ln>
-          </p:spPr>
-          <p:style>
-            <a:lnRef idx="2">
-              <a:schemeClr val="accent1">
-                <a:shade val="50000"/>
-              </a:schemeClr>
-            </a:lnRef>
-            <a:fillRef idx="1">
-              <a:schemeClr val="accent1"/>
-            </a:fillRef>
-            <a:effectRef idx="0">
-              <a:schemeClr val="accent1"/>
-            </a:effectRef>
-            <a:fontRef idx="minor">
-              <a:schemeClr val="lt1"/>
-            </a:fontRef>
-          </p:style>
-          <p:txBody>
-            <a:bodyPr rtlCol="0" anchor="ctr"/>
-            <a:lstStyle/>
-            <a:p>
-              <a:pPr algn="ctr"/>
-              <a:endParaRPr lang="fr-FR">
-                <a:solidFill>
-                  <a:schemeClr val="accent2"/>
-                </a:solidFill>
-              </a:endParaRPr>
-            </a:p>
-          </p:txBody>
-        </p:sp>
-      </p:grpSp>
-      <p:grpSp>
-        <p:nvGrpSpPr>
-          <p:cNvPr id="23" name="Groupe 22">
-            <a:extLst>
-              <a:ext uri="{FF2B5EF4-FFF2-40B4-BE49-F238E27FC236}">
-                <a16:creationId xmlns:a16="http://schemas.microsoft.com/office/drawing/2014/main" id="{45219624-C6ED-4639-B742-F1800A191C5C}"/>
-              </a:ext>
-            </a:extLst>
-          </p:cNvPr>
-          <p:cNvGrpSpPr/>
-          <p:nvPr/>
-        </p:nvGrpSpPr>
-        <p:grpSpPr>
-          <a:xfrm>
-            <a:off x="6364207" y="1478315"/>
-            <a:ext cx="520117" cy="501242"/>
-            <a:chOff x="5760440" y="1536061"/>
-            <a:chExt cx="520117" cy="501242"/>
-          </a:xfrm>
-        </p:grpSpPr>
-        <p:sp>
-          <p:nvSpPr>
-            <p:cNvPr id="12" name="ZoneTexte 11">
-              <a:extLst>
-                <a:ext uri="{FF2B5EF4-FFF2-40B4-BE49-F238E27FC236}">
-                  <a16:creationId xmlns:a16="http://schemas.microsoft.com/office/drawing/2014/main" id="{4A9D21A2-6B4D-4370-809E-30FAF26DFFC9}"/>
-                </a:ext>
-              </a:extLst>
-            </p:cNvPr>
-            <p:cNvSpPr txBox="1"/>
-            <p:nvPr/>
-          </p:nvSpPr>
-          <p:spPr>
-            <a:xfrm>
-              <a:off x="5869655" y="1592253"/>
-              <a:ext cx="301686" cy="369332"/>
-            </a:xfrm>
-            <a:prstGeom prst="rect">
-              <a:avLst/>
-            </a:prstGeom>
-            <a:noFill/>
-          </p:spPr>
-          <p:txBody>
-            <a:bodyPr wrap="none" rtlCol="0">
-              <a:spAutoFit/>
-            </a:bodyPr>
-            <a:lstStyle/>
-            <a:p>
-              <a:r>
-                <a:rPr lang="fr-FR" b="1" dirty="0">
-                  <a:solidFill>
-                    <a:schemeClr val="accent2"/>
-                  </a:solidFill>
-                </a:rPr>
-                <a:t>2</a:t>
-              </a:r>
-            </a:p>
-          </p:txBody>
-        </p:sp>
-        <p:sp>
-          <p:nvSpPr>
-            <p:cNvPr id="13" name="Ellipse 12">
-              <a:extLst>
-                <a:ext uri="{FF2B5EF4-FFF2-40B4-BE49-F238E27FC236}">
-                  <a16:creationId xmlns:a16="http://schemas.microsoft.com/office/drawing/2014/main" id="{41E27EA1-ED07-46E5-821C-AE31B9BAC17E}"/>
-                </a:ext>
-              </a:extLst>
-            </p:cNvPr>
-            <p:cNvSpPr/>
-            <p:nvPr/>
-          </p:nvSpPr>
-          <p:spPr>
-            <a:xfrm>
-              <a:off x="5760440" y="1536061"/>
-              <a:ext cx="520117" cy="501242"/>
-            </a:xfrm>
-            <a:prstGeom prst="ellipse">
-              <a:avLst/>
-            </a:prstGeom>
-            <a:noFill/>
-            <a:ln w="38100">
-              <a:solidFill>
-                <a:srgbClr val="92D050"/>
-              </a:solidFill>
-            </a:ln>
-          </p:spPr>
-          <p:style>
-            <a:lnRef idx="2">
-              <a:schemeClr val="accent1">
-                <a:shade val="50000"/>
-              </a:schemeClr>
-            </a:lnRef>
-            <a:fillRef idx="1">
-              <a:schemeClr val="accent1"/>
-            </a:fillRef>
-            <a:effectRef idx="0">
-              <a:schemeClr val="accent1"/>
-            </a:effectRef>
-            <a:fontRef idx="minor">
-              <a:schemeClr val="lt1"/>
-            </a:fontRef>
-          </p:style>
-          <p:txBody>
-            <a:bodyPr rtlCol="0" anchor="ctr"/>
-            <a:lstStyle/>
-            <a:p>
-              <a:pPr algn="ctr"/>
-              <a:endParaRPr lang="fr-FR">
-                <a:solidFill>
-                  <a:schemeClr val="accent2"/>
-                </a:solidFill>
-              </a:endParaRPr>
-            </a:p>
-          </p:txBody>
-        </p:sp>
-      </p:grpSp>
-      <p:grpSp>
-        <p:nvGrpSpPr>
-          <p:cNvPr id="24" name="Groupe 23">
-            <a:extLst>
-              <a:ext uri="{FF2B5EF4-FFF2-40B4-BE49-F238E27FC236}">
-                <a16:creationId xmlns:a16="http://schemas.microsoft.com/office/drawing/2014/main" id="{6B68B117-D8E8-4A34-A980-DD17380D7D00}"/>
-              </a:ext>
-            </a:extLst>
-          </p:cNvPr>
-          <p:cNvGrpSpPr/>
-          <p:nvPr/>
-        </p:nvGrpSpPr>
-        <p:grpSpPr>
-          <a:xfrm>
-            <a:off x="9715900" y="2037303"/>
-            <a:ext cx="520117" cy="501242"/>
-            <a:chOff x="9715900" y="2037303"/>
-            <a:chExt cx="520117" cy="501242"/>
-          </a:xfrm>
-        </p:grpSpPr>
-        <p:sp>
-          <p:nvSpPr>
-            <p:cNvPr id="14" name="ZoneTexte 13">
-              <a:extLst>
-                <a:ext uri="{FF2B5EF4-FFF2-40B4-BE49-F238E27FC236}">
-                  <a16:creationId xmlns:a16="http://schemas.microsoft.com/office/drawing/2014/main" id="{C20F7CAD-B35E-491A-96EB-C2513954E8BF}"/>
-                </a:ext>
-              </a:extLst>
-            </p:cNvPr>
-            <p:cNvSpPr txBox="1"/>
-            <p:nvPr/>
-          </p:nvSpPr>
-          <p:spPr>
-            <a:xfrm>
-              <a:off x="9825115" y="2093495"/>
-              <a:ext cx="301686" cy="369332"/>
-            </a:xfrm>
-            <a:prstGeom prst="rect">
-              <a:avLst/>
-            </a:prstGeom>
-            <a:noFill/>
-          </p:spPr>
-          <p:txBody>
-            <a:bodyPr wrap="none" rtlCol="0">
-              <a:spAutoFit/>
-            </a:bodyPr>
-            <a:lstStyle/>
-            <a:p>
-              <a:r>
-                <a:rPr lang="fr-FR" b="1" dirty="0">
-                  <a:solidFill>
-                    <a:schemeClr val="accent2"/>
-                  </a:solidFill>
-                </a:rPr>
-                <a:t>3</a:t>
-              </a:r>
-            </a:p>
-          </p:txBody>
-        </p:sp>
-        <p:sp>
-          <p:nvSpPr>
-            <p:cNvPr id="15" name="Ellipse 14">
-              <a:extLst>
-                <a:ext uri="{FF2B5EF4-FFF2-40B4-BE49-F238E27FC236}">
-                  <a16:creationId xmlns:a16="http://schemas.microsoft.com/office/drawing/2014/main" id="{E6E679D9-1822-4F60-B3AF-803C2969CE20}"/>
-                </a:ext>
-              </a:extLst>
-            </p:cNvPr>
-            <p:cNvSpPr/>
-            <p:nvPr/>
-          </p:nvSpPr>
-          <p:spPr>
-            <a:xfrm>
-              <a:off x="9715900" y="2037303"/>
-              <a:ext cx="520117" cy="501242"/>
-            </a:xfrm>
-            <a:prstGeom prst="ellipse">
-              <a:avLst/>
-            </a:prstGeom>
-            <a:noFill/>
-            <a:ln w="38100">
-              <a:solidFill>
-                <a:srgbClr val="92D050"/>
-              </a:solidFill>
-            </a:ln>
-          </p:spPr>
-          <p:style>
-            <a:lnRef idx="2">
-              <a:schemeClr val="accent1">
-                <a:shade val="50000"/>
-              </a:schemeClr>
-            </a:lnRef>
-            <a:fillRef idx="1">
-              <a:schemeClr val="accent1"/>
-            </a:fillRef>
-            <a:effectRef idx="0">
-              <a:schemeClr val="accent1"/>
-            </a:effectRef>
-            <a:fontRef idx="minor">
-              <a:schemeClr val="lt1"/>
-            </a:fontRef>
-          </p:style>
-          <p:txBody>
-            <a:bodyPr rtlCol="0" anchor="ctr"/>
-            <a:lstStyle/>
-            <a:p>
-              <a:pPr algn="ctr"/>
-              <a:endParaRPr lang="fr-FR">
-                <a:solidFill>
-                  <a:schemeClr val="accent2"/>
-                </a:solidFill>
-              </a:endParaRPr>
-            </a:p>
-          </p:txBody>
-        </p:sp>
-      </p:grpSp>
-      <p:grpSp>
-        <p:nvGrpSpPr>
-          <p:cNvPr id="25" name="Groupe 24">
-            <a:extLst>
-              <a:ext uri="{FF2B5EF4-FFF2-40B4-BE49-F238E27FC236}">
-                <a16:creationId xmlns:a16="http://schemas.microsoft.com/office/drawing/2014/main" id="{78C67E72-7C8A-424E-AE5F-788B7D9C802A}"/>
-              </a:ext>
-            </a:extLst>
-          </p:cNvPr>
-          <p:cNvGrpSpPr/>
-          <p:nvPr/>
-        </p:nvGrpSpPr>
-        <p:grpSpPr>
-          <a:xfrm>
-            <a:off x="5717407" y="3130372"/>
-            <a:ext cx="520117" cy="501242"/>
-            <a:chOff x="5835941" y="3178379"/>
-            <a:chExt cx="520117" cy="501242"/>
-          </a:xfrm>
-        </p:grpSpPr>
-        <p:sp>
-          <p:nvSpPr>
-            <p:cNvPr id="16" name="ZoneTexte 15">
-              <a:extLst>
-                <a:ext uri="{FF2B5EF4-FFF2-40B4-BE49-F238E27FC236}">
-                  <a16:creationId xmlns:a16="http://schemas.microsoft.com/office/drawing/2014/main" id="{FDD2DCC6-CAFC-422C-942A-0DB14160301B}"/>
-                </a:ext>
-              </a:extLst>
-            </p:cNvPr>
-            <p:cNvSpPr txBox="1"/>
-            <p:nvPr/>
-          </p:nvSpPr>
-          <p:spPr>
-            <a:xfrm>
-              <a:off x="5945156" y="3234571"/>
-              <a:ext cx="301686" cy="369332"/>
-            </a:xfrm>
-            <a:prstGeom prst="rect">
-              <a:avLst/>
-            </a:prstGeom>
-            <a:noFill/>
-          </p:spPr>
-          <p:txBody>
-            <a:bodyPr wrap="none" rtlCol="0">
-              <a:spAutoFit/>
-            </a:bodyPr>
-            <a:lstStyle/>
-            <a:p>
-              <a:r>
-                <a:rPr lang="fr-FR" b="1" dirty="0">
-                  <a:solidFill>
-                    <a:schemeClr val="accent2"/>
-                  </a:solidFill>
-                </a:rPr>
-                <a:t>4</a:t>
-              </a:r>
-            </a:p>
-          </p:txBody>
-        </p:sp>
-        <p:sp>
-          <p:nvSpPr>
-            <p:cNvPr id="17" name="Ellipse 16">
-              <a:extLst>
-                <a:ext uri="{FF2B5EF4-FFF2-40B4-BE49-F238E27FC236}">
-                  <a16:creationId xmlns:a16="http://schemas.microsoft.com/office/drawing/2014/main" id="{F31B2E35-4076-42E7-8C82-F4745E15D780}"/>
-                </a:ext>
-              </a:extLst>
-            </p:cNvPr>
-            <p:cNvSpPr/>
-            <p:nvPr/>
-          </p:nvSpPr>
-          <p:spPr>
-            <a:xfrm>
-              <a:off x="5835941" y="3178379"/>
-              <a:ext cx="520117" cy="501242"/>
-            </a:xfrm>
-            <a:prstGeom prst="ellipse">
-              <a:avLst/>
-            </a:prstGeom>
-            <a:noFill/>
-            <a:ln w="38100">
-              <a:solidFill>
-                <a:srgbClr val="92D050"/>
-              </a:solidFill>
-            </a:ln>
-          </p:spPr>
-          <p:style>
-            <a:lnRef idx="2">
-              <a:schemeClr val="accent1">
-                <a:shade val="50000"/>
-              </a:schemeClr>
-            </a:lnRef>
-            <a:fillRef idx="1">
-              <a:schemeClr val="accent1"/>
-            </a:fillRef>
-            <a:effectRef idx="0">
-              <a:schemeClr val="accent1"/>
-            </a:effectRef>
-            <a:fontRef idx="minor">
-              <a:schemeClr val="lt1"/>
-            </a:fontRef>
-          </p:style>
-          <p:txBody>
-            <a:bodyPr rtlCol="0" anchor="ctr"/>
-            <a:lstStyle/>
-            <a:p>
-              <a:pPr algn="ctr"/>
-              <a:endParaRPr lang="fr-FR">
-                <a:solidFill>
-                  <a:schemeClr val="accent2"/>
-                </a:solidFill>
-              </a:endParaRPr>
-            </a:p>
-          </p:txBody>
-        </p:sp>
-      </p:grpSp>
-      <p:grpSp>
-        <p:nvGrpSpPr>
-          <p:cNvPr id="26" name="Groupe 25">
-            <a:extLst>
-              <a:ext uri="{FF2B5EF4-FFF2-40B4-BE49-F238E27FC236}">
-                <a16:creationId xmlns:a16="http://schemas.microsoft.com/office/drawing/2014/main" id="{8D77A2F2-6224-4364-A04B-50B92ADFBAD3}"/>
-              </a:ext>
-            </a:extLst>
-          </p:cNvPr>
-          <p:cNvGrpSpPr/>
-          <p:nvPr/>
-        </p:nvGrpSpPr>
-        <p:grpSpPr>
-          <a:xfrm>
-            <a:off x="6254991" y="4627823"/>
-            <a:ext cx="520117" cy="501242"/>
-            <a:chOff x="4630405" y="5097930"/>
-            <a:chExt cx="520117" cy="501242"/>
-          </a:xfrm>
-        </p:grpSpPr>
-        <p:sp>
-          <p:nvSpPr>
-            <p:cNvPr id="18" name="ZoneTexte 17">
-              <a:extLst>
-                <a:ext uri="{FF2B5EF4-FFF2-40B4-BE49-F238E27FC236}">
-                  <a16:creationId xmlns:a16="http://schemas.microsoft.com/office/drawing/2014/main" id="{2D59766A-3873-4C6A-BF3A-3AB03D70EF1B}"/>
-                </a:ext>
-              </a:extLst>
-            </p:cNvPr>
-            <p:cNvSpPr txBox="1"/>
-            <p:nvPr/>
-          </p:nvSpPr>
-          <p:spPr>
-            <a:xfrm>
-              <a:off x="4739620" y="5154122"/>
-              <a:ext cx="301686" cy="369332"/>
-            </a:xfrm>
-            <a:prstGeom prst="rect">
-              <a:avLst/>
-            </a:prstGeom>
-            <a:noFill/>
-          </p:spPr>
-          <p:txBody>
-            <a:bodyPr wrap="none" rtlCol="0">
-              <a:spAutoFit/>
-            </a:bodyPr>
-            <a:lstStyle/>
-            <a:p>
-              <a:r>
-                <a:rPr lang="fr-FR" b="1" dirty="0">
-                  <a:solidFill>
-                    <a:schemeClr val="accent2"/>
-                  </a:solidFill>
-                </a:rPr>
-                <a:t>5</a:t>
-              </a:r>
-            </a:p>
-          </p:txBody>
-        </p:sp>
-        <p:sp>
-          <p:nvSpPr>
-            <p:cNvPr id="19" name="Ellipse 18">
-              <a:extLst>
-                <a:ext uri="{FF2B5EF4-FFF2-40B4-BE49-F238E27FC236}">
-                  <a16:creationId xmlns:a16="http://schemas.microsoft.com/office/drawing/2014/main" id="{738AD2CE-0186-42E2-9DAE-9C6BDEBCFD31}"/>
-                </a:ext>
-              </a:extLst>
-            </p:cNvPr>
-            <p:cNvSpPr/>
-            <p:nvPr/>
-          </p:nvSpPr>
-          <p:spPr>
-            <a:xfrm>
-              <a:off x="4630405" y="5097930"/>
-              <a:ext cx="520117" cy="501242"/>
-            </a:xfrm>
-            <a:prstGeom prst="ellipse">
-              <a:avLst/>
-            </a:prstGeom>
-            <a:noFill/>
-            <a:ln w="38100">
-              <a:solidFill>
-                <a:srgbClr val="92D050"/>
-              </a:solidFill>
-            </a:ln>
-          </p:spPr>
-          <p:style>
-            <a:lnRef idx="2">
-              <a:schemeClr val="accent1">
-                <a:shade val="50000"/>
-              </a:schemeClr>
-            </a:lnRef>
-            <a:fillRef idx="1">
-              <a:schemeClr val="accent1"/>
-            </a:fillRef>
-            <a:effectRef idx="0">
-              <a:schemeClr val="accent1"/>
-            </a:effectRef>
-            <a:fontRef idx="minor">
-              <a:schemeClr val="lt1"/>
-            </a:fontRef>
-          </p:style>
-          <p:txBody>
-            <a:bodyPr rtlCol="0" anchor="ctr"/>
-            <a:lstStyle/>
-            <a:p>
-              <a:pPr algn="ctr"/>
-              <a:endParaRPr lang="fr-FR">
-                <a:solidFill>
-                  <a:schemeClr val="accent2"/>
-                </a:solidFill>
-              </a:endParaRPr>
-            </a:p>
-          </p:txBody>
-        </p:sp>
-      </p:grpSp>
-      <p:pic>
-        <p:nvPicPr>
-          <p:cNvPr id="27" name="Image 26">
-            <a:extLst>
-              <a:ext uri="{FF2B5EF4-FFF2-40B4-BE49-F238E27FC236}">
-                <a16:creationId xmlns:a16="http://schemas.microsoft.com/office/drawing/2014/main" id="{939437AF-AA59-4F04-AF4E-369FD077F214}"/>
-              </a:ext>
-            </a:extLst>
-          </p:cNvPr>
-          <p:cNvPicPr>
-            <a:picLocks noChangeAspect="1"/>
-          </p:cNvPicPr>
-          <p:nvPr/>
-        </p:nvPicPr>
-        <p:blipFill>
-          <a:blip r:embed="rId4">
-            <a:extLst>
-              <a:ext uri="{28A0092B-C50C-407E-A947-70E740481C1C}">
-                <a14:useLocalDpi xmlns:a14="http://schemas.microsoft.com/office/drawing/2010/main" val="0"/>
-              </a:ext>
-            </a:extLst>
-          </a:blip>
-          <a:stretch>
-            <a:fillRect/>
-          </a:stretch>
-        </p:blipFill>
-        <p:spPr>
-          <a:xfrm>
-            <a:off x="8468632" y="4727116"/>
-            <a:ext cx="1582748" cy="985113"/>
-          </a:xfrm>
-          <a:prstGeom prst="rect">
-            <a:avLst/>
-          </a:prstGeom>
-        </p:spPr>
-      </p:pic>
-      <p:pic>
-        <p:nvPicPr>
-          <p:cNvPr id="28" name="Image 27">
-            <a:extLst>
-              <a:ext uri="{FF2B5EF4-FFF2-40B4-BE49-F238E27FC236}">
-                <a16:creationId xmlns:a16="http://schemas.microsoft.com/office/drawing/2014/main" id="{EC7B5115-9EED-478B-96C5-0D6FA80C70D1}"/>
-              </a:ext>
-            </a:extLst>
-          </p:cNvPr>
-          <p:cNvPicPr>
-            <a:picLocks noChangeAspect="1"/>
-          </p:cNvPicPr>
-          <p:nvPr/>
-        </p:nvPicPr>
-        <p:blipFill>
-          <a:blip r:embed="rId5">
-            <a:extLst>
-              <a:ext uri="{28A0092B-C50C-407E-A947-70E740481C1C}">
-                <a14:useLocalDpi xmlns:a14="http://schemas.microsoft.com/office/drawing/2010/main" val="0"/>
-              </a:ext>
-            </a:extLst>
-          </a:blip>
-          <a:stretch>
-            <a:fillRect/>
-          </a:stretch>
-        </p:blipFill>
-        <p:spPr>
-          <a:xfrm>
-            <a:off x="8011791" y="2542429"/>
-            <a:ext cx="1582748" cy="1038678"/>
-          </a:xfrm>
-          <a:prstGeom prst="rect">
-            <a:avLst/>
-          </a:prstGeom>
-        </p:spPr>
-      </p:pic>
-      <p:sp>
-        <p:nvSpPr>
-          <p:cNvPr id="2" name="ZoneTexte 1">
-            <a:extLst>
-              <a:ext uri="{FF2B5EF4-FFF2-40B4-BE49-F238E27FC236}">
-                <a16:creationId xmlns:a16="http://schemas.microsoft.com/office/drawing/2014/main" id="{23CCBC4F-54CC-4722-B249-0861DC0369DA}"/>
-              </a:ext>
-            </a:extLst>
-          </p:cNvPr>
-          <p:cNvSpPr txBox="1"/>
-          <p:nvPr/>
-        </p:nvSpPr>
-        <p:spPr>
-          <a:xfrm>
-            <a:off x="6884324" y="3033290"/>
-            <a:ext cx="1734817" cy="646331"/>
-          </a:xfrm>
-          <a:prstGeom prst="rect">
-            <a:avLst/>
-          </a:prstGeom>
-          <a:noFill/>
-        </p:spPr>
-        <p:txBody>
-          <a:bodyPr wrap="square" rtlCol="0">
-            <a:spAutoFit/>
-          </a:bodyPr>
-          <a:lstStyle/>
-          <a:p>
-            <a:pPr marL="285750" indent="-285750">
-              <a:buFont typeface="Wingdings" panose="05000000000000000000" pitchFamily="2" charset="2"/>
-              <a:buChar char="Ø"/>
-            </a:pPr>
-            <a:r>
-              <a:rPr lang="fr-FR" dirty="0"/>
-              <a:t>Entité</a:t>
-            </a:r>
-          </a:p>
-          <a:p>
-            <a:pPr marL="285750" indent="-285750">
-              <a:buFont typeface="Wingdings" panose="05000000000000000000" pitchFamily="2" charset="2"/>
-              <a:buChar char="Ø"/>
-            </a:pPr>
-            <a:r>
-              <a:rPr lang="fr-FR" dirty="0"/>
-              <a:t>Repository</a:t>
-            </a:r>
-          </a:p>
-        </p:txBody>
-      </p:sp>
-    </p:spTree>
-    <p:extLst>
-      <p:ext uri="{BB962C8B-B14F-4D97-AF65-F5344CB8AC3E}">
-        <p14:creationId xmlns:p14="http://schemas.microsoft.com/office/powerpoint/2010/main" val="3570034608"/>
-      </p:ext>
-    </p:extLst>
-  </p:cSld>
-  <p:clrMapOvr>
-    <a:masterClrMapping/>
-  </p:clrMapOvr>
-  <p:timing>
-    <p:tnLst>
-      <p:par>
-        <p:cTn id="1" dur="indefinite" restart="never" nodeType="tmRoot">
-          <p:childTnLst>
-            <p:seq concurrent="1" nextAc="seek">
-              <p:cTn id="2" dur="indefinite" nodeType="mainSeq">
-                <p:childTnLst>
-                  <p:par>
-                    <p:cTn id="3" fill="hold">
-                      <p:stCondLst>
-                        <p:cond delay="indefinite"/>
-                      </p:stCondLst>
-                      <p:childTnLst>
-                        <p:par>
-                          <p:cTn id="4" fill="hold">
-                            <p:stCondLst>
-                              <p:cond delay="0"/>
-                            </p:stCondLst>
-                            <p:childTnLst>
-                              <p:par>
-                                <p:cTn id="5" presetID="10" presetClass="entr" presetSubtype="0" fill="hold" nodeType="clickEffect">
-                                  <p:stCondLst>
-                                    <p:cond delay="0"/>
-                                  </p:stCondLst>
-                                  <p:childTnLst>
-                                    <p:set>
-                                      <p:cBhvr>
-                                        <p:cTn id="6" dur="1" fill="hold">
-                                          <p:stCondLst>
-                                            <p:cond delay="0"/>
-                                          </p:stCondLst>
-                                        </p:cTn>
-                                        <p:tgtEl>
-                                          <p:spTgt spid="22"/>
-                                        </p:tgtEl>
-                                        <p:attrNameLst>
-                                          <p:attrName>style.visibility</p:attrName>
-                                        </p:attrNameLst>
-                                      </p:cBhvr>
-                                      <p:to>
-                                        <p:strVal val="visible"/>
-                                      </p:to>
-                                    </p:set>
-                                    <p:animEffect transition="in" filter="fade">
-                                      <p:cBhvr>
-                                        <p:cTn id="7" dur="500"/>
-                                        <p:tgtEl>
-                                          <p:spTgt spid="22"/>
-                                        </p:tgtEl>
-                                      </p:cBhvr>
-                                    </p:animEffect>
-                                  </p:childTnLst>
-                                </p:cTn>
-                              </p:par>
-                            </p:childTnLst>
-                          </p:cTn>
-                        </p:par>
-                      </p:childTnLst>
-                    </p:cTn>
-                  </p:par>
-                  <p:par>
-                    <p:cTn id="8" fill="hold">
-                      <p:stCondLst>
-                        <p:cond delay="indefinite"/>
-                      </p:stCondLst>
-                      <p:childTnLst>
-                        <p:par>
-                          <p:cTn id="9" fill="hold">
-                            <p:stCondLst>
-                              <p:cond delay="0"/>
-                            </p:stCondLst>
-                            <p:childTnLst>
-                              <p:par>
-                                <p:cTn id="10" presetID="10" presetClass="entr" presetSubtype="0" fill="hold" nodeType="clickEffect">
-                                  <p:stCondLst>
-                                    <p:cond delay="0"/>
-                                  </p:stCondLst>
-                                  <p:childTnLst>
-                                    <p:set>
-                                      <p:cBhvr>
-                                        <p:cTn id="11" dur="1" fill="hold">
-                                          <p:stCondLst>
-                                            <p:cond delay="0"/>
-                                          </p:stCondLst>
-                                        </p:cTn>
-                                        <p:tgtEl>
-                                          <p:spTgt spid="23"/>
-                                        </p:tgtEl>
-                                        <p:attrNameLst>
-                                          <p:attrName>style.visibility</p:attrName>
-                                        </p:attrNameLst>
-                                      </p:cBhvr>
-                                      <p:to>
-                                        <p:strVal val="visible"/>
-                                      </p:to>
-                                    </p:set>
-                                    <p:animEffect transition="in" filter="fade">
-                                      <p:cBhvr>
-                                        <p:cTn id="12" dur="500"/>
-                                        <p:tgtEl>
-                                          <p:spTgt spid="23"/>
-                                        </p:tgtEl>
-                                      </p:cBhvr>
-                                    </p:animEffect>
-                                  </p:childTnLst>
-                                </p:cTn>
-                              </p:par>
-                            </p:childTnLst>
-                          </p:cTn>
-                        </p:par>
-                      </p:childTnLst>
-                    </p:cTn>
-                  </p:par>
-                  <p:par>
-                    <p:cTn id="13" fill="hold">
-                      <p:stCondLst>
-                        <p:cond delay="indefinite"/>
-                      </p:stCondLst>
-                      <p:childTnLst>
-                        <p:par>
-                          <p:cTn id="14" fill="hold">
-                            <p:stCondLst>
-                              <p:cond delay="0"/>
-                            </p:stCondLst>
-                            <p:childTnLst>
-                              <p:par>
-                                <p:cTn id="15" presetID="10" presetClass="entr" presetSubtype="0" fill="hold" nodeType="clickEffect">
-                                  <p:stCondLst>
-                                    <p:cond delay="0"/>
-                                  </p:stCondLst>
-                                  <p:childTnLst>
-                                    <p:set>
-                                      <p:cBhvr>
-                                        <p:cTn id="16" dur="1" fill="hold">
-                                          <p:stCondLst>
-                                            <p:cond delay="0"/>
-                                          </p:stCondLst>
-                                        </p:cTn>
-                                        <p:tgtEl>
-                                          <p:spTgt spid="24"/>
-                                        </p:tgtEl>
-                                        <p:attrNameLst>
-                                          <p:attrName>style.visibility</p:attrName>
-                                        </p:attrNameLst>
-                                      </p:cBhvr>
-                                      <p:to>
-                                        <p:strVal val="visible"/>
-                                      </p:to>
-                                    </p:set>
-                                    <p:animEffect transition="in" filter="fade">
-                                      <p:cBhvr>
-                                        <p:cTn id="17" dur="500"/>
-                                        <p:tgtEl>
-                                          <p:spTgt spid="24"/>
-                                        </p:tgtEl>
-                                      </p:cBhvr>
-                                    </p:animEffect>
-                                  </p:childTnLst>
-                                </p:cTn>
-                              </p:par>
-                            </p:childTnLst>
-                          </p:cTn>
-                        </p:par>
-                      </p:childTnLst>
-                    </p:cTn>
-                  </p:par>
-                  <p:par>
-                    <p:cTn id="18" fill="hold">
-                      <p:stCondLst>
-                        <p:cond delay="indefinite"/>
-                      </p:stCondLst>
-                      <p:childTnLst>
-                        <p:par>
-                          <p:cTn id="19" fill="hold">
-                            <p:stCondLst>
-                              <p:cond delay="0"/>
-                            </p:stCondLst>
-                            <p:childTnLst>
-                              <p:par>
-                                <p:cTn id="20" presetID="10" presetClass="entr" presetSubtype="0" fill="hold" nodeType="clickEffect">
-                                  <p:stCondLst>
-                                    <p:cond delay="0"/>
-                                  </p:stCondLst>
-                                  <p:childTnLst>
-                                    <p:set>
-                                      <p:cBhvr>
-                                        <p:cTn id="21" dur="1" fill="hold">
-                                          <p:stCondLst>
-                                            <p:cond delay="0"/>
-                                          </p:stCondLst>
-                                        </p:cTn>
-                                        <p:tgtEl>
-                                          <p:spTgt spid="25"/>
-                                        </p:tgtEl>
-                                        <p:attrNameLst>
-                                          <p:attrName>style.visibility</p:attrName>
-                                        </p:attrNameLst>
-                                      </p:cBhvr>
-                                      <p:to>
-                                        <p:strVal val="visible"/>
-                                      </p:to>
-                                    </p:set>
-                                    <p:animEffect transition="in" filter="fade">
-                                      <p:cBhvr>
-                                        <p:cTn id="22" dur="500"/>
-                                        <p:tgtEl>
-                                          <p:spTgt spid="25"/>
-                                        </p:tgtEl>
-                                      </p:cBhvr>
-                                    </p:animEffect>
-                                  </p:childTnLst>
-                                </p:cTn>
-                              </p:par>
-                            </p:childTnLst>
-                          </p:cTn>
-                        </p:par>
-                      </p:childTnLst>
-                    </p:cTn>
-                  </p:par>
-                  <p:par>
-                    <p:cTn id="23" fill="hold">
-                      <p:stCondLst>
-                        <p:cond delay="indefinite"/>
-                      </p:stCondLst>
-                      <p:childTnLst>
-                        <p:par>
-                          <p:cTn id="24" fill="hold">
-                            <p:stCondLst>
-                              <p:cond delay="0"/>
-                            </p:stCondLst>
-                            <p:childTnLst>
-                              <p:par>
-                                <p:cTn id="25" presetID="10" presetClass="entr" presetSubtype="0" fill="hold" nodeType="clickEffect">
-                                  <p:stCondLst>
-                                    <p:cond delay="0"/>
-                                  </p:stCondLst>
-                                  <p:childTnLst>
-                                    <p:set>
-                                      <p:cBhvr>
-                                        <p:cTn id="26" dur="1" fill="hold">
-                                          <p:stCondLst>
-                                            <p:cond delay="0"/>
-                                          </p:stCondLst>
-                                        </p:cTn>
-                                        <p:tgtEl>
-                                          <p:spTgt spid="26"/>
-                                        </p:tgtEl>
-                                        <p:attrNameLst>
-                                          <p:attrName>style.visibility</p:attrName>
-                                        </p:attrNameLst>
-                                      </p:cBhvr>
-                                      <p:to>
-                                        <p:strVal val="visible"/>
-                                      </p:to>
-                                    </p:set>
-                                    <p:animEffect transition="in" filter="fade">
-                                      <p:cBhvr>
-                                        <p:cTn id="27" dur="500"/>
-                                        <p:tgtEl>
-                                          <p:spTgt spid="26"/>
-                                        </p:tgtEl>
-                                      </p:cBhvr>
-                                    </p:animEffect>
-                                  </p:childTnLst>
-                                </p:cTn>
-                              </p:par>
-                            </p:childTnLst>
-                          </p:cTn>
-                        </p:par>
-                      </p:childTnLst>
-                    </p:cTn>
-                  </p:par>
-                </p:childTnLst>
-              </p:cTn>
-              <p:prevCondLst>
-                <p:cond evt="onPrev" delay="0">
-                  <p:tgtEl>
-                    <p:sldTgt/>
-                  </p:tgtEl>
-                </p:cond>
-              </p:prevCondLst>
-              <p:nextCondLst>
-                <p:cond evt="onNext" delay="0">
-                  <p:tgtEl>
-                    <p:sldTgt/>
-                  </p:tgtEl>
-                </p:cond>
-              </p:nextCondLst>
-            </p:seq>
-          </p:childTnLst>
-        </p:cTn>
-      </p:par>
-    </p:tnLst>
-  </p:timing>
-</p:sld>
-</file>
-
-<file path=ppt/slides/slide17.xml><?xml version="1.0" encoding="utf-8"?>
-<p:sld xmlns:a="http://schemas.openxmlformats.org/drawingml/2006/main" xmlns:r="http://schemas.openxmlformats.org/officeDocument/2006/relationships" xmlns:p="http://schemas.openxmlformats.org/presentationml/2006/main">
-  <p:cSld>
-    <p:spTree>
-      <p:nvGrpSpPr>
-        <p:cNvPr id="1" name=""/>
-        <p:cNvGrpSpPr/>
-        <p:nvPr/>
-      </p:nvGrpSpPr>
-      <p:grpSpPr>
-        <a:xfrm>
-          <a:off x="0" y="0"/>
-          <a:ext cx="0" cy="0"/>
-          <a:chOff x="0" y="0"/>
-          <a:chExt cx="0" cy="0"/>
-        </a:xfrm>
-      </p:grpSpPr>
-      <p:sp>
-        <p:nvSpPr>
           <p:cNvPr id="7" name="Titre 6">
             <a:extLst>
               <a:ext uri="{FF2B5EF4-FFF2-40B4-BE49-F238E27FC236}">
@@ -19692,7 +17657,7 @@
           <a:p>
             <a:fld id="{A0B49C85-14EF-4F3F-9C1F-53173D06BF36}" type="datetime1">
               <a:rPr lang="fr-FR" smtClean="0"/>
-              <a:t>23/06/2020</a:t>
+              <a:t>25/06/2020</a:t>
             </a:fld>
             <a:endParaRPr lang="fr-FR"/>
           </a:p>
@@ -19749,7 +17714,7 @@
           <a:p>
             <a:fld id="{7386E8C7-F2FE-4BD9-8CCD-17179851D3F5}" type="slidenum">
               <a:rPr lang="fr-FR" smtClean="0"/>
-              <a:t>17</a:t>
+              <a:t>16</a:t>
             </a:fld>
             <a:endParaRPr lang="fr-FR"/>
           </a:p>
@@ -19791,6 +17756,95 @@
           </a:prstGeom>
         </p:spPr>
       </p:pic>
+      <p:sp>
+        <p:nvSpPr>
+          <p:cNvPr id="2" name="Rectangle 1">
+            <a:extLst>
+              <a:ext uri="{FF2B5EF4-FFF2-40B4-BE49-F238E27FC236}">
+                <a16:creationId xmlns:a16="http://schemas.microsoft.com/office/drawing/2014/main" id="{A2DF488F-C1C7-4703-88B4-98F62C63D2AE}"/>
+              </a:ext>
+            </a:extLst>
+          </p:cNvPr>
+          <p:cNvSpPr/>
+          <p:nvPr/>
+        </p:nvSpPr>
+        <p:spPr>
+          <a:xfrm>
+            <a:off x="4267200" y="3711389"/>
+            <a:ext cx="134471" cy="125506"/>
+          </a:xfrm>
+          <a:prstGeom prst="rect">
+            <a:avLst/>
+          </a:prstGeom>
+          <a:solidFill>
+            <a:schemeClr val="bg1"/>
+          </a:solidFill>
+          <a:ln>
+            <a:solidFill>
+              <a:schemeClr val="bg1"/>
+            </a:solidFill>
+          </a:ln>
+        </p:spPr>
+        <p:style>
+          <a:lnRef idx="2">
+            <a:schemeClr val="accent1">
+              <a:shade val="50000"/>
+            </a:schemeClr>
+          </a:lnRef>
+          <a:fillRef idx="1">
+            <a:schemeClr val="accent1"/>
+          </a:fillRef>
+          <a:effectRef idx="0">
+            <a:schemeClr val="accent1"/>
+          </a:effectRef>
+          <a:fontRef idx="minor">
+            <a:schemeClr val="lt1"/>
+          </a:fontRef>
+        </p:style>
+        <p:txBody>
+          <a:bodyPr rtlCol="0" anchor="ctr"/>
+          <a:lstStyle/>
+          <a:p>
+            <a:pPr algn="ctr"/>
+            <a:endParaRPr lang="fr-FR"/>
+          </a:p>
+        </p:txBody>
+      </p:sp>
+      <p:sp>
+        <p:nvSpPr>
+          <p:cNvPr id="11" name="ZoneTexte 10">
+            <a:extLst>
+              <a:ext uri="{FF2B5EF4-FFF2-40B4-BE49-F238E27FC236}">
+                <a16:creationId xmlns:a16="http://schemas.microsoft.com/office/drawing/2014/main" id="{8C2FE1A4-BFEA-4930-A094-11996CF6BC16}"/>
+              </a:ext>
+            </a:extLst>
+          </p:cNvPr>
+          <p:cNvSpPr txBox="1"/>
+          <p:nvPr/>
+        </p:nvSpPr>
+        <p:spPr>
+          <a:xfrm>
+            <a:off x="4164134" y="3639200"/>
+            <a:ext cx="382465" cy="246221"/>
+          </a:xfrm>
+          <a:prstGeom prst="rect">
+            <a:avLst/>
+          </a:prstGeom>
+          <a:noFill/>
+        </p:spPr>
+        <p:txBody>
+          <a:bodyPr wrap="square" rtlCol="0">
+            <a:spAutoFit/>
+          </a:bodyPr>
+          <a:lstStyle/>
+          <a:p>
+            <a:r>
+              <a:rPr lang="fr-FR" sz="1000" dirty="0"/>
+              <a:t>0,n</a:t>
+            </a:r>
+          </a:p>
+        </p:txBody>
+      </p:sp>
     </p:spTree>
     <p:extLst>
       <p:ext uri="{BB962C8B-B14F-4D97-AF65-F5344CB8AC3E}">
@@ -19804,7 +17858,7 @@
 </p:sld>
 </file>
 
-<file path=ppt/slides/slide18.xml><?xml version="1.0" encoding="utf-8"?>
+<file path=ppt/slides/slide17.xml><?xml version="1.0" encoding="utf-8"?>
 <p:sld xmlns:a="http://schemas.openxmlformats.org/drawingml/2006/main" xmlns:r="http://schemas.openxmlformats.org/officeDocument/2006/relationships" xmlns:p="http://schemas.openxmlformats.org/presentationml/2006/main">
   <p:cSld>
     <p:spTree>
@@ -19909,7 +17963,7 @@
           <a:p>
             <a:fld id="{A4EB7FCC-E158-4069-B78E-5FEDC5E78F5E}" type="datetime1">
               <a:rPr lang="fr-FR" smtClean="0"/>
-              <a:t>23/06/2020</a:t>
+              <a:t>25/06/2020</a:t>
             </a:fld>
             <a:endParaRPr lang="fr-FR"/>
           </a:p>
@@ -19967,7 +18021,7 @@
             <a:fld id="{7386E8C7-F2FE-4BD9-8CCD-17179851D3F5}" type="slidenum">
               <a:rPr lang="fr-FR" smtClean="0"/>
               <a:pPr/>
-              <a:t>18</a:t>
+              <a:t>17</a:t>
             </a:fld>
             <a:endParaRPr lang="fr-FR"/>
           </a:p>
@@ -19987,8 +18041,8 @@
         </p:nvSpPr>
         <p:spPr>
           <a:xfrm>
-            <a:off x="4104459" y="3364375"/>
-            <a:ext cx="2022021" cy="354513"/>
+            <a:off x="4402102" y="3132067"/>
+            <a:ext cx="1223998" cy="354513"/>
           </a:xfrm>
           <a:prstGeom prst="rightArrow">
             <a:avLst>
@@ -20022,7 +18076,7 @@
           <a:p>
             <a:pPr algn="ctr"/>
             <a:r>
-              <a:rPr lang="fr-FR" b="1" dirty="0">
+              <a:rPr lang="fr-FR" sz="1200" b="1" dirty="0">
                 <a:solidFill>
                   <a:schemeClr val="tx1">
                     <a:lumMod val="95000"/>
@@ -20033,7 +18087,7 @@
               <a:t>One To </a:t>
             </a:r>
             <a:r>
-              <a:rPr lang="fr-FR" b="1" dirty="0" err="1">
+              <a:rPr lang="fr-FR" sz="1200" b="1" dirty="0" err="1">
                 <a:solidFill>
                   <a:schemeClr val="tx1">
                     <a:lumMod val="95000"/>
@@ -20043,7 +18097,7 @@
               </a:rPr>
               <a:t>Many</a:t>
             </a:r>
-            <a:endParaRPr lang="fr-FR" b="1" dirty="0">
+            <a:endParaRPr lang="fr-FR" sz="1200" b="1" dirty="0">
               <a:solidFill>
                 <a:schemeClr val="tx1">
                   <a:lumMod val="95000"/>
@@ -20193,6 +18247,9 @@
                 <a:gd name="adj4" fmla="val 12857"/>
               </a:avLst>
             </a:prstGeom>
+            <a:solidFill>
+              <a:srgbClr val="FFC000"/>
+            </a:solidFill>
           </p:spPr>
           <p:style>
             <a:lnRef idx="2">
@@ -20249,6 +18306,9 @@
                 <a:gd name="adj5" fmla="val 46544"/>
               </a:avLst>
             </a:prstGeom>
+            <a:solidFill>
+              <a:srgbClr val="FFC000"/>
+            </a:solidFill>
           </p:spPr>
           <p:style>
             <a:lnRef idx="2">
@@ -20798,6 +18858,187 @@
           </p:sp>
         </p:grpSp>
       </p:grpSp>
+      <p:sp>
+        <p:nvSpPr>
+          <p:cNvPr id="9" name="Rectangle 8">
+            <a:extLst>
+              <a:ext uri="{FF2B5EF4-FFF2-40B4-BE49-F238E27FC236}">
+                <a16:creationId xmlns:a16="http://schemas.microsoft.com/office/drawing/2014/main" id="{53A46BBC-2E23-4EF6-9BD9-0B29348C7601}"/>
+              </a:ext>
+            </a:extLst>
+          </p:cNvPr>
+          <p:cNvSpPr/>
+          <p:nvPr/>
+        </p:nvSpPr>
+        <p:spPr>
+          <a:xfrm>
+            <a:off x="4249067" y="3732542"/>
+            <a:ext cx="164183" cy="129916"/>
+          </a:xfrm>
+          <a:prstGeom prst="rect">
+            <a:avLst/>
+          </a:prstGeom>
+          <a:solidFill>
+            <a:schemeClr val="bg1"/>
+          </a:solidFill>
+          <a:ln>
+            <a:solidFill>
+              <a:schemeClr val="bg1"/>
+            </a:solidFill>
+          </a:ln>
+        </p:spPr>
+        <p:style>
+          <a:lnRef idx="2">
+            <a:schemeClr val="accent1">
+              <a:shade val="50000"/>
+            </a:schemeClr>
+          </a:lnRef>
+          <a:fillRef idx="1">
+            <a:schemeClr val="accent1"/>
+          </a:fillRef>
+          <a:effectRef idx="0">
+            <a:schemeClr val="accent1"/>
+          </a:effectRef>
+          <a:fontRef idx="minor">
+            <a:schemeClr val="lt1"/>
+          </a:fontRef>
+        </p:style>
+        <p:txBody>
+          <a:bodyPr rtlCol="0" anchor="ctr"/>
+          <a:lstStyle/>
+          <a:p>
+            <a:pPr algn="ctr"/>
+            <a:endParaRPr lang="fr-FR"/>
+          </a:p>
+        </p:txBody>
+      </p:sp>
+      <p:sp>
+        <p:nvSpPr>
+          <p:cNvPr id="8" name="ZoneTexte 7">
+            <a:extLst>
+              <a:ext uri="{FF2B5EF4-FFF2-40B4-BE49-F238E27FC236}">
+                <a16:creationId xmlns:a16="http://schemas.microsoft.com/office/drawing/2014/main" id="{759B4DFC-94F6-421D-B32A-B2B4EC09C710}"/>
+              </a:ext>
+            </a:extLst>
+          </p:cNvPr>
+          <p:cNvSpPr txBox="1"/>
+          <p:nvPr/>
+        </p:nvSpPr>
+        <p:spPr>
+          <a:xfrm>
+            <a:off x="4164134" y="3639200"/>
+            <a:ext cx="382465" cy="246221"/>
+          </a:xfrm>
+          <a:prstGeom prst="rect">
+            <a:avLst/>
+          </a:prstGeom>
+          <a:noFill/>
+        </p:spPr>
+        <p:txBody>
+          <a:bodyPr wrap="square" rtlCol="0">
+            <a:spAutoFit/>
+          </a:bodyPr>
+          <a:lstStyle/>
+          <a:p>
+            <a:r>
+              <a:rPr lang="fr-FR" sz="1000" dirty="0"/>
+              <a:t>0,n</a:t>
+            </a:r>
+          </a:p>
+        </p:txBody>
+      </p:sp>
+      <p:sp>
+        <p:nvSpPr>
+          <p:cNvPr id="39" name="Flèche : droite 38">
+            <a:extLst>
+              <a:ext uri="{FF2B5EF4-FFF2-40B4-BE49-F238E27FC236}">
+                <a16:creationId xmlns:a16="http://schemas.microsoft.com/office/drawing/2014/main" id="{A1B7E360-29B6-4E98-950E-79EC38FAEEC1}"/>
+              </a:ext>
+            </a:extLst>
+          </p:cNvPr>
+          <p:cNvSpPr/>
+          <p:nvPr/>
+        </p:nvSpPr>
+        <p:spPr>
+          <a:xfrm>
+            <a:off x="4381927" y="3787029"/>
+            <a:ext cx="1305563" cy="354513"/>
+          </a:xfrm>
+          <a:prstGeom prst="rightArrow">
+            <a:avLst>
+              <a:gd name="adj1" fmla="val 68424"/>
+              <a:gd name="adj2" fmla="val 50000"/>
+            </a:avLst>
+          </a:prstGeom>
+          <a:solidFill>
+            <a:schemeClr val="accent1"/>
+          </a:solidFill>
+        </p:spPr>
+        <p:style>
+          <a:lnRef idx="2">
+            <a:schemeClr val="accent1">
+              <a:shade val="50000"/>
+            </a:schemeClr>
+          </a:lnRef>
+          <a:fillRef idx="1">
+            <a:schemeClr val="accent1"/>
+          </a:fillRef>
+          <a:effectRef idx="0">
+            <a:schemeClr val="accent1"/>
+          </a:effectRef>
+          <a:fontRef idx="minor">
+            <a:schemeClr val="lt1"/>
+          </a:fontRef>
+        </p:style>
+        <p:txBody>
+          <a:bodyPr rtlCol="0" anchor="ctr"/>
+          <a:lstStyle/>
+          <a:p>
+            <a:pPr algn="ctr"/>
+            <a:r>
+              <a:rPr lang="fr-FR" sz="1200" b="1" dirty="0" err="1">
+                <a:solidFill>
+                  <a:schemeClr val="tx1">
+                    <a:lumMod val="95000"/>
+                    <a:lumOff val="5000"/>
+                  </a:schemeClr>
+                </a:solidFill>
+              </a:rPr>
+              <a:t>Many</a:t>
+            </a:r>
+            <a:r>
+              <a:rPr lang="fr-FR" sz="1200" b="1" dirty="0">
+                <a:solidFill>
+                  <a:schemeClr val="tx1">
+                    <a:lumMod val="95000"/>
+                    <a:lumOff val="5000"/>
+                  </a:schemeClr>
+                </a:solidFill>
+              </a:rPr>
+              <a:t> To </a:t>
+            </a:r>
+            <a:r>
+              <a:rPr lang="fr-FR" sz="1200" b="1" dirty="0" err="1">
+                <a:solidFill>
+                  <a:schemeClr val="tx1">
+                    <a:lumMod val="95000"/>
+                    <a:lumOff val="5000"/>
+                  </a:schemeClr>
+                </a:solidFill>
+              </a:rPr>
+              <a:t>Many</a:t>
+            </a:r>
+            <a:endParaRPr lang="fr-FR" sz="1200" b="1" dirty="0">
+              <a:solidFill>
+                <a:schemeClr val="tx1">
+                  <a:lumMod val="95000"/>
+                  <a:lumOff val="5000"/>
+                </a:schemeClr>
+              </a:solidFill>
+            </a:endParaRPr>
+          </a:p>
+        </p:txBody>
+      </p:sp>
     </p:spTree>
     <p:extLst>
       <p:ext uri="{BB962C8B-B14F-4D97-AF65-F5344CB8AC3E}">
@@ -20895,7 +19136,7 @@
                                           </p:stCondLst>
                                         </p:cTn>
                                         <p:tgtEl>
-                                          <p:spTgt spid="37"/>
+                                          <p:spTgt spid="39"/>
                                         </p:tgtEl>
                                         <p:attrNameLst>
                                           <p:attrName>style.visibility</p:attrName>
@@ -20909,7 +19150,1927 @@
                                       <p:cBhvr>
                                         <p:cTn id="12" dur="500"/>
                                         <p:tgtEl>
+                                          <p:spTgt spid="39"/>
+                                        </p:tgtEl>
+                                      </p:cBhvr>
+                                    </p:animEffect>
+                                  </p:childTnLst>
+                                </p:cTn>
+                              </p:par>
+                              <p:par>
+                                <p:cTn id="13" presetID="10" presetClass="entr" presetSubtype="0" fill="hold" grpId="0" nodeType="withEffect">
+                                  <p:stCondLst>
+                                    <p:cond delay="0"/>
+                                  </p:stCondLst>
+                                  <p:childTnLst>
+                                    <p:set>
+                                      <p:cBhvr>
+                                        <p:cTn id="14" dur="1" fill="hold">
+                                          <p:stCondLst>
+                                            <p:cond delay="0"/>
+                                          </p:stCondLst>
+                                        </p:cTn>
+                                        <p:tgtEl>
                                           <p:spTgt spid="37"/>
+                                        </p:tgtEl>
+                                        <p:attrNameLst>
+                                          <p:attrName>style.visibility</p:attrName>
+                                        </p:attrNameLst>
+                                      </p:cBhvr>
+                                      <p:to>
+                                        <p:strVal val="visible"/>
+                                      </p:to>
+                                    </p:set>
+                                    <p:animEffect transition="in" filter="fade">
+                                      <p:cBhvr>
+                                        <p:cTn id="15" dur="500"/>
+                                        <p:tgtEl>
+                                          <p:spTgt spid="37"/>
+                                        </p:tgtEl>
+                                      </p:cBhvr>
+                                    </p:animEffect>
+                                  </p:childTnLst>
+                                </p:cTn>
+                              </p:par>
+                            </p:childTnLst>
+                          </p:cTn>
+                        </p:par>
+                      </p:childTnLst>
+                    </p:cTn>
+                  </p:par>
+                  <p:par>
+                    <p:cTn id="16" fill="hold">
+                      <p:stCondLst>
+                        <p:cond delay="indefinite"/>
+                      </p:stCondLst>
+                      <p:childTnLst>
+                        <p:par>
+                          <p:cTn id="17" fill="hold">
+                            <p:stCondLst>
+                              <p:cond delay="0"/>
+                            </p:stCondLst>
+                            <p:childTnLst>
+                              <p:par>
+                                <p:cTn id="18" presetID="10" presetClass="entr" presetSubtype="0" fill="hold" nodeType="clickEffect">
+                                  <p:stCondLst>
+                                    <p:cond delay="0"/>
+                                  </p:stCondLst>
+                                  <p:childTnLst>
+                                    <p:set>
+                                      <p:cBhvr>
+                                        <p:cTn id="19" dur="1" fill="hold">
+                                          <p:stCondLst>
+                                            <p:cond delay="0"/>
+                                          </p:stCondLst>
+                                        </p:cTn>
+                                        <p:tgtEl>
+                                          <p:spTgt spid="34"/>
+                                        </p:tgtEl>
+                                        <p:attrNameLst>
+                                          <p:attrName>style.visibility</p:attrName>
+                                        </p:attrNameLst>
+                                      </p:cBhvr>
+                                      <p:to>
+                                        <p:strVal val="visible"/>
+                                      </p:to>
+                                    </p:set>
+                                    <p:animEffect transition="in" filter="fade">
+                                      <p:cBhvr>
+                                        <p:cTn id="20" dur="500"/>
+                                        <p:tgtEl>
+                                          <p:spTgt spid="34"/>
+                                        </p:tgtEl>
+                                      </p:cBhvr>
+                                    </p:animEffect>
+                                  </p:childTnLst>
+                                </p:cTn>
+                              </p:par>
+                            </p:childTnLst>
+                          </p:cTn>
+                        </p:par>
+                      </p:childTnLst>
+                    </p:cTn>
+                  </p:par>
+                </p:childTnLst>
+              </p:cTn>
+              <p:prevCondLst>
+                <p:cond evt="onPrev" delay="0">
+                  <p:tgtEl>
+                    <p:sldTgt/>
+                  </p:tgtEl>
+                </p:cond>
+              </p:prevCondLst>
+              <p:nextCondLst>
+                <p:cond evt="onNext" delay="0">
+                  <p:tgtEl>
+                    <p:sldTgt/>
+                  </p:tgtEl>
+                </p:cond>
+              </p:nextCondLst>
+            </p:seq>
+          </p:childTnLst>
+        </p:cTn>
+      </p:par>
+    </p:tnLst>
+    <p:bldLst>
+      <p:bldP spid="37" grpId="0" animBg="1"/>
+      <p:bldP spid="39" grpId="0" animBg="1"/>
+    </p:bldLst>
+  </p:timing>
+</p:sld>
+</file>
+
+<file path=ppt/slides/slide18.xml><?xml version="1.0" encoding="utf-8"?>
+<p:sld xmlns:a="http://schemas.openxmlformats.org/drawingml/2006/main" xmlns:r="http://schemas.openxmlformats.org/officeDocument/2006/relationships" xmlns:p="http://schemas.openxmlformats.org/presentationml/2006/main">
+  <p:cSld>
+    <p:bg>
+      <p:bgPr>
+        <a:solidFill>
+          <a:schemeClr val="bg1"/>
+        </a:solidFill>
+        <a:effectLst/>
+      </p:bgPr>
+    </p:bg>
+    <p:spTree>
+      <p:nvGrpSpPr>
+        <p:cNvPr id="1" name=""/>
+        <p:cNvGrpSpPr/>
+        <p:nvPr/>
+      </p:nvGrpSpPr>
+      <p:grpSpPr>
+        <a:xfrm>
+          <a:off x="0" y="0"/>
+          <a:ext cx="0" cy="0"/>
+          <a:chOff x="0" y="0"/>
+          <a:chExt cx="0" cy="0"/>
+        </a:xfrm>
+      </p:grpSpPr>
+      <p:sp>
+        <p:nvSpPr>
+          <p:cNvPr id="38" name="Rectangle 37">
+            <a:extLst>
+              <a:ext uri="{FF2B5EF4-FFF2-40B4-BE49-F238E27FC236}">
+                <a16:creationId xmlns:a16="http://schemas.microsoft.com/office/drawing/2014/main" id="{1DFE635C-C432-47DA-AEAB-A593345CBA70}"/>
+              </a:ext>
+              <a:ext uri="{C183D7F6-B498-43B3-948B-1728B52AA6E4}">
+                <adec:decorative xmlns:adec="http://schemas.microsoft.com/office/drawing/2017/decorative" val="1"/>
+              </a:ext>
+            </a:extLst>
+          </p:cNvPr>
+          <p:cNvSpPr>
+            <a:spLocks noGrp="1" noRot="1" noChangeAspect="1" noMove="1" noResize="1" noEditPoints="1" noAdjustHandles="1" noChangeArrowheads="1" noChangeShapeType="1" noTextEdit="1"/>
+          </p:cNvSpPr>
+          <p:nvPr>
+            <p:extLst>
+              <p:ext uri="{386F3935-93C4-4BCD-93E2-E3B085C9AB24}">
+                <p16:designElem xmlns:p16="http://schemas.microsoft.com/office/powerpoint/2015/main" val="1"/>
+              </p:ext>
+            </p:extLst>
+          </p:nvPr>
+        </p:nvSpPr>
+        <p:spPr>
+          <a:xfrm>
+            <a:off x="3175" y="6400800"/>
+            <a:ext cx="12188825" cy="457200"/>
+          </a:xfrm>
+          <a:prstGeom prst="rect">
+            <a:avLst/>
+          </a:prstGeom>
+          <a:solidFill>
+            <a:schemeClr val="accent2"/>
+          </a:solidFill>
+          <a:ln>
+            <a:noFill/>
+          </a:ln>
+        </p:spPr>
+        <p:style>
+          <a:lnRef idx="2">
+            <a:schemeClr val="accent1">
+              <a:shade val="50000"/>
+            </a:schemeClr>
+          </a:lnRef>
+          <a:fillRef idx="1">
+            <a:schemeClr val="accent1"/>
+          </a:fillRef>
+          <a:effectRef idx="0">
+            <a:schemeClr val="accent1"/>
+          </a:effectRef>
+          <a:fontRef idx="minor">
+            <a:schemeClr val="lt1"/>
+          </a:fontRef>
+        </p:style>
+      </p:sp>
+      <p:sp>
+        <p:nvSpPr>
+          <p:cNvPr id="40" name="Rectangle 39">
+            <a:extLst>
+              <a:ext uri="{FF2B5EF4-FFF2-40B4-BE49-F238E27FC236}">
+                <a16:creationId xmlns:a16="http://schemas.microsoft.com/office/drawing/2014/main" id="{79FBF3D3-2448-4FF3-B57B-852CB3B8517E}"/>
+              </a:ext>
+              <a:ext uri="{C183D7F6-B498-43B3-948B-1728B52AA6E4}">
+                <adec:decorative xmlns:adec="http://schemas.microsoft.com/office/drawing/2017/decorative" val="1"/>
+              </a:ext>
+            </a:extLst>
+          </p:cNvPr>
+          <p:cNvSpPr>
+            <a:spLocks noGrp="1" noRot="1" noChangeAspect="1" noMove="1" noResize="1" noEditPoints="1" noAdjustHandles="1" noChangeArrowheads="1" noChangeShapeType="1" noTextEdit="1"/>
+          </p:cNvSpPr>
+          <p:nvPr>
+            <p:extLst>
+              <p:ext uri="{386F3935-93C4-4BCD-93E2-E3B085C9AB24}">
+                <p16:designElem xmlns:p16="http://schemas.microsoft.com/office/powerpoint/2015/main" val="1"/>
+              </p:ext>
+            </p:extLst>
+          </p:nvPr>
+        </p:nvSpPr>
+        <p:spPr>
+          <a:xfrm>
+            <a:off x="15" y="6334316"/>
+            <a:ext cx="12188825" cy="64008"/>
+          </a:xfrm>
+          <a:prstGeom prst="rect">
+            <a:avLst/>
+          </a:prstGeom>
+          <a:solidFill>
+            <a:schemeClr val="accent1"/>
+          </a:solidFill>
+          <a:ln>
+            <a:noFill/>
+          </a:ln>
+        </p:spPr>
+        <p:style>
+          <a:lnRef idx="2">
+            <a:schemeClr val="accent1">
+              <a:shade val="50000"/>
+            </a:schemeClr>
+          </a:lnRef>
+          <a:fillRef idx="1">
+            <a:schemeClr val="accent1"/>
+          </a:fillRef>
+          <a:effectRef idx="0">
+            <a:schemeClr val="accent1"/>
+          </a:effectRef>
+          <a:fontRef idx="minor">
+            <a:schemeClr val="lt1"/>
+          </a:fontRef>
+        </p:style>
+      </p:sp>
+      <p:cxnSp>
+        <p:nvCxnSpPr>
+          <p:cNvPr id="42" name="Straight Connector 41">
+            <a:extLst>
+              <a:ext uri="{FF2B5EF4-FFF2-40B4-BE49-F238E27FC236}">
+                <a16:creationId xmlns:a16="http://schemas.microsoft.com/office/drawing/2014/main" id="{E040C66D-4F1C-4AC9-9214-C9E6DA54AAA7}"/>
+              </a:ext>
+              <a:ext uri="{C183D7F6-B498-43B3-948B-1728B52AA6E4}">
+                <adec:decorative xmlns:adec="http://schemas.microsoft.com/office/drawing/2017/decorative" val="1"/>
+              </a:ext>
+            </a:extLst>
+          </p:cNvPr>
+          <p:cNvCxnSpPr>
+            <a:cxnSpLocks noGrp="1" noRot="1" noChangeAspect="1" noMove="1" noResize="1" noEditPoints="1" noAdjustHandles="1" noChangeArrowheads="1" noChangeShapeType="1"/>
+          </p:cNvCxnSpPr>
+          <p:nvPr>
+            <p:extLst>
+              <p:ext uri="{386F3935-93C4-4BCD-93E2-E3B085C9AB24}">
+                <p16:designElem xmlns:p16="http://schemas.microsoft.com/office/powerpoint/2015/main" val="1"/>
+              </p:ext>
+            </p:extLst>
+          </p:nvPr>
+        </p:nvCxnSpPr>
+        <p:spPr>
+          <a:xfrm>
+            <a:off x="1207658" y="4343400"/>
+            <a:ext cx="9875520" cy="0"/>
+          </a:xfrm>
+          <a:prstGeom prst="line">
+            <a:avLst/>
+          </a:prstGeom>
+          <a:ln w="6350">
+            <a:solidFill>
+              <a:schemeClr val="tx1">
+                <a:lumMod val="50000"/>
+                <a:lumOff val="50000"/>
+              </a:schemeClr>
+            </a:solidFill>
+          </a:ln>
+        </p:spPr>
+        <p:style>
+          <a:lnRef idx="1">
+            <a:schemeClr val="accent1"/>
+          </a:lnRef>
+          <a:fillRef idx="0">
+            <a:schemeClr val="accent1"/>
+          </a:fillRef>
+          <a:effectRef idx="0">
+            <a:schemeClr val="accent1"/>
+          </a:effectRef>
+          <a:fontRef idx="minor">
+            <a:schemeClr val="tx1"/>
+          </a:fontRef>
+        </p:style>
+      </p:cxnSp>
+      <p:sp useBgFill="1">
+        <p:nvSpPr>
+          <p:cNvPr id="44" name="Rectangle 43">
+            <a:extLst>
+              <a:ext uri="{FF2B5EF4-FFF2-40B4-BE49-F238E27FC236}">
+                <a16:creationId xmlns:a16="http://schemas.microsoft.com/office/drawing/2014/main" id="{8C6E698C-8155-4B8B-BDC9-B7299772B509}"/>
+              </a:ext>
+              <a:ext uri="{C183D7F6-B498-43B3-948B-1728B52AA6E4}">
+                <adec:decorative xmlns:adec="http://schemas.microsoft.com/office/drawing/2017/decorative" val="1"/>
+              </a:ext>
+            </a:extLst>
+          </p:cNvPr>
+          <p:cNvSpPr>
+            <a:spLocks noGrp="1" noRot="1" noChangeAspect="1" noMove="1" noResize="1" noEditPoints="1" noAdjustHandles="1" noChangeArrowheads="1" noChangeShapeType="1" noTextEdit="1"/>
+          </p:cNvSpPr>
+          <p:nvPr>
+            <p:extLst>
+              <p:ext uri="{386F3935-93C4-4BCD-93E2-E3B085C9AB24}">
+                <p16:designElem xmlns:p16="http://schemas.microsoft.com/office/powerpoint/2015/main" val="1"/>
+              </p:ext>
+            </p:extLst>
+          </p:nvPr>
+        </p:nvSpPr>
+        <p:spPr>
+          <a:xfrm>
+            <a:off x="0" y="0"/>
+            <a:ext cx="12188952" cy="6858000"/>
+          </a:xfrm>
+          <a:prstGeom prst="rect">
+            <a:avLst/>
+          </a:prstGeom>
+          <a:ln>
+            <a:noFill/>
+          </a:ln>
+        </p:spPr>
+        <p:style>
+          <a:lnRef idx="2">
+            <a:schemeClr val="accent1">
+              <a:shade val="50000"/>
+            </a:schemeClr>
+          </a:lnRef>
+          <a:fillRef idx="1">
+            <a:schemeClr val="accent1"/>
+          </a:fillRef>
+          <a:effectRef idx="0">
+            <a:schemeClr val="accent1"/>
+          </a:effectRef>
+          <a:fontRef idx="minor">
+            <a:schemeClr val="lt1"/>
+          </a:fontRef>
+        </p:style>
+        <p:txBody>
+          <a:bodyPr rtlCol="0" anchor="ctr"/>
+          <a:lstStyle/>
+          <a:p>
+            <a:pPr algn="ctr"/>
+            <a:endParaRPr lang="en-US"/>
+          </a:p>
+        </p:txBody>
+      </p:sp>
+      <p:sp>
+        <p:nvSpPr>
+          <p:cNvPr id="10" name="Titre 9">
+            <a:extLst>
+              <a:ext uri="{FF2B5EF4-FFF2-40B4-BE49-F238E27FC236}">
+                <a16:creationId xmlns:a16="http://schemas.microsoft.com/office/drawing/2014/main" id="{8841AB7C-EA34-436F-955B-C6001B79479F}"/>
+              </a:ext>
+            </a:extLst>
+          </p:cNvPr>
+          <p:cNvSpPr>
+            <a:spLocks noGrp="1"/>
+          </p:cNvSpPr>
+          <p:nvPr>
+            <p:ph type="title"/>
+          </p:nvPr>
+        </p:nvSpPr>
+        <p:spPr>
+          <a:xfrm>
+            <a:off x="965201" y="643467"/>
+            <a:ext cx="6255026" cy="5054008"/>
+          </a:xfrm>
+        </p:spPr>
+        <p:txBody>
+          <a:bodyPr vert="horz" lIns="91440" tIns="45720" rIns="91440" bIns="45720" rtlCol="0" anchor="ctr">
+            <a:normAutofit/>
+          </a:bodyPr>
+          <a:lstStyle/>
+          <a:p>
+            <a:pPr algn="r"/>
+            <a:r>
+              <a:rPr lang="en-US" dirty="0"/>
+              <a:t>Design pattern</a:t>
+            </a:r>
+          </a:p>
+        </p:txBody>
+      </p:sp>
+      <p:sp>
+        <p:nvSpPr>
+          <p:cNvPr id="11" name="Espace réservé du texte 10">
+            <a:extLst>
+              <a:ext uri="{FF2B5EF4-FFF2-40B4-BE49-F238E27FC236}">
+                <a16:creationId xmlns:a16="http://schemas.microsoft.com/office/drawing/2014/main" id="{DB6BF11F-33B3-404F-AFD3-F3787FDFA265}"/>
+              </a:ext>
+            </a:extLst>
+          </p:cNvPr>
+          <p:cNvSpPr>
+            <a:spLocks noGrp="1"/>
+          </p:cNvSpPr>
+          <p:nvPr>
+            <p:ph type="body" idx="1"/>
+          </p:nvPr>
+        </p:nvSpPr>
+        <p:spPr>
+          <a:xfrm>
+            <a:off x="7870994" y="643467"/>
+            <a:ext cx="3526607" cy="5054008"/>
+          </a:xfrm>
+        </p:spPr>
+        <p:txBody>
+          <a:bodyPr vert="horz" lIns="91440" tIns="45720" rIns="91440" bIns="45720" rtlCol="0" anchor="ctr">
+            <a:normAutofit/>
+          </a:bodyPr>
+          <a:lstStyle/>
+          <a:p>
+            <a:r>
+              <a:rPr lang="en-US" dirty="0" err="1"/>
+              <a:t>Présentation</a:t>
+            </a:r>
+            <a:r>
+              <a:rPr lang="en-US" dirty="0"/>
+              <a:t> du MVP </a:t>
+            </a:r>
+          </a:p>
+          <a:p>
+            <a:r>
+              <a:rPr lang="en-US" dirty="0" err="1"/>
+              <a:t>Cheminement</a:t>
+            </a:r>
+            <a:r>
+              <a:rPr lang="en-US" dirty="0"/>
+              <a:t> </a:t>
+            </a:r>
+            <a:r>
+              <a:rPr lang="en-US" dirty="0" err="1"/>
+              <a:t>d’une</a:t>
+            </a:r>
+            <a:r>
+              <a:rPr lang="en-US" dirty="0"/>
+              <a:t> </a:t>
+            </a:r>
+            <a:r>
+              <a:rPr lang="en-US" dirty="0" err="1"/>
+              <a:t>fonctionnalité</a:t>
+            </a:r>
+            <a:endParaRPr lang="en-US" dirty="0"/>
+          </a:p>
+        </p:txBody>
+      </p:sp>
+      <p:cxnSp>
+        <p:nvCxnSpPr>
+          <p:cNvPr id="46" name="Straight Connector 45">
+            <a:extLst>
+              <a:ext uri="{FF2B5EF4-FFF2-40B4-BE49-F238E27FC236}">
+                <a16:creationId xmlns:a16="http://schemas.microsoft.com/office/drawing/2014/main" id="{09525C9A-1972-4836-BA7A-706C946EF4DA}"/>
+              </a:ext>
+              <a:ext uri="{C183D7F6-B498-43B3-948B-1728B52AA6E4}">
+                <adec:decorative xmlns:adec="http://schemas.microsoft.com/office/drawing/2017/decorative" val="1"/>
+              </a:ext>
+            </a:extLst>
+          </p:cNvPr>
+          <p:cNvCxnSpPr>
+            <a:cxnSpLocks noGrp="1" noRot="1" noChangeAspect="1" noMove="1" noResize="1" noEditPoints="1" noAdjustHandles="1" noChangeArrowheads="1" noChangeShapeType="1"/>
+          </p:cNvCxnSpPr>
+          <p:nvPr>
+            <p:extLst>
+              <p:ext uri="{386F3935-93C4-4BCD-93E2-E3B085C9AB24}">
+                <p16:designElem xmlns:p16="http://schemas.microsoft.com/office/powerpoint/2015/main" val="1"/>
+              </p:ext>
+            </p:extLst>
+          </p:nvPr>
+        </p:nvCxnSpPr>
+        <p:spPr>
+          <a:xfrm>
+            <a:off x="7534656" y="1391367"/>
+            <a:ext cx="0" cy="3558208"/>
+          </a:xfrm>
+          <a:prstGeom prst="line">
+            <a:avLst/>
+          </a:prstGeom>
+          <a:ln>
+            <a:solidFill>
+              <a:schemeClr val="tx2"/>
+            </a:solidFill>
+          </a:ln>
+        </p:spPr>
+        <p:style>
+          <a:lnRef idx="1">
+            <a:schemeClr val="accent1"/>
+          </a:lnRef>
+          <a:fillRef idx="0">
+            <a:schemeClr val="accent1"/>
+          </a:fillRef>
+          <a:effectRef idx="0">
+            <a:schemeClr val="accent1"/>
+          </a:effectRef>
+          <a:fontRef idx="minor">
+            <a:schemeClr val="tx1"/>
+          </a:fontRef>
+        </p:style>
+      </p:cxnSp>
+      <p:sp>
+        <p:nvSpPr>
+          <p:cNvPr id="48" name="Rectangle 47">
+            <a:extLst>
+              <a:ext uri="{FF2B5EF4-FFF2-40B4-BE49-F238E27FC236}">
+                <a16:creationId xmlns:a16="http://schemas.microsoft.com/office/drawing/2014/main" id="{C22D9B36-9BE7-472B-8808-7E0D6810738F}"/>
+              </a:ext>
+              <a:ext uri="{C183D7F6-B498-43B3-948B-1728B52AA6E4}">
+                <adec:decorative xmlns:adec="http://schemas.microsoft.com/office/drawing/2017/decorative" val="1"/>
+              </a:ext>
+            </a:extLst>
+          </p:cNvPr>
+          <p:cNvSpPr>
+            <a:spLocks noGrp="1" noRot="1" noChangeAspect="1" noMove="1" noResize="1" noEditPoints="1" noAdjustHandles="1" noChangeArrowheads="1" noChangeShapeType="1" noTextEdit="1"/>
+          </p:cNvSpPr>
+          <p:nvPr>
+            <p:extLst>
+              <p:ext uri="{386F3935-93C4-4BCD-93E2-E3B085C9AB24}">
+                <p16:designElem xmlns:p16="http://schemas.microsoft.com/office/powerpoint/2015/main" val="1"/>
+              </p:ext>
+            </p:extLst>
+          </p:nvPr>
+        </p:nvSpPr>
+        <p:spPr>
+          <a:xfrm>
+            <a:off x="15" y="6340942"/>
+            <a:ext cx="12188825" cy="64008"/>
+          </a:xfrm>
+          <a:prstGeom prst="rect">
+            <a:avLst/>
+          </a:prstGeom>
+          <a:solidFill>
+            <a:schemeClr val="accent1"/>
+          </a:solidFill>
+          <a:ln>
+            <a:noFill/>
+          </a:ln>
+        </p:spPr>
+        <p:style>
+          <a:lnRef idx="2">
+            <a:schemeClr val="accent1">
+              <a:shade val="50000"/>
+            </a:schemeClr>
+          </a:lnRef>
+          <a:fillRef idx="1">
+            <a:schemeClr val="accent1"/>
+          </a:fillRef>
+          <a:effectRef idx="0">
+            <a:schemeClr val="accent1"/>
+          </a:effectRef>
+          <a:fontRef idx="minor">
+            <a:schemeClr val="lt1"/>
+          </a:fontRef>
+        </p:style>
+      </p:sp>
+      <p:sp>
+        <p:nvSpPr>
+          <p:cNvPr id="50" name="Rectangle 49">
+            <a:extLst>
+              <a:ext uri="{FF2B5EF4-FFF2-40B4-BE49-F238E27FC236}">
+                <a16:creationId xmlns:a16="http://schemas.microsoft.com/office/drawing/2014/main" id="{8A549DE7-671D-4575-AF43-858FD99981CF}"/>
+              </a:ext>
+              <a:ext uri="{C183D7F6-B498-43B3-948B-1728B52AA6E4}">
+                <adec:decorative xmlns:adec="http://schemas.microsoft.com/office/drawing/2017/decorative" val="1"/>
+              </a:ext>
+            </a:extLst>
+          </p:cNvPr>
+          <p:cNvSpPr>
+            <a:spLocks noGrp="1" noRot="1" noChangeAspect="1" noMove="1" noResize="1" noEditPoints="1" noAdjustHandles="1" noChangeArrowheads="1" noChangeShapeType="1" noTextEdit="1"/>
+          </p:cNvSpPr>
+          <p:nvPr>
+            <p:extLst>
+              <p:ext uri="{386F3935-93C4-4BCD-93E2-E3B085C9AB24}">
+                <p16:designElem xmlns:p16="http://schemas.microsoft.com/office/powerpoint/2015/main" val="1"/>
+              </p:ext>
+            </p:extLst>
+          </p:nvPr>
+        </p:nvSpPr>
+        <p:spPr>
+          <a:xfrm>
+            <a:off x="3175" y="6400800"/>
+            <a:ext cx="12188825" cy="457200"/>
+          </a:xfrm>
+          <a:prstGeom prst="rect">
+            <a:avLst/>
+          </a:prstGeom>
+          <a:solidFill>
+            <a:schemeClr val="accent2"/>
+          </a:solidFill>
+          <a:ln>
+            <a:noFill/>
+          </a:ln>
+        </p:spPr>
+        <p:style>
+          <a:lnRef idx="2">
+            <a:schemeClr val="accent1">
+              <a:shade val="50000"/>
+            </a:schemeClr>
+          </a:lnRef>
+          <a:fillRef idx="1">
+            <a:schemeClr val="accent1"/>
+          </a:fillRef>
+          <a:effectRef idx="0">
+            <a:schemeClr val="accent1"/>
+          </a:effectRef>
+          <a:fontRef idx="minor">
+            <a:schemeClr val="lt1"/>
+          </a:fontRef>
+        </p:style>
+      </p:sp>
+      <p:sp>
+        <p:nvSpPr>
+          <p:cNvPr id="7" name="Espace réservé de la date 6">
+            <a:extLst>
+              <a:ext uri="{FF2B5EF4-FFF2-40B4-BE49-F238E27FC236}">
+                <a16:creationId xmlns:a16="http://schemas.microsoft.com/office/drawing/2014/main" id="{D4E72084-8563-4910-9444-3BDEBFF5AD34}"/>
+              </a:ext>
+            </a:extLst>
+          </p:cNvPr>
+          <p:cNvSpPr>
+            <a:spLocks noGrp="1"/>
+          </p:cNvSpPr>
+          <p:nvPr>
+            <p:ph type="dt" sz="half" idx="10"/>
+          </p:nvPr>
+        </p:nvSpPr>
+        <p:spPr>
+          <a:xfrm>
+            <a:off x="1097280" y="6459785"/>
+            <a:ext cx="2472271" cy="365125"/>
+          </a:xfrm>
+        </p:spPr>
+        <p:txBody>
+          <a:bodyPr vert="horz" lIns="91440" tIns="45720" rIns="91440" bIns="45720" rtlCol="0" anchor="ctr">
+            <a:normAutofit/>
+          </a:bodyPr>
+          <a:lstStyle/>
+          <a:p>
+            <a:pPr>
+              <a:spcAft>
+                <a:spcPts val="600"/>
+              </a:spcAft>
+            </a:pPr>
+            <a:fld id="{982897A1-D05D-4B7F-A85C-88311E9C06FE}" type="datetime1">
+              <a:rPr lang="fr-FR" smtClean="0"/>
+              <a:t>25/06/2020</a:t>
+            </a:fld>
+            <a:endParaRPr lang="en-US"/>
+          </a:p>
+        </p:txBody>
+      </p:sp>
+      <p:sp>
+        <p:nvSpPr>
+          <p:cNvPr id="8" name="Espace réservé du pied de page 7">
+            <a:extLst>
+              <a:ext uri="{FF2B5EF4-FFF2-40B4-BE49-F238E27FC236}">
+                <a16:creationId xmlns:a16="http://schemas.microsoft.com/office/drawing/2014/main" id="{52CE2637-56C1-4F19-87A3-6BA865CDFAE7}"/>
+              </a:ext>
+            </a:extLst>
+          </p:cNvPr>
+          <p:cNvSpPr>
+            <a:spLocks noGrp="1"/>
+          </p:cNvSpPr>
+          <p:nvPr>
+            <p:ph type="ftr" sz="quarter" idx="11"/>
+          </p:nvPr>
+        </p:nvSpPr>
+        <p:spPr>
+          <a:xfrm>
+            <a:off x="3686185" y="6459785"/>
+            <a:ext cx="4822804" cy="365125"/>
+          </a:xfrm>
+        </p:spPr>
+        <p:txBody>
+          <a:bodyPr vert="horz" lIns="91440" tIns="45720" rIns="91440" bIns="45720" rtlCol="0" anchor="ctr">
+            <a:normAutofit/>
+          </a:bodyPr>
+          <a:lstStyle/>
+          <a:p>
+            <a:pPr>
+              <a:spcAft>
+                <a:spcPts val="600"/>
+              </a:spcAft>
+            </a:pPr>
+            <a:r>
+              <a:rPr lang="en-US" kern="1200" cap="all" baseline="0">
+                <a:solidFill>
+                  <a:srgbClr val="FFFFFF"/>
+                </a:solidFill>
+                <a:latin typeface="+mn-lt"/>
+                <a:ea typeface="+mn-ea"/>
+                <a:cs typeface="+mn-cs"/>
+              </a:rPr>
+              <a:t>Sylvain ALLAIN</a:t>
+            </a:r>
+          </a:p>
+        </p:txBody>
+      </p:sp>
+      <p:sp>
+        <p:nvSpPr>
+          <p:cNvPr id="9" name="Espace réservé du numéro de diapositive 8">
+            <a:extLst>
+              <a:ext uri="{FF2B5EF4-FFF2-40B4-BE49-F238E27FC236}">
+                <a16:creationId xmlns:a16="http://schemas.microsoft.com/office/drawing/2014/main" id="{38B39919-4C2B-4532-AA50-BF6320DEFEA4}"/>
+              </a:ext>
+            </a:extLst>
+          </p:cNvPr>
+          <p:cNvSpPr>
+            <a:spLocks noGrp="1"/>
+          </p:cNvSpPr>
+          <p:nvPr>
+            <p:ph type="sldNum" sz="quarter" idx="12"/>
+          </p:nvPr>
+        </p:nvSpPr>
+        <p:spPr>
+          <a:xfrm>
+            <a:off x="9900458" y="6459785"/>
+            <a:ext cx="1312025" cy="365125"/>
+          </a:xfrm>
+        </p:spPr>
+        <p:txBody>
+          <a:bodyPr vert="horz" lIns="91440" tIns="45720" rIns="91440" bIns="45720" rtlCol="0" anchor="ctr">
+            <a:normAutofit/>
+          </a:bodyPr>
+          <a:lstStyle/>
+          <a:p>
+            <a:pPr>
+              <a:spcAft>
+                <a:spcPts val="600"/>
+              </a:spcAft>
+            </a:pPr>
+            <a:fld id="{7386E8C7-F2FE-4BD9-8CCD-17179851D3F5}" type="slidenum">
+              <a:rPr lang="en-US"/>
+              <a:pPr>
+                <a:spcAft>
+                  <a:spcPts val="600"/>
+                </a:spcAft>
+              </a:pPr>
+              <a:t>18</a:t>
+            </a:fld>
+            <a:endParaRPr lang="en-US"/>
+          </a:p>
+        </p:txBody>
+      </p:sp>
+    </p:spTree>
+    <p:extLst>
+      <p:ext uri="{BB962C8B-B14F-4D97-AF65-F5344CB8AC3E}">
+        <p14:creationId xmlns:p14="http://schemas.microsoft.com/office/powerpoint/2010/main" val="1766888798"/>
+      </p:ext>
+    </p:extLst>
+  </p:cSld>
+  <p:clrMapOvr>
+    <a:masterClrMapping/>
+  </p:clrMapOvr>
+</p:sld>
+</file>
+
+<file path=ppt/slides/slide19.xml><?xml version="1.0" encoding="utf-8"?>
+<p:sld xmlns:a="http://schemas.openxmlformats.org/drawingml/2006/main" xmlns:r="http://schemas.openxmlformats.org/officeDocument/2006/relationships" xmlns:p="http://schemas.openxmlformats.org/presentationml/2006/main">
+  <p:cSld>
+    <p:spTree>
+      <p:nvGrpSpPr>
+        <p:cNvPr id="1" name=""/>
+        <p:cNvGrpSpPr/>
+        <p:nvPr/>
+      </p:nvGrpSpPr>
+      <p:grpSpPr>
+        <a:xfrm>
+          <a:off x="0" y="0"/>
+          <a:ext cx="0" cy="0"/>
+          <a:chOff x="0" y="0"/>
+          <a:chExt cx="0" cy="0"/>
+        </a:xfrm>
+      </p:grpSpPr>
+      <p:sp>
+        <p:nvSpPr>
+          <p:cNvPr id="4" name="Espace réservé de la date 3">
+            <a:extLst>
+              <a:ext uri="{FF2B5EF4-FFF2-40B4-BE49-F238E27FC236}">
+                <a16:creationId xmlns:a16="http://schemas.microsoft.com/office/drawing/2014/main" id="{C96C93D7-1E7C-4064-A2A0-2955C3586770}"/>
+              </a:ext>
+            </a:extLst>
+          </p:cNvPr>
+          <p:cNvSpPr>
+            <a:spLocks noGrp="1"/>
+          </p:cNvSpPr>
+          <p:nvPr>
+            <p:ph type="dt" sz="half" idx="10"/>
+          </p:nvPr>
+        </p:nvSpPr>
+        <p:spPr/>
+        <p:txBody>
+          <a:bodyPr/>
+          <a:lstStyle/>
+          <a:p>
+            <a:fld id="{F648853C-1A27-40F6-B79C-1B3E3ED4C064}" type="datetime1">
+              <a:rPr lang="fr-FR" smtClean="0"/>
+              <a:t>25/06/2020</a:t>
+            </a:fld>
+            <a:endParaRPr lang="fr-FR"/>
+          </a:p>
+        </p:txBody>
+      </p:sp>
+      <p:sp>
+        <p:nvSpPr>
+          <p:cNvPr id="5" name="Espace réservé du pied de page 4">
+            <a:extLst>
+              <a:ext uri="{FF2B5EF4-FFF2-40B4-BE49-F238E27FC236}">
+                <a16:creationId xmlns:a16="http://schemas.microsoft.com/office/drawing/2014/main" id="{FE0B5B9F-6FB2-4FBC-9FE6-30E779A30AED}"/>
+              </a:ext>
+            </a:extLst>
+          </p:cNvPr>
+          <p:cNvSpPr>
+            <a:spLocks noGrp="1"/>
+          </p:cNvSpPr>
+          <p:nvPr>
+            <p:ph type="ftr" sz="quarter" idx="11"/>
+          </p:nvPr>
+        </p:nvSpPr>
+        <p:spPr/>
+        <p:txBody>
+          <a:bodyPr/>
+          <a:lstStyle/>
+          <a:p>
+            <a:r>
+              <a:rPr lang="fr-FR"/>
+              <a:t>Sylvain ALLAIN</a:t>
+            </a:r>
+          </a:p>
+        </p:txBody>
+      </p:sp>
+      <p:sp>
+        <p:nvSpPr>
+          <p:cNvPr id="6" name="Espace réservé du numéro de diapositive 5">
+            <a:extLst>
+              <a:ext uri="{FF2B5EF4-FFF2-40B4-BE49-F238E27FC236}">
+                <a16:creationId xmlns:a16="http://schemas.microsoft.com/office/drawing/2014/main" id="{E0912303-FDCB-4F1A-9371-78E7EB39DC60}"/>
+              </a:ext>
+            </a:extLst>
+          </p:cNvPr>
+          <p:cNvSpPr>
+            <a:spLocks noGrp="1"/>
+          </p:cNvSpPr>
+          <p:nvPr>
+            <p:ph type="sldNum" sz="quarter" idx="12"/>
+          </p:nvPr>
+        </p:nvSpPr>
+        <p:spPr/>
+        <p:txBody>
+          <a:bodyPr/>
+          <a:lstStyle/>
+          <a:p>
+            <a:fld id="{7386E8C7-F2FE-4BD9-8CCD-17179851D3F5}" type="slidenum">
+              <a:rPr lang="fr-FR" smtClean="0"/>
+              <a:t>19</a:t>
+            </a:fld>
+            <a:endParaRPr lang="fr-FR"/>
+          </a:p>
+        </p:txBody>
+      </p:sp>
+      <p:sp>
+        <p:nvSpPr>
+          <p:cNvPr id="7" name="Titre 6">
+            <a:extLst>
+              <a:ext uri="{FF2B5EF4-FFF2-40B4-BE49-F238E27FC236}">
+                <a16:creationId xmlns:a16="http://schemas.microsoft.com/office/drawing/2014/main" id="{3786BC7C-B76E-4ED9-BE23-27FDE6B7EAF7}"/>
+              </a:ext>
+            </a:extLst>
+          </p:cNvPr>
+          <p:cNvSpPr>
+            <a:spLocks noGrp="1"/>
+          </p:cNvSpPr>
+          <p:nvPr>
+            <p:ph type="title" idx="4294967295"/>
+          </p:nvPr>
+        </p:nvSpPr>
+        <p:spPr>
+          <a:xfrm>
+            <a:off x="268448" y="286952"/>
+            <a:ext cx="11593356" cy="1046898"/>
+          </a:xfrm>
+        </p:spPr>
+        <p:txBody>
+          <a:bodyPr/>
+          <a:lstStyle/>
+          <a:p>
+            <a:pPr algn="ctr"/>
+            <a:r>
+              <a:rPr lang="fr-FR" dirty="0"/>
+              <a:t>Model – </a:t>
+            </a:r>
+            <a:r>
+              <a:rPr lang="fr-FR" dirty="0" err="1"/>
+              <a:t>View</a:t>
+            </a:r>
+            <a:r>
+              <a:rPr lang="fr-FR" dirty="0"/>
+              <a:t> – </a:t>
+            </a:r>
+            <a:r>
+              <a:rPr lang="fr-FR" dirty="0" err="1"/>
+              <a:t>Presenter</a:t>
+            </a:r>
+            <a:endParaRPr lang="fr-FR" dirty="0"/>
+          </a:p>
+        </p:txBody>
+      </p:sp>
+      <p:pic>
+        <p:nvPicPr>
+          <p:cNvPr id="4098" name="Picture 2">
+            <a:extLst>
+              <a:ext uri="{FF2B5EF4-FFF2-40B4-BE49-F238E27FC236}">
+                <a16:creationId xmlns:a16="http://schemas.microsoft.com/office/drawing/2014/main" id="{186DD380-0704-4886-8E85-EE2D749C50AE}"/>
+              </a:ext>
+            </a:extLst>
+          </p:cNvPr>
+          <p:cNvPicPr>
+            <a:picLocks noChangeAspect="1" noChangeArrowheads="1"/>
+          </p:cNvPicPr>
+          <p:nvPr/>
+        </p:nvPicPr>
+        <p:blipFill>
+          <a:blip r:embed="rId3">
+            <a:extLst>
+              <a:ext uri="{28A0092B-C50C-407E-A947-70E740481C1C}">
+                <a14:useLocalDpi xmlns:a14="http://schemas.microsoft.com/office/drawing/2010/main" val="0"/>
+              </a:ext>
+            </a:extLst>
+          </a:blip>
+          <a:srcRect/>
+          <a:stretch>
+            <a:fillRect/>
+          </a:stretch>
+        </p:blipFill>
+        <p:spPr bwMode="auto">
+          <a:xfrm>
+            <a:off x="1296442" y="1509449"/>
+            <a:ext cx="8679517" cy="4657477"/>
+          </a:xfrm>
+          <a:prstGeom prst="rect">
+            <a:avLst/>
+          </a:prstGeom>
+          <a:solidFill>
+            <a:srgbClr val="FFFFFF"/>
+          </a:solidFill>
+          <a:ln>
+            <a:noFill/>
+          </a:ln>
+          <a:extLst>
+            <a:ext uri="{91240B29-F687-4F45-9708-019B960494DF}">
+              <a14:hiddenLine xmlns:a14="http://schemas.microsoft.com/office/drawing/2010/main" w="9525">
+                <a:solidFill>
+                  <a:srgbClr val="000000"/>
+                </a:solidFill>
+                <a:miter lim="800000"/>
+                <a:headEnd/>
+                <a:tailEnd/>
+              </a14:hiddenLine>
+            </a:ext>
+          </a:extLst>
+        </p:spPr>
+      </p:pic>
+      <p:grpSp>
+        <p:nvGrpSpPr>
+          <p:cNvPr id="22" name="Groupe 21">
+            <a:extLst>
+              <a:ext uri="{FF2B5EF4-FFF2-40B4-BE49-F238E27FC236}">
+                <a16:creationId xmlns:a16="http://schemas.microsoft.com/office/drawing/2014/main" id="{CAF1124C-C55C-482A-9202-10EDDD2E0B28}"/>
+              </a:ext>
+            </a:extLst>
+          </p:cNvPr>
+          <p:cNvGrpSpPr/>
+          <p:nvPr/>
+        </p:nvGrpSpPr>
+        <p:grpSpPr>
+          <a:xfrm>
+            <a:off x="2512564" y="3033290"/>
+            <a:ext cx="520117" cy="501242"/>
+            <a:chOff x="2868717" y="2689327"/>
+            <a:chExt cx="520117" cy="501242"/>
+          </a:xfrm>
+        </p:grpSpPr>
+        <p:sp>
+          <p:nvSpPr>
+            <p:cNvPr id="9" name="ZoneTexte 8">
+              <a:extLst>
+                <a:ext uri="{FF2B5EF4-FFF2-40B4-BE49-F238E27FC236}">
+                  <a16:creationId xmlns:a16="http://schemas.microsoft.com/office/drawing/2014/main" id="{0256FDDB-C5FA-468E-A618-770C434C42A5}"/>
+                </a:ext>
+              </a:extLst>
+            </p:cNvPr>
+            <p:cNvSpPr txBox="1"/>
+            <p:nvPr/>
+          </p:nvSpPr>
+          <p:spPr>
+            <a:xfrm>
+              <a:off x="2977932" y="2745519"/>
+              <a:ext cx="301686" cy="369332"/>
+            </a:xfrm>
+            <a:prstGeom prst="rect">
+              <a:avLst/>
+            </a:prstGeom>
+            <a:noFill/>
+          </p:spPr>
+          <p:txBody>
+            <a:bodyPr wrap="none" rtlCol="0">
+              <a:spAutoFit/>
+            </a:bodyPr>
+            <a:lstStyle/>
+            <a:p>
+              <a:r>
+                <a:rPr lang="fr-FR" b="1" dirty="0">
+                  <a:solidFill>
+                    <a:schemeClr val="accent2"/>
+                  </a:solidFill>
+                </a:rPr>
+                <a:t>1</a:t>
+              </a:r>
+            </a:p>
+          </p:txBody>
+        </p:sp>
+        <p:sp>
+          <p:nvSpPr>
+            <p:cNvPr id="10" name="Ellipse 9">
+              <a:extLst>
+                <a:ext uri="{FF2B5EF4-FFF2-40B4-BE49-F238E27FC236}">
+                  <a16:creationId xmlns:a16="http://schemas.microsoft.com/office/drawing/2014/main" id="{524390BE-F2CD-4268-AC71-8A85503997AB}"/>
+                </a:ext>
+              </a:extLst>
+            </p:cNvPr>
+            <p:cNvSpPr/>
+            <p:nvPr/>
+          </p:nvSpPr>
+          <p:spPr>
+            <a:xfrm>
+              <a:off x="2868717" y="2689327"/>
+              <a:ext cx="520117" cy="501242"/>
+            </a:xfrm>
+            <a:prstGeom prst="ellipse">
+              <a:avLst/>
+            </a:prstGeom>
+            <a:noFill/>
+            <a:ln w="38100">
+              <a:solidFill>
+                <a:srgbClr val="92D050"/>
+              </a:solidFill>
+            </a:ln>
+          </p:spPr>
+          <p:style>
+            <a:lnRef idx="2">
+              <a:schemeClr val="accent1">
+                <a:shade val="50000"/>
+              </a:schemeClr>
+            </a:lnRef>
+            <a:fillRef idx="1">
+              <a:schemeClr val="accent1"/>
+            </a:fillRef>
+            <a:effectRef idx="0">
+              <a:schemeClr val="accent1"/>
+            </a:effectRef>
+            <a:fontRef idx="minor">
+              <a:schemeClr val="lt1"/>
+            </a:fontRef>
+          </p:style>
+          <p:txBody>
+            <a:bodyPr rtlCol="0" anchor="ctr"/>
+            <a:lstStyle/>
+            <a:p>
+              <a:pPr algn="ctr"/>
+              <a:endParaRPr lang="fr-FR">
+                <a:solidFill>
+                  <a:schemeClr val="accent2"/>
+                </a:solidFill>
+              </a:endParaRPr>
+            </a:p>
+          </p:txBody>
+        </p:sp>
+      </p:grpSp>
+      <p:grpSp>
+        <p:nvGrpSpPr>
+          <p:cNvPr id="23" name="Groupe 22">
+            <a:extLst>
+              <a:ext uri="{FF2B5EF4-FFF2-40B4-BE49-F238E27FC236}">
+                <a16:creationId xmlns:a16="http://schemas.microsoft.com/office/drawing/2014/main" id="{45219624-C6ED-4639-B742-F1800A191C5C}"/>
+              </a:ext>
+            </a:extLst>
+          </p:cNvPr>
+          <p:cNvGrpSpPr/>
+          <p:nvPr/>
+        </p:nvGrpSpPr>
+        <p:grpSpPr>
+          <a:xfrm>
+            <a:off x="3599824" y="2253352"/>
+            <a:ext cx="520117" cy="501242"/>
+            <a:chOff x="5760440" y="1536061"/>
+            <a:chExt cx="520117" cy="501242"/>
+          </a:xfrm>
+        </p:grpSpPr>
+        <p:sp>
+          <p:nvSpPr>
+            <p:cNvPr id="12" name="ZoneTexte 11">
+              <a:extLst>
+                <a:ext uri="{FF2B5EF4-FFF2-40B4-BE49-F238E27FC236}">
+                  <a16:creationId xmlns:a16="http://schemas.microsoft.com/office/drawing/2014/main" id="{4A9D21A2-6B4D-4370-809E-30FAF26DFFC9}"/>
+                </a:ext>
+              </a:extLst>
+            </p:cNvPr>
+            <p:cNvSpPr txBox="1"/>
+            <p:nvPr/>
+          </p:nvSpPr>
+          <p:spPr>
+            <a:xfrm>
+              <a:off x="5869655" y="1592253"/>
+              <a:ext cx="301686" cy="369332"/>
+            </a:xfrm>
+            <a:prstGeom prst="rect">
+              <a:avLst/>
+            </a:prstGeom>
+            <a:noFill/>
+          </p:spPr>
+          <p:txBody>
+            <a:bodyPr wrap="none" rtlCol="0">
+              <a:spAutoFit/>
+            </a:bodyPr>
+            <a:lstStyle/>
+            <a:p>
+              <a:r>
+                <a:rPr lang="fr-FR" b="1" dirty="0">
+                  <a:solidFill>
+                    <a:schemeClr val="accent2"/>
+                  </a:solidFill>
+                </a:rPr>
+                <a:t>2</a:t>
+              </a:r>
+            </a:p>
+          </p:txBody>
+        </p:sp>
+        <p:sp>
+          <p:nvSpPr>
+            <p:cNvPr id="13" name="Ellipse 12">
+              <a:extLst>
+                <a:ext uri="{FF2B5EF4-FFF2-40B4-BE49-F238E27FC236}">
+                  <a16:creationId xmlns:a16="http://schemas.microsoft.com/office/drawing/2014/main" id="{41E27EA1-ED07-46E5-821C-AE31B9BAC17E}"/>
+                </a:ext>
+              </a:extLst>
+            </p:cNvPr>
+            <p:cNvSpPr/>
+            <p:nvPr/>
+          </p:nvSpPr>
+          <p:spPr>
+            <a:xfrm>
+              <a:off x="5760440" y="1536061"/>
+              <a:ext cx="520117" cy="501242"/>
+            </a:xfrm>
+            <a:prstGeom prst="ellipse">
+              <a:avLst/>
+            </a:prstGeom>
+            <a:noFill/>
+            <a:ln w="38100">
+              <a:solidFill>
+                <a:srgbClr val="92D050"/>
+              </a:solidFill>
+            </a:ln>
+          </p:spPr>
+          <p:style>
+            <a:lnRef idx="2">
+              <a:schemeClr val="accent1">
+                <a:shade val="50000"/>
+              </a:schemeClr>
+            </a:lnRef>
+            <a:fillRef idx="1">
+              <a:schemeClr val="accent1"/>
+            </a:fillRef>
+            <a:effectRef idx="0">
+              <a:schemeClr val="accent1"/>
+            </a:effectRef>
+            <a:fontRef idx="minor">
+              <a:schemeClr val="lt1"/>
+            </a:fontRef>
+          </p:style>
+          <p:txBody>
+            <a:bodyPr rtlCol="0" anchor="ctr"/>
+            <a:lstStyle/>
+            <a:p>
+              <a:pPr algn="ctr"/>
+              <a:endParaRPr lang="fr-FR">
+                <a:solidFill>
+                  <a:schemeClr val="accent2"/>
+                </a:solidFill>
+              </a:endParaRPr>
+            </a:p>
+          </p:txBody>
+        </p:sp>
+      </p:grpSp>
+      <p:grpSp>
+        <p:nvGrpSpPr>
+          <p:cNvPr id="24" name="Groupe 23">
+            <a:extLst>
+              <a:ext uri="{FF2B5EF4-FFF2-40B4-BE49-F238E27FC236}">
+                <a16:creationId xmlns:a16="http://schemas.microsoft.com/office/drawing/2014/main" id="{6B68B117-D8E8-4A34-A980-DD17380D7D00}"/>
+              </a:ext>
+            </a:extLst>
+          </p:cNvPr>
+          <p:cNvGrpSpPr/>
+          <p:nvPr/>
+        </p:nvGrpSpPr>
+        <p:grpSpPr>
+          <a:xfrm>
+            <a:off x="6405833" y="1466571"/>
+            <a:ext cx="520117" cy="501242"/>
+            <a:chOff x="9715900" y="2037303"/>
+            <a:chExt cx="520117" cy="501242"/>
+          </a:xfrm>
+        </p:grpSpPr>
+        <p:sp>
+          <p:nvSpPr>
+            <p:cNvPr id="14" name="ZoneTexte 13">
+              <a:extLst>
+                <a:ext uri="{FF2B5EF4-FFF2-40B4-BE49-F238E27FC236}">
+                  <a16:creationId xmlns:a16="http://schemas.microsoft.com/office/drawing/2014/main" id="{C20F7CAD-B35E-491A-96EB-C2513954E8BF}"/>
+                </a:ext>
+              </a:extLst>
+            </p:cNvPr>
+            <p:cNvSpPr txBox="1"/>
+            <p:nvPr/>
+          </p:nvSpPr>
+          <p:spPr>
+            <a:xfrm>
+              <a:off x="9825115" y="2093495"/>
+              <a:ext cx="301686" cy="369332"/>
+            </a:xfrm>
+            <a:prstGeom prst="rect">
+              <a:avLst/>
+            </a:prstGeom>
+            <a:noFill/>
+          </p:spPr>
+          <p:txBody>
+            <a:bodyPr wrap="none" rtlCol="0">
+              <a:spAutoFit/>
+            </a:bodyPr>
+            <a:lstStyle/>
+            <a:p>
+              <a:r>
+                <a:rPr lang="fr-FR" b="1" dirty="0">
+                  <a:solidFill>
+                    <a:schemeClr val="accent2"/>
+                  </a:solidFill>
+                </a:rPr>
+                <a:t>3</a:t>
+              </a:r>
+            </a:p>
+          </p:txBody>
+        </p:sp>
+        <p:sp>
+          <p:nvSpPr>
+            <p:cNvPr id="15" name="Ellipse 14">
+              <a:extLst>
+                <a:ext uri="{FF2B5EF4-FFF2-40B4-BE49-F238E27FC236}">
+                  <a16:creationId xmlns:a16="http://schemas.microsoft.com/office/drawing/2014/main" id="{E6E679D9-1822-4F60-B3AF-803C2969CE20}"/>
+                </a:ext>
+              </a:extLst>
+            </p:cNvPr>
+            <p:cNvSpPr/>
+            <p:nvPr/>
+          </p:nvSpPr>
+          <p:spPr>
+            <a:xfrm>
+              <a:off x="9715900" y="2037303"/>
+              <a:ext cx="520117" cy="501242"/>
+            </a:xfrm>
+            <a:prstGeom prst="ellipse">
+              <a:avLst/>
+            </a:prstGeom>
+            <a:noFill/>
+            <a:ln w="38100">
+              <a:solidFill>
+                <a:srgbClr val="92D050"/>
+              </a:solidFill>
+            </a:ln>
+          </p:spPr>
+          <p:style>
+            <a:lnRef idx="2">
+              <a:schemeClr val="accent1">
+                <a:shade val="50000"/>
+              </a:schemeClr>
+            </a:lnRef>
+            <a:fillRef idx="1">
+              <a:schemeClr val="accent1"/>
+            </a:fillRef>
+            <a:effectRef idx="0">
+              <a:schemeClr val="accent1"/>
+            </a:effectRef>
+            <a:fontRef idx="minor">
+              <a:schemeClr val="lt1"/>
+            </a:fontRef>
+          </p:style>
+          <p:txBody>
+            <a:bodyPr rtlCol="0" anchor="ctr"/>
+            <a:lstStyle/>
+            <a:p>
+              <a:pPr algn="ctr"/>
+              <a:endParaRPr lang="fr-FR">
+                <a:solidFill>
+                  <a:schemeClr val="accent2"/>
+                </a:solidFill>
+              </a:endParaRPr>
+            </a:p>
+          </p:txBody>
+        </p:sp>
+      </p:grpSp>
+      <p:grpSp>
+        <p:nvGrpSpPr>
+          <p:cNvPr id="25" name="Groupe 24">
+            <a:extLst>
+              <a:ext uri="{FF2B5EF4-FFF2-40B4-BE49-F238E27FC236}">
+                <a16:creationId xmlns:a16="http://schemas.microsoft.com/office/drawing/2014/main" id="{78C67E72-7C8A-424E-AE5F-788B7D9C802A}"/>
+              </a:ext>
+            </a:extLst>
+          </p:cNvPr>
+          <p:cNvGrpSpPr/>
+          <p:nvPr/>
+        </p:nvGrpSpPr>
+        <p:grpSpPr>
+          <a:xfrm>
+            <a:off x="9640399" y="2081406"/>
+            <a:ext cx="520117" cy="501242"/>
+            <a:chOff x="5835941" y="3178379"/>
+            <a:chExt cx="520117" cy="501242"/>
+          </a:xfrm>
+        </p:grpSpPr>
+        <p:sp>
+          <p:nvSpPr>
+            <p:cNvPr id="16" name="ZoneTexte 15">
+              <a:extLst>
+                <a:ext uri="{FF2B5EF4-FFF2-40B4-BE49-F238E27FC236}">
+                  <a16:creationId xmlns:a16="http://schemas.microsoft.com/office/drawing/2014/main" id="{FDD2DCC6-CAFC-422C-942A-0DB14160301B}"/>
+                </a:ext>
+              </a:extLst>
+            </p:cNvPr>
+            <p:cNvSpPr txBox="1"/>
+            <p:nvPr/>
+          </p:nvSpPr>
+          <p:spPr>
+            <a:xfrm>
+              <a:off x="5945156" y="3234571"/>
+              <a:ext cx="301686" cy="369332"/>
+            </a:xfrm>
+            <a:prstGeom prst="rect">
+              <a:avLst/>
+            </a:prstGeom>
+            <a:noFill/>
+          </p:spPr>
+          <p:txBody>
+            <a:bodyPr wrap="none" rtlCol="0">
+              <a:spAutoFit/>
+            </a:bodyPr>
+            <a:lstStyle/>
+            <a:p>
+              <a:r>
+                <a:rPr lang="fr-FR" b="1" dirty="0">
+                  <a:solidFill>
+                    <a:schemeClr val="accent2"/>
+                  </a:solidFill>
+                </a:rPr>
+                <a:t>4</a:t>
+              </a:r>
+            </a:p>
+          </p:txBody>
+        </p:sp>
+        <p:sp>
+          <p:nvSpPr>
+            <p:cNvPr id="17" name="Ellipse 16">
+              <a:extLst>
+                <a:ext uri="{FF2B5EF4-FFF2-40B4-BE49-F238E27FC236}">
+                  <a16:creationId xmlns:a16="http://schemas.microsoft.com/office/drawing/2014/main" id="{F31B2E35-4076-42E7-8C82-F4745E15D780}"/>
+                </a:ext>
+              </a:extLst>
+            </p:cNvPr>
+            <p:cNvSpPr/>
+            <p:nvPr/>
+          </p:nvSpPr>
+          <p:spPr>
+            <a:xfrm>
+              <a:off x="5835941" y="3178379"/>
+              <a:ext cx="520117" cy="501242"/>
+            </a:xfrm>
+            <a:prstGeom prst="ellipse">
+              <a:avLst/>
+            </a:prstGeom>
+            <a:noFill/>
+            <a:ln w="38100">
+              <a:solidFill>
+                <a:srgbClr val="92D050"/>
+              </a:solidFill>
+            </a:ln>
+          </p:spPr>
+          <p:style>
+            <a:lnRef idx="2">
+              <a:schemeClr val="accent1">
+                <a:shade val="50000"/>
+              </a:schemeClr>
+            </a:lnRef>
+            <a:fillRef idx="1">
+              <a:schemeClr val="accent1"/>
+            </a:fillRef>
+            <a:effectRef idx="0">
+              <a:schemeClr val="accent1"/>
+            </a:effectRef>
+            <a:fontRef idx="minor">
+              <a:schemeClr val="lt1"/>
+            </a:fontRef>
+          </p:style>
+          <p:txBody>
+            <a:bodyPr rtlCol="0" anchor="ctr"/>
+            <a:lstStyle/>
+            <a:p>
+              <a:pPr algn="ctr"/>
+              <a:endParaRPr lang="fr-FR">
+                <a:solidFill>
+                  <a:schemeClr val="accent2"/>
+                </a:solidFill>
+              </a:endParaRPr>
+            </a:p>
+          </p:txBody>
+        </p:sp>
+      </p:grpSp>
+      <p:grpSp>
+        <p:nvGrpSpPr>
+          <p:cNvPr id="26" name="Groupe 25">
+            <a:extLst>
+              <a:ext uri="{FF2B5EF4-FFF2-40B4-BE49-F238E27FC236}">
+                <a16:creationId xmlns:a16="http://schemas.microsoft.com/office/drawing/2014/main" id="{8D77A2F2-6224-4364-A04B-50B92ADFBAD3}"/>
+              </a:ext>
+            </a:extLst>
+          </p:cNvPr>
+          <p:cNvGrpSpPr/>
+          <p:nvPr/>
+        </p:nvGrpSpPr>
+        <p:grpSpPr>
+          <a:xfrm>
+            <a:off x="6254991" y="4627823"/>
+            <a:ext cx="520117" cy="501242"/>
+            <a:chOff x="4630405" y="5097930"/>
+            <a:chExt cx="520117" cy="501242"/>
+          </a:xfrm>
+        </p:grpSpPr>
+        <p:sp>
+          <p:nvSpPr>
+            <p:cNvPr id="18" name="ZoneTexte 17">
+              <a:extLst>
+                <a:ext uri="{FF2B5EF4-FFF2-40B4-BE49-F238E27FC236}">
+                  <a16:creationId xmlns:a16="http://schemas.microsoft.com/office/drawing/2014/main" id="{2D59766A-3873-4C6A-BF3A-3AB03D70EF1B}"/>
+                </a:ext>
+              </a:extLst>
+            </p:cNvPr>
+            <p:cNvSpPr txBox="1"/>
+            <p:nvPr/>
+          </p:nvSpPr>
+          <p:spPr>
+            <a:xfrm>
+              <a:off x="4739620" y="5154122"/>
+              <a:ext cx="301686" cy="369332"/>
+            </a:xfrm>
+            <a:prstGeom prst="rect">
+              <a:avLst/>
+            </a:prstGeom>
+            <a:noFill/>
+          </p:spPr>
+          <p:txBody>
+            <a:bodyPr wrap="none" rtlCol="0">
+              <a:spAutoFit/>
+            </a:bodyPr>
+            <a:lstStyle/>
+            <a:p>
+              <a:r>
+                <a:rPr lang="fr-FR" b="1" dirty="0">
+                  <a:solidFill>
+                    <a:schemeClr val="accent2"/>
+                  </a:solidFill>
+                </a:rPr>
+                <a:t>5</a:t>
+              </a:r>
+            </a:p>
+          </p:txBody>
+        </p:sp>
+        <p:sp>
+          <p:nvSpPr>
+            <p:cNvPr id="19" name="Ellipse 18">
+              <a:extLst>
+                <a:ext uri="{FF2B5EF4-FFF2-40B4-BE49-F238E27FC236}">
+                  <a16:creationId xmlns:a16="http://schemas.microsoft.com/office/drawing/2014/main" id="{738AD2CE-0186-42E2-9DAE-9C6BDEBCFD31}"/>
+                </a:ext>
+              </a:extLst>
+            </p:cNvPr>
+            <p:cNvSpPr/>
+            <p:nvPr/>
+          </p:nvSpPr>
+          <p:spPr>
+            <a:xfrm>
+              <a:off x="4630405" y="5097930"/>
+              <a:ext cx="520117" cy="501242"/>
+            </a:xfrm>
+            <a:prstGeom prst="ellipse">
+              <a:avLst/>
+            </a:prstGeom>
+            <a:noFill/>
+            <a:ln w="38100">
+              <a:solidFill>
+                <a:srgbClr val="92D050"/>
+              </a:solidFill>
+            </a:ln>
+          </p:spPr>
+          <p:style>
+            <a:lnRef idx="2">
+              <a:schemeClr val="accent1">
+                <a:shade val="50000"/>
+              </a:schemeClr>
+            </a:lnRef>
+            <a:fillRef idx="1">
+              <a:schemeClr val="accent1"/>
+            </a:fillRef>
+            <a:effectRef idx="0">
+              <a:schemeClr val="accent1"/>
+            </a:effectRef>
+            <a:fontRef idx="minor">
+              <a:schemeClr val="lt1"/>
+            </a:fontRef>
+          </p:style>
+          <p:txBody>
+            <a:bodyPr rtlCol="0" anchor="ctr"/>
+            <a:lstStyle/>
+            <a:p>
+              <a:pPr algn="ctr"/>
+              <a:endParaRPr lang="fr-FR">
+                <a:solidFill>
+                  <a:schemeClr val="accent2"/>
+                </a:solidFill>
+              </a:endParaRPr>
+            </a:p>
+          </p:txBody>
+        </p:sp>
+      </p:grpSp>
+      <p:pic>
+        <p:nvPicPr>
+          <p:cNvPr id="27" name="Image 26">
+            <a:extLst>
+              <a:ext uri="{FF2B5EF4-FFF2-40B4-BE49-F238E27FC236}">
+                <a16:creationId xmlns:a16="http://schemas.microsoft.com/office/drawing/2014/main" id="{939437AF-AA59-4F04-AF4E-369FD077F214}"/>
+              </a:ext>
+            </a:extLst>
+          </p:cNvPr>
+          <p:cNvPicPr>
+            <a:picLocks noChangeAspect="1"/>
+          </p:cNvPicPr>
+          <p:nvPr/>
+        </p:nvPicPr>
+        <p:blipFill>
+          <a:blip r:embed="rId4">
+            <a:extLst>
+              <a:ext uri="{28A0092B-C50C-407E-A947-70E740481C1C}">
+                <a14:useLocalDpi xmlns:a14="http://schemas.microsoft.com/office/drawing/2010/main" val="0"/>
+              </a:ext>
+            </a:extLst>
+          </a:blip>
+          <a:stretch>
+            <a:fillRect/>
+          </a:stretch>
+        </p:blipFill>
+        <p:spPr>
+          <a:xfrm>
+            <a:off x="8468632" y="4727116"/>
+            <a:ext cx="1582748" cy="985113"/>
+          </a:xfrm>
+          <a:prstGeom prst="rect">
+            <a:avLst/>
+          </a:prstGeom>
+        </p:spPr>
+      </p:pic>
+      <p:pic>
+        <p:nvPicPr>
+          <p:cNvPr id="28" name="Image 27">
+            <a:extLst>
+              <a:ext uri="{FF2B5EF4-FFF2-40B4-BE49-F238E27FC236}">
+                <a16:creationId xmlns:a16="http://schemas.microsoft.com/office/drawing/2014/main" id="{EC7B5115-9EED-478B-96C5-0D6FA80C70D1}"/>
+              </a:ext>
+            </a:extLst>
+          </p:cNvPr>
+          <p:cNvPicPr>
+            <a:picLocks noChangeAspect="1"/>
+          </p:cNvPicPr>
+          <p:nvPr/>
+        </p:nvPicPr>
+        <p:blipFill>
+          <a:blip r:embed="rId5">
+            <a:extLst>
+              <a:ext uri="{28A0092B-C50C-407E-A947-70E740481C1C}">
+                <a14:useLocalDpi xmlns:a14="http://schemas.microsoft.com/office/drawing/2010/main" val="0"/>
+              </a:ext>
+            </a:extLst>
+          </a:blip>
+          <a:stretch>
+            <a:fillRect/>
+          </a:stretch>
+        </p:blipFill>
+        <p:spPr>
+          <a:xfrm>
+            <a:off x="8011791" y="2542429"/>
+            <a:ext cx="1582748" cy="1038678"/>
+          </a:xfrm>
+          <a:prstGeom prst="rect">
+            <a:avLst/>
+          </a:prstGeom>
+        </p:spPr>
+      </p:pic>
+      <p:sp>
+        <p:nvSpPr>
+          <p:cNvPr id="2" name="ZoneTexte 1">
+            <a:extLst>
+              <a:ext uri="{FF2B5EF4-FFF2-40B4-BE49-F238E27FC236}">
+                <a16:creationId xmlns:a16="http://schemas.microsoft.com/office/drawing/2014/main" id="{23CCBC4F-54CC-4722-B249-0861DC0369DA}"/>
+              </a:ext>
+            </a:extLst>
+          </p:cNvPr>
+          <p:cNvSpPr txBox="1"/>
+          <p:nvPr/>
+        </p:nvSpPr>
+        <p:spPr>
+          <a:xfrm>
+            <a:off x="6884324" y="3033290"/>
+            <a:ext cx="1734817" cy="646331"/>
+          </a:xfrm>
+          <a:prstGeom prst="rect">
+            <a:avLst/>
+          </a:prstGeom>
+          <a:noFill/>
+        </p:spPr>
+        <p:txBody>
+          <a:bodyPr wrap="square" rtlCol="0">
+            <a:spAutoFit/>
+          </a:bodyPr>
+          <a:lstStyle/>
+          <a:p>
+            <a:pPr marL="285750" indent="-285750">
+              <a:buFont typeface="Wingdings" panose="05000000000000000000" pitchFamily="2" charset="2"/>
+              <a:buChar char="Ø"/>
+            </a:pPr>
+            <a:r>
+              <a:rPr lang="fr-FR" dirty="0"/>
+              <a:t>Entité</a:t>
+            </a:r>
+          </a:p>
+          <a:p>
+            <a:pPr marL="285750" indent="-285750">
+              <a:buFont typeface="Wingdings" panose="05000000000000000000" pitchFamily="2" charset="2"/>
+              <a:buChar char="Ø"/>
+            </a:pPr>
+            <a:r>
+              <a:rPr lang="fr-FR" dirty="0"/>
+              <a:t>Repository</a:t>
+            </a:r>
+          </a:p>
+        </p:txBody>
+      </p:sp>
+      <p:grpSp>
+        <p:nvGrpSpPr>
+          <p:cNvPr id="29" name="Groupe 28">
+            <a:extLst>
+              <a:ext uri="{FF2B5EF4-FFF2-40B4-BE49-F238E27FC236}">
+                <a16:creationId xmlns:a16="http://schemas.microsoft.com/office/drawing/2014/main" id="{A04DC453-CD1A-4D0C-ACF6-616BF985A500}"/>
+              </a:ext>
+            </a:extLst>
+          </p:cNvPr>
+          <p:cNvGrpSpPr/>
+          <p:nvPr/>
+        </p:nvGrpSpPr>
+        <p:grpSpPr>
+          <a:xfrm>
+            <a:off x="3189829" y="4727116"/>
+            <a:ext cx="520117" cy="501242"/>
+            <a:chOff x="4630405" y="5097930"/>
+            <a:chExt cx="520117" cy="501242"/>
+          </a:xfrm>
+        </p:grpSpPr>
+        <p:sp>
+          <p:nvSpPr>
+            <p:cNvPr id="30" name="ZoneTexte 29">
+              <a:extLst>
+                <a:ext uri="{FF2B5EF4-FFF2-40B4-BE49-F238E27FC236}">
+                  <a16:creationId xmlns:a16="http://schemas.microsoft.com/office/drawing/2014/main" id="{22E65F9E-7A91-49BD-9A61-A43F2AE35C77}"/>
+                </a:ext>
+              </a:extLst>
+            </p:cNvPr>
+            <p:cNvSpPr txBox="1"/>
+            <p:nvPr/>
+          </p:nvSpPr>
+          <p:spPr>
+            <a:xfrm>
+              <a:off x="4739620" y="5154122"/>
+              <a:ext cx="301686" cy="369332"/>
+            </a:xfrm>
+            <a:prstGeom prst="rect">
+              <a:avLst/>
+            </a:prstGeom>
+            <a:noFill/>
+          </p:spPr>
+          <p:txBody>
+            <a:bodyPr wrap="none" rtlCol="0">
+              <a:spAutoFit/>
+            </a:bodyPr>
+            <a:lstStyle/>
+            <a:p>
+              <a:r>
+                <a:rPr lang="fr-FR" b="1" dirty="0">
+                  <a:solidFill>
+                    <a:schemeClr val="accent2"/>
+                  </a:solidFill>
+                </a:rPr>
+                <a:t>6</a:t>
+              </a:r>
+            </a:p>
+          </p:txBody>
+        </p:sp>
+        <p:sp>
+          <p:nvSpPr>
+            <p:cNvPr id="31" name="Ellipse 30">
+              <a:extLst>
+                <a:ext uri="{FF2B5EF4-FFF2-40B4-BE49-F238E27FC236}">
+                  <a16:creationId xmlns:a16="http://schemas.microsoft.com/office/drawing/2014/main" id="{4C69BEC2-872D-46B4-903C-17C969E32311}"/>
+                </a:ext>
+              </a:extLst>
+            </p:cNvPr>
+            <p:cNvSpPr/>
+            <p:nvPr/>
+          </p:nvSpPr>
+          <p:spPr>
+            <a:xfrm>
+              <a:off x="4630405" y="5097930"/>
+              <a:ext cx="520117" cy="501242"/>
+            </a:xfrm>
+            <a:prstGeom prst="ellipse">
+              <a:avLst/>
+            </a:prstGeom>
+            <a:noFill/>
+            <a:ln w="38100">
+              <a:solidFill>
+                <a:srgbClr val="92D050"/>
+              </a:solidFill>
+            </a:ln>
+          </p:spPr>
+          <p:style>
+            <a:lnRef idx="2">
+              <a:schemeClr val="accent1">
+                <a:shade val="50000"/>
+              </a:schemeClr>
+            </a:lnRef>
+            <a:fillRef idx="1">
+              <a:schemeClr val="accent1"/>
+            </a:fillRef>
+            <a:effectRef idx="0">
+              <a:schemeClr val="accent1"/>
+            </a:effectRef>
+            <a:fontRef idx="minor">
+              <a:schemeClr val="lt1"/>
+            </a:fontRef>
+          </p:style>
+          <p:txBody>
+            <a:bodyPr rtlCol="0" anchor="ctr"/>
+            <a:lstStyle/>
+            <a:p>
+              <a:pPr algn="ctr"/>
+              <a:endParaRPr lang="fr-FR">
+                <a:solidFill>
+                  <a:schemeClr val="accent2"/>
+                </a:solidFill>
+              </a:endParaRPr>
+            </a:p>
+          </p:txBody>
+        </p:sp>
+      </p:grpSp>
+    </p:spTree>
+    <p:extLst>
+      <p:ext uri="{BB962C8B-B14F-4D97-AF65-F5344CB8AC3E}">
+        <p14:creationId xmlns:p14="http://schemas.microsoft.com/office/powerpoint/2010/main" val="3570034608"/>
+      </p:ext>
+    </p:extLst>
+  </p:cSld>
+  <p:clrMapOvr>
+    <a:masterClrMapping/>
+  </p:clrMapOvr>
+  <p:timing>
+    <p:tnLst>
+      <p:par>
+        <p:cTn id="1" dur="indefinite" restart="never" nodeType="tmRoot">
+          <p:childTnLst>
+            <p:seq concurrent="1" nextAc="seek">
+              <p:cTn id="2" dur="indefinite" nodeType="mainSeq">
+                <p:childTnLst>
+                  <p:par>
+                    <p:cTn id="3" fill="hold">
+                      <p:stCondLst>
+                        <p:cond delay="indefinite"/>
+                      </p:stCondLst>
+                      <p:childTnLst>
+                        <p:par>
+                          <p:cTn id="4" fill="hold">
+                            <p:stCondLst>
+                              <p:cond delay="0"/>
+                            </p:stCondLst>
+                            <p:childTnLst>
+                              <p:par>
+                                <p:cTn id="5" presetID="10" presetClass="entr" presetSubtype="0" fill="hold" nodeType="clickEffect">
+                                  <p:stCondLst>
+                                    <p:cond delay="0"/>
+                                  </p:stCondLst>
+                                  <p:childTnLst>
+                                    <p:set>
+                                      <p:cBhvr>
+                                        <p:cTn id="6" dur="1" fill="hold">
+                                          <p:stCondLst>
+                                            <p:cond delay="0"/>
+                                          </p:stCondLst>
+                                        </p:cTn>
+                                        <p:tgtEl>
+                                          <p:spTgt spid="22"/>
+                                        </p:tgtEl>
+                                        <p:attrNameLst>
+                                          <p:attrName>style.visibility</p:attrName>
+                                        </p:attrNameLst>
+                                      </p:cBhvr>
+                                      <p:to>
+                                        <p:strVal val="visible"/>
+                                      </p:to>
+                                    </p:set>
+                                    <p:animEffect transition="in" filter="fade">
+                                      <p:cBhvr>
+                                        <p:cTn id="7" dur="500"/>
+                                        <p:tgtEl>
+                                          <p:spTgt spid="22"/>
+                                        </p:tgtEl>
+                                      </p:cBhvr>
+                                    </p:animEffect>
+                                  </p:childTnLst>
+                                </p:cTn>
+                              </p:par>
+                            </p:childTnLst>
+                          </p:cTn>
+                        </p:par>
+                      </p:childTnLst>
+                    </p:cTn>
+                  </p:par>
+                  <p:par>
+                    <p:cTn id="8" fill="hold">
+                      <p:stCondLst>
+                        <p:cond delay="indefinite"/>
+                      </p:stCondLst>
+                      <p:childTnLst>
+                        <p:par>
+                          <p:cTn id="9" fill="hold">
+                            <p:stCondLst>
+                              <p:cond delay="0"/>
+                            </p:stCondLst>
+                            <p:childTnLst>
+                              <p:par>
+                                <p:cTn id="10" presetID="10" presetClass="entr" presetSubtype="0" fill="hold" nodeType="clickEffect">
+                                  <p:stCondLst>
+                                    <p:cond delay="0"/>
+                                  </p:stCondLst>
+                                  <p:childTnLst>
+                                    <p:set>
+                                      <p:cBhvr>
+                                        <p:cTn id="11" dur="1" fill="hold">
+                                          <p:stCondLst>
+                                            <p:cond delay="0"/>
+                                          </p:stCondLst>
+                                        </p:cTn>
+                                        <p:tgtEl>
+                                          <p:spTgt spid="23"/>
+                                        </p:tgtEl>
+                                        <p:attrNameLst>
+                                          <p:attrName>style.visibility</p:attrName>
+                                        </p:attrNameLst>
+                                      </p:cBhvr>
+                                      <p:to>
+                                        <p:strVal val="visible"/>
+                                      </p:to>
+                                    </p:set>
+                                    <p:animEffect transition="in" filter="fade">
+                                      <p:cBhvr>
+                                        <p:cTn id="12" dur="500"/>
+                                        <p:tgtEl>
+                                          <p:spTgt spid="23"/>
                                         </p:tgtEl>
                                       </p:cBhvr>
                                     </p:animEffect>
@@ -20948,7 +21109,7 @@
                                           </p:stCondLst>
                                         </p:cTn>
                                         <p:tgtEl>
-                                          <p:spTgt spid="34"/>
+                                          <p:spTgt spid="24"/>
                                         </p:tgtEl>
                                         <p:attrNameLst>
                                           <p:attrName>style.visibility</p:attrName>
@@ -20962,7 +21123,166 @@
                                       <p:cBhvr>
                                         <p:cTn id="17" dur="500"/>
                                         <p:tgtEl>
-                                          <p:spTgt spid="34"/>
+                                          <p:spTgt spid="24"/>
+                                        </p:tgtEl>
+                                      </p:cBhvr>
+                                    </p:animEffect>
+                                  </p:childTnLst>
+                                </p:cTn>
+                              </p:par>
+                            </p:childTnLst>
+                          </p:cTn>
+                        </p:par>
+                      </p:childTnLst>
+                    </p:cTn>
+                  </p:par>
+                  <p:par>
+                    <p:cTn id="18" fill="hold">
+                      <p:stCondLst>
+                        <p:cond delay="indefinite"/>
+                      </p:stCondLst>
+                      <p:childTnLst>
+                        <p:par>
+                          <p:cTn id="19" fill="hold">
+                            <p:stCondLst>
+                              <p:cond delay="0"/>
+                            </p:stCondLst>
+                            <p:childTnLst>
+                              <p:par>
+                                <p:cTn id="20" presetID="10" presetClass="entr" presetSubtype="0" fill="hold" nodeType="clickEffect">
+                                  <p:stCondLst>
+                                    <p:cond delay="0"/>
+                                  </p:stCondLst>
+                                  <p:childTnLst>
+                                    <p:set>
+                                      <p:cBhvr>
+                                        <p:cTn id="21" dur="1" fill="hold">
+                                          <p:stCondLst>
+                                            <p:cond delay="0"/>
+                                          </p:stCondLst>
+                                        </p:cTn>
+                                        <p:tgtEl>
+                                          <p:spTgt spid="25"/>
+                                        </p:tgtEl>
+                                        <p:attrNameLst>
+                                          <p:attrName>style.visibility</p:attrName>
+                                        </p:attrNameLst>
+                                      </p:cBhvr>
+                                      <p:to>
+                                        <p:strVal val="visible"/>
+                                      </p:to>
+                                    </p:set>
+                                    <p:animEffect transition="in" filter="fade">
+                                      <p:cBhvr>
+                                        <p:cTn id="22" dur="500"/>
+                                        <p:tgtEl>
+                                          <p:spTgt spid="25"/>
+                                        </p:tgtEl>
+                                      </p:cBhvr>
+                                    </p:animEffect>
+                                  </p:childTnLst>
+                                </p:cTn>
+                              </p:par>
+                            </p:childTnLst>
+                          </p:cTn>
+                        </p:par>
+                      </p:childTnLst>
+                    </p:cTn>
+                  </p:par>
+                  <p:par>
+                    <p:cTn id="23" fill="hold">
+                      <p:stCondLst>
+                        <p:cond delay="indefinite"/>
+                      </p:stCondLst>
+                      <p:childTnLst>
+                        <p:par>
+                          <p:cTn id="24" fill="hold">
+                            <p:stCondLst>
+                              <p:cond delay="0"/>
+                            </p:stCondLst>
+                            <p:childTnLst>
+                              <p:par>
+                                <p:cTn id="25" presetID="10" presetClass="entr" presetSubtype="0" fill="hold" nodeType="clickEffect">
+                                  <p:stCondLst>
+                                    <p:cond delay="0"/>
+                                  </p:stCondLst>
+                                  <p:childTnLst>
+                                    <p:set>
+                                      <p:cBhvr>
+                                        <p:cTn id="26" dur="1" fill="hold">
+                                          <p:stCondLst>
+                                            <p:cond delay="0"/>
+                                          </p:stCondLst>
+                                        </p:cTn>
+                                        <p:tgtEl>
+                                          <p:spTgt spid="26"/>
+                                        </p:tgtEl>
+                                        <p:attrNameLst>
+                                          <p:attrName>style.visibility</p:attrName>
+                                        </p:attrNameLst>
+                                      </p:cBhvr>
+                                      <p:to>
+                                        <p:strVal val="visible"/>
+                                      </p:to>
+                                    </p:set>
+                                    <p:animEffect transition="in" filter="fade">
+                                      <p:cBhvr>
+                                        <p:cTn id="27" dur="500"/>
+                                        <p:tgtEl>
+                                          <p:spTgt spid="26"/>
+                                        </p:tgtEl>
+                                      </p:cBhvr>
+                                    </p:animEffect>
+                                  </p:childTnLst>
+                                </p:cTn>
+                              </p:par>
+                            </p:childTnLst>
+                          </p:cTn>
+                        </p:par>
+                      </p:childTnLst>
+                    </p:cTn>
+                  </p:par>
+                  <p:par>
+                    <p:cTn id="28" fill="hold">
+                      <p:stCondLst>
+                        <p:cond delay="indefinite"/>
+                      </p:stCondLst>
+                      <p:childTnLst>
+                        <p:par>
+                          <p:cTn id="29" fill="hold">
+                            <p:stCondLst>
+                              <p:cond delay="0"/>
+                            </p:stCondLst>
+                            <p:childTnLst>
+                              <p:par>
+                                <p:cTn id="30" presetID="10" presetClass="entr" presetSubtype="0" fill="hold" nodeType="clickEffect">
+                                  <p:stCondLst>
+                                    <p:cond delay="0"/>
+                                  </p:stCondLst>
+                                  <p:childTnLst>
+                                    <p:set>
+                                      <p:cBhvr>
+                                        <p:cTn id="31" dur="1" fill="hold">
+                                          <p:stCondLst>
+                                            <p:cond delay="0"/>
+                                          </p:stCondLst>
+                                        </p:cTn>
+                                        <p:tgtEl>
+                                          <p:spTgt spid="29"/>
+                                        </p:tgtEl>
+                                        <p:attrNameLst>
+                                          <p:attrName>style.visibility</p:attrName>
+                                        </p:attrNameLst>
+                                      </p:cBhvr>
+                                      <p:to>
+                                        <p:strVal val="visible"/>
+                                      </p:to>
+                                    </p:set>
+                                    <p:animEffect transition="in" filter="fade">
+                                      <p:cBhvr>
+                                        <p:cTn id="32" dur="500"/>
+                                        <p:tgtEl>
+                                          <p:spTgt spid="29"/>
                                         </p:tgtEl>
                                       </p:cBhvr>
                                     </p:animEffect>
@@ -20996,14 +21316,669 @@
         </p:cTn>
       </p:par>
     </p:tnLst>
-    <p:bldLst>
-      <p:bldP spid="37" grpId="0" animBg="1"/>
-    </p:bldLst>
   </p:timing>
 </p:sld>
 </file>
 
-<file path=ppt/slides/slide19.xml><?xml version="1.0" encoding="utf-8"?>
+<file path=ppt/slides/slide2.xml><?xml version="1.0" encoding="utf-8"?>
+<p:sld xmlns:a="http://schemas.openxmlformats.org/drawingml/2006/main" xmlns:r="http://schemas.openxmlformats.org/officeDocument/2006/relationships" xmlns:p="http://schemas.openxmlformats.org/presentationml/2006/main">
+  <p:cSld>
+    <p:bg>
+      <p:bgPr>
+        <a:solidFill>
+          <a:schemeClr val="bg1"/>
+        </a:solidFill>
+        <a:effectLst/>
+      </p:bgPr>
+    </p:bg>
+    <p:spTree>
+      <p:nvGrpSpPr>
+        <p:cNvPr id="1" name=""/>
+        <p:cNvGrpSpPr/>
+        <p:nvPr/>
+      </p:nvGrpSpPr>
+      <p:grpSpPr>
+        <a:xfrm>
+          <a:off x="0" y="0"/>
+          <a:ext cx="0" cy="0"/>
+          <a:chOff x="0" y="0"/>
+          <a:chExt cx="0" cy="0"/>
+        </a:xfrm>
+      </p:grpSpPr>
+      <p:sp>
+        <p:nvSpPr>
+          <p:cNvPr id="50" name="Rectangle 49">
+            <a:extLst>
+              <a:ext uri="{FF2B5EF4-FFF2-40B4-BE49-F238E27FC236}">
+                <a16:creationId xmlns:a16="http://schemas.microsoft.com/office/drawing/2014/main" id="{1DFE635C-C432-47DA-AEAB-A593345CBA70}"/>
+              </a:ext>
+              <a:ext uri="{C183D7F6-B498-43B3-948B-1728B52AA6E4}">
+                <adec:decorative xmlns:adec="http://schemas.microsoft.com/office/drawing/2017/decorative" val="1"/>
+              </a:ext>
+            </a:extLst>
+          </p:cNvPr>
+          <p:cNvSpPr>
+            <a:spLocks noGrp="1" noRot="1" noChangeAspect="1" noMove="1" noResize="1" noEditPoints="1" noAdjustHandles="1" noChangeArrowheads="1" noChangeShapeType="1" noTextEdit="1"/>
+          </p:cNvSpPr>
+          <p:nvPr>
+            <p:extLst>
+              <p:ext uri="{386F3935-93C4-4BCD-93E2-E3B085C9AB24}">
+                <p16:designElem xmlns:p16="http://schemas.microsoft.com/office/powerpoint/2015/main" val="1"/>
+              </p:ext>
+            </p:extLst>
+          </p:nvPr>
+        </p:nvSpPr>
+        <p:spPr>
+          <a:xfrm>
+            <a:off x="3175" y="6400800"/>
+            <a:ext cx="12188825" cy="457200"/>
+          </a:xfrm>
+          <a:prstGeom prst="rect">
+            <a:avLst/>
+          </a:prstGeom>
+          <a:solidFill>
+            <a:schemeClr val="accent2"/>
+          </a:solidFill>
+          <a:ln>
+            <a:noFill/>
+          </a:ln>
+        </p:spPr>
+        <p:style>
+          <a:lnRef idx="2">
+            <a:schemeClr val="accent1">
+              <a:shade val="50000"/>
+            </a:schemeClr>
+          </a:lnRef>
+          <a:fillRef idx="1">
+            <a:schemeClr val="accent1"/>
+          </a:fillRef>
+          <a:effectRef idx="0">
+            <a:schemeClr val="accent1"/>
+          </a:effectRef>
+          <a:fontRef idx="minor">
+            <a:schemeClr val="lt1"/>
+          </a:fontRef>
+        </p:style>
+      </p:sp>
+      <p:sp>
+        <p:nvSpPr>
+          <p:cNvPr id="52" name="Rectangle 51">
+            <a:extLst>
+              <a:ext uri="{FF2B5EF4-FFF2-40B4-BE49-F238E27FC236}">
+                <a16:creationId xmlns:a16="http://schemas.microsoft.com/office/drawing/2014/main" id="{79FBF3D3-2448-4FF3-B57B-852CB3B8517E}"/>
+              </a:ext>
+              <a:ext uri="{C183D7F6-B498-43B3-948B-1728B52AA6E4}">
+                <adec:decorative xmlns:adec="http://schemas.microsoft.com/office/drawing/2017/decorative" val="1"/>
+              </a:ext>
+            </a:extLst>
+          </p:cNvPr>
+          <p:cNvSpPr>
+            <a:spLocks noGrp="1" noRot="1" noChangeAspect="1" noMove="1" noResize="1" noEditPoints="1" noAdjustHandles="1" noChangeArrowheads="1" noChangeShapeType="1" noTextEdit="1"/>
+          </p:cNvSpPr>
+          <p:nvPr>
+            <p:extLst>
+              <p:ext uri="{386F3935-93C4-4BCD-93E2-E3B085C9AB24}">
+                <p16:designElem xmlns:p16="http://schemas.microsoft.com/office/powerpoint/2015/main" val="1"/>
+              </p:ext>
+            </p:extLst>
+          </p:nvPr>
+        </p:nvSpPr>
+        <p:spPr>
+          <a:xfrm>
+            <a:off x="15" y="6334316"/>
+            <a:ext cx="12188825" cy="64008"/>
+          </a:xfrm>
+          <a:prstGeom prst="rect">
+            <a:avLst/>
+          </a:prstGeom>
+          <a:solidFill>
+            <a:schemeClr val="accent1"/>
+          </a:solidFill>
+          <a:ln>
+            <a:noFill/>
+          </a:ln>
+        </p:spPr>
+        <p:style>
+          <a:lnRef idx="2">
+            <a:schemeClr val="accent1">
+              <a:shade val="50000"/>
+            </a:schemeClr>
+          </a:lnRef>
+          <a:fillRef idx="1">
+            <a:schemeClr val="accent1"/>
+          </a:fillRef>
+          <a:effectRef idx="0">
+            <a:schemeClr val="accent1"/>
+          </a:effectRef>
+          <a:fontRef idx="minor">
+            <a:schemeClr val="lt1"/>
+          </a:fontRef>
+        </p:style>
+      </p:sp>
+      <p:cxnSp>
+        <p:nvCxnSpPr>
+          <p:cNvPr id="54" name="Straight Connector 53">
+            <a:extLst>
+              <a:ext uri="{FF2B5EF4-FFF2-40B4-BE49-F238E27FC236}">
+                <a16:creationId xmlns:a16="http://schemas.microsoft.com/office/drawing/2014/main" id="{E040C66D-4F1C-4AC9-9214-C9E6DA54AAA7}"/>
+              </a:ext>
+              <a:ext uri="{C183D7F6-B498-43B3-948B-1728B52AA6E4}">
+                <adec:decorative xmlns:adec="http://schemas.microsoft.com/office/drawing/2017/decorative" val="1"/>
+              </a:ext>
+            </a:extLst>
+          </p:cNvPr>
+          <p:cNvCxnSpPr>
+            <a:cxnSpLocks noGrp="1" noRot="1" noChangeAspect="1" noMove="1" noResize="1" noEditPoints="1" noAdjustHandles="1" noChangeArrowheads="1" noChangeShapeType="1"/>
+          </p:cNvCxnSpPr>
+          <p:nvPr>
+            <p:extLst>
+              <p:ext uri="{386F3935-93C4-4BCD-93E2-E3B085C9AB24}">
+                <p16:designElem xmlns:p16="http://schemas.microsoft.com/office/powerpoint/2015/main" val="1"/>
+              </p:ext>
+            </p:extLst>
+          </p:nvPr>
+        </p:nvCxnSpPr>
+        <p:spPr>
+          <a:xfrm>
+            <a:off x="1207658" y="4343400"/>
+            <a:ext cx="9875520" cy="0"/>
+          </a:xfrm>
+          <a:prstGeom prst="line">
+            <a:avLst/>
+          </a:prstGeom>
+          <a:ln w="6350">
+            <a:solidFill>
+              <a:schemeClr val="tx1">
+                <a:lumMod val="50000"/>
+                <a:lumOff val="50000"/>
+              </a:schemeClr>
+            </a:solidFill>
+          </a:ln>
+        </p:spPr>
+        <p:style>
+          <a:lnRef idx="1">
+            <a:schemeClr val="accent1"/>
+          </a:lnRef>
+          <a:fillRef idx="0">
+            <a:schemeClr val="accent1"/>
+          </a:fillRef>
+          <a:effectRef idx="0">
+            <a:schemeClr val="accent1"/>
+          </a:effectRef>
+          <a:fontRef idx="minor">
+            <a:schemeClr val="tx1"/>
+          </a:fontRef>
+        </p:style>
+      </p:cxnSp>
+      <p:sp useBgFill="1">
+        <p:nvSpPr>
+          <p:cNvPr id="56" name="Rectangle 55">
+            <a:extLst>
+              <a:ext uri="{FF2B5EF4-FFF2-40B4-BE49-F238E27FC236}">
+                <a16:creationId xmlns:a16="http://schemas.microsoft.com/office/drawing/2014/main" id="{8C6E698C-8155-4B8B-BDC9-B7299772B509}"/>
+              </a:ext>
+              <a:ext uri="{C183D7F6-B498-43B3-948B-1728B52AA6E4}">
+                <adec:decorative xmlns:adec="http://schemas.microsoft.com/office/drawing/2017/decorative" val="1"/>
+              </a:ext>
+            </a:extLst>
+          </p:cNvPr>
+          <p:cNvSpPr>
+            <a:spLocks noGrp="1" noRot="1" noChangeAspect="1" noMove="1" noResize="1" noEditPoints="1" noAdjustHandles="1" noChangeArrowheads="1" noChangeShapeType="1" noTextEdit="1"/>
+          </p:cNvSpPr>
+          <p:nvPr>
+            <p:extLst>
+              <p:ext uri="{386F3935-93C4-4BCD-93E2-E3B085C9AB24}">
+                <p16:designElem xmlns:p16="http://schemas.microsoft.com/office/powerpoint/2015/main" val="1"/>
+              </p:ext>
+            </p:extLst>
+          </p:nvPr>
+        </p:nvSpPr>
+        <p:spPr>
+          <a:xfrm>
+            <a:off x="0" y="0"/>
+            <a:ext cx="12188952" cy="6858000"/>
+          </a:xfrm>
+          <a:prstGeom prst="rect">
+            <a:avLst/>
+          </a:prstGeom>
+          <a:ln>
+            <a:noFill/>
+          </a:ln>
+        </p:spPr>
+        <p:style>
+          <a:lnRef idx="2">
+            <a:schemeClr val="accent1">
+              <a:shade val="50000"/>
+            </a:schemeClr>
+          </a:lnRef>
+          <a:fillRef idx="1">
+            <a:schemeClr val="accent1"/>
+          </a:fillRef>
+          <a:effectRef idx="0">
+            <a:schemeClr val="accent1"/>
+          </a:effectRef>
+          <a:fontRef idx="minor">
+            <a:schemeClr val="lt1"/>
+          </a:fontRef>
+        </p:style>
+        <p:txBody>
+          <a:bodyPr rtlCol="0" anchor="ctr"/>
+          <a:lstStyle/>
+          <a:p>
+            <a:pPr algn="ctr"/>
+            <a:endParaRPr lang="en-US"/>
+          </a:p>
+        </p:txBody>
+      </p:sp>
+      <p:sp>
+        <p:nvSpPr>
+          <p:cNvPr id="11" name="Titre 10">
+            <a:extLst>
+              <a:ext uri="{FF2B5EF4-FFF2-40B4-BE49-F238E27FC236}">
+                <a16:creationId xmlns:a16="http://schemas.microsoft.com/office/drawing/2014/main" id="{E134DA37-23B1-4309-BF34-86CB409574AB}"/>
+              </a:ext>
+            </a:extLst>
+          </p:cNvPr>
+          <p:cNvSpPr>
+            <a:spLocks noGrp="1"/>
+          </p:cNvSpPr>
+          <p:nvPr>
+            <p:ph type="title"/>
+          </p:nvPr>
+        </p:nvSpPr>
+        <p:spPr>
+          <a:xfrm>
+            <a:off x="965201" y="643467"/>
+            <a:ext cx="6255026" cy="5054008"/>
+          </a:xfrm>
+        </p:spPr>
+        <p:txBody>
+          <a:bodyPr vert="horz" lIns="91440" tIns="45720" rIns="91440" bIns="45720" rtlCol="0" anchor="ctr">
+            <a:normAutofit/>
+          </a:bodyPr>
+          <a:lstStyle/>
+          <a:p>
+            <a:pPr algn="r"/>
+            <a:r>
+              <a:rPr lang="en-US"/>
+              <a:t>Présentation du projet</a:t>
+            </a:r>
+          </a:p>
+        </p:txBody>
+      </p:sp>
+      <p:sp>
+        <p:nvSpPr>
+          <p:cNvPr id="12" name="Espace réservé du texte 11">
+            <a:extLst>
+              <a:ext uri="{FF2B5EF4-FFF2-40B4-BE49-F238E27FC236}">
+                <a16:creationId xmlns:a16="http://schemas.microsoft.com/office/drawing/2014/main" id="{F1B2DE85-5EA5-4F17-A1DB-052E09C60D40}"/>
+              </a:ext>
+            </a:extLst>
+          </p:cNvPr>
+          <p:cNvSpPr>
+            <a:spLocks noGrp="1"/>
+          </p:cNvSpPr>
+          <p:nvPr>
+            <p:ph type="body" idx="1"/>
+          </p:nvPr>
+        </p:nvSpPr>
+        <p:spPr>
+          <a:xfrm>
+            <a:off x="7870995" y="643467"/>
+            <a:ext cx="3341488" cy="5054008"/>
+          </a:xfrm>
+        </p:spPr>
+        <p:txBody>
+          <a:bodyPr vert="horz" lIns="91440" tIns="45720" rIns="91440" bIns="45720" rtlCol="0" anchor="ctr">
+            <a:normAutofit/>
+          </a:bodyPr>
+          <a:lstStyle/>
+          <a:p>
+            <a:r>
+              <a:rPr lang="en-US" dirty="0" err="1"/>
+              <a:t>Contexte</a:t>
+            </a:r>
+            <a:r>
+              <a:rPr lang="en-US" dirty="0"/>
+              <a:t>, </a:t>
+            </a:r>
+            <a:r>
+              <a:rPr lang="en-US" dirty="0" err="1"/>
+              <a:t>fonctionnalités</a:t>
+            </a:r>
+            <a:r>
+              <a:rPr lang="en-US" dirty="0"/>
+              <a:t> et technologies de </a:t>
+            </a:r>
+            <a:r>
+              <a:rPr lang="en-US" dirty="0" err="1"/>
+              <a:t>développement</a:t>
+            </a:r>
+            <a:endParaRPr lang="en-US" dirty="0"/>
+          </a:p>
+        </p:txBody>
+      </p:sp>
+      <p:cxnSp>
+        <p:nvCxnSpPr>
+          <p:cNvPr id="58" name="Straight Connector 57">
+            <a:extLst>
+              <a:ext uri="{FF2B5EF4-FFF2-40B4-BE49-F238E27FC236}">
+                <a16:creationId xmlns:a16="http://schemas.microsoft.com/office/drawing/2014/main" id="{09525C9A-1972-4836-BA7A-706C946EF4DA}"/>
+              </a:ext>
+              <a:ext uri="{C183D7F6-B498-43B3-948B-1728B52AA6E4}">
+                <adec:decorative xmlns:adec="http://schemas.microsoft.com/office/drawing/2017/decorative" val="1"/>
+              </a:ext>
+            </a:extLst>
+          </p:cNvPr>
+          <p:cNvCxnSpPr>
+            <a:cxnSpLocks noGrp="1" noRot="1" noChangeAspect="1" noMove="1" noResize="1" noEditPoints="1" noAdjustHandles="1" noChangeArrowheads="1" noChangeShapeType="1"/>
+          </p:cNvCxnSpPr>
+          <p:nvPr>
+            <p:extLst>
+              <p:ext uri="{386F3935-93C4-4BCD-93E2-E3B085C9AB24}">
+                <p16:designElem xmlns:p16="http://schemas.microsoft.com/office/powerpoint/2015/main" val="1"/>
+              </p:ext>
+            </p:extLst>
+          </p:nvPr>
+        </p:nvCxnSpPr>
+        <p:spPr>
+          <a:xfrm>
+            <a:off x="7534656" y="1391367"/>
+            <a:ext cx="0" cy="3558208"/>
+          </a:xfrm>
+          <a:prstGeom prst="line">
+            <a:avLst/>
+          </a:prstGeom>
+          <a:ln>
+            <a:solidFill>
+              <a:schemeClr val="tx2"/>
+            </a:solidFill>
+          </a:ln>
+        </p:spPr>
+        <p:style>
+          <a:lnRef idx="1">
+            <a:schemeClr val="accent1"/>
+          </a:lnRef>
+          <a:fillRef idx="0">
+            <a:schemeClr val="accent1"/>
+          </a:fillRef>
+          <a:effectRef idx="0">
+            <a:schemeClr val="accent1"/>
+          </a:effectRef>
+          <a:fontRef idx="minor">
+            <a:schemeClr val="tx1"/>
+          </a:fontRef>
+        </p:style>
+      </p:cxnSp>
+      <p:sp>
+        <p:nvSpPr>
+          <p:cNvPr id="60" name="Rectangle 59">
+            <a:extLst>
+              <a:ext uri="{FF2B5EF4-FFF2-40B4-BE49-F238E27FC236}">
+                <a16:creationId xmlns:a16="http://schemas.microsoft.com/office/drawing/2014/main" id="{C22D9B36-9BE7-472B-8808-7E0D6810738F}"/>
+              </a:ext>
+              <a:ext uri="{C183D7F6-B498-43B3-948B-1728B52AA6E4}">
+                <adec:decorative xmlns:adec="http://schemas.microsoft.com/office/drawing/2017/decorative" val="1"/>
+              </a:ext>
+            </a:extLst>
+          </p:cNvPr>
+          <p:cNvSpPr>
+            <a:spLocks noGrp="1" noRot="1" noChangeAspect="1" noMove="1" noResize="1" noEditPoints="1" noAdjustHandles="1" noChangeArrowheads="1" noChangeShapeType="1" noTextEdit="1"/>
+          </p:cNvSpPr>
+          <p:nvPr>
+            <p:extLst>
+              <p:ext uri="{386F3935-93C4-4BCD-93E2-E3B085C9AB24}">
+                <p16:designElem xmlns:p16="http://schemas.microsoft.com/office/powerpoint/2015/main" val="1"/>
+              </p:ext>
+            </p:extLst>
+          </p:nvPr>
+        </p:nvSpPr>
+        <p:spPr>
+          <a:xfrm>
+            <a:off x="15" y="6340942"/>
+            <a:ext cx="12188825" cy="64008"/>
+          </a:xfrm>
+          <a:prstGeom prst="rect">
+            <a:avLst/>
+          </a:prstGeom>
+          <a:solidFill>
+            <a:schemeClr val="accent1"/>
+          </a:solidFill>
+          <a:ln>
+            <a:noFill/>
+          </a:ln>
+        </p:spPr>
+        <p:style>
+          <a:lnRef idx="2">
+            <a:schemeClr val="accent1">
+              <a:shade val="50000"/>
+            </a:schemeClr>
+          </a:lnRef>
+          <a:fillRef idx="1">
+            <a:schemeClr val="accent1"/>
+          </a:fillRef>
+          <a:effectRef idx="0">
+            <a:schemeClr val="accent1"/>
+          </a:effectRef>
+          <a:fontRef idx="minor">
+            <a:schemeClr val="lt1"/>
+          </a:fontRef>
+        </p:style>
+      </p:sp>
+      <p:sp>
+        <p:nvSpPr>
+          <p:cNvPr id="62" name="Rectangle 61">
+            <a:extLst>
+              <a:ext uri="{FF2B5EF4-FFF2-40B4-BE49-F238E27FC236}">
+                <a16:creationId xmlns:a16="http://schemas.microsoft.com/office/drawing/2014/main" id="{8A549DE7-671D-4575-AF43-858FD99981CF}"/>
+              </a:ext>
+              <a:ext uri="{C183D7F6-B498-43B3-948B-1728B52AA6E4}">
+                <adec:decorative xmlns:adec="http://schemas.microsoft.com/office/drawing/2017/decorative" val="1"/>
+              </a:ext>
+            </a:extLst>
+          </p:cNvPr>
+          <p:cNvSpPr>
+            <a:spLocks noGrp="1" noRot="1" noChangeAspect="1" noMove="1" noResize="1" noEditPoints="1" noAdjustHandles="1" noChangeArrowheads="1" noChangeShapeType="1" noTextEdit="1"/>
+          </p:cNvSpPr>
+          <p:nvPr>
+            <p:extLst>
+              <p:ext uri="{386F3935-93C4-4BCD-93E2-E3B085C9AB24}">
+                <p16:designElem xmlns:p16="http://schemas.microsoft.com/office/powerpoint/2015/main" val="1"/>
+              </p:ext>
+            </p:extLst>
+          </p:nvPr>
+        </p:nvSpPr>
+        <p:spPr>
+          <a:xfrm>
+            <a:off x="3175" y="6400800"/>
+            <a:ext cx="12188825" cy="457200"/>
+          </a:xfrm>
+          <a:prstGeom prst="rect">
+            <a:avLst/>
+          </a:prstGeom>
+          <a:solidFill>
+            <a:schemeClr val="accent2"/>
+          </a:solidFill>
+          <a:ln>
+            <a:noFill/>
+          </a:ln>
+        </p:spPr>
+        <p:style>
+          <a:lnRef idx="2">
+            <a:schemeClr val="accent1">
+              <a:shade val="50000"/>
+            </a:schemeClr>
+          </a:lnRef>
+          <a:fillRef idx="1">
+            <a:schemeClr val="accent1"/>
+          </a:fillRef>
+          <a:effectRef idx="0">
+            <a:schemeClr val="accent1"/>
+          </a:effectRef>
+          <a:fontRef idx="minor">
+            <a:schemeClr val="lt1"/>
+          </a:fontRef>
+        </p:style>
+      </p:sp>
+      <p:sp>
+        <p:nvSpPr>
+          <p:cNvPr id="13" name="Espace réservé de la date 12">
+            <a:extLst>
+              <a:ext uri="{FF2B5EF4-FFF2-40B4-BE49-F238E27FC236}">
+                <a16:creationId xmlns:a16="http://schemas.microsoft.com/office/drawing/2014/main" id="{3FAFA562-151E-4BF8-A42A-AA25D9DA2E81}"/>
+              </a:ext>
+            </a:extLst>
+          </p:cNvPr>
+          <p:cNvSpPr>
+            <a:spLocks noGrp="1"/>
+          </p:cNvSpPr>
+          <p:nvPr>
+            <p:ph type="dt" sz="half" idx="10"/>
+          </p:nvPr>
+        </p:nvSpPr>
+        <p:spPr>
+          <a:xfrm>
+            <a:off x="1097280" y="6459785"/>
+            <a:ext cx="2472271" cy="365125"/>
+          </a:xfrm>
+        </p:spPr>
+        <p:txBody>
+          <a:bodyPr vert="horz" lIns="91440" tIns="45720" rIns="91440" bIns="45720" rtlCol="0" anchor="ctr">
+            <a:normAutofit/>
+          </a:bodyPr>
+          <a:lstStyle/>
+          <a:p>
+            <a:pPr>
+              <a:spcAft>
+                <a:spcPts val="600"/>
+              </a:spcAft>
+            </a:pPr>
+            <a:fld id="{E196F71B-D8F0-4CB6-BF93-5DF5F863AB8E}" type="datetime1">
+              <a:rPr lang="fr-FR" smtClean="0"/>
+              <a:t>25/06/2020</a:t>
+            </a:fld>
+            <a:endParaRPr lang="en-US"/>
+          </a:p>
+        </p:txBody>
+      </p:sp>
+      <p:sp>
+        <p:nvSpPr>
+          <p:cNvPr id="14" name="Espace réservé du pied de page 13">
+            <a:extLst>
+              <a:ext uri="{FF2B5EF4-FFF2-40B4-BE49-F238E27FC236}">
+                <a16:creationId xmlns:a16="http://schemas.microsoft.com/office/drawing/2014/main" id="{90B0E18F-3AB9-4C17-9C81-D6D7A9C7E6F5}"/>
+              </a:ext>
+            </a:extLst>
+          </p:cNvPr>
+          <p:cNvSpPr>
+            <a:spLocks noGrp="1"/>
+          </p:cNvSpPr>
+          <p:nvPr>
+            <p:ph type="ftr" sz="quarter" idx="11"/>
+          </p:nvPr>
+        </p:nvSpPr>
+        <p:spPr>
+          <a:xfrm>
+            <a:off x="3686185" y="6459785"/>
+            <a:ext cx="4822804" cy="365125"/>
+          </a:xfrm>
+        </p:spPr>
+        <p:txBody>
+          <a:bodyPr vert="horz" lIns="91440" tIns="45720" rIns="91440" bIns="45720" rtlCol="0" anchor="ctr">
+            <a:normAutofit/>
+          </a:bodyPr>
+          <a:lstStyle/>
+          <a:p>
+            <a:pPr>
+              <a:spcAft>
+                <a:spcPts val="600"/>
+              </a:spcAft>
+            </a:pPr>
+            <a:r>
+              <a:rPr lang="en-US" kern="1200" cap="all" baseline="0">
+                <a:solidFill>
+                  <a:srgbClr val="FFFFFF"/>
+                </a:solidFill>
+                <a:latin typeface="+mn-lt"/>
+                <a:ea typeface="+mn-ea"/>
+                <a:cs typeface="+mn-cs"/>
+              </a:rPr>
+              <a:t>Sylvain</a:t>
+            </a:r>
+            <a:r>
+              <a:rPr lang="en-US" b="1" kern="1200" cap="all" baseline="0">
+                <a:solidFill>
+                  <a:srgbClr val="FFFFFF"/>
+                </a:solidFill>
+                <a:latin typeface="+mn-lt"/>
+                <a:ea typeface="+mn-ea"/>
+                <a:cs typeface="+mn-cs"/>
+              </a:rPr>
+              <a:t> ALLAIN</a:t>
+            </a:r>
+          </a:p>
+        </p:txBody>
+      </p:sp>
+      <p:sp>
+        <p:nvSpPr>
+          <p:cNvPr id="15" name="Espace réservé du numéro de diapositive 14">
+            <a:extLst>
+              <a:ext uri="{FF2B5EF4-FFF2-40B4-BE49-F238E27FC236}">
+                <a16:creationId xmlns:a16="http://schemas.microsoft.com/office/drawing/2014/main" id="{EE3A52EB-947D-4831-96CB-141960A67172}"/>
+              </a:ext>
+            </a:extLst>
+          </p:cNvPr>
+          <p:cNvSpPr>
+            <a:spLocks noGrp="1"/>
+          </p:cNvSpPr>
+          <p:nvPr>
+            <p:ph type="sldNum" sz="quarter" idx="12"/>
+          </p:nvPr>
+        </p:nvSpPr>
+        <p:spPr>
+          <a:xfrm>
+            <a:off x="9900458" y="6459785"/>
+            <a:ext cx="1312025" cy="365125"/>
+          </a:xfrm>
+        </p:spPr>
+        <p:txBody>
+          <a:bodyPr vert="horz" lIns="91440" tIns="45720" rIns="91440" bIns="45720" rtlCol="0" anchor="ctr">
+            <a:normAutofit/>
+          </a:bodyPr>
+          <a:lstStyle/>
+          <a:p>
+            <a:pPr>
+              <a:spcAft>
+                <a:spcPts val="600"/>
+              </a:spcAft>
+            </a:pPr>
+            <a:fld id="{7386E8C7-F2FE-4BD9-8CCD-17179851D3F5}" type="slidenum">
+              <a:rPr lang="en-US" b="1"/>
+              <a:pPr>
+                <a:spcAft>
+                  <a:spcPts val="600"/>
+                </a:spcAft>
+              </a:pPr>
+              <a:t>2</a:t>
+            </a:fld>
+            <a:endParaRPr lang="en-US" b="1"/>
+          </a:p>
+        </p:txBody>
+      </p:sp>
+    </p:spTree>
+    <p:extLst>
+      <p:ext uri="{BB962C8B-B14F-4D97-AF65-F5344CB8AC3E}">
+        <p14:creationId xmlns:p14="http://schemas.microsoft.com/office/powerpoint/2010/main" val="3959932171"/>
+      </p:ext>
+    </p:extLst>
+  </p:cSld>
+  <p:clrMapOvr>
+    <a:masterClrMapping/>
+  </p:clrMapOvr>
+</p:sld>
+</file>
+
+<file path=ppt/slides/slide20.xml><?xml version="1.0" encoding="utf-8"?>
 <p:sld xmlns:a="http://schemas.openxmlformats.org/drawingml/2006/main" xmlns:r="http://schemas.openxmlformats.org/officeDocument/2006/relationships" xmlns:p="http://schemas.openxmlformats.org/presentationml/2006/main">
   <p:cSld>
     <p:bg>
@@ -21664,7 +22639,7 @@
             </a:pPr>
             <a:fld id="{958838AE-94D6-47DC-9257-91358474C5F9}" type="datetime1">
               <a:rPr lang="fr-FR" smtClean="0"/>
-              <a:t>23/06/2020</a:t>
+              <a:t>25/06/2020</a:t>
             </a:fld>
             <a:endParaRPr lang="en-US"/>
           </a:p>
@@ -21757,7 +22732,7 @@
                   <a:spcPts val="600"/>
                 </a:spcAft>
               </a:pPr>
-              <a:t>19</a:t>
+              <a:t>20</a:t>
             </a:fld>
             <a:endParaRPr lang="en-US"/>
           </a:p>
@@ -21776,665 +22751,7 @@
 </p:sld>
 </file>
 
-<file path=ppt/slides/slide2.xml><?xml version="1.0" encoding="utf-8"?>
-<p:sld xmlns:a="http://schemas.openxmlformats.org/drawingml/2006/main" xmlns:r="http://schemas.openxmlformats.org/officeDocument/2006/relationships" xmlns:p="http://schemas.openxmlformats.org/presentationml/2006/main">
-  <p:cSld>
-    <p:bg>
-      <p:bgPr>
-        <a:solidFill>
-          <a:schemeClr val="bg1"/>
-        </a:solidFill>
-        <a:effectLst/>
-      </p:bgPr>
-    </p:bg>
-    <p:spTree>
-      <p:nvGrpSpPr>
-        <p:cNvPr id="1" name=""/>
-        <p:cNvGrpSpPr/>
-        <p:nvPr/>
-      </p:nvGrpSpPr>
-      <p:grpSpPr>
-        <a:xfrm>
-          <a:off x="0" y="0"/>
-          <a:ext cx="0" cy="0"/>
-          <a:chOff x="0" y="0"/>
-          <a:chExt cx="0" cy="0"/>
-        </a:xfrm>
-      </p:grpSpPr>
-      <p:sp>
-        <p:nvSpPr>
-          <p:cNvPr id="50" name="Rectangle 49">
-            <a:extLst>
-              <a:ext uri="{FF2B5EF4-FFF2-40B4-BE49-F238E27FC236}">
-                <a16:creationId xmlns:a16="http://schemas.microsoft.com/office/drawing/2014/main" id="{1DFE635C-C432-47DA-AEAB-A593345CBA70}"/>
-              </a:ext>
-              <a:ext uri="{C183D7F6-B498-43B3-948B-1728B52AA6E4}">
-                <adec:decorative xmlns:adec="http://schemas.microsoft.com/office/drawing/2017/decorative" val="1"/>
-              </a:ext>
-            </a:extLst>
-          </p:cNvPr>
-          <p:cNvSpPr>
-            <a:spLocks noGrp="1" noRot="1" noChangeAspect="1" noMove="1" noResize="1" noEditPoints="1" noAdjustHandles="1" noChangeArrowheads="1" noChangeShapeType="1" noTextEdit="1"/>
-          </p:cNvSpPr>
-          <p:nvPr>
-            <p:extLst>
-              <p:ext uri="{386F3935-93C4-4BCD-93E2-E3B085C9AB24}">
-                <p16:designElem xmlns:p16="http://schemas.microsoft.com/office/powerpoint/2015/main" val="1"/>
-              </p:ext>
-            </p:extLst>
-          </p:nvPr>
-        </p:nvSpPr>
-        <p:spPr>
-          <a:xfrm>
-            <a:off x="3175" y="6400800"/>
-            <a:ext cx="12188825" cy="457200"/>
-          </a:xfrm>
-          <a:prstGeom prst="rect">
-            <a:avLst/>
-          </a:prstGeom>
-          <a:solidFill>
-            <a:schemeClr val="accent2"/>
-          </a:solidFill>
-          <a:ln>
-            <a:noFill/>
-          </a:ln>
-        </p:spPr>
-        <p:style>
-          <a:lnRef idx="2">
-            <a:schemeClr val="accent1">
-              <a:shade val="50000"/>
-            </a:schemeClr>
-          </a:lnRef>
-          <a:fillRef idx="1">
-            <a:schemeClr val="accent1"/>
-          </a:fillRef>
-          <a:effectRef idx="0">
-            <a:schemeClr val="accent1"/>
-          </a:effectRef>
-          <a:fontRef idx="minor">
-            <a:schemeClr val="lt1"/>
-          </a:fontRef>
-        </p:style>
-      </p:sp>
-      <p:sp>
-        <p:nvSpPr>
-          <p:cNvPr id="52" name="Rectangle 51">
-            <a:extLst>
-              <a:ext uri="{FF2B5EF4-FFF2-40B4-BE49-F238E27FC236}">
-                <a16:creationId xmlns:a16="http://schemas.microsoft.com/office/drawing/2014/main" id="{79FBF3D3-2448-4FF3-B57B-852CB3B8517E}"/>
-              </a:ext>
-              <a:ext uri="{C183D7F6-B498-43B3-948B-1728B52AA6E4}">
-                <adec:decorative xmlns:adec="http://schemas.microsoft.com/office/drawing/2017/decorative" val="1"/>
-              </a:ext>
-            </a:extLst>
-          </p:cNvPr>
-          <p:cNvSpPr>
-            <a:spLocks noGrp="1" noRot="1" noChangeAspect="1" noMove="1" noResize="1" noEditPoints="1" noAdjustHandles="1" noChangeArrowheads="1" noChangeShapeType="1" noTextEdit="1"/>
-          </p:cNvSpPr>
-          <p:nvPr>
-            <p:extLst>
-              <p:ext uri="{386F3935-93C4-4BCD-93E2-E3B085C9AB24}">
-                <p16:designElem xmlns:p16="http://schemas.microsoft.com/office/powerpoint/2015/main" val="1"/>
-              </p:ext>
-            </p:extLst>
-          </p:nvPr>
-        </p:nvSpPr>
-        <p:spPr>
-          <a:xfrm>
-            <a:off x="15" y="6334316"/>
-            <a:ext cx="12188825" cy="64008"/>
-          </a:xfrm>
-          <a:prstGeom prst="rect">
-            <a:avLst/>
-          </a:prstGeom>
-          <a:solidFill>
-            <a:schemeClr val="accent1"/>
-          </a:solidFill>
-          <a:ln>
-            <a:noFill/>
-          </a:ln>
-        </p:spPr>
-        <p:style>
-          <a:lnRef idx="2">
-            <a:schemeClr val="accent1">
-              <a:shade val="50000"/>
-            </a:schemeClr>
-          </a:lnRef>
-          <a:fillRef idx="1">
-            <a:schemeClr val="accent1"/>
-          </a:fillRef>
-          <a:effectRef idx="0">
-            <a:schemeClr val="accent1"/>
-          </a:effectRef>
-          <a:fontRef idx="minor">
-            <a:schemeClr val="lt1"/>
-          </a:fontRef>
-        </p:style>
-      </p:sp>
-      <p:cxnSp>
-        <p:nvCxnSpPr>
-          <p:cNvPr id="54" name="Straight Connector 53">
-            <a:extLst>
-              <a:ext uri="{FF2B5EF4-FFF2-40B4-BE49-F238E27FC236}">
-                <a16:creationId xmlns:a16="http://schemas.microsoft.com/office/drawing/2014/main" id="{E040C66D-4F1C-4AC9-9214-C9E6DA54AAA7}"/>
-              </a:ext>
-              <a:ext uri="{C183D7F6-B498-43B3-948B-1728B52AA6E4}">
-                <adec:decorative xmlns:adec="http://schemas.microsoft.com/office/drawing/2017/decorative" val="1"/>
-              </a:ext>
-            </a:extLst>
-          </p:cNvPr>
-          <p:cNvCxnSpPr>
-            <a:cxnSpLocks noGrp="1" noRot="1" noChangeAspect="1" noMove="1" noResize="1" noEditPoints="1" noAdjustHandles="1" noChangeArrowheads="1" noChangeShapeType="1"/>
-          </p:cNvCxnSpPr>
-          <p:nvPr>
-            <p:extLst>
-              <p:ext uri="{386F3935-93C4-4BCD-93E2-E3B085C9AB24}">
-                <p16:designElem xmlns:p16="http://schemas.microsoft.com/office/powerpoint/2015/main" val="1"/>
-              </p:ext>
-            </p:extLst>
-          </p:nvPr>
-        </p:nvCxnSpPr>
-        <p:spPr>
-          <a:xfrm>
-            <a:off x="1207658" y="4343400"/>
-            <a:ext cx="9875520" cy="0"/>
-          </a:xfrm>
-          <a:prstGeom prst="line">
-            <a:avLst/>
-          </a:prstGeom>
-          <a:ln w="6350">
-            <a:solidFill>
-              <a:schemeClr val="tx1">
-                <a:lumMod val="50000"/>
-                <a:lumOff val="50000"/>
-              </a:schemeClr>
-            </a:solidFill>
-          </a:ln>
-        </p:spPr>
-        <p:style>
-          <a:lnRef idx="1">
-            <a:schemeClr val="accent1"/>
-          </a:lnRef>
-          <a:fillRef idx="0">
-            <a:schemeClr val="accent1"/>
-          </a:fillRef>
-          <a:effectRef idx="0">
-            <a:schemeClr val="accent1"/>
-          </a:effectRef>
-          <a:fontRef idx="minor">
-            <a:schemeClr val="tx1"/>
-          </a:fontRef>
-        </p:style>
-      </p:cxnSp>
-      <p:sp useBgFill="1">
-        <p:nvSpPr>
-          <p:cNvPr id="56" name="Rectangle 55">
-            <a:extLst>
-              <a:ext uri="{FF2B5EF4-FFF2-40B4-BE49-F238E27FC236}">
-                <a16:creationId xmlns:a16="http://schemas.microsoft.com/office/drawing/2014/main" id="{8C6E698C-8155-4B8B-BDC9-B7299772B509}"/>
-              </a:ext>
-              <a:ext uri="{C183D7F6-B498-43B3-948B-1728B52AA6E4}">
-                <adec:decorative xmlns:adec="http://schemas.microsoft.com/office/drawing/2017/decorative" val="1"/>
-              </a:ext>
-            </a:extLst>
-          </p:cNvPr>
-          <p:cNvSpPr>
-            <a:spLocks noGrp="1" noRot="1" noChangeAspect="1" noMove="1" noResize="1" noEditPoints="1" noAdjustHandles="1" noChangeArrowheads="1" noChangeShapeType="1" noTextEdit="1"/>
-          </p:cNvSpPr>
-          <p:nvPr>
-            <p:extLst>
-              <p:ext uri="{386F3935-93C4-4BCD-93E2-E3B085C9AB24}">
-                <p16:designElem xmlns:p16="http://schemas.microsoft.com/office/powerpoint/2015/main" val="1"/>
-              </p:ext>
-            </p:extLst>
-          </p:nvPr>
-        </p:nvSpPr>
-        <p:spPr>
-          <a:xfrm>
-            <a:off x="0" y="0"/>
-            <a:ext cx="12188952" cy="6858000"/>
-          </a:xfrm>
-          <a:prstGeom prst="rect">
-            <a:avLst/>
-          </a:prstGeom>
-          <a:ln>
-            <a:noFill/>
-          </a:ln>
-        </p:spPr>
-        <p:style>
-          <a:lnRef idx="2">
-            <a:schemeClr val="accent1">
-              <a:shade val="50000"/>
-            </a:schemeClr>
-          </a:lnRef>
-          <a:fillRef idx="1">
-            <a:schemeClr val="accent1"/>
-          </a:fillRef>
-          <a:effectRef idx="0">
-            <a:schemeClr val="accent1"/>
-          </a:effectRef>
-          <a:fontRef idx="minor">
-            <a:schemeClr val="lt1"/>
-          </a:fontRef>
-        </p:style>
-        <p:txBody>
-          <a:bodyPr rtlCol="0" anchor="ctr"/>
-          <a:lstStyle/>
-          <a:p>
-            <a:pPr algn="ctr"/>
-            <a:endParaRPr lang="en-US"/>
-          </a:p>
-        </p:txBody>
-      </p:sp>
-      <p:sp>
-        <p:nvSpPr>
-          <p:cNvPr id="11" name="Titre 10">
-            <a:extLst>
-              <a:ext uri="{FF2B5EF4-FFF2-40B4-BE49-F238E27FC236}">
-                <a16:creationId xmlns:a16="http://schemas.microsoft.com/office/drawing/2014/main" id="{E134DA37-23B1-4309-BF34-86CB409574AB}"/>
-              </a:ext>
-            </a:extLst>
-          </p:cNvPr>
-          <p:cNvSpPr>
-            <a:spLocks noGrp="1"/>
-          </p:cNvSpPr>
-          <p:nvPr>
-            <p:ph type="title"/>
-          </p:nvPr>
-        </p:nvSpPr>
-        <p:spPr>
-          <a:xfrm>
-            <a:off x="965201" y="643467"/>
-            <a:ext cx="6255026" cy="5054008"/>
-          </a:xfrm>
-        </p:spPr>
-        <p:txBody>
-          <a:bodyPr vert="horz" lIns="91440" tIns="45720" rIns="91440" bIns="45720" rtlCol="0" anchor="ctr">
-            <a:normAutofit/>
-          </a:bodyPr>
-          <a:lstStyle/>
-          <a:p>
-            <a:pPr algn="r"/>
-            <a:r>
-              <a:rPr lang="en-US"/>
-              <a:t>Présentation du projet</a:t>
-            </a:r>
-          </a:p>
-        </p:txBody>
-      </p:sp>
-      <p:sp>
-        <p:nvSpPr>
-          <p:cNvPr id="12" name="Espace réservé du texte 11">
-            <a:extLst>
-              <a:ext uri="{FF2B5EF4-FFF2-40B4-BE49-F238E27FC236}">
-                <a16:creationId xmlns:a16="http://schemas.microsoft.com/office/drawing/2014/main" id="{F1B2DE85-5EA5-4F17-A1DB-052E09C60D40}"/>
-              </a:ext>
-            </a:extLst>
-          </p:cNvPr>
-          <p:cNvSpPr>
-            <a:spLocks noGrp="1"/>
-          </p:cNvSpPr>
-          <p:nvPr>
-            <p:ph type="body" idx="1"/>
-          </p:nvPr>
-        </p:nvSpPr>
-        <p:spPr>
-          <a:xfrm>
-            <a:off x="7870995" y="643467"/>
-            <a:ext cx="3341488" cy="5054008"/>
-          </a:xfrm>
-        </p:spPr>
-        <p:txBody>
-          <a:bodyPr vert="horz" lIns="91440" tIns="45720" rIns="91440" bIns="45720" rtlCol="0" anchor="ctr">
-            <a:normAutofit/>
-          </a:bodyPr>
-          <a:lstStyle/>
-          <a:p>
-            <a:r>
-              <a:rPr lang="en-US" dirty="0" err="1"/>
-              <a:t>Contexte</a:t>
-            </a:r>
-            <a:r>
-              <a:rPr lang="en-US" dirty="0"/>
-              <a:t>, </a:t>
-            </a:r>
-            <a:r>
-              <a:rPr lang="en-US" dirty="0" err="1"/>
-              <a:t>fonctionnalité</a:t>
-            </a:r>
-            <a:r>
-              <a:rPr lang="en-US" dirty="0"/>
-              <a:t> et technologies de </a:t>
-            </a:r>
-            <a:r>
-              <a:rPr lang="en-US" dirty="0" err="1"/>
-              <a:t>développement</a:t>
-            </a:r>
-            <a:endParaRPr lang="en-US" dirty="0"/>
-          </a:p>
-        </p:txBody>
-      </p:sp>
-      <p:cxnSp>
-        <p:nvCxnSpPr>
-          <p:cNvPr id="58" name="Straight Connector 57">
-            <a:extLst>
-              <a:ext uri="{FF2B5EF4-FFF2-40B4-BE49-F238E27FC236}">
-                <a16:creationId xmlns:a16="http://schemas.microsoft.com/office/drawing/2014/main" id="{09525C9A-1972-4836-BA7A-706C946EF4DA}"/>
-              </a:ext>
-              <a:ext uri="{C183D7F6-B498-43B3-948B-1728B52AA6E4}">
-                <adec:decorative xmlns:adec="http://schemas.microsoft.com/office/drawing/2017/decorative" val="1"/>
-              </a:ext>
-            </a:extLst>
-          </p:cNvPr>
-          <p:cNvCxnSpPr>
-            <a:cxnSpLocks noGrp="1" noRot="1" noChangeAspect="1" noMove="1" noResize="1" noEditPoints="1" noAdjustHandles="1" noChangeArrowheads="1" noChangeShapeType="1"/>
-          </p:cNvCxnSpPr>
-          <p:nvPr>
-            <p:extLst>
-              <p:ext uri="{386F3935-93C4-4BCD-93E2-E3B085C9AB24}">
-                <p16:designElem xmlns:p16="http://schemas.microsoft.com/office/powerpoint/2015/main" val="1"/>
-              </p:ext>
-            </p:extLst>
-          </p:nvPr>
-        </p:nvCxnSpPr>
-        <p:spPr>
-          <a:xfrm>
-            <a:off x="7534656" y="1391367"/>
-            <a:ext cx="0" cy="3558208"/>
-          </a:xfrm>
-          <a:prstGeom prst="line">
-            <a:avLst/>
-          </a:prstGeom>
-          <a:ln>
-            <a:solidFill>
-              <a:schemeClr val="tx2"/>
-            </a:solidFill>
-          </a:ln>
-        </p:spPr>
-        <p:style>
-          <a:lnRef idx="1">
-            <a:schemeClr val="accent1"/>
-          </a:lnRef>
-          <a:fillRef idx="0">
-            <a:schemeClr val="accent1"/>
-          </a:fillRef>
-          <a:effectRef idx="0">
-            <a:schemeClr val="accent1"/>
-          </a:effectRef>
-          <a:fontRef idx="minor">
-            <a:schemeClr val="tx1"/>
-          </a:fontRef>
-        </p:style>
-      </p:cxnSp>
-      <p:sp>
-        <p:nvSpPr>
-          <p:cNvPr id="60" name="Rectangle 59">
-            <a:extLst>
-              <a:ext uri="{FF2B5EF4-FFF2-40B4-BE49-F238E27FC236}">
-                <a16:creationId xmlns:a16="http://schemas.microsoft.com/office/drawing/2014/main" id="{C22D9B36-9BE7-472B-8808-7E0D6810738F}"/>
-              </a:ext>
-              <a:ext uri="{C183D7F6-B498-43B3-948B-1728B52AA6E4}">
-                <adec:decorative xmlns:adec="http://schemas.microsoft.com/office/drawing/2017/decorative" val="1"/>
-              </a:ext>
-            </a:extLst>
-          </p:cNvPr>
-          <p:cNvSpPr>
-            <a:spLocks noGrp="1" noRot="1" noChangeAspect="1" noMove="1" noResize="1" noEditPoints="1" noAdjustHandles="1" noChangeArrowheads="1" noChangeShapeType="1" noTextEdit="1"/>
-          </p:cNvSpPr>
-          <p:nvPr>
-            <p:extLst>
-              <p:ext uri="{386F3935-93C4-4BCD-93E2-E3B085C9AB24}">
-                <p16:designElem xmlns:p16="http://schemas.microsoft.com/office/powerpoint/2015/main" val="1"/>
-              </p:ext>
-            </p:extLst>
-          </p:nvPr>
-        </p:nvSpPr>
-        <p:spPr>
-          <a:xfrm>
-            <a:off x="15" y="6340942"/>
-            <a:ext cx="12188825" cy="64008"/>
-          </a:xfrm>
-          <a:prstGeom prst="rect">
-            <a:avLst/>
-          </a:prstGeom>
-          <a:solidFill>
-            <a:schemeClr val="accent1"/>
-          </a:solidFill>
-          <a:ln>
-            <a:noFill/>
-          </a:ln>
-        </p:spPr>
-        <p:style>
-          <a:lnRef idx="2">
-            <a:schemeClr val="accent1">
-              <a:shade val="50000"/>
-            </a:schemeClr>
-          </a:lnRef>
-          <a:fillRef idx="1">
-            <a:schemeClr val="accent1"/>
-          </a:fillRef>
-          <a:effectRef idx="0">
-            <a:schemeClr val="accent1"/>
-          </a:effectRef>
-          <a:fontRef idx="minor">
-            <a:schemeClr val="lt1"/>
-          </a:fontRef>
-        </p:style>
-      </p:sp>
-      <p:sp>
-        <p:nvSpPr>
-          <p:cNvPr id="62" name="Rectangle 61">
-            <a:extLst>
-              <a:ext uri="{FF2B5EF4-FFF2-40B4-BE49-F238E27FC236}">
-                <a16:creationId xmlns:a16="http://schemas.microsoft.com/office/drawing/2014/main" id="{8A549DE7-671D-4575-AF43-858FD99981CF}"/>
-              </a:ext>
-              <a:ext uri="{C183D7F6-B498-43B3-948B-1728B52AA6E4}">
-                <adec:decorative xmlns:adec="http://schemas.microsoft.com/office/drawing/2017/decorative" val="1"/>
-              </a:ext>
-            </a:extLst>
-          </p:cNvPr>
-          <p:cNvSpPr>
-            <a:spLocks noGrp="1" noRot="1" noChangeAspect="1" noMove="1" noResize="1" noEditPoints="1" noAdjustHandles="1" noChangeArrowheads="1" noChangeShapeType="1" noTextEdit="1"/>
-          </p:cNvSpPr>
-          <p:nvPr>
-            <p:extLst>
-              <p:ext uri="{386F3935-93C4-4BCD-93E2-E3B085C9AB24}">
-                <p16:designElem xmlns:p16="http://schemas.microsoft.com/office/powerpoint/2015/main" val="1"/>
-              </p:ext>
-            </p:extLst>
-          </p:nvPr>
-        </p:nvSpPr>
-        <p:spPr>
-          <a:xfrm>
-            <a:off x="3175" y="6400800"/>
-            <a:ext cx="12188825" cy="457200"/>
-          </a:xfrm>
-          <a:prstGeom prst="rect">
-            <a:avLst/>
-          </a:prstGeom>
-          <a:solidFill>
-            <a:schemeClr val="accent2"/>
-          </a:solidFill>
-          <a:ln>
-            <a:noFill/>
-          </a:ln>
-        </p:spPr>
-        <p:style>
-          <a:lnRef idx="2">
-            <a:schemeClr val="accent1">
-              <a:shade val="50000"/>
-            </a:schemeClr>
-          </a:lnRef>
-          <a:fillRef idx="1">
-            <a:schemeClr val="accent1"/>
-          </a:fillRef>
-          <a:effectRef idx="0">
-            <a:schemeClr val="accent1"/>
-          </a:effectRef>
-          <a:fontRef idx="minor">
-            <a:schemeClr val="lt1"/>
-          </a:fontRef>
-        </p:style>
-      </p:sp>
-      <p:sp>
-        <p:nvSpPr>
-          <p:cNvPr id="13" name="Espace réservé de la date 12">
-            <a:extLst>
-              <a:ext uri="{FF2B5EF4-FFF2-40B4-BE49-F238E27FC236}">
-                <a16:creationId xmlns:a16="http://schemas.microsoft.com/office/drawing/2014/main" id="{3FAFA562-151E-4BF8-A42A-AA25D9DA2E81}"/>
-              </a:ext>
-            </a:extLst>
-          </p:cNvPr>
-          <p:cNvSpPr>
-            <a:spLocks noGrp="1"/>
-          </p:cNvSpPr>
-          <p:nvPr>
-            <p:ph type="dt" sz="half" idx="10"/>
-          </p:nvPr>
-        </p:nvSpPr>
-        <p:spPr>
-          <a:xfrm>
-            <a:off x="1097280" y="6459785"/>
-            <a:ext cx="2472271" cy="365125"/>
-          </a:xfrm>
-        </p:spPr>
-        <p:txBody>
-          <a:bodyPr vert="horz" lIns="91440" tIns="45720" rIns="91440" bIns="45720" rtlCol="0" anchor="ctr">
-            <a:normAutofit/>
-          </a:bodyPr>
-          <a:lstStyle/>
-          <a:p>
-            <a:pPr>
-              <a:spcAft>
-                <a:spcPts val="600"/>
-              </a:spcAft>
-            </a:pPr>
-            <a:fld id="{E196F71B-D8F0-4CB6-BF93-5DF5F863AB8E}" type="datetime1">
-              <a:rPr lang="fr-FR" smtClean="0"/>
-              <a:t>23/06/2020</a:t>
-            </a:fld>
-            <a:endParaRPr lang="en-US"/>
-          </a:p>
-        </p:txBody>
-      </p:sp>
-      <p:sp>
-        <p:nvSpPr>
-          <p:cNvPr id="14" name="Espace réservé du pied de page 13">
-            <a:extLst>
-              <a:ext uri="{FF2B5EF4-FFF2-40B4-BE49-F238E27FC236}">
-                <a16:creationId xmlns:a16="http://schemas.microsoft.com/office/drawing/2014/main" id="{90B0E18F-3AB9-4C17-9C81-D6D7A9C7E6F5}"/>
-              </a:ext>
-            </a:extLst>
-          </p:cNvPr>
-          <p:cNvSpPr>
-            <a:spLocks noGrp="1"/>
-          </p:cNvSpPr>
-          <p:nvPr>
-            <p:ph type="ftr" sz="quarter" idx="11"/>
-          </p:nvPr>
-        </p:nvSpPr>
-        <p:spPr>
-          <a:xfrm>
-            <a:off x="3686185" y="6459785"/>
-            <a:ext cx="4822804" cy="365125"/>
-          </a:xfrm>
-        </p:spPr>
-        <p:txBody>
-          <a:bodyPr vert="horz" lIns="91440" tIns="45720" rIns="91440" bIns="45720" rtlCol="0" anchor="ctr">
-            <a:normAutofit/>
-          </a:bodyPr>
-          <a:lstStyle/>
-          <a:p>
-            <a:pPr>
-              <a:spcAft>
-                <a:spcPts val="600"/>
-              </a:spcAft>
-            </a:pPr>
-            <a:r>
-              <a:rPr lang="en-US" kern="1200" cap="all" baseline="0">
-                <a:solidFill>
-                  <a:srgbClr val="FFFFFF"/>
-                </a:solidFill>
-                <a:latin typeface="+mn-lt"/>
-                <a:ea typeface="+mn-ea"/>
-                <a:cs typeface="+mn-cs"/>
-              </a:rPr>
-              <a:t>Sylvain</a:t>
-            </a:r>
-            <a:r>
-              <a:rPr lang="en-US" b="1" kern="1200" cap="all" baseline="0">
-                <a:solidFill>
-                  <a:srgbClr val="FFFFFF"/>
-                </a:solidFill>
-                <a:latin typeface="+mn-lt"/>
-                <a:ea typeface="+mn-ea"/>
-                <a:cs typeface="+mn-cs"/>
-              </a:rPr>
-              <a:t> ALLAIN</a:t>
-            </a:r>
-          </a:p>
-        </p:txBody>
-      </p:sp>
-      <p:sp>
-        <p:nvSpPr>
-          <p:cNvPr id="15" name="Espace réservé du numéro de diapositive 14">
-            <a:extLst>
-              <a:ext uri="{FF2B5EF4-FFF2-40B4-BE49-F238E27FC236}">
-                <a16:creationId xmlns:a16="http://schemas.microsoft.com/office/drawing/2014/main" id="{EE3A52EB-947D-4831-96CB-141960A67172}"/>
-              </a:ext>
-            </a:extLst>
-          </p:cNvPr>
-          <p:cNvSpPr>
-            <a:spLocks noGrp="1"/>
-          </p:cNvSpPr>
-          <p:nvPr>
-            <p:ph type="sldNum" sz="quarter" idx="12"/>
-          </p:nvPr>
-        </p:nvSpPr>
-        <p:spPr>
-          <a:xfrm>
-            <a:off x="9900458" y="6459785"/>
-            <a:ext cx="1312025" cy="365125"/>
-          </a:xfrm>
-        </p:spPr>
-        <p:txBody>
-          <a:bodyPr vert="horz" lIns="91440" tIns="45720" rIns="91440" bIns="45720" rtlCol="0" anchor="ctr">
-            <a:normAutofit/>
-          </a:bodyPr>
-          <a:lstStyle/>
-          <a:p>
-            <a:pPr>
-              <a:spcAft>
-                <a:spcPts val="600"/>
-              </a:spcAft>
-            </a:pPr>
-            <a:fld id="{7386E8C7-F2FE-4BD9-8CCD-17179851D3F5}" type="slidenum">
-              <a:rPr lang="en-US" b="1"/>
-              <a:pPr>
-                <a:spcAft>
-                  <a:spcPts val="600"/>
-                </a:spcAft>
-              </a:pPr>
-              <a:t>2</a:t>
-            </a:fld>
-            <a:endParaRPr lang="en-US" b="1"/>
-          </a:p>
-        </p:txBody>
-      </p:sp>
-    </p:spTree>
-    <p:extLst>
-      <p:ext uri="{BB962C8B-B14F-4D97-AF65-F5344CB8AC3E}">
-        <p14:creationId xmlns:p14="http://schemas.microsoft.com/office/powerpoint/2010/main" val="3959932171"/>
-      </p:ext>
-    </p:extLst>
-  </p:cSld>
-  <p:clrMapOvr>
-    <a:masterClrMapping/>
-  </p:clrMapOvr>
-</p:sld>
-</file>
-
-<file path=ppt/slides/slide20.xml><?xml version="1.0" encoding="utf-8"?>
+<file path=ppt/slides/slide21.xml><?xml version="1.0" encoding="utf-8"?>
 <p:sld xmlns:a="http://schemas.openxmlformats.org/drawingml/2006/main" xmlns:r="http://schemas.openxmlformats.org/officeDocument/2006/relationships" xmlns:p="http://schemas.openxmlformats.org/presentationml/2006/main">
   <p:cSld>
     <p:bg>
@@ -22739,7 +23056,7 @@
             </a:pPr>
             <a:fld id="{70F04ED7-75A1-4412-91E9-08382A689435}" type="datetime1">
               <a:rPr lang="fr-FR" smtClean="0"/>
-              <a:t>23/06/2020</a:t>
+              <a:t>25/06/2020</a:t>
             </a:fld>
             <a:endParaRPr lang="fr-FR"/>
           </a:p>
@@ -22833,7 +23150,7 @@
                   <a:spcPts val="600"/>
                 </a:spcAft>
               </a:pPr>
-              <a:t>20</a:t>
+              <a:t>21</a:t>
             </a:fld>
             <a:endParaRPr lang="fr-FR">
               <a:solidFill>
@@ -22922,7 +23239,7 @@
 </p:sld>
 </file>
 
-<file path=ppt/slides/slide21.xml><?xml version="1.0" encoding="utf-8"?>
+<file path=ppt/slides/slide22.xml><?xml version="1.0" encoding="utf-8"?>
 <p:sld xmlns:a="http://schemas.openxmlformats.org/drawingml/2006/main" xmlns:r="http://schemas.openxmlformats.org/officeDocument/2006/relationships" xmlns:p="http://schemas.openxmlformats.org/presentationml/2006/main">
   <p:cSld>
     <p:bg>
@@ -23172,7 +23489,7 @@
             <p:ph idx="1"/>
             <p:extLst>
               <p:ext uri="{D42A27DB-BD31-4B8C-83A1-F6EECF244321}">
-                <p14:modId xmlns:p14="http://schemas.microsoft.com/office/powerpoint/2010/main" val="715809293"/>
+                <p14:modId xmlns:p14="http://schemas.microsoft.com/office/powerpoint/2010/main" val="2278641970"/>
               </p:ext>
             </p:extLst>
           </p:nvPr>
@@ -23222,7 +23539,7 @@
             </a:pPr>
             <a:fld id="{0F3D448F-6DBB-44A1-8FB7-7835B9908758}" type="datetime1">
               <a:rPr lang="fr-FR" smtClean="0"/>
-              <a:t>23/06/2020</a:t>
+              <a:t>25/06/2020</a:t>
             </a:fld>
             <a:endParaRPr lang="fr-FR"/>
           </a:p>
@@ -23316,7 +23633,7 @@
                   <a:spcPts val="600"/>
                 </a:spcAft>
               </a:pPr>
-              <a:t>21</a:t>
+              <a:t>22</a:t>
             </a:fld>
             <a:endParaRPr lang="fr-FR">
               <a:solidFill>
@@ -23339,7 +23656,7 @@
 </p:sld>
 </file>
 
-<file path=ppt/slides/slide22.xml><?xml version="1.0" encoding="utf-8"?>
+<file path=ppt/slides/slide23.xml><?xml version="1.0" encoding="utf-8"?>
 <p:sld xmlns:a="http://schemas.openxmlformats.org/drawingml/2006/main" xmlns:r="http://schemas.openxmlformats.org/officeDocument/2006/relationships" xmlns:p="http://schemas.openxmlformats.org/presentationml/2006/main">
   <p:cSld>
     <p:bg>
@@ -23418,7 +23735,7 @@
                 <a:ea typeface="+mn-ea"/>
                 <a:cs typeface="+mn-cs"/>
               </a:rPr>
-              <a:t>23/06/2020</a:t>
+              <a:t>25/06/2020</a:t>
             </a:fld>
             <a:endParaRPr kumimoji="0" lang="fr-FR" b="0" i="0" u="none" strike="noStrike" kern="1200" cap="none" spc="0" normalizeH="0" baseline="0" noProof="0">
               <a:ln>
@@ -23561,7 +23878,7 @@
                 <a:tabLst/>
                 <a:defRPr/>
               </a:pPr>
-              <a:t>22</a:t>
+              <a:t>23</a:t>
             </a:fld>
             <a:endParaRPr kumimoji="0" lang="fr-FR" b="0" i="0" u="none" strike="noStrike" kern="1200" cap="none" spc="0" normalizeH="0" baseline="0" noProof="0">
               <a:ln>
@@ -23828,6 +24145,199 @@
           </p:spPr>
         </p:pic>
       </p:grpSp>
+      <p:pic>
+        <p:nvPicPr>
+          <p:cNvPr id="12" name="Image 11" descr="Une image contenant capture d’écran&#10;&#10;Description générée automatiquement">
+            <a:extLst>
+              <a:ext uri="{FF2B5EF4-FFF2-40B4-BE49-F238E27FC236}">
+                <a16:creationId xmlns:a16="http://schemas.microsoft.com/office/drawing/2014/main" id="{CA7DB375-BFAF-416C-B23A-41B6629D862E}"/>
+              </a:ext>
+            </a:extLst>
+          </p:cNvPr>
+          <p:cNvPicPr>
+            <a:picLocks noChangeAspect="1"/>
+          </p:cNvPicPr>
+          <p:nvPr/>
+        </p:nvPicPr>
+        <p:blipFill rotWithShape="1">
+          <a:blip r:embed="rId2">
+            <a:extLst>
+              <a:ext uri="{28A0092B-C50C-407E-A947-70E740481C1C}">
+                <a14:useLocalDpi xmlns:a14="http://schemas.microsoft.com/office/drawing/2010/main" val="0"/>
+              </a:ext>
+            </a:extLst>
+          </a:blip>
+          <a:srcRect l="11813" t="39782" r="46925" b="55877"/>
+          <a:stretch/>
+        </p:blipFill>
+        <p:spPr>
+          <a:xfrm>
+            <a:off x="6322166" y="2050073"/>
+            <a:ext cx="3459938" cy="529230"/>
+          </a:xfrm>
+          <a:prstGeom prst="rect">
+            <a:avLst/>
+          </a:prstGeom>
+        </p:spPr>
+      </p:pic>
+      <p:sp>
+        <p:nvSpPr>
+          <p:cNvPr id="13" name="Rectangle 12">
+            <a:extLst>
+              <a:ext uri="{FF2B5EF4-FFF2-40B4-BE49-F238E27FC236}">
+                <a16:creationId xmlns:a16="http://schemas.microsoft.com/office/drawing/2014/main" id="{44F129EE-C0C7-4C79-8E3D-B1A4BEA5F1F9}"/>
+              </a:ext>
+            </a:extLst>
+          </p:cNvPr>
+          <p:cNvSpPr/>
+          <p:nvPr/>
+        </p:nvSpPr>
+        <p:spPr>
+          <a:xfrm>
+            <a:off x="1811126" y="2579303"/>
+            <a:ext cx="1488334" cy="377257"/>
+          </a:xfrm>
+          <a:prstGeom prst="rect">
+            <a:avLst/>
+          </a:prstGeom>
+          <a:noFill/>
+        </p:spPr>
+        <p:style>
+          <a:lnRef idx="2">
+            <a:schemeClr val="accent1">
+              <a:shade val="50000"/>
+            </a:schemeClr>
+          </a:lnRef>
+          <a:fillRef idx="1">
+            <a:schemeClr val="accent1"/>
+          </a:fillRef>
+          <a:effectRef idx="0">
+            <a:schemeClr val="accent1"/>
+          </a:effectRef>
+          <a:fontRef idx="minor">
+            <a:schemeClr val="lt1"/>
+          </a:fontRef>
+        </p:style>
+        <p:txBody>
+          <a:bodyPr rtlCol="0" anchor="ctr"/>
+          <a:lstStyle/>
+          <a:p>
+            <a:pPr algn="ctr"/>
+            <a:endParaRPr lang="fr-FR"/>
+          </a:p>
+        </p:txBody>
+      </p:sp>
+      <p:grpSp>
+        <p:nvGrpSpPr>
+          <p:cNvPr id="15" name="Groupe 14">
+            <a:extLst>
+              <a:ext uri="{FF2B5EF4-FFF2-40B4-BE49-F238E27FC236}">
+                <a16:creationId xmlns:a16="http://schemas.microsoft.com/office/drawing/2014/main" id="{FC059038-4DA3-4078-AD7E-7DC49D1A8DDD}"/>
+              </a:ext>
+            </a:extLst>
+          </p:cNvPr>
+          <p:cNvGrpSpPr/>
+          <p:nvPr/>
+        </p:nvGrpSpPr>
+        <p:grpSpPr>
+          <a:xfrm>
+            <a:off x="3299460" y="1983080"/>
+            <a:ext cx="5889951" cy="973480"/>
+            <a:chOff x="407163" y="3152238"/>
+            <a:chExt cx="9053702" cy="2598044"/>
+          </a:xfrm>
+        </p:grpSpPr>
+        <p:sp>
+          <p:nvSpPr>
+            <p:cNvPr id="17" name="Légende : encadrée à une bordure 16">
+              <a:extLst>
+                <a:ext uri="{FF2B5EF4-FFF2-40B4-BE49-F238E27FC236}">
+                  <a16:creationId xmlns:a16="http://schemas.microsoft.com/office/drawing/2014/main" id="{5323B1E2-D63A-4CB2-B1A4-CC5816DD81DD}"/>
+                </a:ext>
+              </a:extLst>
+            </p:cNvPr>
+            <p:cNvSpPr/>
+            <p:nvPr/>
+          </p:nvSpPr>
+          <p:spPr>
+            <a:xfrm>
+              <a:off x="5053497" y="3152238"/>
+              <a:ext cx="4407368" cy="1743914"/>
+            </a:xfrm>
+            <a:prstGeom prst="accentBorderCallout1">
+              <a:avLst>
+                <a:gd name="adj1" fmla="val -78"/>
+                <a:gd name="adj2" fmla="val -143"/>
+                <a:gd name="adj3" fmla="val 92827"/>
+                <a:gd name="adj4" fmla="val -105252"/>
+              </a:avLst>
+            </a:prstGeom>
+            <a:noFill/>
+          </p:spPr>
+          <p:style>
+            <a:lnRef idx="2">
+              <a:schemeClr val="accent2">
+                <a:shade val="50000"/>
+              </a:schemeClr>
+            </a:lnRef>
+            <a:fillRef idx="1">
+              <a:schemeClr val="accent2"/>
+            </a:fillRef>
+            <a:effectRef idx="0">
+              <a:schemeClr val="accent2"/>
+            </a:effectRef>
+            <a:fontRef idx="minor">
+              <a:schemeClr val="lt1"/>
+            </a:fontRef>
+          </p:style>
+          <p:txBody>
+            <a:bodyPr rtlCol="0" anchor="ctr"/>
+            <a:lstStyle/>
+            <a:p>
+              <a:pPr algn="ctr"/>
+              <a:endParaRPr lang="fr-FR" dirty="0"/>
+            </a:p>
+          </p:txBody>
+        </p:sp>
+        <p:cxnSp>
+          <p:nvCxnSpPr>
+            <p:cNvPr id="18" name="Connecteur droit 17">
+              <a:extLst>
+                <a:ext uri="{FF2B5EF4-FFF2-40B4-BE49-F238E27FC236}">
+                  <a16:creationId xmlns:a16="http://schemas.microsoft.com/office/drawing/2014/main" id="{D7EBE9E4-1E08-46C6-B86E-737258BECE86}"/>
+                </a:ext>
+              </a:extLst>
+            </p:cNvPr>
+            <p:cNvCxnSpPr>
+              <a:cxnSpLocks/>
+            </p:cNvCxnSpPr>
+            <p:nvPr/>
+          </p:nvCxnSpPr>
+          <p:spPr>
+            <a:xfrm flipV="1">
+              <a:off x="407163" y="4743453"/>
+              <a:ext cx="4623383" cy="1006829"/>
+            </a:xfrm>
+            <a:prstGeom prst="line">
+              <a:avLst/>
+            </a:prstGeom>
+          </p:spPr>
+          <p:style>
+            <a:lnRef idx="1">
+              <a:schemeClr val="accent2"/>
+            </a:lnRef>
+            <a:fillRef idx="0">
+              <a:schemeClr val="accent2"/>
+            </a:fillRef>
+            <a:effectRef idx="0">
+              <a:schemeClr val="accent2"/>
+            </a:effectRef>
+            <a:fontRef idx="minor">
+              <a:schemeClr val="tx1"/>
+            </a:fontRef>
+          </p:style>
+        </p:cxnSp>
+      </p:grpSp>
     </p:spTree>
     <p:extLst>
       <p:ext uri="{BB962C8B-B14F-4D97-AF65-F5344CB8AC3E}">
@@ -23872,7 +24382,7 @@
                                           </p:stCondLst>
                                         </p:cTn>
                                         <p:tgtEl>
-                                          <p:spTgt spid="24"/>
+                                          <p:spTgt spid="13"/>
                                         </p:tgtEl>
                                         <p:attrNameLst>
                                           <p:attrName>style.visibility</p:attrName>
@@ -23886,7 +24396,7 @@
                                       <p:cBhvr>
                                         <p:cTn id="7" dur="500"/>
                                         <p:tgtEl>
-                                          <p:spTgt spid="24"/>
+                                          <p:spTgt spid="13"/>
                                         </p:tgtEl>
                                       </p:cBhvr>
                                     </p:animEffect>
@@ -23925,6 +24435,147 @@
                                           </p:stCondLst>
                                         </p:cTn>
                                         <p:tgtEl>
+                                          <p:spTgt spid="15"/>
+                                        </p:tgtEl>
+                                        <p:attrNameLst>
+                                          <p:attrName>style.visibility</p:attrName>
+                                        </p:attrNameLst>
+                                      </p:cBhvr>
+                                      <p:to>
+                                        <p:strVal val="visible"/>
+                                      </p:to>
+                                    </p:set>
+                                    <p:animEffect transition="in" filter="fade">
+                                      <p:cBhvr>
+                                        <p:cTn id="12" dur="500"/>
+                                        <p:tgtEl>
+                                          <p:spTgt spid="15"/>
+                                        </p:tgtEl>
+                                      </p:cBhvr>
+                                    </p:animEffect>
+                                  </p:childTnLst>
+                                </p:cTn>
+                              </p:par>
+                              <p:par>
+                                <p:cTn id="13" presetID="10" presetClass="entr" presetSubtype="0" fill="hold" nodeType="withEffect">
+                                  <p:stCondLst>
+                                    <p:cond delay="0"/>
+                                  </p:stCondLst>
+                                  <p:childTnLst>
+                                    <p:set>
+                                      <p:cBhvr>
+                                        <p:cTn id="14" dur="1" fill="hold">
+                                          <p:stCondLst>
+                                            <p:cond delay="0"/>
+                                          </p:stCondLst>
+                                        </p:cTn>
+                                        <p:tgtEl>
+                                          <p:spTgt spid="12"/>
+                                        </p:tgtEl>
+                                        <p:attrNameLst>
+                                          <p:attrName>style.visibility</p:attrName>
+                                        </p:attrNameLst>
+                                      </p:cBhvr>
+                                      <p:to>
+                                        <p:strVal val="visible"/>
+                                      </p:to>
+                                    </p:set>
+                                    <p:animEffect transition="in" filter="fade">
+                                      <p:cBhvr>
+                                        <p:cTn id="15" dur="500"/>
+                                        <p:tgtEl>
+                                          <p:spTgt spid="12"/>
+                                        </p:tgtEl>
+                                      </p:cBhvr>
+                                    </p:animEffect>
+                                  </p:childTnLst>
+                                </p:cTn>
+                              </p:par>
+                            </p:childTnLst>
+                          </p:cTn>
+                        </p:par>
+                      </p:childTnLst>
+                    </p:cTn>
+                  </p:par>
+                  <p:par>
+                    <p:cTn id="16" fill="hold">
+                      <p:stCondLst>
+                        <p:cond delay="indefinite"/>
+                      </p:stCondLst>
+                      <p:childTnLst>
+                        <p:par>
+                          <p:cTn id="17" fill="hold">
+                            <p:stCondLst>
+                              <p:cond delay="0"/>
+                            </p:stCondLst>
+                            <p:childTnLst>
+                              <p:par>
+                                <p:cTn id="18" presetID="10" presetClass="entr" presetSubtype="0" fill="hold" grpId="0" nodeType="clickEffect">
+                                  <p:stCondLst>
+                                    <p:cond delay="0"/>
+                                  </p:stCondLst>
+                                  <p:childTnLst>
+                                    <p:set>
+                                      <p:cBhvr>
+                                        <p:cTn id="19" dur="1" fill="hold">
+                                          <p:stCondLst>
+                                            <p:cond delay="0"/>
+                                          </p:stCondLst>
+                                        </p:cTn>
+                                        <p:tgtEl>
+                                          <p:spTgt spid="24"/>
+                                        </p:tgtEl>
+                                        <p:attrNameLst>
+                                          <p:attrName>style.visibility</p:attrName>
+                                        </p:attrNameLst>
+                                      </p:cBhvr>
+                                      <p:to>
+                                        <p:strVal val="visible"/>
+                                      </p:to>
+                                    </p:set>
+                                    <p:animEffect transition="in" filter="fade">
+                                      <p:cBhvr>
+                                        <p:cTn id="20" dur="500"/>
+                                        <p:tgtEl>
+                                          <p:spTgt spid="24"/>
+                                        </p:tgtEl>
+                                      </p:cBhvr>
+                                    </p:animEffect>
+                                  </p:childTnLst>
+                                </p:cTn>
+                              </p:par>
+                            </p:childTnLst>
+                          </p:cTn>
+                        </p:par>
+                      </p:childTnLst>
+                    </p:cTn>
+                  </p:par>
+                  <p:par>
+                    <p:cTn id="21" fill="hold">
+                      <p:stCondLst>
+                        <p:cond delay="indefinite"/>
+                      </p:stCondLst>
+                      <p:childTnLst>
+                        <p:par>
+                          <p:cTn id="22" fill="hold">
+                            <p:stCondLst>
+                              <p:cond delay="0"/>
+                            </p:stCondLst>
+                            <p:childTnLst>
+                              <p:par>
+                                <p:cTn id="23" presetID="10" presetClass="entr" presetSubtype="0" fill="hold" nodeType="clickEffect">
+                                  <p:stCondLst>
+                                    <p:cond delay="0"/>
+                                  </p:stCondLst>
+                                  <p:childTnLst>
+                                    <p:set>
+                                      <p:cBhvr>
+                                        <p:cTn id="24" dur="1" fill="hold">
+                                          <p:stCondLst>
+                                            <p:cond delay="0"/>
+                                          </p:stCondLst>
+                                        </p:cTn>
+                                        <p:tgtEl>
                                           <p:spTgt spid="2"/>
                                         </p:tgtEl>
                                         <p:attrNameLst>
@@ -23937,7 +24588,7 @@
                                     </p:set>
                                     <p:animEffect transition="in" filter="fade">
                                       <p:cBhvr>
-                                        <p:cTn id="12" dur="500"/>
+                                        <p:cTn id="25" dur="500"/>
                                         <p:tgtEl>
                                           <p:spTgt spid="2"/>
                                         </p:tgtEl>
@@ -23975,12 +24626,13 @@
     </p:tnLst>
     <p:bldLst>
       <p:bldP spid="24" grpId="0" animBg="1"/>
+      <p:bldP spid="13" grpId="0" animBg="1"/>
     </p:bldLst>
   </p:timing>
 </p:sld>
 </file>
 
-<file path=ppt/slides/slide23.xml><?xml version="1.0" encoding="utf-8"?>
+<file path=ppt/slides/slide24.xml><?xml version="1.0" encoding="utf-8"?>
 <p:sld xmlns:a="http://schemas.openxmlformats.org/drawingml/2006/main" xmlns:r="http://schemas.openxmlformats.org/officeDocument/2006/relationships" xmlns:p="http://schemas.openxmlformats.org/presentationml/2006/main">
   <p:cSld>
     <p:bg>
@@ -24249,7 +24901,7 @@
             </a:pPr>
             <a:fld id="{0AEA5EF3-AADD-4F17-A917-F36ECDC2BD75}" type="datetime1">
               <a:rPr lang="fr-FR" smtClean="0"/>
-              <a:t>23/06/2020</a:t>
+              <a:t>25/06/2020</a:t>
             </a:fld>
             <a:endParaRPr lang="fr-FR"/>
           </a:p>
@@ -24343,7 +24995,7 @@
                   <a:spcPts val="600"/>
                 </a:spcAft>
               </a:pPr>
-              <a:t>23</a:t>
+              <a:t>24</a:t>
             </a:fld>
             <a:endParaRPr lang="fr-FR">
               <a:solidFill>
@@ -24565,7 +25217,7 @@
 </p:sld>
 </file>
 
-<file path=ppt/slides/slide24.xml><?xml version="1.0" encoding="utf-8"?>
+<file path=ppt/slides/slide25.xml><?xml version="1.0" encoding="utf-8"?>
 <p:sld xmlns:a="http://schemas.openxmlformats.org/drawingml/2006/main" xmlns:r="http://schemas.openxmlformats.org/officeDocument/2006/relationships" xmlns:p="http://schemas.openxmlformats.org/presentationml/2006/main">
   <p:cSld>
     <p:spTree>
@@ -24636,7 +25288,7 @@
                 <a:ea typeface="+mn-ea"/>
                 <a:cs typeface="+mn-cs"/>
               </a:rPr>
-              <a:t>23/06/2020</a:t>
+              <a:t>25/06/2020</a:t>
             </a:fld>
             <a:endParaRPr kumimoji="0" lang="fr-FR" b="0" i="0" u="none" strike="noStrike" kern="1200" cap="none" spc="0" normalizeH="0" baseline="0" noProof="0">
               <a:ln>
@@ -24779,7 +25431,7 @@
                 <a:tabLst/>
                 <a:defRPr/>
               </a:pPr>
-              <a:t>24</a:t>
+              <a:t>25</a:t>
             </a:fld>
             <a:endParaRPr kumimoji="0" lang="fr-FR" b="0" i="0" u="none" strike="noStrike" kern="1200" cap="none" spc="0" normalizeH="0" baseline="0" noProof="0">
               <a:ln>
@@ -25198,7 +25850,7 @@
 </p:sld>
 </file>
 
-<file path=ppt/slides/slide25.xml><?xml version="1.0" encoding="utf-8"?>
+<file path=ppt/slides/slide26.xml><?xml version="1.0" encoding="utf-8"?>
 <p:sld xmlns:a="http://schemas.openxmlformats.org/drawingml/2006/main" xmlns:r="http://schemas.openxmlformats.org/officeDocument/2006/relationships" xmlns:p="http://schemas.openxmlformats.org/presentationml/2006/main">
   <p:cSld>
     <p:bg>
@@ -25472,7 +26124,7 @@
             </a:pPr>
             <a:fld id="{DCC95B5A-00F5-4032-9D11-659C3CDE3DD2}" type="datetime1">
               <a:rPr lang="fr-FR" smtClean="0"/>
-              <a:t>23/06/2020</a:t>
+              <a:t>25/06/2020</a:t>
             </a:fld>
             <a:endParaRPr lang="fr-FR"/>
           </a:p>
@@ -25566,7 +26218,7 @@
                   <a:spcPts val="600"/>
                 </a:spcAft>
               </a:pPr>
-              <a:t>25</a:t>
+              <a:t>26</a:t>
             </a:fld>
             <a:endParaRPr lang="fr-FR">
               <a:solidFill>
@@ -25758,93 +26410,10 @@
   <p:clrMapOvr>
     <a:masterClrMapping/>
   </p:clrMapOvr>
-  <p:timing>
-    <p:tnLst>
-      <p:par>
-        <p:cTn id="1" dur="indefinite" restart="never" nodeType="tmRoot">
-          <p:childTnLst>
-            <p:seq concurrent="1" nextAc="seek">
-              <p:cTn id="2" dur="indefinite" nodeType="mainSeq">
-                <p:childTnLst>
-                  <p:par>
-                    <p:cTn id="3" fill="hold">
-                      <p:stCondLst>
-                        <p:cond delay="indefinite"/>
-                      </p:stCondLst>
-                      <p:childTnLst>
-                        <p:par>
-                          <p:cTn id="4" fill="hold">
-                            <p:stCondLst>
-                              <p:cond delay="0"/>
-                            </p:stCondLst>
-                            <p:childTnLst>
-                              <p:par>
-                                <p:cTn id="5" presetID="10" presetClass="entr" presetSubtype="0" fill="hold" nodeType="clickEffect">
-                                  <p:stCondLst>
-                                    <p:cond delay="0"/>
-                                  </p:stCondLst>
-                                  <p:childTnLst>
-                                    <p:set>
-                                      <p:cBhvr>
-                                        <p:cTn id="6" dur="1" fill="hold">
-                                          <p:stCondLst>
-                                            <p:cond delay="0"/>
-                                          </p:stCondLst>
-                                        </p:cTn>
-                                        <p:tgtEl>
-                                          <p:spTgt spid="12"/>
-                                        </p:tgtEl>
-                                        <p:attrNameLst>
-                                          <p:attrName>style.visibility</p:attrName>
-                                        </p:attrNameLst>
-                                      </p:cBhvr>
-                                      <p:to>
-                                        <p:strVal val="visible"/>
-                                      </p:to>
-                                    </p:set>
-                                    <p:animEffect transition="in" filter="fade">
-                                      <p:cBhvr>
-                                        <p:cTn id="7" dur="500"/>
-                                        <p:tgtEl>
-                                          <p:spTgt spid="12"/>
-                                        </p:tgtEl>
-                                      </p:cBhvr>
-                                    </p:animEffect>
-                                  </p:childTnLst>
-                                </p:cTn>
-                              </p:par>
-                            </p:childTnLst>
-                          </p:cTn>
-                        </p:par>
-                      </p:childTnLst>
-                    </p:cTn>
-                  </p:par>
-                </p:childTnLst>
-              </p:cTn>
-              <p:prevCondLst>
-                <p:cond evt="onPrev" delay="0">
-                  <p:tgtEl>
-                    <p:sldTgt/>
-                  </p:tgtEl>
-                </p:cond>
-              </p:prevCondLst>
-              <p:nextCondLst>
-                <p:cond evt="onNext" delay="0">
-                  <p:tgtEl>
-                    <p:sldTgt/>
-                  </p:tgtEl>
-                </p:cond>
-              </p:nextCondLst>
-            </p:seq>
-          </p:childTnLst>
-        </p:cTn>
-      </p:par>
-    </p:tnLst>
-  </p:timing>
 </p:sld>
 </file>
 
-<file path=ppt/slides/slide26.xml><?xml version="1.0" encoding="utf-8"?>
+<file path=ppt/slides/slide27.xml><?xml version="1.0" encoding="utf-8"?>
 <p:sld xmlns:a="http://schemas.openxmlformats.org/drawingml/2006/main" xmlns:r="http://schemas.openxmlformats.org/officeDocument/2006/relationships" xmlns:p="http://schemas.openxmlformats.org/presentationml/2006/main">
   <p:cSld>
     <p:spTree>
@@ -25884,7 +26453,7 @@
           <a:p>
             <a:fld id="{8FCE93CB-AC50-44DA-BCED-55F111109E31}" type="datetime1">
               <a:rPr lang="fr-FR" smtClean="0"/>
-              <a:t>23/06/2020</a:t>
+              <a:t>25/06/2020</a:t>
             </a:fld>
             <a:endParaRPr lang="fr-FR"/>
           </a:p>
@@ -25941,7 +26510,7 @@
           <a:p>
             <a:fld id="{7386E8C7-F2FE-4BD9-8CCD-17179851D3F5}" type="slidenum">
               <a:rPr lang="fr-FR" smtClean="0"/>
-              <a:t>26</a:t>
+              <a:t>27</a:t>
             </a:fld>
             <a:endParaRPr lang="fr-FR"/>
           </a:p>
@@ -27656,7 +28225,7 @@
 </p:sld>
 </file>
 
-<file path=ppt/slides/slide27.xml><?xml version="1.0" encoding="utf-8"?>
+<file path=ppt/slides/slide28.xml><?xml version="1.0" encoding="utf-8"?>
 <p:sld xmlns:a="http://schemas.openxmlformats.org/drawingml/2006/main" xmlns:r="http://schemas.openxmlformats.org/officeDocument/2006/relationships" xmlns:p="http://schemas.openxmlformats.org/presentationml/2006/main">
   <p:cSld>
     <p:bg>
@@ -27930,7 +28499,7 @@
             </a:pPr>
             <a:fld id="{61FAE38A-F13F-4DB6-BF52-762D68C15B48}" type="datetime1">
               <a:rPr lang="fr-FR" smtClean="0"/>
-              <a:t>23/06/2020</a:t>
+              <a:t>25/06/2020</a:t>
             </a:fld>
             <a:endParaRPr lang="fr-FR"/>
           </a:p>
@@ -28024,7 +28593,7 @@
                   <a:spcPts val="600"/>
                 </a:spcAft>
               </a:pPr>
-              <a:t>27</a:t>
+              <a:t>28</a:t>
             </a:fld>
             <a:endParaRPr lang="fr-FR">
               <a:solidFill>
@@ -28393,7 +28962,7 @@
 </p:sld>
 </file>
 
-<file path=ppt/slides/slide28.xml><?xml version="1.0" encoding="utf-8"?>
+<file path=ppt/slides/slide29.xml><?xml version="1.0" encoding="utf-8"?>
 <p:sld xmlns:a="http://schemas.openxmlformats.org/drawingml/2006/main" xmlns:r="http://schemas.openxmlformats.org/officeDocument/2006/relationships" xmlns:p="http://schemas.openxmlformats.org/presentationml/2006/main">
   <p:cSld>
     <p:bg>
@@ -28948,7 +29517,7 @@
             </a:pPr>
             <a:fld id="{7E2CD4A2-9907-4C49-A541-9E228F1BC6A8}" type="datetime1">
               <a:rPr lang="fr-FR" smtClean="0"/>
-              <a:t>23/06/2020</a:t>
+              <a:t>25/06/2020</a:t>
             </a:fld>
             <a:endParaRPr lang="en-US"/>
           </a:p>
@@ -29041,7 +29610,7 @@
                   <a:spcPts val="600"/>
                 </a:spcAft>
               </a:pPr>
-              <a:t>28</a:t>
+              <a:t>29</a:t>
             </a:fld>
             <a:endParaRPr lang="en-US"/>
           </a:p>
@@ -29102,7 +29671,424 @@
 </p:sld>
 </file>
 
-<file path=ppt/slides/slide29.xml><?xml version="1.0" encoding="utf-8"?>
+<file path=ppt/slides/slide3.xml><?xml version="1.0" encoding="utf-8"?>
+<p:sld xmlns:a="http://schemas.openxmlformats.org/drawingml/2006/main" xmlns:r="http://schemas.openxmlformats.org/officeDocument/2006/relationships" xmlns:p="http://schemas.openxmlformats.org/presentationml/2006/main">
+  <p:cSld>
+    <p:bg>
+      <p:bgPr>
+        <a:solidFill>
+          <a:schemeClr val="bg1"/>
+        </a:solidFill>
+        <a:effectLst/>
+      </p:bgPr>
+    </p:bg>
+    <p:spTree>
+      <p:nvGrpSpPr>
+        <p:cNvPr id="1" name=""/>
+        <p:cNvGrpSpPr/>
+        <p:nvPr/>
+      </p:nvGrpSpPr>
+      <p:grpSpPr>
+        <a:xfrm>
+          <a:off x="0" y="0"/>
+          <a:ext cx="0" cy="0"/>
+          <a:chOff x="0" y="0"/>
+          <a:chExt cx="0" cy="0"/>
+        </a:xfrm>
+      </p:grpSpPr>
+      <p:sp useBgFill="1">
+        <p:nvSpPr>
+          <p:cNvPr id="32" name="Rectangle 31">
+            <a:extLst>
+              <a:ext uri="{FF2B5EF4-FFF2-40B4-BE49-F238E27FC236}">
+                <a16:creationId xmlns:a16="http://schemas.microsoft.com/office/drawing/2014/main" id="{9F5E263C-FB7E-4A3E-AD04-5140CD3D1D97}"/>
+              </a:ext>
+              <a:ext uri="{C183D7F6-B498-43B3-948B-1728B52AA6E4}">
+                <adec:decorative xmlns:adec="http://schemas.microsoft.com/office/drawing/2017/decorative" val="1"/>
+              </a:ext>
+            </a:extLst>
+          </p:cNvPr>
+          <p:cNvSpPr>
+            <a:spLocks noGrp="1" noRot="1" noChangeAspect="1" noMove="1" noResize="1" noEditPoints="1" noAdjustHandles="1" noChangeArrowheads="1" noChangeShapeType="1" noTextEdit="1"/>
+          </p:cNvSpPr>
+          <p:nvPr>
+            <p:extLst>
+              <p:ext uri="{386F3935-93C4-4BCD-93E2-E3B085C9AB24}">
+                <p16:designElem xmlns:p16="http://schemas.microsoft.com/office/powerpoint/2015/main" val="1"/>
+              </p:ext>
+            </p:extLst>
+          </p:nvPr>
+        </p:nvSpPr>
+        <p:spPr>
+          <a:xfrm>
+            <a:off x="0" y="0"/>
+            <a:ext cx="12186315" cy="6858000"/>
+          </a:xfrm>
+          <a:prstGeom prst="rect">
+            <a:avLst/>
+          </a:prstGeom>
+          <a:ln>
+            <a:noFill/>
+          </a:ln>
+        </p:spPr>
+        <p:style>
+          <a:lnRef idx="2">
+            <a:schemeClr val="accent6">
+              <a:shade val="50000"/>
+            </a:schemeClr>
+          </a:lnRef>
+          <a:fillRef idx="1001">
+            <a:schemeClr val="lt1"/>
+          </a:fillRef>
+          <a:effectRef idx="0">
+            <a:schemeClr val="accent6"/>
+          </a:effectRef>
+          <a:fontRef idx="minor">
+            <a:schemeClr val="lt1"/>
+          </a:fontRef>
+        </p:style>
+        <p:txBody>
+          <a:bodyPr rtlCol="0" anchor="ctr"/>
+          <a:lstStyle/>
+          <a:p>
+            <a:pPr algn="ctr"/>
+            <a:endParaRPr lang="en-US"/>
+          </a:p>
+        </p:txBody>
+      </p:sp>
+      <p:sp>
+        <p:nvSpPr>
+          <p:cNvPr id="34" name="Rectangle 33">
+            <a:extLst>
+              <a:ext uri="{FF2B5EF4-FFF2-40B4-BE49-F238E27FC236}">
+                <a16:creationId xmlns:a16="http://schemas.microsoft.com/office/drawing/2014/main" id="{9E65ED8C-90F7-4EB0-ACCB-64AEF411E8B9}"/>
+              </a:ext>
+              <a:ext uri="{C183D7F6-B498-43B3-948B-1728B52AA6E4}">
+                <adec:decorative xmlns:adec="http://schemas.microsoft.com/office/drawing/2017/decorative" val="1"/>
+              </a:ext>
+            </a:extLst>
+          </p:cNvPr>
+          <p:cNvSpPr>
+            <a:spLocks noGrp="1" noRot="1" noChangeAspect="1" noMove="1" noResize="1" noEditPoints="1" noAdjustHandles="1" noChangeArrowheads="1" noChangeShapeType="1" noTextEdit="1"/>
+          </p:cNvSpPr>
+          <p:nvPr>
+            <p:extLst>
+              <p:ext uri="{386F3935-93C4-4BCD-93E2-E3B085C9AB24}">
+                <p16:designElem xmlns:p16="http://schemas.microsoft.com/office/powerpoint/2015/main" val="1"/>
+              </p:ext>
+            </p:extLst>
+          </p:nvPr>
+        </p:nvSpPr>
+        <p:spPr>
+          <a:xfrm>
+            <a:off x="16" y="0"/>
+            <a:ext cx="4050791" cy="6858000"/>
+          </a:xfrm>
+          <a:prstGeom prst="rect">
+            <a:avLst/>
+          </a:prstGeom>
+          <a:solidFill>
+            <a:schemeClr val="accent2"/>
+          </a:solidFill>
+          <a:ln>
+            <a:noFill/>
+          </a:ln>
+        </p:spPr>
+        <p:style>
+          <a:lnRef idx="2">
+            <a:schemeClr val="accent1">
+              <a:shade val="50000"/>
+            </a:schemeClr>
+          </a:lnRef>
+          <a:fillRef idx="1">
+            <a:schemeClr val="accent1"/>
+          </a:fillRef>
+          <a:effectRef idx="0">
+            <a:schemeClr val="accent1"/>
+          </a:effectRef>
+          <a:fontRef idx="minor">
+            <a:schemeClr val="lt1"/>
+          </a:fontRef>
+        </p:style>
+      </p:sp>
+      <p:sp>
+        <p:nvSpPr>
+          <p:cNvPr id="7" name="Titre 6">
+            <a:extLst>
+              <a:ext uri="{FF2B5EF4-FFF2-40B4-BE49-F238E27FC236}">
+                <a16:creationId xmlns:a16="http://schemas.microsoft.com/office/drawing/2014/main" id="{8B098FDD-3C78-425B-AFEC-EE9C45D42833}"/>
+              </a:ext>
+            </a:extLst>
+          </p:cNvPr>
+          <p:cNvSpPr>
+            <a:spLocks noGrp="1"/>
+          </p:cNvSpPr>
+          <p:nvPr>
+            <p:ph type="title"/>
+          </p:nvPr>
+        </p:nvSpPr>
+        <p:spPr>
+          <a:xfrm>
+            <a:off x="492370" y="516835"/>
+            <a:ext cx="3084844" cy="5772840"/>
+          </a:xfrm>
+        </p:spPr>
+        <p:txBody>
+          <a:bodyPr anchor="ctr">
+            <a:normAutofit/>
+          </a:bodyPr>
+          <a:lstStyle/>
+          <a:p>
+            <a:r>
+              <a:rPr lang="fr-FR" sz="3600">
+                <a:solidFill>
+                  <a:srgbClr val="FFFFFF"/>
+                </a:solidFill>
+              </a:rPr>
+              <a:t>Contexte</a:t>
+            </a:r>
+          </a:p>
+        </p:txBody>
+      </p:sp>
+      <p:sp>
+        <p:nvSpPr>
+          <p:cNvPr id="36" name="Rectangle 35">
+            <a:extLst>
+              <a:ext uri="{FF2B5EF4-FFF2-40B4-BE49-F238E27FC236}">
+                <a16:creationId xmlns:a16="http://schemas.microsoft.com/office/drawing/2014/main" id="{6604E3BF-88F7-4D19-BEC9-8486966EA467}"/>
+              </a:ext>
+              <a:ext uri="{C183D7F6-B498-43B3-948B-1728B52AA6E4}">
+                <adec:decorative xmlns:adec="http://schemas.microsoft.com/office/drawing/2017/decorative" val="1"/>
+              </a:ext>
+            </a:extLst>
+          </p:cNvPr>
+          <p:cNvSpPr>
+            <a:spLocks noGrp="1" noRot="1" noChangeAspect="1" noMove="1" noResize="1" noEditPoints="1" noAdjustHandles="1" noChangeArrowheads="1" noChangeShapeType="1" noTextEdit="1"/>
+          </p:cNvSpPr>
+          <p:nvPr>
+            <p:extLst>
+              <p:ext uri="{386F3935-93C4-4BCD-93E2-E3B085C9AB24}">
+                <p16:designElem xmlns:p16="http://schemas.microsoft.com/office/powerpoint/2015/main" val="1"/>
+              </p:ext>
+            </p:extLst>
+          </p:nvPr>
+        </p:nvSpPr>
+        <p:spPr>
+          <a:xfrm>
+            <a:off x="4040071" y="0"/>
+            <a:ext cx="64008" cy="6858000"/>
+          </a:xfrm>
+          <a:prstGeom prst="rect">
+            <a:avLst/>
+          </a:prstGeom>
+          <a:solidFill>
+            <a:schemeClr val="accent1"/>
+          </a:solidFill>
+          <a:ln>
+            <a:noFill/>
+          </a:ln>
+        </p:spPr>
+        <p:style>
+          <a:lnRef idx="2">
+            <a:schemeClr val="accent1">
+              <a:shade val="50000"/>
+            </a:schemeClr>
+          </a:lnRef>
+          <a:fillRef idx="1">
+            <a:schemeClr val="accent1"/>
+          </a:fillRef>
+          <a:effectRef idx="0">
+            <a:schemeClr val="accent1"/>
+          </a:effectRef>
+          <a:fontRef idx="minor">
+            <a:schemeClr val="lt1"/>
+          </a:fontRef>
+        </p:style>
+      </p:sp>
+      <p:sp>
+        <p:nvSpPr>
+          <p:cNvPr id="4" name="Espace réservé de la date 3">
+            <a:extLst>
+              <a:ext uri="{FF2B5EF4-FFF2-40B4-BE49-F238E27FC236}">
+                <a16:creationId xmlns:a16="http://schemas.microsoft.com/office/drawing/2014/main" id="{093EFC05-08DC-4096-986B-A28CD7D52088}"/>
+              </a:ext>
+            </a:extLst>
+          </p:cNvPr>
+          <p:cNvSpPr>
+            <a:spLocks noGrp="1"/>
+          </p:cNvSpPr>
+          <p:nvPr>
+            <p:ph type="dt" sz="half" idx="10"/>
+          </p:nvPr>
+        </p:nvSpPr>
+        <p:spPr>
+          <a:xfrm>
+            <a:off x="492370" y="6459785"/>
+            <a:ext cx="1735371" cy="365125"/>
+          </a:xfrm>
+        </p:spPr>
+        <p:txBody>
+          <a:bodyPr>
+            <a:normAutofit/>
+          </a:bodyPr>
+          <a:lstStyle/>
+          <a:p>
+            <a:pPr>
+              <a:spcAft>
+                <a:spcPts val="600"/>
+              </a:spcAft>
+            </a:pPr>
+            <a:fld id="{A2803A18-E7CC-486E-9F20-93A95992AA11}" type="datetime1">
+              <a:rPr lang="fr-FR" smtClean="0"/>
+              <a:t>25/06/2020</a:t>
+            </a:fld>
+            <a:endParaRPr lang="fr-FR"/>
+          </a:p>
+        </p:txBody>
+      </p:sp>
+      <p:sp>
+        <p:nvSpPr>
+          <p:cNvPr id="5" name="Espace réservé du pied de page 4">
+            <a:extLst>
+              <a:ext uri="{FF2B5EF4-FFF2-40B4-BE49-F238E27FC236}">
+                <a16:creationId xmlns:a16="http://schemas.microsoft.com/office/drawing/2014/main" id="{DCFF5CD2-805F-4C3A-BB99-2A1794D98820}"/>
+              </a:ext>
+            </a:extLst>
+          </p:cNvPr>
+          <p:cNvSpPr>
+            <a:spLocks noGrp="1"/>
+          </p:cNvSpPr>
+          <p:nvPr>
+            <p:ph type="ftr" sz="quarter" idx="11"/>
+          </p:nvPr>
+        </p:nvSpPr>
+        <p:spPr>
+          <a:xfrm>
+            <a:off x="4742017" y="6459785"/>
+            <a:ext cx="5105169" cy="365125"/>
+          </a:xfrm>
+        </p:spPr>
+        <p:txBody>
+          <a:bodyPr>
+            <a:normAutofit/>
+          </a:bodyPr>
+          <a:lstStyle/>
+          <a:p>
+            <a:pPr algn="l">
+              <a:spcAft>
+                <a:spcPts val="600"/>
+              </a:spcAft>
+            </a:pPr>
+            <a:r>
+              <a:rPr lang="fr-FR">
+                <a:solidFill>
+                  <a:schemeClr val="tx2"/>
+                </a:solidFill>
+              </a:rPr>
+              <a:t>Sylvain ALLAIN</a:t>
+            </a:r>
+          </a:p>
+        </p:txBody>
+      </p:sp>
+      <p:sp>
+        <p:nvSpPr>
+          <p:cNvPr id="6" name="Espace réservé du numéro de diapositive 5">
+            <a:extLst>
+              <a:ext uri="{FF2B5EF4-FFF2-40B4-BE49-F238E27FC236}">
+                <a16:creationId xmlns:a16="http://schemas.microsoft.com/office/drawing/2014/main" id="{6D09E641-676B-428D-82B8-AED15902C3A9}"/>
+              </a:ext>
+            </a:extLst>
+          </p:cNvPr>
+          <p:cNvSpPr>
+            <a:spLocks noGrp="1"/>
+          </p:cNvSpPr>
+          <p:nvPr>
+            <p:ph type="sldNum" sz="quarter" idx="12"/>
+          </p:nvPr>
+        </p:nvSpPr>
+        <p:spPr>
+          <a:xfrm>
+            <a:off x="10123055" y="6459785"/>
+            <a:ext cx="1089428" cy="365125"/>
+          </a:xfrm>
+        </p:spPr>
+        <p:txBody>
+          <a:bodyPr>
+            <a:normAutofit/>
+          </a:bodyPr>
+          <a:lstStyle/>
+          <a:p>
+            <a:pPr>
+              <a:spcAft>
+                <a:spcPts val="600"/>
+              </a:spcAft>
+            </a:pPr>
+            <a:fld id="{7386E8C7-F2FE-4BD9-8CCD-17179851D3F5}" type="slidenum">
+              <a:rPr lang="fr-FR" smtClean="0">
+                <a:solidFill>
+                  <a:schemeClr val="tx2"/>
+                </a:solidFill>
+              </a:rPr>
+              <a:pPr>
+                <a:spcAft>
+                  <a:spcPts val="600"/>
+                </a:spcAft>
+              </a:pPr>
+              <a:t>3</a:t>
+            </a:fld>
+            <a:endParaRPr lang="fr-FR">
+              <a:solidFill>
+                <a:schemeClr val="tx2"/>
+              </a:solidFill>
+            </a:endParaRPr>
+          </a:p>
+        </p:txBody>
+      </p:sp>
+      <p:graphicFrame>
+        <p:nvGraphicFramePr>
+          <p:cNvPr id="10" name="Espace réservé du contenu 7">
+            <a:extLst>
+              <a:ext uri="{FF2B5EF4-FFF2-40B4-BE49-F238E27FC236}">
+                <a16:creationId xmlns:a16="http://schemas.microsoft.com/office/drawing/2014/main" id="{D1256D0D-B8D8-4FAE-9F89-227CA1027549}"/>
+              </a:ext>
+            </a:extLst>
+          </p:cNvPr>
+          <p:cNvGraphicFramePr>
+            <a:graphicFrameLocks noGrp="1"/>
+          </p:cNvGraphicFramePr>
+          <p:nvPr>
+            <p:ph idx="1"/>
+            <p:extLst>
+              <p:ext uri="{D42A27DB-BD31-4B8C-83A1-F6EECF244321}">
+                <p14:modId xmlns:p14="http://schemas.microsoft.com/office/powerpoint/2010/main" val="1531640933"/>
+              </p:ext>
+            </p:extLst>
+          </p:nvPr>
+        </p:nvGraphicFramePr>
+        <p:xfrm>
+          <a:off x="4741863" y="639763"/>
+          <a:ext cx="6797675" cy="5649912"/>
+        </p:xfrm>
+        <a:graphic>
+          <a:graphicData uri="http://schemas.openxmlformats.org/drawingml/2006/diagram">
+            <dgm:relIds xmlns:dgm="http://schemas.openxmlformats.org/drawingml/2006/diagram" xmlns:r="http://schemas.openxmlformats.org/officeDocument/2006/relationships" r:dm="rId2" r:lo="rId3" r:qs="rId4" r:cs="rId5"/>
+          </a:graphicData>
+        </a:graphic>
+      </p:graphicFrame>
+    </p:spTree>
+    <p:extLst>
+      <p:ext uri="{BB962C8B-B14F-4D97-AF65-F5344CB8AC3E}">
+        <p14:creationId xmlns:p14="http://schemas.microsoft.com/office/powerpoint/2010/main" val="4227053855"/>
+      </p:ext>
+    </p:extLst>
+  </p:cSld>
+  <p:clrMapOvr>
+    <a:masterClrMapping/>
+  </p:clrMapOvr>
+</p:sld>
+</file>
+
+<file path=ppt/slides/slide30.xml><?xml version="1.0" encoding="utf-8"?>
 <p:sld xmlns:a="http://schemas.openxmlformats.org/drawingml/2006/main" xmlns:r="http://schemas.openxmlformats.org/officeDocument/2006/relationships" xmlns:p="http://schemas.openxmlformats.org/presentationml/2006/main">
   <p:cSld>
     <p:bg>
@@ -29390,7 +30376,7 @@
             </a:pPr>
             <a:r>
               <a:rPr lang="fr-FR" dirty="0"/>
-              <a:t> Créer des albums photos</a:t>
+              <a:t> Créer un chat en temps réel</a:t>
             </a:r>
           </a:p>
           <a:p>
@@ -29406,7 +30392,7 @@
             </a:pPr>
             <a:r>
               <a:rPr lang="fr-FR" dirty="0"/>
-              <a:t> Créer un chat en temps réel</a:t>
+              <a:t> Créer des albums photos</a:t>
             </a:r>
           </a:p>
           <a:p>
@@ -29476,7 +30462,7 @@
             </a:pPr>
             <a:fld id="{BE2B0635-2F10-4392-9910-9200623560C3}" type="datetime1">
               <a:rPr lang="fr-FR" smtClean="0"/>
-              <a:t>23/06/2020</a:t>
+              <a:t>25/06/2020</a:t>
             </a:fld>
             <a:endParaRPr lang="en-US" dirty="0"/>
           </a:p>
@@ -29573,7 +30559,7 @@
                   <a:spcPts val="600"/>
                 </a:spcAft>
               </a:pPr>
-              <a:t>29</a:t>
+              <a:t>30</a:t>
             </a:fld>
             <a:endParaRPr lang="en-US" dirty="0">
               <a:solidFill>
@@ -29870,424 +30856,7 @@
 </p:sld>
 </file>
 
-<file path=ppt/slides/slide3.xml><?xml version="1.0" encoding="utf-8"?>
-<p:sld xmlns:a="http://schemas.openxmlformats.org/drawingml/2006/main" xmlns:r="http://schemas.openxmlformats.org/officeDocument/2006/relationships" xmlns:p="http://schemas.openxmlformats.org/presentationml/2006/main">
-  <p:cSld>
-    <p:bg>
-      <p:bgPr>
-        <a:solidFill>
-          <a:schemeClr val="bg1"/>
-        </a:solidFill>
-        <a:effectLst/>
-      </p:bgPr>
-    </p:bg>
-    <p:spTree>
-      <p:nvGrpSpPr>
-        <p:cNvPr id="1" name=""/>
-        <p:cNvGrpSpPr/>
-        <p:nvPr/>
-      </p:nvGrpSpPr>
-      <p:grpSpPr>
-        <a:xfrm>
-          <a:off x="0" y="0"/>
-          <a:ext cx="0" cy="0"/>
-          <a:chOff x="0" y="0"/>
-          <a:chExt cx="0" cy="0"/>
-        </a:xfrm>
-      </p:grpSpPr>
-      <p:sp useBgFill="1">
-        <p:nvSpPr>
-          <p:cNvPr id="32" name="Rectangle 31">
-            <a:extLst>
-              <a:ext uri="{FF2B5EF4-FFF2-40B4-BE49-F238E27FC236}">
-                <a16:creationId xmlns:a16="http://schemas.microsoft.com/office/drawing/2014/main" id="{9F5E263C-FB7E-4A3E-AD04-5140CD3D1D97}"/>
-              </a:ext>
-              <a:ext uri="{C183D7F6-B498-43B3-948B-1728B52AA6E4}">
-                <adec:decorative xmlns:adec="http://schemas.microsoft.com/office/drawing/2017/decorative" val="1"/>
-              </a:ext>
-            </a:extLst>
-          </p:cNvPr>
-          <p:cNvSpPr>
-            <a:spLocks noGrp="1" noRot="1" noChangeAspect="1" noMove="1" noResize="1" noEditPoints="1" noAdjustHandles="1" noChangeArrowheads="1" noChangeShapeType="1" noTextEdit="1"/>
-          </p:cNvSpPr>
-          <p:nvPr>
-            <p:extLst>
-              <p:ext uri="{386F3935-93C4-4BCD-93E2-E3B085C9AB24}">
-                <p16:designElem xmlns:p16="http://schemas.microsoft.com/office/powerpoint/2015/main" val="1"/>
-              </p:ext>
-            </p:extLst>
-          </p:nvPr>
-        </p:nvSpPr>
-        <p:spPr>
-          <a:xfrm>
-            <a:off x="0" y="0"/>
-            <a:ext cx="12186315" cy="6858000"/>
-          </a:xfrm>
-          <a:prstGeom prst="rect">
-            <a:avLst/>
-          </a:prstGeom>
-          <a:ln>
-            <a:noFill/>
-          </a:ln>
-        </p:spPr>
-        <p:style>
-          <a:lnRef idx="2">
-            <a:schemeClr val="accent6">
-              <a:shade val="50000"/>
-            </a:schemeClr>
-          </a:lnRef>
-          <a:fillRef idx="1001">
-            <a:schemeClr val="lt1"/>
-          </a:fillRef>
-          <a:effectRef idx="0">
-            <a:schemeClr val="accent6"/>
-          </a:effectRef>
-          <a:fontRef idx="minor">
-            <a:schemeClr val="lt1"/>
-          </a:fontRef>
-        </p:style>
-        <p:txBody>
-          <a:bodyPr rtlCol="0" anchor="ctr"/>
-          <a:lstStyle/>
-          <a:p>
-            <a:pPr algn="ctr"/>
-            <a:endParaRPr lang="en-US"/>
-          </a:p>
-        </p:txBody>
-      </p:sp>
-      <p:sp>
-        <p:nvSpPr>
-          <p:cNvPr id="34" name="Rectangle 33">
-            <a:extLst>
-              <a:ext uri="{FF2B5EF4-FFF2-40B4-BE49-F238E27FC236}">
-                <a16:creationId xmlns:a16="http://schemas.microsoft.com/office/drawing/2014/main" id="{9E65ED8C-90F7-4EB0-ACCB-64AEF411E8B9}"/>
-              </a:ext>
-              <a:ext uri="{C183D7F6-B498-43B3-948B-1728B52AA6E4}">
-                <adec:decorative xmlns:adec="http://schemas.microsoft.com/office/drawing/2017/decorative" val="1"/>
-              </a:ext>
-            </a:extLst>
-          </p:cNvPr>
-          <p:cNvSpPr>
-            <a:spLocks noGrp="1" noRot="1" noChangeAspect="1" noMove="1" noResize="1" noEditPoints="1" noAdjustHandles="1" noChangeArrowheads="1" noChangeShapeType="1" noTextEdit="1"/>
-          </p:cNvSpPr>
-          <p:nvPr>
-            <p:extLst>
-              <p:ext uri="{386F3935-93C4-4BCD-93E2-E3B085C9AB24}">
-                <p16:designElem xmlns:p16="http://schemas.microsoft.com/office/powerpoint/2015/main" val="1"/>
-              </p:ext>
-            </p:extLst>
-          </p:nvPr>
-        </p:nvSpPr>
-        <p:spPr>
-          <a:xfrm>
-            <a:off x="16" y="0"/>
-            <a:ext cx="4050791" cy="6858000"/>
-          </a:xfrm>
-          <a:prstGeom prst="rect">
-            <a:avLst/>
-          </a:prstGeom>
-          <a:solidFill>
-            <a:schemeClr val="accent2"/>
-          </a:solidFill>
-          <a:ln>
-            <a:noFill/>
-          </a:ln>
-        </p:spPr>
-        <p:style>
-          <a:lnRef idx="2">
-            <a:schemeClr val="accent1">
-              <a:shade val="50000"/>
-            </a:schemeClr>
-          </a:lnRef>
-          <a:fillRef idx="1">
-            <a:schemeClr val="accent1"/>
-          </a:fillRef>
-          <a:effectRef idx="0">
-            <a:schemeClr val="accent1"/>
-          </a:effectRef>
-          <a:fontRef idx="minor">
-            <a:schemeClr val="lt1"/>
-          </a:fontRef>
-        </p:style>
-      </p:sp>
-      <p:sp>
-        <p:nvSpPr>
-          <p:cNvPr id="7" name="Titre 6">
-            <a:extLst>
-              <a:ext uri="{FF2B5EF4-FFF2-40B4-BE49-F238E27FC236}">
-                <a16:creationId xmlns:a16="http://schemas.microsoft.com/office/drawing/2014/main" id="{8B098FDD-3C78-425B-AFEC-EE9C45D42833}"/>
-              </a:ext>
-            </a:extLst>
-          </p:cNvPr>
-          <p:cNvSpPr>
-            <a:spLocks noGrp="1"/>
-          </p:cNvSpPr>
-          <p:nvPr>
-            <p:ph type="title"/>
-          </p:nvPr>
-        </p:nvSpPr>
-        <p:spPr>
-          <a:xfrm>
-            <a:off x="492370" y="516835"/>
-            <a:ext cx="3084844" cy="5772840"/>
-          </a:xfrm>
-        </p:spPr>
-        <p:txBody>
-          <a:bodyPr anchor="ctr">
-            <a:normAutofit/>
-          </a:bodyPr>
-          <a:lstStyle/>
-          <a:p>
-            <a:r>
-              <a:rPr lang="fr-FR" sz="3600">
-                <a:solidFill>
-                  <a:srgbClr val="FFFFFF"/>
-                </a:solidFill>
-              </a:rPr>
-              <a:t>Contexte</a:t>
-            </a:r>
-          </a:p>
-        </p:txBody>
-      </p:sp>
-      <p:sp>
-        <p:nvSpPr>
-          <p:cNvPr id="36" name="Rectangle 35">
-            <a:extLst>
-              <a:ext uri="{FF2B5EF4-FFF2-40B4-BE49-F238E27FC236}">
-                <a16:creationId xmlns:a16="http://schemas.microsoft.com/office/drawing/2014/main" id="{6604E3BF-88F7-4D19-BEC9-8486966EA467}"/>
-              </a:ext>
-              <a:ext uri="{C183D7F6-B498-43B3-948B-1728B52AA6E4}">
-                <adec:decorative xmlns:adec="http://schemas.microsoft.com/office/drawing/2017/decorative" val="1"/>
-              </a:ext>
-            </a:extLst>
-          </p:cNvPr>
-          <p:cNvSpPr>
-            <a:spLocks noGrp="1" noRot="1" noChangeAspect="1" noMove="1" noResize="1" noEditPoints="1" noAdjustHandles="1" noChangeArrowheads="1" noChangeShapeType="1" noTextEdit="1"/>
-          </p:cNvSpPr>
-          <p:nvPr>
-            <p:extLst>
-              <p:ext uri="{386F3935-93C4-4BCD-93E2-E3B085C9AB24}">
-                <p16:designElem xmlns:p16="http://schemas.microsoft.com/office/powerpoint/2015/main" val="1"/>
-              </p:ext>
-            </p:extLst>
-          </p:nvPr>
-        </p:nvSpPr>
-        <p:spPr>
-          <a:xfrm>
-            <a:off x="4040071" y="0"/>
-            <a:ext cx="64008" cy="6858000"/>
-          </a:xfrm>
-          <a:prstGeom prst="rect">
-            <a:avLst/>
-          </a:prstGeom>
-          <a:solidFill>
-            <a:schemeClr val="accent1"/>
-          </a:solidFill>
-          <a:ln>
-            <a:noFill/>
-          </a:ln>
-        </p:spPr>
-        <p:style>
-          <a:lnRef idx="2">
-            <a:schemeClr val="accent1">
-              <a:shade val="50000"/>
-            </a:schemeClr>
-          </a:lnRef>
-          <a:fillRef idx="1">
-            <a:schemeClr val="accent1"/>
-          </a:fillRef>
-          <a:effectRef idx="0">
-            <a:schemeClr val="accent1"/>
-          </a:effectRef>
-          <a:fontRef idx="minor">
-            <a:schemeClr val="lt1"/>
-          </a:fontRef>
-        </p:style>
-      </p:sp>
-      <p:sp>
-        <p:nvSpPr>
-          <p:cNvPr id="4" name="Espace réservé de la date 3">
-            <a:extLst>
-              <a:ext uri="{FF2B5EF4-FFF2-40B4-BE49-F238E27FC236}">
-                <a16:creationId xmlns:a16="http://schemas.microsoft.com/office/drawing/2014/main" id="{093EFC05-08DC-4096-986B-A28CD7D52088}"/>
-              </a:ext>
-            </a:extLst>
-          </p:cNvPr>
-          <p:cNvSpPr>
-            <a:spLocks noGrp="1"/>
-          </p:cNvSpPr>
-          <p:nvPr>
-            <p:ph type="dt" sz="half" idx="10"/>
-          </p:nvPr>
-        </p:nvSpPr>
-        <p:spPr>
-          <a:xfrm>
-            <a:off x="492370" y="6459785"/>
-            <a:ext cx="1735371" cy="365125"/>
-          </a:xfrm>
-        </p:spPr>
-        <p:txBody>
-          <a:bodyPr>
-            <a:normAutofit/>
-          </a:bodyPr>
-          <a:lstStyle/>
-          <a:p>
-            <a:pPr>
-              <a:spcAft>
-                <a:spcPts val="600"/>
-              </a:spcAft>
-            </a:pPr>
-            <a:fld id="{A2803A18-E7CC-486E-9F20-93A95992AA11}" type="datetime1">
-              <a:rPr lang="fr-FR" smtClean="0"/>
-              <a:t>23/06/2020</a:t>
-            </a:fld>
-            <a:endParaRPr lang="fr-FR"/>
-          </a:p>
-        </p:txBody>
-      </p:sp>
-      <p:sp>
-        <p:nvSpPr>
-          <p:cNvPr id="5" name="Espace réservé du pied de page 4">
-            <a:extLst>
-              <a:ext uri="{FF2B5EF4-FFF2-40B4-BE49-F238E27FC236}">
-                <a16:creationId xmlns:a16="http://schemas.microsoft.com/office/drawing/2014/main" id="{DCFF5CD2-805F-4C3A-BB99-2A1794D98820}"/>
-              </a:ext>
-            </a:extLst>
-          </p:cNvPr>
-          <p:cNvSpPr>
-            <a:spLocks noGrp="1"/>
-          </p:cNvSpPr>
-          <p:nvPr>
-            <p:ph type="ftr" sz="quarter" idx="11"/>
-          </p:nvPr>
-        </p:nvSpPr>
-        <p:spPr>
-          <a:xfrm>
-            <a:off x="4742017" y="6459785"/>
-            <a:ext cx="5105169" cy="365125"/>
-          </a:xfrm>
-        </p:spPr>
-        <p:txBody>
-          <a:bodyPr>
-            <a:normAutofit/>
-          </a:bodyPr>
-          <a:lstStyle/>
-          <a:p>
-            <a:pPr algn="l">
-              <a:spcAft>
-                <a:spcPts val="600"/>
-              </a:spcAft>
-            </a:pPr>
-            <a:r>
-              <a:rPr lang="fr-FR">
-                <a:solidFill>
-                  <a:schemeClr val="tx2"/>
-                </a:solidFill>
-              </a:rPr>
-              <a:t>Sylvain ALLAIN</a:t>
-            </a:r>
-          </a:p>
-        </p:txBody>
-      </p:sp>
-      <p:sp>
-        <p:nvSpPr>
-          <p:cNvPr id="6" name="Espace réservé du numéro de diapositive 5">
-            <a:extLst>
-              <a:ext uri="{FF2B5EF4-FFF2-40B4-BE49-F238E27FC236}">
-                <a16:creationId xmlns:a16="http://schemas.microsoft.com/office/drawing/2014/main" id="{6D09E641-676B-428D-82B8-AED15902C3A9}"/>
-              </a:ext>
-            </a:extLst>
-          </p:cNvPr>
-          <p:cNvSpPr>
-            <a:spLocks noGrp="1"/>
-          </p:cNvSpPr>
-          <p:nvPr>
-            <p:ph type="sldNum" sz="quarter" idx="12"/>
-          </p:nvPr>
-        </p:nvSpPr>
-        <p:spPr>
-          <a:xfrm>
-            <a:off x="10123055" y="6459785"/>
-            <a:ext cx="1089428" cy="365125"/>
-          </a:xfrm>
-        </p:spPr>
-        <p:txBody>
-          <a:bodyPr>
-            <a:normAutofit/>
-          </a:bodyPr>
-          <a:lstStyle/>
-          <a:p>
-            <a:pPr>
-              <a:spcAft>
-                <a:spcPts val="600"/>
-              </a:spcAft>
-            </a:pPr>
-            <a:fld id="{7386E8C7-F2FE-4BD9-8CCD-17179851D3F5}" type="slidenum">
-              <a:rPr lang="fr-FR" smtClean="0">
-                <a:solidFill>
-                  <a:schemeClr val="tx2"/>
-                </a:solidFill>
-              </a:rPr>
-              <a:pPr>
-                <a:spcAft>
-                  <a:spcPts val="600"/>
-                </a:spcAft>
-              </a:pPr>
-              <a:t>3</a:t>
-            </a:fld>
-            <a:endParaRPr lang="fr-FR">
-              <a:solidFill>
-                <a:schemeClr val="tx2"/>
-              </a:solidFill>
-            </a:endParaRPr>
-          </a:p>
-        </p:txBody>
-      </p:sp>
-      <p:graphicFrame>
-        <p:nvGraphicFramePr>
-          <p:cNvPr id="10" name="Espace réservé du contenu 7">
-            <a:extLst>
-              <a:ext uri="{FF2B5EF4-FFF2-40B4-BE49-F238E27FC236}">
-                <a16:creationId xmlns:a16="http://schemas.microsoft.com/office/drawing/2014/main" id="{D1256D0D-B8D8-4FAE-9F89-227CA1027549}"/>
-              </a:ext>
-            </a:extLst>
-          </p:cNvPr>
-          <p:cNvGraphicFramePr>
-            <a:graphicFrameLocks noGrp="1"/>
-          </p:cNvGraphicFramePr>
-          <p:nvPr>
-            <p:ph idx="1"/>
-            <p:extLst>
-              <p:ext uri="{D42A27DB-BD31-4B8C-83A1-F6EECF244321}">
-                <p14:modId xmlns:p14="http://schemas.microsoft.com/office/powerpoint/2010/main" val="1531640933"/>
-              </p:ext>
-            </p:extLst>
-          </p:nvPr>
-        </p:nvGraphicFramePr>
-        <p:xfrm>
-          <a:off x="4741863" y="639763"/>
-          <a:ext cx="6797675" cy="5649912"/>
-        </p:xfrm>
-        <a:graphic>
-          <a:graphicData uri="http://schemas.openxmlformats.org/drawingml/2006/diagram">
-            <dgm:relIds xmlns:dgm="http://schemas.openxmlformats.org/drawingml/2006/diagram" xmlns:r="http://schemas.openxmlformats.org/officeDocument/2006/relationships" r:dm="rId2" r:lo="rId3" r:qs="rId4" r:cs="rId5"/>
-          </a:graphicData>
-        </a:graphic>
-      </p:graphicFrame>
-    </p:spTree>
-    <p:extLst>
-      <p:ext uri="{BB962C8B-B14F-4D97-AF65-F5344CB8AC3E}">
-        <p14:creationId xmlns:p14="http://schemas.microsoft.com/office/powerpoint/2010/main" val="4227053855"/>
-      </p:ext>
-    </p:extLst>
-  </p:cSld>
-  <p:clrMapOvr>
-    <a:masterClrMapping/>
-  </p:clrMapOvr>
-</p:sld>
-</file>
-
-<file path=ppt/slides/slide30.xml><?xml version="1.0" encoding="utf-8"?>
+<file path=ppt/slides/slide31.xml><?xml version="1.0" encoding="utf-8"?>
 <p:sld xmlns:a="http://schemas.openxmlformats.org/drawingml/2006/main" xmlns:r="http://schemas.openxmlformats.org/officeDocument/2006/relationships" xmlns:p="http://schemas.openxmlformats.org/presentationml/2006/main">
   <p:cSld>
     <p:bg>
@@ -30779,7 +31348,7 @@
             </a:pPr>
             <a:fld id="{511802BA-D284-442D-AE5F-A06E12DB7CA8}" type="datetime1">
               <a:rPr lang="fr-FR" smtClean="0"/>
-              <a:t>23/06/2020</a:t>
+              <a:t>25/06/2020</a:t>
             </a:fld>
             <a:endParaRPr lang="en-US"/>
           </a:p>
@@ -30872,7 +31441,7 @@
                   <a:spcPts val="600"/>
                 </a:spcAft>
               </a:pPr>
-              <a:t>30</a:t>
+              <a:t>31</a:t>
             </a:fld>
             <a:endParaRPr lang="en-US"/>
           </a:p>
@@ -30970,7 +31539,7 @@
           <a:p>
             <a:fld id="{F46F67FB-B6B1-41BB-95F9-7277CA4BE41C}" type="datetime1">
               <a:rPr lang="fr-FR" smtClean="0"/>
-              <a:t>23/06/2020</a:t>
+              <a:t>25/06/2020</a:t>
             </a:fld>
             <a:endParaRPr lang="fr-FR"/>
           </a:p>
@@ -32304,7 +32873,7 @@
             <a:pPr algn="ctr"/>
             <a:r>
               <a:rPr lang="fr-FR" dirty="0"/>
-              <a:t>Outils de développement</a:t>
+              <a:t>Outils de travail</a:t>
             </a:r>
           </a:p>
         </p:txBody>
@@ -32497,7 +33066,7 @@
           <a:p>
             <a:fld id="{41DFC34F-19CB-4FD7-9B53-2089DB3053B5}" type="datetime1">
               <a:rPr lang="fr-FR" smtClean="0"/>
-              <a:t>23/06/2020</a:t>
+              <a:t>25/06/2020</a:t>
             </a:fld>
             <a:endParaRPr lang="fr-FR"/>
           </a:p>
@@ -33846,7 +34415,7 @@
             <a:pPr algn="ctr"/>
             <a:r>
               <a:rPr lang="fr-FR" dirty="0"/>
-              <a:t>Langages, bibliothèques et environnement de développement</a:t>
+              <a:t>Langages, librairies et environnement de développement</a:t>
             </a:r>
           </a:p>
         </p:txBody>
@@ -33951,7 +34520,7 @@
           <a:p>
             <a:fld id="{89AEB0CD-A849-4603-A896-48F13E66C61D}" type="datetime1">
               <a:rPr lang="fr-FR" smtClean="0"/>
-              <a:t>23/06/2020</a:t>
+              <a:t>25/06/2020</a:t>
             </a:fld>
             <a:endParaRPr lang="fr-FR"/>
           </a:p>
@@ -34624,7 +35193,7 @@
             </a:pPr>
             <a:r>
               <a:rPr lang="fr-FR" dirty="0"/>
-              <a:t> Bibliothèques et </a:t>
+              <a:t> Librairies et </a:t>
             </a:r>
             <a:r>
               <a:rPr lang="fr-FR" dirty="0" err="1"/>
@@ -35925,7 +36494,7 @@
             </a:pPr>
             <a:fld id="{CA4C4661-7D37-449A-B4AC-F3C711951146}" type="datetime1">
               <a:rPr lang="fr-FR" smtClean="0"/>
-              <a:t>23/06/2020</a:t>
+              <a:t>25/06/2020</a:t>
             </a:fld>
             <a:endParaRPr lang="en-US"/>
           </a:p>
@@ -36567,7 +37136,7 @@
             </a:pPr>
             <a:fld id="{7B6C8970-ECC8-4DB3-A9F3-63888E75A85A}" type="datetime1">
               <a:rPr lang="fr-FR" smtClean="0"/>
-              <a:t>23/06/2020</a:t>
+              <a:t>25/06/2020</a:t>
             </a:fld>
             <a:endParaRPr lang="en-US"/>
           </a:p>
@@ -37209,7 +37778,7 @@
             </a:pPr>
             <a:fld id="{31A3E8C7-2242-4278-B97D-686D79C1DAEF}" type="datetime1">
               <a:rPr lang="fr-FR" smtClean="0"/>
-              <a:t>23/06/2020</a:t>
+              <a:t>25/06/2020</a:t>
             </a:fld>
             <a:endParaRPr lang="en-US"/>
           </a:p>

--- a/ProjetTof’Box.pptx
+++ b/ProjetTof’Box.pptx
@@ -10709,7 +10709,7 @@
           <a:p>
             <a:fld id="{A92484F3-E9B1-4147-BA48-FC09D99FF563}" type="datetimeFigureOut">
               <a:rPr lang="fr-FR" smtClean="0"/>
-              <a:t>25/06/2020</a:t>
+              <a:t>26/06/2020</a:t>
             </a:fld>
             <a:endParaRPr lang="fr-FR"/>
           </a:p>
@@ -10887,7 +10887,7 @@
           <a:p>
             <a:fld id="{04B58477-CB09-4F23-A236-9E87FF4CBDB9}" type="datetimeFigureOut">
               <a:rPr lang="fr-FR" smtClean="0"/>
-              <a:t>25/06/2020</a:t>
+              <a:t>26/06/2020</a:t>
             </a:fld>
             <a:endParaRPr lang="fr-FR"/>
           </a:p>
@@ -11930,7 +11930,7 @@
           <a:p>
             <a:fld id="{388EE2C5-1EF5-4EBC-8C38-16E15A9CDDEF}" type="datetime1">
               <a:rPr lang="fr-FR" smtClean="0"/>
-              <a:t>25/06/2020</a:t>
+              <a:t>26/06/2020</a:t>
             </a:fld>
             <a:endParaRPr lang="fr-FR"/>
           </a:p>
@@ -12141,7 +12141,7 @@
           <a:p>
             <a:fld id="{05468D74-146F-4F9E-A1D1-041085B348A0}" type="datetime1">
               <a:rPr lang="fr-FR" smtClean="0"/>
-              <a:t>25/06/2020</a:t>
+              <a:t>26/06/2020</a:t>
             </a:fld>
             <a:endParaRPr lang="fr-FR"/>
           </a:p>
@@ -12400,7 +12400,7 @@
           <a:p>
             <a:fld id="{566828A3-961A-4499-BD64-169511DFDB1F}" type="datetime1">
               <a:rPr lang="fr-FR" smtClean="0"/>
-              <a:t>25/06/2020</a:t>
+              <a:t>26/06/2020</a:t>
             </a:fld>
             <a:endParaRPr lang="fr-FR"/>
           </a:p>
@@ -12573,7 +12573,7 @@
           <a:p>
             <a:fld id="{63B7A2F3-D835-4684-A8DA-04E498BA7677}" type="datetime1">
               <a:rPr lang="fr-FR" smtClean="0"/>
-              <a:t>25/06/2020</a:t>
+              <a:t>26/06/2020</a:t>
             </a:fld>
             <a:endParaRPr lang="fr-FR"/>
           </a:p>
@@ -12919,7 +12919,7 @@
           <a:p>
             <a:fld id="{8DDC2EB0-ABEC-4627-BE38-1A2EC77B0923}" type="datetime1">
               <a:rPr lang="fr-FR" smtClean="0"/>
-              <a:t>25/06/2020</a:t>
+              <a:t>26/06/2020</a:t>
             </a:fld>
             <a:endParaRPr lang="fr-FR"/>
           </a:p>
@@ -13197,7 +13197,7 @@
           <a:p>
             <a:fld id="{43A7CB89-7AD0-4CF7-9612-F4AF81211C98}" type="datetime1">
               <a:rPr lang="fr-FR" smtClean="0"/>
-              <a:t>25/06/2020</a:t>
+              <a:t>26/06/2020</a:t>
             </a:fld>
             <a:endParaRPr lang="fr-FR"/>
           </a:p>
@@ -13579,7 +13579,7 @@
           <a:p>
             <a:fld id="{4374ED64-87F2-4F7F-884B-124C4D752064}" type="datetime1">
               <a:rPr lang="fr-FR" smtClean="0"/>
-              <a:t>25/06/2020</a:t>
+              <a:t>26/06/2020</a:t>
             </a:fld>
             <a:endParaRPr lang="fr-FR"/>
           </a:p>
@@ -13700,7 +13700,7 @@
           <a:p>
             <a:fld id="{18DDD514-7373-42F0-96D8-10E04C6FFDDE}" type="datetime1">
               <a:rPr lang="fr-FR" smtClean="0"/>
-              <a:t>25/06/2020</a:t>
+              <a:t>26/06/2020</a:t>
             </a:fld>
             <a:endParaRPr lang="fr-FR"/>
           </a:p>
@@ -13874,7 +13874,7 @@
           <a:p>
             <a:fld id="{0D0E1293-22E0-486A-A697-F308DFD1CBC8}" type="datetime1">
               <a:rPr lang="fr-FR" smtClean="0"/>
-              <a:t>25/06/2020</a:t>
+              <a:t>26/06/2020</a:t>
             </a:fld>
             <a:endParaRPr lang="fr-FR"/>
           </a:p>
@@ -14231,7 +14231,7 @@
           <a:p>
             <a:fld id="{8B405442-5C07-4167-AD29-DF1A83DE44AE}" type="datetime1">
               <a:rPr lang="fr-FR" smtClean="0"/>
-              <a:t>25/06/2020</a:t>
+              <a:t>26/06/2020</a:t>
             </a:fld>
             <a:endParaRPr lang="fr-FR"/>
           </a:p>
@@ -14611,7 +14611,7 @@
           <a:p>
             <a:fld id="{D70A3316-EBD9-45AF-A3D9-D5B111736D12}" type="datetime1">
               <a:rPr lang="fr-FR" smtClean="0"/>
-              <a:t>25/06/2020</a:t>
+              <a:t>26/06/2020</a:t>
             </a:fld>
             <a:endParaRPr lang="fr-FR"/>
           </a:p>
@@ -14901,7 +14901,7 @@
           <a:p>
             <a:fld id="{CBD41637-5BB7-4881-92C8-7B471F99E0DB}" type="datetime1">
               <a:rPr lang="fr-FR" smtClean="0"/>
-              <a:t>25/06/2020</a:t>
+              <a:t>26/06/2020</a:t>
             </a:fld>
             <a:endParaRPr lang="fr-FR"/>
           </a:p>
@@ -15788,7 +15788,7 @@
             </a:pPr>
             <a:fld id="{B7CE3B96-46F1-42D6-9CAB-8FFB4CEC0F22}" type="datetime1">
               <a:rPr lang="fr-FR" smtClean="0"/>
-              <a:t>25/06/2020</a:t>
+              <a:t>26/06/2020</a:t>
             </a:fld>
             <a:endParaRPr lang="fr-FR"/>
           </a:p>
@@ -16494,7 +16494,7 @@
             </a:pPr>
             <a:fld id="{CCEA16CD-599E-45B0-9329-081EDBCF8323}" type="datetime1">
               <a:rPr lang="fr-FR" smtClean="0"/>
-              <a:t>25/06/2020</a:t>
+              <a:t>26/06/2020</a:t>
             </a:fld>
             <a:endParaRPr lang="en-US"/>
           </a:p>
@@ -16694,7 +16694,7 @@
             </a:pPr>
             <a:fld id="{982897A1-D05D-4B7F-A85C-88311E9C06FE}" type="datetime1">
               <a:rPr lang="fr-FR" smtClean="0"/>
-              <a:t>25/06/2020</a:t>
+              <a:t>26/06/2020</a:t>
             </a:fld>
             <a:endParaRPr lang="en-US"/>
           </a:p>
@@ -16876,7 +16876,7 @@
           <a:p>
             <a:fld id="{63B75C4A-4464-4517-8619-69F42A06A740}" type="datetime1">
               <a:rPr lang="fr-FR" smtClean="0"/>
-              <a:t>25/06/2020</a:t>
+              <a:t>26/06/2020</a:t>
             </a:fld>
             <a:endParaRPr lang="fr-FR"/>
           </a:p>
@@ -17077,7 +17077,7 @@
           <a:p>
             <a:fld id="{608D7940-FA54-4D4F-8B6C-83BEE8F6EFED}" type="datetime1">
               <a:rPr lang="fr-FR" smtClean="0"/>
-              <a:t>25/06/2020</a:t>
+              <a:t>26/06/2020</a:t>
             </a:fld>
             <a:endParaRPr lang="fr-FR"/>
           </a:p>
@@ -17313,7 +17313,7 @@
           <a:p>
             <a:fld id="{8BD6FF75-D525-427E-8D15-EC2B54F3345E}" type="datetime1">
               <a:rPr lang="fr-FR" smtClean="0"/>
-              <a:t>25/06/2020</a:t>
+              <a:t>26/06/2020</a:t>
             </a:fld>
             <a:endParaRPr lang="fr-FR"/>
           </a:p>
@@ -17476,7 +17476,7 @@
             </a:pPr>
             <a:fld id="{982897A1-D05D-4B7F-A85C-88311E9C06FE}" type="datetime1">
               <a:rPr lang="fr-FR" smtClean="0"/>
-              <a:t>25/06/2020</a:t>
+              <a:t>26/06/2020</a:t>
             </a:fld>
             <a:endParaRPr lang="en-US"/>
           </a:p>
@@ -17657,7 +17657,7 @@
           <a:p>
             <a:fld id="{A0B49C85-14EF-4F3F-9C1F-53173D06BF36}" type="datetime1">
               <a:rPr lang="fr-FR" smtClean="0"/>
-              <a:t>25/06/2020</a:t>
+              <a:t>26/06/2020</a:t>
             </a:fld>
             <a:endParaRPr lang="fr-FR"/>
           </a:p>
@@ -17963,7 +17963,7 @@
           <a:p>
             <a:fld id="{A4EB7FCC-E158-4069-B78E-5FEDC5E78F5E}" type="datetime1">
               <a:rPr lang="fr-FR" smtClean="0"/>
-              <a:t>25/06/2020</a:t>
+              <a:t>26/06/2020</a:t>
             </a:fld>
             <a:endParaRPr lang="fr-FR"/>
           </a:p>
@@ -19825,7 +19825,7 @@
             </a:pPr>
             <a:fld id="{982897A1-D05D-4B7F-A85C-88311E9C06FE}" type="datetime1">
               <a:rPr lang="fr-FR" smtClean="0"/>
-              <a:t>25/06/2020</a:t>
+              <a:t>26/06/2020</a:t>
             </a:fld>
             <a:endParaRPr lang="en-US"/>
           </a:p>
@@ -19977,7 +19977,7 @@
           <a:p>
             <a:fld id="{F648853C-1A27-40F6-B79C-1B3E3ED4C064}" type="datetime1">
               <a:rPr lang="fr-FR" smtClean="0"/>
-              <a:t>25/06/2020</a:t>
+              <a:t>26/06/2020</a:t>
             </a:fld>
             <a:endParaRPr lang="fr-FR"/>
           </a:p>
@@ -20620,7 +20620,7 @@
         </p:nvGrpSpPr>
         <p:grpSpPr>
           <a:xfrm>
-            <a:off x="6254991" y="4627823"/>
+            <a:off x="5720746" y="3144954"/>
             <a:ext cx="520117" cy="501242"/>
             <a:chOff x="4630405" y="5097930"/>
             <a:chExt cx="520117" cy="501242"/>
@@ -20857,7 +20857,7 @@
         </p:nvGrpSpPr>
         <p:grpSpPr>
           <a:xfrm>
-            <a:off x="3189829" y="4727116"/>
+            <a:off x="6296617" y="4639567"/>
             <a:ext cx="520117" cy="501242"/>
             <a:chOff x="4630405" y="5097930"/>
             <a:chExt cx="520117" cy="501242"/>
@@ -20908,6 +20908,122 @@
               <a:extLst>
                 <a:ext uri="{FF2B5EF4-FFF2-40B4-BE49-F238E27FC236}">
                   <a16:creationId xmlns:a16="http://schemas.microsoft.com/office/drawing/2014/main" id="{4C69BEC2-872D-46B4-903C-17C969E32311}"/>
+                </a:ext>
+              </a:extLst>
+            </p:cNvPr>
+            <p:cNvSpPr/>
+            <p:nvPr/>
+          </p:nvSpPr>
+          <p:spPr>
+            <a:xfrm>
+              <a:off x="4630405" y="5097930"/>
+              <a:ext cx="520117" cy="501242"/>
+            </a:xfrm>
+            <a:prstGeom prst="ellipse">
+              <a:avLst/>
+            </a:prstGeom>
+            <a:noFill/>
+            <a:ln w="38100">
+              <a:solidFill>
+                <a:srgbClr val="92D050"/>
+              </a:solidFill>
+            </a:ln>
+          </p:spPr>
+          <p:style>
+            <a:lnRef idx="2">
+              <a:schemeClr val="accent1">
+                <a:shade val="50000"/>
+              </a:schemeClr>
+            </a:lnRef>
+            <a:fillRef idx="1">
+              <a:schemeClr val="accent1"/>
+            </a:fillRef>
+            <a:effectRef idx="0">
+              <a:schemeClr val="accent1"/>
+            </a:effectRef>
+            <a:fontRef idx="minor">
+              <a:schemeClr val="lt1"/>
+            </a:fontRef>
+          </p:style>
+          <p:txBody>
+            <a:bodyPr rtlCol="0" anchor="ctr"/>
+            <a:lstStyle/>
+            <a:p>
+              <a:pPr algn="ctr"/>
+              <a:endParaRPr lang="fr-FR">
+                <a:solidFill>
+                  <a:schemeClr val="accent2"/>
+                </a:solidFill>
+              </a:endParaRPr>
+            </a:p>
+          </p:txBody>
+        </p:sp>
+      </p:grpSp>
+      <p:grpSp>
+        <p:nvGrpSpPr>
+          <p:cNvPr id="32" name="Groupe 31">
+            <a:extLst>
+              <a:ext uri="{FF2B5EF4-FFF2-40B4-BE49-F238E27FC236}">
+                <a16:creationId xmlns:a16="http://schemas.microsoft.com/office/drawing/2014/main" id="{CF16977D-E714-4021-A3BA-D5C1CAB6A744}"/>
+              </a:ext>
+            </a:extLst>
+          </p:cNvPr>
+          <p:cNvGrpSpPr/>
+          <p:nvPr/>
+        </p:nvGrpSpPr>
+        <p:grpSpPr>
+          <a:xfrm>
+            <a:off x="3188922" y="3959518"/>
+            <a:ext cx="520117" cy="501242"/>
+            <a:chOff x="4630405" y="5097930"/>
+            <a:chExt cx="520117" cy="501242"/>
+          </a:xfrm>
+        </p:grpSpPr>
+        <p:sp>
+          <p:nvSpPr>
+            <p:cNvPr id="33" name="ZoneTexte 32">
+              <a:extLst>
+                <a:ext uri="{FF2B5EF4-FFF2-40B4-BE49-F238E27FC236}">
+                  <a16:creationId xmlns:a16="http://schemas.microsoft.com/office/drawing/2014/main" id="{60F96168-9045-4078-9E2C-7724030AF41B}"/>
+                </a:ext>
+              </a:extLst>
+            </p:cNvPr>
+            <p:cNvSpPr txBox="1"/>
+            <p:nvPr/>
+          </p:nvSpPr>
+          <p:spPr>
+            <a:xfrm>
+              <a:off x="4739620" y="5154122"/>
+              <a:ext cx="301686" cy="369332"/>
+            </a:xfrm>
+            <a:prstGeom prst="rect">
+              <a:avLst/>
+            </a:prstGeom>
+            <a:noFill/>
+          </p:spPr>
+          <p:txBody>
+            <a:bodyPr wrap="none" rtlCol="0">
+              <a:spAutoFit/>
+            </a:bodyPr>
+            <a:lstStyle/>
+            <a:p>
+              <a:r>
+                <a:rPr lang="fr-FR" b="1" dirty="0">
+                  <a:solidFill>
+                    <a:schemeClr val="accent2"/>
+                  </a:solidFill>
+                </a:rPr>
+                <a:t>7</a:t>
+              </a:r>
+            </a:p>
+          </p:txBody>
+        </p:sp>
+        <p:sp>
+          <p:nvSpPr>
+            <p:cNvPr id="34" name="Ellipse 33">
+              <a:extLst>
+                <a:ext uri="{FF2B5EF4-FFF2-40B4-BE49-F238E27FC236}">
+                  <a16:creationId xmlns:a16="http://schemas.microsoft.com/office/drawing/2014/main" id="{1CF5D34B-296A-4A98-8798-ADE232A053A2}"/>
                 </a:ext>
               </a:extLst>
             </p:cNvPr>
@@ -21295,6 +21411,59 @@
                       </p:childTnLst>
                     </p:cTn>
                   </p:par>
+                  <p:par>
+                    <p:cTn id="33" fill="hold">
+                      <p:stCondLst>
+                        <p:cond delay="indefinite"/>
+                      </p:stCondLst>
+                      <p:childTnLst>
+                        <p:par>
+                          <p:cTn id="34" fill="hold">
+                            <p:stCondLst>
+                              <p:cond delay="0"/>
+                            </p:stCondLst>
+                            <p:childTnLst>
+                              <p:par>
+                                <p:cTn id="35" presetID="10" presetClass="entr" presetSubtype="0" fill="hold" nodeType="clickEffect">
+                                  <p:stCondLst>
+                                    <p:cond delay="0"/>
+                                  </p:stCondLst>
+                                  <p:childTnLst>
+                                    <p:set>
+                                      <p:cBhvr>
+                                        <p:cTn id="36" dur="1" fill="hold">
+                                          <p:stCondLst>
+                                            <p:cond delay="0"/>
+                                          </p:stCondLst>
+                                        </p:cTn>
+                                        <p:tgtEl>
+                                          <p:spTgt spid="32"/>
+                                        </p:tgtEl>
+                                        <p:attrNameLst>
+                                          <p:attrName>style.visibility</p:attrName>
+                                        </p:attrNameLst>
+                                      </p:cBhvr>
+                                      <p:to>
+                                        <p:strVal val="visible"/>
+                                      </p:to>
+                                    </p:set>
+                                    <p:animEffect transition="in" filter="fade">
+                                      <p:cBhvr>
+                                        <p:cTn id="37" dur="500"/>
+                                        <p:tgtEl>
+                                          <p:spTgt spid="32"/>
+                                        </p:tgtEl>
+                                      </p:cBhvr>
+                                    </p:animEffect>
+                                  </p:childTnLst>
+                                </p:cTn>
+                              </p:par>
+                            </p:childTnLst>
+                          </p:cTn>
+                        </p:par>
+                      </p:childTnLst>
+                    </p:cTn>
+                  </p:par>
                 </p:childTnLst>
               </p:cTn>
               <p:prevCondLst>
@@ -21855,7 +22024,7 @@
             </a:pPr>
             <a:fld id="{E196F71B-D8F0-4CB6-BF93-5DF5F863AB8E}" type="datetime1">
               <a:rPr lang="fr-FR" smtClean="0"/>
-              <a:t>25/06/2020</a:t>
+              <a:t>26/06/2020</a:t>
             </a:fld>
             <a:endParaRPr lang="en-US"/>
           </a:p>
@@ -22639,7 +22808,7 @@
             </a:pPr>
             <a:fld id="{958838AE-94D6-47DC-9257-91358474C5F9}" type="datetime1">
               <a:rPr lang="fr-FR" smtClean="0"/>
-              <a:t>25/06/2020</a:t>
+              <a:t>26/06/2020</a:t>
             </a:fld>
             <a:endParaRPr lang="en-US"/>
           </a:p>
@@ -23056,7 +23225,7 @@
             </a:pPr>
             <a:fld id="{70F04ED7-75A1-4412-91E9-08382A689435}" type="datetime1">
               <a:rPr lang="fr-FR" smtClean="0"/>
-              <a:t>25/06/2020</a:t>
+              <a:t>26/06/2020</a:t>
             </a:fld>
             <a:endParaRPr lang="fr-FR"/>
           </a:p>
@@ -23539,7 +23708,7 @@
             </a:pPr>
             <a:fld id="{0F3D448F-6DBB-44A1-8FB7-7835B9908758}" type="datetime1">
               <a:rPr lang="fr-FR" smtClean="0"/>
-              <a:t>25/06/2020</a:t>
+              <a:t>26/06/2020</a:t>
             </a:fld>
             <a:endParaRPr lang="fr-FR"/>
           </a:p>
@@ -23735,7 +23904,7 @@
                 <a:ea typeface="+mn-ea"/>
                 <a:cs typeface="+mn-cs"/>
               </a:rPr>
-              <a:t>25/06/2020</a:t>
+              <a:t>26/06/2020</a:t>
             </a:fld>
             <a:endParaRPr kumimoji="0" lang="fr-FR" b="0" i="0" u="none" strike="noStrike" kern="1200" cap="none" spc="0" normalizeH="0" baseline="0" noProof="0">
               <a:ln>
@@ -24901,7 +25070,7 @@
             </a:pPr>
             <a:fld id="{0AEA5EF3-AADD-4F17-A917-F36ECDC2BD75}" type="datetime1">
               <a:rPr lang="fr-FR" smtClean="0"/>
-              <a:t>25/06/2020</a:t>
+              <a:t>26/06/2020</a:t>
             </a:fld>
             <a:endParaRPr lang="fr-FR"/>
           </a:p>
@@ -25288,7 +25457,7 @@
                 <a:ea typeface="+mn-ea"/>
                 <a:cs typeface="+mn-cs"/>
               </a:rPr>
-              <a:t>25/06/2020</a:t>
+              <a:t>26/06/2020</a:t>
             </a:fld>
             <a:endParaRPr kumimoji="0" lang="fr-FR" b="0" i="0" u="none" strike="noStrike" kern="1200" cap="none" spc="0" normalizeH="0" baseline="0" noProof="0">
               <a:ln>
@@ -26124,7 +26293,7 @@
             </a:pPr>
             <a:fld id="{DCC95B5A-00F5-4032-9D11-659C3CDE3DD2}" type="datetime1">
               <a:rPr lang="fr-FR" smtClean="0"/>
-              <a:t>25/06/2020</a:t>
+              <a:t>26/06/2020</a:t>
             </a:fld>
             <a:endParaRPr lang="fr-FR"/>
           </a:p>
@@ -26453,7 +26622,7 @@
           <a:p>
             <a:fld id="{8FCE93CB-AC50-44DA-BCED-55F111109E31}" type="datetime1">
               <a:rPr lang="fr-FR" smtClean="0"/>
-              <a:t>25/06/2020</a:t>
+              <a:t>26/06/2020</a:t>
             </a:fld>
             <a:endParaRPr lang="fr-FR"/>
           </a:p>
@@ -28499,7 +28668,7 @@
             </a:pPr>
             <a:fld id="{61FAE38A-F13F-4DB6-BF52-762D68C15B48}" type="datetime1">
               <a:rPr lang="fr-FR" smtClean="0"/>
-              <a:t>25/06/2020</a:t>
+              <a:t>26/06/2020</a:t>
             </a:fld>
             <a:endParaRPr lang="fr-FR"/>
           </a:p>
@@ -29517,7 +29686,7 @@
             </a:pPr>
             <a:fld id="{7E2CD4A2-9907-4C49-A541-9E228F1BC6A8}" type="datetime1">
               <a:rPr lang="fr-FR" smtClean="0"/>
-              <a:t>25/06/2020</a:t>
+              <a:t>26/06/2020</a:t>
             </a:fld>
             <a:endParaRPr lang="en-US"/>
           </a:p>
@@ -29940,7 +30109,7 @@
             </a:pPr>
             <a:fld id="{A2803A18-E7CC-486E-9F20-93A95992AA11}" type="datetime1">
               <a:rPr lang="fr-FR" smtClean="0"/>
-              <a:t>25/06/2020</a:t>
+              <a:t>26/06/2020</a:t>
             </a:fld>
             <a:endParaRPr lang="fr-FR"/>
           </a:p>
@@ -30462,7 +30631,7 @@
             </a:pPr>
             <a:fld id="{BE2B0635-2F10-4392-9910-9200623560C3}" type="datetime1">
               <a:rPr lang="fr-FR" smtClean="0"/>
-              <a:t>25/06/2020</a:t>
+              <a:t>26/06/2020</a:t>
             </a:fld>
             <a:endParaRPr lang="en-US" dirty="0"/>
           </a:p>
@@ -31348,7 +31517,7 @@
             </a:pPr>
             <a:fld id="{511802BA-D284-442D-AE5F-A06E12DB7CA8}" type="datetime1">
               <a:rPr lang="fr-FR" smtClean="0"/>
-              <a:t>25/06/2020</a:t>
+              <a:t>26/06/2020</a:t>
             </a:fld>
             <a:endParaRPr lang="en-US"/>
           </a:p>
@@ -31539,7 +31708,7 @@
           <a:p>
             <a:fld id="{F46F67FB-B6B1-41BB-95F9-7277CA4BE41C}" type="datetime1">
               <a:rPr lang="fr-FR" smtClean="0"/>
-              <a:t>25/06/2020</a:t>
+              <a:t>26/06/2020</a:t>
             </a:fld>
             <a:endParaRPr lang="fr-FR"/>
           </a:p>
@@ -33066,7 +33235,7 @@
           <a:p>
             <a:fld id="{41DFC34F-19CB-4FD7-9B53-2089DB3053B5}" type="datetime1">
               <a:rPr lang="fr-FR" smtClean="0"/>
-              <a:t>25/06/2020</a:t>
+              <a:t>26/06/2020</a:t>
             </a:fld>
             <a:endParaRPr lang="fr-FR"/>
           </a:p>
@@ -34520,7 +34689,7 @@
           <a:p>
             <a:fld id="{89AEB0CD-A849-4603-A896-48F13E66C61D}" type="datetime1">
               <a:rPr lang="fr-FR" smtClean="0"/>
-              <a:t>25/06/2020</a:t>
+              <a:t>26/06/2020</a:t>
             </a:fld>
             <a:endParaRPr lang="fr-FR"/>
           </a:p>
@@ -34613,7 +34782,7 @@
         <p:spPr bwMode="auto">
           <a:xfrm>
             <a:off x="1097280" y="2467428"/>
-            <a:ext cx="859985" cy="859985"/>
+            <a:ext cx="996563" cy="996563"/>
           </a:xfrm>
           <a:prstGeom prst="rect">
             <a:avLst/>
@@ -34668,7 +34837,7 @@
         <p:spPr bwMode="auto">
           <a:xfrm>
             <a:off x="2574172" y="2456529"/>
-            <a:ext cx="668855" cy="943355"/>
+            <a:ext cx="714308" cy="1007462"/>
           </a:xfrm>
           <a:prstGeom prst="rect">
             <a:avLst/>
@@ -34722,8 +34891,8 @@
         </p:blipFill>
         <p:spPr bwMode="auto">
           <a:xfrm>
-            <a:off x="3846667" y="2456529"/>
-            <a:ext cx="691776" cy="972471"/>
+            <a:off x="3846666" y="2456529"/>
+            <a:ext cx="714307" cy="1004144"/>
           </a:xfrm>
           <a:prstGeom prst="rect">
             <a:avLst/>
@@ -36494,7 +36663,7 @@
             </a:pPr>
             <a:fld id="{CA4C4661-7D37-449A-B4AC-F3C711951146}" type="datetime1">
               <a:rPr lang="fr-FR" smtClean="0"/>
-              <a:t>25/06/2020</a:t>
+              <a:t>26/06/2020</a:t>
             </a:fld>
             <a:endParaRPr lang="en-US"/>
           </a:p>
@@ -37136,7 +37305,7 @@
             </a:pPr>
             <a:fld id="{7B6C8970-ECC8-4DB3-A9F3-63888E75A85A}" type="datetime1">
               <a:rPr lang="fr-FR" smtClean="0"/>
-              <a:t>25/06/2020</a:t>
+              <a:t>26/06/2020</a:t>
             </a:fld>
             <a:endParaRPr lang="en-US"/>
           </a:p>
@@ -37778,7 +37947,7 @@
             </a:pPr>
             <a:fld id="{31A3E8C7-2242-4278-B97D-686D79C1DAEF}" type="datetime1">
               <a:rPr lang="fr-FR" smtClean="0"/>
-              <a:t>25/06/2020</a:t>
+              <a:t>26/06/2020</a:t>
             </a:fld>
             <a:endParaRPr lang="en-US"/>
           </a:p>
